--- a/outputs/legend_nrefs_paper.pptx
+++ b/outputs/legend_nrefs_paper.pptx
@@ -4,8 +4,8 @@
   <p:sldMasterIdLst>
     <p:sldMasterId id="2147483648" r:id="rId1"/>
   </p:sldMasterIdLst>
-  <p:sldIdLst>
-    <p:sldId id="256" r:id="rId2"/>
+  <p:sldIdLst xmlns:a="http://schemas.openxmlformats.org/drawingml/2006/main" xmlns:r="http://schemas.openxmlformats.org/officeDocument/2006/relationships" xmlns:p="http://schemas.openxmlformats.org/presentationml/2006/main">
+    <p:sldId id="256" r:id="rId6"/>
   </p:sldIdLst>
   <p:sldSz cx="7562850" cy="5330825"/>
   <p:notesSz cx="6858000" cy="9144000"/>
@@ -104,228 +104,7 @@
       </a:defRPr>
     </a:lvl9pPr>
   </p:defaultTextStyle>
-  <p:extLst>
-    <p:ext uri="{EFAFB233-063F-42B5-8137-9DF3F51BA10A}">
-      <p15:sldGuideLst xmlns:p15="http://schemas.microsoft.com/office/powerpoint/2012/main">
-        <p15:guide id="1" orient="horz" pos="1679">
-          <p15:clr>
-            <a:srgbClr val="A4A3A4"/>
-          </p15:clr>
-        </p15:guide>
-        <p15:guide id="2" pos="2382">
-          <p15:clr>
-            <a:srgbClr val="A4A3A4"/>
-          </p15:clr>
-        </p15:guide>
-      </p15:sldGuideLst>
-    </p:ext>
-  </p:extLst>
 </p:presentation>
-</file>
-
-<file path=ppt/revisionInfo.xml><?xml version="1.0" encoding="utf-8"?>
-<p1510:revInfo xmlns:a="http://schemas.openxmlformats.org/drawingml/2006/main" xmlns:r="http://schemas.openxmlformats.org/officeDocument/2006/relationships" xmlns:p1510="http://schemas.microsoft.com/office/powerpoint/2015/10/main">
-  <p1510:revLst>
-    <p1510:client id="{E8C49FD5-4B25-4CC0-8A15-F50BEABF72AE}" v="3" dt="2020-02-14T15:56:59.779"/>
-  </p1510:revLst>
-</p1510:revInfo>
-</file>
-
-<file path=ppt/changesInfos/changesInfo1.xml><?xml version="1.0" encoding="utf-8"?>
-<pc:chgInfo xmlns:a="http://schemas.openxmlformats.org/drawingml/2006/main" xmlns:r="http://schemas.openxmlformats.org/officeDocument/2006/relationships" xmlns:ac="http://schemas.microsoft.com/office/drawing/2013/main/command" xmlns:pc="http://schemas.microsoft.com/office/powerpoint/2013/main/command">
-  <pc:docChgLst>
-    <pc:chgData name="Andrew Baxter (student)" userId="b45e9002-b033-421d-a3d9-6d42475e9a3f" providerId="ADAL" clId="{E8C49FD5-4B25-4CC0-8A15-F50BEABF72AE}"/>
-    <pc:docChg chg="custSel modSld">
-      <pc:chgData name="Andrew Baxter (student)" userId="b45e9002-b033-421d-a3d9-6d42475e9a3f" providerId="ADAL" clId="{E8C49FD5-4B25-4CC0-8A15-F50BEABF72AE}" dt="2020-02-14T15:56:59.778" v="13" actId="164"/>
-      <pc:docMkLst>
-        <pc:docMk/>
-      </pc:docMkLst>
-      <pc:sldChg chg="addSp delSp modSp">
-        <pc:chgData name="Andrew Baxter (student)" userId="b45e9002-b033-421d-a3d9-6d42475e9a3f" providerId="ADAL" clId="{E8C49FD5-4B25-4CC0-8A15-F50BEABF72AE}" dt="2020-02-14T15:56:59.778" v="13" actId="164"/>
-        <pc:sldMkLst>
-          <pc:docMk/>
-          <pc:sldMk cId="0" sldId="256"/>
-        </pc:sldMkLst>
-        <pc:spChg chg="del">
-          <ac:chgData name="Andrew Baxter (student)" userId="b45e9002-b033-421d-a3d9-6d42475e9a3f" providerId="ADAL" clId="{E8C49FD5-4B25-4CC0-8A15-F50BEABF72AE}" dt="2020-02-14T15:56:42.816" v="0" actId="478"/>
-          <ac:spMkLst>
-            <pc:docMk/>
-            <pc:sldMk cId="0" sldId="256"/>
-            <ac:spMk id="3" creationId="{00000000-0000-0000-0000-000000000000}"/>
-          </ac:spMkLst>
-        </pc:spChg>
-        <pc:spChg chg="mod topLvl">
-          <ac:chgData name="Andrew Baxter (student)" userId="b45e9002-b033-421d-a3d9-6d42475e9a3f" providerId="ADAL" clId="{E8C49FD5-4B25-4CC0-8A15-F50BEABF72AE}" dt="2020-02-14T15:56:59.778" v="13" actId="164"/>
-          <ac:spMkLst>
-            <pc:docMk/>
-            <pc:sldMk cId="0" sldId="256"/>
-            <ac:spMk id="24" creationId="{600CCFC4-FBD6-4228-93A9-E5D8C77BFD0F}"/>
-          </ac:spMkLst>
-        </pc:spChg>
-        <pc:spChg chg="mod topLvl">
-          <ac:chgData name="Andrew Baxter (student)" userId="b45e9002-b033-421d-a3d9-6d42475e9a3f" providerId="ADAL" clId="{E8C49FD5-4B25-4CC0-8A15-F50BEABF72AE}" dt="2020-02-14T15:56:59.778" v="13" actId="164"/>
-          <ac:spMkLst>
-            <pc:docMk/>
-            <pc:sldMk cId="0" sldId="256"/>
-            <ac:spMk id="25" creationId="{B307C101-8599-4C82-827F-BE50DEE6B05C}"/>
-          </ac:spMkLst>
-        </pc:spChg>
-        <pc:spChg chg="mod topLvl">
-          <ac:chgData name="Andrew Baxter (student)" userId="b45e9002-b033-421d-a3d9-6d42475e9a3f" providerId="ADAL" clId="{E8C49FD5-4B25-4CC0-8A15-F50BEABF72AE}" dt="2020-02-14T15:56:59.778" v="13" actId="164"/>
-          <ac:spMkLst>
-            <pc:docMk/>
-            <pc:sldMk cId="0" sldId="256"/>
-            <ac:spMk id="26" creationId="{7BAAD69C-4846-4965-86ED-C7C924B7312B}"/>
-          </ac:spMkLst>
-        </pc:spChg>
-        <pc:spChg chg="del mod topLvl">
-          <ac:chgData name="Andrew Baxter (student)" userId="b45e9002-b033-421d-a3d9-6d42475e9a3f" providerId="ADAL" clId="{E8C49FD5-4B25-4CC0-8A15-F50BEABF72AE}" dt="2020-02-14T15:56:52.419" v="4" actId="478"/>
-          <ac:spMkLst>
-            <pc:docMk/>
-            <pc:sldMk cId="0" sldId="256"/>
-            <ac:spMk id="27" creationId="{579F32F7-01E6-4EBA-844B-FAB372A34A5A}"/>
-          </ac:spMkLst>
-        </pc:spChg>
-        <pc:spChg chg="del mod topLvl">
-          <ac:chgData name="Andrew Baxter (student)" userId="b45e9002-b033-421d-a3d9-6d42475e9a3f" providerId="ADAL" clId="{E8C49FD5-4B25-4CC0-8A15-F50BEABF72AE}" dt="2020-02-14T15:56:52.419" v="4" actId="478"/>
-          <ac:spMkLst>
-            <pc:docMk/>
-            <pc:sldMk cId="0" sldId="256"/>
-            <ac:spMk id="28" creationId="{CE749D58-0BA1-4164-8F89-0D264E41BF59}"/>
-          </ac:spMkLst>
-        </pc:spChg>
-        <pc:spChg chg="mod topLvl">
-          <ac:chgData name="Andrew Baxter (student)" userId="b45e9002-b033-421d-a3d9-6d42475e9a3f" providerId="ADAL" clId="{E8C49FD5-4B25-4CC0-8A15-F50BEABF72AE}" dt="2020-02-14T15:56:59.778" v="13" actId="164"/>
-          <ac:spMkLst>
-            <pc:docMk/>
-            <pc:sldMk cId="0" sldId="256"/>
-            <ac:spMk id="29" creationId="{A6AFA12B-0586-4BD6-B4DD-89796D5EF222}"/>
-          </ac:spMkLst>
-        </pc:spChg>
-        <pc:spChg chg="mod topLvl">
-          <ac:chgData name="Andrew Baxter (student)" userId="b45e9002-b033-421d-a3d9-6d42475e9a3f" providerId="ADAL" clId="{E8C49FD5-4B25-4CC0-8A15-F50BEABF72AE}" dt="2020-02-14T15:56:59.778" v="13" actId="164"/>
-          <ac:spMkLst>
-            <pc:docMk/>
-            <pc:sldMk cId="0" sldId="256"/>
-            <ac:spMk id="30" creationId="{7821F10D-3963-4329-9B0B-9755C1D6217A}"/>
-          </ac:spMkLst>
-        </pc:spChg>
-        <pc:spChg chg="mod topLvl">
-          <ac:chgData name="Andrew Baxter (student)" userId="b45e9002-b033-421d-a3d9-6d42475e9a3f" providerId="ADAL" clId="{E8C49FD5-4B25-4CC0-8A15-F50BEABF72AE}" dt="2020-02-14T15:56:59.778" v="13" actId="164"/>
-          <ac:spMkLst>
-            <pc:docMk/>
-            <pc:sldMk cId="0" sldId="256"/>
-            <ac:spMk id="31" creationId="{9BED5BEC-A6FC-4A6B-941E-204CFDE8DCAE}"/>
-          </ac:spMkLst>
-        </pc:spChg>
-        <pc:spChg chg="mod topLvl">
-          <ac:chgData name="Andrew Baxter (student)" userId="b45e9002-b033-421d-a3d9-6d42475e9a3f" providerId="ADAL" clId="{E8C49FD5-4B25-4CC0-8A15-F50BEABF72AE}" dt="2020-02-14T15:56:59.778" v="13" actId="164"/>
-          <ac:spMkLst>
-            <pc:docMk/>
-            <pc:sldMk cId="0" sldId="256"/>
-            <ac:spMk id="32" creationId="{66C1B95A-308E-4D24-89B6-157FC89CA850}"/>
-          </ac:spMkLst>
-        </pc:spChg>
-        <pc:spChg chg="mod topLvl">
-          <ac:chgData name="Andrew Baxter (student)" userId="b45e9002-b033-421d-a3d9-6d42475e9a3f" providerId="ADAL" clId="{E8C49FD5-4B25-4CC0-8A15-F50BEABF72AE}" dt="2020-02-14T15:56:59.778" v="13" actId="164"/>
-          <ac:spMkLst>
-            <pc:docMk/>
-            <pc:sldMk cId="0" sldId="256"/>
-            <ac:spMk id="33" creationId="{769694EF-80E2-4D87-893A-59A283224204}"/>
-          </ac:spMkLst>
-        </pc:spChg>
-        <pc:spChg chg="mod topLvl">
-          <ac:chgData name="Andrew Baxter (student)" userId="b45e9002-b033-421d-a3d9-6d42475e9a3f" providerId="ADAL" clId="{E8C49FD5-4B25-4CC0-8A15-F50BEABF72AE}" dt="2020-02-14T15:56:59.778" v="13" actId="164"/>
-          <ac:spMkLst>
-            <pc:docMk/>
-            <pc:sldMk cId="0" sldId="256"/>
-            <ac:spMk id="34" creationId="{4A0FF26F-4C52-4775-8BDF-6B839C2C6037}"/>
-          </ac:spMkLst>
-        </pc:spChg>
-        <pc:spChg chg="del mod topLvl">
-          <ac:chgData name="Andrew Baxter (student)" userId="b45e9002-b033-421d-a3d9-6d42475e9a3f" providerId="ADAL" clId="{E8C49FD5-4B25-4CC0-8A15-F50BEABF72AE}" dt="2020-02-14T15:56:52.419" v="4" actId="478"/>
-          <ac:spMkLst>
-            <pc:docMk/>
-            <pc:sldMk cId="0" sldId="256"/>
-            <ac:spMk id="35" creationId="{4E6D8EC1-132B-4A3A-9B17-99D6E082CB2E}"/>
-          </ac:spMkLst>
-        </pc:spChg>
-        <pc:spChg chg="del mod topLvl">
-          <ac:chgData name="Andrew Baxter (student)" userId="b45e9002-b033-421d-a3d9-6d42475e9a3f" providerId="ADAL" clId="{E8C49FD5-4B25-4CC0-8A15-F50BEABF72AE}" dt="2020-02-14T15:56:52.419" v="4" actId="478"/>
-          <ac:spMkLst>
-            <pc:docMk/>
-            <pc:sldMk cId="0" sldId="256"/>
-            <ac:spMk id="36" creationId="{8B46F7C0-156C-4E71-BFB0-01930EC35159}"/>
-          </ac:spMkLst>
-        </pc:spChg>
-        <pc:spChg chg="mod topLvl">
-          <ac:chgData name="Andrew Baxter (student)" userId="b45e9002-b033-421d-a3d9-6d42475e9a3f" providerId="ADAL" clId="{E8C49FD5-4B25-4CC0-8A15-F50BEABF72AE}" dt="2020-02-14T15:56:59.778" v="13" actId="164"/>
-          <ac:spMkLst>
-            <pc:docMk/>
-            <pc:sldMk cId="0" sldId="256"/>
-            <ac:spMk id="37" creationId="{7280C281-6C24-4EBC-B225-2B0869B0BB93}"/>
-          </ac:spMkLst>
-        </pc:spChg>
-        <pc:spChg chg="mod topLvl">
-          <ac:chgData name="Andrew Baxter (student)" userId="b45e9002-b033-421d-a3d9-6d42475e9a3f" providerId="ADAL" clId="{E8C49FD5-4B25-4CC0-8A15-F50BEABF72AE}" dt="2020-02-14T15:56:59.778" v="13" actId="164"/>
-          <ac:spMkLst>
-            <pc:docMk/>
-            <pc:sldMk cId="0" sldId="256"/>
-            <ac:spMk id="38" creationId="{C3D14303-C0CD-4954-97D8-C57274B5A381}"/>
-          </ac:spMkLst>
-        </pc:spChg>
-        <pc:spChg chg="mod topLvl">
-          <ac:chgData name="Andrew Baxter (student)" userId="b45e9002-b033-421d-a3d9-6d42475e9a3f" providerId="ADAL" clId="{E8C49FD5-4B25-4CC0-8A15-F50BEABF72AE}" dt="2020-02-14T15:56:59.778" v="13" actId="164"/>
-          <ac:spMkLst>
-            <pc:docMk/>
-            <pc:sldMk cId="0" sldId="256"/>
-            <ac:spMk id="39" creationId="{4DA02FF8-A3E3-4DBA-8C07-9EBEED350419}"/>
-          </ac:spMkLst>
-        </pc:spChg>
-        <pc:spChg chg="mod topLvl">
-          <ac:chgData name="Andrew Baxter (student)" userId="b45e9002-b033-421d-a3d9-6d42475e9a3f" providerId="ADAL" clId="{E8C49FD5-4B25-4CC0-8A15-F50BEABF72AE}" dt="2020-02-14T15:56:59.778" v="13" actId="164"/>
-          <ac:spMkLst>
-            <pc:docMk/>
-            <pc:sldMk cId="0" sldId="256"/>
-            <ac:spMk id="40" creationId="{5E13A4D6-FBF1-4078-83EB-6C098662DB14}"/>
-          </ac:spMkLst>
-        </pc:spChg>
-        <pc:spChg chg="mod topLvl">
-          <ac:chgData name="Andrew Baxter (student)" userId="b45e9002-b033-421d-a3d9-6d42475e9a3f" providerId="ADAL" clId="{E8C49FD5-4B25-4CC0-8A15-F50BEABF72AE}" dt="2020-02-14T15:56:59.778" v="13" actId="164"/>
-          <ac:spMkLst>
-            <pc:docMk/>
-            <pc:sldMk cId="0" sldId="256"/>
-            <ac:spMk id="41" creationId="{7A3C3488-C86A-4D01-8785-C91D24044031}"/>
-          </ac:spMkLst>
-        </pc:spChg>
-        <pc:spChg chg="mod topLvl">
-          <ac:chgData name="Andrew Baxter (student)" userId="b45e9002-b033-421d-a3d9-6d42475e9a3f" providerId="ADAL" clId="{E8C49FD5-4B25-4CC0-8A15-F50BEABF72AE}" dt="2020-02-14T15:56:59.778" v="13" actId="164"/>
-          <ac:spMkLst>
-            <pc:docMk/>
-            <pc:sldMk cId="0" sldId="256"/>
-            <ac:spMk id="42" creationId="{F3E409E2-CF30-4D51-B750-198F05E402E2}"/>
-          </ac:spMkLst>
-        </pc:spChg>
-        <pc:grpChg chg="add del mod">
-          <ac:chgData name="Andrew Baxter (student)" userId="b45e9002-b033-421d-a3d9-6d42475e9a3f" providerId="ADAL" clId="{E8C49FD5-4B25-4CC0-8A15-F50BEABF72AE}" dt="2020-02-14T15:56:48.911" v="3" actId="165"/>
-          <ac:grpSpMkLst>
-            <pc:docMk/>
-            <pc:sldMk cId="0" sldId="256"/>
-            <ac:grpSpMk id="23" creationId="{06966203-31BA-41A9-9D96-A7EB72EEF95B}"/>
-          </ac:grpSpMkLst>
-        </pc:grpChg>
-        <pc:grpChg chg="add mod">
-          <ac:chgData name="Andrew Baxter (student)" userId="b45e9002-b033-421d-a3d9-6d42475e9a3f" providerId="ADAL" clId="{E8C49FD5-4B25-4CC0-8A15-F50BEABF72AE}" dt="2020-02-14T15:56:59.778" v="13" actId="164"/>
-          <ac:grpSpMkLst>
-            <pc:docMk/>
-            <pc:sldMk cId="0" sldId="256"/>
-            <ac:grpSpMk id="43" creationId="{104CE18D-5E94-4E3E-8B2B-76B5DB4EE667}"/>
-          </ac:grpSpMkLst>
-        </pc:grpChg>
-      </pc:sldChg>
-    </pc:docChg>
-  </pc:docChgLst>
-</pc:chgInfo>
 </file>
 
 <file path=ppt/slideLayouts/slideLayout1.xml><?xml version="1.0" encoding="utf-8"?>
@@ -366,7 +145,7 @@
           <a:lstStyle/>
           <a:p>
             <a:r>
-              <a:rPr lang="en-US"/>
+              <a:rPr lang="en-US" smtClean="0"/>
               <a:t>Click to edit Master title style</a:t>
             </a:r>
             <a:endParaRPr lang="en-GB"/>
@@ -485,7 +264,7 @@
           </a:lstStyle>
           <a:p>
             <a:r>
-              <a:rPr lang="en-US"/>
+              <a:rPr lang="en-US" smtClean="0"/>
               <a:t>Click to edit Master subtitle style</a:t>
             </a:r>
             <a:endParaRPr lang="en-GB"/>
@@ -509,7 +288,7 @@
           <a:p>
             <a:fld id="{6BA5D40C-A8DC-479A-A5D3-E7B4936A184B}" type="datetimeFigureOut">
               <a:rPr lang="en-GB" smtClean="0"/>
-              <a:t>14/02/2020</a:t>
+              <a:t>15/07/2015</a:t>
             </a:fld>
             <a:endParaRPr lang="en-GB"/>
           </a:p>
@@ -603,7 +382,7 @@
           <a:lstStyle/>
           <a:p>
             <a:r>
-              <a:rPr lang="en-US"/>
+              <a:rPr lang="en-US" smtClean="0"/>
               <a:t>Click to edit Master title style</a:t>
             </a:r>
             <a:endParaRPr lang="en-GB"/>
@@ -627,35 +406,35 @@
           <a:p>
             <a:pPr lvl="0"/>
             <a:r>
-              <a:rPr lang="en-US"/>
+              <a:rPr lang="en-US" smtClean="0"/>
               <a:t>Click to edit Master text styles</a:t>
             </a:r>
           </a:p>
           <a:p>
             <a:pPr lvl="1"/>
             <a:r>
-              <a:rPr lang="en-US"/>
+              <a:rPr lang="en-US" smtClean="0"/>
               <a:t>Second level</a:t>
             </a:r>
           </a:p>
           <a:p>
             <a:pPr lvl="2"/>
             <a:r>
-              <a:rPr lang="en-US"/>
+              <a:rPr lang="en-US" smtClean="0"/>
               <a:t>Third level</a:t>
             </a:r>
           </a:p>
           <a:p>
             <a:pPr lvl="3"/>
             <a:r>
-              <a:rPr lang="en-US"/>
+              <a:rPr lang="en-US" smtClean="0"/>
               <a:t>Fourth level</a:t>
             </a:r>
           </a:p>
           <a:p>
             <a:pPr lvl="4"/>
             <a:r>
-              <a:rPr lang="en-US"/>
+              <a:rPr lang="en-US" smtClean="0"/>
               <a:t>Fifth level</a:t>
             </a:r>
             <a:endParaRPr lang="en-GB"/>
@@ -679,7 +458,7 @@
           <a:p>
             <a:fld id="{6BA5D40C-A8DC-479A-A5D3-E7B4936A184B}" type="datetimeFigureOut">
               <a:rPr lang="en-GB" smtClean="0"/>
-              <a:t>14/02/2020</a:t>
+              <a:t>15/07/2015</a:t>
             </a:fld>
             <a:endParaRPr lang="en-GB"/>
           </a:p>
@@ -778,7 +557,7 @@
           <a:lstStyle/>
           <a:p>
             <a:r>
-              <a:rPr lang="en-US"/>
+              <a:rPr lang="en-US" smtClean="0"/>
               <a:t>Click to edit Master title style</a:t>
             </a:r>
             <a:endParaRPr lang="en-GB"/>
@@ -807,35 +586,35 @@
           <a:p>
             <a:pPr lvl="0"/>
             <a:r>
-              <a:rPr lang="en-US"/>
+              <a:rPr lang="en-US" smtClean="0"/>
               <a:t>Click to edit Master text styles</a:t>
             </a:r>
           </a:p>
           <a:p>
             <a:pPr lvl="1"/>
             <a:r>
-              <a:rPr lang="en-US"/>
+              <a:rPr lang="en-US" smtClean="0"/>
               <a:t>Second level</a:t>
             </a:r>
           </a:p>
           <a:p>
             <a:pPr lvl="2"/>
             <a:r>
-              <a:rPr lang="en-US"/>
+              <a:rPr lang="en-US" smtClean="0"/>
               <a:t>Third level</a:t>
             </a:r>
           </a:p>
           <a:p>
             <a:pPr lvl="3"/>
             <a:r>
-              <a:rPr lang="en-US"/>
+              <a:rPr lang="en-US" smtClean="0"/>
               <a:t>Fourth level</a:t>
             </a:r>
           </a:p>
           <a:p>
             <a:pPr lvl="4"/>
             <a:r>
-              <a:rPr lang="en-US"/>
+              <a:rPr lang="en-US" smtClean="0"/>
               <a:t>Fifth level</a:t>
             </a:r>
             <a:endParaRPr lang="en-GB"/>
@@ -859,7 +638,7 @@
           <a:p>
             <a:fld id="{6BA5D40C-A8DC-479A-A5D3-E7B4936A184B}" type="datetimeFigureOut">
               <a:rPr lang="en-GB" smtClean="0"/>
-              <a:t>14/02/2020</a:t>
+              <a:t>15/07/2015</a:t>
             </a:fld>
             <a:endParaRPr lang="en-GB"/>
           </a:p>
@@ -953,7 +732,7 @@
           <a:lstStyle/>
           <a:p>
             <a:r>
-              <a:rPr lang="en-US"/>
+              <a:rPr lang="en-US" smtClean="0"/>
               <a:t>Click to edit Master title style</a:t>
             </a:r>
             <a:endParaRPr lang="en-GB"/>
@@ -977,35 +756,35 @@
           <a:p>
             <a:pPr lvl="0"/>
             <a:r>
-              <a:rPr lang="en-US"/>
+              <a:rPr lang="en-US" smtClean="0"/>
               <a:t>Click to edit Master text styles</a:t>
             </a:r>
           </a:p>
           <a:p>
             <a:pPr lvl="1"/>
             <a:r>
-              <a:rPr lang="en-US"/>
+              <a:rPr lang="en-US" smtClean="0"/>
               <a:t>Second level</a:t>
             </a:r>
           </a:p>
           <a:p>
             <a:pPr lvl="2"/>
             <a:r>
-              <a:rPr lang="en-US"/>
+              <a:rPr lang="en-US" smtClean="0"/>
               <a:t>Third level</a:t>
             </a:r>
           </a:p>
           <a:p>
             <a:pPr lvl="3"/>
             <a:r>
-              <a:rPr lang="en-US"/>
+              <a:rPr lang="en-US" smtClean="0"/>
               <a:t>Fourth level</a:t>
             </a:r>
           </a:p>
           <a:p>
             <a:pPr lvl="4"/>
             <a:r>
-              <a:rPr lang="en-US"/>
+              <a:rPr lang="en-US" smtClean="0"/>
               <a:t>Fifth level</a:t>
             </a:r>
             <a:endParaRPr lang="en-GB"/>
@@ -1029,7 +808,7 @@
           <a:p>
             <a:fld id="{6BA5D40C-A8DC-479A-A5D3-E7B4936A184B}" type="datetimeFigureOut">
               <a:rPr lang="en-GB" smtClean="0"/>
-              <a:t>14/02/2020</a:t>
+              <a:t>15/07/2015</a:t>
             </a:fld>
             <a:endParaRPr lang="en-GB"/>
           </a:p>
@@ -1132,7 +911,7 @@
           </a:lstStyle>
           <a:p>
             <a:r>
-              <a:rPr lang="en-US"/>
+              <a:rPr lang="en-US" smtClean="0"/>
               <a:t>Click to edit Master title style</a:t>
             </a:r>
             <a:endParaRPr lang="en-GB"/>
@@ -1252,7 +1031,7 @@
           <a:p>
             <a:pPr lvl="0"/>
             <a:r>
-              <a:rPr lang="en-US"/>
+              <a:rPr lang="en-US" smtClean="0"/>
               <a:t>Click to edit Master text styles</a:t>
             </a:r>
           </a:p>
@@ -1275,7 +1054,7 @@
           <a:p>
             <a:fld id="{6BA5D40C-A8DC-479A-A5D3-E7B4936A184B}" type="datetimeFigureOut">
               <a:rPr lang="en-GB" smtClean="0"/>
-              <a:t>14/02/2020</a:t>
+              <a:t>15/07/2015</a:t>
             </a:fld>
             <a:endParaRPr lang="en-GB"/>
           </a:p>
@@ -1369,7 +1148,7 @@
           <a:lstStyle/>
           <a:p>
             <a:r>
-              <a:rPr lang="en-US"/>
+              <a:rPr lang="en-US" smtClean="0"/>
               <a:t>Click to edit Master title style</a:t>
             </a:r>
             <a:endParaRPr lang="en-GB"/>
@@ -1426,35 +1205,35 @@
           <a:p>
             <a:pPr lvl="0"/>
             <a:r>
-              <a:rPr lang="en-US"/>
+              <a:rPr lang="en-US" smtClean="0"/>
               <a:t>Click to edit Master text styles</a:t>
             </a:r>
           </a:p>
           <a:p>
             <a:pPr lvl="1"/>
             <a:r>
-              <a:rPr lang="en-US"/>
+              <a:rPr lang="en-US" smtClean="0"/>
               <a:t>Second level</a:t>
             </a:r>
           </a:p>
           <a:p>
             <a:pPr lvl="2"/>
             <a:r>
-              <a:rPr lang="en-US"/>
+              <a:rPr lang="en-US" smtClean="0"/>
               <a:t>Third level</a:t>
             </a:r>
           </a:p>
           <a:p>
             <a:pPr lvl="3"/>
             <a:r>
-              <a:rPr lang="en-US"/>
+              <a:rPr lang="en-US" smtClean="0"/>
               <a:t>Fourth level</a:t>
             </a:r>
           </a:p>
           <a:p>
             <a:pPr lvl="4"/>
             <a:r>
-              <a:rPr lang="en-US"/>
+              <a:rPr lang="en-US" smtClean="0"/>
               <a:t>Fifth level</a:t>
             </a:r>
             <a:endParaRPr lang="en-GB"/>
@@ -1511,35 +1290,35 @@
           <a:p>
             <a:pPr lvl="0"/>
             <a:r>
-              <a:rPr lang="en-US"/>
+              <a:rPr lang="en-US" smtClean="0"/>
               <a:t>Click to edit Master text styles</a:t>
             </a:r>
           </a:p>
           <a:p>
             <a:pPr lvl="1"/>
             <a:r>
-              <a:rPr lang="en-US"/>
+              <a:rPr lang="en-US" smtClean="0"/>
               <a:t>Second level</a:t>
             </a:r>
           </a:p>
           <a:p>
             <a:pPr lvl="2"/>
             <a:r>
-              <a:rPr lang="en-US"/>
+              <a:rPr lang="en-US" smtClean="0"/>
               <a:t>Third level</a:t>
             </a:r>
           </a:p>
           <a:p>
             <a:pPr lvl="3"/>
             <a:r>
-              <a:rPr lang="en-US"/>
+              <a:rPr lang="en-US" smtClean="0"/>
               <a:t>Fourth level</a:t>
             </a:r>
           </a:p>
           <a:p>
             <a:pPr lvl="4"/>
             <a:r>
-              <a:rPr lang="en-US"/>
+              <a:rPr lang="en-US" smtClean="0"/>
               <a:t>Fifth level</a:t>
             </a:r>
             <a:endParaRPr lang="en-GB"/>
@@ -1563,7 +1342,7 @@
           <a:p>
             <a:fld id="{6BA5D40C-A8DC-479A-A5D3-E7B4936A184B}" type="datetimeFigureOut">
               <a:rPr lang="en-GB" smtClean="0"/>
-              <a:t>14/02/2020</a:t>
+              <a:t>15/07/2015</a:t>
             </a:fld>
             <a:endParaRPr lang="en-GB"/>
           </a:p>
@@ -1666,7 +1445,7 @@
           </a:lstStyle>
           <a:p>
             <a:r>
-              <a:rPr lang="en-US"/>
+              <a:rPr lang="en-US" smtClean="0"/>
               <a:t>Click to edit Master title style</a:t>
             </a:r>
             <a:endParaRPr lang="en-GB"/>
@@ -1732,7 +1511,7 @@
           <a:p>
             <a:pPr lvl="0"/>
             <a:r>
-              <a:rPr lang="en-US"/>
+              <a:rPr lang="en-US" smtClean="0"/>
               <a:t>Click to edit Master text styles</a:t>
             </a:r>
           </a:p>
@@ -1788,35 +1567,35 @@
           <a:p>
             <a:pPr lvl="0"/>
             <a:r>
-              <a:rPr lang="en-US"/>
+              <a:rPr lang="en-US" smtClean="0"/>
               <a:t>Click to edit Master text styles</a:t>
             </a:r>
           </a:p>
           <a:p>
             <a:pPr lvl="1"/>
             <a:r>
-              <a:rPr lang="en-US"/>
+              <a:rPr lang="en-US" smtClean="0"/>
               <a:t>Second level</a:t>
             </a:r>
           </a:p>
           <a:p>
             <a:pPr lvl="2"/>
             <a:r>
-              <a:rPr lang="en-US"/>
+              <a:rPr lang="en-US" smtClean="0"/>
               <a:t>Third level</a:t>
             </a:r>
           </a:p>
           <a:p>
             <a:pPr lvl="3"/>
             <a:r>
-              <a:rPr lang="en-US"/>
+              <a:rPr lang="en-US" smtClean="0"/>
               <a:t>Fourth level</a:t>
             </a:r>
           </a:p>
           <a:p>
             <a:pPr lvl="4"/>
             <a:r>
-              <a:rPr lang="en-US"/>
+              <a:rPr lang="en-US" smtClean="0"/>
               <a:t>Fifth level</a:t>
             </a:r>
             <a:endParaRPr lang="en-GB"/>
@@ -1882,7 +1661,7 @@
           <a:p>
             <a:pPr lvl="0"/>
             <a:r>
-              <a:rPr lang="en-US"/>
+              <a:rPr lang="en-US" smtClean="0"/>
               <a:t>Click to edit Master text styles</a:t>
             </a:r>
           </a:p>
@@ -1938,35 +1717,35 @@
           <a:p>
             <a:pPr lvl="0"/>
             <a:r>
-              <a:rPr lang="en-US"/>
+              <a:rPr lang="en-US" smtClean="0"/>
               <a:t>Click to edit Master text styles</a:t>
             </a:r>
           </a:p>
           <a:p>
             <a:pPr lvl="1"/>
             <a:r>
-              <a:rPr lang="en-US"/>
+              <a:rPr lang="en-US" smtClean="0"/>
               <a:t>Second level</a:t>
             </a:r>
           </a:p>
           <a:p>
             <a:pPr lvl="2"/>
             <a:r>
-              <a:rPr lang="en-US"/>
+              <a:rPr lang="en-US" smtClean="0"/>
               <a:t>Third level</a:t>
             </a:r>
           </a:p>
           <a:p>
             <a:pPr lvl="3"/>
             <a:r>
-              <a:rPr lang="en-US"/>
+              <a:rPr lang="en-US" smtClean="0"/>
               <a:t>Fourth level</a:t>
             </a:r>
           </a:p>
           <a:p>
             <a:pPr lvl="4"/>
             <a:r>
-              <a:rPr lang="en-US"/>
+              <a:rPr lang="en-US" smtClean="0"/>
               <a:t>Fifth level</a:t>
             </a:r>
             <a:endParaRPr lang="en-GB"/>
@@ -1990,7 +1769,7 @@
           <a:p>
             <a:fld id="{6BA5D40C-A8DC-479A-A5D3-E7B4936A184B}" type="datetimeFigureOut">
               <a:rPr lang="en-GB" smtClean="0"/>
-              <a:t>14/02/2020</a:t>
+              <a:t>15/07/2015</a:t>
             </a:fld>
             <a:endParaRPr lang="en-GB"/>
           </a:p>
@@ -2084,7 +1863,7 @@
           <a:lstStyle/>
           <a:p>
             <a:r>
-              <a:rPr lang="en-US"/>
+              <a:rPr lang="en-US" smtClean="0"/>
               <a:t>Click to edit Master title style</a:t>
             </a:r>
             <a:endParaRPr lang="en-GB"/>
@@ -2108,7 +1887,7 @@
           <a:p>
             <a:fld id="{6BA5D40C-A8DC-479A-A5D3-E7B4936A184B}" type="datetimeFigureOut">
               <a:rPr lang="en-GB" smtClean="0"/>
-              <a:t>14/02/2020</a:t>
+              <a:t>15/07/2015</a:t>
             </a:fld>
             <a:endParaRPr lang="en-GB"/>
           </a:p>
@@ -2203,7 +1982,7 @@
           <a:p>
             <a:fld id="{6BA5D40C-A8DC-479A-A5D3-E7B4936A184B}" type="datetimeFigureOut">
               <a:rPr lang="en-GB" smtClean="0"/>
-              <a:t>14/02/2020</a:t>
+              <a:t>15/07/2015</a:t>
             </a:fld>
             <a:endParaRPr lang="en-GB"/>
           </a:p>
@@ -2306,7 +2085,7 @@
           </a:lstStyle>
           <a:p>
             <a:r>
-              <a:rPr lang="en-US"/>
+              <a:rPr lang="en-US" smtClean="0"/>
               <a:t>Click to edit Master title style</a:t>
             </a:r>
             <a:endParaRPr lang="en-GB"/>
@@ -2363,35 +2142,35 @@
           <a:p>
             <a:pPr lvl="0"/>
             <a:r>
-              <a:rPr lang="en-US"/>
+              <a:rPr lang="en-US" smtClean="0"/>
               <a:t>Click to edit Master text styles</a:t>
             </a:r>
           </a:p>
           <a:p>
             <a:pPr lvl="1"/>
             <a:r>
-              <a:rPr lang="en-US"/>
+              <a:rPr lang="en-US" smtClean="0"/>
               <a:t>Second level</a:t>
             </a:r>
           </a:p>
           <a:p>
             <a:pPr lvl="2"/>
             <a:r>
-              <a:rPr lang="en-US"/>
+              <a:rPr lang="en-US" smtClean="0"/>
               <a:t>Third level</a:t>
             </a:r>
           </a:p>
           <a:p>
             <a:pPr lvl="3"/>
             <a:r>
-              <a:rPr lang="en-US"/>
+              <a:rPr lang="en-US" smtClean="0"/>
               <a:t>Fourth level</a:t>
             </a:r>
           </a:p>
           <a:p>
             <a:pPr lvl="4"/>
             <a:r>
-              <a:rPr lang="en-US"/>
+              <a:rPr lang="en-US" smtClean="0"/>
               <a:t>Fifth level</a:t>
             </a:r>
             <a:endParaRPr lang="en-GB"/>
@@ -2457,7 +2236,7 @@
           <a:p>
             <a:pPr lvl="0"/>
             <a:r>
-              <a:rPr lang="en-US"/>
+              <a:rPr lang="en-US" smtClean="0"/>
               <a:t>Click to edit Master text styles</a:t>
             </a:r>
           </a:p>
@@ -2480,7 +2259,7 @@
           <a:p>
             <a:fld id="{6BA5D40C-A8DC-479A-A5D3-E7B4936A184B}" type="datetimeFigureOut">
               <a:rPr lang="en-GB" smtClean="0"/>
-              <a:t>14/02/2020</a:t>
+              <a:t>15/07/2015</a:t>
             </a:fld>
             <a:endParaRPr lang="en-GB"/>
           </a:p>
@@ -2583,7 +2362,7 @@
           </a:lstStyle>
           <a:p>
             <a:r>
-              <a:rPr lang="en-US"/>
+              <a:rPr lang="en-US" smtClean="0"/>
               <a:t>Click to edit Master title style</a:t>
             </a:r>
             <a:endParaRPr lang="en-GB"/>
@@ -2710,7 +2489,7 @@
           <a:p>
             <a:pPr lvl="0"/>
             <a:r>
-              <a:rPr lang="en-US"/>
+              <a:rPr lang="en-US" smtClean="0"/>
               <a:t>Click to edit Master text styles</a:t>
             </a:r>
           </a:p>
@@ -2733,7 +2512,7 @@
           <a:p>
             <a:fld id="{6BA5D40C-A8DC-479A-A5D3-E7B4936A184B}" type="datetimeFigureOut">
               <a:rPr lang="en-GB" smtClean="0"/>
-              <a:t>14/02/2020</a:t>
+              <a:t>15/07/2015</a:t>
             </a:fld>
             <a:endParaRPr lang="en-GB"/>
           </a:p>
@@ -2842,7 +2621,7 @@
           <a:lstStyle/>
           <a:p>
             <a:r>
-              <a:rPr lang="en-US"/>
+              <a:rPr lang="en-US" smtClean="0"/>
               <a:t>Click to edit Master title style</a:t>
             </a:r>
             <a:endParaRPr lang="en-GB"/>
@@ -2876,35 +2655,35 @@
           <a:p>
             <a:pPr lvl="0"/>
             <a:r>
-              <a:rPr lang="en-US"/>
+              <a:rPr lang="en-US" smtClean="0"/>
               <a:t>Click to edit Master text styles</a:t>
             </a:r>
           </a:p>
           <a:p>
             <a:pPr lvl="1"/>
             <a:r>
-              <a:rPr lang="en-US"/>
+              <a:rPr lang="en-US" smtClean="0"/>
               <a:t>Second level</a:t>
             </a:r>
           </a:p>
           <a:p>
             <a:pPr lvl="2"/>
             <a:r>
-              <a:rPr lang="en-US"/>
+              <a:rPr lang="en-US" smtClean="0"/>
               <a:t>Third level</a:t>
             </a:r>
           </a:p>
           <a:p>
             <a:pPr lvl="3"/>
             <a:r>
-              <a:rPr lang="en-US"/>
+              <a:rPr lang="en-US" smtClean="0"/>
               <a:t>Fourth level</a:t>
             </a:r>
           </a:p>
           <a:p>
             <a:pPr lvl="4"/>
             <a:r>
-              <a:rPr lang="en-US"/>
+              <a:rPr lang="en-US" smtClean="0"/>
               <a:t>Fifth level</a:t>
             </a:r>
             <a:endParaRPr lang="en-GB"/>
@@ -2946,7 +2725,7 @@
           <a:p>
             <a:fld id="{6BA5D40C-A8DC-479A-A5D3-E7B4936A184B}" type="datetimeFigureOut">
               <a:rPr lang="en-GB" smtClean="0"/>
-              <a:t>14/02/2020</a:t>
+              <a:t>15/07/2015</a:t>
             </a:fld>
             <a:endParaRPr lang="en-GB"/>
           </a:p>
@@ -3321,20 +3100,55 @@
           <a:chExt cx="0" cy="0"/>
         </a:xfrm>
       </p:grpSpPr>
-      <p:grpSp>
+      <p:grpSp xmlns:a="http://schemas.openxmlformats.org/drawingml/2006/main" xmlns:r="http://schemas.openxmlformats.org/officeDocument/2006/relationships" xmlns:p="http://schemas.openxmlformats.org/presentationml/2006/main" xmlns:pic="http://schemas.openxmlformats.org/drawingml/2006/picture">
         <p:nvGrpSpPr>
-          <p:cNvPr id="2" name="Group 1"/>
+          <p:cNvPr id="2" name=""/>
           <p:cNvGrpSpPr/>
           <p:nvPr/>
         </p:nvGrpSpPr>
         <p:grpSpPr>
           <a:xfrm>
-            <a:off x="3267075" y="1548575"/>
-            <a:ext cx="1024762" cy="2214294"/>
-            <a:chOff x="3267075" y="1548575"/>
-            <a:chExt cx="1024762" cy="2214294"/>
+            <a:off x="2247900" y="1408112"/>
+            <a:ext cx="3067050" cy="2514600"/>
+            <a:chOff x="2247900" y="1408112"/>
+            <a:chExt cx="3067050" cy="2514600"/>
           </a:xfrm>
         </p:grpSpPr>
+        <p:sp>
+          <p:nvSpPr>
+            <p:cNvPr id="3" name="rc3"/>
+            <p:cNvSpPr/>
+            <p:nvPr/>
+          </p:nvSpPr>
+          <p:spPr>
+            <a:xfrm>
+              <a:off x="2247900" y="1408112"/>
+              <a:ext cx="3067049" cy="2514600"/>
+            </a:xfrm>
+            <a:prstGeom prst="rect">
+              <a:avLst/>
+            </a:prstGeom>
+            <a:solidFill>
+              <a:srgbClr val="FFFFFF">
+                <a:alpha val="100000"/>
+              </a:srgbClr>
+            </a:solidFill>
+            <a:ln w="9525" cap="rnd">
+              <a:solidFill>
+                <a:srgbClr val="FFFFFF">
+                  <a:alpha val="100000"/>
+                </a:srgbClr>
+              </a:solidFill>
+              <a:prstDash val="solid"/>
+              <a:round/>
+            </a:ln>
+          </p:spPr>
+          <p:txBody>
+            <a:bodyPr/>
+            <a:lstStyle/>
+            <a:p/>
+          </p:txBody>
+        </p:sp>
         <p:sp>
           <p:nvSpPr>
             <p:cNvPr id="4" name="tx4"/>
@@ -3343,7 +3157,7 @@
           </p:nvSpPr>
           <p:spPr>
             <a:xfrm>
-              <a:off x="3267075" y="1548575"/>
+              <a:off x="3269043" y="1548575"/>
               <a:ext cx="1024762" cy="103342"/>
             </a:xfrm>
             <a:prstGeom prst="rect">
@@ -3352,10 +3166,10 @@
             <a:noFill/>
           </p:spPr>
           <p:txBody>
-            <a:bodyPr wrap="none" lIns="0" tIns="0" rIns="0" bIns="0" anchor="ctr" anchorCtr="1"/>
+            <a:bodyPr lIns="0" rIns="0" tIns="0" bIns="0" anchorCtr="1" anchor="ctr" wrap="none"/>
             <a:lstStyle/>
             <a:p>
-              <a:pPr marL="0" marR="0" indent="0" algn="l">
+              <a:pPr algn="l" marL="0" marR="0" indent="0">
                 <a:lnSpc>
                   <a:spcPts val="1100"/>
                 </a:lnSpc>
@@ -3389,7 +3203,7 @@
           </p:nvSpPr>
           <p:spPr>
             <a:xfrm>
-              <a:off x="3267075" y="1701156"/>
+              <a:off x="3269043" y="1701156"/>
               <a:ext cx="745362" cy="101637"/>
             </a:xfrm>
             <a:prstGeom prst="rect">
@@ -3398,10 +3212,10 @@
             <a:noFill/>
           </p:spPr>
           <p:txBody>
-            <a:bodyPr wrap="none" lIns="0" tIns="0" rIns="0" bIns="0" anchor="ctr" anchorCtr="1"/>
+            <a:bodyPr lIns="0" rIns="0" tIns="0" bIns="0" anchorCtr="1" anchor="ctr" wrap="none"/>
             <a:lstStyle/>
             <a:p>
-              <a:pPr marL="0" marR="0" indent="0" algn="l">
+              <a:pPr algn="l" marL="0" marR="0" indent="0">
                 <a:lnSpc>
                   <a:spcPts val="1100"/>
                 </a:lnSpc>
@@ -3413,7 +3227,7 @@
                 </a:spcAft>
               </a:pPr>
               <a:r>
-                <a:rPr sz="1100" dirty="0">
+                <a:rPr sz="1100">
                   <a:solidFill>
                     <a:srgbClr val="000000">
                       <a:alpha val="100000"/>
@@ -3435,7 +3249,7 @@
           </p:nvSpPr>
           <p:spPr>
             <a:xfrm>
-              <a:off x="3267075" y="1822564"/>
+              <a:off x="3269043" y="1822564"/>
               <a:ext cx="877490" cy="131105"/>
             </a:xfrm>
             <a:prstGeom prst="rect">
@@ -3444,10 +3258,10 @@
             <a:noFill/>
           </p:spPr>
           <p:txBody>
-            <a:bodyPr wrap="none" lIns="0" tIns="0" rIns="0" bIns="0" anchor="ctr" anchorCtr="1"/>
+            <a:bodyPr lIns="0" rIns="0" tIns="0" bIns="0" anchorCtr="1" anchor="ctr" wrap="none"/>
             <a:lstStyle/>
             <a:p>
-              <a:pPr marL="0" marR="0" indent="0" algn="l">
+              <a:pPr algn="l" marL="0" marR="0" indent="0">
                 <a:lnSpc>
                   <a:spcPts val="1100"/>
                 </a:lnSpc>
@@ -3459,7 +3273,7 @@
                 </a:spcAft>
               </a:pPr>
               <a:r>
-                <a:rPr sz="1100" dirty="0">
+                <a:rPr sz="1100">
                   <a:solidFill>
                     <a:srgbClr val="000000">
                       <a:alpha val="100000"/>
@@ -3481,7 +3295,7 @@
           </p:nvSpPr>
           <p:spPr>
             <a:xfrm>
-              <a:off x="3304549" y="2082171"/>
+              <a:off x="3306518" y="2075433"/>
               <a:ext cx="144506" cy="144506"/>
             </a:xfrm>
             <a:prstGeom prst="ellipse">
@@ -3505,9 +3319,7 @@
           <p:txBody>
             <a:bodyPr/>
             <a:lstStyle/>
-            <a:p>
-              <a:endParaRPr/>
-            </a:p>
+            <a:p/>
           </p:txBody>
         </p:sp>
         <p:sp>
@@ -3518,7 +3330,7 @@
           </p:nvSpPr>
           <p:spPr>
             <a:xfrm>
-              <a:off x="3304549" y="2301627"/>
+              <a:off x="3306518" y="2294889"/>
               <a:ext cx="144506" cy="144506"/>
             </a:xfrm>
             <a:prstGeom prst="ellipse">
@@ -3542,9 +3354,7 @@
           <p:txBody>
             <a:bodyPr/>
             <a:lstStyle/>
-            <a:p>
-              <a:endParaRPr/>
-            </a:p>
+            <a:p/>
           </p:txBody>
         </p:sp>
         <p:sp>
@@ -3555,7 +3365,7 @@
           </p:nvSpPr>
           <p:spPr>
             <a:xfrm>
-              <a:off x="3304549" y="2521083"/>
+              <a:off x="3306518" y="2514345"/>
               <a:ext cx="144506" cy="144506"/>
             </a:xfrm>
             <a:prstGeom prst="ellipse">
@@ -3579,9 +3389,7 @@
           <p:txBody>
             <a:bodyPr/>
             <a:lstStyle/>
-            <a:p>
-              <a:endParaRPr/>
-            </a:p>
+            <a:p/>
           </p:txBody>
         </p:sp>
         <p:sp>
@@ -3592,7 +3400,7 @@
           </p:nvSpPr>
           <p:spPr>
             <a:xfrm>
-              <a:off x="3304549" y="2740539"/>
+              <a:off x="3306518" y="2733801"/>
               <a:ext cx="144506" cy="144506"/>
             </a:xfrm>
             <a:prstGeom prst="ellipse">
@@ -3616,9 +3424,7 @@
           <p:txBody>
             <a:bodyPr/>
             <a:lstStyle/>
-            <a:p>
-              <a:endParaRPr/>
-            </a:p>
+            <a:p/>
           </p:txBody>
         </p:sp>
         <p:sp>
@@ -3629,7 +3435,7 @@
           </p:nvSpPr>
           <p:spPr>
             <a:xfrm>
-              <a:off x="3304549" y="2959995"/>
+              <a:off x="3306518" y="2953257"/>
               <a:ext cx="144506" cy="144506"/>
             </a:xfrm>
             <a:prstGeom prst="ellipse">
@@ -3653,9 +3459,7 @@
           <p:txBody>
             <a:bodyPr/>
             <a:lstStyle/>
-            <a:p>
-              <a:endParaRPr/>
-            </a:p>
+            <a:p/>
           </p:txBody>
         </p:sp>
         <p:sp>
@@ -3666,7 +3470,7 @@
           </p:nvSpPr>
           <p:spPr>
             <a:xfrm>
-              <a:off x="3304549" y="3179451"/>
+              <a:off x="3306518" y="3172713"/>
               <a:ext cx="144506" cy="144506"/>
             </a:xfrm>
             <a:prstGeom prst="ellipse">
@@ -3690,9 +3494,7 @@
           <p:txBody>
             <a:bodyPr/>
             <a:lstStyle/>
-            <a:p>
-              <a:endParaRPr/>
-            </a:p>
+            <a:p/>
           </p:txBody>
         </p:sp>
         <p:sp>
@@ -3703,20 +3505,20 @@
           </p:nvSpPr>
           <p:spPr>
             <a:xfrm>
-              <a:off x="3304549" y="3398907"/>
+              <a:off x="3306518" y="3392169"/>
               <a:ext cx="144506" cy="144506"/>
             </a:xfrm>
             <a:prstGeom prst="ellipse">
               <a:avLst/>
             </a:prstGeom>
             <a:solidFill>
-              <a:srgbClr val="385A4F">
+              <a:srgbClr val="11DD11">
                 <a:alpha val="100000"/>
               </a:srgbClr>
             </a:solidFill>
             <a:ln w="9000" cap="rnd">
               <a:solidFill>
-                <a:srgbClr val="385A4F">
+                <a:srgbClr val="11DD11">
                   <a:alpha val="100000"/>
                 </a:srgbClr>
               </a:solidFill>
@@ -3727,9 +3529,7 @@
           <p:txBody>
             <a:bodyPr/>
             <a:lstStyle/>
-            <a:p>
-              <a:endParaRPr/>
-            </a:p>
+            <a:p/>
           </p:txBody>
         </p:sp>
         <p:sp>
@@ -3740,7 +3540,7 @@
           </p:nvSpPr>
           <p:spPr>
             <a:xfrm>
-              <a:off x="3304549" y="3618363"/>
+              <a:off x="3306518" y="3611625"/>
               <a:ext cx="144506" cy="144506"/>
             </a:xfrm>
             <a:prstGeom prst="ellipse">
@@ -3764,9 +3564,7 @@
           <p:txBody>
             <a:bodyPr/>
             <a:lstStyle/>
-            <a:p>
-              <a:endParaRPr/>
-            </a:p>
+            <a:p/>
           </p:txBody>
         </p:sp>
         <p:sp>
@@ -3777,7 +3575,7 @@
           </p:nvSpPr>
           <p:spPr>
             <a:xfrm>
-              <a:off x="3556120" y="2089540"/>
+              <a:off x="3558088" y="2082802"/>
               <a:ext cx="416262" cy="104884"/>
             </a:xfrm>
             <a:prstGeom prst="rect">
@@ -3786,10 +3584,10 @@
             <a:noFill/>
           </p:spPr>
           <p:txBody>
-            <a:bodyPr wrap="none" lIns="0" tIns="0" rIns="0" bIns="0" anchor="ctr" anchorCtr="1"/>
+            <a:bodyPr lIns="0" rIns="0" tIns="0" bIns="0" anchorCtr="1" anchor="ctr" wrap="none"/>
             <a:lstStyle/>
             <a:p>
-              <a:pPr marL="0" marR="0" indent="0" algn="l">
+              <a:pPr algn="l" marL="0" marR="0" indent="0">
                 <a:lnSpc>
                   <a:spcPts val="880"/>
                 </a:lnSpc>
@@ -3810,7 +3608,7 @@
                   <a:latin typeface="Arial"/>
                   <a:cs typeface="Arial"/>
                 </a:rPr>
-                <a:t>1 (2033)</a:t>
+                <a:t>1 (2009)</a:t>
               </a:r>
             </a:p>
           </p:txBody>
@@ -3823,7 +3621,7 @@
           </p:nvSpPr>
           <p:spPr>
             <a:xfrm>
-              <a:off x="3556120" y="2308996"/>
+              <a:off x="3558088" y="2302258"/>
               <a:ext cx="354106" cy="104884"/>
             </a:xfrm>
             <a:prstGeom prst="rect">
@@ -3832,10 +3630,10 @@
             <a:noFill/>
           </p:spPr>
           <p:txBody>
-            <a:bodyPr wrap="none" lIns="0" tIns="0" rIns="0" bIns="0" anchor="ctr" anchorCtr="1"/>
+            <a:bodyPr lIns="0" rIns="0" tIns="0" bIns="0" anchorCtr="1" anchor="ctr" wrap="none"/>
             <a:lstStyle/>
             <a:p>
-              <a:pPr marL="0" marR="0" indent="0" algn="l">
+              <a:pPr algn="l" marL="0" marR="0" indent="0">
                 <a:lnSpc>
                   <a:spcPts val="880"/>
                 </a:lnSpc>
@@ -3856,7 +3654,7 @@
                   <a:latin typeface="Arial"/>
                   <a:cs typeface="Arial"/>
                 </a:rPr>
-                <a:t>2 (200)</a:t>
+                <a:t>2 (204)</a:t>
               </a:r>
             </a:p>
           </p:txBody>
@@ -3869,7 +3667,7 @@
           </p:nvSpPr>
           <p:spPr>
             <a:xfrm>
-              <a:off x="3556120" y="2528452"/>
+              <a:off x="3558088" y="2521714"/>
               <a:ext cx="291951" cy="104884"/>
             </a:xfrm>
             <a:prstGeom prst="rect">
@@ -3878,10 +3676,10 @@
             <a:noFill/>
           </p:spPr>
           <p:txBody>
-            <a:bodyPr wrap="none" lIns="0" tIns="0" rIns="0" bIns="0" anchor="ctr" anchorCtr="1"/>
+            <a:bodyPr lIns="0" rIns="0" tIns="0" bIns="0" anchorCtr="1" anchor="ctr" wrap="none"/>
             <a:lstStyle/>
             <a:p>
-              <a:pPr marL="0" marR="0" indent="0" algn="l">
+              <a:pPr algn="l" marL="0" marR="0" indent="0">
                 <a:lnSpc>
                   <a:spcPts val="880"/>
                 </a:lnSpc>
@@ -3902,7 +3700,7 @@
                   <a:latin typeface="Arial"/>
                   <a:cs typeface="Arial"/>
                 </a:rPr>
-                <a:t>3 (50)</a:t>
+                <a:t>3 (49)</a:t>
               </a:r>
             </a:p>
           </p:txBody>
@@ -3915,7 +3713,7 @@
           </p:nvSpPr>
           <p:spPr>
             <a:xfrm>
-              <a:off x="3556120" y="2747908"/>
+              <a:off x="3558088" y="2741170"/>
               <a:ext cx="291951" cy="104884"/>
             </a:xfrm>
             <a:prstGeom prst="rect">
@@ -3924,10 +3722,10 @@
             <a:noFill/>
           </p:spPr>
           <p:txBody>
-            <a:bodyPr wrap="none" lIns="0" tIns="0" rIns="0" bIns="0" anchor="ctr" anchorCtr="1"/>
+            <a:bodyPr lIns="0" rIns="0" tIns="0" bIns="0" anchorCtr="1" anchor="ctr" wrap="none"/>
             <a:lstStyle/>
             <a:p>
-              <a:pPr marL="0" marR="0" indent="0" algn="l">
+              <a:pPr algn="l" marL="0" marR="0" indent="0">
                 <a:lnSpc>
                   <a:spcPts val="880"/>
                 </a:lnSpc>
@@ -3948,7 +3746,7 @@
                   <a:latin typeface="Arial"/>
                   <a:cs typeface="Arial"/>
                 </a:rPr>
-                <a:t>4 (29)</a:t>
+                <a:t>4 (33)</a:t>
               </a:r>
             </a:p>
           </p:txBody>
@@ -3961,7 +3759,7 @@
           </p:nvSpPr>
           <p:spPr>
             <a:xfrm>
-              <a:off x="3556120" y="2967364"/>
+              <a:off x="3558088" y="2960626"/>
               <a:ext cx="229795" cy="104884"/>
             </a:xfrm>
             <a:prstGeom prst="rect">
@@ -3970,10 +3768,10 @@
             <a:noFill/>
           </p:spPr>
           <p:txBody>
-            <a:bodyPr wrap="none" lIns="0" tIns="0" rIns="0" bIns="0" anchor="ctr" anchorCtr="1"/>
+            <a:bodyPr lIns="0" rIns="0" tIns="0" bIns="0" anchorCtr="1" anchor="ctr" wrap="none"/>
             <a:lstStyle/>
             <a:p>
-              <a:pPr marL="0" marR="0" indent="0" algn="l">
+              <a:pPr algn="l" marL="0" marR="0" indent="0">
                 <a:lnSpc>
                   <a:spcPts val="880"/>
                 </a:lnSpc>
@@ -4007,7 +3805,7 @@
           </p:nvSpPr>
           <p:spPr>
             <a:xfrm>
-              <a:off x="3556120" y="3186820"/>
+              <a:off x="3558088" y="3180082"/>
               <a:ext cx="229795" cy="104884"/>
             </a:xfrm>
             <a:prstGeom prst="rect">
@@ -4016,10 +3814,10 @@
             <a:noFill/>
           </p:spPr>
           <p:txBody>
-            <a:bodyPr wrap="none" lIns="0" tIns="0" rIns="0" bIns="0" anchor="ctr" anchorCtr="1"/>
+            <a:bodyPr lIns="0" rIns="0" tIns="0" bIns="0" anchorCtr="1" anchor="ctr" wrap="none"/>
             <a:lstStyle/>
             <a:p>
-              <a:pPr marL="0" marR="0" indent="0" algn="l">
+              <a:pPr algn="l" marL="0" marR="0" indent="0">
                 <a:lnSpc>
                   <a:spcPts val="880"/>
                 </a:lnSpc>
@@ -4053,7 +3851,7 @@
           </p:nvSpPr>
           <p:spPr>
             <a:xfrm>
-              <a:off x="3556120" y="3406276"/>
+              <a:off x="3558088" y="3399538"/>
               <a:ext cx="229795" cy="104884"/>
             </a:xfrm>
             <a:prstGeom prst="rect">
@@ -4062,10 +3860,10 @@
             <a:noFill/>
           </p:spPr>
           <p:txBody>
-            <a:bodyPr wrap="none" lIns="0" tIns="0" rIns="0" bIns="0" anchor="ctr" anchorCtr="1"/>
+            <a:bodyPr lIns="0" rIns="0" tIns="0" bIns="0" anchorCtr="1" anchor="ctr" wrap="none"/>
             <a:lstStyle/>
             <a:p>
-              <a:pPr marL="0" marR="0" indent="0" algn="l">
+              <a:pPr algn="l" marL="0" marR="0" indent="0">
                 <a:lnSpc>
                   <a:spcPts val="880"/>
                 </a:lnSpc>
@@ -4099,7 +3897,7 @@
           </p:nvSpPr>
           <p:spPr>
             <a:xfrm>
-              <a:off x="3556120" y="3625732"/>
+              <a:off x="3558088" y="3618994"/>
               <a:ext cx="229795" cy="104884"/>
             </a:xfrm>
             <a:prstGeom prst="rect">
@@ -4108,757 +3906,10 @@
             <a:noFill/>
           </p:spPr>
           <p:txBody>
-            <a:bodyPr wrap="none" lIns="0" tIns="0" rIns="0" bIns="0" anchor="ctr" anchorCtr="1"/>
+            <a:bodyPr lIns="0" rIns="0" tIns="0" bIns="0" anchorCtr="1" anchor="ctr" wrap="none"/>
             <a:lstStyle/>
             <a:p>
-              <a:pPr marL="0" marR="0" indent="0" algn="l">
-                <a:lnSpc>
-                  <a:spcPts val="880"/>
-                </a:lnSpc>
-                <a:spcBef>
-                  <a:spcPts val="0"/>
-                </a:spcBef>
-                <a:spcAft>
-                  <a:spcPts val="0"/>
-                </a:spcAft>
-              </a:pPr>
-              <a:r>
-                <a:rPr sz="880">
-                  <a:solidFill>
-                    <a:srgbClr val="000000">
-                      <a:alpha val="100000"/>
-                    </a:srgbClr>
-                  </a:solidFill>
-                  <a:latin typeface="Arial"/>
-                  <a:cs typeface="Arial"/>
-                </a:rPr>
-                <a:t>8 (1)</a:t>
-              </a:r>
-            </a:p>
-          </p:txBody>
-        </p:sp>
-      </p:grpSp>
-      <p:grpSp>
-        <p:nvGrpSpPr>
-          <p:cNvPr id="43" name="Group 42">
-            <a:extLst>
-              <a:ext uri="{FF2B5EF4-FFF2-40B4-BE49-F238E27FC236}">
-                <a16:creationId xmlns:a16="http://schemas.microsoft.com/office/drawing/2014/main" id="{104CE18D-5E94-4E3E-8B2B-76B5DB4EE667}"/>
-              </a:ext>
-            </a:extLst>
-          </p:cNvPr>
-          <p:cNvGrpSpPr/>
-          <p:nvPr/>
-        </p:nvGrpSpPr>
-        <p:grpSpPr>
-          <a:xfrm>
-            <a:off x="6219825" y="1201849"/>
-            <a:ext cx="1024762" cy="1768363"/>
-            <a:chOff x="6219825" y="1201849"/>
-            <a:chExt cx="1024762" cy="1768363"/>
-          </a:xfrm>
-        </p:grpSpPr>
-        <p:sp>
-          <p:nvSpPr>
-            <p:cNvPr id="24" name="tx4">
-              <a:extLst>
-                <a:ext uri="{FF2B5EF4-FFF2-40B4-BE49-F238E27FC236}">
-                  <a16:creationId xmlns:a16="http://schemas.microsoft.com/office/drawing/2014/main" id="{600CCFC4-FBD6-4228-93A9-E5D8C77BFD0F}"/>
-                </a:ext>
-              </a:extLst>
-            </p:cNvPr>
-            <p:cNvSpPr/>
-            <p:nvPr/>
-          </p:nvSpPr>
-          <p:spPr>
-            <a:xfrm>
-              <a:off x="6219825" y="1201849"/>
-              <a:ext cx="1024762" cy="103342"/>
-            </a:xfrm>
-            <a:prstGeom prst="rect">
-              <a:avLst/>
-            </a:prstGeom>
-            <a:noFill/>
-          </p:spPr>
-          <p:txBody>
-            <a:bodyPr wrap="none" lIns="0" tIns="0" rIns="0" bIns="0" anchor="ctr" anchorCtr="1"/>
-            <a:lstStyle/>
-            <a:p>
-              <a:pPr marL="0" marR="0" indent="0" algn="l">
-                <a:lnSpc>
-                  <a:spcPts val="1100"/>
-                </a:lnSpc>
-                <a:spcBef>
-                  <a:spcPts val="0"/>
-                </a:spcBef>
-                <a:spcAft>
-                  <a:spcPts val="0"/>
-                </a:spcAft>
-              </a:pPr>
-              <a:r>
-                <a:rPr sz="1100">
-                  <a:solidFill>
-                    <a:srgbClr val="000000">
-                      <a:alpha val="100000"/>
-                    </a:srgbClr>
-                  </a:solidFill>
-                  <a:latin typeface="Arial"/>
-                  <a:cs typeface="Arial"/>
-                </a:rPr>
-                <a:t>Number of times</a:t>
-              </a:r>
-            </a:p>
-          </p:txBody>
-        </p:sp>
-        <p:sp>
-          <p:nvSpPr>
-            <p:cNvPr id="25" name="tx5">
-              <a:extLst>
-                <a:ext uri="{FF2B5EF4-FFF2-40B4-BE49-F238E27FC236}">
-                  <a16:creationId xmlns:a16="http://schemas.microsoft.com/office/drawing/2014/main" id="{B307C101-8599-4C82-827F-BE50DEE6B05C}"/>
-                </a:ext>
-              </a:extLst>
-            </p:cNvPr>
-            <p:cNvSpPr/>
-            <p:nvPr/>
-          </p:nvSpPr>
-          <p:spPr>
-            <a:xfrm>
-              <a:off x="6219825" y="1354430"/>
-              <a:ext cx="745362" cy="101637"/>
-            </a:xfrm>
-            <a:prstGeom prst="rect">
-              <a:avLst/>
-            </a:prstGeom>
-            <a:noFill/>
-          </p:spPr>
-          <p:txBody>
-            <a:bodyPr wrap="none" lIns="0" tIns="0" rIns="0" bIns="0" anchor="ctr" anchorCtr="1"/>
-            <a:lstStyle/>
-            <a:p>
-              <a:pPr marL="0" marR="0" indent="0" algn="l">
-                <a:lnSpc>
-                  <a:spcPts val="1100"/>
-                </a:lnSpc>
-                <a:spcBef>
-                  <a:spcPts val="0"/>
-                </a:spcBef>
-                <a:spcAft>
-                  <a:spcPts val="0"/>
-                </a:spcAft>
-              </a:pPr>
-              <a:r>
-                <a:rPr sz="1100" dirty="0">
-                  <a:solidFill>
-                    <a:srgbClr val="000000">
-                      <a:alpha val="100000"/>
-                    </a:srgbClr>
-                  </a:solidFill>
-                  <a:latin typeface="Arial"/>
-                  <a:cs typeface="Arial"/>
-                </a:rPr>
-                <a:t>cited across</a:t>
-              </a:r>
-            </a:p>
-          </p:txBody>
-        </p:sp>
-        <p:sp>
-          <p:nvSpPr>
-            <p:cNvPr id="26" name="tx6">
-              <a:extLst>
-                <a:ext uri="{FF2B5EF4-FFF2-40B4-BE49-F238E27FC236}">
-                  <a16:creationId xmlns:a16="http://schemas.microsoft.com/office/drawing/2014/main" id="{7BAAD69C-4846-4965-86ED-C7C924B7312B}"/>
-                </a:ext>
-              </a:extLst>
-            </p:cNvPr>
-            <p:cNvSpPr/>
-            <p:nvPr/>
-          </p:nvSpPr>
-          <p:spPr>
-            <a:xfrm>
-              <a:off x="6219825" y="1475838"/>
-              <a:ext cx="877490" cy="131105"/>
-            </a:xfrm>
-            <a:prstGeom prst="rect">
-              <a:avLst/>
-            </a:prstGeom>
-            <a:noFill/>
-          </p:spPr>
-          <p:txBody>
-            <a:bodyPr wrap="none" lIns="0" tIns="0" rIns="0" bIns="0" anchor="ctr" anchorCtr="1"/>
-            <a:lstStyle/>
-            <a:p>
-              <a:pPr marL="0" marR="0" indent="0" algn="l">
-                <a:lnSpc>
-                  <a:spcPts val="1100"/>
-                </a:lnSpc>
-                <a:spcBef>
-                  <a:spcPts val="0"/>
-                </a:spcBef>
-                <a:spcAft>
-                  <a:spcPts val="0"/>
-                </a:spcAft>
-              </a:pPr>
-              <a:r>
-                <a:rPr sz="1100" dirty="0">
-                  <a:solidFill>
-                    <a:srgbClr val="000000">
-                      <a:alpha val="100000"/>
-                    </a:srgbClr>
-                  </a:solidFill>
-                  <a:latin typeface="Arial"/>
-                  <a:cs typeface="Arial"/>
-                </a:rPr>
-                <a:t>guidelines (n):</a:t>
-              </a:r>
-            </a:p>
-          </p:txBody>
-        </p:sp>
-        <p:sp>
-          <p:nvSpPr>
-            <p:cNvPr id="29" name="pt9">
-              <a:extLst>
-                <a:ext uri="{FF2B5EF4-FFF2-40B4-BE49-F238E27FC236}">
-                  <a16:creationId xmlns:a16="http://schemas.microsoft.com/office/drawing/2014/main" id="{A6AFA12B-0586-4BD6-B4DD-89796D5EF222}"/>
-                </a:ext>
-              </a:extLst>
-            </p:cNvPr>
-            <p:cNvSpPr/>
-            <p:nvPr/>
-          </p:nvSpPr>
-          <p:spPr>
-            <a:xfrm>
-              <a:off x="6257299" y="1728426"/>
-              <a:ext cx="144506" cy="144506"/>
-            </a:xfrm>
-            <a:prstGeom prst="ellipse">
-              <a:avLst/>
-            </a:prstGeom>
-            <a:solidFill>
-              <a:srgbClr val="B06C96">
-                <a:alpha val="100000"/>
-              </a:srgbClr>
-            </a:solidFill>
-            <a:ln w="9000" cap="rnd">
-              <a:solidFill>
-                <a:srgbClr val="B06C96">
-                  <a:alpha val="100000"/>
-                </a:srgbClr>
-              </a:solidFill>
-              <a:prstDash val="solid"/>
-              <a:round/>
-            </a:ln>
-          </p:spPr>
-          <p:txBody>
-            <a:bodyPr/>
-            <a:lstStyle/>
-            <a:p>
-              <a:endParaRPr/>
-            </a:p>
-          </p:txBody>
-        </p:sp>
-        <p:sp>
-          <p:nvSpPr>
-            <p:cNvPr id="30" name="pt10">
-              <a:extLst>
-                <a:ext uri="{FF2B5EF4-FFF2-40B4-BE49-F238E27FC236}">
-                  <a16:creationId xmlns:a16="http://schemas.microsoft.com/office/drawing/2014/main" id="{7821F10D-3963-4329-9B0B-9755C1D6217A}"/>
-                </a:ext>
-              </a:extLst>
-            </p:cNvPr>
-            <p:cNvSpPr/>
-            <p:nvPr/>
-          </p:nvSpPr>
-          <p:spPr>
-            <a:xfrm>
-              <a:off x="6257299" y="1947882"/>
-              <a:ext cx="144506" cy="144506"/>
-            </a:xfrm>
-            <a:prstGeom prst="ellipse">
-              <a:avLst/>
-            </a:prstGeom>
-            <a:solidFill>
-              <a:srgbClr val="003865">
-                <a:alpha val="100000"/>
-              </a:srgbClr>
-            </a:solidFill>
-            <a:ln w="9000" cap="rnd">
-              <a:solidFill>
-                <a:srgbClr val="003865">
-                  <a:alpha val="100000"/>
-                </a:srgbClr>
-              </a:solidFill>
-              <a:prstDash val="solid"/>
-              <a:round/>
-            </a:ln>
-          </p:spPr>
-          <p:txBody>
-            <a:bodyPr/>
-            <a:lstStyle/>
-            <a:p>
-              <a:endParaRPr/>
-            </a:p>
-          </p:txBody>
-        </p:sp>
-        <p:sp>
-          <p:nvSpPr>
-            <p:cNvPr id="31" name="pt11">
-              <a:extLst>
-                <a:ext uri="{FF2B5EF4-FFF2-40B4-BE49-F238E27FC236}">
-                  <a16:creationId xmlns:a16="http://schemas.microsoft.com/office/drawing/2014/main" id="{9BED5BEC-A6FC-4A6B-941E-204CFDE8DCAE}"/>
-                </a:ext>
-              </a:extLst>
-            </p:cNvPr>
-            <p:cNvSpPr/>
-            <p:nvPr/>
-          </p:nvSpPr>
-          <p:spPr>
-            <a:xfrm>
-              <a:off x="6257299" y="2167338"/>
-              <a:ext cx="144506" cy="144506"/>
-            </a:xfrm>
-            <a:prstGeom prst="ellipse">
-              <a:avLst/>
-            </a:prstGeom>
-            <a:solidFill>
-              <a:srgbClr val="BE4D00">
-                <a:alpha val="100000"/>
-              </a:srgbClr>
-            </a:solidFill>
-            <a:ln w="9000" cap="rnd">
-              <a:solidFill>
-                <a:srgbClr val="BE4D00">
-                  <a:alpha val="100000"/>
-                </a:srgbClr>
-              </a:solidFill>
-              <a:prstDash val="solid"/>
-              <a:round/>
-            </a:ln>
-          </p:spPr>
-          <p:txBody>
-            <a:bodyPr/>
-            <a:lstStyle/>
-            <a:p>
-              <a:endParaRPr/>
-            </a:p>
-          </p:txBody>
-        </p:sp>
-        <p:sp>
-          <p:nvSpPr>
-            <p:cNvPr id="32" name="pt12">
-              <a:extLst>
-                <a:ext uri="{FF2B5EF4-FFF2-40B4-BE49-F238E27FC236}">
-                  <a16:creationId xmlns:a16="http://schemas.microsoft.com/office/drawing/2014/main" id="{66C1B95A-308E-4D24-89B6-157FC89CA850}"/>
-                </a:ext>
-              </a:extLst>
-            </p:cNvPr>
-            <p:cNvSpPr/>
-            <p:nvPr/>
-          </p:nvSpPr>
-          <p:spPr>
-            <a:xfrm>
-              <a:off x="6257299" y="2386794"/>
-              <a:ext cx="144506" cy="144506"/>
-            </a:xfrm>
-            <a:prstGeom prst="ellipse">
-              <a:avLst/>
-            </a:prstGeom>
-            <a:solidFill>
-              <a:srgbClr val="951272">
-                <a:alpha val="100000"/>
-              </a:srgbClr>
-            </a:solidFill>
-            <a:ln w="9000" cap="rnd">
-              <a:solidFill>
-                <a:srgbClr val="951272">
-                  <a:alpha val="100000"/>
-                </a:srgbClr>
-              </a:solidFill>
-              <a:prstDash val="solid"/>
-              <a:round/>
-            </a:ln>
-          </p:spPr>
-          <p:txBody>
-            <a:bodyPr/>
-            <a:lstStyle/>
-            <a:p>
-              <a:endParaRPr/>
-            </a:p>
-          </p:txBody>
-        </p:sp>
-        <p:sp>
-          <p:nvSpPr>
-            <p:cNvPr id="33" name="pt13">
-              <a:extLst>
-                <a:ext uri="{FF2B5EF4-FFF2-40B4-BE49-F238E27FC236}">
-                  <a16:creationId xmlns:a16="http://schemas.microsoft.com/office/drawing/2014/main" id="{769694EF-80E2-4D87-893A-59A283224204}"/>
-                </a:ext>
-              </a:extLst>
-            </p:cNvPr>
-            <p:cNvSpPr/>
-            <p:nvPr/>
-          </p:nvSpPr>
-          <p:spPr>
-            <a:xfrm>
-              <a:off x="6257299" y="2606250"/>
-              <a:ext cx="144506" cy="144506"/>
-            </a:xfrm>
-            <a:prstGeom prst="ellipse">
-              <a:avLst/>
-            </a:prstGeom>
-            <a:solidFill>
-              <a:srgbClr val="385A4F">
-                <a:alpha val="100000"/>
-              </a:srgbClr>
-            </a:solidFill>
-            <a:ln w="9000" cap="rnd">
-              <a:solidFill>
-                <a:srgbClr val="385A4F">
-                  <a:alpha val="100000"/>
-                </a:srgbClr>
-              </a:solidFill>
-              <a:prstDash val="solid"/>
-              <a:round/>
-            </a:ln>
-          </p:spPr>
-          <p:txBody>
-            <a:bodyPr/>
-            <a:lstStyle/>
-            <a:p>
-              <a:endParaRPr/>
-            </a:p>
-          </p:txBody>
-        </p:sp>
-        <p:sp>
-          <p:nvSpPr>
-            <p:cNvPr id="34" name="pt14">
-              <a:extLst>
-                <a:ext uri="{FF2B5EF4-FFF2-40B4-BE49-F238E27FC236}">
-                  <a16:creationId xmlns:a16="http://schemas.microsoft.com/office/drawing/2014/main" id="{4A0FF26F-4C52-4775-8BDF-6B839C2C6037}"/>
-                </a:ext>
-              </a:extLst>
-            </p:cNvPr>
-            <p:cNvSpPr/>
-            <p:nvPr/>
-          </p:nvSpPr>
-          <p:spPr>
-            <a:xfrm>
-              <a:off x="6257299" y="2825706"/>
-              <a:ext cx="144506" cy="144506"/>
-            </a:xfrm>
-            <a:prstGeom prst="ellipse">
-              <a:avLst/>
-            </a:prstGeom>
-            <a:solidFill>
-              <a:srgbClr val="FFB948">
-                <a:alpha val="100000"/>
-              </a:srgbClr>
-            </a:solidFill>
-            <a:ln w="9000" cap="rnd">
-              <a:solidFill>
-                <a:srgbClr val="FFB948">
-                  <a:alpha val="100000"/>
-                </a:srgbClr>
-              </a:solidFill>
-              <a:prstDash val="solid"/>
-              <a:round/>
-            </a:ln>
-          </p:spPr>
-          <p:txBody>
-            <a:bodyPr/>
-            <a:lstStyle/>
-            <a:p>
-              <a:endParaRPr/>
-            </a:p>
-          </p:txBody>
-        </p:sp>
-        <p:sp>
-          <p:nvSpPr>
-            <p:cNvPr id="37" name="tx17">
-              <a:extLst>
-                <a:ext uri="{FF2B5EF4-FFF2-40B4-BE49-F238E27FC236}">
-                  <a16:creationId xmlns:a16="http://schemas.microsoft.com/office/drawing/2014/main" id="{7280C281-6C24-4EBC-B225-2B0869B0BB93}"/>
-                </a:ext>
-              </a:extLst>
-            </p:cNvPr>
-            <p:cNvSpPr/>
-            <p:nvPr/>
-          </p:nvSpPr>
-          <p:spPr>
-            <a:xfrm>
-              <a:off x="6508870" y="1735795"/>
-              <a:ext cx="291951" cy="104884"/>
-            </a:xfrm>
-            <a:prstGeom prst="rect">
-              <a:avLst/>
-            </a:prstGeom>
-            <a:noFill/>
-          </p:spPr>
-          <p:txBody>
-            <a:bodyPr wrap="none" lIns="0" tIns="0" rIns="0" bIns="0" anchor="ctr" anchorCtr="1"/>
-            <a:lstStyle/>
-            <a:p>
-              <a:pPr marL="0" marR="0" indent="0" algn="l">
-                <a:lnSpc>
-                  <a:spcPts val="880"/>
-                </a:lnSpc>
-                <a:spcBef>
-                  <a:spcPts val="0"/>
-                </a:spcBef>
-                <a:spcAft>
-                  <a:spcPts val="0"/>
-                </a:spcAft>
-              </a:pPr>
-              <a:r>
-                <a:rPr sz="880">
-                  <a:solidFill>
-                    <a:srgbClr val="000000">
-                      <a:alpha val="100000"/>
-                    </a:srgbClr>
-                  </a:solidFill>
-                  <a:latin typeface="Arial"/>
-                  <a:cs typeface="Arial"/>
-                </a:rPr>
-                <a:t>3 (50)</a:t>
-              </a:r>
-            </a:p>
-          </p:txBody>
-        </p:sp>
-        <p:sp>
-          <p:nvSpPr>
-            <p:cNvPr id="38" name="tx18">
-              <a:extLst>
-                <a:ext uri="{FF2B5EF4-FFF2-40B4-BE49-F238E27FC236}">
-                  <a16:creationId xmlns:a16="http://schemas.microsoft.com/office/drawing/2014/main" id="{C3D14303-C0CD-4954-97D8-C57274B5A381}"/>
-                </a:ext>
-              </a:extLst>
-            </p:cNvPr>
-            <p:cNvSpPr/>
-            <p:nvPr/>
-          </p:nvSpPr>
-          <p:spPr>
-            <a:xfrm>
-              <a:off x="6508870" y="1955251"/>
-              <a:ext cx="291951" cy="104884"/>
-            </a:xfrm>
-            <a:prstGeom prst="rect">
-              <a:avLst/>
-            </a:prstGeom>
-            <a:noFill/>
-          </p:spPr>
-          <p:txBody>
-            <a:bodyPr wrap="none" lIns="0" tIns="0" rIns="0" bIns="0" anchor="ctr" anchorCtr="1"/>
-            <a:lstStyle/>
-            <a:p>
-              <a:pPr marL="0" marR="0" indent="0" algn="l">
-                <a:lnSpc>
-                  <a:spcPts val="880"/>
-                </a:lnSpc>
-                <a:spcBef>
-                  <a:spcPts val="0"/>
-                </a:spcBef>
-                <a:spcAft>
-                  <a:spcPts val="0"/>
-                </a:spcAft>
-              </a:pPr>
-              <a:r>
-                <a:rPr sz="880">
-                  <a:solidFill>
-                    <a:srgbClr val="000000">
-                      <a:alpha val="100000"/>
-                    </a:srgbClr>
-                  </a:solidFill>
-                  <a:latin typeface="Arial"/>
-                  <a:cs typeface="Arial"/>
-                </a:rPr>
-                <a:t>4 (29)</a:t>
-              </a:r>
-            </a:p>
-          </p:txBody>
-        </p:sp>
-        <p:sp>
-          <p:nvSpPr>
-            <p:cNvPr id="39" name="tx19">
-              <a:extLst>
-                <a:ext uri="{FF2B5EF4-FFF2-40B4-BE49-F238E27FC236}">
-                  <a16:creationId xmlns:a16="http://schemas.microsoft.com/office/drawing/2014/main" id="{4DA02FF8-A3E3-4DBA-8C07-9EBEED350419}"/>
-                </a:ext>
-              </a:extLst>
-            </p:cNvPr>
-            <p:cNvSpPr/>
-            <p:nvPr/>
-          </p:nvSpPr>
-          <p:spPr>
-            <a:xfrm>
-              <a:off x="6508870" y="2174707"/>
-              <a:ext cx="229795" cy="104884"/>
-            </a:xfrm>
-            <a:prstGeom prst="rect">
-              <a:avLst/>
-            </a:prstGeom>
-            <a:noFill/>
-          </p:spPr>
-          <p:txBody>
-            <a:bodyPr wrap="none" lIns="0" tIns="0" rIns="0" bIns="0" anchor="ctr" anchorCtr="1"/>
-            <a:lstStyle/>
-            <a:p>
-              <a:pPr marL="0" marR="0" indent="0" algn="l">
-                <a:lnSpc>
-                  <a:spcPts val="880"/>
-                </a:lnSpc>
-                <a:spcBef>
-                  <a:spcPts val="0"/>
-                </a:spcBef>
-                <a:spcAft>
-                  <a:spcPts val="0"/>
-                </a:spcAft>
-              </a:pPr>
-              <a:r>
-                <a:rPr sz="880">
-                  <a:solidFill>
-                    <a:srgbClr val="000000">
-                      <a:alpha val="100000"/>
-                    </a:srgbClr>
-                  </a:solidFill>
-                  <a:latin typeface="Arial"/>
-                  <a:cs typeface="Arial"/>
-                </a:rPr>
-                <a:t>5 (9)</a:t>
-              </a:r>
-            </a:p>
-          </p:txBody>
-        </p:sp>
-        <p:sp>
-          <p:nvSpPr>
-            <p:cNvPr id="40" name="tx20">
-              <a:extLst>
-                <a:ext uri="{FF2B5EF4-FFF2-40B4-BE49-F238E27FC236}">
-                  <a16:creationId xmlns:a16="http://schemas.microsoft.com/office/drawing/2014/main" id="{5E13A4D6-FBF1-4078-83EB-6C098662DB14}"/>
-                </a:ext>
-              </a:extLst>
-            </p:cNvPr>
-            <p:cNvSpPr/>
-            <p:nvPr/>
-          </p:nvSpPr>
-          <p:spPr>
-            <a:xfrm>
-              <a:off x="6508870" y="2394163"/>
-              <a:ext cx="229795" cy="104884"/>
-            </a:xfrm>
-            <a:prstGeom prst="rect">
-              <a:avLst/>
-            </a:prstGeom>
-            <a:noFill/>
-          </p:spPr>
-          <p:txBody>
-            <a:bodyPr wrap="none" lIns="0" tIns="0" rIns="0" bIns="0" anchor="ctr" anchorCtr="1"/>
-            <a:lstStyle/>
-            <a:p>
-              <a:pPr marL="0" marR="0" indent="0" algn="l">
-                <a:lnSpc>
-                  <a:spcPts val="880"/>
-                </a:lnSpc>
-                <a:spcBef>
-                  <a:spcPts val="0"/>
-                </a:spcBef>
-                <a:spcAft>
-                  <a:spcPts val="0"/>
-                </a:spcAft>
-              </a:pPr>
-              <a:r>
-                <a:rPr sz="880">
-                  <a:solidFill>
-                    <a:srgbClr val="000000">
-                      <a:alpha val="100000"/>
-                    </a:srgbClr>
-                  </a:solidFill>
-                  <a:latin typeface="Arial"/>
-                  <a:cs typeface="Arial"/>
-                </a:rPr>
-                <a:t>6 (6)</a:t>
-              </a:r>
-            </a:p>
-          </p:txBody>
-        </p:sp>
-        <p:sp>
-          <p:nvSpPr>
-            <p:cNvPr id="41" name="tx21">
-              <a:extLst>
-                <a:ext uri="{FF2B5EF4-FFF2-40B4-BE49-F238E27FC236}">
-                  <a16:creationId xmlns:a16="http://schemas.microsoft.com/office/drawing/2014/main" id="{7A3C3488-C86A-4D01-8785-C91D24044031}"/>
-                </a:ext>
-              </a:extLst>
-            </p:cNvPr>
-            <p:cNvSpPr/>
-            <p:nvPr/>
-          </p:nvSpPr>
-          <p:spPr>
-            <a:xfrm>
-              <a:off x="6508870" y="2613619"/>
-              <a:ext cx="229795" cy="104884"/>
-            </a:xfrm>
-            <a:prstGeom prst="rect">
-              <a:avLst/>
-            </a:prstGeom>
-            <a:noFill/>
-          </p:spPr>
-          <p:txBody>
-            <a:bodyPr wrap="none" lIns="0" tIns="0" rIns="0" bIns="0" anchor="ctr" anchorCtr="1"/>
-            <a:lstStyle/>
-            <a:p>
-              <a:pPr marL="0" marR="0" indent="0" algn="l">
-                <a:lnSpc>
-                  <a:spcPts val="880"/>
-                </a:lnSpc>
-                <a:spcBef>
-                  <a:spcPts val="0"/>
-                </a:spcBef>
-                <a:spcAft>
-                  <a:spcPts val="0"/>
-                </a:spcAft>
-              </a:pPr>
-              <a:r>
-                <a:rPr sz="880">
-                  <a:solidFill>
-                    <a:srgbClr val="000000">
-                      <a:alpha val="100000"/>
-                    </a:srgbClr>
-                  </a:solidFill>
-                  <a:latin typeface="Arial"/>
-                  <a:cs typeface="Arial"/>
-                </a:rPr>
-                <a:t>7 (2)</a:t>
-              </a:r>
-            </a:p>
-          </p:txBody>
-        </p:sp>
-        <p:sp>
-          <p:nvSpPr>
-            <p:cNvPr id="42" name="tx22">
-              <a:extLst>
-                <a:ext uri="{FF2B5EF4-FFF2-40B4-BE49-F238E27FC236}">
-                  <a16:creationId xmlns:a16="http://schemas.microsoft.com/office/drawing/2014/main" id="{F3E409E2-CF30-4D51-B750-198F05E402E2}"/>
-                </a:ext>
-              </a:extLst>
-            </p:cNvPr>
-            <p:cNvSpPr/>
-            <p:nvPr/>
-          </p:nvSpPr>
-          <p:spPr>
-            <a:xfrm>
-              <a:off x="6508870" y="2833075"/>
-              <a:ext cx="229795" cy="104884"/>
-            </a:xfrm>
-            <a:prstGeom prst="rect">
-              <a:avLst/>
-            </a:prstGeom>
-            <a:noFill/>
-          </p:spPr>
-          <p:txBody>
-            <a:bodyPr wrap="none" lIns="0" tIns="0" rIns="0" bIns="0" anchor="ctr" anchorCtr="1"/>
-            <a:lstStyle/>
-            <a:p>
-              <a:pPr marL="0" marR="0" indent="0" algn="l">
+              <a:pPr algn="l" marL="0" marR="0" indent="0">
                 <a:lnSpc>
                   <a:spcPts val="880"/>
                 </a:lnSpc>

--- a/outputs/legend_nrefs_paper.pptx
+++ b/outputs/legend_nrefs_paper.pptx
@@ -3108,10 +3108,10 @@
         </p:nvGrpSpPr>
         <p:grpSpPr>
           <a:xfrm>
-            <a:off x="2247900" y="1408112"/>
-            <a:ext cx="3067050" cy="2514600"/>
-            <a:chOff x="2247900" y="1408112"/>
-            <a:chExt cx="3067050" cy="2514600"/>
+            <a:off x="1471613" y="1408112"/>
+            <a:ext cx="4619625" cy="2514600"/>
+            <a:chOff x="1471613" y="1408112"/>
+            <a:chExt cx="4619625" cy="2514600"/>
           </a:xfrm>
         </p:grpSpPr>
         <p:sp>
@@ -3122,8 +3122,8 @@
           </p:nvSpPr>
           <p:spPr>
             <a:xfrm>
-              <a:off x="2247900" y="1408112"/>
-              <a:ext cx="3067049" cy="2514600"/>
+              <a:off x="1471612" y="1408112"/>
+              <a:ext cx="4619625" cy="2514600"/>
             </a:xfrm>
             <a:prstGeom prst="rect">
               <a:avLst/>
@@ -3157,7 +3157,7 @@
           </p:nvSpPr>
           <p:spPr>
             <a:xfrm>
-              <a:off x="3269043" y="1548575"/>
+              <a:off x="3267075" y="1548575"/>
               <a:ext cx="1024762" cy="103342"/>
             </a:xfrm>
             <a:prstGeom prst="rect">
@@ -3203,7 +3203,7 @@
           </p:nvSpPr>
           <p:spPr>
             <a:xfrm>
-              <a:off x="3269043" y="1701156"/>
+              <a:off x="3267075" y="1701156"/>
               <a:ext cx="745362" cy="101637"/>
             </a:xfrm>
             <a:prstGeom prst="rect">
@@ -3249,7 +3249,7 @@
           </p:nvSpPr>
           <p:spPr>
             <a:xfrm>
-              <a:off x="3269043" y="1822564"/>
+              <a:off x="3267075" y="1822564"/>
               <a:ext cx="877490" cy="131105"/>
             </a:xfrm>
             <a:prstGeom prst="rect">
@@ -3295,7 +3295,7 @@
           </p:nvSpPr>
           <p:spPr>
             <a:xfrm>
-              <a:off x="3306518" y="2075433"/>
+              <a:off x="3304549" y="2082171"/>
               <a:ext cx="144506" cy="144506"/>
             </a:xfrm>
             <a:prstGeom prst="ellipse">
@@ -3330,7 +3330,7 @@
           </p:nvSpPr>
           <p:spPr>
             <a:xfrm>
-              <a:off x="3306518" y="2294889"/>
+              <a:off x="3304549" y="2301627"/>
               <a:ext cx="144506" cy="144506"/>
             </a:xfrm>
             <a:prstGeom prst="ellipse">
@@ -3365,7 +3365,7 @@
           </p:nvSpPr>
           <p:spPr>
             <a:xfrm>
-              <a:off x="3306518" y="2514345"/>
+              <a:off x="3304549" y="2521083"/>
               <a:ext cx="144506" cy="144506"/>
             </a:xfrm>
             <a:prstGeom prst="ellipse">
@@ -3400,7 +3400,7 @@
           </p:nvSpPr>
           <p:spPr>
             <a:xfrm>
-              <a:off x="3306518" y="2733801"/>
+              <a:off x="3304549" y="2740539"/>
               <a:ext cx="144506" cy="144506"/>
             </a:xfrm>
             <a:prstGeom prst="ellipse">
@@ -3435,7 +3435,7 @@
           </p:nvSpPr>
           <p:spPr>
             <a:xfrm>
-              <a:off x="3306518" y="2953257"/>
+              <a:off x="3304549" y="2959995"/>
               <a:ext cx="144506" cy="144506"/>
             </a:xfrm>
             <a:prstGeom prst="ellipse">
@@ -3470,7 +3470,7 @@
           </p:nvSpPr>
           <p:spPr>
             <a:xfrm>
-              <a:off x="3306518" y="3172713"/>
+              <a:off x="3304549" y="3179451"/>
               <a:ext cx="144506" cy="144506"/>
             </a:xfrm>
             <a:prstGeom prst="ellipse">
@@ -3505,7 +3505,7 @@
           </p:nvSpPr>
           <p:spPr>
             <a:xfrm>
-              <a:off x="3306518" y="3392169"/>
+              <a:off x="3304549" y="3398907"/>
               <a:ext cx="144506" cy="144506"/>
             </a:xfrm>
             <a:prstGeom prst="ellipse">
@@ -3540,7 +3540,7 @@
           </p:nvSpPr>
           <p:spPr>
             <a:xfrm>
-              <a:off x="3306518" y="3611625"/>
+              <a:off x="3304549" y="3618363"/>
               <a:ext cx="144506" cy="144506"/>
             </a:xfrm>
             <a:prstGeom prst="ellipse">
@@ -3575,7 +3575,7 @@
           </p:nvSpPr>
           <p:spPr>
             <a:xfrm>
-              <a:off x="3558088" y="2082802"/>
+              <a:off x="3556120" y="2089540"/>
               <a:ext cx="416262" cy="104884"/>
             </a:xfrm>
             <a:prstGeom prst="rect">
@@ -3621,7 +3621,7 @@
           </p:nvSpPr>
           <p:spPr>
             <a:xfrm>
-              <a:off x="3558088" y="2302258"/>
+              <a:off x="3556120" y="2308996"/>
               <a:ext cx="354106" cy="104884"/>
             </a:xfrm>
             <a:prstGeom prst="rect">
@@ -3667,7 +3667,7 @@
           </p:nvSpPr>
           <p:spPr>
             <a:xfrm>
-              <a:off x="3558088" y="2521714"/>
+              <a:off x="3556120" y="2528452"/>
               <a:ext cx="291951" cy="104884"/>
             </a:xfrm>
             <a:prstGeom prst="rect">
@@ -3713,7 +3713,7 @@
           </p:nvSpPr>
           <p:spPr>
             <a:xfrm>
-              <a:off x="3558088" y="2741170"/>
+              <a:off x="3556120" y="2747908"/>
               <a:ext cx="291951" cy="104884"/>
             </a:xfrm>
             <a:prstGeom prst="rect">
@@ -3759,7 +3759,7 @@
           </p:nvSpPr>
           <p:spPr>
             <a:xfrm>
-              <a:off x="3558088" y="2960626"/>
+              <a:off x="3556120" y="2967364"/>
               <a:ext cx="229795" cy="104884"/>
             </a:xfrm>
             <a:prstGeom prst="rect">
@@ -3805,7 +3805,7 @@
           </p:nvSpPr>
           <p:spPr>
             <a:xfrm>
-              <a:off x="3558088" y="3180082"/>
+              <a:off x="3556120" y="3186820"/>
               <a:ext cx="229795" cy="104884"/>
             </a:xfrm>
             <a:prstGeom prst="rect">
@@ -3851,7 +3851,7 @@
           </p:nvSpPr>
           <p:spPr>
             <a:xfrm>
-              <a:off x="3558088" y="3399538"/>
+              <a:off x="3556120" y="3406276"/>
               <a:ext cx="229795" cy="104884"/>
             </a:xfrm>
             <a:prstGeom prst="rect">
@@ -3897,7 +3897,7 @@
           </p:nvSpPr>
           <p:spPr>
             <a:xfrm>
-              <a:off x="3558088" y="3618994"/>
+              <a:off x="3556120" y="3625732"/>
               <a:ext cx="229795" cy="104884"/>
             </a:xfrm>
             <a:prstGeom prst="rect">

--- a/outputs/legend_nrefs_paper.pptx
+++ b/outputs/legend_nrefs_paper.pptx
@@ -4,8 +4,9 @@
   <p:sldMasterIdLst>
     <p:sldMasterId id="2147483648" r:id="rId1"/>
   </p:sldMasterIdLst>
-  <p:sldIdLst xmlns:a="http://schemas.openxmlformats.org/drawingml/2006/main" xmlns:r="http://schemas.openxmlformats.org/officeDocument/2006/relationships" xmlns:p="http://schemas.openxmlformats.org/presentationml/2006/main">
-    <p:sldId id="256" r:id="rId6"/>
+  <p:sldIdLst>
+    <p:sldId id="256" r:id="rId2"/>
+    <p:sldId id="257" r:id="rId3"/>
   </p:sldIdLst>
   <p:sldSz cx="7562850" cy="5330825"/>
   <p:notesSz cx="6858000" cy="9144000"/>
@@ -104,7 +105,260 @@
       </a:defRPr>
     </a:lvl9pPr>
   </p:defaultTextStyle>
+  <p:extLst>
+    <p:ext uri="{EFAFB233-063F-42B5-8137-9DF3F51BA10A}">
+      <p15:sldGuideLst xmlns:p15="http://schemas.microsoft.com/office/powerpoint/2012/main">
+        <p15:guide id="1" orient="horz" pos="1679">
+          <p15:clr>
+            <a:srgbClr val="A4A3A4"/>
+          </p15:clr>
+        </p15:guide>
+        <p15:guide id="2" pos="2382">
+          <p15:clr>
+            <a:srgbClr val="A4A3A4"/>
+          </p15:clr>
+        </p15:guide>
+      </p15:sldGuideLst>
+    </p:ext>
+  </p:extLst>
 </p:presentation>
+</file>
+
+<file path=ppt/revisionInfo.xml><?xml version="1.0" encoding="utf-8"?>
+<p1510:revInfo xmlns:a="http://schemas.openxmlformats.org/drawingml/2006/main" xmlns:r="http://schemas.openxmlformats.org/officeDocument/2006/relationships" xmlns:p1510="http://schemas.microsoft.com/office/powerpoint/2015/10/main">
+  <p1510:revLst>
+    <p1510:client id="{BF162278-9B65-41D9-B6BA-598C44A88DA0}" v="10" dt="2020-04-24T11:57:07.200"/>
+  </p1510:revLst>
+</p1510:revInfo>
+</file>
+
+<file path=ppt/changesInfos/changesInfo1.xml><?xml version="1.0" encoding="utf-8"?>
+<pc:chgInfo xmlns:a="http://schemas.openxmlformats.org/drawingml/2006/main" xmlns:r="http://schemas.openxmlformats.org/officeDocument/2006/relationships" xmlns:ac="http://schemas.microsoft.com/office/drawing/2013/main/command" xmlns:pc="http://schemas.microsoft.com/office/powerpoint/2013/main/command">
+  <pc:docChgLst>
+    <pc:chgData name="Andrew Baxter (PGR)" userId="b45e9002-b033-421d-a3d9-6d42475e9a3f" providerId="ADAL" clId="{BF162278-9B65-41D9-B6BA-598C44A88DA0}"/>
+    <pc:docChg chg="undo custSel modSld">
+      <pc:chgData name="Andrew Baxter (PGR)" userId="b45e9002-b033-421d-a3d9-6d42475e9a3f" providerId="ADAL" clId="{BF162278-9B65-41D9-B6BA-598C44A88DA0}" dt="2020-04-24T11:57:07.200" v="16" actId="164"/>
+      <pc:docMkLst>
+        <pc:docMk/>
+      </pc:docMkLst>
+      <pc:sldChg chg="addSp delSp modSp">
+        <pc:chgData name="Andrew Baxter (PGR)" userId="b45e9002-b033-421d-a3d9-6d42475e9a3f" providerId="ADAL" clId="{BF162278-9B65-41D9-B6BA-598C44A88DA0}" dt="2020-04-24T11:57:07.200" v="16" actId="164"/>
+        <pc:sldMkLst>
+          <pc:docMk/>
+          <pc:sldMk cId="0" sldId="257"/>
+        </pc:sldMkLst>
+        <pc:spChg chg="del">
+          <ac:chgData name="Andrew Baxter (PGR)" userId="b45e9002-b033-421d-a3d9-6d42475e9a3f" providerId="ADAL" clId="{BF162278-9B65-41D9-B6BA-598C44A88DA0}" dt="2020-04-24T11:52:01.746" v="0" actId="478"/>
+          <ac:spMkLst>
+            <pc:docMk/>
+            <pc:sldMk cId="0" sldId="257"/>
+            <ac:spMk id="3" creationId="{00000000-0000-0000-0000-000000000000}"/>
+          </ac:spMkLst>
+        </pc:spChg>
+        <pc:spChg chg="mod topLvl">
+          <ac:chgData name="Andrew Baxter (PGR)" userId="b45e9002-b033-421d-a3d9-6d42475e9a3f" providerId="ADAL" clId="{BF162278-9B65-41D9-B6BA-598C44A88DA0}" dt="2020-04-24T11:57:07.200" v="16" actId="164"/>
+          <ac:spMkLst>
+            <pc:docMk/>
+            <pc:sldMk cId="0" sldId="257"/>
+            <ac:spMk id="24" creationId="{42F7A32F-28D2-4AA6-9E9B-E04FBC5B057C}"/>
+          </ac:spMkLst>
+        </pc:spChg>
+        <pc:spChg chg="mod topLvl">
+          <ac:chgData name="Andrew Baxter (PGR)" userId="b45e9002-b033-421d-a3d9-6d42475e9a3f" providerId="ADAL" clId="{BF162278-9B65-41D9-B6BA-598C44A88DA0}" dt="2020-04-24T11:57:07.200" v="16" actId="164"/>
+          <ac:spMkLst>
+            <pc:docMk/>
+            <pc:sldMk cId="0" sldId="257"/>
+            <ac:spMk id="25" creationId="{5873283D-228B-48D1-888C-B3969C3D9850}"/>
+          </ac:spMkLst>
+        </pc:spChg>
+        <pc:spChg chg="mod topLvl">
+          <ac:chgData name="Andrew Baxter (PGR)" userId="b45e9002-b033-421d-a3d9-6d42475e9a3f" providerId="ADAL" clId="{BF162278-9B65-41D9-B6BA-598C44A88DA0}" dt="2020-04-24T11:57:07.200" v="16" actId="164"/>
+          <ac:spMkLst>
+            <pc:docMk/>
+            <pc:sldMk cId="0" sldId="257"/>
+            <ac:spMk id="26" creationId="{4AEA28EF-C840-4C3C-8614-D6193D189295}"/>
+          </ac:spMkLst>
+        </pc:spChg>
+        <pc:spChg chg="mod topLvl">
+          <ac:chgData name="Andrew Baxter (PGR)" userId="b45e9002-b033-421d-a3d9-6d42475e9a3f" providerId="ADAL" clId="{BF162278-9B65-41D9-B6BA-598C44A88DA0}" dt="2020-04-24T11:56:53.973" v="12" actId="164"/>
+          <ac:spMkLst>
+            <pc:docMk/>
+            <pc:sldMk cId="0" sldId="257"/>
+            <ac:spMk id="27" creationId="{0C3AEDF1-F105-4474-9017-5C2948EE7D2A}"/>
+          </ac:spMkLst>
+        </pc:spChg>
+        <pc:spChg chg="mod topLvl">
+          <ac:chgData name="Andrew Baxter (PGR)" userId="b45e9002-b033-421d-a3d9-6d42475e9a3f" providerId="ADAL" clId="{BF162278-9B65-41D9-B6BA-598C44A88DA0}" dt="2020-04-24T11:56:53.973" v="12" actId="164"/>
+          <ac:spMkLst>
+            <pc:docMk/>
+            <pc:sldMk cId="0" sldId="257"/>
+            <ac:spMk id="28" creationId="{B94A5410-8267-4157-A94C-0350DA18C38B}"/>
+          </ac:spMkLst>
+        </pc:spChg>
+        <pc:spChg chg="mod topLvl">
+          <ac:chgData name="Andrew Baxter (PGR)" userId="b45e9002-b033-421d-a3d9-6d42475e9a3f" providerId="ADAL" clId="{BF162278-9B65-41D9-B6BA-598C44A88DA0}" dt="2020-04-24T11:56:56.349" v="13" actId="164"/>
+          <ac:spMkLst>
+            <pc:docMk/>
+            <pc:sldMk cId="0" sldId="257"/>
+            <ac:spMk id="29" creationId="{0F20203E-7A05-4692-A173-1CBB12DD2AB1}"/>
+          </ac:spMkLst>
+        </pc:spChg>
+        <pc:spChg chg="mod topLvl">
+          <ac:chgData name="Andrew Baxter (PGR)" userId="b45e9002-b033-421d-a3d9-6d42475e9a3f" providerId="ADAL" clId="{BF162278-9B65-41D9-B6BA-598C44A88DA0}" dt="2020-04-24T11:56:56.349" v="13" actId="164"/>
+          <ac:spMkLst>
+            <pc:docMk/>
+            <pc:sldMk cId="0" sldId="257"/>
+            <ac:spMk id="30" creationId="{A248E5FB-AB18-4A86-A4B1-768DA1BD3F3D}"/>
+          </ac:spMkLst>
+        </pc:spChg>
+        <pc:spChg chg="mod topLvl">
+          <ac:chgData name="Andrew Baxter (PGR)" userId="b45e9002-b033-421d-a3d9-6d42475e9a3f" providerId="ADAL" clId="{BF162278-9B65-41D9-B6BA-598C44A88DA0}" dt="2020-04-24T11:56:56.349" v="13" actId="164"/>
+          <ac:spMkLst>
+            <pc:docMk/>
+            <pc:sldMk cId="0" sldId="257"/>
+            <ac:spMk id="31" creationId="{45CB744A-6CCC-43E2-A6FF-98E979E8D8D2}"/>
+          </ac:spMkLst>
+        </pc:spChg>
+        <pc:spChg chg="mod topLvl">
+          <ac:chgData name="Andrew Baxter (PGR)" userId="b45e9002-b033-421d-a3d9-6d42475e9a3f" providerId="ADAL" clId="{BF162278-9B65-41D9-B6BA-598C44A88DA0}" dt="2020-04-24T11:56:56.349" v="13" actId="164"/>
+          <ac:spMkLst>
+            <pc:docMk/>
+            <pc:sldMk cId="0" sldId="257"/>
+            <ac:spMk id="32" creationId="{52CFA46B-44B0-465B-A408-568706E5EEDD}"/>
+          </ac:spMkLst>
+        </pc:spChg>
+        <pc:spChg chg="mod topLvl">
+          <ac:chgData name="Andrew Baxter (PGR)" userId="b45e9002-b033-421d-a3d9-6d42475e9a3f" providerId="ADAL" clId="{BF162278-9B65-41D9-B6BA-598C44A88DA0}" dt="2020-04-24T11:56:56.349" v="13" actId="164"/>
+          <ac:spMkLst>
+            <pc:docMk/>
+            <pc:sldMk cId="0" sldId="257"/>
+            <ac:spMk id="33" creationId="{458BC751-B264-48F8-BAAD-CA081A1D8D1B}"/>
+          </ac:spMkLst>
+        </pc:spChg>
+        <pc:spChg chg="mod topLvl">
+          <ac:chgData name="Andrew Baxter (PGR)" userId="b45e9002-b033-421d-a3d9-6d42475e9a3f" providerId="ADAL" clId="{BF162278-9B65-41D9-B6BA-598C44A88DA0}" dt="2020-04-24T11:56:56.349" v="13" actId="164"/>
+          <ac:spMkLst>
+            <pc:docMk/>
+            <pc:sldMk cId="0" sldId="257"/>
+            <ac:spMk id="34" creationId="{4A00D966-63FB-46FF-BA38-7ED949F4D0C8}"/>
+          </ac:spMkLst>
+        </pc:spChg>
+        <pc:spChg chg="add del mod topLvl">
+          <ac:chgData name="Andrew Baxter (PGR)" userId="b45e9002-b033-421d-a3d9-6d42475e9a3f" providerId="ADAL" clId="{BF162278-9B65-41D9-B6BA-598C44A88DA0}" dt="2020-04-24T11:56:53.973" v="12" actId="164"/>
+          <ac:spMkLst>
+            <pc:docMk/>
+            <pc:sldMk cId="0" sldId="257"/>
+            <ac:spMk id="35" creationId="{4D5C9392-CD6C-460D-A1DB-BCC0CC54C144}"/>
+          </ac:spMkLst>
+        </pc:spChg>
+        <pc:spChg chg="mod topLvl">
+          <ac:chgData name="Andrew Baxter (PGR)" userId="b45e9002-b033-421d-a3d9-6d42475e9a3f" providerId="ADAL" clId="{BF162278-9B65-41D9-B6BA-598C44A88DA0}" dt="2020-04-24T11:56:53.973" v="12" actId="164"/>
+          <ac:spMkLst>
+            <pc:docMk/>
+            <pc:sldMk cId="0" sldId="257"/>
+            <ac:spMk id="36" creationId="{6B135169-571F-4E16-9FE8-72CA1AD20CA9}"/>
+          </ac:spMkLst>
+        </pc:spChg>
+        <pc:spChg chg="mod topLvl">
+          <ac:chgData name="Andrew Baxter (PGR)" userId="b45e9002-b033-421d-a3d9-6d42475e9a3f" providerId="ADAL" clId="{BF162278-9B65-41D9-B6BA-598C44A88DA0}" dt="2020-04-24T11:56:56.349" v="13" actId="164"/>
+          <ac:spMkLst>
+            <pc:docMk/>
+            <pc:sldMk cId="0" sldId="257"/>
+            <ac:spMk id="37" creationId="{4E67D7B5-DAC0-441B-84EB-5CD54BDCE5A9}"/>
+          </ac:spMkLst>
+        </pc:spChg>
+        <pc:spChg chg="mod topLvl">
+          <ac:chgData name="Andrew Baxter (PGR)" userId="b45e9002-b033-421d-a3d9-6d42475e9a3f" providerId="ADAL" clId="{BF162278-9B65-41D9-B6BA-598C44A88DA0}" dt="2020-04-24T11:56:56.349" v="13" actId="164"/>
+          <ac:spMkLst>
+            <pc:docMk/>
+            <pc:sldMk cId="0" sldId="257"/>
+            <ac:spMk id="38" creationId="{1DDE2149-2D52-4D3F-968B-6B232C617444}"/>
+          </ac:spMkLst>
+        </pc:spChg>
+        <pc:spChg chg="mod topLvl">
+          <ac:chgData name="Andrew Baxter (PGR)" userId="b45e9002-b033-421d-a3d9-6d42475e9a3f" providerId="ADAL" clId="{BF162278-9B65-41D9-B6BA-598C44A88DA0}" dt="2020-04-24T11:56:56.349" v="13" actId="164"/>
+          <ac:spMkLst>
+            <pc:docMk/>
+            <pc:sldMk cId="0" sldId="257"/>
+            <ac:spMk id="39" creationId="{6459ECE0-995E-4616-8871-5F90BF3EAD43}"/>
+          </ac:spMkLst>
+        </pc:spChg>
+        <pc:spChg chg="mod topLvl">
+          <ac:chgData name="Andrew Baxter (PGR)" userId="b45e9002-b033-421d-a3d9-6d42475e9a3f" providerId="ADAL" clId="{BF162278-9B65-41D9-B6BA-598C44A88DA0}" dt="2020-04-24T11:56:56.349" v="13" actId="164"/>
+          <ac:spMkLst>
+            <pc:docMk/>
+            <pc:sldMk cId="0" sldId="257"/>
+            <ac:spMk id="40" creationId="{28916970-B031-4AE5-B708-88FE531ADFEB}"/>
+          </ac:spMkLst>
+        </pc:spChg>
+        <pc:spChg chg="mod topLvl">
+          <ac:chgData name="Andrew Baxter (PGR)" userId="b45e9002-b033-421d-a3d9-6d42475e9a3f" providerId="ADAL" clId="{BF162278-9B65-41D9-B6BA-598C44A88DA0}" dt="2020-04-24T11:56:56.349" v="13" actId="164"/>
+          <ac:spMkLst>
+            <pc:docMk/>
+            <pc:sldMk cId="0" sldId="257"/>
+            <ac:spMk id="41" creationId="{84AE9951-7D6E-4FB8-B411-D9A5CD29E603}"/>
+          </ac:spMkLst>
+        </pc:spChg>
+        <pc:spChg chg="mod topLvl">
+          <ac:chgData name="Andrew Baxter (PGR)" userId="b45e9002-b033-421d-a3d9-6d42475e9a3f" providerId="ADAL" clId="{BF162278-9B65-41D9-B6BA-598C44A88DA0}" dt="2020-04-24T11:56:56.349" v="13" actId="164"/>
+          <ac:spMkLst>
+            <pc:docMk/>
+            <pc:sldMk cId="0" sldId="257"/>
+            <ac:spMk id="42" creationId="{FC8569F3-38A2-40BF-97F9-B972E0FF96D9}"/>
+          </ac:spMkLst>
+        </pc:spChg>
+        <pc:grpChg chg="mod">
+          <ac:chgData name="Andrew Baxter (PGR)" userId="b45e9002-b033-421d-a3d9-6d42475e9a3f" providerId="ADAL" clId="{BF162278-9B65-41D9-B6BA-598C44A88DA0}" dt="2020-04-24T11:52:03.728" v="1" actId="1076"/>
+          <ac:grpSpMkLst>
+            <pc:docMk/>
+            <pc:sldMk cId="0" sldId="257"/>
+            <ac:grpSpMk id="2" creationId="{00000000-0000-0000-0000-000000000000}"/>
+          </ac:grpSpMkLst>
+        </pc:grpChg>
+        <pc:grpChg chg="add del mod">
+          <ac:chgData name="Andrew Baxter (PGR)" userId="b45e9002-b033-421d-a3d9-6d42475e9a3f" providerId="ADAL" clId="{BF162278-9B65-41D9-B6BA-598C44A88DA0}" dt="2020-04-24T11:56:46.645" v="11" actId="165"/>
+          <ac:grpSpMkLst>
+            <pc:docMk/>
+            <pc:sldMk cId="0" sldId="257"/>
+            <ac:grpSpMk id="23" creationId="{B25C2349-0B9F-481F-8270-744A1036DE31}"/>
+          </ac:grpSpMkLst>
+        </pc:grpChg>
+        <pc:grpChg chg="add mod">
+          <ac:chgData name="Andrew Baxter (PGR)" userId="b45e9002-b033-421d-a3d9-6d42475e9a3f" providerId="ADAL" clId="{BF162278-9B65-41D9-B6BA-598C44A88DA0}" dt="2020-04-24T11:56:42.440" v="8" actId="164"/>
+          <ac:grpSpMkLst>
+            <pc:docMk/>
+            <pc:sldMk cId="0" sldId="257"/>
+            <ac:grpSpMk id="43" creationId="{AE0D380D-462C-406B-9C93-27E7CDDD3C3E}"/>
+          </ac:grpSpMkLst>
+        </pc:grpChg>
+        <pc:grpChg chg="add del mod">
+          <ac:chgData name="Andrew Baxter (PGR)" userId="b45e9002-b033-421d-a3d9-6d42475e9a3f" providerId="ADAL" clId="{BF162278-9B65-41D9-B6BA-598C44A88DA0}" dt="2020-04-24T11:57:04.576" v="15" actId="478"/>
+          <ac:grpSpMkLst>
+            <pc:docMk/>
+            <pc:sldMk cId="0" sldId="257"/>
+            <ac:grpSpMk id="44" creationId="{A2F8E93B-46F1-44D3-80EF-0225CCFD70E6}"/>
+          </ac:grpSpMkLst>
+        </pc:grpChg>
+        <pc:grpChg chg="add mod">
+          <ac:chgData name="Andrew Baxter (PGR)" userId="b45e9002-b033-421d-a3d9-6d42475e9a3f" providerId="ADAL" clId="{BF162278-9B65-41D9-B6BA-598C44A88DA0}" dt="2020-04-24T11:57:07.200" v="16" actId="164"/>
+          <ac:grpSpMkLst>
+            <pc:docMk/>
+            <pc:sldMk cId="0" sldId="257"/>
+            <ac:grpSpMk id="45" creationId="{504B38D2-5516-41DC-A83A-A7CEC72F2AE0}"/>
+          </ac:grpSpMkLst>
+        </pc:grpChg>
+        <pc:grpChg chg="add mod">
+          <ac:chgData name="Andrew Baxter (PGR)" userId="b45e9002-b033-421d-a3d9-6d42475e9a3f" providerId="ADAL" clId="{BF162278-9B65-41D9-B6BA-598C44A88DA0}" dt="2020-04-24T11:57:07.200" v="16" actId="164"/>
+          <ac:grpSpMkLst>
+            <pc:docMk/>
+            <pc:sldMk cId="0" sldId="257"/>
+            <ac:grpSpMk id="46" creationId="{D4A3DF9A-12FC-4F9B-A7D0-134FE59156E3}"/>
+          </ac:grpSpMkLst>
+        </pc:grpChg>
+      </pc:sldChg>
+    </pc:docChg>
+  </pc:docChgLst>
+</pc:chgInfo>
 </file>
 
 <file path=ppt/slideLayouts/slideLayout1.xml><?xml version="1.0" encoding="utf-8"?>
@@ -145,7 +399,7 @@
           <a:lstStyle/>
           <a:p>
             <a:r>
-              <a:rPr lang="en-US" smtClean="0"/>
+              <a:rPr lang="en-US"/>
               <a:t>Click to edit Master title style</a:t>
             </a:r>
             <a:endParaRPr lang="en-GB"/>
@@ -264,7 +518,7 @@
           </a:lstStyle>
           <a:p>
             <a:r>
-              <a:rPr lang="en-US" smtClean="0"/>
+              <a:rPr lang="en-US"/>
               <a:t>Click to edit Master subtitle style</a:t>
             </a:r>
             <a:endParaRPr lang="en-GB"/>
@@ -288,7 +542,7 @@
           <a:p>
             <a:fld id="{6BA5D40C-A8DC-479A-A5D3-E7B4936A184B}" type="datetimeFigureOut">
               <a:rPr lang="en-GB" smtClean="0"/>
-              <a:t>15/07/2015</a:t>
+              <a:t>24/04/2020</a:t>
             </a:fld>
             <a:endParaRPr lang="en-GB"/>
           </a:p>
@@ -382,7 +636,7 @@
           <a:lstStyle/>
           <a:p>
             <a:r>
-              <a:rPr lang="en-US" smtClean="0"/>
+              <a:rPr lang="en-US"/>
               <a:t>Click to edit Master title style</a:t>
             </a:r>
             <a:endParaRPr lang="en-GB"/>
@@ -406,35 +660,35 @@
           <a:p>
             <a:pPr lvl="0"/>
             <a:r>
-              <a:rPr lang="en-US" smtClean="0"/>
+              <a:rPr lang="en-US"/>
               <a:t>Click to edit Master text styles</a:t>
             </a:r>
           </a:p>
           <a:p>
             <a:pPr lvl="1"/>
             <a:r>
-              <a:rPr lang="en-US" smtClean="0"/>
+              <a:rPr lang="en-US"/>
               <a:t>Second level</a:t>
             </a:r>
           </a:p>
           <a:p>
             <a:pPr lvl="2"/>
             <a:r>
-              <a:rPr lang="en-US" smtClean="0"/>
+              <a:rPr lang="en-US"/>
               <a:t>Third level</a:t>
             </a:r>
           </a:p>
           <a:p>
             <a:pPr lvl="3"/>
             <a:r>
-              <a:rPr lang="en-US" smtClean="0"/>
+              <a:rPr lang="en-US"/>
               <a:t>Fourth level</a:t>
             </a:r>
           </a:p>
           <a:p>
             <a:pPr lvl="4"/>
             <a:r>
-              <a:rPr lang="en-US" smtClean="0"/>
+              <a:rPr lang="en-US"/>
               <a:t>Fifth level</a:t>
             </a:r>
             <a:endParaRPr lang="en-GB"/>
@@ -458,7 +712,7 @@
           <a:p>
             <a:fld id="{6BA5D40C-A8DC-479A-A5D3-E7B4936A184B}" type="datetimeFigureOut">
               <a:rPr lang="en-GB" smtClean="0"/>
-              <a:t>15/07/2015</a:t>
+              <a:t>24/04/2020</a:t>
             </a:fld>
             <a:endParaRPr lang="en-GB"/>
           </a:p>
@@ -557,7 +811,7 @@
           <a:lstStyle/>
           <a:p>
             <a:r>
-              <a:rPr lang="en-US" smtClean="0"/>
+              <a:rPr lang="en-US"/>
               <a:t>Click to edit Master title style</a:t>
             </a:r>
             <a:endParaRPr lang="en-GB"/>
@@ -586,35 +840,35 @@
           <a:p>
             <a:pPr lvl="0"/>
             <a:r>
-              <a:rPr lang="en-US" smtClean="0"/>
+              <a:rPr lang="en-US"/>
               <a:t>Click to edit Master text styles</a:t>
             </a:r>
           </a:p>
           <a:p>
             <a:pPr lvl="1"/>
             <a:r>
-              <a:rPr lang="en-US" smtClean="0"/>
+              <a:rPr lang="en-US"/>
               <a:t>Second level</a:t>
             </a:r>
           </a:p>
           <a:p>
             <a:pPr lvl="2"/>
             <a:r>
-              <a:rPr lang="en-US" smtClean="0"/>
+              <a:rPr lang="en-US"/>
               <a:t>Third level</a:t>
             </a:r>
           </a:p>
           <a:p>
             <a:pPr lvl="3"/>
             <a:r>
-              <a:rPr lang="en-US" smtClean="0"/>
+              <a:rPr lang="en-US"/>
               <a:t>Fourth level</a:t>
             </a:r>
           </a:p>
           <a:p>
             <a:pPr lvl="4"/>
             <a:r>
-              <a:rPr lang="en-US" smtClean="0"/>
+              <a:rPr lang="en-US"/>
               <a:t>Fifth level</a:t>
             </a:r>
             <a:endParaRPr lang="en-GB"/>
@@ -638,7 +892,7 @@
           <a:p>
             <a:fld id="{6BA5D40C-A8DC-479A-A5D3-E7B4936A184B}" type="datetimeFigureOut">
               <a:rPr lang="en-GB" smtClean="0"/>
-              <a:t>15/07/2015</a:t>
+              <a:t>24/04/2020</a:t>
             </a:fld>
             <a:endParaRPr lang="en-GB"/>
           </a:p>
@@ -732,7 +986,7 @@
           <a:lstStyle/>
           <a:p>
             <a:r>
-              <a:rPr lang="en-US" smtClean="0"/>
+              <a:rPr lang="en-US"/>
               <a:t>Click to edit Master title style</a:t>
             </a:r>
             <a:endParaRPr lang="en-GB"/>
@@ -756,35 +1010,35 @@
           <a:p>
             <a:pPr lvl="0"/>
             <a:r>
-              <a:rPr lang="en-US" smtClean="0"/>
+              <a:rPr lang="en-US"/>
               <a:t>Click to edit Master text styles</a:t>
             </a:r>
           </a:p>
           <a:p>
             <a:pPr lvl="1"/>
             <a:r>
-              <a:rPr lang="en-US" smtClean="0"/>
+              <a:rPr lang="en-US"/>
               <a:t>Second level</a:t>
             </a:r>
           </a:p>
           <a:p>
             <a:pPr lvl="2"/>
             <a:r>
-              <a:rPr lang="en-US" smtClean="0"/>
+              <a:rPr lang="en-US"/>
               <a:t>Third level</a:t>
             </a:r>
           </a:p>
           <a:p>
             <a:pPr lvl="3"/>
             <a:r>
-              <a:rPr lang="en-US" smtClean="0"/>
+              <a:rPr lang="en-US"/>
               <a:t>Fourth level</a:t>
             </a:r>
           </a:p>
           <a:p>
             <a:pPr lvl="4"/>
             <a:r>
-              <a:rPr lang="en-US" smtClean="0"/>
+              <a:rPr lang="en-US"/>
               <a:t>Fifth level</a:t>
             </a:r>
             <a:endParaRPr lang="en-GB"/>
@@ -808,7 +1062,7 @@
           <a:p>
             <a:fld id="{6BA5D40C-A8DC-479A-A5D3-E7B4936A184B}" type="datetimeFigureOut">
               <a:rPr lang="en-GB" smtClean="0"/>
-              <a:t>15/07/2015</a:t>
+              <a:t>24/04/2020</a:t>
             </a:fld>
             <a:endParaRPr lang="en-GB"/>
           </a:p>
@@ -911,7 +1165,7 @@
           </a:lstStyle>
           <a:p>
             <a:r>
-              <a:rPr lang="en-US" smtClean="0"/>
+              <a:rPr lang="en-US"/>
               <a:t>Click to edit Master title style</a:t>
             </a:r>
             <a:endParaRPr lang="en-GB"/>
@@ -1031,7 +1285,7 @@
           <a:p>
             <a:pPr lvl="0"/>
             <a:r>
-              <a:rPr lang="en-US" smtClean="0"/>
+              <a:rPr lang="en-US"/>
               <a:t>Click to edit Master text styles</a:t>
             </a:r>
           </a:p>
@@ -1054,7 +1308,7 @@
           <a:p>
             <a:fld id="{6BA5D40C-A8DC-479A-A5D3-E7B4936A184B}" type="datetimeFigureOut">
               <a:rPr lang="en-GB" smtClean="0"/>
-              <a:t>15/07/2015</a:t>
+              <a:t>24/04/2020</a:t>
             </a:fld>
             <a:endParaRPr lang="en-GB"/>
           </a:p>
@@ -1148,7 +1402,7 @@
           <a:lstStyle/>
           <a:p>
             <a:r>
-              <a:rPr lang="en-US" smtClean="0"/>
+              <a:rPr lang="en-US"/>
               <a:t>Click to edit Master title style</a:t>
             </a:r>
             <a:endParaRPr lang="en-GB"/>
@@ -1205,35 +1459,35 @@
           <a:p>
             <a:pPr lvl="0"/>
             <a:r>
-              <a:rPr lang="en-US" smtClean="0"/>
+              <a:rPr lang="en-US"/>
               <a:t>Click to edit Master text styles</a:t>
             </a:r>
           </a:p>
           <a:p>
             <a:pPr lvl="1"/>
             <a:r>
-              <a:rPr lang="en-US" smtClean="0"/>
+              <a:rPr lang="en-US"/>
               <a:t>Second level</a:t>
             </a:r>
           </a:p>
           <a:p>
             <a:pPr lvl="2"/>
             <a:r>
-              <a:rPr lang="en-US" smtClean="0"/>
+              <a:rPr lang="en-US"/>
               <a:t>Third level</a:t>
             </a:r>
           </a:p>
           <a:p>
             <a:pPr lvl="3"/>
             <a:r>
-              <a:rPr lang="en-US" smtClean="0"/>
+              <a:rPr lang="en-US"/>
               <a:t>Fourth level</a:t>
             </a:r>
           </a:p>
           <a:p>
             <a:pPr lvl="4"/>
             <a:r>
-              <a:rPr lang="en-US" smtClean="0"/>
+              <a:rPr lang="en-US"/>
               <a:t>Fifth level</a:t>
             </a:r>
             <a:endParaRPr lang="en-GB"/>
@@ -1290,35 +1544,35 @@
           <a:p>
             <a:pPr lvl="0"/>
             <a:r>
-              <a:rPr lang="en-US" smtClean="0"/>
+              <a:rPr lang="en-US"/>
               <a:t>Click to edit Master text styles</a:t>
             </a:r>
           </a:p>
           <a:p>
             <a:pPr lvl="1"/>
             <a:r>
-              <a:rPr lang="en-US" smtClean="0"/>
+              <a:rPr lang="en-US"/>
               <a:t>Second level</a:t>
             </a:r>
           </a:p>
           <a:p>
             <a:pPr lvl="2"/>
             <a:r>
-              <a:rPr lang="en-US" smtClean="0"/>
+              <a:rPr lang="en-US"/>
               <a:t>Third level</a:t>
             </a:r>
           </a:p>
           <a:p>
             <a:pPr lvl="3"/>
             <a:r>
-              <a:rPr lang="en-US" smtClean="0"/>
+              <a:rPr lang="en-US"/>
               <a:t>Fourth level</a:t>
             </a:r>
           </a:p>
           <a:p>
             <a:pPr lvl="4"/>
             <a:r>
-              <a:rPr lang="en-US" smtClean="0"/>
+              <a:rPr lang="en-US"/>
               <a:t>Fifth level</a:t>
             </a:r>
             <a:endParaRPr lang="en-GB"/>
@@ -1342,7 +1596,7 @@
           <a:p>
             <a:fld id="{6BA5D40C-A8DC-479A-A5D3-E7B4936A184B}" type="datetimeFigureOut">
               <a:rPr lang="en-GB" smtClean="0"/>
-              <a:t>15/07/2015</a:t>
+              <a:t>24/04/2020</a:t>
             </a:fld>
             <a:endParaRPr lang="en-GB"/>
           </a:p>
@@ -1445,7 +1699,7 @@
           </a:lstStyle>
           <a:p>
             <a:r>
-              <a:rPr lang="en-US" smtClean="0"/>
+              <a:rPr lang="en-US"/>
               <a:t>Click to edit Master title style</a:t>
             </a:r>
             <a:endParaRPr lang="en-GB"/>
@@ -1511,7 +1765,7 @@
           <a:p>
             <a:pPr lvl="0"/>
             <a:r>
-              <a:rPr lang="en-US" smtClean="0"/>
+              <a:rPr lang="en-US"/>
               <a:t>Click to edit Master text styles</a:t>
             </a:r>
           </a:p>
@@ -1567,35 +1821,35 @@
           <a:p>
             <a:pPr lvl="0"/>
             <a:r>
-              <a:rPr lang="en-US" smtClean="0"/>
+              <a:rPr lang="en-US"/>
               <a:t>Click to edit Master text styles</a:t>
             </a:r>
           </a:p>
           <a:p>
             <a:pPr lvl="1"/>
             <a:r>
-              <a:rPr lang="en-US" smtClean="0"/>
+              <a:rPr lang="en-US"/>
               <a:t>Second level</a:t>
             </a:r>
           </a:p>
           <a:p>
             <a:pPr lvl="2"/>
             <a:r>
-              <a:rPr lang="en-US" smtClean="0"/>
+              <a:rPr lang="en-US"/>
               <a:t>Third level</a:t>
             </a:r>
           </a:p>
           <a:p>
             <a:pPr lvl="3"/>
             <a:r>
-              <a:rPr lang="en-US" smtClean="0"/>
+              <a:rPr lang="en-US"/>
               <a:t>Fourth level</a:t>
             </a:r>
           </a:p>
           <a:p>
             <a:pPr lvl="4"/>
             <a:r>
-              <a:rPr lang="en-US" smtClean="0"/>
+              <a:rPr lang="en-US"/>
               <a:t>Fifth level</a:t>
             </a:r>
             <a:endParaRPr lang="en-GB"/>
@@ -1661,7 +1915,7 @@
           <a:p>
             <a:pPr lvl="0"/>
             <a:r>
-              <a:rPr lang="en-US" smtClean="0"/>
+              <a:rPr lang="en-US"/>
               <a:t>Click to edit Master text styles</a:t>
             </a:r>
           </a:p>
@@ -1717,35 +1971,35 @@
           <a:p>
             <a:pPr lvl="0"/>
             <a:r>
-              <a:rPr lang="en-US" smtClean="0"/>
+              <a:rPr lang="en-US"/>
               <a:t>Click to edit Master text styles</a:t>
             </a:r>
           </a:p>
           <a:p>
             <a:pPr lvl="1"/>
             <a:r>
-              <a:rPr lang="en-US" smtClean="0"/>
+              <a:rPr lang="en-US"/>
               <a:t>Second level</a:t>
             </a:r>
           </a:p>
           <a:p>
             <a:pPr lvl="2"/>
             <a:r>
-              <a:rPr lang="en-US" smtClean="0"/>
+              <a:rPr lang="en-US"/>
               <a:t>Third level</a:t>
             </a:r>
           </a:p>
           <a:p>
             <a:pPr lvl="3"/>
             <a:r>
-              <a:rPr lang="en-US" smtClean="0"/>
+              <a:rPr lang="en-US"/>
               <a:t>Fourth level</a:t>
             </a:r>
           </a:p>
           <a:p>
             <a:pPr lvl="4"/>
             <a:r>
-              <a:rPr lang="en-US" smtClean="0"/>
+              <a:rPr lang="en-US"/>
               <a:t>Fifth level</a:t>
             </a:r>
             <a:endParaRPr lang="en-GB"/>
@@ -1769,7 +2023,7 @@
           <a:p>
             <a:fld id="{6BA5D40C-A8DC-479A-A5D3-E7B4936A184B}" type="datetimeFigureOut">
               <a:rPr lang="en-GB" smtClean="0"/>
-              <a:t>15/07/2015</a:t>
+              <a:t>24/04/2020</a:t>
             </a:fld>
             <a:endParaRPr lang="en-GB"/>
           </a:p>
@@ -1863,7 +2117,7 @@
           <a:lstStyle/>
           <a:p>
             <a:r>
-              <a:rPr lang="en-US" smtClean="0"/>
+              <a:rPr lang="en-US"/>
               <a:t>Click to edit Master title style</a:t>
             </a:r>
             <a:endParaRPr lang="en-GB"/>
@@ -1887,7 +2141,7 @@
           <a:p>
             <a:fld id="{6BA5D40C-A8DC-479A-A5D3-E7B4936A184B}" type="datetimeFigureOut">
               <a:rPr lang="en-GB" smtClean="0"/>
-              <a:t>15/07/2015</a:t>
+              <a:t>24/04/2020</a:t>
             </a:fld>
             <a:endParaRPr lang="en-GB"/>
           </a:p>
@@ -1982,7 +2236,7 @@
           <a:p>
             <a:fld id="{6BA5D40C-A8DC-479A-A5D3-E7B4936A184B}" type="datetimeFigureOut">
               <a:rPr lang="en-GB" smtClean="0"/>
-              <a:t>15/07/2015</a:t>
+              <a:t>24/04/2020</a:t>
             </a:fld>
             <a:endParaRPr lang="en-GB"/>
           </a:p>
@@ -2085,7 +2339,7 @@
           </a:lstStyle>
           <a:p>
             <a:r>
-              <a:rPr lang="en-US" smtClean="0"/>
+              <a:rPr lang="en-US"/>
               <a:t>Click to edit Master title style</a:t>
             </a:r>
             <a:endParaRPr lang="en-GB"/>
@@ -2142,35 +2396,35 @@
           <a:p>
             <a:pPr lvl="0"/>
             <a:r>
-              <a:rPr lang="en-US" smtClean="0"/>
+              <a:rPr lang="en-US"/>
               <a:t>Click to edit Master text styles</a:t>
             </a:r>
           </a:p>
           <a:p>
             <a:pPr lvl="1"/>
             <a:r>
-              <a:rPr lang="en-US" smtClean="0"/>
+              <a:rPr lang="en-US"/>
               <a:t>Second level</a:t>
             </a:r>
           </a:p>
           <a:p>
             <a:pPr lvl="2"/>
             <a:r>
-              <a:rPr lang="en-US" smtClean="0"/>
+              <a:rPr lang="en-US"/>
               <a:t>Third level</a:t>
             </a:r>
           </a:p>
           <a:p>
             <a:pPr lvl="3"/>
             <a:r>
-              <a:rPr lang="en-US" smtClean="0"/>
+              <a:rPr lang="en-US"/>
               <a:t>Fourth level</a:t>
             </a:r>
           </a:p>
           <a:p>
             <a:pPr lvl="4"/>
             <a:r>
-              <a:rPr lang="en-US" smtClean="0"/>
+              <a:rPr lang="en-US"/>
               <a:t>Fifth level</a:t>
             </a:r>
             <a:endParaRPr lang="en-GB"/>
@@ -2236,7 +2490,7 @@
           <a:p>
             <a:pPr lvl="0"/>
             <a:r>
-              <a:rPr lang="en-US" smtClean="0"/>
+              <a:rPr lang="en-US"/>
               <a:t>Click to edit Master text styles</a:t>
             </a:r>
           </a:p>
@@ -2259,7 +2513,7 @@
           <a:p>
             <a:fld id="{6BA5D40C-A8DC-479A-A5D3-E7B4936A184B}" type="datetimeFigureOut">
               <a:rPr lang="en-GB" smtClean="0"/>
-              <a:t>15/07/2015</a:t>
+              <a:t>24/04/2020</a:t>
             </a:fld>
             <a:endParaRPr lang="en-GB"/>
           </a:p>
@@ -2362,7 +2616,7 @@
           </a:lstStyle>
           <a:p>
             <a:r>
-              <a:rPr lang="en-US" smtClean="0"/>
+              <a:rPr lang="en-US"/>
               <a:t>Click to edit Master title style</a:t>
             </a:r>
             <a:endParaRPr lang="en-GB"/>
@@ -2489,7 +2743,7 @@
           <a:p>
             <a:pPr lvl="0"/>
             <a:r>
-              <a:rPr lang="en-US" smtClean="0"/>
+              <a:rPr lang="en-US"/>
               <a:t>Click to edit Master text styles</a:t>
             </a:r>
           </a:p>
@@ -2512,7 +2766,7 @@
           <a:p>
             <a:fld id="{6BA5D40C-A8DC-479A-A5D3-E7B4936A184B}" type="datetimeFigureOut">
               <a:rPr lang="en-GB" smtClean="0"/>
-              <a:t>15/07/2015</a:t>
+              <a:t>24/04/2020</a:t>
             </a:fld>
             <a:endParaRPr lang="en-GB"/>
           </a:p>
@@ -2621,7 +2875,7 @@
           <a:lstStyle/>
           <a:p>
             <a:r>
-              <a:rPr lang="en-US" smtClean="0"/>
+              <a:rPr lang="en-US"/>
               <a:t>Click to edit Master title style</a:t>
             </a:r>
             <a:endParaRPr lang="en-GB"/>
@@ -2655,35 +2909,35 @@
           <a:p>
             <a:pPr lvl="0"/>
             <a:r>
-              <a:rPr lang="en-US" smtClean="0"/>
+              <a:rPr lang="en-US"/>
               <a:t>Click to edit Master text styles</a:t>
             </a:r>
           </a:p>
           <a:p>
             <a:pPr lvl="1"/>
             <a:r>
-              <a:rPr lang="en-US" smtClean="0"/>
+              <a:rPr lang="en-US"/>
               <a:t>Second level</a:t>
             </a:r>
           </a:p>
           <a:p>
             <a:pPr lvl="2"/>
             <a:r>
-              <a:rPr lang="en-US" smtClean="0"/>
+              <a:rPr lang="en-US"/>
               <a:t>Third level</a:t>
             </a:r>
           </a:p>
           <a:p>
             <a:pPr lvl="3"/>
             <a:r>
-              <a:rPr lang="en-US" smtClean="0"/>
+              <a:rPr lang="en-US"/>
               <a:t>Fourth level</a:t>
             </a:r>
           </a:p>
           <a:p>
             <a:pPr lvl="4"/>
             <a:r>
-              <a:rPr lang="en-US" smtClean="0"/>
+              <a:rPr lang="en-US"/>
               <a:t>Fifth level</a:t>
             </a:r>
             <a:endParaRPr lang="en-GB"/>
@@ -2725,7 +2979,7 @@
           <a:p>
             <a:fld id="{6BA5D40C-A8DC-479A-A5D3-E7B4936A184B}" type="datetimeFigureOut">
               <a:rPr lang="en-GB" smtClean="0"/>
-              <a:t>15/07/2015</a:t>
+              <a:t>24/04/2020</a:t>
             </a:fld>
             <a:endParaRPr lang="en-GB"/>
           </a:p>
@@ -3100,9 +3354,9 @@
           <a:chExt cx="0" cy="0"/>
         </a:xfrm>
       </p:grpSpPr>
-      <p:grpSp xmlns:a="http://schemas.openxmlformats.org/drawingml/2006/main" xmlns:r="http://schemas.openxmlformats.org/officeDocument/2006/relationships" xmlns:p="http://schemas.openxmlformats.org/presentationml/2006/main" xmlns:pic="http://schemas.openxmlformats.org/drawingml/2006/picture">
+      <p:grpSp>
         <p:nvGrpSpPr>
-          <p:cNvPr id="2" name=""/>
+          <p:cNvPr id="2" name="Group 1"/>
           <p:cNvGrpSpPr/>
           <p:nvPr/>
         </p:nvGrpSpPr>
@@ -3146,7 +3400,9 @@
           <p:txBody>
             <a:bodyPr/>
             <a:lstStyle/>
-            <a:p/>
+            <a:p>
+              <a:endParaRPr/>
+            </a:p>
           </p:txBody>
         </p:sp>
         <p:sp>
@@ -3166,10 +3422,10 @@
             <a:noFill/>
           </p:spPr>
           <p:txBody>
-            <a:bodyPr lIns="0" rIns="0" tIns="0" bIns="0" anchorCtr="1" anchor="ctr" wrap="none"/>
+            <a:bodyPr wrap="none" lIns="0" tIns="0" rIns="0" bIns="0" anchor="ctr" anchorCtr="1"/>
             <a:lstStyle/>
             <a:p>
-              <a:pPr algn="l" marL="0" marR="0" indent="0">
+              <a:pPr marL="0" marR="0" indent="0" algn="l">
                 <a:lnSpc>
                   <a:spcPts val="1100"/>
                 </a:lnSpc>
@@ -3212,10 +3468,10 @@
             <a:noFill/>
           </p:spPr>
           <p:txBody>
-            <a:bodyPr lIns="0" rIns="0" tIns="0" bIns="0" anchorCtr="1" anchor="ctr" wrap="none"/>
+            <a:bodyPr wrap="none" lIns="0" tIns="0" rIns="0" bIns="0" anchor="ctr" anchorCtr="1"/>
             <a:lstStyle/>
             <a:p>
-              <a:pPr algn="l" marL="0" marR="0" indent="0">
+              <a:pPr marL="0" marR="0" indent="0" algn="l">
                 <a:lnSpc>
                   <a:spcPts val="1100"/>
                 </a:lnSpc>
@@ -3258,10 +3514,10 @@
             <a:noFill/>
           </p:spPr>
           <p:txBody>
-            <a:bodyPr lIns="0" rIns="0" tIns="0" bIns="0" anchorCtr="1" anchor="ctr" wrap="none"/>
+            <a:bodyPr wrap="none" lIns="0" tIns="0" rIns="0" bIns="0" anchor="ctr" anchorCtr="1"/>
             <a:lstStyle/>
             <a:p>
-              <a:pPr algn="l" marL="0" marR="0" indent="0">
+              <a:pPr marL="0" marR="0" indent="0" algn="l">
                 <a:lnSpc>
                   <a:spcPts val="1100"/>
                 </a:lnSpc>
@@ -3319,7 +3575,9 @@
           <p:txBody>
             <a:bodyPr/>
             <a:lstStyle/>
-            <a:p/>
+            <a:p>
+              <a:endParaRPr/>
+            </a:p>
           </p:txBody>
         </p:sp>
         <p:sp>
@@ -3354,7 +3612,9 @@
           <p:txBody>
             <a:bodyPr/>
             <a:lstStyle/>
-            <a:p/>
+            <a:p>
+              <a:endParaRPr/>
+            </a:p>
           </p:txBody>
         </p:sp>
         <p:sp>
@@ -3389,7 +3649,9 @@
           <p:txBody>
             <a:bodyPr/>
             <a:lstStyle/>
-            <a:p/>
+            <a:p>
+              <a:endParaRPr/>
+            </a:p>
           </p:txBody>
         </p:sp>
         <p:sp>
@@ -3424,7 +3686,9 @@
           <p:txBody>
             <a:bodyPr/>
             <a:lstStyle/>
-            <a:p/>
+            <a:p>
+              <a:endParaRPr/>
+            </a:p>
           </p:txBody>
         </p:sp>
         <p:sp>
@@ -3459,7 +3723,9 @@
           <p:txBody>
             <a:bodyPr/>
             <a:lstStyle/>
-            <a:p/>
+            <a:p>
+              <a:endParaRPr/>
+            </a:p>
           </p:txBody>
         </p:sp>
         <p:sp>
@@ -3494,7 +3760,9 @@
           <p:txBody>
             <a:bodyPr/>
             <a:lstStyle/>
-            <a:p/>
+            <a:p>
+              <a:endParaRPr/>
+            </a:p>
           </p:txBody>
         </p:sp>
         <p:sp>
@@ -3529,7 +3797,9 @@
           <p:txBody>
             <a:bodyPr/>
             <a:lstStyle/>
-            <a:p/>
+            <a:p>
+              <a:endParaRPr/>
+            </a:p>
           </p:txBody>
         </p:sp>
         <p:sp>
@@ -3564,7 +3834,9 @@
           <p:txBody>
             <a:bodyPr/>
             <a:lstStyle/>
-            <a:p/>
+            <a:p>
+              <a:endParaRPr/>
+            </a:p>
           </p:txBody>
         </p:sp>
         <p:sp>
@@ -3584,10 +3856,10 @@
             <a:noFill/>
           </p:spPr>
           <p:txBody>
-            <a:bodyPr lIns="0" rIns="0" tIns="0" bIns="0" anchorCtr="1" anchor="ctr" wrap="none"/>
+            <a:bodyPr wrap="none" lIns="0" tIns="0" rIns="0" bIns="0" anchor="ctr" anchorCtr="1"/>
             <a:lstStyle/>
             <a:p>
-              <a:pPr algn="l" marL="0" marR="0" indent="0">
+              <a:pPr marL="0" marR="0" indent="0" algn="l">
                 <a:lnSpc>
                   <a:spcPts val="880"/>
                 </a:lnSpc>
@@ -3630,10 +3902,10 @@
             <a:noFill/>
           </p:spPr>
           <p:txBody>
-            <a:bodyPr lIns="0" rIns="0" tIns="0" bIns="0" anchorCtr="1" anchor="ctr" wrap="none"/>
+            <a:bodyPr wrap="none" lIns="0" tIns="0" rIns="0" bIns="0" anchor="ctr" anchorCtr="1"/>
             <a:lstStyle/>
             <a:p>
-              <a:pPr algn="l" marL="0" marR="0" indent="0">
+              <a:pPr marL="0" marR="0" indent="0" algn="l">
                 <a:lnSpc>
                   <a:spcPts val="880"/>
                 </a:lnSpc>
@@ -3676,10 +3948,10 @@
             <a:noFill/>
           </p:spPr>
           <p:txBody>
-            <a:bodyPr lIns="0" rIns="0" tIns="0" bIns="0" anchorCtr="1" anchor="ctr" wrap="none"/>
+            <a:bodyPr wrap="none" lIns="0" tIns="0" rIns="0" bIns="0" anchor="ctr" anchorCtr="1"/>
             <a:lstStyle/>
             <a:p>
-              <a:pPr algn="l" marL="0" marR="0" indent="0">
+              <a:pPr marL="0" marR="0" indent="0" algn="l">
                 <a:lnSpc>
                   <a:spcPts val="880"/>
                 </a:lnSpc>
@@ -3722,10 +3994,10 @@
             <a:noFill/>
           </p:spPr>
           <p:txBody>
-            <a:bodyPr lIns="0" rIns="0" tIns="0" bIns="0" anchorCtr="1" anchor="ctr" wrap="none"/>
+            <a:bodyPr wrap="none" lIns="0" tIns="0" rIns="0" bIns="0" anchor="ctr" anchorCtr="1"/>
             <a:lstStyle/>
             <a:p>
-              <a:pPr algn="l" marL="0" marR="0" indent="0">
+              <a:pPr marL="0" marR="0" indent="0" algn="l">
                 <a:lnSpc>
                   <a:spcPts val="880"/>
                 </a:lnSpc>
@@ -3768,10 +4040,10 @@
             <a:noFill/>
           </p:spPr>
           <p:txBody>
-            <a:bodyPr lIns="0" rIns="0" tIns="0" bIns="0" anchorCtr="1" anchor="ctr" wrap="none"/>
+            <a:bodyPr wrap="none" lIns="0" tIns="0" rIns="0" bIns="0" anchor="ctr" anchorCtr="1"/>
             <a:lstStyle/>
             <a:p>
-              <a:pPr algn="l" marL="0" marR="0" indent="0">
+              <a:pPr marL="0" marR="0" indent="0" algn="l">
                 <a:lnSpc>
                   <a:spcPts val="880"/>
                 </a:lnSpc>
@@ -3814,10 +4086,10 @@
             <a:noFill/>
           </p:spPr>
           <p:txBody>
-            <a:bodyPr lIns="0" rIns="0" tIns="0" bIns="0" anchorCtr="1" anchor="ctr" wrap="none"/>
+            <a:bodyPr wrap="none" lIns="0" tIns="0" rIns="0" bIns="0" anchor="ctr" anchorCtr="1"/>
             <a:lstStyle/>
             <a:p>
-              <a:pPr algn="l" marL="0" marR="0" indent="0">
+              <a:pPr marL="0" marR="0" indent="0" algn="l">
                 <a:lnSpc>
                   <a:spcPts val="880"/>
                 </a:lnSpc>
@@ -3860,10 +4132,10 @@
             <a:noFill/>
           </p:spPr>
           <p:txBody>
-            <a:bodyPr lIns="0" rIns="0" tIns="0" bIns="0" anchorCtr="1" anchor="ctr" wrap="none"/>
+            <a:bodyPr wrap="none" lIns="0" tIns="0" rIns="0" bIns="0" anchor="ctr" anchorCtr="1"/>
             <a:lstStyle/>
             <a:p>
-              <a:pPr algn="l" marL="0" marR="0" indent="0">
+              <a:pPr marL="0" marR="0" indent="0" algn="l">
                 <a:lnSpc>
                   <a:spcPts val="880"/>
                 </a:lnSpc>
@@ -3906,10 +4178,10 @@
             <a:noFill/>
           </p:spPr>
           <p:txBody>
-            <a:bodyPr lIns="0" rIns="0" tIns="0" bIns="0" anchorCtr="1" anchor="ctr" wrap="none"/>
+            <a:bodyPr wrap="none" lIns="0" tIns="0" rIns="0" bIns="0" anchor="ctr" anchorCtr="1"/>
             <a:lstStyle/>
             <a:p>
-              <a:pPr algn="l" marL="0" marR="0" indent="0">
+              <a:pPr marL="0" marR="0" indent="0" algn="l">
                 <a:lnSpc>
                   <a:spcPts val="880"/>
                 </a:lnSpc>
@@ -3935,6 +4207,1616 @@
             </a:p>
           </p:txBody>
         </p:sp>
+      </p:grpSp>
+    </p:spTree>
+  </p:cSld>
+  <p:clrMapOvr>
+    <a:masterClrMapping/>
+  </p:clrMapOvr>
+</p:sld>
+</file>
+
+<file path=ppt/slides/slide2.xml><?xml version="1.0" encoding="utf-8"?>
+<p:sld xmlns:a="http://schemas.openxmlformats.org/drawingml/2006/main" xmlns:r="http://schemas.openxmlformats.org/officeDocument/2006/relationships" xmlns:p="http://schemas.openxmlformats.org/presentationml/2006/main">
+  <p:cSld>
+    <p:spTree>
+      <p:nvGrpSpPr>
+        <p:cNvPr id="1" name=""/>
+        <p:cNvGrpSpPr/>
+        <p:nvPr/>
+      </p:nvGrpSpPr>
+      <p:grpSpPr>
+        <a:xfrm>
+          <a:off x="0" y="0"/>
+          <a:ext cx="0" cy="0"/>
+          <a:chOff x="0" y="0"/>
+          <a:chExt cx="0" cy="0"/>
+        </a:xfrm>
+      </p:grpSpPr>
+      <p:grpSp>
+        <p:nvGrpSpPr>
+          <p:cNvPr id="2" name="Group 1"/>
+          <p:cNvGrpSpPr/>
+          <p:nvPr/>
+        </p:nvGrpSpPr>
+        <p:grpSpPr>
+          <a:xfrm>
+            <a:off x="4010025" y="1370012"/>
+            <a:ext cx="1024762" cy="2214294"/>
+            <a:chOff x="3267075" y="1548575"/>
+            <a:chExt cx="1024762" cy="2214294"/>
+          </a:xfrm>
+        </p:grpSpPr>
+        <p:sp>
+          <p:nvSpPr>
+            <p:cNvPr id="4" name="tx4"/>
+            <p:cNvSpPr/>
+            <p:nvPr/>
+          </p:nvSpPr>
+          <p:spPr>
+            <a:xfrm>
+              <a:off x="3267075" y="1548575"/>
+              <a:ext cx="1024762" cy="103342"/>
+            </a:xfrm>
+            <a:prstGeom prst="rect">
+              <a:avLst/>
+            </a:prstGeom>
+            <a:noFill/>
+          </p:spPr>
+          <p:txBody>
+            <a:bodyPr wrap="none" lIns="0" tIns="0" rIns="0" bIns="0" anchor="ctr" anchorCtr="1"/>
+            <a:lstStyle/>
+            <a:p>
+              <a:pPr marL="0" marR="0" indent="0" algn="l">
+                <a:lnSpc>
+                  <a:spcPts val="1100"/>
+                </a:lnSpc>
+                <a:spcBef>
+                  <a:spcPts val="0"/>
+                </a:spcBef>
+                <a:spcAft>
+                  <a:spcPts val="0"/>
+                </a:spcAft>
+              </a:pPr>
+              <a:r>
+                <a:rPr sz="1100">
+                  <a:solidFill>
+                    <a:srgbClr val="000000">
+                      <a:alpha val="100000"/>
+                    </a:srgbClr>
+                  </a:solidFill>
+                  <a:latin typeface="Arial"/>
+                  <a:cs typeface="Arial"/>
+                </a:rPr>
+                <a:t>Number of times</a:t>
+              </a:r>
+            </a:p>
+          </p:txBody>
+        </p:sp>
+        <p:sp>
+          <p:nvSpPr>
+            <p:cNvPr id="5" name="tx5"/>
+            <p:cNvSpPr/>
+            <p:nvPr/>
+          </p:nvSpPr>
+          <p:spPr>
+            <a:xfrm>
+              <a:off x="3267075" y="1701156"/>
+              <a:ext cx="745362" cy="101637"/>
+            </a:xfrm>
+            <a:prstGeom prst="rect">
+              <a:avLst/>
+            </a:prstGeom>
+            <a:noFill/>
+          </p:spPr>
+          <p:txBody>
+            <a:bodyPr wrap="none" lIns="0" tIns="0" rIns="0" bIns="0" anchor="ctr" anchorCtr="1"/>
+            <a:lstStyle/>
+            <a:p>
+              <a:pPr marL="0" marR="0" indent="0" algn="l">
+                <a:lnSpc>
+                  <a:spcPts val="1100"/>
+                </a:lnSpc>
+                <a:spcBef>
+                  <a:spcPts val="0"/>
+                </a:spcBef>
+                <a:spcAft>
+                  <a:spcPts val="0"/>
+                </a:spcAft>
+              </a:pPr>
+              <a:r>
+                <a:rPr sz="1100">
+                  <a:solidFill>
+                    <a:srgbClr val="000000">
+                      <a:alpha val="100000"/>
+                    </a:srgbClr>
+                  </a:solidFill>
+                  <a:latin typeface="Arial"/>
+                  <a:cs typeface="Arial"/>
+                </a:rPr>
+                <a:t>cited across</a:t>
+              </a:r>
+            </a:p>
+          </p:txBody>
+        </p:sp>
+        <p:sp>
+          <p:nvSpPr>
+            <p:cNvPr id="6" name="tx6"/>
+            <p:cNvSpPr/>
+            <p:nvPr/>
+          </p:nvSpPr>
+          <p:spPr>
+            <a:xfrm>
+              <a:off x="3267075" y="1822564"/>
+              <a:ext cx="877490" cy="131105"/>
+            </a:xfrm>
+            <a:prstGeom prst="rect">
+              <a:avLst/>
+            </a:prstGeom>
+            <a:noFill/>
+          </p:spPr>
+          <p:txBody>
+            <a:bodyPr wrap="none" lIns="0" tIns="0" rIns="0" bIns="0" anchor="ctr" anchorCtr="1"/>
+            <a:lstStyle/>
+            <a:p>
+              <a:pPr marL="0" marR="0" indent="0" algn="l">
+                <a:lnSpc>
+                  <a:spcPts val="1100"/>
+                </a:lnSpc>
+                <a:spcBef>
+                  <a:spcPts val="0"/>
+                </a:spcBef>
+                <a:spcAft>
+                  <a:spcPts val="0"/>
+                </a:spcAft>
+              </a:pPr>
+              <a:r>
+                <a:rPr sz="1100">
+                  <a:solidFill>
+                    <a:srgbClr val="000000">
+                      <a:alpha val="100000"/>
+                    </a:srgbClr>
+                  </a:solidFill>
+                  <a:latin typeface="Arial"/>
+                  <a:cs typeface="Arial"/>
+                </a:rPr>
+                <a:t>guidelines (n):</a:t>
+              </a:r>
+            </a:p>
+          </p:txBody>
+        </p:sp>
+        <p:sp>
+          <p:nvSpPr>
+            <p:cNvPr id="7" name="pt7"/>
+            <p:cNvSpPr/>
+            <p:nvPr/>
+          </p:nvSpPr>
+          <p:spPr>
+            <a:xfrm>
+              <a:off x="3304549" y="2082171"/>
+              <a:ext cx="144506" cy="144506"/>
+            </a:xfrm>
+            <a:prstGeom prst="ellipse">
+              <a:avLst/>
+            </a:prstGeom>
+            <a:solidFill>
+              <a:srgbClr val="3288BD">
+                <a:alpha val="100000"/>
+              </a:srgbClr>
+            </a:solidFill>
+            <a:ln w="9000" cap="rnd">
+              <a:solidFill>
+                <a:srgbClr val="3288BD">
+                  <a:alpha val="100000"/>
+                </a:srgbClr>
+              </a:solidFill>
+              <a:prstDash val="solid"/>
+              <a:round/>
+            </a:ln>
+          </p:spPr>
+          <p:txBody>
+            <a:bodyPr/>
+            <a:lstStyle/>
+            <a:p>
+              <a:endParaRPr/>
+            </a:p>
+          </p:txBody>
+        </p:sp>
+        <p:sp>
+          <p:nvSpPr>
+            <p:cNvPr id="8" name="pt8"/>
+            <p:cNvSpPr/>
+            <p:nvPr/>
+          </p:nvSpPr>
+          <p:spPr>
+            <a:xfrm>
+              <a:off x="3304549" y="2301627"/>
+              <a:ext cx="144506" cy="144506"/>
+            </a:xfrm>
+            <a:prstGeom prst="ellipse">
+              <a:avLst/>
+            </a:prstGeom>
+            <a:solidFill>
+              <a:srgbClr val="66C2A5">
+                <a:alpha val="100000"/>
+              </a:srgbClr>
+            </a:solidFill>
+            <a:ln w="9000" cap="rnd">
+              <a:solidFill>
+                <a:srgbClr val="66C2A5">
+                  <a:alpha val="100000"/>
+                </a:srgbClr>
+              </a:solidFill>
+              <a:prstDash val="solid"/>
+              <a:round/>
+            </a:ln>
+          </p:spPr>
+          <p:txBody>
+            <a:bodyPr/>
+            <a:lstStyle/>
+            <a:p>
+              <a:endParaRPr/>
+            </a:p>
+          </p:txBody>
+        </p:sp>
+        <p:sp>
+          <p:nvSpPr>
+            <p:cNvPr id="9" name="pt9"/>
+            <p:cNvSpPr/>
+            <p:nvPr/>
+          </p:nvSpPr>
+          <p:spPr>
+            <a:xfrm>
+              <a:off x="3304549" y="2521083"/>
+              <a:ext cx="144506" cy="144506"/>
+            </a:xfrm>
+            <a:prstGeom prst="ellipse">
+              <a:avLst/>
+            </a:prstGeom>
+            <a:solidFill>
+              <a:srgbClr val="ABDDA4">
+                <a:alpha val="100000"/>
+              </a:srgbClr>
+            </a:solidFill>
+            <a:ln w="9000" cap="rnd">
+              <a:solidFill>
+                <a:srgbClr val="ABDDA4">
+                  <a:alpha val="100000"/>
+                </a:srgbClr>
+              </a:solidFill>
+              <a:prstDash val="solid"/>
+              <a:round/>
+            </a:ln>
+          </p:spPr>
+          <p:txBody>
+            <a:bodyPr/>
+            <a:lstStyle/>
+            <a:p>
+              <a:endParaRPr/>
+            </a:p>
+          </p:txBody>
+        </p:sp>
+        <p:sp>
+          <p:nvSpPr>
+            <p:cNvPr id="10" name="pt10"/>
+            <p:cNvSpPr/>
+            <p:nvPr/>
+          </p:nvSpPr>
+          <p:spPr>
+            <a:xfrm>
+              <a:off x="3304549" y="2740539"/>
+              <a:ext cx="144506" cy="144506"/>
+            </a:xfrm>
+            <a:prstGeom prst="ellipse">
+              <a:avLst/>
+            </a:prstGeom>
+            <a:solidFill>
+              <a:srgbClr val="E6F598">
+                <a:alpha val="100000"/>
+              </a:srgbClr>
+            </a:solidFill>
+            <a:ln w="9000" cap="rnd">
+              <a:solidFill>
+                <a:srgbClr val="E6F598">
+                  <a:alpha val="100000"/>
+                </a:srgbClr>
+              </a:solidFill>
+              <a:prstDash val="solid"/>
+              <a:round/>
+            </a:ln>
+          </p:spPr>
+          <p:txBody>
+            <a:bodyPr/>
+            <a:lstStyle/>
+            <a:p>
+              <a:endParaRPr/>
+            </a:p>
+          </p:txBody>
+        </p:sp>
+        <p:sp>
+          <p:nvSpPr>
+            <p:cNvPr id="11" name="pt11"/>
+            <p:cNvSpPr/>
+            <p:nvPr/>
+          </p:nvSpPr>
+          <p:spPr>
+            <a:xfrm>
+              <a:off x="3304549" y="2959995"/>
+              <a:ext cx="144506" cy="144506"/>
+            </a:xfrm>
+            <a:prstGeom prst="ellipse">
+              <a:avLst/>
+            </a:prstGeom>
+            <a:solidFill>
+              <a:srgbClr val="FEE08B">
+                <a:alpha val="100000"/>
+              </a:srgbClr>
+            </a:solidFill>
+            <a:ln w="9000" cap="rnd">
+              <a:solidFill>
+                <a:srgbClr val="FEE08B">
+                  <a:alpha val="100000"/>
+                </a:srgbClr>
+              </a:solidFill>
+              <a:prstDash val="solid"/>
+              <a:round/>
+            </a:ln>
+          </p:spPr>
+          <p:txBody>
+            <a:bodyPr/>
+            <a:lstStyle/>
+            <a:p>
+              <a:endParaRPr/>
+            </a:p>
+          </p:txBody>
+        </p:sp>
+        <p:sp>
+          <p:nvSpPr>
+            <p:cNvPr id="12" name="pt12"/>
+            <p:cNvSpPr/>
+            <p:nvPr/>
+          </p:nvSpPr>
+          <p:spPr>
+            <a:xfrm>
+              <a:off x="3304549" y="3179451"/>
+              <a:ext cx="144506" cy="144506"/>
+            </a:xfrm>
+            <a:prstGeom prst="ellipse">
+              <a:avLst/>
+            </a:prstGeom>
+            <a:solidFill>
+              <a:srgbClr val="FDAE61">
+                <a:alpha val="100000"/>
+              </a:srgbClr>
+            </a:solidFill>
+            <a:ln w="9000" cap="rnd">
+              <a:solidFill>
+                <a:srgbClr val="FDAE61">
+                  <a:alpha val="100000"/>
+                </a:srgbClr>
+              </a:solidFill>
+              <a:prstDash val="solid"/>
+              <a:round/>
+            </a:ln>
+          </p:spPr>
+          <p:txBody>
+            <a:bodyPr/>
+            <a:lstStyle/>
+            <a:p>
+              <a:endParaRPr/>
+            </a:p>
+          </p:txBody>
+        </p:sp>
+        <p:sp>
+          <p:nvSpPr>
+            <p:cNvPr id="13" name="pt13"/>
+            <p:cNvSpPr/>
+            <p:nvPr/>
+          </p:nvSpPr>
+          <p:spPr>
+            <a:xfrm>
+              <a:off x="3304549" y="3398907"/>
+              <a:ext cx="144506" cy="144506"/>
+            </a:xfrm>
+            <a:prstGeom prst="ellipse">
+              <a:avLst/>
+            </a:prstGeom>
+            <a:solidFill>
+              <a:srgbClr val="F46D43">
+                <a:alpha val="100000"/>
+              </a:srgbClr>
+            </a:solidFill>
+            <a:ln w="9000" cap="rnd">
+              <a:solidFill>
+                <a:srgbClr val="F46D43">
+                  <a:alpha val="100000"/>
+                </a:srgbClr>
+              </a:solidFill>
+              <a:prstDash val="solid"/>
+              <a:round/>
+            </a:ln>
+          </p:spPr>
+          <p:txBody>
+            <a:bodyPr/>
+            <a:lstStyle/>
+            <a:p>
+              <a:endParaRPr/>
+            </a:p>
+          </p:txBody>
+        </p:sp>
+        <p:sp>
+          <p:nvSpPr>
+            <p:cNvPr id="14" name="pt14"/>
+            <p:cNvSpPr/>
+            <p:nvPr/>
+          </p:nvSpPr>
+          <p:spPr>
+            <a:xfrm>
+              <a:off x="3304549" y="3618363"/>
+              <a:ext cx="144506" cy="144506"/>
+            </a:xfrm>
+            <a:prstGeom prst="ellipse">
+              <a:avLst/>
+            </a:prstGeom>
+            <a:solidFill>
+              <a:srgbClr val="D53E4F">
+                <a:alpha val="100000"/>
+              </a:srgbClr>
+            </a:solidFill>
+            <a:ln w="9000" cap="rnd">
+              <a:solidFill>
+                <a:srgbClr val="D53E4F">
+                  <a:alpha val="100000"/>
+                </a:srgbClr>
+              </a:solidFill>
+              <a:prstDash val="solid"/>
+              <a:round/>
+            </a:ln>
+          </p:spPr>
+          <p:txBody>
+            <a:bodyPr/>
+            <a:lstStyle/>
+            <a:p>
+              <a:endParaRPr/>
+            </a:p>
+          </p:txBody>
+        </p:sp>
+        <p:sp>
+          <p:nvSpPr>
+            <p:cNvPr id="15" name="tx15"/>
+            <p:cNvSpPr/>
+            <p:nvPr/>
+          </p:nvSpPr>
+          <p:spPr>
+            <a:xfrm>
+              <a:off x="3556120" y="2089540"/>
+              <a:ext cx="416262" cy="104884"/>
+            </a:xfrm>
+            <a:prstGeom prst="rect">
+              <a:avLst/>
+            </a:prstGeom>
+            <a:noFill/>
+          </p:spPr>
+          <p:txBody>
+            <a:bodyPr wrap="none" lIns="0" tIns="0" rIns="0" bIns="0" anchor="ctr" anchorCtr="1"/>
+            <a:lstStyle/>
+            <a:p>
+              <a:pPr marL="0" marR="0" indent="0" algn="l">
+                <a:lnSpc>
+                  <a:spcPts val="880"/>
+                </a:lnSpc>
+                <a:spcBef>
+                  <a:spcPts val="0"/>
+                </a:spcBef>
+                <a:spcAft>
+                  <a:spcPts val="0"/>
+                </a:spcAft>
+              </a:pPr>
+              <a:r>
+                <a:rPr sz="880">
+                  <a:solidFill>
+                    <a:srgbClr val="000000">
+                      <a:alpha val="100000"/>
+                    </a:srgbClr>
+                  </a:solidFill>
+                  <a:latin typeface="Arial"/>
+                  <a:cs typeface="Arial"/>
+                </a:rPr>
+                <a:t>1 (2009)</a:t>
+              </a:r>
+            </a:p>
+          </p:txBody>
+        </p:sp>
+        <p:sp>
+          <p:nvSpPr>
+            <p:cNvPr id="16" name="tx16"/>
+            <p:cNvSpPr/>
+            <p:nvPr/>
+          </p:nvSpPr>
+          <p:spPr>
+            <a:xfrm>
+              <a:off x="3556120" y="2308996"/>
+              <a:ext cx="354106" cy="104884"/>
+            </a:xfrm>
+            <a:prstGeom prst="rect">
+              <a:avLst/>
+            </a:prstGeom>
+            <a:noFill/>
+          </p:spPr>
+          <p:txBody>
+            <a:bodyPr wrap="none" lIns="0" tIns="0" rIns="0" bIns="0" anchor="ctr" anchorCtr="1"/>
+            <a:lstStyle/>
+            <a:p>
+              <a:pPr marL="0" marR="0" indent="0" algn="l">
+                <a:lnSpc>
+                  <a:spcPts val="880"/>
+                </a:lnSpc>
+                <a:spcBef>
+                  <a:spcPts val="0"/>
+                </a:spcBef>
+                <a:spcAft>
+                  <a:spcPts val="0"/>
+                </a:spcAft>
+              </a:pPr>
+              <a:r>
+                <a:rPr sz="880">
+                  <a:solidFill>
+                    <a:srgbClr val="000000">
+                      <a:alpha val="100000"/>
+                    </a:srgbClr>
+                  </a:solidFill>
+                  <a:latin typeface="Arial"/>
+                  <a:cs typeface="Arial"/>
+                </a:rPr>
+                <a:t>2 (204)</a:t>
+              </a:r>
+            </a:p>
+          </p:txBody>
+        </p:sp>
+        <p:sp>
+          <p:nvSpPr>
+            <p:cNvPr id="17" name="tx17"/>
+            <p:cNvSpPr/>
+            <p:nvPr/>
+          </p:nvSpPr>
+          <p:spPr>
+            <a:xfrm>
+              <a:off x="3556120" y="2528452"/>
+              <a:ext cx="291951" cy="104884"/>
+            </a:xfrm>
+            <a:prstGeom prst="rect">
+              <a:avLst/>
+            </a:prstGeom>
+            <a:noFill/>
+          </p:spPr>
+          <p:txBody>
+            <a:bodyPr wrap="none" lIns="0" tIns="0" rIns="0" bIns="0" anchor="ctr" anchorCtr="1"/>
+            <a:lstStyle/>
+            <a:p>
+              <a:pPr marL="0" marR="0" indent="0" algn="l">
+                <a:lnSpc>
+                  <a:spcPts val="880"/>
+                </a:lnSpc>
+                <a:spcBef>
+                  <a:spcPts val="0"/>
+                </a:spcBef>
+                <a:spcAft>
+                  <a:spcPts val="0"/>
+                </a:spcAft>
+              </a:pPr>
+              <a:r>
+                <a:rPr sz="880">
+                  <a:solidFill>
+                    <a:srgbClr val="000000">
+                      <a:alpha val="100000"/>
+                    </a:srgbClr>
+                  </a:solidFill>
+                  <a:latin typeface="Arial"/>
+                  <a:cs typeface="Arial"/>
+                </a:rPr>
+                <a:t>3 (49)</a:t>
+              </a:r>
+            </a:p>
+          </p:txBody>
+        </p:sp>
+        <p:sp>
+          <p:nvSpPr>
+            <p:cNvPr id="18" name="tx18"/>
+            <p:cNvSpPr/>
+            <p:nvPr/>
+          </p:nvSpPr>
+          <p:spPr>
+            <a:xfrm>
+              <a:off x="3556120" y="2747908"/>
+              <a:ext cx="291951" cy="104884"/>
+            </a:xfrm>
+            <a:prstGeom prst="rect">
+              <a:avLst/>
+            </a:prstGeom>
+            <a:noFill/>
+          </p:spPr>
+          <p:txBody>
+            <a:bodyPr wrap="none" lIns="0" tIns="0" rIns="0" bIns="0" anchor="ctr" anchorCtr="1"/>
+            <a:lstStyle/>
+            <a:p>
+              <a:pPr marL="0" marR="0" indent="0" algn="l">
+                <a:lnSpc>
+                  <a:spcPts val="880"/>
+                </a:lnSpc>
+                <a:spcBef>
+                  <a:spcPts val="0"/>
+                </a:spcBef>
+                <a:spcAft>
+                  <a:spcPts val="0"/>
+                </a:spcAft>
+              </a:pPr>
+              <a:r>
+                <a:rPr sz="880">
+                  <a:solidFill>
+                    <a:srgbClr val="000000">
+                      <a:alpha val="100000"/>
+                    </a:srgbClr>
+                  </a:solidFill>
+                  <a:latin typeface="Arial"/>
+                  <a:cs typeface="Arial"/>
+                </a:rPr>
+                <a:t>4 (33)</a:t>
+              </a:r>
+            </a:p>
+          </p:txBody>
+        </p:sp>
+        <p:sp>
+          <p:nvSpPr>
+            <p:cNvPr id="19" name="tx19"/>
+            <p:cNvSpPr/>
+            <p:nvPr/>
+          </p:nvSpPr>
+          <p:spPr>
+            <a:xfrm>
+              <a:off x="3556120" y="2967364"/>
+              <a:ext cx="229795" cy="104884"/>
+            </a:xfrm>
+            <a:prstGeom prst="rect">
+              <a:avLst/>
+            </a:prstGeom>
+            <a:noFill/>
+          </p:spPr>
+          <p:txBody>
+            <a:bodyPr wrap="none" lIns="0" tIns="0" rIns="0" bIns="0" anchor="ctr" anchorCtr="1"/>
+            <a:lstStyle/>
+            <a:p>
+              <a:pPr marL="0" marR="0" indent="0" algn="l">
+                <a:lnSpc>
+                  <a:spcPts val="880"/>
+                </a:lnSpc>
+                <a:spcBef>
+                  <a:spcPts val="0"/>
+                </a:spcBef>
+                <a:spcAft>
+                  <a:spcPts val="0"/>
+                </a:spcAft>
+              </a:pPr>
+              <a:r>
+                <a:rPr sz="880">
+                  <a:solidFill>
+                    <a:srgbClr val="000000">
+                      <a:alpha val="100000"/>
+                    </a:srgbClr>
+                  </a:solidFill>
+                  <a:latin typeface="Arial"/>
+                  <a:cs typeface="Arial"/>
+                </a:rPr>
+                <a:t>5 (9)</a:t>
+              </a:r>
+            </a:p>
+          </p:txBody>
+        </p:sp>
+        <p:sp>
+          <p:nvSpPr>
+            <p:cNvPr id="20" name="tx20"/>
+            <p:cNvSpPr/>
+            <p:nvPr/>
+          </p:nvSpPr>
+          <p:spPr>
+            <a:xfrm>
+              <a:off x="3556120" y="3186820"/>
+              <a:ext cx="229795" cy="104884"/>
+            </a:xfrm>
+            <a:prstGeom prst="rect">
+              <a:avLst/>
+            </a:prstGeom>
+            <a:noFill/>
+          </p:spPr>
+          <p:txBody>
+            <a:bodyPr wrap="none" lIns="0" tIns="0" rIns="0" bIns="0" anchor="ctr" anchorCtr="1"/>
+            <a:lstStyle/>
+            <a:p>
+              <a:pPr marL="0" marR="0" indent="0" algn="l">
+                <a:lnSpc>
+                  <a:spcPts val="880"/>
+                </a:lnSpc>
+                <a:spcBef>
+                  <a:spcPts val="0"/>
+                </a:spcBef>
+                <a:spcAft>
+                  <a:spcPts val="0"/>
+                </a:spcAft>
+              </a:pPr>
+              <a:r>
+                <a:rPr sz="880">
+                  <a:solidFill>
+                    <a:srgbClr val="000000">
+                      <a:alpha val="100000"/>
+                    </a:srgbClr>
+                  </a:solidFill>
+                  <a:latin typeface="Arial"/>
+                  <a:cs typeface="Arial"/>
+                </a:rPr>
+                <a:t>6 (6)</a:t>
+              </a:r>
+            </a:p>
+          </p:txBody>
+        </p:sp>
+        <p:sp>
+          <p:nvSpPr>
+            <p:cNvPr id="21" name="tx21"/>
+            <p:cNvSpPr/>
+            <p:nvPr/>
+          </p:nvSpPr>
+          <p:spPr>
+            <a:xfrm>
+              <a:off x="3556120" y="3406276"/>
+              <a:ext cx="229795" cy="104884"/>
+            </a:xfrm>
+            <a:prstGeom prst="rect">
+              <a:avLst/>
+            </a:prstGeom>
+            <a:noFill/>
+          </p:spPr>
+          <p:txBody>
+            <a:bodyPr wrap="none" lIns="0" tIns="0" rIns="0" bIns="0" anchor="ctr" anchorCtr="1"/>
+            <a:lstStyle/>
+            <a:p>
+              <a:pPr marL="0" marR="0" indent="0" algn="l">
+                <a:lnSpc>
+                  <a:spcPts val="880"/>
+                </a:lnSpc>
+                <a:spcBef>
+                  <a:spcPts val="0"/>
+                </a:spcBef>
+                <a:spcAft>
+                  <a:spcPts val="0"/>
+                </a:spcAft>
+              </a:pPr>
+              <a:r>
+                <a:rPr sz="880">
+                  <a:solidFill>
+                    <a:srgbClr val="000000">
+                      <a:alpha val="100000"/>
+                    </a:srgbClr>
+                  </a:solidFill>
+                  <a:latin typeface="Arial"/>
+                  <a:cs typeface="Arial"/>
+                </a:rPr>
+                <a:t>7 (2)</a:t>
+              </a:r>
+            </a:p>
+          </p:txBody>
+        </p:sp>
+        <p:sp>
+          <p:nvSpPr>
+            <p:cNvPr id="22" name="tx22"/>
+            <p:cNvSpPr/>
+            <p:nvPr/>
+          </p:nvSpPr>
+          <p:spPr>
+            <a:xfrm>
+              <a:off x="3556120" y="3625732"/>
+              <a:ext cx="229795" cy="104884"/>
+            </a:xfrm>
+            <a:prstGeom prst="rect">
+              <a:avLst/>
+            </a:prstGeom>
+            <a:noFill/>
+          </p:spPr>
+          <p:txBody>
+            <a:bodyPr wrap="none" lIns="0" tIns="0" rIns="0" bIns="0" anchor="ctr" anchorCtr="1"/>
+            <a:lstStyle/>
+            <a:p>
+              <a:pPr marL="0" marR="0" indent="0" algn="l">
+                <a:lnSpc>
+                  <a:spcPts val="880"/>
+                </a:lnSpc>
+                <a:spcBef>
+                  <a:spcPts val="0"/>
+                </a:spcBef>
+                <a:spcAft>
+                  <a:spcPts val="0"/>
+                </a:spcAft>
+              </a:pPr>
+              <a:r>
+                <a:rPr sz="880">
+                  <a:solidFill>
+                    <a:srgbClr val="000000">
+                      <a:alpha val="100000"/>
+                    </a:srgbClr>
+                  </a:solidFill>
+                  <a:latin typeface="Arial"/>
+                  <a:cs typeface="Arial"/>
+                </a:rPr>
+                <a:t>8 (1)</a:t>
+              </a:r>
+            </a:p>
+          </p:txBody>
+        </p:sp>
+      </p:grpSp>
+      <p:grpSp>
+        <p:nvGrpSpPr>
+          <p:cNvPr id="46" name="Group 45">
+            <a:extLst>
+              <a:ext uri="{FF2B5EF4-FFF2-40B4-BE49-F238E27FC236}">
+                <a16:creationId xmlns:a16="http://schemas.microsoft.com/office/drawing/2014/main" id="{D4A3DF9A-12FC-4F9B-A7D0-134FE59156E3}"/>
+              </a:ext>
+            </a:extLst>
+          </p:cNvPr>
+          <p:cNvGrpSpPr/>
+          <p:nvPr/>
+        </p:nvGrpSpPr>
+        <p:grpSpPr>
+          <a:xfrm>
+            <a:off x="1114425" y="1446212"/>
+            <a:ext cx="1024762" cy="1775382"/>
+            <a:chOff x="1114425" y="1446212"/>
+            <a:chExt cx="1024762" cy="1775382"/>
+          </a:xfrm>
+        </p:grpSpPr>
+        <p:sp>
+          <p:nvSpPr>
+            <p:cNvPr id="24" name="tx4">
+              <a:extLst>
+                <a:ext uri="{FF2B5EF4-FFF2-40B4-BE49-F238E27FC236}">
+                  <a16:creationId xmlns:a16="http://schemas.microsoft.com/office/drawing/2014/main" id="{42F7A32F-28D2-4AA6-9E9B-E04FBC5B057C}"/>
+                </a:ext>
+              </a:extLst>
+            </p:cNvPr>
+            <p:cNvSpPr/>
+            <p:nvPr/>
+          </p:nvSpPr>
+          <p:spPr>
+            <a:xfrm>
+              <a:off x="1114425" y="1446212"/>
+              <a:ext cx="1024762" cy="103342"/>
+            </a:xfrm>
+            <a:prstGeom prst="rect">
+              <a:avLst/>
+            </a:prstGeom>
+            <a:noFill/>
+          </p:spPr>
+          <p:txBody>
+            <a:bodyPr wrap="none" lIns="0" tIns="0" rIns="0" bIns="0" anchor="ctr" anchorCtr="1"/>
+            <a:lstStyle/>
+            <a:p>
+              <a:pPr marL="0" marR="0" indent="0" algn="l">
+                <a:lnSpc>
+                  <a:spcPts val="1100"/>
+                </a:lnSpc>
+                <a:spcBef>
+                  <a:spcPts val="0"/>
+                </a:spcBef>
+                <a:spcAft>
+                  <a:spcPts val="0"/>
+                </a:spcAft>
+              </a:pPr>
+              <a:r>
+                <a:rPr sz="1100">
+                  <a:solidFill>
+                    <a:srgbClr val="000000">
+                      <a:alpha val="100000"/>
+                    </a:srgbClr>
+                  </a:solidFill>
+                  <a:latin typeface="Arial"/>
+                  <a:cs typeface="Arial"/>
+                </a:rPr>
+                <a:t>Number of times</a:t>
+              </a:r>
+            </a:p>
+          </p:txBody>
+        </p:sp>
+        <p:sp>
+          <p:nvSpPr>
+            <p:cNvPr id="25" name="tx5">
+              <a:extLst>
+                <a:ext uri="{FF2B5EF4-FFF2-40B4-BE49-F238E27FC236}">
+                  <a16:creationId xmlns:a16="http://schemas.microsoft.com/office/drawing/2014/main" id="{5873283D-228B-48D1-888C-B3969C3D9850}"/>
+                </a:ext>
+              </a:extLst>
+            </p:cNvPr>
+            <p:cNvSpPr/>
+            <p:nvPr/>
+          </p:nvSpPr>
+          <p:spPr>
+            <a:xfrm>
+              <a:off x="1114425" y="1598793"/>
+              <a:ext cx="745362" cy="101637"/>
+            </a:xfrm>
+            <a:prstGeom prst="rect">
+              <a:avLst/>
+            </a:prstGeom>
+            <a:noFill/>
+          </p:spPr>
+          <p:txBody>
+            <a:bodyPr wrap="none" lIns="0" tIns="0" rIns="0" bIns="0" anchor="ctr" anchorCtr="1"/>
+            <a:lstStyle/>
+            <a:p>
+              <a:pPr marL="0" marR="0" indent="0" algn="l">
+                <a:lnSpc>
+                  <a:spcPts val="1100"/>
+                </a:lnSpc>
+                <a:spcBef>
+                  <a:spcPts val="0"/>
+                </a:spcBef>
+                <a:spcAft>
+                  <a:spcPts val="0"/>
+                </a:spcAft>
+              </a:pPr>
+              <a:r>
+                <a:rPr sz="1100" dirty="0">
+                  <a:solidFill>
+                    <a:srgbClr val="000000">
+                      <a:alpha val="100000"/>
+                    </a:srgbClr>
+                  </a:solidFill>
+                  <a:latin typeface="Arial"/>
+                  <a:cs typeface="Arial"/>
+                </a:rPr>
+                <a:t>cited across</a:t>
+              </a:r>
+            </a:p>
+          </p:txBody>
+        </p:sp>
+        <p:sp>
+          <p:nvSpPr>
+            <p:cNvPr id="26" name="tx6">
+              <a:extLst>
+                <a:ext uri="{FF2B5EF4-FFF2-40B4-BE49-F238E27FC236}">
+                  <a16:creationId xmlns:a16="http://schemas.microsoft.com/office/drawing/2014/main" id="{4AEA28EF-C840-4C3C-8614-D6193D189295}"/>
+                </a:ext>
+              </a:extLst>
+            </p:cNvPr>
+            <p:cNvSpPr/>
+            <p:nvPr/>
+          </p:nvSpPr>
+          <p:spPr>
+            <a:xfrm>
+              <a:off x="1114425" y="1720201"/>
+              <a:ext cx="877490" cy="131105"/>
+            </a:xfrm>
+            <a:prstGeom prst="rect">
+              <a:avLst/>
+            </a:prstGeom>
+            <a:noFill/>
+          </p:spPr>
+          <p:txBody>
+            <a:bodyPr wrap="none" lIns="0" tIns="0" rIns="0" bIns="0" anchor="ctr" anchorCtr="1"/>
+            <a:lstStyle/>
+            <a:p>
+              <a:pPr marL="0" marR="0" indent="0" algn="l">
+                <a:lnSpc>
+                  <a:spcPts val="1100"/>
+                </a:lnSpc>
+                <a:spcBef>
+                  <a:spcPts val="0"/>
+                </a:spcBef>
+                <a:spcAft>
+                  <a:spcPts val="0"/>
+                </a:spcAft>
+              </a:pPr>
+              <a:r>
+                <a:rPr sz="1100">
+                  <a:solidFill>
+                    <a:srgbClr val="000000">
+                      <a:alpha val="100000"/>
+                    </a:srgbClr>
+                  </a:solidFill>
+                  <a:latin typeface="Arial"/>
+                  <a:cs typeface="Arial"/>
+                </a:rPr>
+                <a:t>guidelines (n):</a:t>
+              </a:r>
+            </a:p>
+          </p:txBody>
+        </p:sp>
+        <p:grpSp>
+          <p:nvGrpSpPr>
+            <p:cNvPr id="45" name="Group 44">
+              <a:extLst>
+                <a:ext uri="{FF2B5EF4-FFF2-40B4-BE49-F238E27FC236}">
+                  <a16:creationId xmlns:a16="http://schemas.microsoft.com/office/drawing/2014/main" id="{504B38D2-5516-41DC-A83A-A7CEC72F2AE0}"/>
+                </a:ext>
+              </a:extLst>
+            </p:cNvPr>
+            <p:cNvGrpSpPr/>
+            <p:nvPr/>
+          </p:nvGrpSpPr>
+          <p:grpSpPr>
+            <a:xfrm>
+              <a:off x="1151899" y="1979808"/>
+              <a:ext cx="543522" cy="1241786"/>
+              <a:chOff x="1151899" y="2418720"/>
+              <a:chExt cx="543522" cy="1241786"/>
+            </a:xfrm>
+          </p:grpSpPr>
+          <p:sp>
+            <p:nvSpPr>
+              <p:cNvPr id="29" name="pt9">
+                <a:extLst>
+                  <a:ext uri="{FF2B5EF4-FFF2-40B4-BE49-F238E27FC236}">
+                    <a16:creationId xmlns:a16="http://schemas.microsoft.com/office/drawing/2014/main" id="{0F20203E-7A05-4692-A173-1CBB12DD2AB1}"/>
+                  </a:ext>
+                </a:extLst>
+              </p:cNvPr>
+              <p:cNvSpPr/>
+              <p:nvPr/>
+            </p:nvSpPr>
+            <p:spPr>
+              <a:xfrm>
+                <a:off x="1151899" y="2418720"/>
+                <a:ext cx="144506" cy="144506"/>
+              </a:xfrm>
+              <a:prstGeom prst="ellipse">
+                <a:avLst/>
+              </a:prstGeom>
+              <a:solidFill>
+                <a:srgbClr val="ABDDA4">
+                  <a:alpha val="100000"/>
+                </a:srgbClr>
+              </a:solidFill>
+              <a:ln w="9000" cap="rnd">
+                <a:solidFill>
+                  <a:srgbClr val="ABDDA4">
+                    <a:alpha val="100000"/>
+                  </a:srgbClr>
+                </a:solidFill>
+                <a:prstDash val="solid"/>
+                <a:round/>
+              </a:ln>
+            </p:spPr>
+            <p:txBody>
+              <a:bodyPr/>
+              <a:lstStyle/>
+              <a:p>
+                <a:endParaRPr/>
+              </a:p>
+            </p:txBody>
+          </p:sp>
+          <p:sp>
+            <p:nvSpPr>
+              <p:cNvPr id="30" name="pt10">
+                <a:extLst>
+                  <a:ext uri="{FF2B5EF4-FFF2-40B4-BE49-F238E27FC236}">
+                    <a16:creationId xmlns:a16="http://schemas.microsoft.com/office/drawing/2014/main" id="{A248E5FB-AB18-4A86-A4B1-768DA1BD3F3D}"/>
+                  </a:ext>
+                </a:extLst>
+              </p:cNvPr>
+              <p:cNvSpPr/>
+              <p:nvPr/>
+            </p:nvSpPr>
+            <p:spPr>
+              <a:xfrm>
+                <a:off x="1151899" y="2638176"/>
+                <a:ext cx="144506" cy="144506"/>
+              </a:xfrm>
+              <a:prstGeom prst="ellipse">
+                <a:avLst/>
+              </a:prstGeom>
+              <a:solidFill>
+                <a:srgbClr val="E6F598">
+                  <a:alpha val="100000"/>
+                </a:srgbClr>
+              </a:solidFill>
+              <a:ln w="9000" cap="rnd">
+                <a:solidFill>
+                  <a:srgbClr val="E6F598">
+                    <a:alpha val="100000"/>
+                  </a:srgbClr>
+                </a:solidFill>
+                <a:prstDash val="solid"/>
+                <a:round/>
+              </a:ln>
+            </p:spPr>
+            <p:txBody>
+              <a:bodyPr/>
+              <a:lstStyle/>
+              <a:p>
+                <a:endParaRPr/>
+              </a:p>
+            </p:txBody>
+          </p:sp>
+          <p:sp>
+            <p:nvSpPr>
+              <p:cNvPr id="31" name="pt11">
+                <a:extLst>
+                  <a:ext uri="{FF2B5EF4-FFF2-40B4-BE49-F238E27FC236}">
+                    <a16:creationId xmlns:a16="http://schemas.microsoft.com/office/drawing/2014/main" id="{45CB744A-6CCC-43E2-A6FF-98E979E8D8D2}"/>
+                  </a:ext>
+                </a:extLst>
+              </p:cNvPr>
+              <p:cNvSpPr/>
+              <p:nvPr/>
+            </p:nvSpPr>
+            <p:spPr>
+              <a:xfrm>
+                <a:off x="1151899" y="2857632"/>
+                <a:ext cx="144506" cy="144506"/>
+              </a:xfrm>
+              <a:prstGeom prst="ellipse">
+                <a:avLst/>
+              </a:prstGeom>
+              <a:solidFill>
+                <a:srgbClr val="FEE08B">
+                  <a:alpha val="100000"/>
+                </a:srgbClr>
+              </a:solidFill>
+              <a:ln w="9000" cap="rnd">
+                <a:solidFill>
+                  <a:srgbClr val="FEE08B">
+                    <a:alpha val="100000"/>
+                  </a:srgbClr>
+                </a:solidFill>
+                <a:prstDash val="solid"/>
+                <a:round/>
+              </a:ln>
+            </p:spPr>
+            <p:txBody>
+              <a:bodyPr/>
+              <a:lstStyle/>
+              <a:p>
+                <a:endParaRPr/>
+              </a:p>
+            </p:txBody>
+          </p:sp>
+          <p:sp>
+            <p:nvSpPr>
+              <p:cNvPr id="32" name="pt12">
+                <a:extLst>
+                  <a:ext uri="{FF2B5EF4-FFF2-40B4-BE49-F238E27FC236}">
+                    <a16:creationId xmlns:a16="http://schemas.microsoft.com/office/drawing/2014/main" id="{52CFA46B-44B0-465B-A408-568706E5EEDD}"/>
+                  </a:ext>
+                </a:extLst>
+              </p:cNvPr>
+              <p:cNvSpPr/>
+              <p:nvPr/>
+            </p:nvSpPr>
+            <p:spPr>
+              <a:xfrm>
+                <a:off x="1151899" y="3077088"/>
+                <a:ext cx="144506" cy="144506"/>
+              </a:xfrm>
+              <a:prstGeom prst="ellipse">
+                <a:avLst/>
+              </a:prstGeom>
+              <a:solidFill>
+                <a:srgbClr val="FDAE61">
+                  <a:alpha val="100000"/>
+                </a:srgbClr>
+              </a:solidFill>
+              <a:ln w="9000" cap="rnd">
+                <a:solidFill>
+                  <a:srgbClr val="FDAE61">
+                    <a:alpha val="100000"/>
+                  </a:srgbClr>
+                </a:solidFill>
+                <a:prstDash val="solid"/>
+                <a:round/>
+              </a:ln>
+            </p:spPr>
+            <p:txBody>
+              <a:bodyPr/>
+              <a:lstStyle/>
+              <a:p>
+                <a:endParaRPr/>
+              </a:p>
+            </p:txBody>
+          </p:sp>
+          <p:sp>
+            <p:nvSpPr>
+              <p:cNvPr id="33" name="pt13">
+                <a:extLst>
+                  <a:ext uri="{FF2B5EF4-FFF2-40B4-BE49-F238E27FC236}">
+                    <a16:creationId xmlns:a16="http://schemas.microsoft.com/office/drawing/2014/main" id="{458BC751-B264-48F8-BAAD-CA081A1D8D1B}"/>
+                  </a:ext>
+                </a:extLst>
+              </p:cNvPr>
+              <p:cNvSpPr/>
+              <p:nvPr/>
+            </p:nvSpPr>
+            <p:spPr>
+              <a:xfrm>
+                <a:off x="1151899" y="3296544"/>
+                <a:ext cx="144506" cy="144506"/>
+              </a:xfrm>
+              <a:prstGeom prst="ellipse">
+                <a:avLst/>
+              </a:prstGeom>
+              <a:solidFill>
+                <a:srgbClr val="F46D43">
+                  <a:alpha val="100000"/>
+                </a:srgbClr>
+              </a:solidFill>
+              <a:ln w="9000" cap="rnd">
+                <a:solidFill>
+                  <a:srgbClr val="F46D43">
+                    <a:alpha val="100000"/>
+                  </a:srgbClr>
+                </a:solidFill>
+                <a:prstDash val="solid"/>
+                <a:round/>
+              </a:ln>
+            </p:spPr>
+            <p:txBody>
+              <a:bodyPr/>
+              <a:lstStyle/>
+              <a:p>
+                <a:endParaRPr/>
+              </a:p>
+            </p:txBody>
+          </p:sp>
+          <p:sp>
+            <p:nvSpPr>
+              <p:cNvPr id="34" name="pt14">
+                <a:extLst>
+                  <a:ext uri="{FF2B5EF4-FFF2-40B4-BE49-F238E27FC236}">
+                    <a16:creationId xmlns:a16="http://schemas.microsoft.com/office/drawing/2014/main" id="{4A00D966-63FB-46FF-BA38-7ED949F4D0C8}"/>
+                  </a:ext>
+                </a:extLst>
+              </p:cNvPr>
+              <p:cNvSpPr/>
+              <p:nvPr/>
+            </p:nvSpPr>
+            <p:spPr>
+              <a:xfrm>
+                <a:off x="1151899" y="3516000"/>
+                <a:ext cx="144506" cy="144506"/>
+              </a:xfrm>
+              <a:prstGeom prst="ellipse">
+                <a:avLst/>
+              </a:prstGeom>
+              <a:solidFill>
+                <a:srgbClr val="D53E4F">
+                  <a:alpha val="100000"/>
+                </a:srgbClr>
+              </a:solidFill>
+              <a:ln w="9000" cap="rnd">
+                <a:solidFill>
+                  <a:srgbClr val="D53E4F">
+                    <a:alpha val="100000"/>
+                  </a:srgbClr>
+                </a:solidFill>
+                <a:prstDash val="solid"/>
+                <a:round/>
+              </a:ln>
+            </p:spPr>
+            <p:txBody>
+              <a:bodyPr/>
+              <a:lstStyle/>
+              <a:p>
+                <a:endParaRPr/>
+              </a:p>
+            </p:txBody>
+          </p:sp>
+          <p:sp>
+            <p:nvSpPr>
+              <p:cNvPr id="37" name="tx17">
+                <a:extLst>
+                  <a:ext uri="{FF2B5EF4-FFF2-40B4-BE49-F238E27FC236}">
+                    <a16:creationId xmlns:a16="http://schemas.microsoft.com/office/drawing/2014/main" id="{4E67D7B5-DAC0-441B-84EB-5CD54BDCE5A9}"/>
+                  </a:ext>
+                </a:extLst>
+              </p:cNvPr>
+              <p:cNvSpPr/>
+              <p:nvPr/>
+            </p:nvSpPr>
+            <p:spPr>
+              <a:xfrm>
+                <a:off x="1403470" y="2426089"/>
+                <a:ext cx="291951" cy="104884"/>
+              </a:xfrm>
+              <a:prstGeom prst="rect">
+                <a:avLst/>
+              </a:prstGeom>
+              <a:noFill/>
+            </p:spPr>
+            <p:txBody>
+              <a:bodyPr wrap="none" lIns="0" tIns="0" rIns="0" bIns="0" anchor="ctr" anchorCtr="1"/>
+              <a:lstStyle/>
+              <a:p>
+                <a:pPr marL="0" marR="0" indent="0" algn="l">
+                  <a:lnSpc>
+                    <a:spcPts val="880"/>
+                  </a:lnSpc>
+                  <a:spcBef>
+                    <a:spcPts val="0"/>
+                  </a:spcBef>
+                  <a:spcAft>
+                    <a:spcPts val="0"/>
+                  </a:spcAft>
+                </a:pPr>
+                <a:r>
+                  <a:rPr sz="880">
+                    <a:solidFill>
+                      <a:srgbClr val="000000">
+                        <a:alpha val="100000"/>
+                      </a:srgbClr>
+                    </a:solidFill>
+                    <a:latin typeface="Arial"/>
+                    <a:cs typeface="Arial"/>
+                  </a:rPr>
+                  <a:t>3 (49)</a:t>
+                </a:r>
+              </a:p>
+            </p:txBody>
+          </p:sp>
+          <p:sp>
+            <p:nvSpPr>
+              <p:cNvPr id="38" name="tx18">
+                <a:extLst>
+                  <a:ext uri="{FF2B5EF4-FFF2-40B4-BE49-F238E27FC236}">
+                    <a16:creationId xmlns:a16="http://schemas.microsoft.com/office/drawing/2014/main" id="{1DDE2149-2D52-4D3F-968B-6B232C617444}"/>
+                  </a:ext>
+                </a:extLst>
+              </p:cNvPr>
+              <p:cNvSpPr/>
+              <p:nvPr/>
+            </p:nvSpPr>
+            <p:spPr>
+              <a:xfrm>
+                <a:off x="1403470" y="2645545"/>
+                <a:ext cx="291951" cy="104884"/>
+              </a:xfrm>
+              <a:prstGeom prst="rect">
+                <a:avLst/>
+              </a:prstGeom>
+              <a:noFill/>
+            </p:spPr>
+            <p:txBody>
+              <a:bodyPr wrap="none" lIns="0" tIns="0" rIns="0" bIns="0" anchor="ctr" anchorCtr="1"/>
+              <a:lstStyle/>
+              <a:p>
+                <a:pPr marL="0" marR="0" indent="0" algn="l">
+                  <a:lnSpc>
+                    <a:spcPts val="880"/>
+                  </a:lnSpc>
+                  <a:spcBef>
+                    <a:spcPts val="0"/>
+                  </a:spcBef>
+                  <a:spcAft>
+                    <a:spcPts val="0"/>
+                  </a:spcAft>
+                </a:pPr>
+                <a:r>
+                  <a:rPr sz="880">
+                    <a:solidFill>
+                      <a:srgbClr val="000000">
+                        <a:alpha val="100000"/>
+                      </a:srgbClr>
+                    </a:solidFill>
+                    <a:latin typeface="Arial"/>
+                    <a:cs typeface="Arial"/>
+                  </a:rPr>
+                  <a:t>4 (33)</a:t>
+                </a:r>
+              </a:p>
+            </p:txBody>
+          </p:sp>
+          <p:sp>
+            <p:nvSpPr>
+              <p:cNvPr id="39" name="tx19">
+                <a:extLst>
+                  <a:ext uri="{FF2B5EF4-FFF2-40B4-BE49-F238E27FC236}">
+                    <a16:creationId xmlns:a16="http://schemas.microsoft.com/office/drawing/2014/main" id="{6459ECE0-995E-4616-8871-5F90BF3EAD43}"/>
+                  </a:ext>
+                </a:extLst>
+              </p:cNvPr>
+              <p:cNvSpPr/>
+              <p:nvPr/>
+            </p:nvSpPr>
+            <p:spPr>
+              <a:xfrm>
+                <a:off x="1403470" y="2865001"/>
+                <a:ext cx="229795" cy="104884"/>
+              </a:xfrm>
+              <a:prstGeom prst="rect">
+                <a:avLst/>
+              </a:prstGeom>
+              <a:noFill/>
+            </p:spPr>
+            <p:txBody>
+              <a:bodyPr wrap="none" lIns="0" tIns="0" rIns="0" bIns="0" anchor="ctr" anchorCtr="1"/>
+              <a:lstStyle/>
+              <a:p>
+                <a:pPr marL="0" marR="0" indent="0" algn="l">
+                  <a:lnSpc>
+                    <a:spcPts val="880"/>
+                  </a:lnSpc>
+                  <a:spcBef>
+                    <a:spcPts val="0"/>
+                  </a:spcBef>
+                  <a:spcAft>
+                    <a:spcPts val="0"/>
+                  </a:spcAft>
+                </a:pPr>
+                <a:r>
+                  <a:rPr sz="880">
+                    <a:solidFill>
+                      <a:srgbClr val="000000">
+                        <a:alpha val="100000"/>
+                      </a:srgbClr>
+                    </a:solidFill>
+                    <a:latin typeface="Arial"/>
+                    <a:cs typeface="Arial"/>
+                  </a:rPr>
+                  <a:t>5 (9)</a:t>
+                </a:r>
+              </a:p>
+            </p:txBody>
+          </p:sp>
+          <p:sp>
+            <p:nvSpPr>
+              <p:cNvPr id="40" name="tx20">
+                <a:extLst>
+                  <a:ext uri="{FF2B5EF4-FFF2-40B4-BE49-F238E27FC236}">
+                    <a16:creationId xmlns:a16="http://schemas.microsoft.com/office/drawing/2014/main" id="{28916970-B031-4AE5-B708-88FE531ADFEB}"/>
+                  </a:ext>
+                </a:extLst>
+              </p:cNvPr>
+              <p:cNvSpPr/>
+              <p:nvPr/>
+            </p:nvSpPr>
+            <p:spPr>
+              <a:xfrm>
+                <a:off x="1403470" y="3084457"/>
+                <a:ext cx="229795" cy="104884"/>
+              </a:xfrm>
+              <a:prstGeom prst="rect">
+                <a:avLst/>
+              </a:prstGeom>
+              <a:noFill/>
+            </p:spPr>
+            <p:txBody>
+              <a:bodyPr wrap="none" lIns="0" tIns="0" rIns="0" bIns="0" anchor="ctr" anchorCtr="1"/>
+              <a:lstStyle/>
+              <a:p>
+                <a:pPr marL="0" marR="0" indent="0" algn="l">
+                  <a:lnSpc>
+                    <a:spcPts val="880"/>
+                  </a:lnSpc>
+                  <a:spcBef>
+                    <a:spcPts val="0"/>
+                  </a:spcBef>
+                  <a:spcAft>
+                    <a:spcPts val="0"/>
+                  </a:spcAft>
+                </a:pPr>
+                <a:r>
+                  <a:rPr sz="880">
+                    <a:solidFill>
+                      <a:srgbClr val="000000">
+                        <a:alpha val="100000"/>
+                      </a:srgbClr>
+                    </a:solidFill>
+                    <a:latin typeface="Arial"/>
+                    <a:cs typeface="Arial"/>
+                  </a:rPr>
+                  <a:t>6 (6)</a:t>
+                </a:r>
+              </a:p>
+            </p:txBody>
+          </p:sp>
+          <p:sp>
+            <p:nvSpPr>
+              <p:cNvPr id="41" name="tx21">
+                <a:extLst>
+                  <a:ext uri="{FF2B5EF4-FFF2-40B4-BE49-F238E27FC236}">
+                    <a16:creationId xmlns:a16="http://schemas.microsoft.com/office/drawing/2014/main" id="{84AE9951-7D6E-4FB8-B411-D9A5CD29E603}"/>
+                  </a:ext>
+                </a:extLst>
+              </p:cNvPr>
+              <p:cNvSpPr/>
+              <p:nvPr/>
+            </p:nvSpPr>
+            <p:spPr>
+              <a:xfrm>
+                <a:off x="1403470" y="3303913"/>
+                <a:ext cx="229795" cy="104884"/>
+              </a:xfrm>
+              <a:prstGeom prst="rect">
+                <a:avLst/>
+              </a:prstGeom>
+              <a:noFill/>
+            </p:spPr>
+            <p:txBody>
+              <a:bodyPr wrap="none" lIns="0" tIns="0" rIns="0" bIns="0" anchor="ctr" anchorCtr="1"/>
+              <a:lstStyle/>
+              <a:p>
+                <a:pPr marL="0" marR="0" indent="0" algn="l">
+                  <a:lnSpc>
+                    <a:spcPts val="880"/>
+                  </a:lnSpc>
+                  <a:spcBef>
+                    <a:spcPts val="0"/>
+                  </a:spcBef>
+                  <a:spcAft>
+                    <a:spcPts val="0"/>
+                  </a:spcAft>
+                </a:pPr>
+                <a:r>
+                  <a:rPr sz="880">
+                    <a:solidFill>
+                      <a:srgbClr val="000000">
+                        <a:alpha val="100000"/>
+                      </a:srgbClr>
+                    </a:solidFill>
+                    <a:latin typeface="Arial"/>
+                    <a:cs typeface="Arial"/>
+                  </a:rPr>
+                  <a:t>7 (2)</a:t>
+                </a:r>
+              </a:p>
+            </p:txBody>
+          </p:sp>
+          <p:sp>
+            <p:nvSpPr>
+              <p:cNvPr id="42" name="tx22">
+                <a:extLst>
+                  <a:ext uri="{FF2B5EF4-FFF2-40B4-BE49-F238E27FC236}">
+                    <a16:creationId xmlns:a16="http://schemas.microsoft.com/office/drawing/2014/main" id="{FC8569F3-38A2-40BF-97F9-B972E0FF96D9}"/>
+                  </a:ext>
+                </a:extLst>
+              </p:cNvPr>
+              <p:cNvSpPr/>
+              <p:nvPr/>
+            </p:nvSpPr>
+            <p:spPr>
+              <a:xfrm>
+                <a:off x="1403470" y="3523369"/>
+                <a:ext cx="229795" cy="104884"/>
+              </a:xfrm>
+              <a:prstGeom prst="rect">
+                <a:avLst/>
+              </a:prstGeom>
+              <a:noFill/>
+            </p:spPr>
+            <p:txBody>
+              <a:bodyPr wrap="none" lIns="0" tIns="0" rIns="0" bIns="0" anchor="ctr" anchorCtr="1"/>
+              <a:lstStyle/>
+              <a:p>
+                <a:pPr marL="0" marR="0" indent="0" algn="l">
+                  <a:lnSpc>
+                    <a:spcPts val="880"/>
+                  </a:lnSpc>
+                  <a:spcBef>
+                    <a:spcPts val="0"/>
+                  </a:spcBef>
+                  <a:spcAft>
+                    <a:spcPts val="0"/>
+                  </a:spcAft>
+                </a:pPr>
+                <a:r>
+                  <a:rPr sz="880">
+                    <a:solidFill>
+                      <a:srgbClr val="000000">
+                        <a:alpha val="100000"/>
+                      </a:srgbClr>
+                    </a:solidFill>
+                    <a:latin typeface="Arial"/>
+                    <a:cs typeface="Arial"/>
+                  </a:rPr>
+                  <a:t>8 (1)</a:t>
+                </a:r>
+              </a:p>
+            </p:txBody>
+          </p:sp>
+        </p:grpSp>
       </p:grpSp>
     </p:spTree>
   </p:cSld>

--- a/outputs/legend_nrefs_paper.pptx
+++ b/outputs/legend_nrefs_paper.pptx
@@ -6,6 +6,7 @@
   </p:sldMasterIdLst>
   <p:sldIdLst xmlns:a="http://schemas.openxmlformats.org/drawingml/2006/main" xmlns:r="http://schemas.openxmlformats.org/officeDocument/2006/relationships" xmlns:p="http://schemas.openxmlformats.org/presentationml/2006/main">
     <p:sldId id="256" r:id="rId6"/>
+    <p:sldId id="257" r:id="rId7"/>
   </p:sldIdLst>
   <p:sldSz cx="7562850" cy="5330825"/>
   <p:notesSz cx="6858000" cy="9144000"/>
@@ -3944,6 +3945,867 @@
 </p:sld>
 </file>
 
+<file path=ppt/slides/slide2.xml><?xml version="1.0" encoding="utf-8"?>
+<p:sld xmlns:a="http://schemas.openxmlformats.org/drawingml/2006/main" xmlns:r="http://schemas.openxmlformats.org/officeDocument/2006/relationships" xmlns:p="http://schemas.openxmlformats.org/presentationml/2006/main">
+  <p:cSld>
+    <p:spTree>
+      <p:nvGrpSpPr>
+        <p:cNvPr id="1" name=""/>
+        <p:cNvGrpSpPr/>
+        <p:nvPr/>
+      </p:nvGrpSpPr>
+      <p:grpSpPr>
+        <a:xfrm>
+          <a:off x="0" y="0"/>
+          <a:ext cx="0" cy="0"/>
+          <a:chOff x="0" y="0"/>
+          <a:chExt cx="0" cy="0"/>
+        </a:xfrm>
+      </p:grpSpPr>
+      <p:grpSp xmlns:a="http://schemas.openxmlformats.org/drawingml/2006/main" xmlns:r="http://schemas.openxmlformats.org/officeDocument/2006/relationships" xmlns:p="http://schemas.openxmlformats.org/presentationml/2006/main" xmlns:pic="http://schemas.openxmlformats.org/drawingml/2006/picture">
+        <p:nvGrpSpPr>
+          <p:cNvPr id="2" name=""/>
+          <p:cNvGrpSpPr/>
+          <p:nvPr/>
+        </p:nvGrpSpPr>
+        <p:grpSpPr>
+          <a:xfrm>
+            <a:off x="1471613" y="1374775"/>
+            <a:ext cx="4619625" cy="2581275"/>
+            <a:chOff x="1471613" y="1374775"/>
+            <a:chExt cx="4619625" cy="2581275"/>
+          </a:xfrm>
+        </p:grpSpPr>
+        <p:sp>
+          <p:nvSpPr>
+            <p:cNvPr id="3" name="rc3"/>
+            <p:cNvSpPr/>
+            <p:nvPr/>
+          </p:nvSpPr>
+          <p:spPr>
+            <a:xfrm>
+              <a:off x="1471612" y="1374775"/>
+              <a:ext cx="4619625" cy="2581274"/>
+            </a:xfrm>
+            <a:prstGeom prst="rect">
+              <a:avLst/>
+            </a:prstGeom>
+            <a:solidFill>
+              <a:srgbClr val="FFFFFF">
+                <a:alpha val="100000"/>
+              </a:srgbClr>
+            </a:solidFill>
+            <a:ln w="9525" cap="rnd">
+              <a:solidFill>
+                <a:srgbClr val="FFFFFF">
+                  <a:alpha val="100000"/>
+                </a:srgbClr>
+              </a:solidFill>
+              <a:prstDash val="solid"/>
+              <a:round/>
+            </a:ln>
+          </p:spPr>
+          <p:txBody>
+            <a:bodyPr/>
+            <a:lstStyle/>
+            <a:p/>
+          </p:txBody>
+        </p:sp>
+        <p:sp>
+          <p:nvSpPr>
+            <p:cNvPr id="4" name="tx4"/>
+            <p:cNvSpPr/>
+            <p:nvPr/>
+          </p:nvSpPr>
+          <p:spPr>
+            <a:xfrm>
+              <a:off x="3267075" y="1548575"/>
+              <a:ext cx="1024762" cy="103342"/>
+            </a:xfrm>
+            <a:prstGeom prst="rect">
+              <a:avLst/>
+            </a:prstGeom>
+            <a:noFill/>
+          </p:spPr>
+          <p:txBody>
+            <a:bodyPr lIns="0" rIns="0" tIns="0" bIns="0" anchorCtr="1" anchor="ctr" wrap="none"/>
+            <a:lstStyle/>
+            <a:p>
+              <a:pPr algn="l" marL="0" marR="0" indent="0">
+                <a:lnSpc>
+                  <a:spcPts val="1100"/>
+                </a:lnSpc>
+                <a:spcBef>
+                  <a:spcPts val="0"/>
+                </a:spcBef>
+                <a:spcAft>
+                  <a:spcPts val="0"/>
+                </a:spcAft>
+              </a:pPr>
+              <a:r>
+                <a:rPr sz="1100">
+                  <a:solidFill>
+                    <a:srgbClr val="000000">
+                      <a:alpha val="100000"/>
+                    </a:srgbClr>
+                  </a:solidFill>
+                  <a:latin typeface="Arial"/>
+                  <a:cs typeface="Arial"/>
+                </a:rPr>
+                <a:t>Number of times</a:t>
+              </a:r>
+            </a:p>
+          </p:txBody>
+        </p:sp>
+        <p:sp>
+          <p:nvSpPr>
+            <p:cNvPr id="5" name="tx5"/>
+            <p:cNvSpPr/>
+            <p:nvPr/>
+          </p:nvSpPr>
+          <p:spPr>
+            <a:xfrm>
+              <a:off x="3267075" y="1701156"/>
+              <a:ext cx="745362" cy="101637"/>
+            </a:xfrm>
+            <a:prstGeom prst="rect">
+              <a:avLst/>
+            </a:prstGeom>
+            <a:noFill/>
+          </p:spPr>
+          <p:txBody>
+            <a:bodyPr lIns="0" rIns="0" tIns="0" bIns="0" anchorCtr="1" anchor="ctr" wrap="none"/>
+            <a:lstStyle/>
+            <a:p>
+              <a:pPr algn="l" marL="0" marR="0" indent="0">
+                <a:lnSpc>
+                  <a:spcPts val="1100"/>
+                </a:lnSpc>
+                <a:spcBef>
+                  <a:spcPts val="0"/>
+                </a:spcBef>
+                <a:spcAft>
+                  <a:spcPts val="0"/>
+                </a:spcAft>
+              </a:pPr>
+              <a:r>
+                <a:rPr sz="1100">
+                  <a:solidFill>
+                    <a:srgbClr val="000000">
+                      <a:alpha val="100000"/>
+                    </a:srgbClr>
+                  </a:solidFill>
+                  <a:latin typeface="Arial"/>
+                  <a:cs typeface="Arial"/>
+                </a:rPr>
+                <a:t>cited across</a:t>
+              </a:r>
+            </a:p>
+          </p:txBody>
+        </p:sp>
+        <p:sp>
+          <p:nvSpPr>
+            <p:cNvPr id="6" name="tx6"/>
+            <p:cNvSpPr/>
+            <p:nvPr/>
+          </p:nvSpPr>
+          <p:spPr>
+            <a:xfrm>
+              <a:off x="3267075" y="1822564"/>
+              <a:ext cx="877490" cy="131105"/>
+            </a:xfrm>
+            <a:prstGeom prst="rect">
+              <a:avLst/>
+            </a:prstGeom>
+            <a:noFill/>
+          </p:spPr>
+          <p:txBody>
+            <a:bodyPr lIns="0" rIns="0" tIns="0" bIns="0" anchorCtr="1" anchor="ctr" wrap="none"/>
+            <a:lstStyle/>
+            <a:p>
+              <a:pPr algn="l" marL="0" marR="0" indent="0">
+                <a:lnSpc>
+                  <a:spcPts val="1100"/>
+                </a:lnSpc>
+                <a:spcBef>
+                  <a:spcPts val="0"/>
+                </a:spcBef>
+                <a:spcAft>
+                  <a:spcPts val="0"/>
+                </a:spcAft>
+              </a:pPr>
+              <a:r>
+                <a:rPr sz="1100">
+                  <a:solidFill>
+                    <a:srgbClr val="000000">
+                      <a:alpha val="100000"/>
+                    </a:srgbClr>
+                  </a:solidFill>
+                  <a:latin typeface="Arial"/>
+                  <a:cs typeface="Arial"/>
+                </a:rPr>
+                <a:t>guidelines (n):</a:t>
+              </a:r>
+            </a:p>
+          </p:txBody>
+        </p:sp>
+        <p:sp>
+          <p:nvSpPr>
+            <p:cNvPr id="7" name="pt7"/>
+            <p:cNvSpPr/>
+            <p:nvPr/>
+          </p:nvSpPr>
+          <p:spPr>
+            <a:xfrm>
+              <a:off x="3304549" y="2082171"/>
+              <a:ext cx="144506" cy="144506"/>
+            </a:xfrm>
+            <a:prstGeom prst="ellipse">
+              <a:avLst/>
+            </a:prstGeom>
+            <a:solidFill>
+              <a:srgbClr val="3288BD">
+                <a:alpha val="100000"/>
+              </a:srgbClr>
+            </a:solidFill>
+            <a:ln w="9000" cap="rnd">
+              <a:solidFill>
+                <a:srgbClr val="3288BD">
+                  <a:alpha val="100000"/>
+                </a:srgbClr>
+              </a:solidFill>
+              <a:prstDash val="solid"/>
+              <a:round/>
+            </a:ln>
+          </p:spPr>
+          <p:txBody>
+            <a:bodyPr/>
+            <a:lstStyle/>
+            <a:p/>
+          </p:txBody>
+        </p:sp>
+        <p:sp>
+          <p:nvSpPr>
+            <p:cNvPr id="8" name="pt8"/>
+            <p:cNvSpPr/>
+            <p:nvPr/>
+          </p:nvSpPr>
+          <p:spPr>
+            <a:xfrm>
+              <a:off x="3304549" y="2301627"/>
+              <a:ext cx="144506" cy="144506"/>
+            </a:xfrm>
+            <a:prstGeom prst="ellipse">
+              <a:avLst/>
+            </a:prstGeom>
+            <a:solidFill>
+              <a:srgbClr val="66C2A5">
+                <a:alpha val="100000"/>
+              </a:srgbClr>
+            </a:solidFill>
+            <a:ln w="9000" cap="rnd">
+              <a:solidFill>
+                <a:srgbClr val="66C2A5">
+                  <a:alpha val="100000"/>
+                </a:srgbClr>
+              </a:solidFill>
+              <a:prstDash val="solid"/>
+              <a:round/>
+            </a:ln>
+          </p:spPr>
+          <p:txBody>
+            <a:bodyPr/>
+            <a:lstStyle/>
+            <a:p/>
+          </p:txBody>
+        </p:sp>
+        <p:sp>
+          <p:nvSpPr>
+            <p:cNvPr id="9" name="pt9"/>
+            <p:cNvSpPr/>
+            <p:nvPr/>
+          </p:nvSpPr>
+          <p:spPr>
+            <a:xfrm>
+              <a:off x="3304549" y="2521083"/>
+              <a:ext cx="144506" cy="144506"/>
+            </a:xfrm>
+            <a:prstGeom prst="ellipse">
+              <a:avLst/>
+            </a:prstGeom>
+            <a:solidFill>
+              <a:srgbClr val="ABDDA4">
+                <a:alpha val="100000"/>
+              </a:srgbClr>
+            </a:solidFill>
+            <a:ln w="9000" cap="rnd">
+              <a:solidFill>
+                <a:srgbClr val="ABDDA4">
+                  <a:alpha val="100000"/>
+                </a:srgbClr>
+              </a:solidFill>
+              <a:prstDash val="solid"/>
+              <a:round/>
+            </a:ln>
+          </p:spPr>
+          <p:txBody>
+            <a:bodyPr/>
+            <a:lstStyle/>
+            <a:p/>
+          </p:txBody>
+        </p:sp>
+        <p:sp>
+          <p:nvSpPr>
+            <p:cNvPr id="10" name="pt10"/>
+            <p:cNvSpPr/>
+            <p:nvPr/>
+          </p:nvSpPr>
+          <p:spPr>
+            <a:xfrm>
+              <a:off x="3304549" y="2740539"/>
+              <a:ext cx="144506" cy="144506"/>
+            </a:xfrm>
+            <a:prstGeom prst="ellipse">
+              <a:avLst/>
+            </a:prstGeom>
+            <a:solidFill>
+              <a:srgbClr val="E6F598">
+                <a:alpha val="100000"/>
+              </a:srgbClr>
+            </a:solidFill>
+            <a:ln w="9000" cap="rnd">
+              <a:solidFill>
+                <a:srgbClr val="E6F598">
+                  <a:alpha val="100000"/>
+                </a:srgbClr>
+              </a:solidFill>
+              <a:prstDash val="solid"/>
+              <a:round/>
+            </a:ln>
+          </p:spPr>
+          <p:txBody>
+            <a:bodyPr/>
+            <a:lstStyle/>
+            <a:p/>
+          </p:txBody>
+        </p:sp>
+        <p:sp>
+          <p:nvSpPr>
+            <p:cNvPr id="11" name="pt11"/>
+            <p:cNvSpPr/>
+            <p:nvPr/>
+          </p:nvSpPr>
+          <p:spPr>
+            <a:xfrm>
+              <a:off x="3304549" y="2959995"/>
+              <a:ext cx="144506" cy="144506"/>
+            </a:xfrm>
+            <a:prstGeom prst="ellipse">
+              <a:avLst/>
+            </a:prstGeom>
+            <a:solidFill>
+              <a:srgbClr val="FEE08B">
+                <a:alpha val="100000"/>
+              </a:srgbClr>
+            </a:solidFill>
+            <a:ln w="9000" cap="rnd">
+              <a:solidFill>
+                <a:srgbClr val="FEE08B">
+                  <a:alpha val="100000"/>
+                </a:srgbClr>
+              </a:solidFill>
+              <a:prstDash val="solid"/>
+              <a:round/>
+            </a:ln>
+          </p:spPr>
+          <p:txBody>
+            <a:bodyPr/>
+            <a:lstStyle/>
+            <a:p/>
+          </p:txBody>
+        </p:sp>
+        <p:sp>
+          <p:nvSpPr>
+            <p:cNvPr id="12" name="pt12"/>
+            <p:cNvSpPr/>
+            <p:nvPr/>
+          </p:nvSpPr>
+          <p:spPr>
+            <a:xfrm>
+              <a:off x="3304549" y="3179451"/>
+              <a:ext cx="144506" cy="144506"/>
+            </a:xfrm>
+            <a:prstGeom prst="ellipse">
+              <a:avLst/>
+            </a:prstGeom>
+            <a:solidFill>
+              <a:srgbClr val="FDAE61">
+                <a:alpha val="100000"/>
+              </a:srgbClr>
+            </a:solidFill>
+            <a:ln w="9000" cap="rnd">
+              <a:solidFill>
+                <a:srgbClr val="FDAE61">
+                  <a:alpha val="100000"/>
+                </a:srgbClr>
+              </a:solidFill>
+              <a:prstDash val="solid"/>
+              <a:round/>
+            </a:ln>
+          </p:spPr>
+          <p:txBody>
+            <a:bodyPr/>
+            <a:lstStyle/>
+            <a:p/>
+          </p:txBody>
+        </p:sp>
+        <p:sp>
+          <p:nvSpPr>
+            <p:cNvPr id="13" name="pt13"/>
+            <p:cNvSpPr/>
+            <p:nvPr/>
+          </p:nvSpPr>
+          <p:spPr>
+            <a:xfrm>
+              <a:off x="3304549" y="3398907"/>
+              <a:ext cx="144506" cy="144506"/>
+            </a:xfrm>
+            <a:prstGeom prst="ellipse">
+              <a:avLst/>
+            </a:prstGeom>
+            <a:solidFill>
+              <a:srgbClr val="F46D43">
+                <a:alpha val="100000"/>
+              </a:srgbClr>
+            </a:solidFill>
+            <a:ln w="9000" cap="rnd">
+              <a:solidFill>
+                <a:srgbClr val="F46D43">
+                  <a:alpha val="100000"/>
+                </a:srgbClr>
+              </a:solidFill>
+              <a:prstDash val="solid"/>
+              <a:round/>
+            </a:ln>
+          </p:spPr>
+          <p:txBody>
+            <a:bodyPr/>
+            <a:lstStyle/>
+            <a:p/>
+          </p:txBody>
+        </p:sp>
+        <p:sp>
+          <p:nvSpPr>
+            <p:cNvPr id="14" name="pt14"/>
+            <p:cNvSpPr/>
+            <p:nvPr/>
+          </p:nvSpPr>
+          <p:spPr>
+            <a:xfrm>
+              <a:off x="3304549" y="3618363"/>
+              <a:ext cx="144506" cy="144506"/>
+            </a:xfrm>
+            <a:prstGeom prst="ellipse">
+              <a:avLst/>
+            </a:prstGeom>
+            <a:solidFill>
+              <a:srgbClr val="D53E4F">
+                <a:alpha val="100000"/>
+              </a:srgbClr>
+            </a:solidFill>
+            <a:ln w="9000" cap="rnd">
+              <a:solidFill>
+                <a:srgbClr val="D53E4F">
+                  <a:alpha val="100000"/>
+                </a:srgbClr>
+              </a:solidFill>
+              <a:prstDash val="solid"/>
+              <a:round/>
+            </a:ln>
+          </p:spPr>
+          <p:txBody>
+            <a:bodyPr/>
+            <a:lstStyle/>
+            <a:p/>
+          </p:txBody>
+        </p:sp>
+        <p:sp>
+          <p:nvSpPr>
+            <p:cNvPr id="15" name="tx15"/>
+            <p:cNvSpPr/>
+            <p:nvPr/>
+          </p:nvSpPr>
+          <p:spPr>
+            <a:xfrm>
+              <a:off x="3556120" y="2089540"/>
+              <a:ext cx="416262" cy="104884"/>
+            </a:xfrm>
+            <a:prstGeom prst="rect">
+              <a:avLst/>
+            </a:prstGeom>
+            <a:noFill/>
+          </p:spPr>
+          <p:txBody>
+            <a:bodyPr lIns="0" rIns="0" tIns="0" bIns="0" anchorCtr="1" anchor="ctr" wrap="none"/>
+            <a:lstStyle/>
+            <a:p>
+              <a:pPr algn="l" marL="0" marR="0" indent="0">
+                <a:lnSpc>
+                  <a:spcPts val="880"/>
+                </a:lnSpc>
+                <a:spcBef>
+                  <a:spcPts val="0"/>
+                </a:spcBef>
+                <a:spcAft>
+                  <a:spcPts val="0"/>
+                </a:spcAft>
+              </a:pPr>
+              <a:r>
+                <a:rPr sz="880">
+                  <a:solidFill>
+                    <a:srgbClr val="000000">
+                      <a:alpha val="100000"/>
+                    </a:srgbClr>
+                  </a:solidFill>
+                  <a:latin typeface="Arial"/>
+                  <a:cs typeface="Arial"/>
+                </a:rPr>
+                <a:t>1 (2009)</a:t>
+              </a:r>
+            </a:p>
+          </p:txBody>
+        </p:sp>
+        <p:sp>
+          <p:nvSpPr>
+            <p:cNvPr id="16" name="tx16"/>
+            <p:cNvSpPr/>
+            <p:nvPr/>
+          </p:nvSpPr>
+          <p:spPr>
+            <a:xfrm>
+              <a:off x="3556120" y="2308996"/>
+              <a:ext cx="354106" cy="104884"/>
+            </a:xfrm>
+            <a:prstGeom prst="rect">
+              <a:avLst/>
+            </a:prstGeom>
+            <a:noFill/>
+          </p:spPr>
+          <p:txBody>
+            <a:bodyPr lIns="0" rIns="0" tIns="0" bIns="0" anchorCtr="1" anchor="ctr" wrap="none"/>
+            <a:lstStyle/>
+            <a:p>
+              <a:pPr algn="l" marL="0" marR="0" indent="0">
+                <a:lnSpc>
+                  <a:spcPts val="880"/>
+                </a:lnSpc>
+                <a:spcBef>
+                  <a:spcPts val="0"/>
+                </a:spcBef>
+                <a:spcAft>
+                  <a:spcPts val="0"/>
+                </a:spcAft>
+              </a:pPr>
+              <a:r>
+                <a:rPr sz="880">
+                  <a:solidFill>
+                    <a:srgbClr val="000000">
+                      <a:alpha val="100000"/>
+                    </a:srgbClr>
+                  </a:solidFill>
+                  <a:latin typeface="Arial"/>
+                  <a:cs typeface="Arial"/>
+                </a:rPr>
+                <a:t>2 (204)</a:t>
+              </a:r>
+            </a:p>
+          </p:txBody>
+        </p:sp>
+        <p:sp>
+          <p:nvSpPr>
+            <p:cNvPr id="17" name="tx17"/>
+            <p:cNvSpPr/>
+            <p:nvPr/>
+          </p:nvSpPr>
+          <p:spPr>
+            <a:xfrm>
+              <a:off x="3556120" y="2528452"/>
+              <a:ext cx="291951" cy="104884"/>
+            </a:xfrm>
+            <a:prstGeom prst="rect">
+              <a:avLst/>
+            </a:prstGeom>
+            <a:noFill/>
+          </p:spPr>
+          <p:txBody>
+            <a:bodyPr lIns="0" rIns="0" tIns="0" bIns="0" anchorCtr="1" anchor="ctr" wrap="none"/>
+            <a:lstStyle/>
+            <a:p>
+              <a:pPr algn="l" marL="0" marR="0" indent="0">
+                <a:lnSpc>
+                  <a:spcPts val="880"/>
+                </a:lnSpc>
+                <a:spcBef>
+                  <a:spcPts val="0"/>
+                </a:spcBef>
+                <a:spcAft>
+                  <a:spcPts val="0"/>
+                </a:spcAft>
+              </a:pPr>
+              <a:r>
+                <a:rPr sz="880">
+                  <a:solidFill>
+                    <a:srgbClr val="000000">
+                      <a:alpha val="100000"/>
+                    </a:srgbClr>
+                  </a:solidFill>
+                  <a:latin typeface="Arial"/>
+                  <a:cs typeface="Arial"/>
+                </a:rPr>
+                <a:t>3 (49)</a:t>
+              </a:r>
+            </a:p>
+          </p:txBody>
+        </p:sp>
+        <p:sp>
+          <p:nvSpPr>
+            <p:cNvPr id="18" name="tx18"/>
+            <p:cNvSpPr/>
+            <p:nvPr/>
+          </p:nvSpPr>
+          <p:spPr>
+            <a:xfrm>
+              <a:off x="3556120" y="2747908"/>
+              <a:ext cx="291951" cy="104884"/>
+            </a:xfrm>
+            <a:prstGeom prst="rect">
+              <a:avLst/>
+            </a:prstGeom>
+            <a:noFill/>
+          </p:spPr>
+          <p:txBody>
+            <a:bodyPr lIns="0" rIns="0" tIns="0" bIns="0" anchorCtr="1" anchor="ctr" wrap="none"/>
+            <a:lstStyle/>
+            <a:p>
+              <a:pPr algn="l" marL="0" marR="0" indent="0">
+                <a:lnSpc>
+                  <a:spcPts val="880"/>
+                </a:lnSpc>
+                <a:spcBef>
+                  <a:spcPts val="0"/>
+                </a:spcBef>
+                <a:spcAft>
+                  <a:spcPts val="0"/>
+                </a:spcAft>
+              </a:pPr>
+              <a:r>
+                <a:rPr sz="880">
+                  <a:solidFill>
+                    <a:srgbClr val="000000">
+                      <a:alpha val="100000"/>
+                    </a:srgbClr>
+                  </a:solidFill>
+                  <a:latin typeface="Arial"/>
+                  <a:cs typeface="Arial"/>
+                </a:rPr>
+                <a:t>4 (33)</a:t>
+              </a:r>
+            </a:p>
+          </p:txBody>
+        </p:sp>
+        <p:sp>
+          <p:nvSpPr>
+            <p:cNvPr id="19" name="tx19"/>
+            <p:cNvSpPr/>
+            <p:nvPr/>
+          </p:nvSpPr>
+          <p:spPr>
+            <a:xfrm>
+              <a:off x="3556120" y="2967364"/>
+              <a:ext cx="229795" cy="104884"/>
+            </a:xfrm>
+            <a:prstGeom prst="rect">
+              <a:avLst/>
+            </a:prstGeom>
+            <a:noFill/>
+          </p:spPr>
+          <p:txBody>
+            <a:bodyPr lIns="0" rIns="0" tIns="0" bIns="0" anchorCtr="1" anchor="ctr" wrap="none"/>
+            <a:lstStyle/>
+            <a:p>
+              <a:pPr algn="l" marL="0" marR="0" indent="0">
+                <a:lnSpc>
+                  <a:spcPts val="880"/>
+                </a:lnSpc>
+                <a:spcBef>
+                  <a:spcPts val="0"/>
+                </a:spcBef>
+                <a:spcAft>
+                  <a:spcPts val="0"/>
+                </a:spcAft>
+              </a:pPr>
+              <a:r>
+                <a:rPr sz="880">
+                  <a:solidFill>
+                    <a:srgbClr val="000000">
+                      <a:alpha val="100000"/>
+                    </a:srgbClr>
+                  </a:solidFill>
+                  <a:latin typeface="Arial"/>
+                  <a:cs typeface="Arial"/>
+                </a:rPr>
+                <a:t>5 (9)</a:t>
+              </a:r>
+            </a:p>
+          </p:txBody>
+        </p:sp>
+        <p:sp>
+          <p:nvSpPr>
+            <p:cNvPr id="20" name="tx20"/>
+            <p:cNvSpPr/>
+            <p:nvPr/>
+          </p:nvSpPr>
+          <p:spPr>
+            <a:xfrm>
+              <a:off x="3556120" y="3186820"/>
+              <a:ext cx="229795" cy="104884"/>
+            </a:xfrm>
+            <a:prstGeom prst="rect">
+              <a:avLst/>
+            </a:prstGeom>
+            <a:noFill/>
+          </p:spPr>
+          <p:txBody>
+            <a:bodyPr lIns="0" rIns="0" tIns="0" bIns="0" anchorCtr="1" anchor="ctr" wrap="none"/>
+            <a:lstStyle/>
+            <a:p>
+              <a:pPr algn="l" marL="0" marR="0" indent="0">
+                <a:lnSpc>
+                  <a:spcPts val="880"/>
+                </a:lnSpc>
+                <a:spcBef>
+                  <a:spcPts val="0"/>
+                </a:spcBef>
+                <a:spcAft>
+                  <a:spcPts val="0"/>
+                </a:spcAft>
+              </a:pPr>
+              <a:r>
+                <a:rPr sz="880">
+                  <a:solidFill>
+                    <a:srgbClr val="000000">
+                      <a:alpha val="100000"/>
+                    </a:srgbClr>
+                  </a:solidFill>
+                  <a:latin typeface="Arial"/>
+                  <a:cs typeface="Arial"/>
+                </a:rPr>
+                <a:t>6 (6)</a:t>
+              </a:r>
+            </a:p>
+          </p:txBody>
+        </p:sp>
+        <p:sp>
+          <p:nvSpPr>
+            <p:cNvPr id="21" name="tx21"/>
+            <p:cNvSpPr/>
+            <p:nvPr/>
+          </p:nvSpPr>
+          <p:spPr>
+            <a:xfrm>
+              <a:off x="3556120" y="3406276"/>
+              <a:ext cx="229795" cy="104884"/>
+            </a:xfrm>
+            <a:prstGeom prst="rect">
+              <a:avLst/>
+            </a:prstGeom>
+            <a:noFill/>
+          </p:spPr>
+          <p:txBody>
+            <a:bodyPr lIns="0" rIns="0" tIns="0" bIns="0" anchorCtr="1" anchor="ctr" wrap="none"/>
+            <a:lstStyle/>
+            <a:p>
+              <a:pPr algn="l" marL="0" marR="0" indent="0">
+                <a:lnSpc>
+                  <a:spcPts val="880"/>
+                </a:lnSpc>
+                <a:spcBef>
+                  <a:spcPts val="0"/>
+                </a:spcBef>
+                <a:spcAft>
+                  <a:spcPts val="0"/>
+                </a:spcAft>
+              </a:pPr>
+              <a:r>
+                <a:rPr sz="880">
+                  <a:solidFill>
+                    <a:srgbClr val="000000">
+                      <a:alpha val="100000"/>
+                    </a:srgbClr>
+                  </a:solidFill>
+                  <a:latin typeface="Arial"/>
+                  <a:cs typeface="Arial"/>
+                </a:rPr>
+                <a:t>7 (2)</a:t>
+              </a:r>
+            </a:p>
+          </p:txBody>
+        </p:sp>
+        <p:sp>
+          <p:nvSpPr>
+            <p:cNvPr id="22" name="tx22"/>
+            <p:cNvSpPr/>
+            <p:nvPr/>
+          </p:nvSpPr>
+          <p:spPr>
+            <a:xfrm>
+              <a:off x="3556120" y="3625732"/>
+              <a:ext cx="229795" cy="104884"/>
+            </a:xfrm>
+            <a:prstGeom prst="rect">
+              <a:avLst/>
+            </a:prstGeom>
+            <a:noFill/>
+          </p:spPr>
+          <p:txBody>
+            <a:bodyPr lIns="0" rIns="0" tIns="0" bIns="0" anchorCtr="1" anchor="ctr" wrap="none"/>
+            <a:lstStyle/>
+            <a:p>
+              <a:pPr algn="l" marL="0" marR="0" indent="0">
+                <a:lnSpc>
+                  <a:spcPts val="880"/>
+                </a:lnSpc>
+                <a:spcBef>
+                  <a:spcPts val="0"/>
+                </a:spcBef>
+                <a:spcAft>
+                  <a:spcPts val="0"/>
+                </a:spcAft>
+              </a:pPr>
+              <a:r>
+                <a:rPr sz="880">
+                  <a:solidFill>
+                    <a:srgbClr val="000000">
+                      <a:alpha val="100000"/>
+                    </a:srgbClr>
+                  </a:solidFill>
+                  <a:latin typeface="Arial"/>
+                  <a:cs typeface="Arial"/>
+                </a:rPr>
+                <a:t>8 (1)</a:t>
+              </a:r>
+            </a:p>
+          </p:txBody>
+        </p:sp>
+      </p:grpSp>
+    </p:spTree>
+  </p:cSld>
+  <p:clrMapOvr>
+    <a:masterClrMapping/>
+  </p:clrMapOvr>
+</p:sld>
+</file>
+
 <file path=ppt/theme/theme1.xml><?xml version="1.0" encoding="utf-8"?>
 <a:theme xmlns:a="http://schemas.openxmlformats.org/drawingml/2006/main" name="Office Theme">
   <a:themeElements>

--- a/outputs/legend_nrefs_paper.pptx
+++ b/outputs/legend_nrefs_paper.pptx
@@ -5,8 +5,12 @@
     <p:sldMasterId id="2147483648" r:id="rId1"/>
   </p:sldMasterIdLst>
   <p:sldIdLst xmlns:a="http://schemas.openxmlformats.org/drawingml/2006/main" xmlns:r="http://schemas.openxmlformats.org/officeDocument/2006/relationships" xmlns:p="http://schemas.openxmlformats.org/presentationml/2006/main">
-    <p:sldId id="256" r:id="rId6"/>
-    <p:sldId id="257" r:id="rId7"/>
+    <p:sldId id="256" r:id="rId2"/>
+    <p:sldId id="257" r:id="rId3"/>
+    <p:sldId id="258" r:id="rId4"/>
+    <p:sldId id="260" r:id="rId5"/>
+    <p:sldId id="259" r:id="rId6"/>
+    <p:sldId id="261" r:id="rId11"/>
   </p:sldIdLst>
   <p:sldSz cx="7562850" cy="5330825"/>
   <p:notesSz cx="6858000" cy="9144000"/>
@@ -105,6 +109,22 @@
       </a:defRPr>
     </a:lvl9pPr>
   </p:defaultTextStyle>
+  <p:extLst>
+    <p:ext uri="{EFAFB233-063F-42B5-8137-9DF3F51BA10A}">
+      <p15:sldGuideLst xmlns:p15="http://schemas.microsoft.com/office/powerpoint/2012/main">
+        <p15:guide id="1" orient="horz" pos="1679">
+          <p15:clr>
+            <a:srgbClr val="A4A3A4"/>
+          </p15:clr>
+        </p15:guide>
+        <p15:guide id="2" pos="2382">
+          <p15:clr>
+            <a:srgbClr val="A4A3A4"/>
+          </p15:clr>
+        </p15:guide>
+      </p15:sldGuideLst>
+    </p:ext>
+  </p:extLst>
 </p:presentation>
 </file>
 
@@ -146,7 +166,7 @@
           <a:lstStyle/>
           <a:p>
             <a:r>
-              <a:rPr lang="en-US" smtClean="0"/>
+              <a:rPr lang="en-US"/>
               <a:t>Click to edit Master title style</a:t>
             </a:r>
             <a:endParaRPr lang="en-GB"/>
@@ -265,7 +285,7 @@
           </a:lstStyle>
           <a:p>
             <a:r>
-              <a:rPr lang="en-US" smtClean="0"/>
+              <a:rPr lang="en-US"/>
               <a:t>Click to edit Master subtitle style</a:t>
             </a:r>
             <a:endParaRPr lang="en-GB"/>
@@ -289,7 +309,7 @@
           <a:p>
             <a:fld id="{6BA5D40C-A8DC-479A-A5D3-E7B4936A184B}" type="datetimeFigureOut">
               <a:rPr lang="en-GB" smtClean="0"/>
-              <a:t>15/07/2015</a:t>
+              <a:t>07/07/2020</a:t>
             </a:fld>
             <a:endParaRPr lang="en-GB"/>
           </a:p>
@@ -383,7 +403,7 @@
           <a:lstStyle/>
           <a:p>
             <a:r>
-              <a:rPr lang="en-US" smtClean="0"/>
+              <a:rPr lang="en-US"/>
               <a:t>Click to edit Master title style</a:t>
             </a:r>
             <a:endParaRPr lang="en-GB"/>
@@ -407,35 +427,35 @@
           <a:p>
             <a:pPr lvl="0"/>
             <a:r>
-              <a:rPr lang="en-US" smtClean="0"/>
+              <a:rPr lang="en-US"/>
               <a:t>Click to edit Master text styles</a:t>
             </a:r>
           </a:p>
           <a:p>
             <a:pPr lvl="1"/>
             <a:r>
-              <a:rPr lang="en-US" smtClean="0"/>
+              <a:rPr lang="en-US"/>
               <a:t>Second level</a:t>
             </a:r>
           </a:p>
           <a:p>
             <a:pPr lvl="2"/>
             <a:r>
-              <a:rPr lang="en-US" smtClean="0"/>
+              <a:rPr lang="en-US"/>
               <a:t>Third level</a:t>
             </a:r>
           </a:p>
           <a:p>
             <a:pPr lvl="3"/>
             <a:r>
-              <a:rPr lang="en-US" smtClean="0"/>
+              <a:rPr lang="en-US"/>
               <a:t>Fourth level</a:t>
             </a:r>
           </a:p>
           <a:p>
             <a:pPr lvl="4"/>
             <a:r>
-              <a:rPr lang="en-US" smtClean="0"/>
+              <a:rPr lang="en-US"/>
               <a:t>Fifth level</a:t>
             </a:r>
             <a:endParaRPr lang="en-GB"/>
@@ -459,7 +479,7 @@
           <a:p>
             <a:fld id="{6BA5D40C-A8DC-479A-A5D3-E7B4936A184B}" type="datetimeFigureOut">
               <a:rPr lang="en-GB" smtClean="0"/>
-              <a:t>15/07/2015</a:t>
+              <a:t>07/07/2020</a:t>
             </a:fld>
             <a:endParaRPr lang="en-GB"/>
           </a:p>
@@ -558,7 +578,7 @@
           <a:lstStyle/>
           <a:p>
             <a:r>
-              <a:rPr lang="en-US" smtClean="0"/>
+              <a:rPr lang="en-US"/>
               <a:t>Click to edit Master title style</a:t>
             </a:r>
             <a:endParaRPr lang="en-GB"/>
@@ -587,35 +607,35 @@
           <a:p>
             <a:pPr lvl="0"/>
             <a:r>
-              <a:rPr lang="en-US" smtClean="0"/>
+              <a:rPr lang="en-US"/>
               <a:t>Click to edit Master text styles</a:t>
             </a:r>
           </a:p>
           <a:p>
             <a:pPr lvl="1"/>
             <a:r>
-              <a:rPr lang="en-US" smtClean="0"/>
+              <a:rPr lang="en-US"/>
               <a:t>Second level</a:t>
             </a:r>
           </a:p>
           <a:p>
             <a:pPr lvl="2"/>
             <a:r>
-              <a:rPr lang="en-US" smtClean="0"/>
+              <a:rPr lang="en-US"/>
               <a:t>Third level</a:t>
             </a:r>
           </a:p>
           <a:p>
             <a:pPr lvl="3"/>
             <a:r>
-              <a:rPr lang="en-US" smtClean="0"/>
+              <a:rPr lang="en-US"/>
               <a:t>Fourth level</a:t>
             </a:r>
           </a:p>
           <a:p>
             <a:pPr lvl="4"/>
             <a:r>
-              <a:rPr lang="en-US" smtClean="0"/>
+              <a:rPr lang="en-US"/>
               <a:t>Fifth level</a:t>
             </a:r>
             <a:endParaRPr lang="en-GB"/>
@@ -639,7 +659,7 @@
           <a:p>
             <a:fld id="{6BA5D40C-A8DC-479A-A5D3-E7B4936A184B}" type="datetimeFigureOut">
               <a:rPr lang="en-GB" smtClean="0"/>
-              <a:t>15/07/2015</a:t>
+              <a:t>07/07/2020</a:t>
             </a:fld>
             <a:endParaRPr lang="en-GB"/>
           </a:p>
@@ -733,7 +753,7 @@
           <a:lstStyle/>
           <a:p>
             <a:r>
-              <a:rPr lang="en-US" smtClean="0"/>
+              <a:rPr lang="en-US"/>
               <a:t>Click to edit Master title style</a:t>
             </a:r>
             <a:endParaRPr lang="en-GB"/>
@@ -757,35 +777,35 @@
           <a:p>
             <a:pPr lvl="0"/>
             <a:r>
-              <a:rPr lang="en-US" smtClean="0"/>
+              <a:rPr lang="en-US"/>
               <a:t>Click to edit Master text styles</a:t>
             </a:r>
           </a:p>
           <a:p>
             <a:pPr lvl="1"/>
             <a:r>
-              <a:rPr lang="en-US" smtClean="0"/>
+              <a:rPr lang="en-US"/>
               <a:t>Second level</a:t>
             </a:r>
           </a:p>
           <a:p>
             <a:pPr lvl="2"/>
             <a:r>
-              <a:rPr lang="en-US" smtClean="0"/>
+              <a:rPr lang="en-US"/>
               <a:t>Third level</a:t>
             </a:r>
           </a:p>
           <a:p>
             <a:pPr lvl="3"/>
             <a:r>
-              <a:rPr lang="en-US" smtClean="0"/>
+              <a:rPr lang="en-US"/>
               <a:t>Fourth level</a:t>
             </a:r>
           </a:p>
           <a:p>
             <a:pPr lvl="4"/>
             <a:r>
-              <a:rPr lang="en-US" smtClean="0"/>
+              <a:rPr lang="en-US"/>
               <a:t>Fifth level</a:t>
             </a:r>
             <a:endParaRPr lang="en-GB"/>
@@ -809,7 +829,7 @@
           <a:p>
             <a:fld id="{6BA5D40C-A8DC-479A-A5D3-E7B4936A184B}" type="datetimeFigureOut">
               <a:rPr lang="en-GB" smtClean="0"/>
-              <a:t>15/07/2015</a:t>
+              <a:t>07/07/2020</a:t>
             </a:fld>
             <a:endParaRPr lang="en-GB"/>
           </a:p>
@@ -912,7 +932,7 @@
           </a:lstStyle>
           <a:p>
             <a:r>
-              <a:rPr lang="en-US" smtClean="0"/>
+              <a:rPr lang="en-US"/>
               <a:t>Click to edit Master title style</a:t>
             </a:r>
             <a:endParaRPr lang="en-GB"/>
@@ -1032,7 +1052,7 @@
           <a:p>
             <a:pPr lvl="0"/>
             <a:r>
-              <a:rPr lang="en-US" smtClean="0"/>
+              <a:rPr lang="en-US"/>
               <a:t>Click to edit Master text styles</a:t>
             </a:r>
           </a:p>
@@ -1055,7 +1075,7 @@
           <a:p>
             <a:fld id="{6BA5D40C-A8DC-479A-A5D3-E7B4936A184B}" type="datetimeFigureOut">
               <a:rPr lang="en-GB" smtClean="0"/>
-              <a:t>15/07/2015</a:t>
+              <a:t>07/07/2020</a:t>
             </a:fld>
             <a:endParaRPr lang="en-GB"/>
           </a:p>
@@ -1149,7 +1169,7 @@
           <a:lstStyle/>
           <a:p>
             <a:r>
-              <a:rPr lang="en-US" smtClean="0"/>
+              <a:rPr lang="en-US"/>
               <a:t>Click to edit Master title style</a:t>
             </a:r>
             <a:endParaRPr lang="en-GB"/>
@@ -1206,35 +1226,35 @@
           <a:p>
             <a:pPr lvl="0"/>
             <a:r>
-              <a:rPr lang="en-US" smtClean="0"/>
+              <a:rPr lang="en-US"/>
               <a:t>Click to edit Master text styles</a:t>
             </a:r>
           </a:p>
           <a:p>
             <a:pPr lvl="1"/>
             <a:r>
-              <a:rPr lang="en-US" smtClean="0"/>
+              <a:rPr lang="en-US"/>
               <a:t>Second level</a:t>
             </a:r>
           </a:p>
           <a:p>
             <a:pPr lvl="2"/>
             <a:r>
-              <a:rPr lang="en-US" smtClean="0"/>
+              <a:rPr lang="en-US"/>
               <a:t>Third level</a:t>
             </a:r>
           </a:p>
           <a:p>
             <a:pPr lvl="3"/>
             <a:r>
-              <a:rPr lang="en-US" smtClean="0"/>
+              <a:rPr lang="en-US"/>
               <a:t>Fourth level</a:t>
             </a:r>
           </a:p>
           <a:p>
             <a:pPr lvl="4"/>
             <a:r>
-              <a:rPr lang="en-US" smtClean="0"/>
+              <a:rPr lang="en-US"/>
               <a:t>Fifth level</a:t>
             </a:r>
             <a:endParaRPr lang="en-GB"/>
@@ -1291,35 +1311,35 @@
           <a:p>
             <a:pPr lvl="0"/>
             <a:r>
-              <a:rPr lang="en-US" smtClean="0"/>
+              <a:rPr lang="en-US"/>
               <a:t>Click to edit Master text styles</a:t>
             </a:r>
           </a:p>
           <a:p>
             <a:pPr lvl="1"/>
             <a:r>
-              <a:rPr lang="en-US" smtClean="0"/>
+              <a:rPr lang="en-US"/>
               <a:t>Second level</a:t>
             </a:r>
           </a:p>
           <a:p>
             <a:pPr lvl="2"/>
             <a:r>
-              <a:rPr lang="en-US" smtClean="0"/>
+              <a:rPr lang="en-US"/>
               <a:t>Third level</a:t>
             </a:r>
           </a:p>
           <a:p>
             <a:pPr lvl="3"/>
             <a:r>
-              <a:rPr lang="en-US" smtClean="0"/>
+              <a:rPr lang="en-US"/>
               <a:t>Fourth level</a:t>
             </a:r>
           </a:p>
           <a:p>
             <a:pPr lvl="4"/>
             <a:r>
-              <a:rPr lang="en-US" smtClean="0"/>
+              <a:rPr lang="en-US"/>
               <a:t>Fifth level</a:t>
             </a:r>
             <a:endParaRPr lang="en-GB"/>
@@ -1343,7 +1363,7 @@
           <a:p>
             <a:fld id="{6BA5D40C-A8DC-479A-A5D3-E7B4936A184B}" type="datetimeFigureOut">
               <a:rPr lang="en-GB" smtClean="0"/>
-              <a:t>15/07/2015</a:t>
+              <a:t>07/07/2020</a:t>
             </a:fld>
             <a:endParaRPr lang="en-GB"/>
           </a:p>
@@ -1446,7 +1466,7 @@
           </a:lstStyle>
           <a:p>
             <a:r>
-              <a:rPr lang="en-US" smtClean="0"/>
+              <a:rPr lang="en-US"/>
               <a:t>Click to edit Master title style</a:t>
             </a:r>
             <a:endParaRPr lang="en-GB"/>
@@ -1512,7 +1532,7 @@
           <a:p>
             <a:pPr lvl="0"/>
             <a:r>
-              <a:rPr lang="en-US" smtClean="0"/>
+              <a:rPr lang="en-US"/>
               <a:t>Click to edit Master text styles</a:t>
             </a:r>
           </a:p>
@@ -1568,35 +1588,35 @@
           <a:p>
             <a:pPr lvl="0"/>
             <a:r>
-              <a:rPr lang="en-US" smtClean="0"/>
+              <a:rPr lang="en-US"/>
               <a:t>Click to edit Master text styles</a:t>
             </a:r>
           </a:p>
           <a:p>
             <a:pPr lvl="1"/>
             <a:r>
-              <a:rPr lang="en-US" smtClean="0"/>
+              <a:rPr lang="en-US"/>
               <a:t>Second level</a:t>
             </a:r>
           </a:p>
           <a:p>
             <a:pPr lvl="2"/>
             <a:r>
-              <a:rPr lang="en-US" smtClean="0"/>
+              <a:rPr lang="en-US"/>
               <a:t>Third level</a:t>
             </a:r>
           </a:p>
           <a:p>
             <a:pPr lvl="3"/>
             <a:r>
-              <a:rPr lang="en-US" smtClean="0"/>
+              <a:rPr lang="en-US"/>
               <a:t>Fourth level</a:t>
             </a:r>
           </a:p>
           <a:p>
             <a:pPr lvl="4"/>
             <a:r>
-              <a:rPr lang="en-US" smtClean="0"/>
+              <a:rPr lang="en-US"/>
               <a:t>Fifth level</a:t>
             </a:r>
             <a:endParaRPr lang="en-GB"/>
@@ -1662,7 +1682,7 @@
           <a:p>
             <a:pPr lvl="0"/>
             <a:r>
-              <a:rPr lang="en-US" smtClean="0"/>
+              <a:rPr lang="en-US"/>
               <a:t>Click to edit Master text styles</a:t>
             </a:r>
           </a:p>
@@ -1718,35 +1738,35 @@
           <a:p>
             <a:pPr lvl="0"/>
             <a:r>
-              <a:rPr lang="en-US" smtClean="0"/>
+              <a:rPr lang="en-US"/>
               <a:t>Click to edit Master text styles</a:t>
             </a:r>
           </a:p>
           <a:p>
             <a:pPr lvl="1"/>
             <a:r>
-              <a:rPr lang="en-US" smtClean="0"/>
+              <a:rPr lang="en-US"/>
               <a:t>Second level</a:t>
             </a:r>
           </a:p>
           <a:p>
             <a:pPr lvl="2"/>
             <a:r>
-              <a:rPr lang="en-US" smtClean="0"/>
+              <a:rPr lang="en-US"/>
               <a:t>Third level</a:t>
             </a:r>
           </a:p>
           <a:p>
             <a:pPr lvl="3"/>
             <a:r>
-              <a:rPr lang="en-US" smtClean="0"/>
+              <a:rPr lang="en-US"/>
               <a:t>Fourth level</a:t>
             </a:r>
           </a:p>
           <a:p>
             <a:pPr lvl="4"/>
             <a:r>
-              <a:rPr lang="en-US" smtClean="0"/>
+              <a:rPr lang="en-US"/>
               <a:t>Fifth level</a:t>
             </a:r>
             <a:endParaRPr lang="en-GB"/>
@@ -1770,7 +1790,7 @@
           <a:p>
             <a:fld id="{6BA5D40C-A8DC-479A-A5D3-E7B4936A184B}" type="datetimeFigureOut">
               <a:rPr lang="en-GB" smtClean="0"/>
-              <a:t>15/07/2015</a:t>
+              <a:t>07/07/2020</a:t>
             </a:fld>
             <a:endParaRPr lang="en-GB"/>
           </a:p>
@@ -1864,7 +1884,7 @@
           <a:lstStyle/>
           <a:p>
             <a:r>
-              <a:rPr lang="en-US" smtClean="0"/>
+              <a:rPr lang="en-US"/>
               <a:t>Click to edit Master title style</a:t>
             </a:r>
             <a:endParaRPr lang="en-GB"/>
@@ -1888,7 +1908,7 @@
           <a:p>
             <a:fld id="{6BA5D40C-A8DC-479A-A5D3-E7B4936A184B}" type="datetimeFigureOut">
               <a:rPr lang="en-GB" smtClean="0"/>
-              <a:t>15/07/2015</a:t>
+              <a:t>07/07/2020</a:t>
             </a:fld>
             <a:endParaRPr lang="en-GB"/>
           </a:p>
@@ -1983,7 +2003,7 @@
           <a:p>
             <a:fld id="{6BA5D40C-A8DC-479A-A5D3-E7B4936A184B}" type="datetimeFigureOut">
               <a:rPr lang="en-GB" smtClean="0"/>
-              <a:t>15/07/2015</a:t>
+              <a:t>07/07/2020</a:t>
             </a:fld>
             <a:endParaRPr lang="en-GB"/>
           </a:p>
@@ -2086,7 +2106,7 @@
           </a:lstStyle>
           <a:p>
             <a:r>
-              <a:rPr lang="en-US" smtClean="0"/>
+              <a:rPr lang="en-US"/>
               <a:t>Click to edit Master title style</a:t>
             </a:r>
             <a:endParaRPr lang="en-GB"/>
@@ -2143,35 +2163,35 @@
           <a:p>
             <a:pPr lvl="0"/>
             <a:r>
-              <a:rPr lang="en-US" smtClean="0"/>
+              <a:rPr lang="en-US"/>
               <a:t>Click to edit Master text styles</a:t>
             </a:r>
           </a:p>
           <a:p>
             <a:pPr lvl="1"/>
             <a:r>
-              <a:rPr lang="en-US" smtClean="0"/>
+              <a:rPr lang="en-US"/>
               <a:t>Second level</a:t>
             </a:r>
           </a:p>
           <a:p>
             <a:pPr lvl="2"/>
             <a:r>
-              <a:rPr lang="en-US" smtClean="0"/>
+              <a:rPr lang="en-US"/>
               <a:t>Third level</a:t>
             </a:r>
           </a:p>
           <a:p>
             <a:pPr lvl="3"/>
             <a:r>
-              <a:rPr lang="en-US" smtClean="0"/>
+              <a:rPr lang="en-US"/>
               <a:t>Fourth level</a:t>
             </a:r>
           </a:p>
           <a:p>
             <a:pPr lvl="4"/>
             <a:r>
-              <a:rPr lang="en-US" smtClean="0"/>
+              <a:rPr lang="en-US"/>
               <a:t>Fifth level</a:t>
             </a:r>
             <a:endParaRPr lang="en-GB"/>
@@ -2237,7 +2257,7 @@
           <a:p>
             <a:pPr lvl="0"/>
             <a:r>
-              <a:rPr lang="en-US" smtClean="0"/>
+              <a:rPr lang="en-US"/>
               <a:t>Click to edit Master text styles</a:t>
             </a:r>
           </a:p>
@@ -2260,7 +2280,7 @@
           <a:p>
             <a:fld id="{6BA5D40C-A8DC-479A-A5D3-E7B4936A184B}" type="datetimeFigureOut">
               <a:rPr lang="en-GB" smtClean="0"/>
-              <a:t>15/07/2015</a:t>
+              <a:t>07/07/2020</a:t>
             </a:fld>
             <a:endParaRPr lang="en-GB"/>
           </a:p>
@@ -2363,7 +2383,7 @@
           </a:lstStyle>
           <a:p>
             <a:r>
-              <a:rPr lang="en-US" smtClean="0"/>
+              <a:rPr lang="en-US"/>
               <a:t>Click to edit Master title style</a:t>
             </a:r>
             <a:endParaRPr lang="en-GB"/>
@@ -2490,7 +2510,7 @@
           <a:p>
             <a:pPr lvl="0"/>
             <a:r>
-              <a:rPr lang="en-US" smtClean="0"/>
+              <a:rPr lang="en-US"/>
               <a:t>Click to edit Master text styles</a:t>
             </a:r>
           </a:p>
@@ -2513,7 +2533,7 @@
           <a:p>
             <a:fld id="{6BA5D40C-A8DC-479A-A5D3-E7B4936A184B}" type="datetimeFigureOut">
               <a:rPr lang="en-GB" smtClean="0"/>
-              <a:t>15/07/2015</a:t>
+              <a:t>07/07/2020</a:t>
             </a:fld>
             <a:endParaRPr lang="en-GB"/>
           </a:p>
@@ -2622,7 +2642,7 @@
           <a:lstStyle/>
           <a:p>
             <a:r>
-              <a:rPr lang="en-US" smtClean="0"/>
+              <a:rPr lang="en-US"/>
               <a:t>Click to edit Master title style</a:t>
             </a:r>
             <a:endParaRPr lang="en-GB"/>
@@ -2656,35 +2676,35 @@
           <a:p>
             <a:pPr lvl="0"/>
             <a:r>
-              <a:rPr lang="en-US" smtClean="0"/>
+              <a:rPr lang="en-US"/>
               <a:t>Click to edit Master text styles</a:t>
             </a:r>
           </a:p>
           <a:p>
             <a:pPr lvl="1"/>
             <a:r>
-              <a:rPr lang="en-US" smtClean="0"/>
+              <a:rPr lang="en-US"/>
               <a:t>Second level</a:t>
             </a:r>
           </a:p>
           <a:p>
             <a:pPr lvl="2"/>
             <a:r>
-              <a:rPr lang="en-US" smtClean="0"/>
+              <a:rPr lang="en-US"/>
               <a:t>Third level</a:t>
             </a:r>
           </a:p>
           <a:p>
             <a:pPr lvl="3"/>
             <a:r>
-              <a:rPr lang="en-US" smtClean="0"/>
+              <a:rPr lang="en-US"/>
               <a:t>Fourth level</a:t>
             </a:r>
           </a:p>
           <a:p>
             <a:pPr lvl="4"/>
             <a:r>
-              <a:rPr lang="en-US" smtClean="0"/>
+              <a:rPr lang="en-US"/>
               <a:t>Fifth level</a:t>
             </a:r>
             <a:endParaRPr lang="en-GB"/>
@@ -2726,7 +2746,7 @@
           <a:p>
             <a:fld id="{6BA5D40C-A8DC-479A-A5D3-E7B4936A184B}" type="datetimeFigureOut">
               <a:rPr lang="en-GB" smtClean="0"/>
-              <a:t>15/07/2015</a:t>
+              <a:t>07/07/2020</a:t>
             </a:fld>
             <a:endParaRPr lang="en-GB"/>
           </a:p>
@@ -3101,9 +3121,9 @@
           <a:chExt cx="0" cy="0"/>
         </a:xfrm>
       </p:grpSpPr>
-      <p:grpSp xmlns:a="http://schemas.openxmlformats.org/drawingml/2006/main" xmlns:r="http://schemas.openxmlformats.org/officeDocument/2006/relationships" xmlns:p="http://schemas.openxmlformats.org/presentationml/2006/main" xmlns:pic="http://schemas.openxmlformats.org/drawingml/2006/picture">
+      <p:grpSp>
         <p:nvGrpSpPr>
-          <p:cNvPr id="2" name=""/>
+          <p:cNvPr id="2" name="Group 1"/>
           <p:cNvGrpSpPr/>
           <p:nvPr/>
         </p:nvGrpSpPr>
@@ -3147,7 +3167,9 @@
           <p:txBody>
             <a:bodyPr/>
             <a:lstStyle/>
-            <a:p/>
+            <a:p>
+              <a:endParaRPr/>
+            </a:p>
           </p:txBody>
         </p:sp>
         <p:sp>
@@ -3167,10 +3189,10 @@
             <a:noFill/>
           </p:spPr>
           <p:txBody>
-            <a:bodyPr lIns="0" rIns="0" tIns="0" bIns="0" anchorCtr="1" anchor="ctr" wrap="none"/>
-            <a:lstStyle/>
-            <a:p>
-              <a:pPr algn="l" marL="0" marR="0" indent="0">
+            <a:bodyPr wrap="none" lIns="0" tIns="0" rIns="0" bIns="0" anchor="ctr" anchorCtr="1"/>
+            <a:lstStyle/>
+            <a:p>
+              <a:pPr marL="0" marR="0" indent="0" algn="l">
                 <a:lnSpc>
                   <a:spcPts val="1100"/>
                 </a:lnSpc>
@@ -3213,10 +3235,10 @@
             <a:noFill/>
           </p:spPr>
           <p:txBody>
-            <a:bodyPr lIns="0" rIns="0" tIns="0" bIns="0" anchorCtr="1" anchor="ctr" wrap="none"/>
-            <a:lstStyle/>
-            <a:p>
-              <a:pPr algn="l" marL="0" marR="0" indent="0">
+            <a:bodyPr wrap="none" lIns="0" tIns="0" rIns="0" bIns="0" anchor="ctr" anchorCtr="1"/>
+            <a:lstStyle/>
+            <a:p>
+              <a:pPr marL="0" marR="0" indent="0" algn="l">
                 <a:lnSpc>
                   <a:spcPts val="1100"/>
                 </a:lnSpc>
@@ -3259,10 +3281,10 @@
             <a:noFill/>
           </p:spPr>
           <p:txBody>
-            <a:bodyPr lIns="0" rIns="0" tIns="0" bIns="0" anchorCtr="1" anchor="ctr" wrap="none"/>
-            <a:lstStyle/>
-            <a:p>
-              <a:pPr algn="l" marL="0" marR="0" indent="0">
+            <a:bodyPr wrap="none" lIns="0" tIns="0" rIns="0" bIns="0" anchor="ctr" anchorCtr="1"/>
+            <a:lstStyle/>
+            <a:p>
+              <a:pPr marL="0" marR="0" indent="0" algn="l">
                 <a:lnSpc>
                   <a:spcPts val="1100"/>
                 </a:lnSpc>
@@ -3320,7 +3342,9 @@
           <p:txBody>
             <a:bodyPr/>
             <a:lstStyle/>
-            <a:p/>
+            <a:p>
+              <a:endParaRPr/>
+            </a:p>
           </p:txBody>
         </p:sp>
         <p:sp>
@@ -3355,7 +3379,9 @@
           <p:txBody>
             <a:bodyPr/>
             <a:lstStyle/>
-            <a:p/>
+            <a:p>
+              <a:endParaRPr/>
+            </a:p>
           </p:txBody>
         </p:sp>
         <p:sp>
@@ -3390,7 +3416,9 @@
           <p:txBody>
             <a:bodyPr/>
             <a:lstStyle/>
-            <a:p/>
+            <a:p>
+              <a:endParaRPr/>
+            </a:p>
           </p:txBody>
         </p:sp>
         <p:sp>
@@ -3425,7 +3453,9 @@
           <p:txBody>
             <a:bodyPr/>
             <a:lstStyle/>
-            <a:p/>
+            <a:p>
+              <a:endParaRPr/>
+            </a:p>
           </p:txBody>
         </p:sp>
         <p:sp>
@@ -3460,7 +3490,9 @@
           <p:txBody>
             <a:bodyPr/>
             <a:lstStyle/>
-            <a:p/>
+            <a:p>
+              <a:endParaRPr/>
+            </a:p>
           </p:txBody>
         </p:sp>
         <p:sp>
@@ -3495,7 +3527,9 @@
           <p:txBody>
             <a:bodyPr/>
             <a:lstStyle/>
-            <a:p/>
+            <a:p>
+              <a:endParaRPr/>
+            </a:p>
           </p:txBody>
         </p:sp>
         <p:sp>
@@ -3530,7 +3564,9 @@
           <p:txBody>
             <a:bodyPr/>
             <a:lstStyle/>
-            <a:p/>
+            <a:p>
+              <a:endParaRPr/>
+            </a:p>
           </p:txBody>
         </p:sp>
         <p:sp>
@@ -3565,7 +3601,9 @@
           <p:txBody>
             <a:bodyPr/>
             <a:lstStyle/>
-            <a:p/>
+            <a:p>
+              <a:endParaRPr/>
+            </a:p>
           </p:txBody>
         </p:sp>
         <p:sp>
@@ -3585,10 +3623,10 @@
             <a:noFill/>
           </p:spPr>
           <p:txBody>
-            <a:bodyPr lIns="0" rIns="0" tIns="0" bIns="0" anchorCtr="1" anchor="ctr" wrap="none"/>
-            <a:lstStyle/>
-            <a:p>
-              <a:pPr algn="l" marL="0" marR="0" indent="0">
+            <a:bodyPr wrap="none" lIns="0" tIns="0" rIns="0" bIns="0" anchor="ctr" anchorCtr="1"/>
+            <a:lstStyle/>
+            <a:p>
+              <a:pPr marL="0" marR="0" indent="0" algn="l">
                 <a:lnSpc>
                   <a:spcPts val="880"/>
                 </a:lnSpc>
@@ -3631,10 +3669,10 @@
             <a:noFill/>
           </p:spPr>
           <p:txBody>
-            <a:bodyPr lIns="0" rIns="0" tIns="0" bIns="0" anchorCtr="1" anchor="ctr" wrap="none"/>
-            <a:lstStyle/>
-            <a:p>
-              <a:pPr algn="l" marL="0" marR="0" indent="0">
+            <a:bodyPr wrap="none" lIns="0" tIns="0" rIns="0" bIns="0" anchor="ctr" anchorCtr="1"/>
+            <a:lstStyle/>
+            <a:p>
+              <a:pPr marL="0" marR="0" indent="0" algn="l">
                 <a:lnSpc>
                   <a:spcPts val="880"/>
                 </a:lnSpc>
@@ -3677,10 +3715,10 @@
             <a:noFill/>
           </p:spPr>
           <p:txBody>
-            <a:bodyPr lIns="0" rIns="0" tIns="0" bIns="0" anchorCtr="1" anchor="ctr" wrap="none"/>
-            <a:lstStyle/>
-            <a:p>
-              <a:pPr algn="l" marL="0" marR="0" indent="0">
+            <a:bodyPr wrap="none" lIns="0" tIns="0" rIns="0" bIns="0" anchor="ctr" anchorCtr="1"/>
+            <a:lstStyle/>
+            <a:p>
+              <a:pPr marL="0" marR="0" indent="0" algn="l">
                 <a:lnSpc>
                   <a:spcPts val="880"/>
                 </a:lnSpc>
@@ -3723,10 +3761,10 @@
             <a:noFill/>
           </p:spPr>
           <p:txBody>
-            <a:bodyPr lIns="0" rIns="0" tIns="0" bIns="0" anchorCtr="1" anchor="ctr" wrap="none"/>
-            <a:lstStyle/>
-            <a:p>
-              <a:pPr algn="l" marL="0" marR="0" indent="0">
+            <a:bodyPr wrap="none" lIns="0" tIns="0" rIns="0" bIns="0" anchor="ctr" anchorCtr="1"/>
+            <a:lstStyle/>
+            <a:p>
+              <a:pPr marL="0" marR="0" indent="0" algn="l">
                 <a:lnSpc>
                   <a:spcPts val="880"/>
                 </a:lnSpc>
@@ -3769,10 +3807,10 @@
             <a:noFill/>
           </p:spPr>
           <p:txBody>
-            <a:bodyPr lIns="0" rIns="0" tIns="0" bIns="0" anchorCtr="1" anchor="ctr" wrap="none"/>
-            <a:lstStyle/>
-            <a:p>
-              <a:pPr algn="l" marL="0" marR="0" indent="0">
+            <a:bodyPr wrap="none" lIns="0" tIns="0" rIns="0" bIns="0" anchor="ctr" anchorCtr="1"/>
+            <a:lstStyle/>
+            <a:p>
+              <a:pPr marL="0" marR="0" indent="0" algn="l">
                 <a:lnSpc>
                   <a:spcPts val="880"/>
                 </a:lnSpc>
@@ -3815,10 +3853,10 @@
             <a:noFill/>
           </p:spPr>
           <p:txBody>
-            <a:bodyPr lIns="0" rIns="0" tIns="0" bIns="0" anchorCtr="1" anchor="ctr" wrap="none"/>
-            <a:lstStyle/>
-            <a:p>
-              <a:pPr algn="l" marL="0" marR="0" indent="0">
+            <a:bodyPr wrap="none" lIns="0" tIns="0" rIns="0" bIns="0" anchor="ctr" anchorCtr="1"/>
+            <a:lstStyle/>
+            <a:p>
+              <a:pPr marL="0" marR="0" indent="0" algn="l">
                 <a:lnSpc>
                   <a:spcPts val="880"/>
                 </a:lnSpc>
@@ -3861,10 +3899,10 @@
             <a:noFill/>
           </p:spPr>
           <p:txBody>
-            <a:bodyPr lIns="0" rIns="0" tIns="0" bIns="0" anchorCtr="1" anchor="ctr" wrap="none"/>
-            <a:lstStyle/>
-            <a:p>
-              <a:pPr algn="l" marL="0" marR="0" indent="0">
+            <a:bodyPr wrap="none" lIns="0" tIns="0" rIns="0" bIns="0" anchor="ctr" anchorCtr="1"/>
+            <a:lstStyle/>
+            <a:p>
+              <a:pPr marL="0" marR="0" indent="0" algn="l">
                 <a:lnSpc>
                   <a:spcPts val="880"/>
                 </a:lnSpc>
@@ -3907,10 +3945,10 @@
             <a:noFill/>
           </p:spPr>
           <p:txBody>
-            <a:bodyPr lIns="0" rIns="0" tIns="0" bIns="0" anchorCtr="1" anchor="ctr" wrap="none"/>
-            <a:lstStyle/>
-            <a:p>
-              <a:pPr algn="l" marL="0" marR="0" indent="0">
+            <a:bodyPr wrap="none" lIns="0" tIns="0" rIns="0" bIns="0" anchor="ctr" anchorCtr="1"/>
+            <a:lstStyle/>
+            <a:p>
+              <a:pPr marL="0" marR="0" indent="0" algn="l">
                 <a:lnSpc>
                   <a:spcPts val="880"/>
                 </a:lnSpc>
@@ -3962,30 +4000,907 @@
           <a:chExt cx="0" cy="0"/>
         </a:xfrm>
       </p:grpSpPr>
-      <p:grpSp xmlns:a="http://schemas.openxmlformats.org/drawingml/2006/main" xmlns:r="http://schemas.openxmlformats.org/officeDocument/2006/relationships" xmlns:p="http://schemas.openxmlformats.org/presentationml/2006/main" xmlns:pic="http://schemas.openxmlformats.org/drawingml/2006/picture">
+      <p:grpSp>
         <p:nvGrpSpPr>
-          <p:cNvPr id="2" name=""/>
+          <p:cNvPr id="2" name="Group 1"/>
           <p:cNvGrpSpPr/>
           <p:nvPr/>
         </p:nvGrpSpPr>
         <p:grpSpPr>
           <a:xfrm>
-            <a:off x="1471613" y="1374775"/>
-            <a:ext cx="4619625" cy="2581275"/>
-            <a:chOff x="1471613" y="1374775"/>
-            <a:chExt cx="4619625" cy="2581275"/>
+            <a:off x="3313787" y="1580651"/>
+            <a:ext cx="1024762" cy="2214294"/>
+            <a:chOff x="3267075" y="1548575"/>
+            <a:chExt cx="1024762" cy="2214294"/>
           </a:xfrm>
         </p:grpSpPr>
         <p:sp>
           <p:nvSpPr>
+            <p:cNvPr id="4" name="tx4"/>
+            <p:cNvSpPr/>
+            <p:nvPr/>
+          </p:nvSpPr>
+          <p:spPr>
+            <a:xfrm>
+              <a:off x="3267075" y="1548575"/>
+              <a:ext cx="1024762" cy="103342"/>
+            </a:xfrm>
+            <a:prstGeom prst="rect">
+              <a:avLst/>
+            </a:prstGeom>
+            <a:noFill/>
+          </p:spPr>
+          <p:txBody>
+            <a:bodyPr wrap="none" lIns="0" tIns="0" rIns="0" bIns="0" anchor="ctr" anchorCtr="1"/>
+            <a:lstStyle/>
+            <a:p>
+              <a:pPr marL="0" marR="0" indent="0" algn="l">
+                <a:lnSpc>
+                  <a:spcPts val="1100"/>
+                </a:lnSpc>
+                <a:spcBef>
+                  <a:spcPts val="0"/>
+                </a:spcBef>
+                <a:spcAft>
+                  <a:spcPts val="0"/>
+                </a:spcAft>
+              </a:pPr>
+              <a:r>
+                <a:rPr sz="1100" dirty="0">
+                  <a:solidFill>
+                    <a:srgbClr val="000000">
+                      <a:alpha val="100000"/>
+                    </a:srgbClr>
+                  </a:solidFill>
+                  <a:latin typeface="Arial"/>
+                  <a:cs typeface="Arial"/>
+                </a:rPr>
+                <a:t>Number of times</a:t>
+              </a:r>
+            </a:p>
+          </p:txBody>
+        </p:sp>
+        <p:sp>
+          <p:nvSpPr>
+            <p:cNvPr id="5" name="tx5"/>
+            <p:cNvSpPr/>
+            <p:nvPr/>
+          </p:nvSpPr>
+          <p:spPr>
+            <a:xfrm>
+              <a:off x="3267075" y="1701156"/>
+              <a:ext cx="745362" cy="101637"/>
+            </a:xfrm>
+            <a:prstGeom prst="rect">
+              <a:avLst/>
+            </a:prstGeom>
+            <a:noFill/>
+          </p:spPr>
+          <p:txBody>
+            <a:bodyPr wrap="none" lIns="0" tIns="0" rIns="0" bIns="0" anchor="ctr" anchorCtr="1"/>
+            <a:lstStyle/>
+            <a:p>
+              <a:pPr marL="0" marR="0" indent="0" algn="l">
+                <a:lnSpc>
+                  <a:spcPts val="1100"/>
+                </a:lnSpc>
+                <a:spcBef>
+                  <a:spcPts val="0"/>
+                </a:spcBef>
+                <a:spcAft>
+                  <a:spcPts val="0"/>
+                </a:spcAft>
+              </a:pPr>
+              <a:r>
+                <a:rPr sz="1100" dirty="0">
+                  <a:solidFill>
+                    <a:srgbClr val="000000">
+                      <a:alpha val="100000"/>
+                    </a:srgbClr>
+                  </a:solidFill>
+                  <a:latin typeface="Arial"/>
+                  <a:cs typeface="Arial"/>
+                </a:rPr>
+                <a:t>cited across</a:t>
+              </a:r>
+            </a:p>
+          </p:txBody>
+        </p:sp>
+        <p:sp>
+          <p:nvSpPr>
+            <p:cNvPr id="6" name="tx6"/>
+            <p:cNvSpPr/>
+            <p:nvPr/>
+          </p:nvSpPr>
+          <p:spPr>
+            <a:xfrm>
+              <a:off x="3267075" y="1822564"/>
+              <a:ext cx="877490" cy="131105"/>
+            </a:xfrm>
+            <a:prstGeom prst="rect">
+              <a:avLst/>
+            </a:prstGeom>
+            <a:noFill/>
+          </p:spPr>
+          <p:txBody>
+            <a:bodyPr wrap="none" lIns="0" tIns="0" rIns="0" bIns="0" anchor="ctr" anchorCtr="1"/>
+            <a:lstStyle/>
+            <a:p>
+              <a:pPr marL="0" marR="0" indent="0" algn="l">
+                <a:lnSpc>
+                  <a:spcPts val="1100"/>
+                </a:lnSpc>
+                <a:spcBef>
+                  <a:spcPts val="0"/>
+                </a:spcBef>
+                <a:spcAft>
+                  <a:spcPts val="0"/>
+                </a:spcAft>
+              </a:pPr>
+              <a:r>
+                <a:rPr sz="1100">
+                  <a:solidFill>
+                    <a:srgbClr val="000000">
+                      <a:alpha val="100000"/>
+                    </a:srgbClr>
+                  </a:solidFill>
+                  <a:latin typeface="Arial"/>
+                  <a:cs typeface="Arial"/>
+                </a:rPr>
+                <a:t>guidelines (n):</a:t>
+              </a:r>
+            </a:p>
+          </p:txBody>
+        </p:sp>
+        <p:sp>
+          <p:nvSpPr>
+            <p:cNvPr id="7" name="pt7"/>
+            <p:cNvSpPr/>
+            <p:nvPr/>
+          </p:nvSpPr>
+          <p:spPr>
+            <a:xfrm>
+              <a:off x="3304549" y="2082171"/>
+              <a:ext cx="144506" cy="144506"/>
+            </a:xfrm>
+            <a:prstGeom prst="ellipse">
+              <a:avLst/>
+            </a:prstGeom>
+            <a:solidFill>
+              <a:srgbClr val="3288BD">
+                <a:alpha val="100000"/>
+              </a:srgbClr>
+            </a:solidFill>
+            <a:ln w="9000" cap="rnd">
+              <a:solidFill>
+                <a:srgbClr val="3288BD">
+                  <a:alpha val="100000"/>
+                </a:srgbClr>
+              </a:solidFill>
+              <a:prstDash val="solid"/>
+              <a:round/>
+            </a:ln>
+          </p:spPr>
+          <p:txBody>
+            <a:bodyPr/>
+            <a:lstStyle/>
+            <a:p>
+              <a:endParaRPr/>
+            </a:p>
+          </p:txBody>
+        </p:sp>
+        <p:sp>
+          <p:nvSpPr>
+            <p:cNvPr id="8" name="pt8"/>
+            <p:cNvSpPr/>
+            <p:nvPr/>
+          </p:nvSpPr>
+          <p:spPr>
+            <a:xfrm>
+              <a:off x="3304549" y="2301627"/>
+              <a:ext cx="144506" cy="144506"/>
+            </a:xfrm>
+            <a:prstGeom prst="ellipse">
+              <a:avLst/>
+            </a:prstGeom>
+            <a:solidFill>
+              <a:srgbClr val="66C2A5">
+                <a:alpha val="100000"/>
+              </a:srgbClr>
+            </a:solidFill>
+            <a:ln w="9000" cap="rnd">
+              <a:solidFill>
+                <a:srgbClr val="66C2A5">
+                  <a:alpha val="100000"/>
+                </a:srgbClr>
+              </a:solidFill>
+              <a:prstDash val="solid"/>
+              <a:round/>
+            </a:ln>
+          </p:spPr>
+          <p:txBody>
+            <a:bodyPr/>
+            <a:lstStyle/>
+            <a:p>
+              <a:endParaRPr/>
+            </a:p>
+          </p:txBody>
+        </p:sp>
+        <p:sp>
+          <p:nvSpPr>
+            <p:cNvPr id="9" name="pt9"/>
+            <p:cNvSpPr/>
+            <p:nvPr/>
+          </p:nvSpPr>
+          <p:spPr>
+            <a:xfrm>
+              <a:off x="3304549" y="2521083"/>
+              <a:ext cx="144506" cy="144506"/>
+            </a:xfrm>
+            <a:prstGeom prst="ellipse">
+              <a:avLst/>
+            </a:prstGeom>
+            <a:solidFill>
+              <a:srgbClr val="ABDDA4">
+                <a:alpha val="100000"/>
+              </a:srgbClr>
+            </a:solidFill>
+            <a:ln w="9000" cap="rnd">
+              <a:solidFill>
+                <a:srgbClr val="ABDDA4">
+                  <a:alpha val="100000"/>
+                </a:srgbClr>
+              </a:solidFill>
+              <a:prstDash val="solid"/>
+              <a:round/>
+            </a:ln>
+          </p:spPr>
+          <p:txBody>
+            <a:bodyPr/>
+            <a:lstStyle/>
+            <a:p>
+              <a:endParaRPr/>
+            </a:p>
+          </p:txBody>
+        </p:sp>
+        <p:sp>
+          <p:nvSpPr>
+            <p:cNvPr id="10" name="pt10"/>
+            <p:cNvSpPr/>
+            <p:nvPr/>
+          </p:nvSpPr>
+          <p:spPr>
+            <a:xfrm>
+              <a:off x="3304549" y="2740539"/>
+              <a:ext cx="144506" cy="144506"/>
+            </a:xfrm>
+            <a:prstGeom prst="ellipse">
+              <a:avLst/>
+            </a:prstGeom>
+            <a:solidFill>
+              <a:srgbClr val="E6F598">
+                <a:alpha val="100000"/>
+              </a:srgbClr>
+            </a:solidFill>
+            <a:ln w="9000" cap="rnd">
+              <a:solidFill>
+                <a:srgbClr val="E6F598">
+                  <a:alpha val="100000"/>
+                </a:srgbClr>
+              </a:solidFill>
+              <a:prstDash val="solid"/>
+              <a:round/>
+            </a:ln>
+          </p:spPr>
+          <p:txBody>
+            <a:bodyPr/>
+            <a:lstStyle/>
+            <a:p>
+              <a:endParaRPr/>
+            </a:p>
+          </p:txBody>
+        </p:sp>
+        <p:sp>
+          <p:nvSpPr>
+            <p:cNvPr id="11" name="pt11"/>
+            <p:cNvSpPr/>
+            <p:nvPr/>
+          </p:nvSpPr>
+          <p:spPr>
+            <a:xfrm>
+              <a:off x="3304549" y="2959995"/>
+              <a:ext cx="144506" cy="144506"/>
+            </a:xfrm>
+            <a:prstGeom prst="ellipse">
+              <a:avLst/>
+            </a:prstGeom>
+            <a:solidFill>
+              <a:srgbClr val="FEE08B">
+                <a:alpha val="100000"/>
+              </a:srgbClr>
+            </a:solidFill>
+            <a:ln w="9000" cap="rnd">
+              <a:solidFill>
+                <a:srgbClr val="FEE08B">
+                  <a:alpha val="100000"/>
+                </a:srgbClr>
+              </a:solidFill>
+              <a:prstDash val="solid"/>
+              <a:round/>
+            </a:ln>
+          </p:spPr>
+          <p:txBody>
+            <a:bodyPr/>
+            <a:lstStyle/>
+            <a:p>
+              <a:endParaRPr/>
+            </a:p>
+          </p:txBody>
+        </p:sp>
+        <p:sp>
+          <p:nvSpPr>
+            <p:cNvPr id="12" name="pt12"/>
+            <p:cNvSpPr/>
+            <p:nvPr/>
+          </p:nvSpPr>
+          <p:spPr>
+            <a:xfrm>
+              <a:off x="3304549" y="3179451"/>
+              <a:ext cx="144506" cy="144506"/>
+            </a:xfrm>
+            <a:prstGeom prst="ellipse">
+              <a:avLst/>
+            </a:prstGeom>
+            <a:solidFill>
+              <a:srgbClr val="FDAE61">
+                <a:alpha val="100000"/>
+              </a:srgbClr>
+            </a:solidFill>
+            <a:ln w="9000" cap="rnd">
+              <a:solidFill>
+                <a:srgbClr val="FDAE61">
+                  <a:alpha val="100000"/>
+                </a:srgbClr>
+              </a:solidFill>
+              <a:prstDash val="solid"/>
+              <a:round/>
+            </a:ln>
+          </p:spPr>
+          <p:txBody>
+            <a:bodyPr/>
+            <a:lstStyle/>
+            <a:p>
+              <a:endParaRPr/>
+            </a:p>
+          </p:txBody>
+        </p:sp>
+        <p:sp>
+          <p:nvSpPr>
+            <p:cNvPr id="13" name="pt13"/>
+            <p:cNvSpPr/>
+            <p:nvPr/>
+          </p:nvSpPr>
+          <p:spPr>
+            <a:xfrm>
+              <a:off x="3304549" y="3398907"/>
+              <a:ext cx="144506" cy="144506"/>
+            </a:xfrm>
+            <a:prstGeom prst="ellipse">
+              <a:avLst/>
+            </a:prstGeom>
+            <a:solidFill>
+              <a:srgbClr val="F46D43">
+                <a:alpha val="100000"/>
+              </a:srgbClr>
+            </a:solidFill>
+            <a:ln w="9000" cap="rnd">
+              <a:solidFill>
+                <a:srgbClr val="F46D43">
+                  <a:alpha val="100000"/>
+                </a:srgbClr>
+              </a:solidFill>
+              <a:prstDash val="solid"/>
+              <a:round/>
+            </a:ln>
+          </p:spPr>
+          <p:txBody>
+            <a:bodyPr/>
+            <a:lstStyle/>
+            <a:p>
+              <a:endParaRPr/>
+            </a:p>
+          </p:txBody>
+        </p:sp>
+        <p:sp>
+          <p:nvSpPr>
+            <p:cNvPr id="14" name="pt14"/>
+            <p:cNvSpPr/>
+            <p:nvPr/>
+          </p:nvSpPr>
+          <p:spPr>
+            <a:xfrm>
+              <a:off x="3304549" y="3618363"/>
+              <a:ext cx="144506" cy="144506"/>
+            </a:xfrm>
+            <a:prstGeom prst="ellipse">
+              <a:avLst/>
+            </a:prstGeom>
+            <a:solidFill>
+              <a:srgbClr val="D53E4F">
+                <a:alpha val="100000"/>
+              </a:srgbClr>
+            </a:solidFill>
+            <a:ln w="9000" cap="rnd">
+              <a:solidFill>
+                <a:srgbClr val="D53E4F">
+                  <a:alpha val="100000"/>
+                </a:srgbClr>
+              </a:solidFill>
+              <a:prstDash val="solid"/>
+              <a:round/>
+            </a:ln>
+          </p:spPr>
+          <p:txBody>
+            <a:bodyPr/>
+            <a:lstStyle/>
+            <a:p>
+              <a:endParaRPr/>
+            </a:p>
+          </p:txBody>
+        </p:sp>
+        <p:sp>
+          <p:nvSpPr>
+            <p:cNvPr id="15" name="tx15"/>
+            <p:cNvSpPr/>
+            <p:nvPr/>
+          </p:nvSpPr>
+          <p:spPr>
+            <a:xfrm>
+              <a:off x="3556120" y="2089540"/>
+              <a:ext cx="416262" cy="104884"/>
+            </a:xfrm>
+            <a:prstGeom prst="rect">
+              <a:avLst/>
+            </a:prstGeom>
+            <a:noFill/>
+          </p:spPr>
+          <p:txBody>
+            <a:bodyPr wrap="none" lIns="0" tIns="0" rIns="0" bIns="0" anchor="ctr" anchorCtr="1"/>
+            <a:lstStyle/>
+            <a:p>
+              <a:pPr marL="0" marR="0" indent="0" algn="l">
+                <a:lnSpc>
+                  <a:spcPts val="880"/>
+                </a:lnSpc>
+                <a:spcBef>
+                  <a:spcPts val="0"/>
+                </a:spcBef>
+                <a:spcAft>
+                  <a:spcPts val="0"/>
+                </a:spcAft>
+              </a:pPr>
+              <a:r>
+                <a:rPr sz="880">
+                  <a:solidFill>
+                    <a:srgbClr val="000000">
+                      <a:alpha val="100000"/>
+                    </a:srgbClr>
+                  </a:solidFill>
+                  <a:latin typeface="Arial"/>
+                  <a:cs typeface="Arial"/>
+                </a:rPr>
+                <a:t>1 (2009)</a:t>
+              </a:r>
+            </a:p>
+          </p:txBody>
+        </p:sp>
+        <p:sp>
+          <p:nvSpPr>
+            <p:cNvPr id="16" name="tx16"/>
+            <p:cNvSpPr/>
+            <p:nvPr/>
+          </p:nvSpPr>
+          <p:spPr>
+            <a:xfrm>
+              <a:off x="3556120" y="2308996"/>
+              <a:ext cx="354106" cy="104884"/>
+            </a:xfrm>
+            <a:prstGeom prst="rect">
+              <a:avLst/>
+            </a:prstGeom>
+            <a:noFill/>
+          </p:spPr>
+          <p:txBody>
+            <a:bodyPr wrap="none" lIns="0" tIns="0" rIns="0" bIns="0" anchor="ctr" anchorCtr="1"/>
+            <a:lstStyle/>
+            <a:p>
+              <a:pPr marL="0" marR="0" indent="0" algn="l">
+                <a:lnSpc>
+                  <a:spcPts val="880"/>
+                </a:lnSpc>
+                <a:spcBef>
+                  <a:spcPts val="0"/>
+                </a:spcBef>
+                <a:spcAft>
+                  <a:spcPts val="0"/>
+                </a:spcAft>
+              </a:pPr>
+              <a:r>
+                <a:rPr sz="880">
+                  <a:solidFill>
+                    <a:srgbClr val="000000">
+                      <a:alpha val="100000"/>
+                    </a:srgbClr>
+                  </a:solidFill>
+                  <a:latin typeface="Arial"/>
+                  <a:cs typeface="Arial"/>
+                </a:rPr>
+                <a:t>2 (204)</a:t>
+              </a:r>
+            </a:p>
+          </p:txBody>
+        </p:sp>
+        <p:sp>
+          <p:nvSpPr>
+            <p:cNvPr id="17" name="tx17"/>
+            <p:cNvSpPr/>
+            <p:nvPr/>
+          </p:nvSpPr>
+          <p:spPr>
+            <a:xfrm>
+              <a:off x="3556120" y="2528452"/>
+              <a:ext cx="291951" cy="104884"/>
+            </a:xfrm>
+            <a:prstGeom prst="rect">
+              <a:avLst/>
+            </a:prstGeom>
+            <a:noFill/>
+          </p:spPr>
+          <p:txBody>
+            <a:bodyPr wrap="none" lIns="0" tIns="0" rIns="0" bIns="0" anchor="ctr" anchorCtr="1"/>
+            <a:lstStyle/>
+            <a:p>
+              <a:pPr marL="0" marR="0" indent="0" algn="l">
+                <a:lnSpc>
+                  <a:spcPts val="880"/>
+                </a:lnSpc>
+                <a:spcBef>
+                  <a:spcPts val="0"/>
+                </a:spcBef>
+                <a:spcAft>
+                  <a:spcPts val="0"/>
+                </a:spcAft>
+              </a:pPr>
+              <a:r>
+                <a:rPr sz="880">
+                  <a:solidFill>
+                    <a:srgbClr val="000000">
+                      <a:alpha val="100000"/>
+                    </a:srgbClr>
+                  </a:solidFill>
+                  <a:latin typeface="Arial"/>
+                  <a:cs typeface="Arial"/>
+                </a:rPr>
+                <a:t>3 (49)</a:t>
+              </a:r>
+            </a:p>
+          </p:txBody>
+        </p:sp>
+        <p:sp>
+          <p:nvSpPr>
+            <p:cNvPr id="18" name="tx18"/>
+            <p:cNvSpPr/>
+            <p:nvPr/>
+          </p:nvSpPr>
+          <p:spPr>
+            <a:xfrm>
+              <a:off x="3556120" y="2747908"/>
+              <a:ext cx="291951" cy="104884"/>
+            </a:xfrm>
+            <a:prstGeom prst="rect">
+              <a:avLst/>
+            </a:prstGeom>
+            <a:noFill/>
+          </p:spPr>
+          <p:txBody>
+            <a:bodyPr wrap="none" lIns="0" tIns="0" rIns="0" bIns="0" anchor="ctr" anchorCtr="1"/>
+            <a:lstStyle/>
+            <a:p>
+              <a:pPr marL="0" marR="0" indent="0" algn="l">
+                <a:lnSpc>
+                  <a:spcPts val="880"/>
+                </a:lnSpc>
+                <a:spcBef>
+                  <a:spcPts val="0"/>
+                </a:spcBef>
+                <a:spcAft>
+                  <a:spcPts val="0"/>
+                </a:spcAft>
+              </a:pPr>
+              <a:r>
+                <a:rPr sz="880">
+                  <a:solidFill>
+                    <a:srgbClr val="000000">
+                      <a:alpha val="100000"/>
+                    </a:srgbClr>
+                  </a:solidFill>
+                  <a:latin typeface="Arial"/>
+                  <a:cs typeface="Arial"/>
+                </a:rPr>
+                <a:t>4 (33)</a:t>
+              </a:r>
+            </a:p>
+          </p:txBody>
+        </p:sp>
+        <p:sp>
+          <p:nvSpPr>
+            <p:cNvPr id="19" name="tx19"/>
+            <p:cNvSpPr/>
+            <p:nvPr/>
+          </p:nvSpPr>
+          <p:spPr>
+            <a:xfrm>
+              <a:off x="3556120" y="2967364"/>
+              <a:ext cx="229795" cy="104884"/>
+            </a:xfrm>
+            <a:prstGeom prst="rect">
+              <a:avLst/>
+            </a:prstGeom>
+            <a:noFill/>
+          </p:spPr>
+          <p:txBody>
+            <a:bodyPr wrap="none" lIns="0" tIns="0" rIns="0" bIns="0" anchor="ctr" anchorCtr="1"/>
+            <a:lstStyle/>
+            <a:p>
+              <a:pPr marL="0" marR="0" indent="0" algn="l">
+                <a:lnSpc>
+                  <a:spcPts val="880"/>
+                </a:lnSpc>
+                <a:spcBef>
+                  <a:spcPts val="0"/>
+                </a:spcBef>
+                <a:spcAft>
+                  <a:spcPts val="0"/>
+                </a:spcAft>
+              </a:pPr>
+              <a:r>
+                <a:rPr sz="880">
+                  <a:solidFill>
+                    <a:srgbClr val="000000">
+                      <a:alpha val="100000"/>
+                    </a:srgbClr>
+                  </a:solidFill>
+                  <a:latin typeface="Arial"/>
+                  <a:cs typeface="Arial"/>
+                </a:rPr>
+                <a:t>5 (9)</a:t>
+              </a:r>
+            </a:p>
+          </p:txBody>
+        </p:sp>
+        <p:sp>
+          <p:nvSpPr>
+            <p:cNvPr id="20" name="tx20"/>
+            <p:cNvSpPr/>
+            <p:nvPr/>
+          </p:nvSpPr>
+          <p:spPr>
+            <a:xfrm>
+              <a:off x="3556120" y="3186820"/>
+              <a:ext cx="229795" cy="104884"/>
+            </a:xfrm>
+            <a:prstGeom prst="rect">
+              <a:avLst/>
+            </a:prstGeom>
+            <a:noFill/>
+          </p:spPr>
+          <p:txBody>
+            <a:bodyPr wrap="none" lIns="0" tIns="0" rIns="0" bIns="0" anchor="ctr" anchorCtr="1"/>
+            <a:lstStyle/>
+            <a:p>
+              <a:pPr marL="0" marR="0" indent="0" algn="l">
+                <a:lnSpc>
+                  <a:spcPts val="880"/>
+                </a:lnSpc>
+                <a:spcBef>
+                  <a:spcPts val="0"/>
+                </a:spcBef>
+                <a:spcAft>
+                  <a:spcPts val="0"/>
+                </a:spcAft>
+              </a:pPr>
+              <a:r>
+                <a:rPr sz="880">
+                  <a:solidFill>
+                    <a:srgbClr val="000000">
+                      <a:alpha val="100000"/>
+                    </a:srgbClr>
+                  </a:solidFill>
+                  <a:latin typeface="Arial"/>
+                  <a:cs typeface="Arial"/>
+                </a:rPr>
+                <a:t>6 (6)</a:t>
+              </a:r>
+            </a:p>
+          </p:txBody>
+        </p:sp>
+        <p:sp>
+          <p:nvSpPr>
+            <p:cNvPr id="21" name="tx21"/>
+            <p:cNvSpPr/>
+            <p:nvPr/>
+          </p:nvSpPr>
+          <p:spPr>
+            <a:xfrm>
+              <a:off x="3556120" y="3406276"/>
+              <a:ext cx="229795" cy="104884"/>
+            </a:xfrm>
+            <a:prstGeom prst="rect">
+              <a:avLst/>
+            </a:prstGeom>
+            <a:noFill/>
+          </p:spPr>
+          <p:txBody>
+            <a:bodyPr wrap="none" lIns="0" tIns="0" rIns="0" bIns="0" anchor="ctr" anchorCtr="1"/>
+            <a:lstStyle/>
+            <a:p>
+              <a:pPr marL="0" marR="0" indent="0" algn="l">
+                <a:lnSpc>
+                  <a:spcPts val="880"/>
+                </a:lnSpc>
+                <a:spcBef>
+                  <a:spcPts val="0"/>
+                </a:spcBef>
+                <a:spcAft>
+                  <a:spcPts val="0"/>
+                </a:spcAft>
+              </a:pPr>
+              <a:r>
+                <a:rPr sz="880">
+                  <a:solidFill>
+                    <a:srgbClr val="000000">
+                      <a:alpha val="100000"/>
+                    </a:srgbClr>
+                  </a:solidFill>
+                  <a:latin typeface="Arial"/>
+                  <a:cs typeface="Arial"/>
+                </a:rPr>
+                <a:t>7 (2)</a:t>
+              </a:r>
+            </a:p>
+          </p:txBody>
+        </p:sp>
+        <p:sp>
+          <p:nvSpPr>
+            <p:cNvPr id="22" name="tx22"/>
+            <p:cNvSpPr/>
+            <p:nvPr/>
+          </p:nvSpPr>
+          <p:spPr>
+            <a:xfrm>
+              <a:off x="3556120" y="3625732"/>
+              <a:ext cx="229795" cy="104884"/>
+            </a:xfrm>
+            <a:prstGeom prst="rect">
+              <a:avLst/>
+            </a:prstGeom>
+            <a:noFill/>
+          </p:spPr>
+          <p:txBody>
+            <a:bodyPr wrap="none" lIns="0" tIns="0" rIns="0" bIns="0" anchor="ctr" anchorCtr="1"/>
+            <a:lstStyle/>
+            <a:p>
+              <a:pPr marL="0" marR="0" indent="0" algn="l">
+                <a:lnSpc>
+                  <a:spcPts val="880"/>
+                </a:lnSpc>
+                <a:spcBef>
+                  <a:spcPts val="0"/>
+                </a:spcBef>
+                <a:spcAft>
+                  <a:spcPts val="0"/>
+                </a:spcAft>
+              </a:pPr>
+              <a:r>
+                <a:rPr sz="880">
+                  <a:solidFill>
+                    <a:srgbClr val="000000">
+                      <a:alpha val="100000"/>
+                    </a:srgbClr>
+                  </a:solidFill>
+                  <a:latin typeface="Arial"/>
+                  <a:cs typeface="Arial"/>
+                </a:rPr>
+                <a:t>8 (1)</a:t>
+              </a:r>
+            </a:p>
+          </p:txBody>
+        </p:sp>
+      </p:grpSp>
+      <p:sp>
+        <p:nvSpPr>
+          <p:cNvPr id="3" name="TextBox 2">
+            <a:extLst>
+              <a:ext uri="{FF2B5EF4-FFF2-40B4-BE49-F238E27FC236}">
+                <a16:creationId xmlns:a16="http://schemas.microsoft.com/office/drawing/2014/main" id="{2F2B968F-81AA-4E23-AFCA-11409ABFD072}"/>
+              </a:ext>
+            </a:extLst>
+          </p:cNvPr>
+          <p:cNvSpPr txBox="1"/>
+          <p:nvPr/>
+        </p:nvSpPr>
+        <p:spPr>
+          <a:xfrm>
+            <a:off x="1647825" y="684212"/>
+            <a:ext cx="1198742" cy="261610"/>
+          </a:xfrm>
+          <a:prstGeom prst="rect">
+            <a:avLst/>
+          </a:prstGeom>
+          <a:noFill/>
+        </p:spPr>
+        <p:txBody>
+          <a:bodyPr wrap="square" rtlCol="0">
+            <a:spAutoFit/>
+          </a:bodyPr>
+          <a:lstStyle/>
+          <a:p>
+            <a:r>
+              <a:rPr lang="en-GB" dirty="0"/>
+              <a:t>Total 2313</a:t>
+            </a:r>
+          </a:p>
+        </p:txBody>
+      </p:sp>
+    </p:spTree>
+  </p:cSld>
+  <p:clrMapOvr>
+    <a:masterClrMapping/>
+  </p:clrMapOvr>
+</p:sld>
+</file>
+
+<file path=ppt/slides/slide3.xml><?xml version="1.0" encoding="utf-8"?>
+<p:sld xmlns:a="http://schemas.openxmlformats.org/drawingml/2006/main" xmlns:r="http://schemas.openxmlformats.org/officeDocument/2006/relationships" xmlns:p="http://schemas.openxmlformats.org/presentationml/2006/main">
+  <p:cSld>
+    <p:spTree>
+      <p:nvGrpSpPr>
+        <p:cNvPr id="1" name=""/>
+        <p:cNvGrpSpPr/>
+        <p:nvPr/>
+      </p:nvGrpSpPr>
+      <p:grpSpPr>
+        <a:xfrm>
+          <a:off x="0" y="0"/>
+          <a:ext cx="0" cy="0"/>
+          <a:chOff x="0" y="0"/>
+          <a:chExt cx="0" cy="0"/>
+        </a:xfrm>
+      </p:grpSpPr>
+      <p:grpSp>
+        <p:nvGrpSpPr>
+          <p:cNvPr id="2" name="Group 1"/>
+          <p:cNvGrpSpPr/>
+          <p:nvPr/>
+        </p:nvGrpSpPr>
+        <p:grpSpPr>
+          <a:xfrm>
+            <a:off x="1190625" y="1112838"/>
+            <a:ext cx="5181600" cy="3105150"/>
+            <a:chOff x="1190625" y="1112838"/>
+            <a:chExt cx="5181600" cy="3105150"/>
+          </a:xfrm>
+        </p:grpSpPr>
+        <p:sp>
+          <p:nvSpPr>
             <p:cNvPr id="3" name="rc3"/>
             <p:cNvSpPr/>
             <p:nvPr/>
           </p:nvSpPr>
           <p:spPr>
             <a:xfrm>
-              <a:off x="1471612" y="1374775"/>
-              <a:ext cx="4619625" cy="2581274"/>
+              <a:off x="1190625" y="1112837"/>
+              <a:ext cx="5181599" cy="3105150"/>
             </a:xfrm>
             <a:prstGeom prst="rect">
               <a:avLst/>
@@ -4008,7 +4923,9 @@
           <p:txBody>
             <a:bodyPr/>
             <a:lstStyle/>
-            <a:p/>
+            <a:p>
+              <a:endParaRPr/>
+            </a:p>
           </p:txBody>
         </p:sp>
         <p:sp>
@@ -4028,10 +4945,10 @@
             <a:noFill/>
           </p:spPr>
           <p:txBody>
-            <a:bodyPr lIns="0" rIns="0" tIns="0" bIns="0" anchorCtr="1" anchor="ctr" wrap="none"/>
-            <a:lstStyle/>
-            <a:p>
-              <a:pPr algn="l" marL="0" marR="0" indent="0">
+            <a:bodyPr wrap="none" lIns="0" tIns="0" rIns="0" bIns="0" anchor="ctr" anchorCtr="1"/>
+            <a:lstStyle/>
+            <a:p>
+              <a:pPr marL="0" marR="0" indent="0" algn="l">
                 <a:lnSpc>
                   <a:spcPts val="1100"/>
                 </a:lnSpc>
@@ -4074,10 +4991,10 @@
             <a:noFill/>
           </p:spPr>
           <p:txBody>
-            <a:bodyPr lIns="0" rIns="0" tIns="0" bIns="0" anchorCtr="1" anchor="ctr" wrap="none"/>
-            <a:lstStyle/>
-            <a:p>
-              <a:pPr algn="l" marL="0" marR="0" indent="0">
+            <a:bodyPr wrap="none" lIns="0" tIns="0" rIns="0" bIns="0" anchor="ctr" anchorCtr="1"/>
+            <a:lstStyle/>
+            <a:p>
+              <a:pPr marL="0" marR="0" indent="0" algn="l">
                 <a:lnSpc>
                   <a:spcPts val="1100"/>
                 </a:lnSpc>
@@ -4120,10 +5037,10 @@
             <a:noFill/>
           </p:spPr>
           <p:txBody>
-            <a:bodyPr lIns="0" rIns="0" tIns="0" bIns="0" anchorCtr="1" anchor="ctr" wrap="none"/>
-            <a:lstStyle/>
-            <a:p>
-              <a:pPr algn="l" marL="0" marR="0" indent="0">
+            <a:bodyPr wrap="none" lIns="0" tIns="0" rIns="0" bIns="0" anchor="ctr" anchorCtr="1"/>
+            <a:lstStyle/>
+            <a:p>
+              <a:pPr marL="0" marR="0" indent="0" algn="l">
                 <a:lnSpc>
                   <a:spcPts val="1100"/>
                 </a:lnSpc>
@@ -4181,7 +5098,9 @@
           <p:txBody>
             <a:bodyPr/>
             <a:lstStyle/>
-            <a:p/>
+            <a:p>
+              <a:endParaRPr/>
+            </a:p>
           </p:txBody>
         </p:sp>
         <p:sp>
@@ -4216,7 +5135,9 @@
           <p:txBody>
             <a:bodyPr/>
             <a:lstStyle/>
-            <a:p/>
+            <a:p>
+              <a:endParaRPr/>
+            </a:p>
           </p:txBody>
         </p:sp>
         <p:sp>
@@ -4251,7 +5172,9 @@
           <p:txBody>
             <a:bodyPr/>
             <a:lstStyle/>
-            <a:p/>
+            <a:p>
+              <a:endParaRPr/>
+            </a:p>
           </p:txBody>
         </p:sp>
         <p:sp>
@@ -4286,7 +5209,9 @@
           <p:txBody>
             <a:bodyPr/>
             <a:lstStyle/>
-            <a:p/>
+            <a:p>
+              <a:endParaRPr/>
+            </a:p>
           </p:txBody>
         </p:sp>
         <p:sp>
@@ -4321,7 +5246,9 @@
           <p:txBody>
             <a:bodyPr/>
             <a:lstStyle/>
-            <a:p/>
+            <a:p>
+              <a:endParaRPr/>
+            </a:p>
           </p:txBody>
         </p:sp>
         <p:sp>
@@ -4356,7 +5283,9 @@
           <p:txBody>
             <a:bodyPr/>
             <a:lstStyle/>
-            <a:p/>
+            <a:p>
+              <a:endParaRPr/>
+            </a:p>
           </p:txBody>
         </p:sp>
         <p:sp>
@@ -4391,7 +5320,9 @@
           <p:txBody>
             <a:bodyPr/>
             <a:lstStyle/>
-            <a:p/>
+            <a:p>
+              <a:endParaRPr/>
+            </a:p>
           </p:txBody>
         </p:sp>
         <p:sp>
@@ -4426,7 +5357,9 @@
           <p:txBody>
             <a:bodyPr/>
             <a:lstStyle/>
-            <a:p/>
+            <a:p>
+              <a:endParaRPr/>
+            </a:p>
           </p:txBody>
         </p:sp>
         <p:sp>
@@ -4446,10 +5379,10 @@
             <a:noFill/>
           </p:spPr>
           <p:txBody>
-            <a:bodyPr lIns="0" rIns="0" tIns="0" bIns="0" anchorCtr="1" anchor="ctr" wrap="none"/>
-            <a:lstStyle/>
-            <a:p>
-              <a:pPr algn="l" marL="0" marR="0" indent="0">
+            <a:bodyPr wrap="none" lIns="0" tIns="0" rIns="0" bIns="0" anchor="ctr" anchorCtr="1"/>
+            <a:lstStyle/>
+            <a:p>
+              <a:pPr marL="0" marR="0" indent="0" algn="l">
                 <a:lnSpc>
                   <a:spcPts val="880"/>
                 </a:lnSpc>
@@ -4470,7 +5403,7 @@
                   <a:latin typeface="Arial"/>
                   <a:cs typeface="Arial"/>
                 </a:rPr>
-                <a:t>1 (2009)</a:t>
+                <a:t>1 (2001)</a:t>
               </a:r>
             </a:p>
           </p:txBody>
@@ -4492,10 +5425,10 @@
             <a:noFill/>
           </p:spPr>
           <p:txBody>
-            <a:bodyPr lIns="0" rIns="0" tIns="0" bIns="0" anchorCtr="1" anchor="ctr" wrap="none"/>
-            <a:lstStyle/>
-            <a:p>
-              <a:pPr algn="l" marL="0" marR="0" indent="0">
+            <a:bodyPr wrap="none" lIns="0" tIns="0" rIns="0" bIns="0" anchor="ctr" anchorCtr="1"/>
+            <a:lstStyle/>
+            <a:p>
+              <a:pPr marL="0" marR="0" indent="0" algn="l">
                 <a:lnSpc>
                   <a:spcPts val="880"/>
                 </a:lnSpc>
@@ -4516,7 +5449,7 @@
                   <a:latin typeface="Arial"/>
                   <a:cs typeface="Arial"/>
                 </a:rPr>
-                <a:t>2 (204)</a:t>
+                <a:t>2 (206)</a:t>
               </a:r>
             </a:p>
           </p:txBody>
@@ -4538,10 +5471,10 @@
             <a:noFill/>
           </p:spPr>
           <p:txBody>
-            <a:bodyPr lIns="0" rIns="0" tIns="0" bIns="0" anchorCtr="1" anchor="ctr" wrap="none"/>
-            <a:lstStyle/>
-            <a:p>
-              <a:pPr algn="l" marL="0" marR="0" indent="0">
+            <a:bodyPr wrap="none" lIns="0" tIns="0" rIns="0" bIns="0" anchor="ctr" anchorCtr="1"/>
+            <a:lstStyle/>
+            <a:p>
+              <a:pPr marL="0" marR="0" indent="0" algn="l">
                 <a:lnSpc>
                   <a:spcPts val="880"/>
                 </a:lnSpc>
@@ -4562,7 +5495,7 @@
                   <a:latin typeface="Arial"/>
                   <a:cs typeface="Arial"/>
                 </a:rPr>
-                <a:t>3 (49)</a:t>
+                <a:t>3 (50)</a:t>
               </a:r>
             </a:p>
           </p:txBody>
@@ -4584,10 +5517,10 @@
             <a:noFill/>
           </p:spPr>
           <p:txBody>
-            <a:bodyPr lIns="0" rIns="0" tIns="0" bIns="0" anchorCtr="1" anchor="ctr" wrap="none"/>
-            <a:lstStyle/>
-            <a:p>
-              <a:pPr algn="l" marL="0" marR="0" indent="0">
+            <a:bodyPr wrap="none" lIns="0" tIns="0" rIns="0" bIns="0" anchor="ctr" anchorCtr="1"/>
+            <a:lstStyle/>
+            <a:p>
+              <a:pPr marL="0" marR="0" indent="0" algn="l">
                 <a:lnSpc>
                   <a:spcPts val="880"/>
                 </a:lnSpc>
@@ -4608,7 +5541,7 @@
                   <a:latin typeface="Arial"/>
                   <a:cs typeface="Arial"/>
                 </a:rPr>
-                <a:t>4 (33)</a:t>
+                <a:t>4 (31)</a:t>
               </a:r>
             </a:p>
           </p:txBody>
@@ -4622,7 +5555,7 @@
           <p:spPr>
             <a:xfrm>
               <a:off x="3556120" y="2967364"/>
-              <a:ext cx="229795" cy="104884"/>
+              <a:ext cx="291951" cy="104884"/>
             </a:xfrm>
             <a:prstGeom prst="rect">
               <a:avLst/>
@@ -4630,10 +5563,10 @@
             <a:noFill/>
           </p:spPr>
           <p:txBody>
-            <a:bodyPr lIns="0" rIns="0" tIns="0" bIns="0" anchorCtr="1" anchor="ctr" wrap="none"/>
-            <a:lstStyle/>
-            <a:p>
-              <a:pPr algn="l" marL="0" marR="0" indent="0">
+            <a:bodyPr wrap="none" lIns="0" tIns="0" rIns="0" bIns="0" anchor="ctr" anchorCtr="1"/>
+            <a:lstStyle/>
+            <a:p>
+              <a:pPr marL="0" marR="0" indent="0" algn="l">
                 <a:lnSpc>
                   <a:spcPts val="880"/>
                 </a:lnSpc>
@@ -4654,7 +5587,2809 @@
                   <a:latin typeface="Arial"/>
                   <a:cs typeface="Arial"/>
                 </a:rPr>
-                <a:t>5 (9)</a:t>
+                <a:t>5 (11)</a:t>
+              </a:r>
+            </a:p>
+          </p:txBody>
+        </p:sp>
+        <p:sp>
+          <p:nvSpPr>
+            <p:cNvPr id="20" name="tx20"/>
+            <p:cNvSpPr/>
+            <p:nvPr/>
+          </p:nvSpPr>
+          <p:spPr>
+            <a:xfrm>
+              <a:off x="3556120" y="3186820"/>
+              <a:ext cx="229795" cy="104884"/>
+            </a:xfrm>
+            <a:prstGeom prst="rect">
+              <a:avLst/>
+            </a:prstGeom>
+            <a:noFill/>
+          </p:spPr>
+          <p:txBody>
+            <a:bodyPr wrap="none" lIns="0" tIns="0" rIns="0" bIns="0" anchor="ctr" anchorCtr="1"/>
+            <a:lstStyle/>
+            <a:p>
+              <a:pPr marL="0" marR="0" indent="0" algn="l">
+                <a:lnSpc>
+                  <a:spcPts val="880"/>
+                </a:lnSpc>
+                <a:spcBef>
+                  <a:spcPts val="0"/>
+                </a:spcBef>
+                <a:spcAft>
+                  <a:spcPts val="0"/>
+                </a:spcAft>
+              </a:pPr>
+              <a:r>
+                <a:rPr sz="880">
+                  <a:solidFill>
+                    <a:srgbClr val="000000">
+                      <a:alpha val="100000"/>
+                    </a:srgbClr>
+                  </a:solidFill>
+                  <a:latin typeface="Arial"/>
+                  <a:cs typeface="Arial"/>
+                </a:rPr>
+                <a:t>6 (6)</a:t>
+              </a:r>
+            </a:p>
+          </p:txBody>
+        </p:sp>
+        <p:sp>
+          <p:nvSpPr>
+            <p:cNvPr id="21" name="tx21"/>
+            <p:cNvSpPr/>
+            <p:nvPr/>
+          </p:nvSpPr>
+          <p:spPr>
+            <a:xfrm>
+              <a:off x="3556120" y="3406276"/>
+              <a:ext cx="229795" cy="104884"/>
+            </a:xfrm>
+            <a:prstGeom prst="rect">
+              <a:avLst/>
+            </a:prstGeom>
+            <a:noFill/>
+          </p:spPr>
+          <p:txBody>
+            <a:bodyPr wrap="none" lIns="0" tIns="0" rIns="0" bIns="0" anchor="ctr" anchorCtr="1"/>
+            <a:lstStyle/>
+            <a:p>
+              <a:pPr marL="0" marR="0" indent="0" algn="l">
+                <a:lnSpc>
+                  <a:spcPts val="880"/>
+                </a:lnSpc>
+                <a:spcBef>
+                  <a:spcPts val="0"/>
+                </a:spcBef>
+                <a:spcAft>
+                  <a:spcPts val="0"/>
+                </a:spcAft>
+              </a:pPr>
+              <a:r>
+                <a:rPr sz="880">
+                  <a:solidFill>
+                    <a:srgbClr val="000000">
+                      <a:alpha val="100000"/>
+                    </a:srgbClr>
+                  </a:solidFill>
+                  <a:latin typeface="Arial"/>
+                  <a:cs typeface="Arial"/>
+                </a:rPr>
+                <a:t>7 (2)</a:t>
+              </a:r>
+            </a:p>
+          </p:txBody>
+        </p:sp>
+        <p:sp>
+          <p:nvSpPr>
+            <p:cNvPr id="22" name="tx22"/>
+            <p:cNvSpPr/>
+            <p:nvPr/>
+          </p:nvSpPr>
+          <p:spPr>
+            <a:xfrm>
+              <a:off x="3556120" y="3625732"/>
+              <a:ext cx="229795" cy="104884"/>
+            </a:xfrm>
+            <a:prstGeom prst="rect">
+              <a:avLst/>
+            </a:prstGeom>
+            <a:noFill/>
+          </p:spPr>
+          <p:txBody>
+            <a:bodyPr wrap="none" lIns="0" tIns="0" rIns="0" bIns="0" anchor="ctr" anchorCtr="1"/>
+            <a:lstStyle/>
+            <a:p>
+              <a:pPr marL="0" marR="0" indent="0" algn="l">
+                <a:lnSpc>
+                  <a:spcPts val="880"/>
+                </a:lnSpc>
+                <a:spcBef>
+                  <a:spcPts val="0"/>
+                </a:spcBef>
+                <a:spcAft>
+                  <a:spcPts val="0"/>
+                </a:spcAft>
+              </a:pPr>
+              <a:r>
+                <a:rPr sz="880">
+                  <a:solidFill>
+                    <a:srgbClr val="000000">
+                      <a:alpha val="100000"/>
+                    </a:srgbClr>
+                  </a:solidFill>
+                  <a:latin typeface="Arial"/>
+                  <a:cs typeface="Arial"/>
+                </a:rPr>
+                <a:t>8 (1)</a:t>
+              </a:r>
+            </a:p>
+          </p:txBody>
+        </p:sp>
+      </p:grpSp>
+    </p:spTree>
+  </p:cSld>
+  <p:clrMapOvr>
+    <a:masterClrMapping/>
+  </p:clrMapOvr>
+</p:sld>
+</file>
+
+<file path=ppt/slides/slide4.xml><?xml version="1.0" encoding="utf-8"?>
+<p:sld xmlns:a="http://schemas.openxmlformats.org/drawingml/2006/main" xmlns:r="http://schemas.openxmlformats.org/officeDocument/2006/relationships" xmlns:p="http://schemas.openxmlformats.org/presentationml/2006/main">
+  <p:cSld>
+    <p:spTree>
+      <p:nvGrpSpPr>
+        <p:cNvPr id="1" name=""/>
+        <p:cNvGrpSpPr/>
+        <p:nvPr/>
+      </p:nvGrpSpPr>
+      <p:grpSpPr>
+        <a:xfrm>
+          <a:off x="0" y="0"/>
+          <a:ext cx="0" cy="0"/>
+          <a:chOff x="0" y="0"/>
+          <a:chExt cx="0" cy="0"/>
+        </a:xfrm>
+      </p:grpSpPr>
+      <p:sp>
+        <p:nvSpPr>
+          <p:cNvPr id="3" name="rc3"/>
+          <p:cNvSpPr/>
+          <p:nvPr/>
+        </p:nvSpPr>
+        <p:spPr>
+          <a:xfrm>
+            <a:off x="1048927" y="676077"/>
+            <a:ext cx="5181599" cy="3105150"/>
+          </a:xfrm>
+          <a:prstGeom prst="rect">
+            <a:avLst/>
+          </a:prstGeom>
+          <a:solidFill>
+            <a:srgbClr val="FFFFFF">
+              <a:alpha val="100000"/>
+            </a:srgbClr>
+          </a:solidFill>
+          <a:ln w="9525" cap="rnd">
+            <a:solidFill>
+              <a:srgbClr val="FFFFFF">
+                <a:alpha val="100000"/>
+              </a:srgbClr>
+            </a:solidFill>
+            <a:prstDash val="solid"/>
+            <a:round/>
+          </a:ln>
+        </p:spPr>
+        <p:txBody>
+          <a:bodyPr/>
+          <a:lstStyle/>
+          <a:p>
+            <a:endParaRPr dirty="0"/>
+          </a:p>
+        </p:txBody>
+      </p:sp>
+      <p:grpSp>
+        <p:nvGrpSpPr>
+          <p:cNvPr id="25" name="Group 24">
+            <a:extLst>
+              <a:ext uri="{FF2B5EF4-FFF2-40B4-BE49-F238E27FC236}">
+                <a16:creationId xmlns:a16="http://schemas.microsoft.com/office/drawing/2014/main" id="{59D45384-DEB1-4F3D-893F-6343DBD6EAC4}"/>
+              </a:ext>
+            </a:extLst>
+          </p:cNvPr>
+          <p:cNvGrpSpPr/>
+          <p:nvPr/>
+        </p:nvGrpSpPr>
+        <p:grpSpPr>
+          <a:xfrm>
+            <a:off x="3343275" y="1650718"/>
+            <a:ext cx="1024762" cy="1743650"/>
+            <a:chOff x="3343275" y="1650718"/>
+            <a:chExt cx="1024762" cy="1743650"/>
+          </a:xfrm>
+        </p:grpSpPr>
+        <p:sp>
+          <p:nvSpPr>
+            <p:cNvPr id="10" name="pt10"/>
+            <p:cNvSpPr/>
+            <p:nvPr/>
+          </p:nvSpPr>
+          <p:spPr>
+            <a:xfrm>
+              <a:off x="3375118" y="3052914"/>
+              <a:ext cx="144506" cy="144506"/>
+            </a:xfrm>
+            <a:prstGeom prst="ellipse">
+              <a:avLst/>
+            </a:prstGeom>
+            <a:solidFill>
+              <a:srgbClr val="E6F598">
+                <a:alpha val="100000"/>
+              </a:srgbClr>
+            </a:solidFill>
+            <a:ln w="9000" cap="rnd">
+              <a:solidFill>
+                <a:srgbClr val="E6F598">
+                  <a:alpha val="100000"/>
+                </a:srgbClr>
+              </a:solidFill>
+              <a:prstDash val="solid"/>
+              <a:round/>
+            </a:ln>
+          </p:spPr>
+          <p:txBody>
+            <a:bodyPr/>
+            <a:lstStyle/>
+            <a:p>
+              <a:endParaRPr/>
+            </a:p>
+          </p:txBody>
+        </p:sp>
+        <p:sp>
+          <p:nvSpPr>
+            <p:cNvPr id="14" name="pt14"/>
+            <p:cNvSpPr/>
+            <p:nvPr/>
+          </p:nvSpPr>
+          <p:spPr>
+            <a:xfrm>
+              <a:off x="3380749" y="2228652"/>
+              <a:ext cx="144506" cy="144506"/>
+            </a:xfrm>
+            <a:prstGeom prst="ellipse">
+              <a:avLst/>
+            </a:prstGeom>
+            <a:solidFill>
+              <a:srgbClr val="D53E4F">
+                <a:alpha val="100000"/>
+              </a:srgbClr>
+            </a:solidFill>
+            <a:ln w="9000" cap="rnd">
+              <a:solidFill>
+                <a:srgbClr val="D53E4F">
+                  <a:alpha val="100000"/>
+                </a:srgbClr>
+              </a:solidFill>
+              <a:prstDash val="solid"/>
+              <a:round/>
+            </a:ln>
+          </p:spPr>
+          <p:txBody>
+            <a:bodyPr/>
+            <a:lstStyle/>
+            <a:p>
+              <a:endParaRPr/>
+            </a:p>
+          </p:txBody>
+        </p:sp>
+        <p:grpSp>
+          <p:nvGrpSpPr>
+            <p:cNvPr id="24" name="Group 23">
+              <a:extLst>
+                <a:ext uri="{FF2B5EF4-FFF2-40B4-BE49-F238E27FC236}">
+                  <a16:creationId xmlns:a16="http://schemas.microsoft.com/office/drawing/2014/main" id="{E2C989FA-81DF-475B-9A89-AAB6E2D2A796}"/>
+                </a:ext>
+              </a:extLst>
+            </p:cNvPr>
+            <p:cNvGrpSpPr/>
+            <p:nvPr/>
+          </p:nvGrpSpPr>
+          <p:grpSpPr>
+            <a:xfrm>
+              <a:off x="3343275" y="1650718"/>
+              <a:ext cx="1024762" cy="1743650"/>
+              <a:chOff x="3343275" y="1650718"/>
+              <a:chExt cx="1024762" cy="1743650"/>
+            </a:xfrm>
+          </p:grpSpPr>
+          <p:grpSp>
+            <p:nvGrpSpPr>
+              <p:cNvPr id="23" name="Group 22">
+                <a:extLst>
+                  <a:ext uri="{FF2B5EF4-FFF2-40B4-BE49-F238E27FC236}">
+                    <a16:creationId xmlns:a16="http://schemas.microsoft.com/office/drawing/2014/main" id="{89BED930-EEF8-42FA-A333-66339A377464}"/>
+                  </a:ext>
+                </a:extLst>
+              </p:cNvPr>
+              <p:cNvGrpSpPr/>
+              <p:nvPr/>
+            </p:nvGrpSpPr>
+            <p:grpSpPr>
+              <a:xfrm>
+                <a:off x="3343275" y="1650718"/>
+                <a:ext cx="1024762" cy="405094"/>
+                <a:chOff x="3343275" y="1272350"/>
+                <a:chExt cx="1024762" cy="405094"/>
+              </a:xfrm>
+            </p:grpSpPr>
+            <p:sp>
+              <p:nvSpPr>
+                <p:cNvPr id="4" name="tx4"/>
+                <p:cNvSpPr/>
+                <p:nvPr/>
+              </p:nvSpPr>
+              <p:spPr>
+                <a:xfrm>
+                  <a:off x="3343275" y="1272350"/>
+                  <a:ext cx="1024762" cy="103342"/>
+                </a:xfrm>
+                <a:prstGeom prst="rect">
+                  <a:avLst/>
+                </a:prstGeom>
+                <a:noFill/>
+              </p:spPr>
+              <p:txBody>
+                <a:bodyPr wrap="none" lIns="0" tIns="0" rIns="0" bIns="0" anchor="ctr" anchorCtr="1"/>
+                <a:lstStyle/>
+                <a:p>
+                  <a:pPr marL="0" marR="0" indent="0" algn="l">
+                    <a:lnSpc>
+                      <a:spcPts val="1100"/>
+                    </a:lnSpc>
+                    <a:spcBef>
+                      <a:spcPts val="0"/>
+                    </a:spcBef>
+                    <a:spcAft>
+                      <a:spcPts val="0"/>
+                    </a:spcAft>
+                  </a:pPr>
+                  <a:r>
+                    <a:rPr sz="1100" dirty="0">
+                      <a:solidFill>
+                        <a:srgbClr val="000000">
+                          <a:alpha val="100000"/>
+                        </a:srgbClr>
+                      </a:solidFill>
+                      <a:latin typeface="Arial"/>
+                      <a:cs typeface="Arial"/>
+                    </a:rPr>
+                    <a:t>Number of times</a:t>
+                  </a:r>
+                </a:p>
+              </p:txBody>
+            </p:sp>
+            <p:sp>
+              <p:nvSpPr>
+                <p:cNvPr id="5" name="tx5"/>
+                <p:cNvSpPr/>
+                <p:nvPr/>
+              </p:nvSpPr>
+              <p:spPr>
+                <a:xfrm>
+                  <a:off x="3343275" y="1424931"/>
+                  <a:ext cx="745362" cy="101637"/>
+                </a:xfrm>
+                <a:prstGeom prst="rect">
+                  <a:avLst/>
+                </a:prstGeom>
+                <a:noFill/>
+              </p:spPr>
+              <p:txBody>
+                <a:bodyPr wrap="none" lIns="0" tIns="0" rIns="0" bIns="0" anchor="ctr" anchorCtr="1"/>
+                <a:lstStyle/>
+                <a:p>
+                  <a:pPr marL="0" marR="0" indent="0" algn="l">
+                    <a:lnSpc>
+                      <a:spcPts val="1100"/>
+                    </a:lnSpc>
+                    <a:spcBef>
+                      <a:spcPts val="0"/>
+                    </a:spcBef>
+                    <a:spcAft>
+                      <a:spcPts val="0"/>
+                    </a:spcAft>
+                  </a:pPr>
+                  <a:r>
+                    <a:rPr sz="1100" dirty="0">
+                      <a:solidFill>
+                        <a:srgbClr val="000000">
+                          <a:alpha val="100000"/>
+                        </a:srgbClr>
+                      </a:solidFill>
+                      <a:latin typeface="Arial"/>
+                      <a:cs typeface="Arial"/>
+                    </a:rPr>
+                    <a:t>cited across</a:t>
+                  </a:r>
+                </a:p>
+              </p:txBody>
+            </p:sp>
+            <p:sp>
+              <p:nvSpPr>
+                <p:cNvPr id="6" name="tx6"/>
+                <p:cNvSpPr/>
+                <p:nvPr/>
+              </p:nvSpPr>
+              <p:spPr>
+                <a:xfrm>
+                  <a:off x="3343275" y="1546339"/>
+                  <a:ext cx="877490" cy="131105"/>
+                </a:xfrm>
+                <a:prstGeom prst="rect">
+                  <a:avLst/>
+                </a:prstGeom>
+                <a:noFill/>
+              </p:spPr>
+              <p:txBody>
+                <a:bodyPr wrap="none" lIns="0" tIns="0" rIns="0" bIns="0" anchor="ctr" anchorCtr="1"/>
+                <a:lstStyle/>
+                <a:p>
+                  <a:pPr marL="0" marR="0" indent="0" algn="l">
+                    <a:lnSpc>
+                      <a:spcPts val="1100"/>
+                    </a:lnSpc>
+                    <a:spcBef>
+                      <a:spcPts val="0"/>
+                    </a:spcBef>
+                    <a:spcAft>
+                      <a:spcPts val="0"/>
+                    </a:spcAft>
+                  </a:pPr>
+                  <a:r>
+                    <a:rPr sz="1100">
+                      <a:solidFill>
+                        <a:srgbClr val="000000">
+                          <a:alpha val="100000"/>
+                        </a:srgbClr>
+                      </a:solidFill>
+                      <a:latin typeface="Arial"/>
+                      <a:cs typeface="Arial"/>
+                    </a:rPr>
+                    <a:t>guidelines (n):</a:t>
+                  </a:r>
+                </a:p>
+              </p:txBody>
+            </p:sp>
+          </p:grpSp>
+          <p:sp>
+            <p:nvSpPr>
+              <p:cNvPr id="9" name="pt9"/>
+              <p:cNvSpPr/>
+              <p:nvPr/>
+            </p:nvSpPr>
+            <p:spPr>
+              <a:xfrm>
+                <a:off x="3375118" y="3249862"/>
+                <a:ext cx="144506" cy="144506"/>
+              </a:xfrm>
+              <a:prstGeom prst="ellipse">
+                <a:avLst/>
+              </a:prstGeom>
+              <a:solidFill>
+                <a:srgbClr val="ABDDA4">
+                  <a:alpha val="100000"/>
+                </a:srgbClr>
+              </a:solidFill>
+              <a:ln w="9000" cap="rnd">
+                <a:solidFill>
+                  <a:srgbClr val="ABDDA4">
+                    <a:alpha val="100000"/>
+                  </a:srgbClr>
+                </a:solidFill>
+                <a:prstDash val="solid"/>
+                <a:round/>
+              </a:ln>
+            </p:spPr>
+            <p:txBody>
+              <a:bodyPr/>
+              <a:lstStyle/>
+              <a:p>
+                <a:endParaRPr/>
+              </a:p>
+            </p:txBody>
+          </p:sp>
+          <p:sp>
+            <p:nvSpPr>
+              <p:cNvPr id="11" name="pt11"/>
+              <p:cNvSpPr/>
+              <p:nvPr/>
+            </p:nvSpPr>
+            <p:spPr>
+              <a:xfrm>
+                <a:off x="3375118" y="2842459"/>
+                <a:ext cx="144506" cy="144506"/>
+              </a:xfrm>
+              <a:prstGeom prst="ellipse">
+                <a:avLst/>
+              </a:prstGeom>
+              <a:solidFill>
+                <a:srgbClr val="FEE08B">
+                  <a:alpha val="100000"/>
+                </a:srgbClr>
+              </a:solidFill>
+              <a:ln w="9000" cap="rnd">
+                <a:solidFill>
+                  <a:srgbClr val="FEE08B">
+                    <a:alpha val="100000"/>
+                  </a:srgbClr>
+                </a:solidFill>
+                <a:prstDash val="solid"/>
+                <a:round/>
+              </a:ln>
+            </p:spPr>
+            <p:txBody>
+              <a:bodyPr/>
+              <a:lstStyle/>
+              <a:p>
+                <a:endParaRPr/>
+              </a:p>
+            </p:txBody>
+          </p:sp>
+          <p:sp>
+            <p:nvSpPr>
+              <p:cNvPr id="12" name="pt12"/>
+              <p:cNvSpPr/>
+              <p:nvPr/>
+            </p:nvSpPr>
+            <p:spPr>
+              <a:xfrm>
+                <a:off x="3375118" y="2637616"/>
+                <a:ext cx="144506" cy="144506"/>
+              </a:xfrm>
+              <a:prstGeom prst="ellipse">
+                <a:avLst/>
+              </a:prstGeom>
+              <a:solidFill>
+                <a:srgbClr val="FDAE61">
+                  <a:alpha val="100000"/>
+                </a:srgbClr>
+              </a:solidFill>
+              <a:ln w="9000" cap="rnd">
+                <a:solidFill>
+                  <a:srgbClr val="FDAE61">
+                    <a:alpha val="100000"/>
+                  </a:srgbClr>
+                </a:solidFill>
+                <a:prstDash val="solid"/>
+                <a:round/>
+              </a:ln>
+            </p:spPr>
+            <p:txBody>
+              <a:bodyPr/>
+              <a:lstStyle/>
+              <a:p>
+                <a:endParaRPr/>
+              </a:p>
+            </p:txBody>
+          </p:sp>
+          <p:sp>
+            <p:nvSpPr>
+              <p:cNvPr id="13" name="pt13"/>
+              <p:cNvSpPr/>
+              <p:nvPr/>
+            </p:nvSpPr>
+            <p:spPr>
+              <a:xfrm>
+                <a:off x="3380749" y="2437538"/>
+                <a:ext cx="144506" cy="144506"/>
+              </a:xfrm>
+              <a:prstGeom prst="ellipse">
+                <a:avLst/>
+              </a:prstGeom>
+              <a:solidFill>
+                <a:srgbClr val="F46D43">
+                  <a:alpha val="100000"/>
+                </a:srgbClr>
+              </a:solidFill>
+              <a:ln w="9000" cap="rnd">
+                <a:solidFill>
+                  <a:srgbClr val="F46D43">
+                    <a:alpha val="100000"/>
+                  </a:srgbClr>
+                </a:solidFill>
+                <a:prstDash val="solid"/>
+                <a:round/>
+              </a:ln>
+            </p:spPr>
+            <p:txBody>
+              <a:bodyPr/>
+              <a:lstStyle/>
+              <a:p>
+                <a:endParaRPr/>
+              </a:p>
+            </p:txBody>
+          </p:sp>
+          <p:sp>
+            <p:nvSpPr>
+              <p:cNvPr id="17" name="tx17"/>
+              <p:cNvSpPr/>
+              <p:nvPr/>
+            </p:nvSpPr>
+            <p:spPr>
+              <a:xfrm>
+                <a:off x="3625860" y="3269673"/>
+                <a:ext cx="291951" cy="104884"/>
+              </a:xfrm>
+              <a:prstGeom prst="rect">
+                <a:avLst/>
+              </a:prstGeom>
+              <a:noFill/>
+            </p:spPr>
+            <p:txBody>
+              <a:bodyPr wrap="none" lIns="0" tIns="0" rIns="0" bIns="0" anchor="ctr" anchorCtr="1"/>
+              <a:lstStyle/>
+              <a:p>
+                <a:pPr marL="0" marR="0" indent="0" algn="l">
+                  <a:lnSpc>
+                    <a:spcPts val="880"/>
+                  </a:lnSpc>
+                  <a:spcBef>
+                    <a:spcPts val="0"/>
+                  </a:spcBef>
+                  <a:spcAft>
+                    <a:spcPts val="0"/>
+                  </a:spcAft>
+                </a:pPr>
+                <a:r>
+                  <a:rPr sz="880" dirty="0">
+                    <a:solidFill>
+                      <a:srgbClr val="000000">
+                        <a:alpha val="100000"/>
+                      </a:srgbClr>
+                    </a:solidFill>
+                    <a:latin typeface="Arial"/>
+                    <a:cs typeface="Arial"/>
+                  </a:rPr>
+                  <a:t>3 (50)</a:t>
+                </a:r>
+              </a:p>
+            </p:txBody>
+          </p:sp>
+          <p:sp>
+            <p:nvSpPr>
+              <p:cNvPr id="18" name="tx18"/>
+              <p:cNvSpPr/>
+              <p:nvPr/>
+            </p:nvSpPr>
+            <p:spPr>
+              <a:xfrm>
+                <a:off x="3625860" y="3072948"/>
+                <a:ext cx="291951" cy="104884"/>
+              </a:xfrm>
+              <a:prstGeom prst="rect">
+                <a:avLst/>
+              </a:prstGeom>
+              <a:noFill/>
+            </p:spPr>
+            <p:txBody>
+              <a:bodyPr wrap="none" lIns="0" tIns="0" rIns="0" bIns="0" anchor="ctr" anchorCtr="1"/>
+              <a:lstStyle/>
+              <a:p>
+                <a:pPr marL="0" marR="0" indent="0" algn="l">
+                  <a:lnSpc>
+                    <a:spcPts val="880"/>
+                  </a:lnSpc>
+                  <a:spcBef>
+                    <a:spcPts val="0"/>
+                  </a:spcBef>
+                  <a:spcAft>
+                    <a:spcPts val="0"/>
+                  </a:spcAft>
+                </a:pPr>
+                <a:r>
+                  <a:rPr sz="880" dirty="0">
+                    <a:solidFill>
+                      <a:srgbClr val="000000">
+                        <a:alpha val="100000"/>
+                      </a:srgbClr>
+                    </a:solidFill>
+                    <a:latin typeface="Arial"/>
+                    <a:cs typeface="Arial"/>
+                  </a:rPr>
+                  <a:t>4 (31)</a:t>
+                </a:r>
+              </a:p>
+            </p:txBody>
+          </p:sp>
+          <p:sp>
+            <p:nvSpPr>
+              <p:cNvPr id="19" name="tx19"/>
+              <p:cNvSpPr/>
+              <p:nvPr/>
+            </p:nvSpPr>
+            <p:spPr>
+              <a:xfrm>
+                <a:off x="3625859" y="2864563"/>
+                <a:ext cx="291951" cy="104884"/>
+              </a:xfrm>
+              <a:prstGeom prst="rect">
+                <a:avLst/>
+              </a:prstGeom>
+              <a:noFill/>
+            </p:spPr>
+            <p:txBody>
+              <a:bodyPr wrap="none" lIns="0" tIns="0" rIns="0" bIns="0" anchor="ctr" anchorCtr="1"/>
+              <a:lstStyle/>
+              <a:p>
+                <a:pPr marL="0" marR="0" indent="0" algn="l">
+                  <a:lnSpc>
+                    <a:spcPts val="880"/>
+                  </a:lnSpc>
+                  <a:spcBef>
+                    <a:spcPts val="0"/>
+                  </a:spcBef>
+                  <a:spcAft>
+                    <a:spcPts val="0"/>
+                  </a:spcAft>
+                </a:pPr>
+                <a:r>
+                  <a:rPr sz="880" dirty="0">
+                    <a:solidFill>
+                      <a:srgbClr val="000000">
+                        <a:alpha val="100000"/>
+                      </a:srgbClr>
+                    </a:solidFill>
+                    <a:latin typeface="Arial"/>
+                    <a:cs typeface="Arial"/>
+                  </a:rPr>
+                  <a:t>5 (11)</a:t>
+                </a:r>
+              </a:p>
+            </p:txBody>
+          </p:sp>
+          <p:sp>
+            <p:nvSpPr>
+              <p:cNvPr id="20" name="tx20"/>
+              <p:cNvSpPr/>
+              <p:nvPr/>
+            </p:nvSpPr>
+            <p:spPr>
+              <a:xfrm>
+                <a:off x="3632317" y="2656999"/>
+                <a:ext cx="229795" cy="104884"/>
+              </a:xfrm>
+              <a:prstGeom prst="rect">
+                <a:avLst/>
+              </a:prstGeom>
+              <a:noFill/>
+            </p:spPr>
+            <p:txBody>
+              <a:bodyPr wrap="none" lIns="0" tIns="0" rIns="0" bIns="0" anchor="ctr" anchorCtr="1"/>
+              <a:lstStyle/>
+              <a:p>
+                <a:pPr marL="0" marR="0" indent="0" algn="l">
+                  <a:lnSpc>
+                    <a:spcPts val="880"/>
+                  </a:lnSpc>
+                  <a:spcBef>
+                    <a:spcPts val="0"/>
+                  </a:spcBef>
+                  <a:spcAft>
+                    <a:spcPts val="0"/>
+                  </a:spcAft>
+                </a:pPr>
+                <a:r>
+                  <a:rPr sz="880" dirty="0">
+                    <a:solidFill>
+                      <a:srgbClr val="000000">
+                        <a:alpha val="100000"/>
+                      </a:srgbClr>
+                    </a:solidFill>
+                    <a:latin typeface="Arial"/>
+                    <a:cs typeface="Arial"/>
+                  </a:rPr>
+                  <a:t>6 (6)</a:t>
+                </a:r>
+              </a:p>
+            </p:txBody>
+          </p:sp>
+          <p:sp>
+            <p:nvSpPr>
+              <p:cNvPr id="21" name="tx21"/>
+              <p:cNvSpPr/>
+              <p:nvPr/>
+            </p:nvSpPr>
+            <p:spPr>
+              <a:xfrm>
+                <a:off x="3625861" y="2454423"/>
+                <a:ext cx="229795" cy="110735"/>
+              </a:xfrm>
+              <a:prstGeom prst="rect">
+                <a:avLst/>
+              </a:prstGeom>
+              <a:noFill/>
+            </p:spPr>
+            <p:txBody>
+              <a:bodyPr wrap="none" lIns="0" tIns="0" rIns="0" bIns="0" anchor="ctr" anchorCtr="1"/>
+              <a:lstStyle/>
+              <a:p>
+                <a:pPr marL="0" marR="0" indent="0" algn="l">
+                  <a:lnSpc>
+                    <a:spcPts val="880"/>
+                  </a:lnSpc>
+                  <a:spcBef>
+                    <a:spcPts val="0"/>
+                  </a:spcBef>
+                  <a:spcAft>
+                    <a:spcPts val="0"/>
+                  </a:spcAft>
+                </a:pPr>
+                <a:r>
+                  <a:rPr sz="880" dirty="0">
+                    <a:solidFill>
+                      <a:srgbClr val="000000">
+                        <a:alpha val="100000"/>
+                      </a:srgbClr>
+                    </a:solidFill>
+                    <a:latin typeface="Arial"/>
+                    <a:cs typeface="Arial"/>
+                  </a:rPr>
+                  <a:t>7 (2)</a:t>
+                </a:r>
+              </a:p>
+            </p:txBody>
+          </p:sp>
+          <p:sp>
+            <p:nvSpPr>
+              <p:cNvPr id="22" name="tx22"/>
+              <p:cNvSpPr/>
+              <p:nvPr/>
+            </p:nvSpPr>
+            <p:spPr>
+              <a:xfrm>
+                <a:off x="3632320" y="2248934"/>
+                <a:ext cx="229795" cy="104884"/>
+              </a:xfrm>
+              <a:prstGeom prst="rect">
+                <a:avLst/>
+              </a:prstGeom>
+              <a:noFill/>
+            </p:spPr>
+            <p:txBody>
+              <a:bodyPr wrap="none" lIns="0" tIns="0" rIns="0" bIns="0" anchor="ctr" anchorCtr="1"/>
+              <a:lstStyle/>
+              <a:p>
+                <a:pPr marL="0" marR="0" indent="0" algn="l">
+                  <a:lnSpc>
+                    <a:spcPts val="880"/>
+                  </a:lnSpc>
+                  <a:spcBef>
+                    <a:spcPts val="0"/>
+                  </a:spcBef>
+                  <a:spcAft>
+                    <a:spcPts val="0"/>
+                  </a:spcAft>
+                </a:pPr>
+                <a:r>
+                  <a:rPr sz="880" dirty="0">
+                    <a:solidFill>
+                      <a:srgbClr val="000000">
+                        <a:alpha val="100000"/>
+                      </a:srgbClr>
+                    </a:solidFill>
+                    <a:latin typeface="Arial"/>
+                    <a:cs typeface="Arial"/>
+                  </a:rPr>
+                  <a:t>8 (1)</a:t>
+                </a:r>
+              </a:p>
+            </p:txBody>
+          </p:sp>
+        </p:grpSp>
+      </p:grpSp>
+    </p:spTree>
+    <p:extLst>
+      <p:ext uri="{BB962C8B-B14F-4D97-AF65-F5344CB8AC3E}">
+        <p14:creationId xmlns:p14="http://schemas.microsoft.com/office/powerpoint/2010/main" val="2301343736"/>
+      </p:ext>
+    </p:extLst>
+  </p:cSld>
+  <p:clrMapOvr>
+    <a:masterClrMapping/>
+  </p:clrMapOvr>
+</p:sld>
+</file>
+
+<file path=ppt/slides/slide5.xml><?xml version="1.0" encoding="utf-8"?>
+<p:sld xmlns:a="http://schemas.openxmlformats.org/drawingml/2006/main" xmlns:r="http://schemas.openxmlformats.org/officeDocument/2006/relationships" xmlns:p="http://schemas.openxmlformats.org/presentationml/2006/main">
+  <p:cSld>
+    <p:spTree>
+      <p:nvGrpSpPr>
+        <p:cNvPr id="1" name=""/>
+        <p:cNvGrpSpPr/>
+        <p:nvPr/>
+      </p:nvGrpSpPr>
+      <p:grpSpPr>
+        <a:xfrm>
+          <a:off x="0" y="0"/>
+          <a:ext cx="0" cy="0"/>
+          <a:chOff x="0" y="0"/>
+          <a:chExt cx="0" cy="0"/>
+        </a:xfrm>
+      </p:grpSpPr>
+      <p:grpSp>
+        <p:nvGrpSpPr>
+          <p:cNvPr id="2" name="Group 1"/>
+          <p:cNvGrpSpPr/>
+          <p:nvPr/>
+        </p:nvGrpSpPr>
+        <p:grpSpPr>
+          <a:xfrm>
+            <a:off x="1190625" y="1112838"/>
+            <a:ext cx="5181600" cy="3105150"/>
+            <a:chOff x="1190625" y="1112838"/>
+            <a:chExt cx="5181600" cy="3105150"/>
+          </a:xfrm>
+        </p:grpSpPr>
+        <p:sp>
+          <p:nvSpPr>
+            <p:cNvPr id="3" name="rc3"/>
+            <p:cNvSpPr/>
+            <p:nvPr/>
+          </p:nvSpPr>
+          <p:spPr>
+            <a:xfrm>
+              <a:off x="1190625" y="1112837"/>
+              <a:ext cx="5181599" cy="3105150"/>
+            </a:xfrm>
+            <a:prstGeom prst="rect">
+              <a:avLst/>
+            </a:prstGeom>
+            <a:solidFill>
+              <a:srgbClr val="FFFFFF">
+                <a:alpha val="100000"/>
+              </a:srgbClr>
+            </a:solidFill>
+            <a:ln w="9525" cap="rnd">
+              <a:solidFill>
+                <a:srgbClr val="FFFFFF">
+                  <a:alpha val="100000"/>
+                </a:srgbClr>
+              </a:solidFill>
+              <a:prstDash val="solid"/>
+              <a:round/>
+            </a:ln>
+          </p:spPr>
+          <p:txBody>
+            <a:bodyPr/>
+            <a:lstStyle/>
+            <a:p>
+              <a:endParaRPr/>
+            </a:p>
+          </p:txBody>
+        </p:sp>
+        <p:sp>
+          <p:nvSpPr>
+            <p:cNvPr id="4" name="pt4"/>
+            <p:cNvSpPr/>
+            <p:nvPr/>
+          </p:nvSpPr>
+          <p:spPr>
+            <a:xfrm>
+              <a:off x="1464689" y="2640586"/>
+              <a:ext cx="49651" cy="49651"/>
+            </a:xfrm>
+            <a:prstGeom prst="ellipse">
+              <a:avLst/>
+            </a:prstGeom>
+            <a:solidFill>
+              <a:srgbClr val="3288BD">
+                <a:alpha val="100000"/>
+              </a:srgbClr>
+            </a:solidFill>
+            <a:ln w="9000" cap="rnd">
+              <a:solidFill>
+                <a:srgbClr val="3288BD">
+                  <a:alpha val="100000"/>
+                </a:srgbClr>
+              </a:solidFill>
+              <a:prstDash val="solid"/>
+              <a:round/>
+            </a:ln>
+          </p:spPr>
+          <p:txBody>
+            <a:bodyPr/>
+            <a:lstStyle/>
+            <a:p>
+              <a:endParaRPr/>
+            </a:p>
+          </p:txBody>
+        </p:sp>
+        <p:sp>
+          <p:nvSpPr>
+            <p:cNvPr id="5" name="pt5"/>
+            <p:cNvSpPr/>
+            <p:nvPr/>
+          </p:nvSpPr>
+          <p:spPr>
+            <a:xfrm>
+              <a:off x="1962840" y="2640586"/>
+              <a:ext cx="49651" cy="49651"/>
+            </a:xfrm>
+            <a:prstGeom prst="ellipse">
+              <a:avLst/>
+            </a:prstGeom>
+            <a:solidFill>
+              <a:srgbClr val="66C2A5">
+                <a:alpha val="100000"/>
+              </a:srgbClr>
+            </a:solidFill>
+            <a:ln w="9000" cap="rnd">
+              <a:solidFill>
+                <a:srgbClr val="66C2A5">
+                  <a:alpha val="100000"/>
+                </a:srgbClr>
+              </a:solidFill>
+              <a:prstDash val="solid"/>
+              <a:round/>
+            </a:ln>
+          </p:spPr>
+          <p:txBody>
+            <a:bodyPr/>
+            <a:lstStyle/>
+            <a:p>
+              <a:endParaRPr/>
+            </a:p>
+          </p:txBody>
+        </p:sp>
+        <p:sp>
+          <p:nvSpPr>
+            <p:cNvPr id="6" name="pt6"/>
+            <p:cNvSpPr/>
+            <p:nvPr/>
+          </p:nvSpPr>
+          <p:spPr>
+            <a:xfrm>
+              <a:off x="2460991" y="2640586"/>
+              <a:ext cx="49651" cy="49651"/>
+            </a:xfrm>
+            <a:prstGeom prst="ellipse">
+              <a:avLst/>
+            </a:prstGeom>
+            <a:solidFill>
+              <a:srgbClr val="ABDDA4">
+                <a:alpha val="100000"/>
+              </a:srgbClr>
+            </a:solidFill>
+            <a:ln w="9000" cap="rnd">
+              <a:solidFill>
+                <a:srgbClr val="ABDDA4">
+                  <a:alpha val="100000"/>
+                </a:srgbClr>
+              </a:solidFill>
+              <a:prstDash val="solid"/>
+              <a:round/>
+            </a:ln>
+          </p:spPr>
+          <p:txBody>
+            <a:bodyPr/>
+            <a:lstStyle/>
+            <a:p>
+              <a:endParaRPr/>
+            </a:p>
+          </p:txBody>
+        </p:sp>
+        <p:sp>
+          <p:nvSpPr>
+            <p:cNvPr id="7" name="pt7"/>
+            <p:cNvSpPr/>
+            <p:nvPr/>
+          </p:nvSpPr>
+          <p:spPr>
+            <a:xfrm>
+              <a:off x="2959142" y="2640586"/>
+              <a:ext cx="49651" cy="49651"/>
+            </a:xfrm>
+            <a:prstGeom prst="ellipse">
+              <a:avLst/>
+            </a:prstGeom>
+            <a:solidFill>
+              <a:srgbClr val="E6F598">
+                <a:alpha val="100000"/>
+              </a:srgbClr>
+            </a:solidFill>
+            <a:ln w="9000" cap="rnd">
+              <a:solidFill>
+                <a:srgbClr val="E6F598">
+                  <a:alpha val="100000"/>
+                </a:srgbClr>
+              </a:solidFill>
+              <a:prstDash val="solid"/>
+              <a:round/>
+            </a:ln>
+          </p:spPr>
+          <p:txBody>
+            <a:bodyPr/>
+            <a:lstStyle/>
+            <a:p>
+              <a:endParaRPr/>
+            </a:p>
+          </p:txBody>
+        </p:sp>
+        <p:sp>
+          <p:nvSpPr>
+            <p:cNvPr id="8" name="pt8"/>
+            <p:cNvSpPr/>
+            <p:nvPr/>
+          </p:nvSpPr>
+          <p:spPr>
+            <a:xfrm>
+              <a:off x="3457293" y="2640586"/>
+              <a:ext cx="49651" cy="49651"/>
+            </a:xfrm>
+            <a:prstGeom prst="ellipse">
+              <a:avLst/>
+            </a:prstGeom>
+            <a:solidFill>
+              <a:srgbClr val="FEE08B">
+                <a:alpha val="100000"/>
+              </a:srgbClr>
+            </a:solidFill>
+            <a:ln w="9000" cap="rnd">
+              <a:solidFill>
+                <a:srgbClr val="FEE08B">
+                  <a:alpha val="100000"/>
+                </a:srgbClr>
+              </a:solidFill>
+              <a:prstDash val="solid"/>
+              <a:round/>
+            </a:ln>
+          </p:spPr>
+          <p:txBody>
+            <a:bodyPr/>
+            <a:lstStyle/>
+            <a:p>
+              <a:endParaRPr/>
+            </a:p>
+          </p:txBody>
+        </p:sp>
+        <p:sp>
+          <p:nvSpPr>
+            <p:cNvPr id="9" name="pt9"/>
+            <p:cNvSpPr/>
+            <p:nvPr/>
+          </p:nvSpPr>
+          <p:spPr>
+            <a:xfrm>
+              <a:off x="3955444" y="2640586"/>
+              <a:ext cx="49651" cy="49651"/>
+            </a:xfrm>
+            <a:prstGeom prst="ellipse">
+              <a:avLst/>
+            </a:prstGeom>
+            <a:solidFill>
+              <a:srgbClr val="FDAE61">
+                <a:alpha val="100000"/>
+              </a:srgbClr>
+            </a:solidFill>
+            <a:ln w="9000" cap="rnd">
+              <a:solidFill>
+                <a:srgbClr val="FDAE61">
+                  <a:alpha val="100000"/>
+                </a:srgbClr>
+              </a:solidFill>
+              <a:prstDash val="solid"/>
+              <a:round/>
+            </a:ln>
+          </p:spPr>
+          <p:txBody>
+            <a:bodyPr/>
+            <a:lstStyle/>
+            <a:p>
+              <a:endParaRPr/>
+            </a:p>
+          </p:txBody>
+        </p:sp>
+        <p:sp>
+          <p:nvSpPr>
+            <p:cNvPr id="10" name="pt10"/>
+            <p:cNvSpPr/>
+            <p:nvPr/>
+          </p:nvSpPr>
+          <p:spPr>
+            <a:xfrm>
+              <a:off x="4453595" y="2640586"/>
+              <a:ext cx="49651" cy="49651"/>
+            </a:xfrm>
+            <a:prstGeom prst="ellipse">
+              <a:avLst/>
+            </a:prstGeom>
+            <a:solidFill>
+              <a:srgbClr val="F46D43">
+                <a:alpha val="100000"/>
+              </a:srgbClr>
+            </a:solidFill>
+            <a:ln w="9000" cap="rnd">
+              <a:solidFill>
+                <a:srgbClr val="F46D43">
+                  <a:alpha val="100000"/>
+                </a:srgbClr>
+              </a:solidFill>
+              <a:prstDash val="solid"/>
+              <a:round/>
+            </a:ln>
+          </p:spPr>
+          <p:txBody>
+            <a:bodyPr/>
+            <a:lstStyle/>
+            <a:p>
+              <a:endParaRPr/>
+            </a:p>
+          </p:txBody>
+        </p:sp>
+        <p:sp>
+          <p:nvSpPr>
+            <p:cNvPr id="11" name="pt11"/>
+            <p:cNvSpPr/>
+            <p:nvPr/>
+          </p:nvSpPr>
+          <p:spPr>
+            <a:xfrm>
+              <a:off x="4951746" y="2640586"/>
+              <a:ext cx="49651" cy="49651"/>
+            </a:xfrm>
+            <a:prstGeom prst="ellipse">
+              <a:avLst/>
+            </a:prstGeom>
+            <a:solidFill>
+              <a:srgbClr val="D53E4F">
+                <a:alpha val="100000"/>
+              </a:srgbClr>
+            </a:solidFill>
+            <a:ln w="9000" cap="rnd">
+              <a:solidFill>
+                <a:srgbClr val="D53E4F">
+                  <a:alpha val="100000"/>
+                </a:srgbClr>
+              </a:solidFill>
+              <a:prstDash val="solid"/>
+              <a:round/>
+            </a:ln>
+          </p:spPr>
+          <p:txBody>
+            <a:bodyPr/>
+            <a:lstStyle/>
+            <a:p>
+              <a:endParaRPr/>
+            </a:p>
+          </p:txBody>
+        </p:sp>
+        <p:sp>
+          <p:nvSpPr>
+            <p:cNvPr id="12" name="tx12"/>
+            <p:cNvSpPr/>
+            <p:nvPr/>
+          </p:nvSpPr>
+          <p:spPr>
+            <a:xfrm>
+              <a:off x="5347462" y="1548575"/>
+              <a:ext cx="1024762" cy="103342"/>
+            </a:xfrm>
+            <a:prstGeom prst="rect">
+              <a:avLst/>
+            </a:prstGeom>
+            <a:noFill/>
+          </p:spPr>
+          <p:txBody>
+            <a:bodyPr wrap="none" lIns="0" tIns="0" rIns="0" bIns="0" anchor="ctr" anchorCtr="1"/>
+            <a:lstStyle/>
+            <a:p>
+              <a:pPr marL="0" marR="0" indent="0" algn="l">
+                <a:lnSpc>
+                  <a:spcPts val="1100"/>
+                </a:lnSpc>
+                <a:spcBef>
+                  <a:spcPts val="0"/>
+                </a:spcBef>
+                <a:spcAft>
+                  <a:spcPts val="0"/>
+                </a:spcAft>
+              </a:pPr>
+              <a:r>
+                <a:rPr sz="1100">
+                  <a:solidFill>
+                    <a:srgbClr val="000000">
+                      <a:alpha val="100000"/>
+                    </a:srgbClr>
+                  </a:solidFill>
+                  <a:latin typeface="Arial"/>
+                  <a:cs typeface="Arial"/>
+                </a:rPr>
+                <a:t>Number of times</a:t>
+              </a:r>
+            </a:p>
+          </p:txBody>
+        </p:sp>
+        <p:sp>
+          <p:nvSpPr>
+            <p:cNvPr id="13" name="tx13"/>
+            <p:cNvSpPr/>
+            <p:nvPr/>
+          </p:nvSpPr>
+          <p:spPr>
+            <a:xfrm>
+              <a:off x="5347462" y="1701156"/>
+              <a:ext cx="745362" cy="101637"/>
+            </a:xfrm>
+            <a:prstGeom prst="rect">
+              <a:avLst/>
+            </a:prstGeom>
+            <a:noFill/>
+          </p:spPr>
+          <p:txBody>
+            <a:bodyPr wrap="none" lIns="0" tIns="0" rIns="0" bIns="0" anchor="ctr" anchorCtr="1"/>
+            <a:lstStyle/>
+            <a:p>
+              <a:pPr marL="0" marR="0" indent="0" algn="l">
+                <a:lnSpc>
+                  <a:spcPts val="1100"/>
+                </a:lnSpc>
+                <a:spcBef>
+                  <a:spcPts val="0"/>
+                </a:spcBef>
+                <a:spcAft>
+                  <a:spcPts val="0"/>
+                </a:spcAft>
+              </a:pPr>
+              <a:r>
+                <a:rPr sz="1100">
+                  <a:solidFill>
+                    <a:srgbClr val="000000">
+                      <a:alpha val="100000"/>
+                    </a:srgbClr>
+                  </a:solidFill>
+                  <a:latin typeface="Arial"/>
+                  <a:cs typeface="Arial"/>
+                </a:rPr>
+                <a:t>cited across</a:t>
+              </a:r>
+            </a:p>
+          </p:txBody>
+        </p:sp>
+        <p:sp>
+          <p:nvSpPr>
+            <p:cNvPr id="14" name="tx14"/>
+            <p:cNvSpPr/>
+            <p:nvPr/>
+          </p:nvSpPr>
+          <p:spPr>
+            <a:xfrm>
+              <a:off x="5347462" y="1822564"/>
+              <a:ext cx="877490" cy="131105"/>
+            </a:xfrm>
+            <a:prstGeom prst="rect">
+              <a:avLst/>
+            </a:prstGeom>
+            <a:noFill/>
+          </p:spPr>
+          <p:txBody>
+            <a:bodyPr wrap="none" lIns="0" tIns="0" rIns="0" bIns="0" anchor="ctr" anchorCtr="1"/>
+            <a:lstStyle/>
+            <a:p>
+              <a:pPr marL="0" marR="0" indent="0" algn="l">
+                <a:lnSpc>
+                  <a:spcPts val="1100"/>
+                </a:lnSpc>
+                <a:spcBef>
+                  <a:spcPts val="0"/>
+                </a:spcBef>
+                <a:spcAft>
+                  <a:spcPts val="0"/>
+                </a:spcAft>
+              </a:pPr>
+              <a:r>
+                <a:rPr sz="1100">
+                  <a:solidFill>
+                    <a:srgbClr val="000000">
+                      <a:alpha val="100000"/>
+                    </a:srgbClr>
+                  </a:solidFill>
+                  <a:latin typeface="Arial"/>
+                  <a:cs typeface="Arial"/>
+                </a:rPr>
+                <a:t>guidelines (n):</a:t>
+              </a:r>
+            </a:p>
+          </p:txBody>
+        </p:sp>
+        <p:sp>
+          <p:nvSpPr>
+            <p:cNvPr id="15" name="pt15"/>
+            <p:cNvSpPr/>
+            <p:nvPr/>
+          </p:nvSpPr>
+          <p:spPr>
+            <a:xfrm>
+              <a:off x="5384937" y="2075433"/>
+              <a:ext cx="144506" cy="144506"/>
+            </a:xfrm>
+            <a:prstGeom prst="ellipse">
+              <a:avLst/>
+            </a:prstGeom>
+            <a:solidFill>
+              <a:srgbClr val="3288BD">
+                <a:alpha val="100000"/>
+              </a:srgbClr>
+            </a:solidFill>
+            <a:ln w="9000" cap="rnd">
+              <a:solidFill>
+                <a:srgbClr val="3288BD">
+                  <a:alpha val="100000"/>
+                </a:srgbClr>
+              </a:solidFill>
+              <a:prstDash val="solid"/>
+              <a:round/>
+            </a:ln>
+          </p:spPr>
+          <p:txBody>
+            <a:bodyPr/>
+            <a:lstStyle/>
+            <a:p>
+              <a:endParaRPr/>
+            </a:p>
+          </p:txBody>
+        </p:sp>
+        <p:sp>
+          <p:nvSpPr>
+            <p:cNvPr id="16" name="pt16"/>
+            <p:cNvSpPr/>
+            <p:nvPr/>
+          </p:nvSpPr>
+          <p:spPr>
+            <a:xfrm>
+              <a:off x="5384937" y="2294889"/>
+              <a:ext cx="144506" cy="144506"/>
+            </a:xfrm>
+            <a:prstGeom prst="ellipse">
+              <a:avLst/>
+            </a:prstGeom>
+            <a:solidFill>
+              <a:srgbClr val="66C2A5">
+                <a:alpha val="100000"/>
+              </a:srgbClr>
+            </a:solidFill>
+            <a:ln w="9000" cap="rnd">
+              <a:solidFill>
+                <a:srgbClr val="66C2A5">
+                  <a:alpha val="100000"/>
+                </a:srgbClr>
+              </a:solidFill>
+              <a:prstDash val="solid"/>
+              <a:round/>
+            </a:ln>
+          </p:spPr>
+          <p:txBody>
+            <a:bodyPr/>
+            <a:lstStyle/>
+            <a:p>
+              <a:endParaRPr/>
+            </a:p>
+          </p:txBody>
+        </p:sp>
+        <p:sp>
+          <p:nvSpPr>
+            <p:cNvPr id="17" name="pt17"/>
+            <p:cNvSpPr/>
+            <p:nvPr/>
+          </p:nvSpPr>
+          <p:spPr>
+            <a:xfrm>
+              <a:off x="5384937" y="2514345"/>
+              <a:ext cx="144506" cy="144506"/>
+            </a:xfrm>
+            <a:prstGeom prst="ellipse">
+              <a:avLst/>
+            </a:prstGeom>
+            <a:solidFill>
+              <a:srgbClr val="ABDDA4">
+                <a:alpha val="100000"/>
+              </a:srgbClr>
+            </a:solidFill>
+            <a:ln w="9000" cap="rnd">
+              <a:solidFill>
+                <a:srgbClr val="ABDDA4">
+                  <a:alpha val="100000"/>
+                </a:srgbClr>
+              </a:solidFill>
+              <a:prstDash val="solid"/>
+              <a:round/>
+            </a:ln>
+          </p:spPr>
+          <p:txBody>
+            <a:bodyPr/>
+            <a:lstStyle/>
+            <a:p>
+              <a:endParaRPr/>
+            </a:p>
+          </p:txBody>
+        </p:sp>
+        <p:sp>
+          <p:nvSpPr>
+            <p:cNvPr id="18" name="pt18"/>
+            <p:cNvSpPr/>
+            <p:nvPr/>
+          </p:nvSpPr>
+          <p:spPr>
+            <a:xfrm>
+              <a:off x="5384937" y="2733801"/>
+              <a:ext cx="144506" cy="144506"/>
+            </a:xfrm>
+            <a:prstGeom prst="ellipse">
+              <a:avLst/>
+            </a:prstGeom>
+            <a:solidFill>
+              <a:srgbClr val="E6F598">
+                <a:alpha val="100000"/>
+              </a:srgbClr>
+            </a:solidFill>
+            <a:ln w="9000" cap="rnd">
+              <a:solidFill>
+                <a:srgbClr val="E6F598">
+                  <a:alpha val="100000"/>
+                </a:srgbClr>
+              </a:solidFill>
+              <a:prstDash val="solid"/>
+              <a:round/>
+            </a:ln>
+          </p:spPr>
+          <p:txBody>
+            <a:bodyPr/>
+            <a:lstStyle/>
+            <a:p>
+              <a:endParaRPr/>
+            </a:p>
+          </p:txBody>
+        </p:sp>
+        <p:sp>
+          <p:nvSpPr>
+            <p:cNvPr id="19" name="pt19"/>
+            <p:cNvSpPr/>
+            <p:nvPr/>
+          </p:nvSpPr>
+          <p:spPr>
+            <a:xfrm>
+              <a:off x="5384937" y="2953257"/>
+              <a:ext cx="144506" cy="144506"/>
+            </a:xfrm>
+            <a:prstGeom prst="ellipse">
+              <a:avLst/>
+            </a:prstGeom>
+            <a:solidFill>
+              <a:srgbClr val="FEE08B">
+                <a:alpha val="100000"/>
+              </a:srgbClr>
+            </a:solidFill>
+            <a:ln w="9000" cap="rnd">
+              <a:solidFill>
+                <a:srgbClr val="FEE08B">
+                  <a:alpha val="100000"/>
+                </a:srgbClr>
+              </a:solidFill>
+              <a:prstDash val="solid"/>
+              <a:round/>
+            </a:ln>
+          </p:spPr>
+          <p:txBody>
+            <a:bodyPr/>
+            <a:lstStyle/>
+            <a:p>
+              <a:endParaRPr/>
+            </a:p>
+          </p:txBody>
+        </p:sp>
+        <p:sp>
+          <p:nvSpPr>
+            <p:cNvPr id="20" name="pt20"/>
+            <p:cNvSpPr/>
+            <p:nvPr/>
+          </p:nvSpPr>
+          <p:spPr>
+            <a:xfrm>
+              <a:off x="5384937" y="3172713"/>
+              <a:ext cx="144506" cy="144506"/>
+            </a:xfrm>
+            <a:prstGeom prst="ellipse">
+              <a:avLst/>
+            </a:prstGeom>
+            <a:solidFill>
+              <a:srgbClr val="FDAE61">
+                <a:alpha val="100000"/>
+              </a:srgbClr>
+            </a:solidFill>
+            <a:ln w="9000" cap="rnd">
+              <a:solidFill>
+                <a:srgbClr val="FDAE61">
+                  <a:alpha val="100000"/>
+                </a:srgbClr>
+              </a:solidFill>
+              <a:prstDash val="solid"/>
+              <a:round/>
+            </a:ln>
+          </p:spPr>
+          <p:txBody>
+            <a:bodyPr/>
+            <a:lstStyle/>
+            <a:p>
+              <a:endParaRPr/>
+            </a:p>
+          </p:txBody>
+        </p:sp>
+        <p:sp>
+          <p:nvSpPr>
+            <p:cNvPr id="21" name="pt21"/>
+            <p:cNvSpPr/>
+            <p:nvPr/>
+          </p:nvSpPr>
+          <p:spPr>
+            <a:xfrm>
+              <a:off x="5384937" y="3392169"/>
+              <a:ext cx="144506" cy="144506"/>
+            </a:xfrm>
+            <a:prstGeom prst="ellipse">
+              <a:avLst/>
+            </a:prstGeom>
+            <a:solidFill>
+              <a:srgbClr val="F46D43">
+                <a:alpha val="100000"/>
+              </a:srgbClr>
+            </a:solidFill>
+            <a:ln w="9000" cap="rnd">
+              <a:solidFill>
+                <a:srgbClr val="F46D43">
+                  <a:alpha val="100000"/>
+                </a:srgbClr>
+              </a:solidFill>
+              <a:prstDash val="solid"/>
+              <a:round/>
+            </a:ln>
+          </p:spPr>
+          <p:txBody>
+            <a:bodyPr/>
+            <a:lstStyle/>
+            <a:p>
+              <a:endParaRPr/>
+            </a:p>
+          </p:txBody>
+        </p:sp>
+        <p:sp>
+          <p:nvSpPr>
+            <p:cNvPr id="22" name="pt22"/>
+            <p:cNvSpPr/>
+            <p:nvPr/>
+          </p:nvSpPr>
+          <p:spPr>
+            <a:xfrm>
+              <a:off x="5384937" y="3611625"/>
+              <a:ext cx="144506" cy="144506"/>
+            </a:xfrm>
+            <a:prstGeom prst="ellipse">
+              <a:avLst/>
+            </a:prstGeom>
+            <a:solidFill>
+              <a:srgbClr val="D53E4F">
+                <a:alpha val="100000"/>
+              </a:srgbClr>
+            </a:solidFill>
+            <a:ln w="9000" cap="rnd">
+              <a:solidFill>
+                <a:srgbClr val="D53E4F">
+                  <a:alpha val="100000"/>
+                </a:srgbClr>
+              </a:solidFill>
+              <a:prstDash val="solid"/>
+              <a:round/>
+            </a:ln>
+          </p:spPr>
+          <p:txBody>
+            <a:bodyPr/>
+            <a:lstStyle/>
+            <a:p>
+              <a:endParaRPr/>
+            </a:p>
+          </p:txBody>
+        </p:sp>
+        <p:sp>
+          <p:nvSpPr>
+            <p:cNvPr id="23" name="tx23"/>
+            <p:cNvSpPr/>
+            <p:nvPr/>
+          </p:nvSpPr>
+          <p:spPr>
+            <a:xfrm>
+              <a:off x="5636507" y="2082802"/>
+              <a:ext cx="416262" cy="104884"/>
+            </a:xfrm>
+            <a:prstGeom prst="rect">
+              <a:avLst/>
+            </a:prstGeom>
+            <a:noFill/>
+          </p:spPr>
+          <p:txBody>
+            <a:bodyPr wrap="none" lIns="0" tIns="0" rIns="0" bIns="0" anchor="ctr" anchorCtr="1"/>
+            <a:lstStyle/>
+            <a:p>
+              <a:pPr marL="0" marR="0" indent="0" algn="l">
+                <a:lnSpc>
+                  <a:spcPts val="880"/>
+                </a:lnSpc>
+                <a:spcBef>
+                  <a:spcPts val="0"/>
+                </a:spcBef>
+                <a:spcAft>
+                  <a:spcPts val="0"/>
+                </a:spcAft>
+              </a:pPr>
+              <a:r>
+                <a:rPr sz="880">
+                  <a:solidFill>
+                    <a:srgbClr val="000000">
+                      <a:alpha val="100000"/>
+                    </a:srgbClr>
+                  </a:solidFill>
+                  <a:latin typeface="Arial"/>
+                  <a:cs typeface="Arial"/>
+                </a:rPr>
+                <a:t>1 (2001)</a:t>
+              </a:r>
+            </a:p>
+          </p:txBody>
+        </p:sp>
+        <p:sp>
+          <p:nvSpPr>
+            <p:cNvPr id="24" name="tx24"/>
+            <p:cNvSpPr/>
+            <p:nvPr/>
+          </p:nvSpPr>
+          <p:spPr>
+            <a:xfrm>
+              <a:off x="5636507" y="2302258"/>
+              <a:ext cx="354106" cy="104884"/>
+            </a:xfrm>
+            <a:prstGeom prst="rect">
+              <a:avLst/>
+            </a:prstGeom>
+            <a:noFill/>
+          </p:spPr>
+          <p:txBody>
+            <a:bodyPr wrap="none" lIns="0" tIns="0" rIns="0" bIns="0" anchor="ctr" anchorCtr="1"/>
+            <a:lstStyle/>
+            <a:p>
+              <a:pPr marL="0" marR="0" indent="0" algn="l">
+                <a:lnSpc>
+                  <a:spcPts val="880"/>
+                </a:lnSpc>
+                <a:spcBef>
+                  <a:spcPts val="0"/>
+                </a:spcBef>
+                <a:spcAft>
+                  <a:spcPts val="0"/>
+                </a:spcAft>
+              </a:pPr>
+              <a:r>
+                <a:rPr sz="880">
+                  <a:solidFill>
+                    <a:srgbClr val="000000">
+                      <a:alpha val="100000"/>
+                    </a:srgbClr>
+                  </a:solidFill>
+                  <a:latin typeface="Arial"/>
+                  <a:cs typeface="Arial"/>
+                </a:rPr>
+                <a:t>2 (206)</a:t>
+              </a:r>
+            </a:p>
+          </p:txBody>
+        </p:sp>
+        <p:sp>
+          <p:nvSpPr>
+            <p:cNvPr id="25" name="tx25"/>
+            <p:cNvSpPr/>
+            <p:nvPr/>
+          </p:nvSpPr>
+          <p:spPr>
+            <a:xfrm>
+              <a:off x="5636507" y="2521714"/>
+              <a:ext cx="291951" cy="104884"/>
+            </a:xfrm>
+            <a:prstGeom prst="rect">
+              <a:avLst/>
+            </a:prstGeom>
+            <a:noFill/>
+          </p:spPr>
+          <p:txBody>
+            <a:bodyPr wrap="none" lIns="0" tIns="0" rIns="0" bIns="0" anchor="ctr" anchorCtr="1"/>
+            <a:lstStyle/>
+            <a:p>
+              <a:pPr marL="0" marR="0" indent="0" algn="l">
+                <a:lnSpc>
+                  <a:spcPts val="880"/>
+                </a:lnSpc>
+                <a:spcBef>
+                  <a:spcPts val="0"/>
+                </a:spcBef>
+                <a:spcAft>
+                  <a:spcPts val="0"/>
+                </a:spcAft>
+              </a:pPr>
+              <a:r>
+                <a:rPr sz="880">
+                  <a:solidFill>
+                    <a:srgbClr val="000000">
+                      <a:alpha val="100000"/>
+                    </a:srgbClr>
+                  </a:solidFill>
+                  <a:latin typeface="Arial"/>
+                  <a:cs typeface="Arial"/>
+                </a:rPr>
+                <a:t>3 (50)</a:t>
+              </a:r>
+            </a:p>
+          </p:txBody>
+        </p:sp>
+        <p:sp>
+          <p:nvSpPr>
+            <p:cNvPr id="26" name="tx26"/>
+            <p:cNvSpPr/>
+            <p:nvPr/>
+          </p:nvSpPr>
+          <p:spPr>
+            <a:xfrm>
+              <a:off x="5636507" y="2741170"/>
+              <a:ext cx="291951" cy="104884"/>
+            </a:xfrm>
+            <a:prstGeom prst="rect">
+              <a:avLst/>
+            </a:prstGeom>
+            <a:noFill/>
+          </p:spPr>
+          <p:txBody>
+            <a:bodyPr wrap="none" lIns="0" tIns="0" rIns="0" bIns="0" anchor="ctr" anchorCtr="1"/>
+            <a:lstStyle/>
+            <a:p>
+              <a:pPr marL="0" marR="0" indent="0" algn="l">
+                <a:lnSpc>
+                  <a:spcPts val="880"/>
+                </a:lnSpc>
+                <a:spcBef>
+                  <a:spcPts val="0"/>
+                </a:spcBef>
+                <a:spcAft>
+                  <a:spcPts val="0"/>
+                </a:spcAft>
+              </a:pPr>
+              <a:r>
+                <a:rPr sz="880">
+                  <a:solidFill>
+                    <a:srgbClr val="000000">
+                      <a:alpha val="100000"/>
+                    </a:srgbClr>
+                  </a:solidFill>
+                  <a:latin typeface="Arial"/>
+                  <a:cs typeface="Arial"/>
+                </a:rPr>
+                <a:t>4 (31)</a:t>
+              </a:r>
+            </a:p>
+          </p:txBody>
+        </p:sp>
+        <p:sp>
+          <p:nvSpPr>
+            <p:cNvPr id="27" name="tx27"/>
+            <p:cNvSpPr/>
+            <p:nvPr/>
+          </p:nvSpPr>
+          <p:spPr>
+            <a:xfrm>
+              <a:off x="5636507" y="2960626"/>
+              <a:ext cx="291951" cy="104884"/>
+            </a:xfrm>
+            <a:prstGeom prst="rect">
+              <a:avLst/>
+            </a:prstGeom>
+            <a:noFill/>
+          </p:spPr>
+          <p:txBody>
+            <a:bodyPr wrap="none" lIns="0" tIns="0" rIns="0" bIns="0" anchor="ctr" anchorCtr="1"/>
+            <a:lstStyle/>
+            <a:p>
+              <a:pPr marL="0" marR="0" indent="0" algn="l">
+                <a:lnSpc>
+                  <a:spcPts val="880"/>
+                </a:lnSpc>
+                <a:spcBef>
+                  <a:spcPts val="0"/>
+                </a:spcBef>
+                <a:spcAft>
+                  <a:spcPts val="0"/>
+                </a:spcAft>
+              </a:pPr>
+              <a:r>
+                <a:rPr sz="880">
+                  <a:solidFill>
+                    <a:srgbClr val="000000">
+                      <a:alpha val="100000"/>
+                    </a:srgbClr>
+                  </a:solidFill>
+                  <a:latin typeface="Arial"/>
+                  <a:cs typeface="Arial"/>
+                </a:rPr>
+                <a:t>5 (11)</a:t>
+              </a:r>
+            </a:p>
+          </p:txBody>
+        </p:sp>
+        <p:sp>
+          <p:nvSpPr>
+            <p:cNvPr id="28" name="tx28"/>
+            <p:cNvSpPr/>
+            <p:nvPr/>
+          </p:nvSpPr>
+          <p:spPr>
+            <a:xfrm>
+              <a:off x="5636507" y="3180082"/>
+              <a:ext cx="229795" cy="104884"/>
+            </a:xfrm>
+            <a:prstGeom prst="rect">
+              <a:avLst/>
+            </a:prstGeom>
+            <a:noFill/>
+          </p:spPr>
+          <p:txBody>
+            <a:bodyPr wrap="none" lIns="0" tIns="0" rIns="0" bIns="0" anchor="ctr" anchorCtr="1"/>
+            <a:lstStyle/>
+            <a:p>
+              <a:pPr marL="0" marR="0" indent="0" algn="l">
+                <a:lnSpc>
+                  <a:spcPts val="880"/>
+                </a:lnSpc>
+                <a:spcBef>
+                  <a:spcPts val="0"/>
+                </a:spcBef>
+                <a:spcAft>
+                  <a:spcPts val="0"/>
+                </a:spcAft>
+              </a:pPr>
+              <a:r>
+                <a:rPr sz="880">
+                  <a:solidFill>
+                    <a:srgbClr val="000000">
+                      <a:alpha val="100000"/>
+                    </a:srgbClr>
+                  </a:solidFill>
+                  <a:latin typeface="Arial"/>
+                  <a:cs typeface="Arial"/>
+                </a:rPr>
+                <a:t>6 (6)</a:t>
+              </a:r>
+            </a:p>
+          </p:txBody>
+        </p:sp>
+        <p:sp>
+          <p:nvSpPr>
+            <p:cNvPr id="29" name="tx29"/>
+            <p:cNvSpPr/>
+            <p:nvPr/>
+          </p:nvSpPr>
+          <p:spPr>
+            <a:xfrm>
+              <a:off x="5636507" y="3399538"/>
+              <a:ext cx="229795" cy="104884"/>
+            </a:xfrm>
+            <a:prstGeom prst="rect">
+              <a:avLst/>
+            </a:prstGeom>
+            <a:noFill/>
+          </p:spPr>
+          <p:txBody>
+            <a:bodyPr wrap="none" lIns="0" tIns="0" rIns="0" bIns="0" anchor="ctr" anchorCtr="1"/>
+            <a:lstStyle/>
+            <a:p>
+              <a:pPr marL="0" marR="0" indent="0" algn="l">
+                <a:lnSpc>
+                  <a:spcPts val="880"/>
+                </a:lnSpc>
+                <a:spcBef>
+                  <a:spcPts val="0"/>
+                </a:spcBef>
+                <a:spcAft>
+                  <a:spcPts val="0"/>
+                </a:spcAft>
+              </a:pPr>
+              <a:r>
+                <a:rPr sz="880">
+                  <a:solidFill>
+                    <a:srgbClr val="000000">
+                      <a:alpha val="100000"/>
+                    </a:srgbClr>
+                  </a:solidFill>
+                  <a:latin typeface="Arial"/>
+                  <a:cs typeface="Arial"/>
+                </a:rPr>
+                <a:t>7 (2)</a:t>
+              </a:r>
+            </a:p>
+          </p:txBody>
+        </p:sp>
+        <p:sp>
+          <p:nvSpPr>
+            <p:cNvPr id="30" name="tx30"/>
+            <p:cNvSpPr/>
+            <p:nvPr/>
+          </p:nvSpPr>
+          <p:spPr>
+            <a:xfrm>
+              <a:off x="5636507" y="3618994"/>
+              <a:ext cx="229795" cy="104884"/>
+            </a:xfrm>
+            <a:prstGeom prst="rect">
+              <a:avLst/>
+            </a:prstGeom>
+            <a:noFill/>
+          </p:spPr>
+          <p:txBody>
+            <a:bodyPr wrap="none" lIns="0" tIns="0" rIns="0" bIns="0" anchor="ctr" anchorCtr="1"/>
+            <a:lstStyle/>
+            <a:p>
+              <a:pPr marL="0" marR="0" indent="0" algn="l">
+                <a:lnSpc>
+                  <a:spcPts val="880"/>
+                </a:lnSpc>
+                <a:spcBef>
+                  <a:spcPts val="0"/>
+                </a:spcBef>
+                <a:spcAft>
+                  <a:spcPts val="0"/>
+                </a:spcAft>
+              </a:pPr>
+              <a:r>
+                <a:rPr sz="880">
+                  <a:solidFill>
+                    <a:srgbClr val="000000">
+                      <a:alpha val="100000"/>
+                    </a:srgbClr>
+                  </a:solidFill>
+                  <a:latin typeface="Arial"/>
+                  <a:cs typeface="Arial"/>
+                </a:rPr>
+                <a:t>8 (1)</a:t>
+              </a:r>
+            </a:p>
+          </p:txBody>
+        </p:sp>
+      </p:grpSp>
+    </p:spTree>
+  </p:cSld>
+  <p:clrMapOvr>
+    <a:masterClrMapping/>
+  </p:clrMapOvr>
+</p:sld>
+</file>
+
+<file path=ppt/slides/slide6.xml><?xml version="1.0" encoding="utf-8"?>
+<p:sld xmlns:a="http://schemas.openxmlformats.org/drawingml/2006/main" xmlns:r="http://schemas.openxmlformats.org/officeDocument/2006/relationships" xmlns:p="http://schemas.openxmlformats.org/presentationml/2006/main">
+  <p:cSld>
+    <p:spTree>
+      <p:nvGrpSpPr>
+        <p:cNvPr id="1" name=""/>
+        <p:cNvGrpSpPr/>
+        <p:nvPr/>
+      </p:nvGrpSpPr>
+      <p:grpSpPr>
+        <a:xfrm>
+          <a:off x="0" y="0"/>
+          <a:ext cx="0" cy="0"/>
+          <a:chOff x="0" y="0"/>
+          <a:chExt cx="0" cy="0"/>
+        </a:xfrm>
+      </p:grpSpPr>
+      <p:grpSp xmlns:a="http://schemas.openxmlformats.org/drawingml/2006/main" xmlns:r="http://schemas.openxmlformats.org/officeDocument/2006/relationships" xmlns:p="http://schemas.openxmlformats.org/presentationml/2006/main" xmlns:pic="http://schemas.openxmlformats.org/drawingml/2006/picture">
+        <p:nvGrpSpPr>
+          <p:cNvPr id="2" name=""/>
+          <p:cNvGrpSpPr/>
+          <p:nvPr/>
+        </p:nvGrpSpPr>
+        <p:grpSpPr>
+          <a:xfrm>
+            <a:off x="1190625" y="1112838"/>
+            <a:ext cx="5181600" cy="3105150"/>
+            <a:chOff x="1190625" y="1112838"/>
+            <a:chExt cx="5181600" cy="3105150"/>
+          </a:xfrm>
+        </p:grpSpPr>
+        <p:sp>
+          <p:nvSpPr>
+            <p:cNvPr id="3" name="rc3"/>
+            <p:cNvSpPr/>
+            <p:nvPr/>
+          </p:nvSpPr>
+          <p:spPr>
+            <a:xfrm>
+              <a:off x="1190625" y="1112837"/>
+              <a:ext cx="5181599" cy="3105150"/>
+            </a:xfrm>
+            <a:prstGeom prst="rect">
+              <a:avLst/>
+            </a:prstGeom>
+            <a:solidFill>
+              <a:srgbClr val="FFFFFF">
+                <a:alpha val="100000"/>
+              </a:srgbClr>
+            </a:solidFill>
+            <a:ln w="9525" cap="rnd">
+              <a:solidFill>
+                <a:srgbClr val="FFFFFF">
+                  <a:alpha val="100000"/>
+                </a:srgbClr>
+              </a:solidFill>
+              <a:prstDash val="solid"/>
+              <a:round/>
+            </a:ln>
+          </p:spPr>
+          <p:txBody>
+            <a:bodyPr/>
+            <a:lstStyle/>
+            <a:p/>
+          </p:txBody>
+        </p:sp>
+        <p:sp>
+          <p:nvSpPr>
+            <p:cNvPr id="4" name="tx4"/>
+            <p:cNvSpPr/>
+            <p:nvPr/>
+          </p:nvSpPr>
+          <p:spPr>
+            <a:xfrm>
+              <a:off x="3267075" y="1548575"/>
+              <a:ext cx="1024762" cy="103342"/>
+            </a:xfrm>
+            <a:prstGeom prst="rect">
+              <a:avLst/>
+            </a:prstGeom>
+            <a:noFill/>
+          </p:spPr>
+          <p:txBody>
+            <a:bodyPr lIns="0" rIns="0" tIns="0" bIns="0" anchorCtr="1" anchor="ctr" wrap="none"/>
+            <a:lstStyle/>
+            <a:p>
+              <a:pPr algn="l" marL="0" marR="0" indent="0">
+                <a:lnSpc>
+                  <a:spcPts val="1100"/>
+                </a:lnSpc>
+                <a:spcBef>
+                  <a:spcPts val="0"/>
+                </a:spcBef>
+                <a:spcAft>
+                  <a:spcPts val="0"/>
+                </a:spcAft>
+              </a:pPr>
+              <a:r>
+                <a:rPr sz="1100">
+                  <a:solidFill>
+                    <a:srgbClr val="000000">
+                      <a:alpha val="100000"/>
+                    </a:srgbClr>
+                  </a:solidFill>
+                  <a:latin typeface="Arial"/>
+                  <a:cs typeface="Arial"/>
+                </a:rPr>
+                <a:t>Number of times</a:t>
+              </a:r>
+            </a:p>
+          </p:txBody>
+        </p:sp>
+        <p:sp>
+          <p:nvSpPr>
+            <p:cNvPr id="5" name="tx5"/>
+            <p:cNvSpPr/>
+            <p:nvPr/>
+          </p:nvSpPr>
+          <p:spPr>
+            <a:xfrm>
+              <a:off x="3267075" y="1701156"/>
+              <a:ext cx="745362" cy="101637"/>
+            </a:xfrm>
+            <a:prstGeom prst="rect">
+              <a:avLst/>
+            </a:prstGeom>
+            <a:noFill/>
+          </p:spPr>
+          <p:txBody>
+            <a:bodyPr lIns="0" rIns="0" tIns="0" bIns="0" anchorCtr="1" anchor="ctr" wrap="none"/>
+            <a:lstStyle/>
+            <a:p>
+              <a:pPr algn="l" marL="0" marR="0" indent="0">
+                <a:lnSpc>
+                  <a:spcPts val="1100"/>
+                </a:lnSpc>
+                <a:spcBef>
+                  <a:spcPts val="0"/>
+                </a:spcBef>
+                <a:spcAft>
+                  <a:spcPts val="0"/>
+                </a:spcAft>
+              </a:pPr>
+              <a:r>
+                <a:rPr sz="1100">
+                  <a:solidFill>
+                    <a:srgbClr val="000000">
+                      <a:alpha val="100000"/>
+                    </a:srgbClr>
+                  </a:solidFill>
+                  <a:latin typeface="Arial"/>
+                  <a:cs typeface="Arial"/>
+                </a:rPr>
+                <a:t>cited across</a:t>
+              </a:r>
+            </a:p>
+          </p:txBody>
+        </p:sp>
+        <p:sp>
+          <p:nvSpPr>
+            <p:cNvPr id="6" name="tx6"/>
+            <p:cNvSpPr/>
+            <p:nvPr/>
+          </p:nvSpPr>
+          <p:spPr>
+            <a:xfrm>
+              <a:off x="3267075" y="1822564"/>
+              <a:ext cx="877490" cy="131105"/>
+            </a:xfrm>
+            <a:prstGeom prst="rect">
+              <a:avLst/>
+            </a:prstGeom>
+            <a:noFill/>
+          </p:spPr>
+          <p:txBody>
+            <a:bodyPr lIns="0" rIns="0" tIns="0" bIns="0" anchorCtr="1" anchor="ctr" wrap="none"/>
+            <a:lstStyle/>
+            <a:p>
+              <a:pPr algn="l" marL="0" marR="0" indent="0">
+                <a:lnSpc>
+                  <a:spcPts val="1100"/>
+                </a:lnSpc>
+                <a:spcBef>
+                  <a:spcPts val="0"/>
+                </a:spcBef>
+                <a:spcAft>
+                  <a:spcPts val="0"/>
+                </a:spcAft>
+              </a:pPr>
+              <a:r>
+                <a:rPr sz="1100">
+                  <a:solidFill>
+                    <a:srgbClr val="000000">
+                      <a:alpha val="100000"/>
+                    </a:srgbClr>
+                  </a:solidFill>
+                  <a:latin typeface="Arial"/>
+                  <a:cs typeface="Arial"/>
+                </a:rPr>
+                <a:t>guidelines (n):</a:t>
+              </a:r>
+            </a:p>
+          </p:txBody>
+        </p:sp>
+        <p:sp>
+          <p:nvSpPr>
+            <p:cNvPr id="7" name="pt7"/>
+            <p:cNvSpPr/>
+            <p:nvPr/>
+          </p:nvSpPr>
+          <p:spPr>
+            <a:xfrm>
+              <a:off x="3304549" y="2082171"/>
+              <a:ext cx="144506" cy="144506"/>
+            </a:xfrm>
+            <a:prstGeom prst="ellipse">
+              <a:avLst/>
+            </a:prstGeom>
+            <a:solidFill>
+              <a:srgbClr val="3288BD">
+                <a:alpha val="100000"/>
+              </a:srgbClr>
+            </a:solidFill>
+            <a:ln w="9000" cap="rnd">
+              <a:solidFill>
+                <a:srgbClr val="3288BD">
+                  <a:alpha val="100000"/>
+                </a:srgbClr>
+              </a:solidFill>
+              <a:prstDash val="solid"/>
+              <a:round/>
+            </a:ln>
+          </p:spPr>
+          <p:txBody>
+            <a:bodyPr/>
+            <a:lstStyle/>
+            <a:p/>
+          </p:txBody>
+        </p:sp>
+        <p:sp>
+          <p:nvSpPr>
+            <p:cNvPr id="8" name="pt8"/>
+            <p:cNvSpPr/>
+            <p:nvPr/>
+          </p:nvSpPr>
+          <p:spPr>
+            <a:xfrm>
+              <a:off x="3304549" y="2301627"/>
+              <a:ext cx="144506" cy="144506"/>
+            </a:xfrm>
+            <a:prstGeom prst="ellipse">
+              <a:avLst/>
+            </a:prstGeom>
+            <a:solidFill>
+              <a:srgbClr val="66C2A5">
+                <a:alpha val="100000"/>
+              </a:srgbClr>
+            </a:solidFill>
+            <a:ln w="9000" cap="rnd">
+              <a:solidFill>
+                <a:srgbClr val="66C2A5">
+                  <a:alpha val="100000"/>
+                </a:srgbClr>
+              </a:solidFill>
+              <a:prstDash val="solid"/>
+              <a:round/>
+            </a:ln>
+          </p:spPr>
+          <p:txBody>
+            <a:bodyPr/>
+            <a:lstStyle/>
+            <a:p/>
+          </p:txBody>
+        </p:sp>
+        <p:sp>
+          <p:nvSpPr>
+            <p:cNvPr id="9" name="pt9"/>
+            <p:cNvSpPr/>
+            <p:nvPr/>
+          </p:nvSpPr>
+          <p:spPr>
+            <a:xfrm>
+              <a:off x="3304549" y="2521083"/>
+              <a:ext cx="144506" cy="144506"/>
+            </a:xfrm>
+            <a:prstGeom prst="ellipse">
+              <a:avLst/>
+            </a:prstGeom>
+            <a:solidFill>
+              <a:srgbClr val="ABDDA4">
+                <a:alpha val="100000"/>
+              </a:srgbClr>
+            </a:solidFill>
+            <a:ln w="9000" cap="rnd">
+              <a:solidFill>
+                <a:srgbClr val="ABDDA4">
+                  <a:alpha val="100000"/>
+                </a:srgbClr>
+              </a:solidFill>
+              <a:prstDash val="solid"/>
+              <a:round/>
+            </a:ln>
+          </p:spPr>
+          <p:txBody>
+            <a:bodyPr/>
+            <a:lstStyle/>
+            <a:p/>
+          </p:txBody>
+        </p:sp>
+        <p:sp>
+          <p:nvSpPr>
+            <p:cNvPr id="10" name="pt10"/>
+            <p:cNvSpPr/>
+            <p:nvPr/>
+          </p:nvSpPr>
+          <p:spPr>
+            <a:xfrm>
+              <a:off x="3304549" y="2740539"/>
+              <a:ext cx="144506" cy="144506"/>
+            </a:xfrm>
+            <a:prstGeom prst="ellipse">
+              <a:avLst/>
+            </a:prstGeom>
+            <a:solidFill>
+              <a:srgbClr val="E6F598">
+                <a:alpha val="100000"/>
+              </a:srgbClr>
+            </a:solidFill>
+            <a:ln w="9000" cap="rnd">
+              <a:solidFill>
+                <a:srgbClr val="E6F598">
+                  <a:alpha val="100000"/>
+                </a:srgbClr>
+              </a:solidFill>
+              <a:prstDash val="solid"/>
+              <a:round/>
+            </a:ln>
+          </p:spPr>
+          <p:txBody>
+            <a:bodyPr/>
+            <a:lstStyle/>
+            <a:p/>
+          </p:txBody>
+        </p:sp>
+        <p:sp>
+          <p:nvSpPr>
+            <p:cNvPr id="11" name="pt11"/>
+            <p:cNvSpPr/>
+            <p:nvPr/>
+          </p:nvSpPr>
+          <p:spPr>
+            <a:xfrm>
+              <a:off x="3304549" y="2959995"/>
+              <a:ext cx="144506" cy="144506"/>
+            </a:xfrm>
+            <a:prstGeom prst="ellipse">
+              <a:avLst/>
+            </a:prstGeom>
+            <a:solidFill>
+              <a:srgbClr val="FEE08B">
+                <a:alpha val="100000"/>
+              </a:srgbClr>
+            </a:solidFill>
+            <a:ln w="9000" cap="rnd">
+              <a:solidFill>
+                <a:srgbClr val="FEE08B">
+                  <a:alpha val="100000"/>
+                </a:srgbClr>
+              </a:solidFill>
+              <a:prstDash val="solid"/>
+              <a:round/>
+            </a:ln>
+          </p:spPr>
+          <p:txBody>
+            <a:bodyPr/>
+            <a:lstStyle/>
+            <a:p/>
+          </p:txBody>
+        </p:sp>
+        <p:sp>
+          <p:nvSpPr>
+            <p:cNvPr id="12" name="pt12"/>
+            <p:cNvSpPr/>
+            <p:nvPr/>
+          </p:nvSpPr>
+          <p:spPr>
+            <a:xfrm>
+              <a:off x="3304549" y="3179451"/>
+              <a:ext cx="144506" cy="144506"/>
+            </a:xfrm>
+            <a:prstGeom prst="ellipse">
+              <a:avLst/>
+            </a:prstGeom>
+            <a:solidFill>
+              <a:srgbClr val="FDAE61">
+                <a:alpha val="100000"/>
+              </a:srgbClr>
+            </a:solidFill>
+            <a:ln w="9000" cap="rnd">
+              <a:solidFill>
+                <a:srgbClr val="FDAE61">
+                  <a:alpha val="100000"/>
+                </a:srgbClr>
+              </a:solidFill>
+              <a:prstDash val="solid"/>
+              <a:round/>
+            </a:ln>
+          </p:spPr>
+          <p:txBody>
+            <a:bodyPr/>
+            <a:lstStyle/>
+            <a:p/>
+          </p:txBody>
+        </p:sp>
+        <p:sp>
+          <p:nvSpPr>
+            <p:cNvPr id="13" name="pt13"/>
+            <p:cNvSpPr/>
+            <p:nvPr/>
+          </p:nvSpPr>
+          <p:spPr>
+            <a:xfrm>
+              <a:off x="3304549" y="3398907"/>
+              <a:ext cx="144506" cy="144506"/>
+            </a:xfrm>
+            <a:prstGeom prst="ellipse">
+              <a:avLst/>
+            </a:prstGeom>
+            <a:solidFill>
+              <a:srgbClr val="F46D43">
+                <a:alpha val="100000"/>
+              </a:srgbClr>
+            </a:solidFill>
+            <a:ln w="9000" cap="rnd">
+              <a:solidFill>
+                <a:srgbClr val="F46D43">
+                  <a:alpha val="100000"/>
+                </a:srgbClr>
+              </a:solidFill>
+              <a:prstDash val="solid"/>
+              <a:round/>
+            </a:ln>
+          </p:spPr>
+          <p:txBody>
+            <a:bodyPr/>
+            <a:lstStyle/>
+            <a:p/>
+          </p:txBody>
+        </p:sp>
+        <p:sp>
+          <p:nvSpPr>
+            <p:cNvPr id="14" name="pt14"/>
+            <p:cNvSpPr/>
+            <p:nvPr/>
+          </p:nvSpPr>
+          <p:spPr>
+            <a:xfrm>
+              <a:off x="3304549" y="3618363"/>
+              <a:ext cx="144506" cy="144506"/>
+            </a:xfrm>
+            <a:prstGeom prst="ellipse">
+              <a:avLst/>
+            </a:prstGeom>
+            <a:solidFill>
+              <a:srgbClr val="D53E4F">
+                <a:alpha val="100000"/>
+              </a:srgbClr>
+            </a:solidFill>
+            <a:ln w="9000" cap="rnd">
+              <a:solidFill>
+                <a:srgbClr val="D53E4F">
+                  <a:alpha val="100000"/>
+                </a:srgbClr>
+              </a:solidFill>
+              <a:prstDash val="solid"/>
+              <a:round/>
+            </a:ln>
+          </p:spPr>
+          <p:txBody>
+            <a:bodyPr/>
+            <a:lstStyle/>
+            <a:p/>
+          </p:txBody>
+        </p:sp>
+        <p:sp>
+          <p:nvSpPr>
+            <p:cNvPr id="15" name="tx15"/>
+            <p:cNvSpPr/>
+            <p:nvPr/>
+          </p:nvSpPr>
+          <p:spPr>
+            <a:xfrm>
+              <a:off x="3556120" y="2089540"/>
+              <a:ext cx="416262" cy="104884"/>
+            </a:xfrm>
+            <a:prstGeom prst="rect">
+              <a:avLst/>
+            </a:prstGeom>
+            <a:noFill/>
+          </p:spPr>
+          <p:txBody>
+            <a:bodyPr lIns="0" rIns="0" tIns="0" bIns="0" anchorCtr="1" anchor="ctr" wrap="none"/>
+            <a:lstStyle/>
+            <a:p>
+              <a:pPr algn="l" marL="0" marR="0" indent="0">
+                <a:lnSpc>
+                  <a:spcPts val="880"/>
+                </a:lnSpc>
+                <a:spcBef>
+                  <a:spcPts val="0"/>
+                </a:spcBef>
+                <a:spcAft>
+                  <a:spcPts val="0"/>
+                </a:spcAft>
+              </a:pPr>
+              <a:r>
+                <a:rPr sz="880">
+                  <a:solidFill>
+                    <a:srgbClr val="000000">
+                      <a:alpha val="100000"/>
+                    </a:srgbClr>
+                  </a:solidFill>
+                  <a:latin typeface="Arial"/>
+                  <a:cs typeface="Arial"/>
+                </a:rPr>
+                <a:t>1 (2001)</a:t>
+              </a:r>
+            </a:p>
+          </p:txBody>
+        </p:sp>
+        <p:sp>
+          <p:nvSpPr>
+            <p:cNvPr id="16" name="tx16"/>
+            <p:cNvSpPr/>
+            <p:nvPr/>
+          </p:nvSpPr>
+          <p:spPr>
+            <a:xfrm>
+              <a:off x="3556120" y="2308996"/>
+              <a:ext cx="354106" cy="104884"/>
+            </a:xfrm>
+            <a:prstGeom prst="rect">
+              <a:avLst/>
+            </a:prstGeom>
+            <a:noFill/>
+          </p:spPr>
+          <p:txBody>
+            <a:bodyPr lIns="0" rIns="0" tIns="0" bIns="0" anchorCtr="1" anchor="ctr" wrap="none"/>
+            <a:lstStyle/>
+            <a:p>
+              <a:pPr algn="l" marL="0" marR="0" indent="0">
+                <a:lnSpc>
+                  <a:spcPts val="880"/>
+                </a:lnSpc>
+                <a:spcBef>
+                  <a:spcPts val="0"/>
+                </a:spcBef>
+                <a:spcAft>
+                  <a:spcPts val="0"/>
+                </a:spcAft>
+              </a:pPr>
+              <a:r>
+                <a:rPr sz="880">
+                  <a:solidFill>
+                    <a:srgbClr val="000000">
+                      <a:alpha val="100000"/>
+                    </a:srgbClr>
+                  </a:solidFill>
+                  <a:latin typeface="Arial"/>
+                  <a:cs typeface="Arial"/>
+                </a:rPr>
+                <a:t>2 (206)</a:t>
+              </a:r>
+            </a:p>
+          </p:txBody>
+        </p:sp>
+        <p:sp>
+          <p:nvSpPr>
+            <p:cNvPr id="17" name="tx17"/>
+            <p:cNvSpPr/>
+            <p:nvPr/>
+          </p:nvSpPr>
+          <p:spPr>
+            <a:xfrm>
+              <a:off x="3556120" y="2528452"/>
+              <a:ext cx="291951" cy="104884"/>
+            </a:xfrm>
+            <a:prstGeom prst="rect">
+              <a:avLst/>
+            </a:prstGeom>
+            <a:noFill/>
+          </p:spPr>
+          <p:txBody>
+            <a:bodyPr lIns="0" rIns="0" tIns="0" bIns="0" anchorCtr="1" anchor="ctr" wrap="none"/>
+            <a:lstStyle/>
+            <a:p>
+              <a:pPr algn="l" marL="0" marR="0" indent="0">
+                <a:lnSpc>
+                  <a:spcPts val="880"/>
+                </a:lnSpc>
+                <a:spcBef>
+                  <a:spcPts val="0"/>
+                </a:spcBef>
+                <a:spcAft>
+                  <a:spcPts val="0"/>
+                </a:spcAft>
+              </a:pPr>
+              <a:r>
+                <a:rPr sz="880">
+                  <a:solidFill>
+                    <a:srgbClr val="000000">
+                      <a:alpha val="100000"/>
+                    </a:srgbClr>
+                  </a:solidFill>
+                  <a:latin typeface="Arial"/>
+                  <a:cs typeface="Arial"/>
+                </a:rPr>
+                <a:t>3 (50)</a:t>
+              </a:r>
+            </a:p>
+          </p:txBody>
+        </p:sp>
+        <p:sp>
+          <p:nvSpPr>
+            <p:cNvPr id="18" name="tx18"/>
+            <p:cNvSpPr/>
+            <p:nvPr/>
+          </p:nvSpPr>
+          <p:spPr>
+            <a:xfrm>
+              <a:off x="3556120" y="2747908"/>
+              <a:ext cx="291951" cy="104884"/>
+            </a:xfrm>
+            <a:prstGeom prst="rect">
+              <a:avLst/>
+            </a:prstGeom>
+            <a:noFill/>
+          </p:spPr>
+          <p:txBody>
+            <a:bodyPr lIns="0" rIns="0" tIns="0" bIns="0" anchorCtr="1" anchor="ctr" wrap="none"/>
+            <a:lstStyle/>
+            <a:p>
+              <a:pPr algn="l" marL="0" marR="0" indent="0">
+                <a:lnSpc>
+                  <a:spcPts val="880"/>
+                </a:lnSpc>
+                <a:spcBef>
+                  <a:spcPts val="0"/>
+                </a:spcBef>
+                <a:spcAft>
+                  <a:spcPts val="0"/>
+                </a:spcAft>
+              </a:pPr>
+              <a:r>
+                <a:rPr sz="880">
+                  <a:solidFill>
+                    <a:srgbClr val="000000">
+                      <a:alpha val="100000"/>
+                    </a:srgbClr>
+                  </a:solidFill>
+                  <a:latin typeface="Arial"/>
+                  <a:cs typeface="Arial"/>
+                </a:rPr>
+                <a:t>4 (31)</a:t>
+              </a:r>
+            </a:p>
+          </p:txBody>
+        </p:sp>
+        <p:sp>
+          <p:nvSpPr>
+            <p:cNvPr id="19" name="tx19"/>
+            <p:cNvSpPr/>
+            <p:nvPr/>
+          </p:nvSpPr>
+          <p:spPr>
+            <a:xfrm>
+              <a:off x="3556120" y="2967364"/>
+              <a:ext cx="291951" cy="104884"/>
+            </a:xfrm>
+            <a:prstGeom prst="rect">
+              <a:avLst/>
+            </a:prstGeom>
+            <a:noFill/>
+          </p:spPr>
+          <p:txBody>
+            <a:bodyPr lIns="0" rIns="0" tIns="0" bIns="0" anchorCtr="1" anchor="ctr" wrap="none"/>
+            <a:lstStyle/>
+            <a:p>
+              <a:pPr algn="l" marL="0" marR="0" indent="0">
+                <a:lnSpc>
+                  <a:spcPts val="880"/>
+                </a:lnSpc>
+                <a:spcBef>
+                  <a:spcPts val="0"/>
+                </a:spcBef>
+                <a:spcAft>
+                  <a:spcPts val="0"/>
+                </a:spcAft>
+              </a:pPr>
+              <a:r>
+                <a:rPr sz="880">
+                  <a:solidFill>
+                    <a:srgbClr val="000000">
+                      <a:alpha val="100000"/>
+                    </a:srgbClr>
+                  </a:solidFill>
+                  <a:latin typeface="Arial"/>
+                  <a:cs typeface="Arial"/>
+                </a:rPr>
+                <a:t>5 (11)</a:t>
               </a:r>
             </a:p>
           </p:txBody>

--- a/outputs/legend_nrefs_paper.pptx
+++ b/outputs/legend_nrefs_paper.pptx
@@ -9,8 +9,10 @@
     <p:sldId id="257" r:id="rId3"/>
     <p:sldId id="258" r:id="rId4"/>
     <p:sldId id="260" r:id="rId5"/>
-    <p:sldId id="259" r:id="rId6"/>
-    <p:sldId id="261" r:id="rId11"/>
+    <p:sldId id="262" r:id="rId6"/>
+    <p:sldId id="263" r:id="rId7"/>
+    <p:sldId id="264" r:id="rId12"/>
+    <p:sldId id="265" r:id="rId13"/>
   </p:sldIdLst>
   <p:sldSz cx="7562850" cy="5330825"/>
   <p:notesSz cx="6858000" cy="9144000"/>
@@ -309,7 +311,7 @@
           <a:p>
             <a:fld id="{6BA5D40C-A8DC-479A-A5D3-E7B4936A184B}" type="datetimeFigureOut">
               <a:rPr lang="en-GB" smtClean="0"/>
-              <a:t>07/07/2020</a:t>
+              <a:t>14/07/2020</a:t>
             </a:fld>
             <a:endParaRPr lang="en-GB"/>
           </a:p>
@@ -479,7 +481,7 @@
           <a:p>
             <a:fld id="{6BA5D40C-A8DC-479A-A5D3-E7B4936A184B}" type="datetimeFigureOut">
               <a:rPr lang="en-GB" smtClean="0"/>
-              <a:t>07/07/2020</a:t>
+              <a:t>14/07/2020</a:t>
             </a:fld>
             <a:endParaRPr lang="en-GB"/>
           </a:p>
@@ -659,7 +661,7 @@
           <a:p>
             <a:fld id="{6BA5D40C-A8DC-479A-A5D3-E7B4936A184B}" type="datetimeFigureOut">
               <a:rPr lang="en-GB" smtClean="0"/>
-              <a:t>07/07/2020</a:t>
+              <a:t>14/07/2020</a:t>
             </a:fld>
             <a:endParaRPr lang="en-GB"/>
           </a:p>
@@ -829,7 +831,7 @@
           <a:p>
             <a:fld id="{6BA5D40C-A8DC-479A-A5D3-E7B4936A184B}" type="datetimeFigureOut">
               <a:rPr lang="en-GB" smtClean="0"/>
-              <a:t>07/07/2020</a:t>
+              <a:t>14/07/2020</a:t>
             </a:fld>
             <a:endParaRPr lang="en-GB"/>
           </a:p>
@@ -1075,7 +1077,7 @@
           <a:p>
             <a:fld id="{6BA5D40C-A8DC-479A-A5D3-E7B4936A184B}" type="datetimeFigureOut">
               <a:rPr lang="en-GB" smtClean="0"/>
-              <a:t>07/07/2020</a:t>
+              <a:t>14/07/2020</a:t>
             </a:fld>
             <a:endParaRPr lang="en-GB"/>
           </a:p>
@@ -1363,7 +1365,7 @@
           <a:p>
             <a:fld id="{6BA5D40C-A8DC-479A-A5D3-E7B4936A184B}" type="datetimeFigureOut">
               <a:rPr lang="en-GB" smtClean="0"/>
-              <a:t>07/07/2020</a:t>
+              <a:t>14/07/2020</a:t>
             </a:fld>
             <a:endParaRPr lang="en-GB"/>
           </a:p>
@@ -1790,7 +1792,7 @@
           <a:p>
             <a:fld id="{6BA5D40C-A8DC-479A-A5D3-E7B4936A184B}" type="datetimeFigureOut">
               <a:rPr lang="en-GB" smtClean="0"/>
-              <a:t>07/07/2020</a:t>
+              <a:t>14/07/2020</a:t>
             </a:fld>
             <a:endParaRPr lang="en-GB"/>
           </a:p>
@@ -1908,7 +1910,7 @@
           <a:p>
             <a:fld id="{6BA5D40C-A8DC-479A-A5D3-E7B4936A184B}" type="datetimeFigureOut">
               <a:rPr lang="en-GB" smtClean="0"/>
-              <a:t>07/07/2020</a:t>
+              <a:t>14/07/2020</a:t>
             </a:fld>
             <a:endParaRPr lang="en-GB"/>
           </a:p>
@@ -2003,7 +2005,7 @@
           <a:p>
             <a:fld id="{6BA5D40C-A8DC-479A-A5D3-E7B4936A184B}" type="datetimeFigureOut">
               <a:rPr lang="en-GB" smtClean="0"/>
-              <a:t>07/07/2020</a:t>
+              <a:t>14/07/2020</a:t>
             </a:fld>
             <a:endParaRPr lang="en-GB"/>
           </a:p>
@@ -2280,7 +2282,7 @@
           <a:p>
             <a:fld id="{6BA5D40C-A8DC-479A-A5D3-E7B4936A184B}" type="datetimeFigureOut">
               <a:rPr lang="en-GB" smtClean="0"/>
-              <a:t>07/07/2020</a:t>
+              <a:t>14/07/2020</a:t>
             </a:fld>
             <a:endParaRPr lang="en-GB"/>
           </a:p>
@@ -2533,7 +2535,7 @@
           <a:p>
             <a:fld id="{6BA5D40C-A8DC-479A-A5D3-E7B4936A184B}" type="datetimeFigureOut">
               <a:rPr lang="en-GB" smtClean="0"/>
-              <a:t>07/07/2020</a:t>
+              <a:t>14/07/2020</a:t>
             </a:fld>
             <a:endParaRPr lang="en-GB"/>
           </a:p>
@@ -2746,7 +2748,7 @@
           <a:p>
             <a:fld id="{6BA5D40C-A8DC-479A-A5D3-E7B4936A184B}" type="datetimeFigureOut">
               <a:rPr lang="en-GB" smtClean="0"/>
-              <a:t>07/07/2020</a:t>
+              <a:t>14/07/2020</a:t>
             </a:fld>
             <a:endParaRPr lang="en-GB"/>
           </a:p>
@@ -6530,10 +6532,10 @@
         </p:nvGrpSpPr>
         <p:grpSpPr>
           <a:xfrm>
-            <a:off x="1190625" y="1112838"/>
-            <a:ext cx="5181600" cy="3105150"/>
-            <a:chOff x="1190625" y="1112838"/>
-            <a:chExt cx="5181600" cy="3105150"/>
+            <a:off x="457200" y="1003300"/>
+            <a:ext cx="6648450" cy="3324225"/>
+            <a:chOff x="457200" y="1003300"/>
+            <a:chExt cx="6648450" cy="3324225"/>
           </a:xfrm>
         </p:grpSpPr>
         <p:sp>
@@ -6544,8 +6546,8 @@
           </p:nvSpPr>
           <p:spPr>
             <a:xfrm>
-              <a:off x="1190625" y="1112837"/>
-              <a:ext cx="5181599" cy="3105150"/>
+              <a:off x="457200" y="1003299"/>
+              <a:ext cx="6648450" cy="3324225"/>
             </a:xfrm>
             <a:prstGeom prst="rect">
               <a:avLst/>
@@ -6575,14 +6577,152 @@
         </p:sp>
         <p:sp>
           <p:nvSpPr>
-            <p:cNvPr id="4" name="pt4"/>
-            <p:cNvSpPr/>
-            <p:nvPr/>
-          </p:nvSpPr>
-          <p:spPr>
-            <a:xfrm>
-              <a:off x="1464689" y="2640586"/>
-              <a:ext cx="49651" cy="49651"/>
+            <p:cNvPr id="4" name="tx4"/>
+            <p:cNvSpPr/>
+            <p:nvPr/>
+          </p:nvSpPr>
+          <p:spPr>
+            <a:xfrm>
+              <a:off x="3269043" y="1548575"/>
+              <a:ext cx="1024762" cy="103342"/>
+            </a:xfrm>
+            <a:prstGeom prst="rect">
+              <a:avLst/>
+            </a:prstGeom>
+            <a:noFill/>
+          </p:spPr>
+          <p:txBody>
+            <a:bodyPr wrap="none" lIns="0" tIns="0" rIns="0" bIns="0" anchor="ctr" anchorCtr="1"/>
+            <a:lstStyle/>
+            <a:p>
+              <a:pPr marL="0" marR="0" indent="0" algn="l">
+                <a:lnSpc>
+                  <a:spcPts val="1100"/>
+                </a:lnSpc>
+                <a:spcBef>
+                  <a:spcPts val="0"/>
+                </a:spcBef>
+                <a:spcAft>
+                  <a:spcPts val="0"/>
+                </a:spcAft>
+              </a:pPr>
+              <a:r>
+                <a:rPr sz="1100">
+                  <a:solidFill>
+                    <a:srgbClr val="000000">
+                      <a:alpha val="100000"/>
+                    </a:srgbClr>
+                  </a:solidFill>
+                  <a:latin typeface="Arial"/>
+                  <a:cs typeface="Arial"/>
+                </a:rPr>
+                <a:t>Number of times</a:t>
+              </a:r>
+            </a:p>
+          </p:txBody>
+        </p:sp>
+        <p:sp>
+          <p:nvSpPr>
+            <p:cNvPr id="5" name="tx5"/>
+            <p:cNvSpPr/>
+            <p:nvPr/>
+          </p:nvSpPr>
+          <p:spPr>
+            <a:xfrm>
+              <a:off x="3269043" y="1701156"/>
+              <a:ext cx="745362" cy="101637"/>
+            </a:xfrm>
+            <a:prstGeom prst="rect">
+              <a:avLst/>
+            </a:prstGeom>
+            <a:noFill/>
+          </p:spPr>
+          <p:txBody>
+            <a:bodyPr wrap="none" lIns="0" tIns="0" rIns="0" bIns="0" anchor="ctr" anchorCtr="1"/>
+            <a:lstStyle/>
+            <a:p>
+              <a:pPr marL="0" marR="0" indent="0" algn="l">
+                <a:lnSpc>
+                  <a:spcPts val="1100"/>
+                </a:lnSpc>
+                <a:spcBef>
+                  <a:spcPts val="0"/>
+                </a:spcBef>
+                <a:spcAft>
+                  <a:spcPts val="0"/>
+                </a:spcAft>
+              </a:pPr>
+              <a:r>
+                <a:rPr sz="1100">
+                  <a:solidFill>
+                    <a:srgbClr val="000000">
+                      <a:alpha val="100000"/>
+                    </a:srgbClr>
+                  </a:solidFill>
+                  <a:latin typeface="Arial"/>
+                  <a:cs typeface="Arial"/>
+                </a:rPr>
+                <a:t>cited across</a:t>
+              </a:r>
+            </a:p>
+          </p:txBody>
+        </p:sp>
+        <p:sp>
+          <p:nvSpPr>
+            <p:cNvPr id="6" name="tx6"/>
+            <p:cNvSpPr/>
+            <p:nvPr/>
+          </p:nvSpPr>
+          <p:spPr>
+            <a:xfrm>
+              <a:off x="3269043" y="1822564"/>
+              <a:ext cx="877490" cy="131105"/>
+            </a:xfrm>
+            <a:prstGeom prst="rect">
+              <a:avLst/>
+            </a:prstGeom>
+            <a:noFill/>
+          </p:spPr>
+          <p:txBody>
+            <a:bodyPr wrap="none" lIns="0" tIns="0" rIns="0" bIns="0" anchor="ctr" anchorCtr="1"/>
+            <a:lstStyle/>
+            <a:p>
+              <a:pPr marL="0" marR="0" indent="0" algn="l">
+                <a:lnSpc>
+                  <a:spcPts val="1100"/>
+                </a:lnSpc>
+                <a:spcBef>
+                  <a:spcPts val="0"/>
+                </a:spcBef>
+                <a:spcAft>
+                  <a:spcPts val="0"/>
+                </a:spcAft>
+              </a:pPr>
+              <a:r>
+                <a:rPr sz="1100">
+                  <a:solidFill>
+                    <a:srgbClr val="000000">
+                      <a:alpha val="100000"/>
+                    </a:srgbClr>
+                  </a:solidFill>
+                  <a:latin typeface="Arial"/>
+                  <a:cs typeface="Arial"/>
+                </a:rPr>
+                <a:t>guidelines (n):</a:t>
+              </a:r>
+            </a:p>
+          </p:txBody>
+        </p:sp>
+        <p:sp>
+          <p:nvSpPr>
+            <p:cNvPr id="7" name="pt7"/>
+            <p:cNvSpPr/>
+            <p:nvPr/>
+          </p:nvSpPr>
+          <p:spPr>
+            <a:xfrm>
+              <a:off x="3306518" y="2075433"/>
+              <a:ext cx="144506" cy="144506"/>
             </a:xfrm>
             <a:prstGeom prst="ellipse">
               <a:avLst/>
@@ -6612,14 +6752,14 @@
         </p:sp>
         <p:sp>
           <p:nvSpPr>
-            <p:cNvPr id="5" name="pt5"/>
-            <p:cNvSpPr/>
-            <p:nvPr/>
-          </p:nvSpPr>
-          <p:spPr>
-            <a:xfrm>
-              <a:off x="1962840" y="2640586"/>
-              <a:ext cx="49651" cy="49651"/>
+            <p:cNvPr id="8" name="pt8"/>
+            <p:cNvSpPr/>
+            <p:nvPr/>
+          </p:nvSpPr>
+          <p:spPr>
+            <a:xfrm>
+              <a:off x="3306518" y="2294889"/>
+              <a:ext cx="144506" cy="144506"/>
             </a:xfrm>
             <a:prstGeom prst="ellipse">
               <a:avLst/>
@@ -6649,14 +6789,14 @@
         </p:sp>
         <p:sp>
           <p:nvSpPr>
-            <p:cNvPr id="6" name="pt6"/>
-            <p:cNvSpPr/>
-            <p:nvPr/>
-          </p:nvSpPr>
-          <p:spPr>
-            <a:xfrm>
-              <a:off x="2460991" y="2640586"/>
-              <a:ext cx="49651" cy="49651"/>
+            <p:cNvPr id="9" name="pt9"/>
+            <p:cNvSpPr/>
+            <p:nvPr/>
+          </p:nvSpPr>
+          <p:spPr>
+            <a:xfrm>
+              <a:off x="3306518" y="2514345"/>
+              <a:ext cx="144506" cy="144506"/>
             </a:xfrm>
             <a:prstGeom prst="ellipse">
               <a:avLst/>
@@ -6686,14 +6826,14 @@
         </p:sp>
         <p:sp>
           <p:nvSpPr>
-            <p:cNvPr id="7" name="pt7"/>
-            <p:cNvSpPr/>
-            <p:nvPr/>
-          </p:nvSpPr>
-          <p:spPr>
-            <a:xfrm>
-              <a:off x="2959142" y="2640586"/>
-              <a:ext cx="49651" cy="49651"/>
+            <p:cNvPr id="10" name="pt10"/>
+            <p:cNvSpPr/>
+            <p:nvPr/>
+          </p:nvSpPr>
+          <p:spPr>
+            <a:xfrm>
+              <a:off x="3306518" y="2733801"/>
+              <a:ext cx="144506" cy="144506"/>
             </a:xfrm>
             <a:prstGeom prst="ellipse">
               <a:avLst/>
@@ -6723,14 +6863,14 @@
         </p:sp>
         <p:sp>
           <p:nvSpPr>
-            <p:cNvPr id="8" name="pt8"/>
-            <p:cNvSpPr/>
-            <p:nvPr/>
-          </p:nvSpPr>
-          <p:spPr>
-            <a:xfrm>
-              <a:off x="3457293" y="2640586"/>
-              <a:ext cx="49651" cy="49651"/>
+            <p:cNvPr id="11" name="pt11"/>
+            <p:cNvSpPr/>
+            <p:nvPr/>
+          </p:nvSpPr>
+          <p:spPr>
+            <a:xfrm>
+              <a:off x="3306518" y="2953257"/>
+              <a:ext cx="144506" cy="144506"/>
             </a:xfrm>
             <a:prstGeom prst="ellipse">
               <a:avLst/>
@@ -6760,14 +6900,14 @@
         </p:sp>
         <p:sp>
           <p:nvSpPr>
-            <p:cNvPr id="9" name="pt9"/>
-            <p:cNvSpPr/>
-            <p:nvPr/>
-          </p:nvSpPr>
-          <p:spPr>
-            <a:xfrm>
-              <a:off x="3955444" y="2640586"/>
-              <a:ext cx="49651" cy="49651"/>
+            <p:cNvPr id="12" name="pt12"/>
+            <p:cNvSpPr/>
+            <p:nvPr/>
+          </p:nvSpPr>
+          <p:spPr>
+            <a:xfrm>
+              <a:off x="3306518" y="3172713"/>
+              <a:ext cx="144506" cy="144506"/>
             </a:xfrm>
             <a:prstGeom prst="ellipse">
               <a:avLst/>
@@ -6797,14 +6937,14 @@
         </p:sp>
         <p:sp>
           <p:nvSpPr>
-            <p:cNvPr id="10" name="pt10"/>
-            <p:cNvSpPr/>
-            <p:nvPr/>
-          </p:nvSpPr>
-          <p:spPr>
-            <a:xfrm>
-              <a:off x="4453595" y="2640586"/>
-              <a:ext cx="49651" cy="49651"/>
+            <p:cNvPr id="13" name="pt13"/>
+            <p:cNvSpPr/>
+            <p:nvPr/>
+          </p:nvSpPr>
+          <p:spPr>
+            <a:xfrm>
+              <a:off x="3306518" y="3392169"/>
+              <a:ext cx="144506" cy="144506"/>
             </a:xfrm>
             <a:prstGeom prst="ellipse">
               <a:avLst/>
@@ -6834,14 +6974,14 @@
         </p:sp>
         <p:sp>
           <p:nvSpPr>
-            <p:cNvPr id="11" name="pt11"/>
-            <p:cNvSpPr/>
-            <p:nvPr/>
-          </p:nvSpPr>
-          <p:spPr>
-            <a:xfrm>
-              <a:off x="4951746" y="2640586"/>
-              <a:ext cx="49651" cy="49651"/>
+            <p:cNvPr id="14" name="pt14"/>
+            <p:cNvSpPr/>
+            <p:nvPr/>
+          </p:nvSpPr>
+          <p:spPr>
+            <a:xfrm>
+              <a:off x="3306518" y="3611625"/>
+              <a:ext cx="144506" cy="144506"/>
             </a:xfrm>
             <a:prstGeom prst="ellipse">
               <a:avLst/>
@@ -6871,447 +7011,13 @@
         </p:sp>
         <p:sp>
           <p:nvSpPr>
-            <p:cNvPr id="12" name="tx12"/>
-            <p:cNvSpPr/>
-            <p:nvPr/>
-          </p:nvSpPr>
-          <p:spPr>
-            <a:xfrm>
-              <a:off x="5347462" y="1548575"/>
-              <a:ext cx="1024762" cy="103342"/>
-            </a:xfrm>
-            <a:prstGeom prst="rect">
-              <a:avLst/>
-            </a:prstGeom>
-            <a:noFill/>
-          </p:spPr>
-          <p:txBody>
-            <a:bodyPr wrap="none" lIns="0" tIns="0" rIns="0" bIns="0" anchor="ctr" anchorCtr="1"/>
-            <a:lstStyle/>
-            <a:p>
-              <a:pPr marL="0" marR="0" indent="0" algn="l">
-                <a:lnSpc>
-                  <a:spcPts val="1100"/>
-                </a:lnSpc>
-                <a:spcBef>
-                  <a:spcPts val="0"/>
-                </a:spcBef>
-                <a:spcAft>
-                  <a:spcPts val="0"/>
-                </a:spcAft>
-              </a:pPr>
-              <a:r>
-                <a:rPr sz="1100">
-                  <a:solidFill>
-                    <a:srgbClr val="000000">
-                      <a:alpha val="100000"/>
-                    </a:srgbClr>
-                  </a:solidFill>
-                  <a:latin typeface="Arial"/>
-                  <a:cs typeface="Arial"/>
-                </a:rPr>
-                <a:t>Number of times</a:t>
-              </a:r>
-            </a:p>
-          </p:txBody>
-        </p:sp>
-        <p:sp>
-          <p:nvSpPr>
-            <p:cNvPr id="13" name="tx13"/>
-            <p:cNvSpPr/>
-            <p:nvPr/>
-          </p:nvSpPr>
-          <p:spPr>
-            <a:xfrm>
-              <a:off x="5347462" y="1701156"/>
-              <a:ext cx="745362" cy="101637"/>
-            </a:xfrm>
-            <a:prstGeom prst="rect">
-              <a:avLst/>
-            </a:prstGeom>
-            <a:noFill/>
-          </p:spPr>
-          <p:txBody>
-            <a:bodyPr wrap="none" lIns="0" tIns="0" rIns="0" bIns="0" anchor="ctr" anchorCtr="1"/>
-            <a:lstStyle/>
-            <a:p>
-              <a:pPr marL="0" marR="0" indent="0" algn="l">
-                <a:lnSpc>
-                  <a:spcPts val="1100"/>
-                </a:lnSpc>
-                <a:spcBef>
-                  <a:spcPts val="0"/>
-                </a:spcBef>
-                <a:spcAft>
-                  <a:spcPts val="0"/>
-                </a:spcAft>
-              </a:pPr>
-              <a:r>
-                <a:rPr sz="1100">
-                  <a:solidFill>
-                    <a:srgbClr val="000000">
-                      <a:alpha val="100000"/>
-                    </a:srgbClr>
-                  </a:solidFill>
-                  <a:latin typeface="Arial"/>
-                  <a:cs typeface="Arial"/>
-                </a:rPr>
-                <a:t>cited across</a:t>
-              </a:r>
-            </a:p>
-          </p:txBody>
-        </p:sp>
-        <p:sp>
-          <p:nvSpPr>
-            <p:cNvPr id="14" name="tx14"/>
-            <p:cNvSpPr/>
-            <p:nvPr/>
-          </p:nvSpPr>
-          <p:spPr>
-            <a:xfrm>
-              <a:off x="5347462" y="1822564"/>
-              <a:ext cx="877490" cy="131105"/>
-            </a:xfrm>
-            <a:prstGeom prst="rect">
-              <a:avLst/>
-            </a:prstGeom>
-            <a:noFill/>
-          </p:spPr>
-          <p:txBody>
-            <a:bodyPr wrap="none" lIns="0" tIns="0" rIns="0" bIns="0" anchor="ctr" anchorCtr="1"/>
-            <a:lstStyle/>
-            <a:p>
-              <a:pPr marL="0" marR="0" indent="0" algn="l">
-                <a:lnSpc>
-                  <a:spcPts val="1100"/>
-                </a:lnSpc>
-                <a:spcBef>
-                  <a:spcPts val="0"/>
-                </a:spcBef>
-                <a:spcAft>
-                  <a:spcPts val="0"/>
-                </a:spcAft>
-              </a:pPr>
-              <a:r>
-                <a:rPr sz="1100">
-                  <a:solidFill>
-                    <a:srgbClr val="000000">
-                      <a:alpha val="100000"/>
-                    </a:srgbClr>
-                  </a:solidFill>
-                  <a:latin typeface="Arial"/>
-                  <a:cs typeface="Arial"/>
-                </a:rPr>
-                <a:t>guidelines (n):</a:t>
-              </a:r>
-            </a:p>
-          </p:txBody>
-        </p:sp>
-        <p:sp>
-          <p:nvSpPr>
-            <p:cNvPr id="15" name="pt15"/>
-            <p:cNvSpPr/>
-            <p:nvPr/>
-          </p:nvSpPr>
-          <p:spPr>
-            <a:xfrm>
-              <a:off x="5384937" y="2075433"/>
-              <a:ext cx="144506" cy="144506"/>
-            </a:xfrm>
-            <a:prstGeom prst="ellipse">
-              <a:avLst/>
-            </a:prstGeom>
-            <a:solidFill>
-              <a:srgbClr val="3288BD">
-                <a:alpha val="100000"/>
-              </a:srgbClr>
-            </a:solidFill>
-            <a:ln w="9000" cap="rnd">
-              <a:solidFill>
-                <a:srgbClr val="3288BD">
-                  <a:alpha val="100000"/>
-                </a:srgbClr>
-              </a:solidFill>
-              <a:prstDash val="solid"/>
-              <a:round/>
-            </a:ln>
-          </p:spPr>
-          <p:txBody>
-            <a:bodyPr/>
-            <a:lstStyle/>
-            <a:p>
-              <a:endParaRPr/>
-            </a:p>
-          </p:txBody>
-        </p:sp>
-        <p:sp>
-          <p:nvSpPr>
-            <p:cNvPr id="16" name="pt16"/>
-            <p:cNvSpPr/>
-            <p:nvPr/>
-          </p:nvSpPr>
-          <p:spPr>
-            <a:xfrm>
-              <a:off x="5384937" y="2294889"/>
-              <a:ext cx="144506" cy="144506"/>
-            </a:xfrm>
-            <a:prstGeom prst="ellipse">
-              <a:avLst/>
-            </a:prstGeom>
-            <a:solidFill>
-              <a:srgbClr val="66C2A5">
-                <a:alpha val="100000"/>
-              </a:srgbClr>
-            </a:solidFill>
-            <a:ln w="9000" cap="rnd">
-              <a:solidFill>
-                <a:srgbClr val="66C2A5">
-                  <a:alpha val="100000"/>
-                </a:srgbClr>
-              </a:solidFill>
-              <a:prstDash val="solid"/>
-              <a:round/>
-            </a:ln>
-          </p:spPr>
-          <p:txBody>
-            <a:bodyPr/>
-            <a:lstStyle/>
-            <a:p>
-              <a:endParaRPr/>
-            </a:p>
-          </p:txBody>
-        </p:sp>
-        <p:sp>
-          <p:nvSpPr>
-            <p:cNvPr id="17" name="pt17"/>
-            <p:cNvSpPr/>
-            <p:nvPr/>
-          </p:nvSpPr>
-          <p:spPr>
-            <a:xfrm>
-              <a:off x="5384937" y="2514345"/>
-              <a:ext cx="144506" cy="144506"/>
-            </a:xfrm>
-            <a:prstGeom prst="ellipse">
-              <a:avLst/>
-            </a:prstGeom>
-            <a:solidFill>
-              <a:srgbClr val="ABDDA4">
-                <a:alpha val="100000"/>
-              </a:srgbClr>
-            </a:solidFill>
-            <a:ln w="9000" cap="rnd">
-              <a:solidFill>
-                <a:srgbClr val="ABDDA4">
-                  <a:alpha val="100000"/>
-                </a:srgbClr>
-              </a:solidFill>
-              <a:prstDash val="solid"/>
-              <a:round/>
-            </a:ln>
-          </p:spPr>
-          <p:txBody>
-            <a:bodyPr/>
-            <a:lstStyle/>
-            <a:p>
-              <a:endParaRPr/>
-            </a:p>
-          </p:txBody>
-        </p:sp>
-        <p:sp>
-          <p:nvSpPr>
-            <p:cNvPr id="18" name="pt18"/>
-            <p:cNvSpPr/>
-            <p:nvPr/>
-          </p:nvSpPr>
-          <p:spPr>
-            <a:xfrm>
-              <a:off x="5384937" y="2733801"/>
-              <a:ext cx="144506" cy="144506"/>
-            </a:xfrm>
-            <a:prstGeom prst="ellipse">
-              <a:avLst/>
-            </a:prstGeom>
-            <a:solidFill>
-              <a:srgbClr val="E6F598">
-                <a:alpha val="100000"/>
-              </a:srgbClr>
-            </a:solidFill>
-            <a:ln w="9000" cap="rnd">
-              <a:solidFill>
-                <a:srgbClr val="E6F598">
-                  <a:alpha val="100000"/>
-                </a:srgbClr>
-              </a:solidFill>
-              <a:prstDash val="solid"/>
-              <a:round/>
-            </a:ln>
-          </p:spPr>
-          <p:txBody>
-            <a:bodyPr/>
-            <a:lstStyle/>
-            <a:p>
-              <a:endParaRPr/>
-            </a:p>
-          </p:txBody>
-        </p:sp>
-        <p:sp>
-          <p:nvSpPr>
-            <p:cNvPr id="19" name="pt19"/>
-            <p:cNvSpPr/>
-            <p:nvPr/>
-          </p:nvSpPr>
-          <p:spPr>
-            <a:xfrm>
-              <a:off x="5384937" y="2953257"/>
-              <a:ext cx="144506" cy="144506"/>
-            </a:xfrm>
-            <a:prstGeom prst="ellipse">
-              <a:avLst/>
-            </a:prstGeom>
-            <a:solidFill>
-              <a:srgbClr val="FEE08B">
-                <a:alpha val="100000"/>
-              </a:srgbClr>
-            </a:solidFill>
-            <a:ln w="9000" cap="rnd">
-              <a:solidFill>
-                <a:srgbClr val="FEE08B">
-                  <a:alpha val="100000"/>
-                </a:srgbClr>
-              </a:solidFill>
-              <a:prstDash val="solid"/>
-              <a:round/>
-            </a:ln>
-          </p:spPr>
-          <p:txBody>
-            <a:bodyPr/>
-            <a:lstStyle/>
-            <a:p>
-              <a:endParaRPr/>
-            </a:p>
-          </p:txBody>
-        </p:sp>
-        <p:sp>
-          <p:nvSpPr>
-            <p:cNvPr id="20" name="pt20"/>
-            <p:cNvSpPr/>
-            <p:nvPr/>
-          </p:nvSpPr>
-          <p:spPr>
-            <a:xfrm>
-              <a:off x="5384937" y="3172713"/>
-              <a:ext cx="144506" cy="144506"/>
-            </a:xfrm>
-            <a:prstGeom prst="ellipse">
-              <a:avLst/>
-            </a:prstGeom>
-            <a:solidFill>
-              <a:srgbClr val="FDAE61">
-                <a:alpha val="100000"/>
-              </a:srgbClr>
-            </a:solidFill>
-            <a:ln w="9000" cap="rnd">
-              <a:solidFill>
-                <a:srgbClr val="FDAE61">
-                  <a:alpha val="100000"/>
-                </a:srgbClr>
-              </a:solidFill>
-              <a:prstDash val="solid"/>
-              <a:round/>
-            </a:ln>
-          </p:spPr>
-          <p:txBody>
-            <a:bodyPr/>
-            <a:lstStyle/>
-            <a:p>
-              <a:endParaRPr/>
-            </a:p>
-          </p:txBody>
-        </p:sp>
-        <p:sp>
-          <p:nvSpPr>
-            <p:cNvPr id="21" name="pt21"/>
-            <p:cNvSpPr/>
-            <p:nvPr/>
-          </p:nvSpPr>
-          <p:spPr>
-            <a:xfrm>
-              <a:off x="5384937" y="3392169"/>
-              <a:ext cx="144506" cy="144506"/>
-            </a:xfrm>
-            <a:prstGeom prst="ellipse">
-              <a:avLst/>
-            </a:prstGeom>
-            <a:solidFill>
-              <a:srgbClr val="F46D43">
-                <a:alpha val="100000"/>
-              </a:srgbClr>
-            </a:solidFill>
-            <a:ln w="9000" cap="rnd">
-              <a:solidFill>
-                <a:srgbClr val="F46D43">
-                  <a:alpha val="100000"/>
-                </a:srgbClr>
-              </a:solidFill>
-              <a:prstDash val="solid"/>
-              <a:round/>
-            </a:ln>
-          </p:spPr>
-          <p:txBody>
-            <a:bodyPr/>
-            <a:lstStyle/>
-            <a:p>
-              <a:endParaRPr/>
-            </a:p>
-          </p:txBody>
-        </p:sp>
-        <p:sp>
-          <p:nvSpPr>
-            <p:cNvPr id="22" name="pt22"/>
-            <p:cNvSpPr/>
-            <p:nvPr/>
-          </p:nvSpPr>
-          <p:spPr>
-            <a:xfrm>
-              <a:off x="5384937" y="3611625"/>
-              <a:ext cx="144506" cy="144506"/>
-            </a:xfrm>
-            <a:prstGeom prst="ellipse">
-              <a:avLst/>
-            </a:prstGeom>
-            <a:solidFill>
-              <a:srgbClr val="D53E4F">
-                <a:alpha val="100000"/>
-              </a:srgbClr>
-            </a:solidFill>
-            <a:ln w="9000" cap="rnd">
-              <a:solidFill>
-                <a:srgbClr val="D53E4F">
-                  <a:alpha val="100000"/>
-                </a:srgbClr>
-              </a:solidFill>
-              <a:prstDash val="solid"/>
-              <a:round/>
-            </a:ln>
-          </p:spPr>
-          <p:txBody>
-            <a:bodyPr/>
-            <a:lstStyle/>
-            <a:p>
-              <a:endParaRPr/>
-            </a:p>
-          </p:txBody>
-        </p:sp>
-        <p:sp>
-          <p:nvSpPr>
-            <p:cNvPr id="23" name="tx23"/>
-            <p:cNvSpPr/>
-            <p:nvPr/>
-          </p:nvSpPr>
-          <p:spPr>
-            <a:xfrm>
-              <a:off x="5636507" y="2082802"/>
+            <p:cNvPr id="15" name="tx15"/>
+            <p:cNvSpPr/>
+            <p:nvPr/>
+          </p:nvSpPr>
+          <p:spPr>
+            <a:xfrm>
+              <a:off x="3558088" y="2082802"/>
               <a:ext cx="416262" cy="104884"/>
             </a:xfrm>
             <a:prstGeom prst="rect">
@@ -7351,13 +7057,13 @@
         </p:sp>
         <p:sp>
           <p:nvSpPr>
-            <p:cNvPr id="24" name="tx24"/>
-            <p:cNvSpPr/>
-            <p:nvPr/>
-          </p:nvSpPr>
-          <p:spPr>
-            <a:xfrm>
-              <a:off x="5636507" y="2302258"/>
+            <p:cNvPr id="16" name="tx16"/>
+            <p:cNvSpPr/>
+            <p:nvPr/>
+          </p:nvSpPr>
+          <p:spPr>
+            <a:xfrm>
+              <a:off x="3558088" y="2302258"/>
               <a:ext cx="354106" cy="104884"/>
             </a:xfrm>
             <a:prstGeom prst="rect">
@@ -7390,20 +7096,20 @@
                   <a:latin typeface="Arial"/>
                   <a:cs typeface="Arial"/>
                 </a:rPr>
-                <a:t>2 (206)</a:t>
+                <a:t>2 (205)</a:t>
               </a:r>
             </a:p>
           </p:txBody>
         </p:sp>
         <p:sp>
           <p:nvSpPr>
-            <p:cNvPr id="25" name="tx25"/>
-            <p:cNvSpPr/>
-            <p:nvPr/>
-          </p:nvSpPr>
-          <p:spPr>
-            <a:xfrm>
-              <a:off x="5636507" y="2521714"/>
+            <p:cNvPr id="17" name="tx17"/>
+            <p:cNvSpPr/>
+            <p:nvPr/>
+          </p:nvSpPr>
+          <p:spPr>
+            <a:xfrm>
+              <a:off x="3558088" y="2521714"/>
               <a:ext cx="291951" cy="104884"/>
             </a:xfrm>
             <a:prstGeom prst="rect">
@@ -7443,13 +7149,13 @@
         </p:sp>
         <p:sp>
           <p:nvSpPr>
-            <p:cNvPr id="26" name="tx26"/>
-            <p:cNvSpPr/>
-            <p:nvPr/>
-          </p:nvSpPr>
-          <p:spPr>
-            <a:xfrm>
-              <a:off x="5636507" y="2741170"/>
+            <p:cNvPr id="18" name="tx18"/>
+            <p:cNvSpPr/>
+            <p:nvPr/>
+          </p:nvSpPr>
+          <p:spPr>
+            <a:xfrm>
+              <a:off x="3558088" y="2741170"/>
               <a:ext cx="291951" cy="104884"/>
             </a:xfrm>
             <a:prstGeom prst="rect">
@@ -7482,20 +7188,20 @@
                   <a:latin typeface="Arial"/>
                   <a:cs typeface="Arial"/>
                 </a:rPr>
-                <a:t>4 (31)</a:t>
+                <a:t>4 (30)</a:t>
               </a:r>
             </a:p>
           </p:txBody>
         </p:sp>
         <p:sp>
           <p:nvSpPr>
-            <p:cNvPr id="27" name="tx27"/>
-            <p:cNvSpPr/>
-            <p:nvPr/>
-          </p:nvSpPr>
-          <p:spPr>
-            <a:xfrm>
-              <a:off x="5636507" y="2960626"/>
+            <p:cNvPr id="19" name="tx19"/>
+            <p:cNvSpPr/>
+            <p:nvPr/>
+          </p:nvSpPr>
+          <p:spPr>
+            <a:xfrm>
+              <a:off x="3558088" y="2960626"/>
               <a:ext cx="291951" cy="104884"/>
             </a:xfrm>
             <a:prstGeom prst="rect">
@@ -7535,13 +7241,13 @@
         </p:sp>
         <p:sp>
           <p:nvSpPr>
-            <p:cNvPr id="28" name="tx28"/>
-            <p:cNvSpPr/>
-            <p:nvPr/>
-          </p:nvSpPr>
-          <p:spPr>
-            <a:xfrm>
-              <a:off x="5636507" y="3180082"/>
+            <p:cNvPr id="20" name="tx20"/>
+            <p:cNvSpPr/>
+            <p:nvPr/>
+          </p:nvSpPr>
+          <p:spPr>
+            <a:xfrm>
+              <a:off x="3558088" y="3180082"/>
               <a:ext cx="229795" cy="104884"/>
             </a:xfrm>
             <a:prstGeom prst="rect">
@@ -7574,20 +7280,20 @@
                   <a:latin typeface="Arial"/>
                   <a:cs typeface="Arial"/>
                 </a:rPr>
-                <a:t>6 (6)</a:t>
+                <a:t>6 (7)</a:t>
               </a:r>
             </a:p>
           </p:txBody>
         </p:sp>
         <p:sp>
           <p:nvSpPr>
-            <p:cNvPr id="29" name="tx29"/>
-            <p:cNvSpPr/>
-            <p:nvPr/>
-          </p:nvSpPr>
-          <p:spPr>
-            <a:xfrm>
-              <a:off x="5636507" y="3399538"/>
+            <p:cNvPr id="21" name="tx21"/>
+            <p:cNvSpPr/>
+            <p:nvPr/>
+          </p:nvSpPr>
+          <p:spPr>
+            <a:xfrm>
+              <a:off x="3558088" y="3399538"/>
               <a:ext cx="229795" cy="104884"/>
             </a:xfrm>
             <a:prstGeom prst="rect">
@@ -7627,13 +7333,13 @@
         </p:sp>
         <p:sp>
           <p:nvSpPr>
-            <p:cNvPr id="30" name="tx30"/>
-            <p:cNvSpPr/>
-            <p:nvPr/>
-          </p:nvSpPr>
-          <p:spPr>
-            <a:xfrm>
-              <a:off x="5636507" y="3618994"/>
+            <p:cNvPr id="22" name="tx22"/>
+            <p:cNvSpPr/>
+            <p:nvPr/>
+          </p:nvSpPr>
+          <p:spPr>
+            <a:xfrm>
+              <a:off x="3558088" y="3618994"/>
               <a:ext cx="229795" cy="104884"/>
             </a:xfrm>
             <a:prstGeom prst="rect">
@@ -7697,18 +7403,18 @@
           <a:chExt cx="0" cy="0"/>
         </a:xfrm>
       </p:grpSpPr>
-      <p:grpSp xmlns:a="http://schemas.openxmlformats.org/drawingml/2006/main" xmlns:r="http://schemas.openxmlformats.org/officeDocument/2006/relationships" xmlns:p="http://schemas.openxmlformats.org/presentationml/2006/main" xmlns:pic="http://schemas.openxmlformats.org/drawingml/2006/picture">
+      <p:grpSp>
         <p:nvGrpSpPr>
-          <p:cNvPr id="2" name=""/>
+          <p:cNvPr id="2" name="Group 1"/>
           <p:cNvGrpSpPr/>
           <p:nvPr/>
         </p:nvGrpSpPr>
         <p:grpSpPr>
           <a:xfrm>
-            <a:off x="1190625" y="1112838"/>
-            <a:ext cx="5181600" cy="3105150"/>
-            <a:chOff x="1190625" y="1112838"/>
-            <a:chExt cx="5181600" cy="3105150"/>
+            <a:off x="457200" y="1003300"/>
+            <a:ext cx="6648450" cy="3324225"/>
+            <a:chOff x="457200" y="1003300"/>
+            <a:chExt cx="6648450" cy="3324225"/>
           </a:xfrm>
         </p:grpSpPr>
         <p:sp>
@@ -7719,8 +7425,8 @@
           </p:nvSpPr>
           <p:spPr>
             <a:xfrm>
-              <a:off x="1190625" y="1112837"/>
-              <a:ext cx="5181599" cy="3105150"/>
+              <a:off x="457200" y="1003299"/>
+              <a:ext cx="6648450" cy="3324225"/>
             </a:xfrm>
             <a:prstGeom prst="rect">
               <a:avLst/>
@@ -7743,7 +7449,9 @@
           <p:txBody>
             <a:bodyPr/>
             <a:lstStyle/>
-            <a:p/>
+            <a:p>
+              <a:endParaRPr/>
+            </a:p>
           </p:txBody>
         </p:sp>
         <p:sp>
@@ -7754,7 +7462,7 @@
           </p:nvSpPr>
           <p:spPr>
             <a:xfrm>
-              <a:off x="3267075" y="1548575"/>
+              <a:off x="3269043" y="1548575"/>
               <a:ext cx="1024762" cy="103342"/>
             </a:xfrm>
             <a:prstGeom prst="rect">
@@ -7763,10 +7471,10 @@
             <a:noFill/>
           </p:spPr>
           <p:txBody>
-            <a:bodyPr lIns="0" rIns="0" tIns="0" bIns="0" anchorCtr="1" anchor="ctr" wrap="none"/>
-            <a:lstStyle/>
-            <a:p>
-              <a:pPr algn="l" marL="0" marR="0" indent="0">
+            <a:bodyPr wrap="none" lIns="0" tIns="0" rIns="0" bIns="0" anchor="ctr" anchorCtr="1"/>
+            <a:lstStyle/>
+            <a:p>
+              <a:pPr marL="0" marR="0" indent="0" algn="l">
                 <a:lnSpc>
                   <a:spcPts val="1100"/>
                 </a:lnSpc>
@@ -7800,7 +7508,7 @@
           </p:nvSpPr>
           <p:spPr>
             <a:xfrm>
-              <a:off x="3267075" y="1701156"/>
+              <a:off x="3269043" y="1701156"/>
               <a:ext cx="745362" cy="101637"/>
             </a:xfrm>
             <a:prstGeom prst="rect">
@@ -7809,10 +7517,10 @@
             <a:noFill/>
           </p:spPr>
           <p:txBody>
-            <a:bodyPr lIns="0" rIns="0" tIns="0" bIns="0" anchorCtr="1" anchor="ctr" wrap="none"/>
-            <a:lstStyle/>
-            <a:p>
-              <a:pPr algn="l" marL="0" marR="0" indent="0">
+            <a:bodyPr wrap="none" lIns="0" tIns="0" rIns="0" bIns="0" anchor="ctr" anchorCtr="1"/>
+            <a:lstStyle/>
+            <a:p>
+              <a:pPr marL="0" marR="0" indent="0" algn="l">
                 <a:lnSpc>
                   <a:spcPts val="1100"/>
                 </a:lnSpc>
@@ -7846,7 +7554,7 @@
           </p:nvSpPr>
           <p:spPr>
             <a:xfrm>
-              <a:off x="3267075" y="1822564"/>
+              <a:off x="3269043" y="1822564"/>
               <a:ext cx="877490" cy="131105"/>
             </a:xfrm>
             <a:prstGeom prst="rect">
@@ -7855,10 +7563,10 @@
             <a:noFill/>
           </p:spPr>
           <p:txBody>
-            <a:bodyPr lIns="0" rIns="0" tIns="0" bIns="0" anchorCtr="1" anchor="ctr" wrap="none"/>
-            <a:lstStyle/>
-            <a:p>
-              <a:pPr algn="l" marL="0" marR="0" indent="0">
+            <a:bodyPr wrap="none" lIns="0" tIns="0" rIns="0" bIns="0" anchor="ctr" anchorCtr="1"/>
+            <a:lstStyle/>
+            <a:p>
+              <a:pPr marL="0" marR="0" indent="0" algn="l">
                 <a:lnSpc>
                   <a:spcPts val="1100"/>
                 </a:lnSpc>
@@ -7892,7 +7600,7 @@
           </p:nvSpPr>
           <p:spPr>
             <a:xfrm>
-              <a:off x="3304549" y="2082171"/>
+              <a:off x="3306518" y="2075433"/>
               <a:ext cx="144506" cy="144506"/>
             </a:xfrm>
             <a:prstGeom prst="ellipse">
@@ -7916,7 +7624,9 @@
           <p:txBody>
             <a:bodyPr/>
             <a:lstStyle/>
-            <a:p/>
+            <a:p>
+              <a:endParaRPr/>
+            </a:p>
           </p:txBody>
         </p:sp>
         <p:sp>
@@ -7927,7 +7637,7 @@
           </p:nvSpPr>
           <p:spPr>
             <a:xfrm>
-              <a:off x="3304549" y="2301627"/>
+              <a:off x="3306518" y="2294889"/>
               <a:ext cx="144506" cy="144506"/>
             </a:xfrm>
             <a:prstGeom prst="ellipse">
@@ -7951,7 +7661,9 @@
           <p:txBody>
             <a:bodyPr/>
             <a:lstStyle/>
-            <a:p/>
+            <a:p>
+              <a:endParaRPr/>
+            </a:p>
           </p:txBody>
         </p:sp>
         <p:sp>
@@ -7962,7 +7674,7 @@
           </p:nvSpPr>
           <p:spPr>
             <a:xfrm>
-              <a:off x="3304549" y="2521083"/>
+              <a:off x="3306518" y="2514345"/>
               <a:ext cx="144506" cy="144506"/>
             </a:xfrm>
             <a:prstGeom prst="ellipse">
@@ -7986,7 +7698,9 @@
           <p:txBody>
             <a:bodyPr/>
             <a:lstStyle/>
-            <a:p/>
+            <a:p>
+              <a:endParaRPr/>
+            </a:p>
           </p:txBody>
         </p:sp>
         <p:sp>
@@ -7997,7 +7711,7 @@
           </p:nvSpPr>
           <p:spPr>
             <a:xfrm>
-              <a:off x="3304549" y="2740539"/>
+              <a:off x="3306518" y="2733801"/>
               <a:ext cx="144506" cy="144506"/>
             </a:xfrm>
             <a:prstGeom prst="ellipse">
@@ -8021,7 +7735,9 @@
           <p:txBody>
             <a:bodyPr/>
             <a:lstStyle/>
-            <a:p/>
+            <a:p>
+              <a:endParaRPr/>
+            </a:p>
           </p:txBody>
         </p:sp>
         <p:sp>
@@ -8032,7 +7748,7 @@
           </p:nvSpPr>
           <p:spPr>
             <a:xfrm>
-              <a:off x="3304549" y="2959995"/>
+              <a:off x="3306518" y="2953257"/>
               <a:ext cx="144506" cy="144506"/>
             </a:xfrm>
             <a:prstGeom prst="ellipse">
@@ -8056,7 +7772,9 @@
           <p:txBody>
             <a:bodyPr/>
             <a:lstStyle/>
-            <a:p/>
+            <a:p>
+              <a:endParaRPr/>
+            </a:p>
           </p:txBody>
         </p:sp>
         <p:sp>
@@ -8067,7 +7785,7 @@
           </p:nvSpPr>
           <p:spPr>
             <a:xfrm>
-              <a:off x="3304549" y="3179451"/>
+              <a:off x="3306518" y="3172713"/>
               <a:ext cx="144506" cy="144506"/>
             </a:xfrm>
             <a:prstGeom prst="ellipse">
@@ -8091,7 +7809,9 @@
           <p:txBody>
             <a:bodyPr/>
             <a:lstStyle/>
-            <a:p/>
+            <a:p>
+              <a:endParaRPr/>
+            </a:p>
           </p:txBody>
         </p:sp>
         <p:sp>
@@ -8102,7 +7822,7 @@
           </p:nvSpPr>
           <p:spPr>
             <a:xfrm>
-              <a:off x="3304549" y="3398907"/>
+              <a:off x="3306518" y="3392169"/>
               <a:ext cx="144506" cy="144506"/>
             </a:xfrm>
             <a:prstGeom prst="ellipse">
@@ -8126,7 +7846,9 @@
           <p:txBody>
             <a:bodyPr/>
             <a:lstStyle/>
-            <a:p/>
+            <a:p>
+              <a:endParaRPr/>
+            </a:p>
           </p:txBody>
         </p:sp>
         <p:sp>
@@ -8137,7 +7859,7 @@
           </p:nvSpPr>
           <p:spPr>
             <a:xfrm>
-              <a:off x="3304549" y="3618363"/>
+              <a:off x="3306518" y="3611625"/>
               <a:ext cx="144506" cy="144506"/>
             </a:xfrm>
             <a:prstGeom prst="ellipse">
@@ -8161,7 +7883,9 @@
           <p:txBody>
             <a:bodyPr/>
             <a:lstStyle/>
-            <a:p/>
+            <a:p>
+              <a:endParaRPr/>
+            </a:p>
           </p:txBody>
         </p:sp>
         <p:sp>
@@ -8172,7 +7896,7 @@
           </p:nvSpPr>
           <p:spPr>
             <a:xfrm>
-              <a:off x="3556120" y="2089540"/>
+              <a:off x="3558088" y="2082802"/>
               <a:ext cx="416262" cy="104884"/>
             </a:xfrm>
             <a:prstGeom prst="rect">
@@ -8181,10 +7905,10 @@
             <a:noFill/>
           </p:spPr>
           <p:txBody>
-            <a:bodyPr lIns="0" rIns="0" tIns="0" bIns="0" anchorCtr="1" anchor="ctr" wrap="none"/>
-            <a:lstStyle/>
-            <a:p>
-              <a:pPr algn="l" marL="0" marR="0" indent="0">
+            <a:bodyPr wrap="none" lIns="0" tIns="0" rIns="0" bIns="0" anchor="ctr" anchorCtr="1"/>
+            <a:lstStyle/>
+            <a:p>
+              <a:pPr marL="0" marR="0" indent="0" algn="l">
                 <a:lnSpc>
                   <a:spcPts val="880"/>
                 </a:lnSpc>
@@ -8218,7 +7942,7 @@
           </p:nvSpPr>
           <p:spPr>
             <a:xfrm>
-              <a:off x="3556120" y="2308996"/>
+              <a:off x="3558088" y="2302258"/>
               <a:ext cx="354106" cy="104884"/>
             </a:xfrm>
             <a:prstGeom prst="rect">
@@ -8227,10 +7951,10 @@
             <a:noFill/>
           </p:spPr>
           <p:txBody>
-            <a:bodyPr lIns="0" rIns="0" tIns="0" bIns="0" anchorCtr="1" anchor="ctr" wrap="none"/>
-            <a:lstStyle/>
-            <a:p>
-              <a:pPr algn="l" marL="0" marR="0" indent="0">
+            <a:bodyPr wrap="none" lIns="0" tIns="0" rIns="0" bIns="0" anchor="ctr" anchorCtr="1"/>
+            <a:lstStyle/>
+            <a:p>
+              <a:pPr marL="0" marR="0" indent="0" algn="l">
                 <a:lnSpc>
                   <a:spcPts val="880"/>
                 </a:lnSpc>
@@ -8251,7 +7975,7 @@
                   <a:latin typeface="Arial"/>
                   <a:cs typeface="Arial"/>
                 </a:rPr>
-                <a:t>2 (206)</a:t>
+                <a:t>2 (205)</a:t>
               </a:r>
             </a:p>
           </p:txBody>
@@ -8264,7 +7988,7 @@
           </p:nvSpPr>
           <p:spPr>
             <a:xfrm>
-              <a:off x="3556120" y="2528452"/>
+              <a:off x="3558088" y="2521714"/>
               <a:ext cx="291951" cy="104884"/>
             </a:xfrm>
             <a:prstGeom prst="rect">
@@ -8273,10 +7997,10 @@
             <a:noFill/>
           </p:spPr>
           <p:txBody>
-            <a:bodyPr lIns="0" rIns="0" tIns="0" bIns="0" anchorCtr="1" anchor="ctr" wrap="none"/>
-            <a:lstStyle/>
-            <a:p>
-              <a:pPr algn="l" marL="0" marR="0" indent="0">
+            <a:bodyPr wrap="none" lIns="0" tIns="0" rIns="0" bIns="0" anchor="ctr" anchorCtr="1"/>
+            <a:lstStyle/>
+            <a:p>
+              <a:pPr marL="0" marR="0" indent="0" algn="l">
                 <a:lnSpc>
                   <a:spcPts val="880"/>
                 </a:lnSpc>
@@ -8310,7 +8034,7 @@
           </p:nvSpPr>
           <p:spPr>
             <a:xfrm>
-              <a:off x="3556120" y="2747908"/>
+              <a:off x="3558088" y="2741170"/>
               <a:ext cx="291951" cy="104884"/>
             </a:xfrm>
             <a:prstGeom prst="rect">
@@ -8319,10 +8043,10 @@
             <a:noFill/>
           </p:spPr>
           <p:txBody>
-            <a:bodyPr lIns="0" rIns="0" tIns="0" bIns="0" anchorCtr="1" anchor="ctr" wrap="none"/>
-            <a:lstStyle/>
-            <a:p>
-              <a:pPr algn="l" marL="0" marR="0" indent="0">
+            <a:bodyPr wrap="none" lIns="0" tIns="0" rIns="0" bIns="0" anchor="ctr" anchorCtr="1"/>
+            <a:lstStyle/>
+            <a:p>
+              <a:pPr marL="0" marR="0" indent="0" algn="l">
                 <a:lnSpc>
                   <a:spcPts val="880"/>
                 </a:lnSpc>
@@ -8343,7 +8067,7 @@
                   <a:latin typeface="Arial"/>
                   <a:cs typeface="Arial"/>
                 </a:rPr>
-                <a:t>4 (31)</a:t>
+                <a:t>4 (30)</a:t>
               </a:r>
             </a:p>
           </p:txBody>
@@ -8356,7 +8080,7 @@
           </p:nvSpPr>
           <p:spPr>
             <a:xfrm>
-              <a:off x="3556120" y="2967364"/>
+              <a:off x="3558088" y="2960626"/>
               <a:ext cx="291951" cy="104884"/>
             </a:xfrm>
             <a:prstGeom prst="rect">
@@ -8365,10 +8089,10 @@
             <a:noFill/>
           </p:spPr>
           <p:txBody>
-            <a:bodyPr lIns="0" rIns="0" tIns="0" bIns="0" anchorCtr="1" anchor="ctr" wrap="none"/>
-            <a:lstStyle/>
-            <a:p>
-              <a:pPr algn="l" marL="0" marR="0" indent="0">
+            <a:bodyPr wrap="none" lIns="0" tIns="0" rIns="0" bIns="0" anchor="ctr" anchorCtr="1"/>
+            <a:lstStyle/>
+            <a:p>
+              <a:pPr marL="0" marR="0" indent="0" algn="l">
                 <a:lnSpc>
                   <a:spcPts val="880"/>
                 </a:lnSpc>
@@ -8402,7 +8126,7 @@
           </p:nvSpPr>
           <p:spPr>
             <a:xfrm>
-              <a:off x="3556120" y="3186820"/>
+              <a:off x="3558088" y="3180082"/>
               <a:ext cx="229795" cy="104884"/>
             </a:xfrm>
             <a:prstGeom prst="rect">
@@ -8411,10 +8135,10 @@
             <a:noFill/>
           </p:spPr>
           <p:txBody>
-            <a:bodyPr lIns="0" rIns="0" tIns="0" bIns="0" anchorCtr="1" anchor="ctr" wrap="none"/>
-            <a:lstStyle/>
-            <a:p>
-              <a:pPr algn="l" marL="0" marR="0" indent="0">
+            <a:bodyPr wrap="none" lIns="0" tIns="0" rIns="0" bIns="0" anchor="ctr" anchorCtr="1"/>
+            <a:lstStyle/>
+            <a:p>
+              <a:pPr marL="0" marR="0" indent="0" algn="l">
                 <a:lnSpc>
                   <a:spcPts val="880"/>
                 </a:lnSpc>
@@ -8435,7 +8159,7 @@
                   <a:latin typeface="Arial"/>
                   <a:cs typeface="Arial"/>
                 </a:rPr>
-                <a:t>6 (6)</a:t>
+                <a:t>6 (7)</a:t>
               </a:r>
             </a:p>
           </p:txBody>
@@ -8448,7 +8172,7 @@
           </p:nvSpPr>
           <p:spPr>
             <a:xfrm>
-              <a:off x="3556120" y="3406276"/>
+              <a:off x="3558088" y="3399538"/>
               <a:ext cx="229795" cy="104884"/>
             </a:xfrm>
             <a:prstGeom prst="rect">
@@ -8457,10 +8181,10 @@
             <a:noFill/>
           </p:spPr>
           <p:txBody>
-            <a:bodyPr lIns="0" rIns="0" tIns="0" bIns="0" anchorCtr="1" anchor="ctr" wrap="none"/>
-            <a:lstStyle/>
-            <a:p>
-              <a:pPr algn="l" marL="0" marR="0" indent="0">
+            <a:bodyPr wrap="none" lIns="0" tIns="0" rIns="0" bIns="0" anchor="ctr" anchorCtr="1"/>
+            <a:lstStyle/>
+            <a:p>
+              <a:pPr marL="0" marR="0" indent="0" algn="l">
                 <a:lnSpc>
                   <a:spcPts val="880"/>
                 </a:lnSpc>
@@ -8494,7 +8218,7 @@
           </p:nvSpPr>
           <p:spPr>
             <a:xfrm>
-              <a:off x="3556120" y="3625732"/>
+              <a:off x="3558088" y="3618994"/>
               <a:ext cx="229795" cy="104884"/>
             </a:xfrm>
             <a:prstGeom prst="rect">
@@ -8503,10 +8227,10 @@
             <a:noFill/>
           </p:spPr>
           <p:txBody>
-            <a:bodyPr lIns="0" rIns="0" tIns="0" bIns="0" anchorCtr="1" anchor="ctr" wrap="none"/>
-            <a:lstStyle/>
-            <a:p>
-              <a:pPr algn="l" marL="0" marR="0" indent="0">
+            <a:bodyPr wrap="none" lIns="0" tIns="0" rIns="0" bIns="0" anchor="ctr" anchorCtr="1"/>
+            <a:lstStyle/>
+            <a:p>
+              <a:pPr marL="0" marR="0" indent="0" algn="l">
                 <a:lnSpc>
                   <a:spcPts val="880"/>
                 </a:lnSpc>
@@ -8528,6 +8252,1242 @@
                   <a:cs typeface="Arial"/>
                 </a:rPr>
                 <a:t>8 (1)</a:t>
+              </a:r>
+            </a:p>
+          </p:txBody>
+        </p:sp>
+      </p:grpSp>
+    </p:spTree>
+  </p:cSld>
+  <p:clrMapOvr>
+    <a:masterClrMapping/>
+  </p:clrMapOvr>
+</p:sld>
+</file>
+
+<file path=ppt/slides/slide7.xml><?xml version="1.0" encoding="utf-8"?>
+<p:sld xmlns:a="http://schemas.openxmlformats.org/drawingml/2006/main" xmlns:r="http://schemas.openxmlformats.org/officeDocument/2006/relationships" xmlns:p="http://schemas.openxmlformats.org/presentationml/2006/main">
+  <p:cSld>
+    <p:spTree>
+      <p:nvGrpSpPr>
+        <p:cNvPr id="1" name=""/>
+        <p:cNvGrpSpPr/>
+        <p:nvPr/>
+      </p:nvGrpSpPr>
+      <p:grpSpPr>
+        <a:xfrm>
+          <a:off x="0" y="0"/>
+          <a:ext cx="0" cy="0"/>
+          <a:chOff x="0" y="0"/>
+          <a:chExt cx="0" cy="0"/>
+        </a:xfrm>
+      </p:grpSpPr>
+      <p:grpSp xmlns:a="http://schemas.openxmlformats.org/drawingml/2006/main" xmlns:r="http://schemas.openxmlformats.org/officeDocument/2006/relationships" xmlns:p="http://schemas.openxmlformats.org/presentationml/2006/main" xmlns:pic="http://schemas.openxmlformats.org/drawingml/2006/picture">
+        <p:nvGrpSpPr>
+          <p:cNvPr id="2" name=""/>
+          <p:cNvGrpSpPr/>
+          <p:nvPr/>
+        </p:nvGrpSpPr>
+        <p:grpSpPr>
+          <a:xfrm>
+            <a:off x="1190625" y="1079500"/>
+            <a:ext cx="5181600" cy="3171825"/>
+            <a:chOff x="1190625" y="1079500"/>
+            <a:chExt cx="5181600" cy="3171825"/>
+          </a:xfrm>
+        </p:grpSpPr>
+        <p:sp>
+          <p:nvSpPr>
+            <p:cNvPr id="3" name="rc3"/>
+            <p:cNvSpPr/>
+            <p:nvPr/>
+          </p:nvSpPr>
+          <p:spPr>
+            <a:xfrm>
+              <a:off x="1190625" y="1079499"/>
+              <a:ext cx="5181599" cy="3171825"/>
+            </a:xfrm>
+            <a:prstGeom prst="rect">
+              <a:avLst/>
+            </a:prstGeom>
+            <a:solidFill>
+              <a:srgbClr val="FFFFFF">
+                <a:alpha val="100000"/>
+              </a:srgbClr>
+            </a:solidFill>
+            <a:ln w="9525" cap="rnd">
+              <a:solidFill>
+                <a:srgbClr val="FFFFFF">
+                  <a:alpha val="100000"/>
+                </a:srgbClr>
+              </a:solidFill>
+              <a:prstDash val="solid"/>
+              <a:round/>
+            </a:ln>
+          </p:spPr>
+          <p:txBody>
+            <a:bodyPr/>
+            <a:lstStyle/>
+            <a:p/>
+          </p:txBody>
+        </p:sp>
+        <p:sp>
+          <p:nvSpPr>
+            <p:cNvPr id="4" name="tx4"/>
+            <p:cNvSpPr/>
+            <p:nvPr/>
+          </p:nvSpPr>
+          <p:spPr>
+            <a:xfrm>
+              <a:off x="3267075" y="1877759"/>
+              <a:ext cx="1024762" cy="103342"/>
+            </a:xfrm>
+            <a:prstGeom prst="rect">
+              <a:avLst/>
+            </a:prstGeom>
+            <a:noFill/>
+          </p:spPr>
+          <p:txBody>
+            <a:bodyPr lIns="0" rIns="0" tIns="0" bIns="0" anchorCtr="1" anchor="ctr" wrap="none"/>
+            <a:lstStyle/>
+            <a:p>
+              <a:pPr algn="l" marL="0" marR="0" indent="0">
+                <a:lnSpc>
+                  <a:spcPts val="1100"/>
+                </a:lnSpc>
+                <a:spcBef>
+                  <a:spcPts val="0"/>
+                </a:spcBef>
+                <a:spcAft>
+                  <a:spcPts val="0"/>
+                </a:spcAft>
+              </a:pPr>
+              <a:r>
+                <a:rPr sz="1100">
+                  <a:solidFill>
+                    <a:srgbClr val="000000">
+                      <a:alpha val="100000"/>
+                    </a:srgbClr>
+                  </a:solidFill>
+                  <a:latin typeface="Arial"/>
+                  <a:cs typeface="Arial"/>
+                </a:rPr>
+                <a:t>Number of times</a:t>
+              </a:r>
+            </a:p>
+          </p:txBody>
+        </p:sp>
+        <p:sp>
+          <p:nvSpPr>
+            <p:cNvPr id="5" name="tx5"/>
+            <p:cNvSpPr/>
+            <p:nvPr/>
+          </p:nvSpPr>
+          <p:spPr>
+            <a:xfrm>
+              <a:off x="3267075" y="2030340"/>
+              <a:ext cx="745362" cy="101637"/>
+            </a:xfrm>
+            <a:prstGeom prst="rect">
+              <a:avLst/>
+            </a:prstGeom>
+            <a:noFill/>
+          </p:spPr>
+          <p:txBody>
+            <a:bodyPr lIns="0" rIns="0" tIns="0" bIns="0" anchorCtr="1" anchor="ctr" wrap="none"/>
+            <a:lstStyle/>
+            <a:p>
+              <a:pPr algn="l" marL="0" marR="0" indent="0">
+                <a:lnSpc>
+                  <a:spcPts val="1100"/>
+                </a:lnSpc>
+                <a:spcBef>
+                  <a:spcPts val="0"/>
+                </a:spcBef>
+                <a:spcAft>
+                  <a:spcPts val="0"/>
+                </a:spcAft>
+              </a:pPr>
+              <a:r>
+                <a:rPr sz="1100">
+                  <a:solidFill>
+                    <a:srgbClr val="000000">
+                      <a:alpha val="100000"/>
+                    </a:srgbClr>
+                  </a:solidFill>
+                  <a:latin typeface="Arial"/>
+                  <a:cs typeface="Arial"/>
+                </a:rPr>
+                <a:t>cited across</a:t>
+              </a:r>
+            </a:p>
+          </p:txBody>
+        </p:sp>
+        <p:sp>
+          <p:nvSpPr>
+            <p:cNvPr id="6" name="tx6"/>
+            <p:cNvSpPr/>
+            <p:nvPr/>
+          </p:nvSpPr>
+          <p:spPr>
+            <a:xfrm>
+              <a:off x="3267075" y="2151748"/>
+              <a:ext cx="877490" cy="131105"/>
+            </a:xfrm>
+            <a:prstGeom prst="rect">
+              <a:avLst/>
+            </a:prstGeom>
+            <a:noFill/>
+          </p:spPr>
+          <p:txBody>
+            <a:bodyPr lIns="0" rIns="0" tIns="0" bIns="0" anchorCtr="1" anchor="ctr" wrap="none"/>
+            <a:lstStyle/>
+            <a:p>
+              <a:pPr algn="l" marL="0" marR="0" indent="0">
+                <a:lnSpc>
+                  <a:spcPts val="1100"/>
+                </a:lnSpc>
+                <a:spcBef>
+                  <a:spcPts val="0"/>
+                </a:spcBef>
+                <a:spcAft>
+                  <a:spcPts val="0"/>
+                </a:spcAft>
+              </a:pPr>
+              <a:r>
+                <a:rPr sz="1100">
+                  <a:solidFill>
+                    <a:srgbClr val="000000">
+                      <a:alpha val="100000"/>
+                    </a:srgbClr>
+                  </a:solidFill>
+                  <a:latin typeface="Arial"/>
+                  <a:cs typeface="Arial"/>
+                </a:rPr>
+                <a:t>guidelines (n):</a:t>
+              </a:r>
+            </a:p>
+          </p:txBody>
+        </p:sp>
+        <p:sp>
+          <p:nvSpPr>
+            <p:cNvPr id="7" name="pt7"/>
+            <p:cNvSpPr/>
+            <p:nvPr/>
+          </p:nvSpPr>
+          <p:spPr>
+            <a:xfrm>
+              <a:off x="3304549" y="2411355"/>
+              <a:ext cx="144506" cy="144506"/>
+            </a:xfrm>
+            <a:prstGeom prst="ellipse">
+              <a:avLst/>
+            </a:prstGeom>
+            <a:solidFill>
+              <a:srgbClr val="3288BD">
+                <a:alpha val="100000"/>
+              </a:srgbClr>
+            </a:solidFill>
+            <a:ln w="9000" cap="rnd">
+              <a:solidFill>
+                <a:srgbClr val="3288BD">
+                  <a:alpha val="100000"/>
+                </a:srgbClr>
+              </a:solidFill>
+              <a:prstDash val="solid"/>
+              <a:round/>
+            </a:ln>
+          </p:spPr>
+          <p:txBody>
+            <a:bodyPr/>
+            <a:lstStyle/>
+            <a:p/>
+          </p:txBody>
+        </p:sp>
+        <p:sp>
+          <p:nvSpPr>
+            <p:cNvPr id="8" name="pt8"/>
+            <p:cNvSpPr/>
+            <p:nvPr/>
+          </p:nvSpPr>
+          <p:spPr>
+            <a:xfrm>
+              <a:off x="3304549" y="2630811"/>
+              <a:ext cx="144506" cy="144506"/>
+            </a:xfrm>
+            <a:prstGeom prst="ellipse">
+              <a:avLst/>
+            </a:prstGeom>
+            <a:solidFill>
+              <a:srgbClr val="66C2A5">
+                <a:alpha val="100000"/>
+              </a:srgbClr>
+            </a:solidFill>
+            <a:ln w="9000" cap="rnd">
+              <a:solidFill>
+                <a:srgbClr val="66C2A5">
+                  <a:alpha val="100000"/>
+                </a:srgbClr>
+              </a:solidFill>
+              <a:prstDash val="solid"/>
+              <a:round/>
+            </a:ln>
+          </p:spPr>
+          <p:txBody>
+            <a:bodyPr/>
+            <a:lstStyle/>
+            <a:p/>
+          </p:txBody>
+        </p:sp>
+        <p:sp>
+          <p:nvSpPr>
+            <p:cNvPr id="9" name="pt9"/>
+            <p:cNvSpPr/>
+            <p:nvPr/>
+          </p:nvSpPr>
+          <p:spPr>
+            <a:xfrm>
+              <a:off x="3304549" y="2850267"/>
+              <a:ext cx="144506" cy="144506"/>
+            </a:xfrm>
+            <a:prstGeom prst="ellipse">
+              <a:avLst/>
+            </a:prstGeom>
+            <a:solidFill>
+              <a:srgbClr val="ABDDA4">
+                <a:alpha val="100000"/>
+              </a:srgbClr>
+            </a:solidFill>
+            <a:ln w="9000" cap="rnd">
+              <a:solidFill>
+                <a:srgbClr val="ABDDA4">
+                  <a:alpha val="100000"/>
+                </a:srgbClr>
+              </a:solidFill>
+              <a:prstDash val="solid"/>
+              <a:round/>
+            </a:ln>
+          </p:spPr>
+          <p:txBody>
+            <a:bodyPr/>
+            <a:lstStyle/>
+            <a:p/>
+          </p:txBody>
+        </p:sp>
+        <p:sp>
+          <p:nvSpPr>
+            <p:cNvPr id="10" name="pt10"/>
+            <p:cNvSpPr/>
+            <p:nvPr/>
+          </p:nvSpPr>
+          <p:spPr>
+            <a:xfrm>
+              <a:off x="3304549" y="3069723"/>
+              <a:ext cx="144506" cy="144506"/>
+            </a:xfrm>
+            <a:prstGeom prst="ellipse">
+              <a:avLst/>
+            </a:prstGeom>
+            <a:solidFill>
+              <a:srgbClr val="E6F598">
+                <a:alpha val="100000"/>
+              </a:srgbClr>
+            </a:solidFill>
+            <a:ln w="9000" cap="rnd">
+              <a:solidFill>
+                <a:srgbClr val="E6F598">
+                  <a:alpha val="100000"/>
+                </a:srgbClr>
+              </a:solidFill>
+              <a:prstDash val="solid"/>
+              <a:round/>
+            </a:ln>
+          </p:spPr>
+          <p:txBody>
+            <a:bodyPr/>
+            <a:lstStyle/>
+            <a:p/>
+          </p:txBody>
+        </p:sp>
+        <p:sp>
+          <p:nvSpPr>
+            <p:cNvPr id="11" name="pt11"/>
+            <p:cNvSpPr/>
+            <p:nvPr/>
+          </p:nvSpPr>
+          <p:spPr>
+            <a:xfrm>
+              <a:off x="3304549" y="3289179"/>
+              <a:ext cx="144506" cy="144506"/>
+            </a:xfrm>
+            <a:prstGeom prst="ellipse">
+              <a:avLst/>
+            </a:prstGeom>
+            <a:solidFill>
+              <a:srgbClr val="FEE08B">
+                <a:alpha val="100000"/>
+              </a:srgbClr>
+            </a:solidFill>
+            <a:ln w="9000" cap="rnd">
+              <a:solidFill>
+                <a:srgbClr val="FEE08B">
+                  <a:alpha val="100000"/>
+                </a:srgbClr>
+              </a:solidFill>
+              <a:prstDash val="solid"/>
+              <a:round/>
+            </a:ln>
+          </p:spPr>
+          <p:txBody>
+            <a:bodyPr/>
+            <a:lstStyle/>
+            <a:p/>
+          </p:txBody>
+        </p:sp>
+        <p:sp>
+          <p:nvSpPr>
+            <p:cNvPr id="12" name="tx12"/>
+            <p:cNvSpPr/>
+            <p:nvPr/>
+          </p:nvSpPr>
+          <p:spPr>
+            <a:xfrm>
+              <a:off x="3556120" y="2418724"/>
+              <a:ext cx="416262" cy="104884"/>
+            </a:xfrm>
+            <a:prstGeom prst="rect">
+              <a:avLst/>
+            </a:prstGeom>
+            <a:noFill/>
+          </p:spPr>
+          <p:txBody>
+            <a:bodyPr lIns="0" rIns="0" tIns="0" bIns="0" anchorCtr="1" anchor="ctr" wrap="none"/>
+            <a:lstStyle/>
+            <a:p>
+              <a:pPr algn="l" marL="0" marR="0" indent="0">
+                <a:lnSpc>
+                  <a:spcPts val="880"/>
+                </a:lnSpc>
+                <a:spcBef>
+                  <a:spcPts val="0"/>
+                </a:spcBef>
+                <a:spcAft>
+                  <a:spcPts val="0"/>
+                </a:spcAft>
+              </a:pPr>
+              <a:r>
+                <a:rPr sz="880">
+                  <a:solidFill>
+                    <a:srgbClr val="000000">
+                      <a:alpha val="100000"/>
+                    </a:srgbClr>
+                  </a:solidFill>
+                  <a:latin typeface="Arial"/>
+                  <a:cs typeface="Arial"/>
+                </a:rPr>
+                <a:t>1 (1501)</a:t>
+              </a:r>
+            </a:p>
+          </p:txBody>
+        </p:sp>
+        <p:sp>
+          <p:nvSpPr>
+            <p:cNvPr id="13" name="tx13"/>
+            <p:cNvSpPr/>
+            <p:nvPr/>
+          </p:nvSpPr>
+          <p:spPr>
+            <a:xfrm>
+              <a:off x="3556120" y="2638180"/>
+              <a:ext cx="354106" cy="104884"/>
+            </a:xfrm>
+            <a:prstGeom prst="rect">
+              <a:avLst/>
+            </a:prstGeom>
+            <a:noFill/>
+          </p:spPr>
+          <p:txBody>
+            <a:bodyPr lIns="0" rIns="0" tIns="0" bIns="0" anchorCtr="1" anchor="ctr" wrap="none"/>
+            <a:lstStyle/>
+            <a:p>
+              <a:pPr algn="l" marL="0" marR="0" indent="0">
+                <a:lnSpc>
+                  <a:spcPts val="880"/>
+                </a:lnSpc>
+                <a:spcBef>
+                  <a:spcPts val="0"/>
+                </a:spcBef>
+                <a:spcAft>
+                  <a:spcPts val="0"/>
+                </a:spcAft>
+              </a:pPr>
+              <a:r>
+                <a:rPr sz="880">
+                  <a:solidFill>
+                    <a:srgbClr val="000000">
+                      <a:alpha val="100000"/>
+                    </a:srgbClr>
+                  </a:solidFill>
+                  <a:latin typeface="Arial"/>
+                  <a:cs typeface="Arial"/>
+                </a:rPr>
+                <a:t>2 (139)</a:t>
+              </a:r>
+            </a:p>
+          </p:txBody>
+        </p:sp>
+        <p:sp>
+          <p:nvSpPr>
+            <p:cNvPr id="14" name="tx14"/>
+            <p:cNvSpPr/>
+            <p:nvPr/>
+          </p:nvSpPr>
+          <p:spPr>
+            <a:xfrm>
+              <a:off x="3556120" y="2857636"/>
+              <a:ext cx="291951" cy="104884"/>
+            </a:xfrm>
+            <a:prstGeom prst="rect">
+              <a:avLst/>
+            </a:prstGeom>
+            <a:noFill/>
+          </p:spPr>
+          <p:txBody>
+            <a:bodyPr lIns="0" rIns="0" tIns="0" bIns="0" anchorCtr="1" anchor="ctr" wrap="none"/>
+            <a:lstStyle/>
+            <a:p>
+              <a:pPr algn="l" marL="0" marR="0" indent="0">
+                <a:lnSpc>
+                  <a:spcPts val="880"/>
+                </a:lnSpc>
+                <a:spcBef>
+                  <a:spcPts val="0"/>
+                </a:spcBef>
+                <a:spcAft>
+                  <a:spcPts val="0"/>
+                </a:spcAft>
+              </a:pPr>
+              <a:r>
+                <a:rPr sz="880">
+                  <a:solidFill>
+                    <a:srgbClr val="000000">
+                      <a:alpha val="100000"/>
+                    </a:srgbClr>
+                  </a:solidFill>
+                  <a:latin typeface="Arial"/>
+                  <a:cs typeface="Arial"/>
+                </a:rPr>
+                <a:t>3 (37)</a:t>
+              </a:r>
+            </a:p>
+          </p:txBody>
+        </p:sp>
+        <p:sp>
+          <p:nvSpPr>
+            <p:cNvPr id="15" name="tx15"/>
+            <p:cNvSpPr/>
+            <p:nvPr/>
+          </p:nvSpPr>
+          <p:spPr>
+            <a:xfrm>
+              <a:off x="3556120" y="3077092"/>
+              <a:ext cx="291951" cy="104884"/>
+            </a:xfrm>
+            <a:prstGeom prst="rect">
+              <a:avLst/>
+            </a:prstGeom>
+            <a:noFill/>
+          </p:spPr>
+          <p:txBody>
+            <a:bodyPr lIns="0" rIns="0" tIns="0" bIns="0" anchorCtr="1" anchor="ctr" wrap="none"/>
+            <a:lstStyle/>
+            <a:p>
+              <a:pPr algn="l" marL="0" marR="0" indent="0">
+                <a:lnSpc>
+                  <a:spcPts val="880"/>
+                </a:lnSpc>
+                <a:spcBef>
+                  <a:spcPts val="0"/>
+                </a:spcBef>
+                <a:spcAft>
+                  <a:spcPts val="0"/>
+                </a:spcAft>
+              </a:pPr>
+              <a:r>
+                <a:rPr sz="880">
+                  <a:solidFill>
+                    <a:srgbClr val="000000">
+                      <a:alpha val="100000"/>
+                    </a:srgbClr>
+                  </a:solidFill>
+                  <a:latin typeface="Arial"/>
+                  <a:cs typeface="Arial"/>
+                </a:rPr>
+                <a:t>4 (13)</a:t>
+              </a:r>
+            </a:p>
+          </p:txBody>
+        </p:sp>
+        <p:sp>
+          <p:nvSpPr>
+            <p:cNvPr id="16" name="tx16"/>
+            <p:cNvSpPr/>
+            <p:nvPr/>
+          </p:nvSpPr>
+          <p:spPr>
+            <a:xfrm>
+              <a:off x="3556120" y="3296548"/>
+              <a:ext cx="229795" cy="104884"/>
+            </a:xfrm>
+            <a:prstGeom prst="rect">
+              <a:avLst/>
+            </a:prstGeom>
+            <a:noFill/>
+          </p:spPr>
+          <p:txBody>
+            <a:bodyPr lIns="0" rIns="0" tIns="0" bIns="0" anchorCtr="1" anchor="ctr" wrap="none"/>
+            <a:lstStyle/>
+            <a:p>
+              <a:pPr algn="l" marL="0" marR="0" indent="0">
+                <a:lnSpc>
+                  <a:spcPts val="880"/>
+                </a:lnSpc>
+                <a:spcBef>
+                  <a:spcPts val="0"/>
+                </a:spcBef>
+                <a:spcAft>
+                  <a:spcPts val="0"/>
+                </a:spcAft>
+              </a:pPr>
+              <a:r>
+                <a:rPr sz="880">
+                  <a:solidFill>
+                    <a:srgbClr val="000000">
+                      <a:alpha val="100000"/>
+                    </a:srgbClr>
+                  </a:solidFill>
+                  <a:latin typeface="Arial"/>
+                  <a:cs typeface="Arial"/>
+                </a:rPr>
+                <a:t>5 (3)</a:t>
+              </a:r>
+            </a:p>
+          </p:txBody>
+        </p:sp>
+      </p:grpSp>
+    </p:spTree>
+  </p:cSld>
+  <p:clrMapOvr>
+    <a:masterClrMapping/>
+  </p:clrMapOvr>
+</p:sld>
+</file>
+
+<file path=ppt/slides/slide8.xml><?xml version="1.0" encoding="utf-8"?>
+<p:sld xmlns:a="http://schemas.openxmlformats.org/drawingml/2006/main" xmlns:r="http://schemas.openxmlformats.org/officeDocument/2006/relationships" xmlns:p="http://schemas.openxmlformats.org/presentationml/2006/main">
+  <p:cSld>
+    <p:spTree>
+      <p:nvGrpSpPr>
+        <p:cNvPr id="1" name=""/>
+        <p:cNvGrpSpPr/>
+        <p:nvPr/>
+      </p:nvGrpSpPr>
+      <p:grpSpPr>
+        <a:xfrm>
+          <a:off x="0" y="0"/>
+          <a:ext cx="0" cy="0"/>
+          <a:chOff x="0" y="0"/>
+          <a:chExt cx="0" cy="0"/>
+        </a:xfrm>
+      </p:grpSpPr>
+      <p:grpSp xmlns:a="http://schemas.openxmlformats.org/drawingml/2006/main" xmlns:r="http://schemas.openxmlformats.org/officeDocument/2006/relationships" xmlns:p="http://schemas.openxmlformats.org/presentationml/2006/main" xmlns:pic="http://schemas.openxmlformats.org/drawingml/2006/picture">
+        <p:nvGrpSpPr>
+          <p:cNvPr id="2" name=""/>
+          <p:cNvGrpSpPr/>
+          <p:nvPr/>
+        </p:nvGrpSpPr>
+        <p:grpSpPr>
+          <a:xfrm>
+            <a:off x="1190625" y="1079500"/>
+            <a:ext cx="5181600" cy="3171825"/>
+            <a:chOff x="1190625" y="1079500"/>
+            <a:chExt cx="5181600" cy="3171825"/>
+          </a:xfrm>
+        </p:grpSpPr>
+        <p:sp>
+          <p:nvSpPr>
+            <p:cNvPr id="3" name="rc3"/>
+            <p:cNvSpPr/>
+            <p:nvPr/>
+          </p:nvSpPr>
+          <p:spPr>
+            <a:xfrm>
+              <a:off x="1190625" y="1079499"/>
+              <a:ext cx="5181599" cy="3171825"/>
+            </a:xfrm>
+            <a:prstGeom prst="rect">
+              <a:avLst/>
+            </a:prstGeom>
+            <a:solidFill>
+              <a:srgbClr val="FFFFFF">
+                <a:alpha val="100000"/>
+              </a:srgbClr>
+            </a:solidFill>
+            <a:ln w="9525" cap="rnd">
+              <a:solidFill>
+                <a:srgbClr val="FFFFFF">
+                  <a:alpha val="100000"/>
+                </a:srgbClr>
+              </a:solidFill>
+              <a:prstDash val="solid"/>
+              <a:round/>
+            </a:ln>
+          </p:spPr>
+          <p:txBody>
+            <a:bodyPr/>
+            <a:lstStyle/>
+            <a:p/>
+          </p:txBody>
+        </p:sp>
+        <p:sp>
+          <p:nvSpPr>
+            <p:cNvPr id="4" name="tx4"/>
+            <p:cNvSpPr/>
+            <p:nvPr/>
+          </p:nvSpPr>
+          <p:spPr>
+            <a:xfrm>
+              <a:off x="3267075" y="1877759"/>
+              <a:ext cx="1024762" cy="103342"/>
+            </a:xfrm>
+            <a:prstGeom prst="rect">
+              <a:avLst/>
+            </a:prstGeom>
+            <a:noFill/>
+          </p:spPr>
+          <p:txBody>
+            <a:bodyPr lIns="0" rIns="0" tIns="0" bIns="0" anchorCtr="1" anchor="ctr" wrap="none"/>
+            <a:lstStyle/>
+            <a:p>
+              <a:pPr algn="l" marL="0" marR="0" indent="0">
+                <a:lnSpc>
+                  <a:spcPts val="1100"/>
+                </a:lnSpc>
+                <a:spcBef>
+                  <a:spcPts val="0"/>
+                </a:spcBef>
+                <a:spcAft>
+                  <a:spcPts val="0"/>
+                </a:spcAft>
+              </a:pPr>
+              <a:r>
+                <a:rPr sz="1100">
+                  <a:solidFill>
+                    <a:srgbClr val="000000">
+                      <a:alpha val="100000"/>
+                    </a:srgbClr>
+                  </a:solidFill>
+                  <a:latin typeface="Arial"/>
+                  <a:cs typeface="Arial"/>
+                </a:rPr>
+                <a:t>Number of times</a:t>
+              </a:r>
+            </a:p>
+          </p:txBody>
+        </p:sp>
+        <p:sp>
+          <p:nvSpPr>
+            <p:cNvPr id="5" name="tx5"/>
+            <p:cNvSpPr/>
+            <p:nvPr/>
+          </p:nvSpPr>
+          <p:spPr>
+            <a:xfrm>
+              <a:off x="3267075" y="2030340"/>
+              <a:ext cx="745362" cy="101637"/>
+            </a:xfrm>
+            <a:prstGeom prst="rect">
+              <a:avLst/>
+            </a:prstGeom>
+            <a:noFill/>
+          </p:spPr>
+          <p:txBody>
+            <a:bodyPr lIns="0" rIns="0" tIns="0" bIns="0" anchorCtr="1" anchor="ctr" wrap="none"/>
+            <a:lstStyle/>
+            <a:p>
+              <a:pPr algn="l" marL="0" marR="0" indent="0">
+                <a:lnSpc>
+                  <a:spcPts val="1100"/>
+                </a:lnSpc>
+                <a:spcBef>
+                  <a:spcPts val="0"/>
+                </a:spcBef>
+                <a:spcAft>
+                  <a:spcPts val="0"/>
+                </a:spcAft>
+              </a:pPr>
+              <a:r>
+                <a:rPr sz="1100">
+                  <a:solidFill>
+                    <a:srgbClr val="000000">
+                      <a:alpha val="100000"/>
+                    </a:srgbClr>
+                  </a:solidFill>
+                  <a:latin typeface="Arial"/>
+                  <a:cs typeface="Arial"/>
+                </a:rPr>
+                <a:t>cited across</a:t>
+              </a:r>
+            </a:p>
+          </p:txBody>
+        </p:sp>
+        <p:sp>
+          <p:nvSpPr>
+            <p:cNvPr id="6" name="tx6"/>
+            <p:cNvSpPr/>
+            <p:nvPr/>
+          </p:nvSpPr>
+          <p:spPr>
+            <a:xfrm>
+              <a:off x="3267075" y="2151748"/>
+              <a:ext cx="877490" cy="131105"/>
+            </a:xfrm>
+            <a:prstGeom prst="rect">
+              <a:avLst/>
+            </a:prstGeom>
+            <a:noFill/>
+          </p:spPr>
+          <p:txBody>
+            <a:bodyPr lIns="0" rIns="0" tIns="0" bIns="0" anchorCtr="1" anchor="ctr" wrap="none"/>
+            <a:lstStyle/>
+            <a:p>
+              <a:pPr algn="l" marL="0" marR="0" indent="0">
+                <a:lnSpc>
+                  <a:spcPts val="1100"/>
+                </a:lnSpc>
+                <a:spcBef>
+                  <a:spcPts val="0"/>
+                </a:spcBef>
+                <a:spcAft>
+                  <a:spcPts val="0"/>
+                </a:spcAft>
+              </a:pPr>
+              <a:r>
+                <a:rPr sz="1100">
+                  <a:solidFill>
+                    <a:srgbClr val="000000">
+                      <a:alpha val="100000"/>
+                    </a:srgbClr>
+                  </a:solidFill>
+                  <a:latin typeface="Arial"/>
+                  <a:cs typeface="Arial"/>
+                </a:rPr>
+                <a:t>guidelines (n):</a:t>
+              </a:r>
+            </a:p>
+          </p:txBody>
+        </p:sp>
+        <p:sp>
+          <p:nvSpPr>
+            <p:cNvPr id="7" name="pt7"/>
+            <p:cNvSpPr/>
+            <p:nvPr/>
+          </p:nvSpPr>
+          <p:spPr>
+            <a:xfrm>
+              <a:off x="3304549" y="2411355"/>
+              <a:ext cx="144506" cy="144506"/>
+            </a:xfrm>
+            <a:prstGeom prst="ellipse">
+              <a:avLst/>
+            </a:prstGeom>
+            <a:solidFill>
+              <a:srgbClr val="3288BD">
+                <a:alpha val="100000"/>
+              </a:srgbClr>
+            </a:solidFill>
+            <a:ln w="9000" cap="rnd">
+              <a:solidFill>
+                <a:srgbClr val="3288BD">
+                  <a:alpha val="100000"/>
+                </a:srgbClr>
+              </a:solidFill>
+              <a:prstDash val="solid"/>
+              <a:round/>
+            </a:ln>
+          </p:spPr>
+          <p:txBody>
+            <a:bodyPr/>
+            <a:lstStyle/>
+            <a:p/>
+          </p:txBody>
+        </p:sp>
+        <p:sp>
+          <p:nvSpPr>
+            <p:cNvPr id="8" name="pt8"/>
+            <p:cNvSpPr/>
+            <p:nvPr/>
+          </p:nvSpPr>
+          <p:spPr>
+            <a:xfrm>
+              <a:off x="3304549" y="2630811"/>
+              <a:ext cx="144506" cy="144506"/>
+            </a:xfrm>
+            <a:prstGeom prst="ellipse">
+              <a:avLst/>
+            </a:prstGeom>
+            <a:solidFill>
+              <a:srgbClr val="66C2A5">
+                <a:alpha val="100000"/>
+              </a:srgbClr>
+            </a:solidFill>
+            <a:ln w="9000" cap="rnd">
+              <a:solidFill>
+                <a:srgbClr val="66C2A5">
+                  <a:alpha val="100000"/>
+                </a:srgbClr>
+              </a:solidFill>
+              <a:prstDash val="solid"/>
+              <a:round/>
+            </a:ln>
+          </p:spPr>
+          <p:txBody>
+            <a:bodyPr/>
+            <a:lstStyle/>
+            <a:p/>
+          </p:txBody>
+        </p:sp>
+        <p:sp>
+          <p:nvSpPr>
+            <p:cNvPr id="9" name="pt9"/>
+            <p:cNvSpPr/>
+            <p:nvPr/>
+          </p:nvSpPr>
+          <p:spPr>
+            <a:xfrm>
+              <a:off x="3304549" y="2850267"/>
+              <a:ext cx="144506" cy="144506"/>
+            </a:xfrm>
+            <a:prstGeom prst="ellipse">
+              <a:avLst/>
+            </a:prstGeom>
+            <a:solidFill>
+              <a:srgbClr val="ABDDA4">
+                <a:alpha val="100000"/>
+              </a:srgbClr>
+            </a:solidFill>
+            <a:ln w="9000" cap="rnd">
+              <a:solidFill>
+                <a:srgbClr val="ABDDA4">
+                  <a:alpha val="100000"/>
+                </a:srgbClr>
+              </a:solidFill>
+              <a:prstDash val="solid"/>
+              <a:round/>
+            </a:ln>
+          </p:spPr>
+          <p:txBody>
+            <a:bodyPr/>
+            <a:lstStyle/>
+            <a:p/>
+          </p:txBody>
+        </p:sp>
+        <p:sp>
+          <p:nvSpPr>
+            <p:cNvPr id="10" name="pt10"/>
+            <p:cNvSpPr/>
+            <p:nvPr/>
+          </p:nvSpPr>
+          <p:spPr>
+            <a:xfrm>
+              <a:off x="3304549" y="3069723"/>
+              <a:ext cx="144506" cy="144506"/>
+            </a:xfrm>
+            <a:prstGeom prst="ellipse">
+              <a:avLst/>
+            </a:prstGeom>
+            <a:solidFill>
+              <a:srgbClr val="E6F598">
+                <a:alpha val="100000"/>
+              </a:srgbClr>
+            </a:solidFill>
+            <a:ln w="9000" cap="rnd">
+              <a:solidFill>
+                <a:srgbClr val="E6F598">
+                  <a:alpha val="100000"/>
+                </a:srgbClr>
+              </a:solidFill>
+              <a:prstDash val="solid"/>
+              <a:round/>
+            </a:ln>
+          </p:spPr>
+          <p:txBody>
+            <a:bodyPr/>
+            <a:lstStyle/>
+            <a:p/>
+          </p:txBody>
+        </p:sp>
+        <p:sp>
+          <p:nvSpPr>
+            <p:cNvPr id="11" name="pt11"/>
+            <p:cNvSpPr/>
+            <p:nvPr/>
+          </p:nvSpPr>
+          <p:spPr>
+            <a:xfrm>
+              <a:off x="3304549" y="3289179"/>
+              <a:ext cx="144506" cy="144506"/>
+            </a:xfrm>
+            <a:prstGeom prst="ellipse">
+              <a:avLst/>
+            </a:prstGeom>
+            <a:solidFill>
+              <a:srgbClr val="FEE08B">
+                <a:alpha val="100000"/>
+              </a:srgbClr>
+            </a:solidFill>
+            <a:ln w="9000" cap="rnd">
+              <a:solidFill>
+                <a:srgbClr val="FEE08B">
+                  <a:alpha val="100000"/>
+                </a:srgbClr>
+              </a:solidFill>
+              <a:prstDash val="solid"/>
+              <a:round/>
+            </a:ln>
+          </p:spPr>
+          <p:txBody>
+            <a:bodyPr/>
+            <a:lstStyle/>
+            <a:p/>
+          </p:txBody>
+        </p:sp>
+        <p:sp>
+          <p:nvSpPr>
+            <p:cNvPr id="12" name="tx12"/>
+            <p:cNvSpPr/>
+            <p:nvPr/>
+          </p:nvSpPr>
+          <p:spPr>
+            <a:xfrm>
+              <a:off x="3556120" y="2418724"/>
+              <a:ext cx="416262" cy="104884"/>
+            </a:xfrm>
+            <a:prstGeom prst="rect">
+              <a:avLst/>
+            </a:prstGeom>
+            <a:noFill/>
+          </p:spPr>
+          <p:txBody>
+            <a:bodyPr lIns="0" rIns="0" tIns="0" bIns="0" anchorCtr="1" anchor="ctr" wrap="none"/>
+            <a:lstStyle/>
+            <a:p>
+              <a:pPr algn="l" marL="0" marR="0" indent="0">
+                <a:lnSpc>
+                  <a:spcPts val="880"/>
+                </a:lnSpc>
+                <a:spcBef>
+                  <a:spcPts val="0"/>
+                </a:spcBef>
+                <a:spcAft>
+                  <a:spcPts val="0"/>
+                </a:spcAft>
+              </a:pPr>
+              <a:r>
+                <a:rPr sz="880">
+                  <a:solidFill>
+                    <a:srgbClr val="000000">
+                      <a:alpha val="100000"/>
+                    </a:srgbClr>
+                  </a:solidFill>
+                  <a:latin typeface="Arial"/>
+                  <a:cs typeface="Arial"/>
+                </a:rPr>
+                <a:t>1 (1501)</a:t>
+              </a:r>
+            </a:p>
+          </p:txBody>
+        </p:sp>
+        <p:sp>
+          <p:nvSpPr>
+            <p:cNvPr id="13" name="tx13"/>
+            <p:cNvSpPr/>
+            <p:nvPr/>
+          </p:nvSpPr>
+          <p:spPr>
+            <a:xfrm>
+              <a:off x="3556120" y="2638180"/>
+              <a:ext cx="354106" cy="104884"/>
+            </a:xfrm>
+            <a:prstGeom prst="rect">
+              <a:avLst/>
+            </a:prstGeom>
+            <a:noFill/>
+          </p:spPr>
+          <p:txBody>
+            <a:bodyPr lIns="0" rIns="0" tIns="0" bIns="0" anchorCtr="1" anchor="ctr" wrap="none"/>
+            <a:lstStyle/>
+            <a:p>
+              <a:pPr algn="l" marL="0" marR="0" indent="0">
+                <a:lnSpc>
+                  <a:spcPts val="880"/>
+                </a:lnSpc>
+                <a:spcBef>
+                  <a:spcPts val="0"/>
+                </a:spcBef>
+                <a:spcAft>
+                  <a:spcPts val="0"/>
+                </a:spcAft>
+              </a:pPr>
+              <a:r>
+                <a:rPr sz="880">
+                  <a:solidFill>
+                    <a:srgbClr val="000000">
+                      <a:alpha val="100000"/>
+                    </a:srgbClr>
+                  </a:solidFill>
+                  <a:latin typeface="Arial"/>
+                  <a:cs typeface="Arial"/>
+                </a:rPr>
+                <a:t>2 (139)</a:t>
+              </a:r>
+            </a:p>
+          </p:txBody>
+        </p:sp>
+        <p:sp>
+          <p:nvSpPr>
+            <p:cNvPr id="14" name="tx14"/>
+            <p:cNvSpPr/>
+            <p:nvPr/>
+          </p:nvSpPr>
+          <p:spPr>
+            <a:xfrm>
+              <a:off x="3556120" y="2857636"/>
+              <a:ext cx="291951" cy="104884"/>
+            </a:xfrm>
+            <a:prstGeom prst="rect">
+              <a:avLst/>
+            </a:prstGeom>
+            <a:noFill/>
+          </p:spPr>
+          <p:txBody>
+            <a:bodyPr lIns="0" rIns="0" tIns="0" bIns="0" anchorCtr="1" anchor="ctr" wrap="none"/>
+            <a:lstStyle/>
+            <a:p>
+              <a:pPr algn="l" marL="0" marR="0" indent="0">
+                <a:lnSpc>
+                  <a:spcPts val="880"/>
+                </a:lnSpc>
+                <a:spcBef>
+                  <a:spcPts val="0"/>
+                </a:spcBef>
+                <a:spcAft>
+                  <a:spcPts val="0"/>
+                </a:spcAft>
+              </a:pPr>
+              <a:r>
+                <a:rPr sz="880">
+                  <a:solidFill>
+                    <a:srgbClr val="000000">
+                      <a:alpha val="100000"/>
+                    </a:srgbClr>
+                  </a:solidFill>
+                  <a:latin typeface="Arial"/>
+                  <a:cs typeface="Arial"/>
+                </a:rPr>
+                <a:t>3 (37)</a:t>
+              </a:r>
+            </a:p>
+          </p:txBody>
+        </p:sp>
+        <p:sp>
+          <p:nvSpPr>
+            <p:cNvPr id="15" name="tx15"/>
+            <p:cNvSpPr/>
+            <p:nvPr/>
+          </p:nvSpPr>
+          <p:spPr>
+            <a:xfrm>
+              <a:off x="3556120" y="3077092"/>
+              <a:ext cx="291951" cy="104884"/>
+            </a:xfrm>
+            <a:prstGeom prst="rect">
+              <a:avLst/>
+            </a:prstGeom>
+            <a:noFill/>
+          </p:spPr>
+          <p:txBody>
+            <a:bodyPr lIns="0" rIns="0" tIns="0" bIns="0" anchorCtr="1" anchor="ctr" wrap="none"/>
+            <a:lstStyle/>
+            <a:p>
+              <a:pPr algn="l" marL="0" marR="0" indent="0">
+                <a:lnSpc>
+                  <a:spcPts val="880"/>
+                </a:lnSpc>
+                <a:spcBef>
+                  <a:spcPts val="0"/>
+                </a:spcBef>
+                <a:spcAft>
+                  <a:spcPts val="0"/>
+                </a:spcAft>
+              </a:pPr>
+              <a:r>
+                <a:rPr sz="880">
+                  <a:solidFill>
+                    <a:srgbClr val="000000">
+                      <a:alpha val="100000"/>
+                    </a:srgbClr>
+                  </a:solidFill>
+                  <a:latin typeface="Arial"/>
+                  <a:cs typeface="Arial"/>
+                </a:rPr>
+                <a:t>4 (13)</a:t>
+              </a:r>
+            </a:p>
+          </p:txBody>
+        </p:sp>
+        <p:sp>
+          <p:nvSpPr>
+            <p:cNvPr id="16" name="tx16"/>
+            <p:cNvSpPr/>
+            <p:nvPr/>
+          </p:nvSpPr>
+          <p:spPr>
+            <a:xfrm>
+              <a:off x="3556120" y="3296548"/>
+              <a:ext cx="229795" cy="104884"/>
+            </a:xfrm>
+            <a:prstGeom prst="rect">
+              <a:avLst/>
+            </a:prstGeom>
+            <a:noFill/>
+          </p:spPr>
+          <p:txBody>
+            <a:bodyPr lIns="0" rIns="0" tIns="0" bIns="0" anchorCtr="1" anchor="ctr" wrap="none"/>
+            <a:lstStyle/>
+            <a:p>
+              <a:pPr algn="l" marL="0" marR="0" indent="0">
+                <a:lnSpc>
+                  <a:spcPts val="880"/>
+                </a:lnSpc>
+                <a:spcBef>
+                  <a:spcPts val="0"/>
+                </a:spcBef>
+                <a:spcAft>
+                  <a:spcPts val="0"/>
+                </a:spcAft>
+              </a:pPr>
+              <a:r>
+                <a:rPr sz="880">
+                  <a:solidFill>
+                    <a:srgbClr val="000000">
+                      <a:alpha val="100000"/>
+                    </a:srgbClr>
+                  </a:solidFill>
+                  <a:latin typeface="Arial"/>
+                  <a:cs typeface="Arial"/>
+                </a:rPr>
+                <a:t>5 (3)</a:t>
               </a:r>
             </a:p>
           </p:txBody>

--- a/outputs/legend_nrefs_paper.pptx
+++ b/outputs/legend_nrefs_paper.pptx
@@ -13,6 +13,7 @@
     <p:sldId id="263" r:id="rId7"/>
     <p:sldId id="264" r:id="rId12"/>
     <p:sldId id="265" r:id="rId13"/>
+    <p:sldId id="266" r:id="rId14"/>
   </p:sldIdLst>
   <p:sldSz cx="7562850" cy="5330825"/>
   <p:notesSz cx="6858000" cy="9144000"/>
@@ -9501,6 +9502,705 @@
 </p:sld>
 </file>
 
+<file path=ppt/slides/slide9.xml><?xml version="1.0" encoding="utf-8"?>
+<p:sld xmlns:a="http://schemas.openxmlformats.org/drawingml/2006/main" xmlns:r="http://schemas.openxmlformats.org/officeDocument/2006/relationships" xmlns:p="http://schemas.openxmlformats.org/presentationml/2006/main">
+  <p:cSld>
+    <p:spTree>
+      <p:nvGrpSpPr>
+        <p:cNvPr id="1" name=""/>
+        <p:cNvGrpSpPr/>
+        <p:nvPr/>
+      </p:nvGrpSpPr>
+      <p:grpSpPr>
+        <a:xfrm>
+          <a:off x="0" y="0"/>
+          <a:ext cx="0" cy="0"/>
+          <a:chOff x="0" y="0"/>
+          <a:chExt cx="0" cy="0"/>
+        </a:xfrm>
+      </p:grpSpPr>
+      <p:grpSp xmlns:a="http://schemas.openxmlformats.org/drawingml/2006/main" xmlns:r="http://schemas.openxmlformats.org/officeDocument/2006/relationships" xmlns:p="http://schemas.openxmlformats.org/presentationml/2006/main" xmlns:pic="http://schemas.openxmlformats.org/drawingml/2006/picture">
+        <p:nvGrpSpPr>
+          <p:cNvPr id="2" name=""/>
+          <p:cNvGrpSpPr/>
+          <p:nvPr/>
+        </p:nvGrpSpPr>
+        <p:grpSpPr>
+          <a:xfrm>
+            <a:off x="1190625" y="1079500"/>
+            <a:ext cx="5181600" cy="3171825"/>
+            <a:chOff x="1190625" y="1079500"/>
+            <a:chExt cx="5181600" cy="3171825"/>
+          </a:xfrm>
+        </p:grpSpPr>
+        <p:sp>
+          <p:nvSpPr>
+            <p:cNvPr id="3" name="rc3"/>
+            <p:cNvSpPr/>
+            <p:nvPr/>
+          </p:nvSpPr>
+          <p:spPr>
+            <a:xfrm>
+              <a:off x="1190625" y="1079499"/>
+              <a:ext cx="5181599" cy="3171825"/>
+            </a:xfrm>
+            <a:prstGeom prst="rect">
+              <a:avLst/>
+            </a:prstGeom>
+            <a:solidFill>
+              <a:srgbClr val="FFFFFF">
+                <a:alpha val="100000"/>
+              </a:srgbClr>
+            </a:solidFill>
+            <a:ln w="9525" cap="rnd">
+              <a:solidFill>
+                <a:srgbClr val="FFFFFF">
+                  <a:alpha val="100000"/>
+                </a:srgbClr>
+              </a:solidFill>
+              <a:prstDash val="solid"/>
+              <a:round/>
+            </a:ln>
+          </p:spPr>
+          <p:txBody>
+            <a:bodyPr/>
+            <a:lstStyle/>
+            <a:p/>
+          </p:txBody>
+        </p:sp>
+        <p:sp>
+          <p:nvSpPr>
+            <p:cNvPr id="4" name="tx4"/>
+            <p:cNvSpPr/>
+            <p:nvPr/>
+          </p:nvSpPr>
+          <p:spPr>
+            <a:xfrm>
+              <a:off x="3267075" y="1768031"/>
+              <a:ext cx="1024762" cy="103342"/>
+            </a:xfrm>
+            <a:prstGeom prst="rect">
+              <a:avLst/>
+            </a:prstGeom>
+            <a:noFill/>
+          </p:spPr>
+          <p:txBody>
+            <a:bodyPr lIns="0" rIns="0" tIns="0" bIns="0" anchorCtr="1" anchor="ctr" wrap="none"/>
+            <a:lstStyle/>
+            <a:p>
+              <a:pPr algn="l" marL="0" marR="0" indent="0">
+                <a:lnSpc>
+                  <a:spcPts val="1100"/>
+                </a:lnSpc>
+                <a:spcBef>
+                  <a:spcPts val="0"/>
+                </a:spcBef>
+                <a:spcAft>
+                  <a:spcPts val="0"/>
+                </a:spcAft>
+              </a:pPr>
+              <a:r>
+                <a:rPr sz="1100">
+                  <a:solidFill>
+                    <a:srgbClr val="000000">
+                      <a:alpha val="100000"/>
+                    </a:srgbClr>
+                  </a:solidFill>
+                  <a:latin typeface="Arial"/>
+                  <a:cs typeface="Arial"/>
+                </a:rPr>
+                <a:t>Number of times</a:t>
+              </a:r>
+            </a:p>
+          </p:txBody>
+        </p:sp>
+        <p:sp>
+          <p:nvSpPr>
+            <p:cNvPr id="5" name="tx5"/>
+            <p:cNvSpPr/>
+            <p:nvPr/>
+          </p:nvSpPr>
+          <p:spPr>
+            <a:xfrm>
+              <a:off x="3267075" y="1920612"/>
+              <a:ext cx="745362" cy="101637"/>
+            </a:xfrm>
+            <a:prstGeom prst="rect">
+              <a:avLst/>
+            </a:prstGeom>
+            <a:noFill/>
+          </p:spPr>
+          <p:txBody>
+            <a:bodyPr lIns="0" rIns="0" tIns="0" bIns="0" anchorCtr="1" anchor="ctr" wrap="none"/>
+            <a:lstStyle/>
+            <a:p>
+              <a:pPr algn="l" marL="0" marR="0" indent="0">
+                <a:lnSpc>
+                  <a:spcPts val="1100"/>
+                </a:lnSpc>
+                <a:spcBef>
+                  <a:spcPts val="0"/>
+                </a:spcBef>
+                <a:spcAft>
+                  <a:spcPts val="0"/>
+                </a:spcAft>
+              </a:pPr>
+              <a:r>
+                <a:rPr sz="1100">
+                  <a:solidFill>
+                    <a:srgbClr val="000000">
+                      <a:alpha val="100000"/>
+                    </a:srgbClr>
+                  </a:solidFill>
+                  <a:latin typeface="Arial"/>
+                  <a:cs typeface="Arial"/>
+                </a:rPr>
+                <a:t>cited across</a:t>
+              </a:r>
+            </a:p>
+          </p:txBody>
+        </p:sp>
+        <p:sp>
+          <p:nvSpPr>
+            <p:cNvPr id="6" name="tx6"/>
+            <p:cNvSpPr/>
+            <p:nvPr/>
+          </p:nvSpPr>
+          <p:spPr>
+            <a:xfrm>
+              <a:off x="3267075" y="2042020"/>
+              <a:ext cx="877490" cy="131105"/>
+            </a:xfrm>
+            <a:prstGeom prst="rect">
+              <a:avLst/>
+            </a:prstGeom>
+            <a:noFill/>
+          </p:spPr>
+          <p:txBody>
+            <a:bodyPr lIns="0" rIns="0" tIns="0" bIns="0" anchorCtr="1" anchor="ctr" wrap="none"/>
+            <a:lstStyle/>
+            <a:p>
+              <a:pPr algn="l" marL="0" marR="0" indent="0">
+                <a:lnSpc>
+                  <a:spcPts val="1100"/>
+                </a:lnSpc>
+                <a:spcBef>
+                  <a:spcPts val="0"/>
+                </a:spcBef>
+                <a:spcAft>
+                  <a:spcPts val="0"/>
+                </a:spcAft>
+              </a:pPr>
+              <a:r>
+                <a:rPr sz="1100">
+                  <a:solidFill>
+                    <a:srgbClr val="000000">
+                      <a:alpha val="100000"/>
+                    </a:srgbClr>
+                  </a:solidFill>
+                  <a:latin typeface="Arial"/>
+                  <a:cs typeface="Arial"/>
+                </a:rPr>
+                <a:t>guidelines (n):</a:t>
+              </a:r>
+            </a:p>
+          </p:txBody>
+        </p:sp>
+        <p:sp>
+          <p:nvSpPr>
+            <p:cNvPr id="7" name="pt7"/>
+            <p:cNvSpPr/>
+            <p:nvPr/>
+          </p:nvSpPr>
+          <p:spPr>
+            <a:xfrm>
+              <a:off x="3304549" y="2301627"/>
+              <a:ext cx="144506" cy="144506"/>
+            </a:xfrm>
+            <a:prstGeom prst="ellipse">
+              <a:avLst/>
+            </a:prstGeom>
+            <a:solidFill>
+              <a:srgbClr val="3288BD">
+                <a:alpha val="100000"/>
+              </a:srgbClr>
+            </a:solidFill>
+            <a:ln w="9000" cap="rnd">
+              <a:solidFill>
+                <a:srgbClr val="3288BD">
+                  <a:alpha val="100000"/>
+                </a:srgbClr>
+              </a:solidFill>
+              <a:prstDash val="solid"/>
+              <a:round/>
+            </a:ln>
+          </p:spPr>
+          <p:txBody>
+            <a:bodyPr/>
+            <a:lstStyle/>
+            <a:p/>
+          </p:txBody>
+        </p:sp>
+        <p:sp>
+          <p:nvSpPr>
+            <p:cNvPr id="8" name="pt8"/>
+            <p:cNvSpPr/>
+            <p:nvPr/>
+          </p:nvSpPr>
+          <p:spPr>
+            <a:xfrm>
+              <a:off x="3304549" y="2521083"/>
+              <a:ext cx="144506" cy="144506"/>
+            </a:xfrm>
+            <a:prstGeom prst="ellipse">
+              <a:avLst/>
+            </a:prstGeom>
+            <a:solidFill>
+              <a:srgbClr val="99D594">
+                <a:alpha val="100000"/>
+              </a:srgbClr>
+            </a:solidFill>
+            <a:ln w="9000" cap="rnd">
+              <a:solidFill>
+                <a:srgbClr val="99D594">
+                  <a:alpha val="100000"/>
+                </a:srgbClr>
+              </a:solidFill>
+              <a:prstDash val="solid"/>
+              <a:round/>
+            </a:ln>
+          </p:spPr>
+          <p:txBody>
+            <a:bodyPr/>
+            <a:lstStyle/>
+            <a:p/>
+          </p:txBody>
+        </p:sp>
+        <p:sp>
+          <p:nvSpPr>
+            <p:cNvPr id="9" name="pt9"/>
+            <p:cNvSpPr/>
+            <p:nvPr/>
+          </p:nvSpPr>
+          <p:spPr>
+            <a:xfrm>
+              <a:off x="3304549" y="2740539"/>
+              <a:ext cx="144506" cy="144506"/>
+            </a:xfrm>
+            <a:prstGeom prst="ellipse">
+              <a:avLst/>
+            </a:prstGeom>
+            <a:solidFill>
+              <a:srgbClr val="E6F598">
+                <a:alpha val="100000"/>
+              </a:srgbClr>
+            </a:solidFill>
+            <a:ln w="9000" cap="rnd">
+              <a:solidFill>
+                <a:srgbClr val="E6F598">
+                  <a:alpha val="100000"/>
+                </a:srgbClr>
+              </a:solidFill>
+              <a:prstDash val="solid"/>
+              <a:round/>
+            </a:ln>
+          </p:spPr>
+          <p:txBody>
+            <a:bodyPr/>
+            <a:lstStyle/>
+            <a:p/>
+          </p:txBody>
+        </p:sp>
+        <p:sp>
+          <p:nvSpPr>
+            <p:cNvPr id="10" name="pt10"/>
+            <p:cNvSpPr/>
+            <p:nvPr/>
+          </p:nvSpPr>
+          <p:spPr>
+            <a:xfrm>
+              <a:off x="3304549" y="2959995"/>
+              <a:ext cx="144506" cy="144506"/>
+            </a:xfrm>
+            <a:prstGeom prst="ellipse">
+              <a:avLst/>
+            </a:prstGeom>
+            <a:solidFill>
+              <a:srgbClr val="FEE08B">
+                <a:alpha val="100000"/>
+              </a:srgbClr>
+            </a:solidFill>
+            <a:ln w="9000" cap="rnd">
+              <a:solidFill>
+                <a:srgbClr val="FEE08B">
+                  <a:alpha val="100000"/>
+                </a:srgbClr>
+              </a:solidFill>
+              <a:prstDash val="solid"/>
+              <a:round/>
+            </a:ln>
+          </p:spPr>
+          <p:txBody>
+            <a:bodyPr/>
+            <a:lstStyle/>
+            <a:p/>
+          </p:txBody>
+        </p:sp>
+        <p:sp>
+          <p:nvSpPr>
+            <p:cNvPr id="11" name="pt11"/>
+            <p:cNvSpPr/>
+            <p:nvPr/>
+          </p:nvSpPr>
+          <p:spPr>
+            <a:xfrm>
+              <a:off x="3304549" y="3179451"/>
+              <a:ext cx="144506" cy="144506"/>
+            </a:xfrm>
+            <a:prstGeom prst="ellipse">
+              <a:avLst/>
+            </a:prstGeom>
+            <a:solidFill>
+              <a:srgbClr val="FC8D59">
+                <a:alpha val="100000"/>
+              </a:srgbClr>
+            </a:solidFill>
+            <a:ln w="9000" cap="rnd">
+              <a:solidFill>
+                <a:srgbClr val="FC8D59">
+                  <a:alpha val="100000"/>
+                </a:srgbClr>
+              </a:solidFill>
+              <a:prstDash val="solid"/>
+              <a:round/>
+            </a:ln>
+          </p:spPr>
+          <p:txBody>
+            <a:bodyPr/>
+            <a:lstStyle/>
+            <a:p/>
+          </p:txBody>
+        </p:sp>
+        <p:sp>
+          <p:nvSpPr>
+            <p:cNvPr id="12" name="pt12"/>
+            <p:cNvSpPr/>
+            <p:nvPr/>
+          </p:nvSpPr>
+          <p:spPr>
+            <a:xfrm>
+              <a:off x="3304549" y="3398907"/>
+              <a:ext cx="144506" cy="144506"/>
+            </a:xfrm>
+            <a:prstGeom prst="ellipse">
+              <a:avLst/>
+            </a:prstGeom>
+            <a:solidFill>
+              <a:srgbClr val="D53E4F">
+                <a:alpha val="100000"/>
+              </a:srgbClr>
+            </a:solidFill>
+            <a:ln w="9000" cap="rnd">
+              <a:solidFill>
+                <a:srgbClr val="D53E4F">
+                  <a:alpha val="100000"/>
+                </a:srgbClr>
+              </a:solidFill>
+              <a:prstDash val="solid"/>
+              <a:round/>
+            </a:ln>
+          </p:spPr>
+          <p:txBody>
+            <a:bodyPr/>
+            <a:lstStyle/>
+            <a:p/>
+          </p:txBody>
+        </p:sp>
+        <p:sp>
+          <p:nvSpPr>
+            <p:cNvPr id="13" name="tx13"/>
+            <p:cNvSpPr/>
+            <p:nvPr/>
+          </p:nvSpPr>
+          <p:spPr>
+            <a:xfrm>
+              <a:off x="3556120" y="2308996"/>
+              <a:ext cx="416262" cy="104884"/>
+            </a:xfrm>
+            <a:prstGeom prst="rect">
+              <a:avLst/>
+            </a:prstGeom>
+            <a:noFill/>
+          </p:spPr>
+          <p:txBody>
+            <a:bodyPr lIns="0" rIns="0" tIns="0" bIns="0" anchorCtr="1" anchor="ctr" wrap="none"/>
+            <a:lstStyle/>
+            <a:p>
+              <a:pPr algn="l" marL="0" marR="0" indent="0">
+                <a:lnSpc>
+                  <a:spcPts val="880"/>
+                </a:lnSpc>
+                <a:spcBef>
+                  <a:spcPts val="0"/>
+                </a:spcBef>
+                <a:spcAft>
+                  <a:spcPts val="0"/>
+                </a:spcAft>
+              </a:pPr>
+              <a:r>
+                <a:rPr sz="880">
+                  <a:solidFill>
+                    <a:srgbClr val="000000">
+                      <a:alpha val="100000"/>
+                    </a:srgbClr>
+                  </a:solidFill>
+                  <a:latin typeface="Arial"/>
+                  <a:cs typeface="Arial"/>
+                </a:rPr>
+                <a:t>1 (1508)</a:t>
+              </a:r>
+            </a:p>
+          </p:txBody>
+        </p:sp>
+        <p:sp>
+          <p:nvSpPr>
+            <p:cNvPr id="14" name="tx14"/>
+            <p:cNvSpPr/>
+            <p:nvPr/>
+          </p:nvSpPr>
+          <p:spPr>
+            <a:xfrm>
+              <a:off x="3556120" y="2528452"/>
+              <a:ext cx="354106" cy="104884"/>
+            </a:xfrm>
+            <a:prstGeom prst="rect">
+              <a:avLst/>
+            </a:prstGeom>
+            <a:noFill/>
+          </p:spPr>
+          <p:txBody>
+            <a:bodyPr lIns="0" rIns="0" tIns="0" bIns="0" anchorCtr="1" anchor="ctr" wrap="none"/>
+            <a:lstStyle/>
+            <a:p>
+              <a:pPr algn="l" marL="0" marR="0" indent="0">
+                <a:lnSpc>
+                  <a:spcPts val="880"/>
+                </a:lnSpc>
+                <a:spcBef>
+                  <a:spcPts val="0"/>
+                </a:spcBef>
+                <a:spcAft>
+                  <a:spcPts val="0"/>
+                </a:spcAft>
+              </a:pPr>
+              <a:r>
+                <a:rPr sz="880">
+                  <a:solidFill>
+                    <a:srgbClr val="000000">
+                      <a:alpha val="100000"/>
+                    </a:srgbClr>
+                  </a:solidFill>
+                  <a:latin typeface="Arial"/>
+                  <a:cs typeface="Arial"/>
+                </a:rPr>
+                <a:t>2 (139)</a:t>
+              </a:r>
+            </a:p>
+          </p:txBody>
+        </p:sp>
+        <p:sp>
+          <p:nvSpPr>
+            <p:cNvPr id="15" name="tx15"/>
+            <p:cNvSpPr/>
+            <p:nvPr/>
+          </p:nvSpPr>
+          <p:spPr>
+            <a:xfrm>
+              <a:off x="3556120" y="2747908"/>
+              <a:ext cx="291951" cy="104884"/>
+            </a:xfrm>
+            <a:prstGeom prst="rect">
+              <a:avLst/>
+            </a:prstGeom>
+            <a:noFill/>
+          </p:spPr>
+          <p:txBody>
+            <a:bodyPr lIns="0" rIns="0" tIns="0" bIns="0" anchorCtr="1" anchor="ctr" wrap="none"/>
+            <a:lstStyle/>
+            <a:p>
+              <a:pPr algn="l" marL="0" marR="0" indent="0">
+                <a:lnSpc>
+                  <a:spcPts val="880"/>
+                </a:lnSpc>
+                <a:spcBef>
+                  <a:spcPts val="0"/>
+                </a:spcBef>
+                <a:spcAft>
+                  <a:spcPts val="0"/>
+                </a:spcAft>
+              </a:pPr>
+              <a:r>
+                <a:rPr sz="880">
+                  <a:solidFill>
+                    <a:srgbClr val="000000">
+                      <a:alpha val="100000"/>
+                    </a:srgbClr>
+                  </a:solidFill>
+                  <a:latin typeface="Arial"/>
+                  <a:cs typeface="Arial"/>
+                </a:rPr>
+                <a:t>3 (36)</a:t>
+              </a:r>
+            </a:p>
+          </p:txBody>
+        </p:sp>
+        <p:sp>
+          <p:nvSpPr>
+            <p:cNvPr id="16" name="tx16"/>
+            <p:cNvSpPr/>
+            <p:nvPr/>
+          </p:nvSpPr>
+          <p:spPr>
+            <a:xfrm>
+              <a:off x="3556120" y="2967364"/>
+              <a:ext cx="291951" cy="104884"/>
+            </a:xfrm>
+            <a:prstGeom prst="rect">
+              <a:avLst/>
+            </a:prstGeom>
+            <a:noFill/>
+          </p:spPr>
+          <p:txBody>
+            <a:bodyPr lIns="0" rIns="0" tIns="0" bIns="0" anchorCtr="1" anchor="ctr" wrap="none"/>
+            <a:lstStyle/>
+            <a:p>
+              <a:pPr algn="l" marL="0" marR="0" indent="0">
+                <a:lnSpc>
+                  <a:spcPts val="880"/>
+                </a:lnSpc>
+                <a:spcBef>
+                  <a:spcPts val="0"/>
+                </a:spcBef>
+                <a:spcAft>
+                  <a:spcPts val="0"/>
+                </a:spcAft>
+              </a:pPr>
+              <a:r>
+                <a:rPr sz="880">
+                  <a:solidFill>
+                    <a:srgbClr val="000000">
+                      <a:alpha val="100000"/>
+                    </a:srgbClr>
+                  </a:solidFill>
+                  <a:latin typeface="Arial"/>
+                  <a:cs typeface="Arial"/>
+                </a:rPr>
+                <a:t>4 (13)</a:t>
+              </a:r>
+            </a:p>
+          </p:txBody>
+        </p:sp>
+        <p:sp>
+          <p:nvSpPr>
+            <p:cNvPr id="17" name="tx17"/>
+            <p:cNvSpPr/>
+            <p:nvPr/>
+          </p:nvSpPr>
+          <p:spPr>
+            <a:xfrm>
+              <a:off x="3556120" y="3186820"/>
+              <a:ext cx="229795" cy="104884"/>
+            </a:xfrm>
+            <a:prstGeom prst="rect">
+              <a:avLst/>
+            </a:prstGeom>
+            <a:noFill/>
+          </p:spPr>
+          <p:txBody>
+            <a:bodyPr lIns="0" rIns="0" tIns="0" bIns="0" anchorCtr="1" anchor="ctr" wrap="none"/>
+            <a:lstStyle/>
+            <a:p>
+              <a:pPr algn="l" marL="0" marR="0" indent="0">
+                <a:lnSpc>
+                  <a:spcPts val="880"/>
+                </a:lnSpc>
+                <a:spcBef>
+                  <a:spcPts val="0"/>
+                </a:spcBef>
+                <a:spcAft>
+                  <a:spcPts val="0"/>
+                </a:spcAft>
+              </a:pPr>
+              <a:r>
+                <a:rPr sz="880">
+                  <a:solidFill>
+                    <a:srgbClr val="000000">
+                      <a:alpha val="100000"/>
+                    </a:srgbClr>
+                  </a:solidFill>
+                  <a:latin typeface="Arial"/>
+                  <a:cs typeface="Arial"/>
+                </a:rPr>
+                <a:t>5 (2)</a:t>
+              </a:r>
+            </a:p>
+          </p:txBody>
+        </p:sp>
+        <p:sp>
+          <p:nvSpPr>
+            <p:cNvPr id="18" name="tx18"/>
+            <p:cNvSpPr/>
+            <p:nvPr/>
+          </p:nvSpPr>
+          <p:spPr>
+            <a:xfrm>
+              <a:off x="3556120" y="3406276"/>
+              <a:ext cx="229795" cy="104884"/>
+            </a:xfrm>
+            <a:prstGeom prst="rect">
+              <a:avLst/>
+            </a:prstGeom>
+            <a:noFill/>
+          </p:spPr>
+          <p:txBody>
+            <a:bodyPr lIns="0" rIns="0" tIns="0" bIns="0" anchorCtr="1" anchor="ctr" wrap="none"/>
+            <a:lstStyle/>
+            <a:p>
+              <a:pPr algn="l" marL="0" marR="0" indent="0">
+                <a:lnSpc>
+                  <a:spcPts val="880"/>
+                </a:lnSpc>
+                <a:spcBef>
+                  <a:spcPts val="0"/>
+                </a:spcBef>
+                <a:spcAft>
+                  <a:spcPts val="0"/>
+                </a:spcAft>
+              </a:pPr>
+              <a:r>
+                <a:rPr sz="880">
+                  <a:solidFill>
+                    <a:srgbClr val="000000">
+                      <a:alpha val="100000"/>
+                    </a:srgbClr>
+                  </a:solidFill>
+                  <a:latin typeface="Arial"/>
+                  <a:cs typeface="Arial"/>
+                </a:rPr>
+                <a:t>6 (2)</a:t>
+              </a:r>
+            </a:p>
+          </p:txBody>
+        </p:sp>
+      </p:grpSp>
+    </p:spTree>
+  </p:cSld>
+  <p:clrMapOvr>
+    <a:masterClrMapping/>
+  </p:clrMapOvr>
+</p:sld>
+</file>
+
 <file path=ppt/theme/theme1.xml><?xml version="1.0" encoding="utf-8"?>
 <a:theme xmlns:a="http://schemas.openxmlformats.org/drawingml/2006/main" name="Office Theme">
   <a:themeElements>

--- a/outputs/legend_nrefs_paper.pptx
+++ b/outputs/legend_nrefs_paper.pptx
@@ -14,6 +14,7 @@
     <p:sldId id="264" r:id="rId12"/>
     <p:sldId id="265" r:id="rId13"/>
     <p:sldId id="266" r:id="rId14"/>
+    <p:sldId id="267" r:id="rId15"/>
   </p:sldIdLst>
   <p:sldSz cx="7562850" cy="5330825"/>
   <p:notesSz cx="6858000" cy="9144000"/>
@@ -3986,6 +3987,705 @@
 </p:sld>
 </file>
 
+<file path=ppt/slides/slide10.xml><?xml version="1.0" encoding="utf-8"?>
+<p:sld xmlns:a="http://schemas.openxmlformats.org/drawingml/2006/main" xmlns:r="http://schemas.openxmlformats.org/officeDocument/2006/relationships" xmlns:p="http://schemas.openxmlformats.org/presentationml/2006/main">
+  <p:cSld>
+    <p:spTree>
+      <p:nvGrpSpPr>
+        <p:cNvPr id="1" name=""/>
+        <p:cNvGrpSpPr/>
+        <p:nvPr/>
+      </p:nvGrpSpPr>
+      <p:grpSpPr>
+        <a:xfrm>
+          <a:off x="0" y="0"/>
+          <a:ext cx="0" cy="0"/>
+          <a:chOff x="0" y="0"/>
+          <a:chExt cx="0" cy="0"/>
+        </a:xfrm>
+      </p:grpSpPr>
+      <p:grpSp xmlns:a="http://schemas.openxmlformats.org/drawingml/2006/main" xmlns:r="http://schemas.openxmlformats.org/officeDocument/2006/relationships" xmlns:p="http://schemas.openxmlformats.org/presentationml/2006/main" xmlns:pic="http://schemas.openxmlformats.org/drawingml/2006/picture">
+        <p:nvGrpSpPr>
+          <p:cNvPr id="2" name=""/>
+          <p:cNvGrpSpPr/>
+          <p:nvPr/>
+        </p:nvGrpSpPr>
+        <p:grpSpPr>
+          <a:xfrm>
+            <a:off x="1190625" y="1079500"/>
+            <a:ext cx="5181600" cy="3171825"/>
+            <a:chOff x="1190625" y="1079500"/>
+            <a:chExt cx="5181600" cy="3171825"/>
+          </a:xfrm>
+        </p:grpSpPr>
+        <p:sp>
+          <p:nvSpPr>
+            <p:cNvPr id="3" name="rc3"/>
+            <p:cNvSpPr/>
+            <p:nvPr/>
+          </p:nvSpPr>
+          <p:spPr>
+            <a:xfrm>
+              <a:off x="1190625" y="1079499"/>
+              <a:ext cx="5181599" cy="3171825"/>
+            </a:xfrm>
+            <a:prstGeom prst="rect">
+              <a:avLst/>
+            </a:prstGeom>
+            <a:solidFill>
+              <a:srgbClr val="FFFFFF">
+                <a:alpha val="100000"/>
+              </a:srgbClr>
+            </a:solidFill>
+            <a:ln w="9525" cap="rnd">
+              <a:solidFill>
+                <a:srgbClr val="FFFFFF">
+                  <a:alpha val="100000"/>
+                </a:srgbClr>
+              </a:solidFill>
+              <a:prstDash val="solid"/>
+              <a:round/>
+            </a:ln>
+          </p:spPr>
+          <p:txBody>
+            <a:bodyPr/>
+            <a:lstStyle/>
+            <a:p/>
+          </p:txBody>
+        </p:sp>
+        <p:sp>
+          <p:nvSpPr>
+            <p:cNvPr id="4" name="tx4"/>
+            <p:cNvSpPr/>
+            <p:nvPr/>
+          </p:nvSpPr>
+          <p:spPr>
+            <a:xfrm>
+              <a:off x="3267075" y="1768031"/>
+              <a:ext cx="1024762" cy="103342"/>
+            </a:xfrm>
+            <a:prstGeom prst="rect">
+              <a:avLst/>
+            </a:prstGeom>
+            <a:noFill/>
+          </p:spPr>
+          <p:txBody>
+            <a:bodyPr lIns="0" rIns="0" tIns="0" bIns="0" anchorCtr="1" anchor="ctr" wrap="none"/>
+            <a:lstStyle/>
+            <a:p>
+              <a:pPr algn="l" marL="0" marR="0" indent="0">
+                <a:lnSpc>
+                  <a:spcPts val="1100"/>
+                </a:lnSpc>
+                <a:spcBef>
+                  <a:spcPts val="0"/>
+                </a:spcBef>
+                <a:spcAft>
+                  <a:spcPts val="0"/>
+                </a:spcAft>
+              </a:pPr>
+              <a:r>
+                <a:rPr sz="1100">
+                  <a:solidFill>
+                    <a:srgbClr val="000000">
+                      <a:alpha val="100000"/>
+                    </a:srgbClr>
+                  </a:solidFill>
+                  <a:latin typeface="Arial"/>
+                  <a:cs typeface="Arial"/>
+                </a:rPr>
+                <a:t>Number of times</a:t>
+              </a:r>
+            </a:p>
+          </p:txBody>
+        </p:sp>
+        <p:sp>
+          <p:nvSpPr>
+            <p:cNvPr id="5" name="tx5"/>
+            <p:cNvSpPr/>
+            <p:nvPr/>
+          </p:nvSpPr>
+          <p:spPr>
+            <a:xfrm>
+              <a:off x="3267075" y="1920612"/>
+              <a:ext cx="745362" cy="101637"/>
+            </a:xfrm>
+            <a:prstGeom prst="rect">
+              <a:avLst/>
+            </a:prstGeom>
+            <a:noFill/>
+          </p:spPr>
+          <p:txBody>
+            <a:bodyPr lIns="0" rIns="0" tIns="0" bIns="0" anchorCtr="1" anchor="ctr" wrap="none"/>
+            <a:lstStyle/>
+            <a:p>
+              <a:pPr algn="l" marL="0" marR="0" indent="0">
+                <a:lnSpc>
+                  <a:spcPts val="1100"/>
+                </a:lnSpc>
+                <a:spcBef>
+                  <a:spcPts val="0"/>
+                </a:spcBef>
+                <a:spcAft>
+                  <a:spcPts val="0"/>
+                </a:spcAft>
+              </a:pPr>
+              <a:r>
+                <a:rPr sz="1100">
+                  <a:solidFill>
+                    <a:srgbClr val="000000">
+                      <a:alpha val="100000"/>
+                    </a:srgbClr>
+                  </a:solidFill>
+                  <a:latin typeface="Arial"/>
+                  <a:cs typeface="Arial"/>
+                </a:rPr>
+                <a:t>cited across</a:t>
+              </a:r>
+            </a:p>
+          </p:txBody>
+        </p:sp>
+        <p:sp>
+          <p:nvSpPr>
+            <p:cNvPr id="6" name="tx6"/>
+            <p:cNvSpPr/>
+            <p:nvPr/>
+          </p:nvSpPr>
+          <p:spPr>
+            <a:xfrm>
+              <a:off x="3267075" y="2042020"/>
+              <a:ext cx="877490" cy="131105"/>
+            </a:xfrm>
+            <a:prstGeom prst="rect">
+              <a:avLst/>
+            </a:prstGeom>
+            <a:noFill/>
+          </p:spPr>
+          <p:txBody>
+            <a:bodyPr lIns="0" rIns="0" tIns="0" bIns="0" anchorCtr="1" anchor="ctr" wrap="none"/>
+            <a:lstStyle/>
+            <a:p>
+              <a:pPr algn="l" marL="0" marR="0" indent="0">
+                <a:lnSpc>
+                  <a:spcPts val="1100"/>
+                </a:lnSpc>
+                <a:spcBef>
+                  <a:spcPts val="0"/>
+                </a:spcBef>
+                <a:spcAft>
+                  <a:spcPts val="0"/>
+                </a:spcAft>
+              </a:pPr>
+              <a:r>
+                <a:rPr sz="1100">
+                  <a:solidFill>
+                    <a:srgbClr val="000000">
+                      <a:alpha val="100000"/>
+                    </a:srgbClr>
+                  </a:solidFill>
+                  <a:latin typeface="Arial"/>
+                  <a:cs typeface="Arial"/>
+                </a:rPr>
+                <a:t>guidelines (n):</a:t>
+              </a:r>
+            </a:p>
+          </p:txBody>
+        </p:sp>
+        <p:sp>
+          <p:nvSpPr>
+            <p:cNvPr id="7" name="pt7"/>
+            <p:cNvSpPr/>
+            <p:nvPr/>
+          </p:nvSpPr>
+          <p:spPr>
+            <a:xfrm>
+              <a:off x="3304549" y="2301627"/>
+              <a:ext cx="144506" cy="144506"/>
+            </a:xfrm>
+            <a:prstGeom prst="ellipse">
+              <a:avLst/>
+            </a:prstGeom>
+            <a:solidFill>
+              <a:srgbClr val="3288BD">
+                <a:alpha val="100000"/>
+              </a:srgbClr>
+            </a:solidFill>
+            <a:ln w="9000" cap="rnd">
+              <a:solidFill>
+                <a:srgbClr val="3288BD">
+                  <a:alpha val="100000"/>
+                </a:srgbClr>
+              </a:solidFill>
+              <a:prstDash val="solid"/>
+              <a:round/>
+            </a:ln>
+          </p:spPr>
+          <p:txBody>
+            <a:bodyPr/>
+            <a:lstStyle/>
+            <a:p/>
+          </p:txBody>
+        </p:sp>
+        <p:sp>
+          <p:nvSpPr>
+            <p:cNvPr id="8" name="pt8"/>
+            <p:cNvSpPr/>
+            <p:nvPr/>
+          </p:nvSpPr>
+          <p:spPr>
+            <a:xfrm>
+              <a:off x="3304549" y="2521083"/>
+              <a:ext cx="144506" cy="144506"/>
+            </a:xfrm>
+            <a:prstGeom prst="ellipse">
+              <a:avLst/>
+            </a:prstGeom>
+            <a:solidFill>
+              <a:srgbClr val="99D594">
+                <a:alpha val="100000"/>
+              </a:srgbClr>
+            </a:solidFill>
+            <a:ln w="9000" cap="rnd">
+              <a:solidFill>
+                <a:srgbClr val="99D594">
+                  <a:alpha val="100000"/>
+                </a:srgbClr>
+              </a:solidFill>
+              <a:prstDash val="solid"/>
+              <a:round/>
+            </a:ln>
+          </p:spPr>
+          <p:txBody>
+            <a:bodyPr/>
+            <a:lstStyle/>
+            <a:p/>
+          </p:txBody>
+        </p:sp>
+        <p:sp>
+          <p:nvSpPr>
+            <p:cNvPr id="9" name="pt9"/>
+            <p:cNvSpPr/>
+            <p:nvPr/>
+          </p:nvSpPr>
+          <p:spPr>
+            <a:xfrm>
+              <a:off x="3304549" y="2740539"/>
+              <a:ext cx="144506" cy="144506"/>
+            </a:xfrm>
+            <a:prstGeom prst="ellipse">
+              <a:avLst/>
+            </a:prstGeom>
+            <a:solidFill>
+              <a:srgbClr val="E6F598">
+                <a:alpha val="100000"/>
+              </a:srgbClr>
+            </a:solidFill>
+            <a:ln w="9000" cap="rnd">
+              <a:solidFill>
+                <a:srgbClr val="E6F598">
+                  <a:alpha val="100000"/>
+                </a:srgbClr>
+              </a:solidFill>
+              <a:prstDash val="solid"/>
+              <a:round/>
+            </a:ln>
+          </p:spPr>
+          <p:txBody>
+            <a:bodyPr/>
+            <a:lstStyle/>
+            <a:p/>
+          </p:txBody>
+        </p:sp>
+        <p:sp>
+          <p:nvSpPr>
+            <p:cNvPr id="10" name="pt10"/>
+            <p:cNvSpPr/>
+            <p:nvPr/>
+          </p:nvSpPr>
+          <p:spPr>
+            <a:xfrm>
+              <a:off x="3304549" y="2959995"/>
+              <a:ext cx="144506" cy="144506"/>
+            </a:xfrm>
+            <a:prstGeom prst="ellipse">
+              <a:avLst/>
+            </a:prstGeom>
+            <a:solidFill>
+              <a:srgbClr val="FEE08B">
+                <a:alpha val="100000"/>
+              </a:srgbClr>
+            </a:solidFill>
+            <a:ln w="9000" cap="rnd">
+              <a:solidFill>
+                <a:srgbClr val="FEE08B">
+                  <a:alpha val="100000"/>
+                </a:srgbClr>
+              </a:solidFill>
+              <a:prstDash val="solid"/>
+              <a:round/>
+            </a:ln>
+          </p:spPr>
+          <p:txBody>
+            <a:bodyPr/>
+            <a:lstStyle/>
+            <a:p/>
+          </p:txBody>
+        </p:sp>
+        <p:sp>
+          <p:nvSpPr>
+            <p:cNvPr id="11" name="pt11"/>
+            <p:cNvSpPr/>
+            <p:nvPr/>
+          </p:nvSpPr>
+          <p:spPr>
+            <a:xfrm>
+              <a:off x="3304549" y="3179451"/>
+              <a:ext cx="144506" cy="144506"/>
+            </a:xfrm>
+            <a:prstGeom prst="ellipse">
+              <a:avLst/>
+            </a:prstGeom>
+            <a:solidFill>
+              <a:srgbClr val="FC8D59">
+                <a:alpha val="100000"/>
+              </a:srgbClr>
+            </a:solidFill>
+            <a:ln w="9000" cap="rnd">
+              <a:solidFill>
+                <a:srgbClr val="FC8D59">
+                  <a:alpha val="100000"/>
+                </a:srgbClr>
+              </a:solidFill>
+              <a:prstDash val="solid"/>
+              <a:round/>
+            </a:ln>
+          </p:spPr>
+          <p:txBody>
+            <a:bodyPr/>
+            <a:lstStyle/>
+            <a:p/>
+          </p:txBody>
+        </p:sp>
+        <p:sp>
+          <p:nvSpPr>
+            <p:cNvPr id="12" name="pt12"/>
+            <p:cNvSpPr/>
+            <p:nvPr/>
+          </p:nvSpPr>
+          <p:spPr>
+            <a:xfrm>
+              <a:off x="3304549" y="3398907"/>
+              <a:ext cx="144506" cy="144506"/>
+            </a:xfrm>
+            <a:prstGeom prst="ellipse">
+              <a:avLst/>
+            </a:prstGeom>
+            <a:solidFill>
+              <a:srgbClr val="D53E4F">
+                <a:alpha val="100000"/>
+              </a:srgbClr>
+            </a:solidFill>
+            <a:ln w="9000" cap="rnd">
+              <a:solidFill>
+                <a:srgbClr val="D53E4F">
+                  <a:alpha val="100000"/>
+                </a:srgbClr>
+              </a:solidFill>
+              <a:prstDash val="solid"/>
+              <a:round/>
+            </a:ln>
+          </p:spPr>
+          <p:txBody>
+            <a:bodyPr/>
+            <a:lstStyle/>
+            <a:p/>
+          </p:txBody>
+        </p:sp>
+        <p:sp>
+          <p:nvSpPr>
+            <p:cNvPr id="13" name="tx13"/>
+            <p:cNvSpPr/>
+            <p:nvPr/>
+          </p:nvSpPr>
+          <p:spPr>
+            <a:xfrm>
+              <a:off x="3556120" y="2308996"/>
+              <a:ext cx="416262" cy="104884"/>
+            </a:xfrm>
+            <a:prstGeom prst="rect">
+              <a:avLst/>
+            </a:prstGeom>
+            <a:noFill/>
+          </p:spPr>
+          <p:txBody>
+            <a:bodyPr lIns="0" rIns="0" tIns="0" bIns="0" anchorCtr="1" anchor="ctr" wrap="none"/>
+            <a:lstStyle/>
+            <a:p>
+              <a:pPr algn="l" marL="0" marR="0" indent="0">
+                <a:lnSpc>
+                  <a:spcPts val="880"/>
+                </a:lnSpc>
+                <a:spcBef>
+                  <a:spcPts val="0"/>
+                </a:spcBef>
+                <a:spcAft>
+                  <a:spcPts val="0"/>
+                </a:spcAft>
+              </a:pPr>
+              <a:r>
+                <a:rPr sz="880">
+                  <a:solidFill>
+                    <a:srgbClr val="000000">
+                      <a:alpha val="100000"/>
+                    </a:srgbClr>
+                  </a:solidFill>
+                  <a:latin typeface="Arial"/>
+                  <a:cs typeface="Arial"/>
+                </a:rPr>
+                <a:t>1 (1508)</a:t>
+              </a:r>
+            </a:p>
+          </p:txBody>
+        </p:sp>
+        <p:sp>
+          <p:nvSpPr>
+            <p:cNvPr id="14" name="tx14"/>
+            <p:cNvSpPr/>
+            <p:nvPr/>
+          </p:nvSpPr>
+          <p:spPr>
+            <a:xfrm>
+              <a:off x="3556120" y="2528452"/>
+              <a:ext cx="354106" cy="104884"/>
+            </a:xfrm>
+            <a:prstGeom prst="rect">
+              <a:avLst/>
+            </a:prstGeom>
+            <a:noFill/>
+          </p:spPr>
+          <p:txBody>
+            <a:bodyPr lIns="0" rIns="0" tIns="0" bIns="0" anchorCtr="1" anchor="ctr" wrap="none"/>
+            <a:lstStyle/>
+            <a:p>
+              <a:pPr algn="l" marL="0" marR="0" indent="0">
+                <a:lnSpc>
+                  <a:spcPts val="880"/>
+                </a:lnSpc>
+                <a:spcBef>
+                  <a:spcPts val="0"/>
+                </a:spcBef>
+                <a:spcAft>
+                  <a:spcPts val="0"/>
+                </a:spcAft>
+              </a:pPr>
+              <a:r>
+                <a:rPr sz="880">
+                  <a:solidFill>
+                    <a:srgbClr val="000000">
+                      <a:alpha val="100000"/>
+                    </a:srgbClr>
+                  </a:solidFill>
+                  <a:latin typeface="Arial"/>
+                  <a:cs typeface="Arial"/>
+                </a:rPr>
+                <a:t>2 (139)</a:t>
+              </a:r>
+            </a:p>
+          </p:txBody>
+        </p:sp>
+        <p:sp>
+          <p:nvSpPr>
+            <p:cNvPr id="15" name="tx15"/>
+            <p:cNvSpPr/>
+            <p:nvPr/>
+          </p:nvSpPr>
+          <p:spPr>
+            <a:xfrm>
+              <a:off x="3556120" y="2747908"/>
+              <a:ext cx="291951" cy="104884"/>
+            </a:xfrm>
+            <a:prstGeom prst="rect">
+              <a:avLst/>
+            </a:prstGeom>
+            <a:noFill/>
+          </p:spPr>
+          <p:txBody>
+            <a:bodyPr lIns="0" rIns="0" tIns="0" bIns="0" anchorCtr="1" anchor="ctr" wrap="none"/>
+            <a:lstStyle/>
+            <a:p>
+              <a:pPr algn="l" marL="0" marR="0" indent="0">
+                <a:lnSpc>
+                  <a:spcPts val="880"/>
+                </a:lnSpc>
+                <a:spcBef>
+                  <a:spcPts val="0"/>
+                </a:spcBef>
+                <a:spcAft>
+                  <a:spcPts val="0"/>
+                </a:spcAft>
+              </a:pPr>
+              <a:r>
+                <a:rPr sz="880">
+                  <a:solidFill>
+                    <a:srgbClr val="000000">
+                      <a:alpha val="100000"/>
+                    </a:srgbClr>
+                  </a:solidFill>
+                  <a:latin typeface="Arial"/>
+                  <a:cs typeface="Arial"/>
+                </a:rPr>
+                <a:t>3 (36)</a:t>
+              </a:r>
+            </a:p>
+          </p:txBody>
+        </p:sp>
+        <p:sp>
+          <p:nvSpPr>
+            <p:cNvPr id="16" name="tx16"/>
+            <p:cNvSpPr/>
+            <p:nvPr/>
+          </p:nvSpPr>
+          <p:spPr>
+            <a:xfrm>
+              <a:off x="3556120" y="2967364"/>
+              <a:ext cx="291951" cy="104884"/>
+            </a:xfrm>
+            <a:prstGeom prst="rect">
+              <a:avLst/>
+            </a:prstGeom>
+            <a:noFill/>
+          </p:spPr>
+          <p:txBody>
+            <a:bodyPr lIns="0" rIns="0" tIns="0" bIns="0" anchorCtr="1" anchor="ctr" wrap="none"/>
+            <a:lstStyle/>
+            <a:p>
+              <a:pPr algn="l" marL="0" marR="0" indent="0">
+                <a:lnSpc>
+                  <a:spcPts val="880"/>
+                </a:lnSpc>
+                <a:spcBef>
+                  <a:spcPts val="0"/>
+                </a:spcBef>
+                <a:spcAft>
+                  <a:spcPts val="0"/>
+                </a:spcAft>
+              </a:pPr>
+              <a:r>
+                <a:rPr sz="880">
+                  <a:solidFill>
+                    <a:srgbClr val="000000">
+                      <a:alpha val="100000"/>
+                    </a:srgbClr>
+                  </a:solidFill>
+                  <a:latin typeface="Arial"/>
+                  <a:cs typeface="Arial"/>
+                </a:rPr>
+                <a:t>4 (13)</a:t>
+              </a:r>
+            </a:p>
+          </p:txBody>
+        </p:sp>
+        <p:sp>
+          <p:nvSpPr>
+            <p:cNvPr id="17" name="tx17"/>
+            <p:cNvSpPr/>
+            <p:nvPr/>
+          </p:nvSpPr>
+          <p:spPr>
+            <a:xfrm>
+              <a:off x="3556120" y="3186820"/>
+              <a:ext cx="229795" cy="104884"/>
+            </a:xfrm>
+            <a:prstGeom prst="rect">
+              <a:avLst/>
+            </a:prstGeom>
+            <a:noFill/>
+          </p:spPr>
+          <p:txBody>
+            <a:bodyPr lIns="0" rIns="0" tIns="0" bIns="0" anchorCtr="1" anchor="ctr" wrap="none"/>
+            <a:lstStyle/>
+            <a:p>
+              <a:pPr algn="l" marL="0" marR="0" indent="0">
+                <a:lnSpc>
+                  <a:spcPts val="880"/>
+                </a:lnSpc>
+                <a:spcBef>
+                  <a:spcPts val="0"/>
+                </a:spcBef>
+                <a:spcAft>
+                  <a:spcPts val="0"/>
+                </a:spcAft>
+              </a:pPr>
+              <a:r>
+                <a:rPr sz="880">
+                  <a:solidFill>
+                    <a:srgbClr val="000000">
+                      <a:alpha val="100000"/>
+                    </a:srgbClr>
+                  </a:solidFill>
+                  <a:latin typeface="Arial"/>
+                  <a:cs typeface="Arial"/>
+                </a:rPr>
+                <a:t>5 (2)</a:t>
+              </a:r>
+            </a:p>
+          </p:txBody>
+        </p:sp>
+        <p:sp>
+          <p:nvSpPr>
+            <p:cNvPr id="18" name="tx18"/>
+            <p:cNvSpPr/>
+            <p:nvPr/>
+          </p:nvSpPr>
+          <p:spPr>
+            <a:xfrm>
+              <a:off x="3556120" y="3406276"/>
+              <a:ext cx="229795" cy="104884"/>
+            </a:xfrm>
+            <a:prstGeom prst="rect">
+              <a:avLst/>
+            </a:prstGeom>
+            <a:noFill/>
+          </p:spPr>
+          <p:txBody>
+            <a:bodyPr lIns="0" rIns="0" tIns="0" bIns="0" anchorCtr="1" anchor="ctr" wrap="none"/>
+            <a:lstStyle/>
+            <a:p>
+              <a:pPr algn="l" marL="0" marR="0" indent="0">
+                <a:lnSpc>
+                  <a:spcPts val="880"/>
+                </a:lnSpc>
+                <a:spcBef>
+                  <a:spcPts val="0"/>
+                </a:spcBef>
+                <a:spcAft>
+                  <a:spcPts val="0"/>
+                </a:spcAft>
+              </a:pPr>
+              <a:r>
+                <a:rPr sz="880">
+                  <a:solidFill>
+                    <a:srgbClr val="000000">
+                      <a:alpha val="100000"/>
+                    </a:srgbClr>
+                  </a:solidFill>
+                  <a:latin typeface="Arial"/>
+                  <a:cs typeface="Arial"/>
+                </a:rPr>
+                <a:t>6 (2)</a:t>
+              </a:r>
+            </a:p>
+          </p:txBody>
+        </p:sp>
+      </p:grpSp>
+    </p:spTree>
+  </p:cSld>
+  <p:clrMapOvr>
+    <a:masterClrMapping/>
+  </p:clrMapOvr>
+</p:sld>
+</file>
+
 <file path=ppt/slides/slide2.xml><?xml version="1.0" encoding="utf-8"?>
 <p:sld xmlns:a="http://schemas.openxmlformats.org/drawingml/2006/main" xmlns:r="http://schemas.openxmlformats.org/officeDocument/2006/relationships" xmlns:p="http://schemas.openxmlformats.org/presentationml/2006/main">
   <p:cSld>

--- a/outputs/legend_nrefs_paper.pptx
+++ b/outputs/legend_nrefs_paper.pptx
@@ -15,6 +15,9 @@
     <p:sldId id="265" r:id="rId13"/>
     <p:sldId id="266" r:id="rId14"/>
     <p:sldId id="267" r:id="rId15"/>
+    <p:sldId id="268" r:id="rId16"/>
+    <p:sldId id="269" r:id="rId17"/>
+    <p:sldId id="270" r:id="rId18"/>
   </p:sldIdLst>
   <p:sldSz cx="7562850" cy="5330825"/>
   <p:notesSz cx="6858000" cy="9144000"/>
@@ -4686,6 +4689,2103 @@
 </p:sld>
 </file>
 
+<file path=ppt/slides/slide11.xml><?xml version="1.0" encoding="utf-8"?>
+<p:sld xmlns:a="http://schemas.openxmlformats.org/drawingml/2006/main" xmlns:r="http://schemas.openxmlformats.org/officeDocument/2006/relationships" xmlns:p="http://schemas.openxmlformats.org/presentationml/2006/main">
+  <p:cSld>
+    <p:spTree>
+      <p:nvGrpSpPr>
+        <p:cNvPr id="1" name=""/>
+        <p:cNvGrpSpPr/>
+        <p:nvPr/>
+      </p:nvGrpSpPr>
+      <p:grpSpPr>
+        <a:xfrm>
+          <a:off x="0" y="0"/>
+          <a:ext cx="0" cy="0"/>
+          <a:chOff x="0" y="0"/>
+          <a:chExt cx="0" cy="0"/>
+        </a:xfrm>
+      </p:grpSpPr>
+      <p:grpSp xmlns:a="http://schemas.openxmlformats.org/drawingml/2006/main" xmlns:r="http://schemas.openxmlformats.org/officeDocument/2006/relationships" xmlns:p="http://schemas.openxmlformats.org/presentationml/2006/main" xmlns:pic="http://schemas.openxmlformats.org/drawingml/2006/picture">
+        <p:nvGrpSpPr>
+          <p:cNvPr id="2" name=""/>
+          <p:cNvGrpSpPr/>
+          <p:nvPr/>
+        </p:nvGrpSpPr>
+        <p:grpSpPr>
+          <a:xfrm>
+            <a:off x="1190625" y="1079500"/>
+            <a:ext cx="5181600" cy="3171825"/>
+            <a:chOff x="1190625" y="1079500"/>
+            <a:chExt cx="5181600" cy="3171825"/>
+          </a:xfrm>
+        </p:grpSpPr>
+        <p:sp>
+          <p:nvSpPr>
+            <p:cNvPr id="3" name="rc3"/>
+            <p:cNvSpPr/>
+            <p:nvPr/>
+          </p:nvSpPr>
+          <p:spPr>
+            <a:xfrm>
+              <a:off x="1190625" y="1079499"/>
+              <a:ext cx="5181599" cy="3171825"/>
+            </a:xfrm>
+            <a:prstGeom prst="rect">
+              <a:avLst/>
+            </a:prstGeom>
+            <a:solidFill>
+              <a:srgbClr val="FFFFFF">
+                <a:alpha val="100000"/>
+              </a:srgbClr>
+            </a:solidFill>
+            <a:ln w="9525" cap="rnd">
+              <a:solidFill>
+                <a:srgbClr val="FFFFFF">
+                  <a:alpha val="100000"/>
+                </a:srgbClr>
+              </a:solidFill>
+              <a:prstDash val="solid"/>
+              <a:round/>
+            </a:ln>
+          </p:spPr>
+          <p:txBody>
+            <a:bodyPr/>
+            <a:lstStyle/>
+            <a:p/>
+          </p:txBody>
+        </p:sp>
+        <p:sp>
+          <p:nvSpPr>
+            <p:cNvPr id="4" name="tx4"/>
+            <p:cNvSpPr/>
+            <p:nvPr/>
+          </p:nvSpPr>
+          <p:spPr>
+            <a:xfrm>
+              <a:off x="3267075" y="1768031"/>
+              <a:ext cx="1024762" cy="103342"/>
+            </a:xfrm>
+            <a:prstGeom prst="rect">
+              <a:avLst/>
+            </a:prstGeom>
+            <a:noFill/>
+          </p:spPr>
+          <p:txBody>
+            <a:bodyPr lIns="0" rIns="0" tIns="0" bIns="0" anchorCtr="1" anchor="ctr" wrap="none"/>
+            <a:lstStyle/>
+            <a:p>
+              <a:pPr algn="l" marL="0" marR="0" indent="0">
+                <a:lnSpc>
+                  <a:spcPts val="1100"/>
+                </a:lnSpc>
+                <a:spcBef>
+                  <a:spcPts val="0"/>
+                </a:spcBef>
+                <a:spcAft>
+                  <a:spcPts val="0"/>
+                </a:spcAft>
+              </a:pPr>
+              <a:r>
+                <a:rPr sz="1100">
+                  <a:solidFill>
+                    <a:srgbClr val="000000">
+                      <a:alpha val="100000"/>
+                    </a:srgbClr>
+                  </a:solidFill>
+                  <a:latin typeface="Arial"/>
+                  <a:cs typeface="Arial"/>
+                </a:rPr>
+                <a:t>Number of times</a:t>
+              </a:r>
+            </a:p>
+          </p:txBody>
+        </p:sp>
+        <p:sp>
+          <p:nvSpPr>
+            <p:cNvPr id="5" name="tx5"/>
+            <p:cNvSpPr/>
+            <p:nvPr/>
+          </p:nvSpPr>
+          <p:spPr>
+            <a:xfrm>
+              <a:off x="3267075" y="1920612"/>
+              <a:ext cx="745362" cy="101637"/>
+            </a:xfrm>
+            <a:prstGeom prst="rect">
+              <a:avLst/>
+            </a:prstGeom>
+            <a:noFill/>
+          </p:spPr>
+          <p:txBody>
+            <a:bodyPr lIns="0" rIns="0" tIns="0" bIns="0" anchorCtr="1" anchor="ctr" wrap="none"/>
+            <a:lstStyle/>
+            <a:p>
+              <a:pPr algn="l" marL="0" marR="0" indent="0">
+                <a:lnSpc>
+                  <a:spcPts val="1100"/>
+                </a:lnSpc>
+                <a:spcBef>
+                  <a:spcPts val="0"/>
+                </a:spcBef>
+                <a:spcAft>
+                  <a:spcPts val="0"/>
+                </a:spcAft>
+              </a:pPr>
+              <a:r>
+                <a:rPr sz="1100">
+                  <a:solidFill>
+                    <a:srgbClr val="000000">
+                      <a:alpha val="100000"/>
+                    </a:srgbClr>
+                  </a:solidFill>
+                  <a:latin typeface="Arial"/>
+                  <a:cs typeface="Arial"/>
+                </a:rPr>
+                <a:t>cited across</a:t>
+              </a:r>
+            </a:p>
+          </p:txBody>
+        </p:sp>
+        <p:sp>
+          <p:nvSpPr>
+            <p:cNvPr id="6" name="tx6"/>
+            <p:cNvSpPr/>
+            <p:nvPr/>
+          </p:nvSpPr>
+          <p:spPr>
+            <a:xfrm>
+              <a:off x="3267075" y="2042020"/>
+              <a:ext cx="877490" cy="131105"/>
+            </a:xfrm>
+            <a:prstGeom prst="rect">
+              <a:avLst/>
+            </a:prstGeom>
+            <a:noFill/>
+          </p:spPr>
+          <p:txBody>
+            <a:bodyPr lIns="0" rIns="0" tIns="0" bIns="0" anchorCtr="1" anchor="ctr" wrap="none"/>
+            <a:lstStyle/>
+            <a:p>
+              <a:pPr algn="l" marL="0" marR="0" indent="0">
+                <a:lnSpc>
+                  <a:spcPts val="1100"/>
+                </a:lnSpc>
+                <a:spcBef>
+                  <a:spcPts val="0"/>
+                </a:spcBef>
+                <a:spcAft>
+                  <a:spcPts val="0"/>
+                </a:spcAft>
+              </a:pPr>
+              <a:r>
+                <a:rPr sz="1100">
+                  <a:solidFill>
+                    <a:srgbClr val="000000">
+                      <a:alpha val="100000"/>
+                    </a:srgbClr>
+                  </a:solidFill>
+                  <a:latin typeface="Arial"/>
+                  <a:cs typeface="Arial"/>
+                </a:rPr>
+                <a:t>guidelines (n):</a:t>
+              </a:r>
+            </a:p>
+          </p:txBody>
+        </p:sp>
+        <p:sp>
+          <p:nvSpPr>
+            <p:cNvPr id="7" name="pt7"/>
+            <p:cNvSpPr/>
+            <p:nvPr/>
+          </p:nvSpPr>
+          <p:spPr>
+            <a:xfrm>
+              <a:off x="3304549" y="2301627"/>
+              <a:ext cx="144506" cy="144506"/>
+            </a:xfrm>
+            <a:prstGeom prst="ellipse">
+              <a:avLst/>
+            </a:prstGeom>
+            <a:solidFill>
+              <a:srgbClr val="3288BD">
+                <a:alpha val="100000"/>
+              </a:srgbClr>
+            </a:solidFill>
+            <a:ln w="9000" cap="rnd">
+              <a:solidFill>
+                <a:srgbClr val="3288BD">
+                  <a:alpha val="100000"/>
+                </a:srgbClr>
+              </a:solidFill>
+              <a:prstDash val="solid"/>
+              <a:round/>
+            </a:ln>
+          </p:spPr>
+          <p:txBody>
+            <a:bodyPr/>
+            <a:lstStyle/>
+            <a:p/>
+          </p:txBody>
+        </p:sp>
+        <p:sp>
+          <p:nvSpPr>
+            <p:cNvPr id="8" name="pt8"/>
+            <p:cNvSpPr/>
+            <p:nvPr/>
+          </p:nvSpPr>
+          <p:spPr>
+            <a:xfrm>
+              <a:off x="3304549" y="2521083"/>
+              <a:ext cx="144506" cy="144506"/>
+            </a:xfrm>
+            <a:prstGeom prst="ellipse">
+              <a:avLst/>
+            </a:prstGeom>
+            <a:solidFill>
+              <a:srgbClr val="99D594">
+                <a:alpha val="100000"/>
+              </a:srgbClr>
+            </a:solidFill>
+            <a:ln w="9000" cap="rnd">
+              <a:solidFill>
+                <a:srgbClr val="99D594">
+                  <a:alpha val="100000"/>
+                </a:srgbClr>
+              </a:solidFill>
+              <a:prstDash val="solid"/>
+              <a:round/>
+            </a:ln>
+          </p:spPr>
+          <p:txBody>
+            <a:bodyPr/>
+            <a:lstStyle/>
+            <a:p/>
+          </p:txBody>
+        </p:sp>
+        <p:sp>
+          <p:nvSpPr>
+            <p:cNvPr id="9" name="pt9"/>
+            <p:cNvSpPr/>
+            <p:nvPr/>
+          </p:nvSpPr>
+          <p:spPr>
+            <a:xfrm>
+              <a:off x="3304549" y="2740539"/>
+              <a:ext cx="144506" cy="144506"/>
+            </a:xfrm>
+            <a:prstGeom prst="ellipse">
+              <a:avLst/>
+            </a:prstGeom>
+            <a:solidFill>
+              <a:srgbClr val="E6F598">
+                <a:alpha val="100000"/>
+              </a:srgbClr>
+            </a:solidFill>
+            <a:ln w="9000" cap="rnd">
+              <a:solidFill>
+                <a:srgbClr val="E6F598">
+                  <a:alpha val="100000"/>
+                </a:srgbClr>
+              </a:solidFill>
+              <a:prstDash val="solid"/>
+              <a:round/>
+            </a:ln>
+          </p:spPr>
+          <p:txBody>
+            <a:bodyPr/>
+            <a:lstStyle/>
+            <a:p/>
+          </p:txBody>
+        </p:sp>
+        <p:sp>
+          <p:nvSpPr>
+            <p:cNvPr id="10" name="pt10"/>
+            <p:cNvSpPr/>
+            <p:nvPr/>
+          </p:nvSpPr>
+          <p:spPr>
+            <a:xfrm>
+              <a:off x="3304549" y="2959995"/>
+              <a:ext cx="144506" cy="144506"/>
+            </a:xfrm>
+            <a:prstGeom prst="ellipse">
+              <a:avLst/>
+            </a:prstGeom>
+            <a:solidFill>
+              <a:srgbClr val="FEE08B">
+                <a:alpha val="100000"/>
+              </a:srgbClr>
+            </a:solidFill>
+            <a:ln w="9000" cap="rnd">
+              <a:solidFill>
+                <a:srgbClr val="FEE08B">
+                  <a:alpha val="100000"/>
+                </a:srgbClr>
+              </a:solidFill>
+              <a:prstDash val="solid"/>
+              <a:round/>
+            </a:ln>
+          </p:spPr>
+          <p:txBody>
+            <a:bodyPr/>
+            <a:lstStyle/>
+            <a:p/>
+          </p:txBody>
+        </p:sp>
+        <p:sp>
+          <p:nvSpPr>
+            <p:cNvPr id="11" name="pt11"/>
+            <p:cNvSpPr/>
+            <p:nvPr/>
+          </p:nvSpPr>
+          <p:spPr>
+            <a:xfrm>
+              <a:off x="3304549" y="3179451"/>
+              <a:ext cx="144506" cy="144506"/>
+            </a:xfrm>
+            <a:prstGeom prst="ellipse">
+              <a:avLst/>
+            </a:prstGeom>
+            <a:solidFill>
+              <a:srgbClr val="FC8D59">
+                <a:alpha val="100000"/>
+              </a:srgbClr>
+            </a:solidFill>
+            <a:ln w="9000" cap="rnd">
+              <a:solidFill>
+                <a:srgbClr val="FC8D59">
+                  <a:alpha val="100000"/>
+                </a:srgbClr>
+              </a:solidFill>
+              <a:prstDash val="solid"/>
+              <a:round/>
+            </a:ln>
+          </p:spPr>
+          <p:txBody>
+            <a:bodyPr/>
+            <a:lstStyle/>
+            <a:p/>
+          </p:txBody>
+        </p:sp>
+        <p:sp>
+          <p:nvSpPr>
+            <p:cNvPr id="12" name="pt12"/>
+            <p:cNvSpPr/>
+            <p:nvPr/>
+          </p:nvSpPr>
+          <p:spPr>
+            <a:xfrm>
+              <a:off x="3304549" y="3398907"/>
+              <a:ext cx="144506" cy="144506"/>
+            </a:xfrm>
+            <a:prstGeom prst="ellipse">
+              <a:avLst/>
+            </a:prstGeom>
+            <a:solidFill>
+              <a:srgbClr val="D53E4F">
+                <a:alpha val="100000"/>
+              </a:srgbClr>
+            </a:solidFill>
+            <a:ln w="9000" cap="rnd">
+              <a:solidFill>
+                <a:srgbClr val="D53E4F">
+                  <a:alpha val="100000"/>
+                </a:srgbClr>
+              </a:solidFill>
+              <a:prstDash val="solid"/>
+              <a:round/>
+            </a:ln>
+          </p:spPr>
+          <p:txBody>
+            <a:bodyPr/>
+            <a:lstStyle/>
+            <a:p/>
+          </p:txBody>
+        </p:sp>
+        <p:sp>
+          <p:nvSpPr>
+            <p:cNvPr id="13" name="tx13"/>
+            <p:cNvSpPr/>
+            <p:nvPr/>
+          </p:nvSpPr>
+          <p:spPr>
+            <a:xfrm>
+              <a:off x="3556120" y="2308996"/>
+              <a:ext cx="416262" cy="104884"/>
+            </a:xfrm>
+            <a:prstGeom prst="rect">
+              <a:avLst/>
+            </a:prstGeom>
+            <a:noFill/>
+          </p:spPr>
+          <p:txBody>
+            <a:bodyPr lIns="0" rIns="0" tIns="0" bIns="0" anchorCtr="1" anchor="ctr" wrap="none"/>
+            <a:lstStyle/>
+            <a:p>
+              <a:pPr algn="l" marL="0" marR="0" indent="0">
+                <a:lnSpc>
+                  <a:spcPts val="880"/>
+                </a:lnSpc>
+                <a:spcBef>
+                  <a:spcPts val="0"/>
+                </a:spcBef>
+                <a:spcAft>
+                  <a:spcPts val="0"/>
+                </a:spcAft>
+              </a:pPr>
+              <a:r>
+                <a:rPr sz="880">
+                  <a:solidFill>
+                    <a:srgbClr val="000000">
+                      <a:alpha val="100000"/>
+                    </a:srgbClr>
+                  </a:solidFill>
+                  <a:latin typeface="Arial"/>
+                  <a:cs typeface="Arial"/>
+                </a:rPr>
+                <a:t>1 (1508)</a:t>
+              </a:r>
+            </a:p>
+          </p:txBody>
+        </p:sp>
+        <p:sp>
+          <p:nvSpPr>
+            <p:cNvPr id="14" name="tx14"/>
+            <p:cNvSpPr/>
+            <p:nvPr/>
+          </p:nvSpPr>
+          <p:spPr>
+            <a:xfrm>
+              <a:off x="3556120" y="2528452"/>
+              <a:ext cx="354106" cy="104884"/>
+            </a:xfrm>
+            <a:prstGeom prst="rect">
+              <a:avLst/>
+            </a:prstGeom>
+            <a:noFill/>
+          </p:spPr>
+          <p:txBody>
+            <a:bodyPr lIns="0" rIns="0" tIns="0" bIns="0" anchorCtr="1" anchor="ctr" wrap="none"/>
+            <a:lstStyle/>
+            <a:p>
+              <a:pPr algn="l" marL="0" marR="0" indent="0">
+                <a:lnSpc>
+                  <a:spcPts val="880"/>
+                </a:lnSpc>
+                <a:spcBef>
+                  <a:spcPts val="0"/>
+                </a:spcBef>
+                <a:spcAft>
+                  <a:spcPts val="0"/>
+                </a:spcAft>
+              </a:pPr>
+              <a:r>
+                <a:rPr sz="880">
+                  <a:solidFill>
+                    <a:srgbClr val="000000">
+                      <a:alpha val="100000"/>
+                    </a:srgbClr>
+                  </a:solidFill>
+                  <a:latin typeface="Arial"/>
+                  <a:cs typeface="Arial"/>
+                </a:rPr>
+                <a:t>2 (139)</a:t>
+              </a:r>
+            </a:p>
+          </p:txBody>
+        </p:sp>
+        <p:sp>
+          <p:nvSpPr>
+            <p:cNvPr id="15" name="tx15"/>
+            <p:cNvSpPr/>
+            <p:nvPr/>
+          </p:nvSpPr>
+          <p:spPr>
+            <a:xfrm>
+              <a:off x="3556120" y="2747908"/>
+              <a:ext cx="291951" cy="104884"/>
+            </a:xfrm>
+            <a:prstGeom prst="rect">
+              <a:avLst/>
+            </a:prstGeom>
+            <a:noFill/>
+          </p:spPr>
+          <p:txBody>
+            <a:bodyPr lIns="0" rIns="0" tIns="0" bIns="0" anchorCtr="1" anchor="ctr" wrap="none"/>
+            <a:lstStyle/>
+            <a:p>
+              <a:pPr algn="l" marL="0" marR="0" indent="0">
+                <a:lnSpc>
+                  <a:spcPts val="880"/>
+                </a:lnSpc>
+                <a:spcBef>
+                  <a:spcPts val="0"/>
+                </a:spcBef>
+                <a:spcAft>
+                  <a:spcPts val="0"/>
+                </a:spcAft>
+              </a:pPr>
+              <a:r>
+                <a:rPr sz="880">
+                  <a:solidFill>
+                    <a:srgbClr val="000000">
+                      <a:alpha val="100000"/>
+                    </a:srgbClr>
+                  </a:solidFill>
+                  <a:latin typeface="Arial"/>
+                  <a:cs typeface="Arial"/>
+                </a:rPr>
+                <a:t>3 (36)</a:t>
+              </a:r>
+            </a:p>
+          </p:txBody>
+        </p:sp>
+        <p:sp>
+          <p:nvSpPr>
+            <p:cNvPr id="16" name="tx16"/>
+            <p:cNvSpPr/>
+            <p:nvPr/>
+          </p:nvSpPr>
+          <p:spPr>
+            <a:xfrm>
+              <a:off x="3556120" y="2967364"/>
+              <a:ext cx="291951" cy="104884"/>
+            </a:xfrm>
+            <a:prstGeom prst="rect">
+              <a:avLst/>
+            </a:prstGeom>
+            <a:noFill/>
+          </p:spPr>
+          <p:txBody>
+            <a:bodyPr lIns="0" rIns="0" tIns="0" bIns="0" anchorCtr="1" anchor="ctr" wrap="none"/>
+            <a:lstStyle/>
+            <a:p>
+              <a:pPr algn="l" marL="0" marR="0" indent="0">
+                <a:lnSpc>
+                  <a:spcPts val="880"/>
+                </a:lnSpc>
+                <a:spcBef>
+                  <a:spcPts val="0"/>
+                </a:spcBef>
+                <a:spcAft>
+                  <a:spcPts val="0"/>
+                </a:spcAft>
+              </a:pPr>
+              <a:r>
+                <a:rPr sz="880">
+                  <a:solidFill>
+                    <a:srgbClr val="000000">
+                      <a:alpha val="100000"/>
+                    </a:srgbClr>
+                  </a:solidFill>
+                  <a:latin typeface="Arial"/>
+                  <a:cs typeface="Arial"/>
+                </a:rPr>
+                <a:t>4 (13)</a:t>
+              </a:r>
+            </a:p>
+          </p:txBody>
+        </p:sp>
+        <p:sp>
+          <p:nvSpPr>
+            <p:cNvPr id="17" name="tx17"/>
+            <p:cNvSpPr/>
+            <p:nvPr/>
+          </p:nvSpPr>
+          <p:spPr>
+            <a:xfrm>
+              <a:off x="3556120" y="3186820"/>
+              <a:ext cx="229795" cy="104884"/>
+            </a:xfrm>
+            <a:prstGeom prst="rect">
+              <a:avLst/>
+            </a:prstGeom>
+            <a:noFill/>
+          </p:spPr>
+          <p:txBody>
+            <a:bodyPr lIns="0" rIns="0" tIns="0" bIns="0" anchorCtr="1" anchor="ctr" wrap="none"/>
+            <a:lstStyle/>
+            <a:p>
+              <a:pPr algn="l" marL="0" marR="0" indent="0">
+                <a:lnSpc>
+                  <a:spcPts val="880"/>
+                </a:lnSpc>
+                <a:spcBef>
+                  <a:spcPts val="0"/>
+                </a:spcBef>
+                <a:spcAft>
+                  <a:spcPts val="0"/>
+                </a:spcAft>
+              </a:pPr>
+              <a:r>
+                <a:rPr sz="880">
+                  <a:solidFill>
+                    <a:srgbClr val="000000">
+                      <a:alpha val="100000"/>
+                    </a:srgbClr>
+                  </a:solidFill>
+                  <a:latin typeface="Arial"/>
+                  <a:cs typeface="Arial"/>
+                </a:rPr>
+                <a:t>5 (2)</a:t>
+              </a:r>
+            </a:p>
+          </p:txBody>
+        </p:sp>
+        <p:sp>
+          <p:nvSpPr>
+            <p:cNvPr id="18" name="tx18"/>
+            <p:cNvSpPr/>
+            <p:nvPr/>
+          </p:nvSpPr>
+          <p:spPr>
+            <a:xfrm>
+              <a:off x="3556120" y="3406276"/>
+              <a:ext cx="229795" cy="104884"/>
+            </a:xfrm>
+            <a:prstGeom prst="rect">
+              <a:avLst/>
+            </a:prstGeom>
+            <a:noFill/>
+          </p:spPr>
+          <p:txBody>
+            <a:bodyPr lIns="0" rIns="0" tIns="0" bIns="0" anchorCtr="1" anchor="ctr" wrap="none"/>
+            <a:lstStyle/>
+            <a:p>
+              <a:pPr algn="l" marL="0" marR="0" indent="0">
+                <a:lnSpc>
+                  <a:spcPts val="880"/>
+                </a:lnSpc>
+                <a:spcBef>
+                  <a:spcPts val="0"/>
+                </a:spcBef>
+                <a:spcAft>
+                  <a:spcPts val="0"/>
+                </a:spcAft>
+              </a:pPr>
+              <a:r>
+                <a:rPr sz="880">
+                  <a:solidFill>
+                    <a:srgbClr val="000000">
+                      <a:alpha val="100000"/>
+                    </a:srgbClr>
+                  </a:solidFill>
+                  <a:latin typeface="Arial"/>
+                  <a:cs typeface="Arial"/>
+                </a:rPr>
+                <a:t>6 (2)</a:t>
+              </a:r>
+            </a:p>
+          </p:txBody>
+        </p:sp>
+      </p:grpSp>
+    </p:spTree>
+  </p:cSld>
+  <p:clrMapOvr>
+    <a:masterClrMapping/>
+  </p:clrMapOvr>
+</p:sld>
+</file>
+
+<file path=ppt/slides/slide12.xml><?xml version="1.0" encoding="utf-8"?>
+<p:sld xmlns:a="http://schemas.openxmlformats.org/drawingml/2006/main" xmlns:r="http://schemas.openxmlformats.org/officeDocument/2006/relationships" xmlns:p="http://schemas.openxmlformats.org/presentationml/2006/main">
+  <p:cSld>
+    <p:spTree>
+      <p:nvGrpSpPr>
+        <p:cNvPr id="1" name=""/>
+        <p:cNvGrpSpPr/>
+        <p:nvPr/>
+      </p:nvGrpSpPr>
+      <p:grpSpPr>
+        <a:xfrm>
+          <a:off x="0" y="0"/>
+          <a:ext cx="0" cy="0"/>
+          <a:chOff x="0" y="0"/>
+          <a:chExt cx="0" cy="0"/>
+        </a:xfrm>
+      </p:grpSpPr>
+      <p:grpSp xmlns:a="http://schemas.openxmlformats.org/drawingml/2006/main" xmlns:r="http://schemas.openxmlformats.org/officeDocument/2006/relationships" xmlns:p="http://schemas.openxmlformats.org/presentationml/2006/main" xmlns:pic="http://schemas.openxmlformats.org/drawingml/2006/picture">
+        <p:nvGrpSpPr>
+          <p:cNvPr id="2" name=""/>
+          <p:cNvGrpSpPr/>
+          <p:nvPr/>
+        </p:nvGrpSpPr>
+        <p:grpSpPr>
+          <a:xfrm>
+            <a:off x="1190625" y="1079500"/>
+            <a:ext cx="5181600" cy="3171825"/>
+            <a:chOff x="1190625" y="1079500"/>
+            <a:chExt cx="5181600" cy="3171825"/>
+          </a:xfrm>
+        </p:grpSpPr>
+        <p:sp>
+          <p:nvSpPr>
+            <p:cNvPr id="3" name="rc3"/>
+            <p:cNvSpPr/>
+            <p:nvPr/>
+          </p:nvSpPr>
+          <p:spPr>
+            <a:xfrm>
+              <a:off x="1190625" y="1079499"/>
+              <a:ext cx="5181599" cy="3171825"/>
+            </a:xfrm>
+            <a:prstGeom prst="rect">
+              <a:avLst/>
+            </a:prstGeom>
+            <a:solidFill>
+              <a:srgbClr val="FFFFFF">
+                <a:alpha val="100000"/>
+              </a:srgbClr>
+            </a:solidFill>
+            <a:ln w="9525" cap="rnd">
+              <a:solidFill>
+                <a:srgbClr val="FFFFFF">
+                  <a:alpha val="100000"/>
+                </a:srgbClr>
+              </a:solidFill>
+              <a:prstDash val="solid"/>
+              <a:round/>
+            </a:ln>
+          </p:spPr>
+          <p:txBody>
+            <a:bodyPr/>
+            <a:lstStyle/>
+            <a:p/>
+          </p:txBody>
+        </p:sp>
+        <p:sp>
+          <p:nvSpPr>
+            <p:cNvPr id="4" name="tx4"/>
+            <p:cNvSpPr/>
+            <p:nvPr/>
+          </p:nvSpPr>
+          <p:spPr>
+            <a:xfrm>
+              <a:off x="3267075" y="1768031"/>
+              <a:ext cx="1024762" cy="103342"/>
+            </a:xfrm>
+            <a:prstGeom prst="rect">
+              <a:avLst/>
+            </a:prstGeom>
+            <a:noFill/>
+          </p:spPr>
+          <p:txBody>
+            <a:bodyPr lIns="0" rIns="0" tIns="0" bIns="0" anchorCtr="1" anchor="ctr" wrap="none"/>
+            <a:lstStyle/>
+            <a:p>
+              <a:pPr algn="l" marL="0" marR="0" indent="0">
+                <a:lnSpc>
+                  <a:spcPts val="1100"/>
+                </a:lnSpc>
+                <a:spcBef>
+                  <a:spcPts val="0"/>
+                </a:spcBef>
+                <a:spcAft>
+                  <a:spcPts val="0"/>
+                </a:spcAft>
+              </a:pPr>
+              <a:r>
+                <a:rPr sz="1100">
+                  <a:solidFill>
+                    <a:srgbClr val="000000">
+                      <a:alpha val="100000"/>
+                    </a:srgbClr>
+                  </a:solidFill>
+                  <a:latin typeface="Arial"/>
+                  <a:cs typeface="Arial"/>
+                </a:rPr>
+                <a:t>Number of times</a:t>
+              </a:r>
+            </a:p>
+          </p:txBody>
+        </p:sp>
+        <p:sp>
+          <p:nvSpPr>
+            <p:cNvPr id="5" name="tx5"/>
+            <p:cNvSpPr/>
+            <p:nvPr/>
+          </p:nvSpPr>
+          <p:spPr>
+            <a:xfrm>
+              <a:off x="3267075" y="1920612"/>
+              <a:ext cx="745362" cy="101637"/>
+            </a:xfrm>
+            <a:prstGeom prst="rect">
+              <a:avLst/>
+            </a:prstGeom>
+            <a:noFill/>
+          </p:spPr>
+          <p:txBody>
+            <a:bodyPr lIns="0" rIns="0" tIns="0" bIns="0" anchorCtr="1" anchor="ctr" wrap="none"/>
+            <a:lstStyle/>
+            <a:p>
+              <a:pPr algn="l" marL="0" marR="0" indent="0">
+                <a:lnSpc>
+                  <a:spcPts val="1100"/>
+                </a:lnSpc>
+                <a:spcBef>
+                  <a:spcPts val="0"/>
+                </a:spcBef>
+                <a:spcAft>
+                  <a:spcPts val="0"/>
+                </a:spcAft>
+              </a:pPr>
+              <a:r>
+                <a:rPr sz="1100">
+                  <a:solidFill>
+                    <a:srgbClr val="000000">
+                      <a:alpha val="100000"/>
+                    </a:srgbClr>
+                  </a:solidFill>
+                  <a:latin typeface="Arial"/>
+                  <a:cs typeface="Arial"/>
+                </a:rPr>
+                <a:t>cited across</a:t>
+              </a:r>
+            </a:p>
+          </p:txBody>
+        </p:sp>
+        <p:sp>
+          <p:nvSpPr>
+            <p:cNvPr id="6" name="tx6"/>
+            <p:cNvSpPr/>
+            <p:nvPr/>
+          </p:nvSpPr>
+          <p:spPr>
+            <a:xfrm>
+              <a:off x="3267075" y="2042020"/>
+              <a:ext cx="877490" cy="131105"/>
+            </a:xfrm>
+            <a:prstGeom prst="rect">
+              <a:avLst/>
+            </a:prstGeom>
+            <a:noFill/>
+          </p:spPr>
+          <p:txBody>
+            <a:bodyPr lIns="0" rIns="0" tIns="0" bIns="0" anchorCtr="1" anchor="ctr" wrap="none"/>
+            <a:lstStyle/>
+            <a:p>
+              <a:pPr algn="l" marL="0" marR="0" indent="0">
+                <a:lnSpc>
+                  <a:spcPts val="1100"/>
+                </a:lnSpc>
+                <a:spcBef>
+                  <a:spcPts val="0"/>
+                </a:spcBef>
+                <a:spcAft>
+                  <a:spcPts val="0"/>
+                </a:spcAft>
+              </a:pPr>
+              <a:r>
+                <a:rPr sz="1100">
+                  <a:solidFill>
+                    <a:srgbClr val="000000">
+                      <a:alpha val="100000"/>
+                    </a:srgbClr>
+                  </a:solidFill>
+                  <a:latin typeface="Arial"/>
+                  <a:cs typeface="Arial"/>
+                </a:rPr>
+                <a:t>guidelines (n):</a:t>
+              </a:r>
+            </a:p>
+          </p:txBody>
+        </p:sp>
+        <p:sp>
+          <p:nvSpPr>
+            <p:cNvPr id="7" name="pt7"/>
+            <p:cNvSpPr/>
+            <p:nvPr/>
+          </p:nvSpPr>
+          <p:spPr>
+            <a:xfrm>
+              <a:off x="3304549" y="2301627"/>
+              <a:ext cx="144506" cy="144506"/>
+            </a:xfrm>
+            <a:prstGeom prst="ellipse">
+              <a:avLst/>
+            </a:prstGeom>
+            <a:solidFill>
+              <a:srgbClr val="3288BD">
+                <a:alpha val="100000"/>
+              </a:srgbClr>
+            </a:solidFill>
+            <a:ln w="9000" cap="rnd">
+              <a:solidFill>
+                <a:srgbClr val="3288BD">
+                  <a:alpha val="100000"/>
+                </a:srgbClr>
+              </a:solidFill>
+              <a:prstDash val="solid"/>
+              <a:round/>
+            </a:ln>
+          </p:spPr>
+          <p:txBody>
+            <a:bodyPr/>
+            <a:lstStyle/>
+            <a:p/>
+          </p:txBody>
+        </p:sp>
+        <p:sp>
+          <p:nvSpPr>
+            <p:cNvPr id="8" name="pt8"/>
+            <p:cNvSpPr/>
+            <p:nvPr/>
+          </p:nvSpPr>
+          <p:spPr>
+            <a:xfrm>
+              <a:off x="3304549" y="2521083"/>
+              <a:ext cx="144506" cy="144506"/>
+            </a:xfrm>
+            <a:prstGeom prst="ellipse">
+              <a:avLst/>
+            </a:prstGeom>
+            <a:solidFill>
+              <a:srgbClr val="99D594">
+                <a:alpha val="100000"/>
+              </a:srgbClr>
+            </a:solidFill>
+            <a:ln w="9000" cap="rnd">
+              <a:solidFill>
+                <a:srgbClr val="99D594">
+                  <a:alpha val="100000"/>
+                </a:srgbClr>
+              </a:solidFill>
+              <a:prstDash val="solid"/>
+              <a:round/>
+            </a:ln>
+          </p:spPr>
+          <p:txBody>
+            <a:bodyPr/>
+            <a:lstStyle/>
+            <a:p/>
+          </p:txBody>
+        </p:sp>
+        <p:sp>
+          <p:nvSpPr>
+            <p:cNvPr id="9" name="pt9"/>
+            <p:cNvSpPr/>
+            <p:nvPr/>
+          </p:nvSpPr>
+          <p:spPr>
+            <a:xfrm>
+              <a:off x="3304549" y="2740539"/>
+              <a:ext cx="144506" cy="144506"/>
+            </a:xfrm>
+            <a:prstGeom prst="ellipse">
+              <a:avLst/>
+            </a:prstGeom>
+            <a:solidFill>
+              <a:srgbClr val="E6F598">
+                <a:alpha val="100000"/>
+              </a:srgbClr>
+            </a:solidFill>
+            <a:ln w="9000" cap="rnd">
+              <a:solidFill>
+                <a:srgbClr val="E6F598">
+                  <a:alpha val="100000"/>
+                </a:srgbClr>
+              </a:solidFill>
+              <a:prstDash val="solid"/>
+              <a:round/>
+            </a:ln>
+          </p:spPr>
+          <p:txBody>
+            <a:bodyPr/>
+            <a:lstStyle/>
+            <a:p/>
+          </p:txBody>
+        </p:sp>
+        <p:sp>
+          <p:nvSpPr>
+            <p:cNvPr id="10" name="pt10"/>
+            <p:cNvSpPr/>
+            <p:nvPr/>
+          </p:nvSpPr>
+          <p:spPr>
+            <a:xfrm>
+              <a:off x="3304549" y="2959995"/>
+              <a:ext cx="144506" cy="144506"/>
+            </a:xfrm>
+            <a:prstGeom prst="ellipse">
+              <a:avLst/>
+            </a:prstGeom>
+            <a:solidFill>
+              <a:srgbClr val="FEE08B">
+                <a:alpha val="100000"/>
+              </a:srgbClr>
+            </a:solidFill>
+            <a:ln w="9000" cap="rnd">
+              <a:solidFill>
+                <a:srgbClr val="FEE08B">
+                  <a:alpha val="100000"/>
+                </a:srgbClr>
+              </a:solidFill>
+              <a:prstDash val="solid"/>
+              <a:round/>
+            </a:ln>
+          </p:spPr>
+          <p:txBody>
+            <a:bodyPr/>
+            <a:lstStyle/>
+            <a:p/>
+          </p:txBody>
+        </p:sp>
+        <p:sp>
+          <p:nvSpPr>
+            <p:cNvPr id="11" name="pt11"/>
+            <p:cNvSpPr/>
+            <p:nvPr/>
+          </p:nvSpPr>
+          <p:spPr>
+            <a:xfrm>
+              <a:off x="3304549" y="3179451"/>
+              <a:ext cx="144506" cy="144506"/>
+            </a:xfrm>
+            <a:prstGeom prst="ellipse">
+              <a:avLst/>
+            </a:prstGeom>
+            <a:solidFill>
+              <a:srgbClr val="FC8D59">
+                <a:alpha val="100000"/>
+              </a:srgbClr>
+            </a:solidFill>
+            <a:ln w="9000" cap="rnd">
+              <a:solidFill>
+                <a:srgbClr val="FC8D59">
+                  <a:alpha val="100000"/>
+                </a:srgbClr>
+              </a:solidFill>
+              <a:prstDash val="solid"/>
+              <a:round/>
+            </a:ln>
+          </p:spPr>
+          <p:txBody>
+            <a:bodyPr/>
+            <a:lstStyle/>
+            <a:p/>
+          </p:txBody>
+        </p:sp>
+        <p:sp>
+          <p:nvSpPr>
+            <p:cNvPr id="12" name="pt12"/>
+            <p:cNvSpPr/>
+            <p:nvPr/>
+          </p:nvSpPr>
+          <p:spPr>
+            <a:xfrm>
+              <a:off x="3304549" y="3398907"/>
+              <a:ext cx="144506" cy="144506"/>
+            </a:xfrm>
+            <a:prstGeom prst="ellipse">
+              <a:avLst/>
+            </a:prstGeom>
+            <a:solidFill>
+              <a:srgbClr val="D53E4F">
+                <a:alpha val="100000"/>
+              </a:srgbClr>
+            </a:solidFill>
+            <a:ln w="9000" cap="rnd">
+              <a:solidFill>
+                <a:srgbClr val="D53E4F">
+                  <a:alpha val="100000"/>
+                </a:srgbClr>
+              </a:solidFill>
+              <a:prstDash val="solid"/>
+              <a:round/>
+            </a:ln>
+          </p:spPr>
+          <p:txBody>
+            <a:bodyPr/>
+            <a:lstStyle/>
+            <a:p/>
+          </p:txBody>
+        </p:sp>
+        <p:sp>
+          <p:nvSpPr>
+            <p:cNvPr id="13" name="tx13"/>
+            <p:cNvSpPr/>
+            <p:nvPr/>
+          </p:nvSpPr>
+          <p:spPr>
+            <a:xfrm>
+              <a:off x="3556120" y="2308996"/>
+              <a:ext cx="416262" cy="104884"/>
+            </a:xfrm>
+            <a:prstGeom prst="rect">
+              <a:avLst/>
+            </a:prstGeom>
+            <a:noFill/>
+          </p:spPr>
+          <p:txBody>
+            <a:bodyPr lIns="0" rIns="0" tIns="0" bIns="0" anchorCtr="1" anchor="ctr" wrap="none"/>
+            <a:lstStyle/>
+            <a:p>
+              <a:pPr algn="l" marL="0" marR="0" indent="0">
+                <a:lnSpc>
+                  <a:spcPts val="880"/>
+                </a:lnSpc>
+                <a:spcBef>
+                  <a:spcPts val="0"/>
+                </a:spcBef>
+                <a:spcAft>
+                  <a:spcPts val="0"/>
+                </a:spcAft>
+              </a:pPr>
+              <a:r>
+                <a:rPr sz="880">
+                  <a:solidFill>
+                    <a:srgbClr val="000000">
+                      <a:alpha val="100000"/>
+                    </a:srgbClr>
+                  </a:solidFill>
+                  <a:latin typeface="Arial"/>
+                  <a:cs typeface="Arial"/>
+                </a:rPr>
+                <a:t>1 (1508)</a:t>
+              </a:r>
+            </a:p>
+          </p:txBody>
+        </p:sp>
+        <p:sp>
+          <p:nvSpPr>
+            <p:cNvPr id="14" name="tx14"/>
+            <p:cNvSpPr/>
+            <p:nvPr/>
+          </p:nvSpPr>
+          <p:spPr>
+            <a:xfrm>
+              <a:off x="3556120" y="2528452"/>
+              <a:ext cx="354106" cy="104884"/>
+            </a:xfrm>
+            <a:prstGeom prst="rect">
+              <a:avLst/>
+            </a:prstGeom>
+            <a:noFill/>
+          </p:spPr>
+          <p:txBody>
+            <a:bodyPr lIns="0" rIns="0" tIns="0" bIns="0" anchorCtr="1" anchor="ctr" wrap="none"/>
+            <a:lstStyle/>
+            <a:p>
+              <a:pPr algn="l" marL="0" marR="0" indent="0">
+                <a:lnSpc>
+                  <a:spcPts val="880"/>
+                </a:lnSpc>
+                <a:spcBef>
+                  <a:spcPts val="0"/>
+                </a:spcBef>
+                <a:spcAft>
+                  <a:spcPts val="0"/>
+                </a:spcAft>
+              </a:pPr>
+              <a:r>
+                <a:rPr sz="880">
+                  <a:solidFill>
+                    <a:srgbClr val="000000">
+                      <a:alpha val="100000"/>
+                    </a:srgbClr>
+                  </a:solidFill>
+                  <a:latin typeface="Arial"/>
+                  <a:cs typeface="Arial"/>
+                </a:rPr>
+                <a:t>2 (139)</a:t>
+              </a:r>
+            </a:p>
+          </p:txBody>
+        </p:sp>
+        <p:sp>
+          <p:nvSpPr>
+            <p:cNvPr id="15" name="tx15"/>
+            <p:cNvSpPr/>
+            <p:nvPr/>
+          </p:nvSpPr>
+          <p:spPr>
+            <a:xfrm>
+              <a:off x="3556120" y="2747908"/>
+              <a:ext cx="291951" cy="104884"/>
+            </a:xfrm>
+            <a:prstGeom prst="rect">
+              <a:avLst/>
+            </a:prstGeom>
+            <a:noFill/>
+          </p:spPr>
+          <p:txBody>
+            <a:bodyPr lIns="0" rIns="0" tIns="0" bIns="0" anchorCtr="1" anchor="ctr" wrap="none"/>
+            <a:lstStyle/>
+            <a:p>
+              <a:pPr algn="l" marL="0" marR="0" indent="0">
+                <a:lnSpc>
+                  <a:spcPts val="880"/>
+                </a:lnSpc>
+                <a:spcBef>
+                  <a:spcPts val="0"/>
+                </a:spcBef>
+                <a:spcAft>
+                  <a:spcPts val="0"/>
+                </a:spcAft>
+              </a:pPr>
+              <a:r>
+                <a:rPr sz="880">
+                  <a:solidFill>
+                    <a:srgbClr val="000000">
+                      <a:alpha val="100000"/>
+                    </a:srgbClr>
+                  </a:solidFill>
+                  <a:latin typeface="Arial"/>
+                  <a:cs typeface="Arial"/>
+                </a:rPr>
+                <a:t>3 (36)</a:t>
+              </a:r>
+            </a:p>
+          </p:txBody>
+        </p:sp>
+        <p:sp>
+          <p:nvSpPr>
+            <p:cNvPr id="16" name="tx16"/>
+            <p:cNvSpPr/>
+            <p:nvPr/>
+          </p:nvSpPr>
+          <p:spPr>
+            <a:xfrm>
+              <a:off x="3556120" y="2967364"/>
+              <a:ext cx="291951" cy="104884"/>
+            </a:xfrm>
+            <a:prstGeom prst="rect">
+              <a:avLst/>
+            </a:prstGeom>
+            <a:noFill/>
+          </p:spPr>
+          <p:txBody>
+            <a:bodyPr lIns="0" rIns="0" tIns="0" bIns="0" anchorCtr="1" anchor="ctr" wrap="none"/>
+            <a:lstStyle/>
+            <a:p>
+              <a:pPr algn="l" marL="0" marR="0" indent="0">
+                <a:lnSpc>
+                  <a:spcPts val="880"/>
+                </a:lnSpc>
+                <a:spcBef>
+                  <a:spcPts val="0"/>
+                </a:spcBef>
+                <a:spcAft>
+                  <a:spcPts val="0"/>
+                </a:spcAft>
+              </a:pPr>
+              <a:r>
+                <a:rPr sz="880">
+                  <a:solidFill>
+                    <a:srgbClr val="000000">
+                      <a:alpha val="100000"/>
+                    </a:srgbClr>
+                  </a:solidFill>
+                  <a:latin typeface="Arial"/>
+                  <a:cs typeface="Arial"/>
+                </a:rPr>
+                <a:t>4 (13)</a:t>
+              </a:r>
+            </a:p>
+          </p:txBody>
+        </p:sp>
+        <p:sp>
+          <p:nvSpPr>
+            <p:cNvPr id="17" name="tx17"/>
+            <p:cNvSpPr/>
+            <p:nvPr/>
+          </p:nvSpPr>
+          <p:spPr>
+            <a:xfrm>
+              <a:off x="3556120" y="3186820"/>
+              <a:ext cx="229795" cy="104884"/>
+            </a:xfrm>
+            <a:prstGeom prst="rect">
+              <a:avLst/>
+            </a:prstGeom>
+            <a:noFill/>
+          </p:spPr>
+          <p:txBody>
+            <a:bodyPr lIns="0" rIns="0" tIns="0" bIns="0" anchorCtr="1" anchor="ctr" wrap="none"/>
+            <a:lstStyle/>
+            <a:p>
+              <a:pPr algn="l" marL="0" marR="0" indent="0">
+                <a:lnSpc>
+                  <a:spcPts val="880"/>
+                </a:lnSpc>
+                <a:spcBef>
+                  <a:spcPts val="0"/>
+                </a:spcBef>
+                <a:spcAft>
+                  <a:spcPts val="0"/>
+                </a:spcAft>
+              </a:pPr>
+              <a:r>
+                <a:rPr sz="880">
+                  <a:solidFill>
+                    <a:srgbClr val="000000">
+                      <a:alpha val="100000"/>
+                    </a:srgbClr>
+                  </a:solidFill>
+                  <a:latin typeface="Arial"/>
+                  <a:cs typeface="Arial"/>
+                </a:rPr>
+                <a:t>5 (2)</a:t>
+              </a:r>
+            </a:p>
+          </p:txBody>
+        </p:sp>
+        <p:sp>
+          <p:nvSpPr>
+            <p:cNvPr id="18" name="tx18"/>
+            <p:cNvSpPr/>
+            <p:nvPr/>
+          </p:nvSpPr>
+          <p:spPr>
+            <a:xfrm>
+              <a:off x="3556120" y="3406276"/>
+              <a:ext cx="229795" cy="104884"/>
+            </a:xfrm>
+            <a:prstGeom prst="rect">
+              <a:avLst/>
+            </a:prstGeom>
+            <a:noFill/>
+          </p:spPr>
+          <p:txBody>
+            <a:bodyPr lIns="0" rIns="0" tIns="0" bIns="0" anchorCtr="1" anchor="ctr" wrap="none"/>
+            <a:lstStyle/>
+            <a:p>
+              <a:pPr algn="l" marL="0" marR="0" indent="0">
+                <a:lnSpc>
+                  <a:spcPts val="880"/>
+                </a:lnSpc>
+                <a:spcBef>
+                  <a:spcPts val="0"/>
+                </a:spcBef>
+                <a:spcAft>
+                  <a:spcPts val="0"/>
+                </a:spcAft>
+              </a:pPr>
+              <a:r>
+                <a:rPr sz="880">
+                  <a:solidFill>
+                    <a:srgbClr val="000000">
+                      <a:alpha val="100000"/>
+                    </a:srgbClr>
+                  </a:solidFill>
+                  <a:latin typeface="Arial"/>
+                  <a:cs typeface="Arial"/>
+                </a:rPr>
+                <a:t>6 (2)</a:t>
+              </a:r>
+            </a:p>
+          </p:txBody>
+        </p:sp>
+      </p:grpSp>
+    </p:spTree>
+  </p:cSld>
+  <p:clrMapOvr>
+    <a:masterClrMapping/>
+  </p:clrMapOvr>
+</p:sld>
+</file>
+
+<file path=ppt/slides/slide13.xml><?xml version="1.0" encoding="utf-8"?>
+<p:sld xmlns:a="http://schemas.openxmlformats.org/drawingml/2006/main" xmlns:r="http://schemas.openxmlformats.org/officeDocument/2006/relationships" xmlns:p="http://schemas.openxmlformats.org/presentationml/2006/main">
+  <p:cSld>
+    <p:spTree>
+      <p:nvGrpSpPr>
+        <p:cNvPr id="1" name=""/>
+        <p:cNvGrpSpPr/>
+        <p:nvPr/>
+      </p:nvGrpSpPr>
+      <p:grpSpPr>
+        <a:xfrm>
+          <a:off x="0" y="0"/>
+          <a:ext cx="0" cy="0"/>
+          <a:chOff x="0" y="0"/>
+          <a:chExt cx="0" cy="0"/>
+        </a:xfrm>
+      </p:grpSpPr>
+      <p:grpSp xmlns:a="http://schemas.openxmlformats.org/drawingml/2006/main" xmlns:r="http://schemas.openxmlformats.org/officeDocument/2006/relationships" xmlns:p="http://schemas.openxmlformats.org/presentationml/2006/main" xmlns:pic="http://schemas.openxmlformats.org/drawingml/2006/picture">
+        <p:nvGrpSpPr>
+          <p:cNvPr id="2" name=""/>
+          <p:cNvGrpSpPr/>
+          <p:nvPr/>
+        </p:nvGrpSpPr>
+        <p:grpSpPr>
+          <a:xfrm>
+            <a:off x="1190625" y="1079500"/>
+            <a:ext cx="5181600" cy="3171825"/>
+            <a:chOff x="1190625" y="1079500"/>
+            <a:chExt cx="5181600" cy="3171825"/>
+          </a:xfrm>
+        </p:grpSpPr>
+        <p:sp>
+          <p:nvSpPr>
+            <p:cNvPr id="3" name="rc3"/>
+            <p:cNvSpPr/>
+            <p:nvPr/>
+          </p:nvSpPr>
+          <p:spPr>
+            <a:xfrm>
+              <a:off x="1190625" y="1079499"/>
+              <a:ext cx="5181599" cy="3171825"/>
+            </a:xfrm>
+            <a:prstGeom prst="rect">
+              <a:avLst/>
+            </a:prstGeom>
+            <a:solidFill>
+              <a:srgbClr val="FFFFFF">
+                <a:alpha val="100000"/>
+              </a:srgbClr>
+            </a:solidFill>
+            <a:ln w="9525" cap="rnd">
+              <a:solidFill>
+                <a:srgbClr val="FFFFFF">
+                  <a:alpha val="100000"/>
+                </a:srgbClr>
+              </a:solidFill>
+              <a:prstDash val="solid"/>
+              <a:round/>
+            </a:ln>
+          </p:spPr>
+          <p:txBody>
+            <a:bodyPr/>
+            <a:lstStyle/>
+            <a:p/>
+          </p:txBody>
+        </p:sp>
+        <p:sp>
+          <p:nvSpPr>
+            <p:cNvPr id="4" name="tx4"/>
+            <p:cNvSpPr/>
+            <p:nvPr/>
+          </p:nvSpPr>
+          <p:spPr>
+            <a:xfrm>
+              <a:off x="3267075" y="1768031"/>
+              <a:ext cx="1024762" cy="103342"/>
+            </a:xfrm>
+            <a:prstGeom prst="rect">
+              <a:avLst/>
+            </a:prstGeom>
+            <a:noFill/>
+          </p:spPr>
+          <p:txBody>
+            <a:bodyPr lIns="0" rIns="0" tIns="0" bIns="0" anchorCtr="1" anchor="ctr" wrap="none"/>
+            <a:lstStyle/>
+            <a:p>
+              <a:pPr algn="l" marL="0" marR="0" indent="0">
+                <a:lnSpc>
+                  <a:spcPts val="1100"/>
+                </a:lnSpc>
+                <a:spcBef>
+                  <a:spcPts val="0"/>
+                </a:spcBef>
+                <a:spcAft>
+                  <a:spcPts val="0"/>
+                </a:spcAft>
+              </a:pPr>
+              <a:r>
+                <a:rPr sz="1100">
+                  <a:solidFill>
+                    <a:srgbClr val="000000">
+                      <a:alpha val="100000"/>
+                    </a:srgbClr>
+                  </a:solidFill>
+                  <a:latin typeface="Arial"/>
+                  <a:cs typeface="Arial"/>
+                </a:rPr>
+                <a:t>Number of times</a:t>
+              </a:r>
+            </a:p>
+          </p:txBody>
+        </p:sp>
+        <p:sp>
+          <p:nvSpPr>
+            <p:cNvPr id="5" name="tx5"/>
+            <p:cNvSpPr/>
+            <p:nvPr/>
+          </p:nvSpPr>
+          <p:spPr>
+            <a:xfrm>
+              <a:off x="3267075" y="1920612"/>
+              <a:ext cx="745362" cy="101637"/>
+            </a:xfrm>
+            <a:prstGeom prst="rect">
+              <a:avLst/>
+            </a:prstGeom>
+            <a:noFill/>
+          </p:spPr>
+          <p:txBody>
+            <a:bodyPr lIns="0" rIns="0" tIns="0" bIns="0" anchorCtr="1" anchor="ctr" wrap="none"/>
+            <a:lstStyle/>
+            <a:p>
+              <a:pPr algn="l" marL="0" marR="0" indent="0">
+                <a:lnSpc>
+                  <a:spcPts val="1100"/>
+                </a:lnSpc>
+                <a:spcBef>
+                  <a:spcPts val="0"/>
+                </a:spcBef>
+                <a:spcAft>
+                  <a:spcPts val="0"/>
+                </a:spcAft>
+              </a:pPr>
+              <a:r>
+                <a:rPr sz="1100">
+                  <a:solidFill>
+                    <a:srgbClr val="000000">
+                      <a:alpha val="100000"/>
+                    </a:srgbClr>
+                  </a:solidFill>
+                  <a:latin typeface="Arial"/>
+                  <a:cs typeface="Arial"/>
+                </a:rPr>
+                <a:t>cited across</a:t>
+              </a:r>
+            </a:p>
+          </p:txBody>
+        </p:sp>
+        <p:sp>
+          <p:nvSpPr>
+            <p:cNvPr id="6" name="tx6"/>
+            <p:cNvSpPr/>
+            <p:nvPr/>
+          </p:nvSpPr>
+          <p:spPr>
+            <a:xfrm>
+              <a:off x="3267075" y="2042020"/>
+              <a:ext cx="877490" cy="131105"/>
+            </a:xfrm>
+            <a:prstGeom prst="rect">
+              <a:avLst/>
+            </a:prstGeom>
+            <a:noFill/>
+          </p:spPr>
+          <p:txBody>
+            <a:bodyPr lIns="0" rIns="0" tIns="0" bIns="0" anchorCtr="1" anchor="ctr" wrap="none"/>
+            <a:lstStyle/>
+            <a:p>
+              <a:pPr algn="l" marL="0" marR="0" indent="0">
+                <a:lnSpc>
+                  <a:spcPts val="1100"/>
+                </a:lnSpc>
+                <a:spcBef>
+                  <a:spcPts val="0"/>
+                </a:spcBef>
+                <a:spcAft>
+                  <a:spcPts val="0"/>
+                </a:spcAft>
+              </a:pPr>
+              <a:r>
+                <a:rPr sz="1100">
+                  <a:solidFill>
+                    <a:srgbClr val="000000">
+                      <a:alpha val="100000"/>
+                    </a:srgbClr>
+                  </a:solidFill>
+                  <a:latin typeface="Arial"/>
+                  <a:cs typeface="Arial"/>
+                </a:rPr>
+                <a:t>guidelines (n):</a:t>
+              </a:r>
+            </a:p>
+          </p:txBody>
+        </p:sp>
+        <p:sp>
+          <p:nvSpPr>
+            <p:cNvPr id="7" name="pt7"/>
+            <p:cNvSpPr/>
+            <p:nvPr/>
+          </p:nvSpPr>
+          <p:spPr>
+            <a:xfrm>
+              <a:off x="3304549" y="2301627"/>
+              <a:ext cx="144506" cy="144506"/>
+            </a:xfrm>
+            <a:prstGeom prst="ellipse">
+              <a:avLst/>
+            </a:prstGeom>
+            <a:solidFill>
+              <a:srgbClr val="3288BD">
+                <a:alpha val="100000"/>
+              </a:srgbClr>
+            </a:solidFill>
+            <a:ln w="9000" cap="rnd">
+              <a:solidFill>
+                <a:srgbClr val="3288BD">
+                  <a:alpha val="100000"/>
+                </a:srgbClr>
+              </a:solidFill>
+              <a:prstDash val="solid"/>
+              <a:round/>
+            </a:ln>
+          </p:spPr>
+          <p:txBody>
+            <a:bodyPr/>
+            <a:lstStyle/>
+            <a:p/>
+          </p:txBody>
+        </p:sp>
+        <p:sp>
+          <p:nvSpPr>
+            <p:cNvPr id="8" name="pt8"/>
+            <p:cNvSpPr/>
+            <p:nvPr/>
+          </p:nvSpPr>
+          <p:spPr>
+            <a:xfrm>
+              <a:off x="3304549" y="2521083"/>
+              <a:ext cx="144506" cy="144506"/>
+            </a:xfrm>
+            <a:prstGeom prst="ellipse">
+              <a:avLst/>
+            </a:prstGeom>
+            <a:solidFill>
+              <a:srgbClr val="99D594">
+                <a:alpha val="100000"/>
+              </a:srgbClr>
+            </a:solidFill>
+            <a:ln w="9000" cap="rnd">
+              <a:solidFill>
+                <a:srgbClr val="99D594">
+                  <a:alpha val="100000"/>
+                </a:srgbClr>
+              </a:solidFill>
+              <a:prstDash val="solid"/>
+              <a:round/>
+            </a:ln>
+          </p:spPr>
+          <p:txBody>
+            <a:bodyPr/>
+            <a:lstStyle/>
+            <a:p/>
+          </p:txBody>
+        </p:sp>
+        <p:sp>
+          <p:nvSpPr>
+            <p:cNvPr id="9" name="pt9"/>
+            <p:cNvSpPr/>
+            <p:nvPr/>
+          </p:nvSpPr>
+          <p:spPr>
+            <a:xfrm>
+              <a:off x="3304549" y="2740539"/>
+              <a:ext cx="144506" cy="144506"/>
+            </a:xfrm>
+            <a:prstGeom prst="ellipse">
+              <a:avLst/>
+            </a:prstGeom>
+            <a:solidFill>
+              <a:srgbClr val="E6F598">
+                <a:alpha val="100000"/>
+              </a:srgbClr>
+            </a:solidFill>
+            <a:ln w="9000" cap="rnd">
+              <a:solidFill>
+                <a:srgbClr val="E6F598">
+                  <a:alpha val="100000"/>
+                </a:srgbClr>
+              </a:solidFill>
+              <a:prstDash val="solid"/>
+              <a:round/>
+            </a:ln>
+          </p:spPr>
+          <p:txBody>
+            <a:bodyPr/>
+            <a:lstStyle/>
+            <a:p/>
+          </p:txBody>
+        </p:sp>
+        <p:sp>
+          <p:nvSpPr>
+            <p:cNvPr id="10" name="pt10"/>
+            <p:cNvSpPr/>
+            <p:nvPr/>
+          </p:nvSpPr>
+          <p:spPr>
+            <a:xfrm>
+              <a:off x="3304549" y="2959995"/>
+              <a:ext cx="144506" cy="144506"/>
+            </a:xfrm>
+            <a:prstGeom prst="ellipse">
+              <a:avLst/>
+            </a:prstGeom>
+            <a:solidFill>
+              <a:srgbClr val="FEE08B">
+                <a:alpha val="100000"/>
+              </a:srgbClr>
+            </a:solidFill>
+            <a:ln w="9000" cap="rnd">
+              <a:solidFill>
+                <a:srgbClr val="FEE08B">
+                  <a:alpha val="100000"/>
+                </a:srgbClr>
+              </a:solidFill>
+              <a:prstDash val="solid"/>
+              <a:round/>
+            </a:ln>
+          </p:spPr>
+          <p:txBody>
+            <a:bodyPr/>
+            <a:lstStyle/>
+            <a:p/>
+          </p:txBody>
+        </p:sp>
+        <p:sp>
+          <p:nvSpPr>
+            <p:cNvPr id="11" name="pt11"/>
+            <p:cNvSpPr/>
+            <p:nvPr/>
+          </p:nvSpPr>
+          <p:spPr>
+            <a:xfrm>
+              <a:off x="3304549" y="3179451"/>
+              <a:ext cx="144506" cy="144506"/>
+            </a:xfrm>
+            <a:prstGeom prst="ellipse">
+              <a:avLst/>
+            </a:prstGeom>
+            <a:solidFill>
+              <a:srgbClr val="FC8D59">
+                <a:alpha val="100000"/>
+              </a:srgbClr>
+            </a:solidFill>
+            <a:ln w="9000" cap="rnd">
+              <a:solidFill>
+                <a:srgbClr val="FC8D59">
+                  <a:alpha val="100000"/>
+                </a:srgbClr>
+              </a:solidFill>
+              <a:prstDash val="solid"/>
+              <a:round/>
+            </a:ln>
+          </p:spPr>
+          <p:txBody>
+            <a:bodyPr/>
+            <a:lstStyle/>
+            <a:p/>
+          </p:txBody>
+        </p:sp>
+        <p:sp>
+          <p:nvSpPr>
+            <p:cNvPr id="12" name="pt12"/>
+            <p:cNvSpPr/>
+            <p:nvPr/>
+          </p:nvSpPr>
+          <p:spPr>
+            <a:xfrm>
+              <a:off x="3304549" y="3398907"/>
+              <a:ext cx="144506" cy="144506"/>
+            </a:xfrm>
+            <a:prstGeom prst="ellipse">
+              <a:avLst/>
+            </a:prstGeom>
+            <a:solidFill>
+              <a:srgbClr val="D53E4F">
+                <a:alpha val="100000"/>
+              </a:srgbClr>
+            </a:solidFill>
+            <a:ln w="9000" cap="rnd">
+              <a:solidFill>
+                <a:srgbClr val="D53E4F">
+                  <a:alpha val="100000"/>
+                </a:srgbClr>
+              </a:solidFill>
+              <a:prstDash val="solid"/>
+              <a:round/>
+            </a:ln>
+          </p:spPr>
+          <p:txBody>
+            <a:bodyPr/>
+            <a:lstStyle/>
+            <a:p/>
+          </p:txBody>
+        </p:sp>
+        <p:sp>
+          <p:nvSpPr>
+            <p:cNvPr id="13" name="tx13"/>
+            <p:cNvSpPr/>
+            <p:nvPr/>
+          </p:nvSpPr>
+          <p:spPr>
+            <a:xfrm>
+              <a:off x="3556120" y="2308996"/>
+              <a:ext cx="416262" cy="104884"/>
+            </a:xfrm>
+            <a:prstGeom prst="rect">
+              <a:avLst/>
+            </a:prstGeom>
+            <a:noFill/>
+          </p:spPr>
+          <p:txBody>
+            <a:bodyPr lIns="0" rIns="0" tIns="0" bIns="0" anchorCtr="1" anchor="ctr" wrap="none"/>
+            <a:lstStyle/>
+            <a:p>
+              <a:pPr algn="l" marL="0" marR="0" indent="0">
+                <a:lnSpc>
+                  <a:spcPts val="880"/>
+                </a:lnSpc>
+                <a:spcBef>
+                  <a:spcPts val="0"/>
+                </a:spcBef>
+                <a:spcAft>
+                  <a:spcPts val="0"/>
+                </a:spcAft>
+              </a:pPr>
+              <a:r>
+                <a:rPr sz="880">
+                  <a:solidFill>
+                    <a:srgbClr val="000000">
+                      <a:alpha val="100000"/>
+                    </a:srgbClr>
+                  </a:solidFill>
+                  <a:latin typeface="Arial"/>
+                  <a:cs typeface="Arial"/>
+                </a:rPr>
+                <a:t>1 (1508)</a:t>
+              </a:r>
+            </a:p>
+          </p:txBody>
+        </p:sp>
+        <p:sp>
+          <p:nvSpPr>
+            <p:cNvPr id="14" name="tx14"/>
+            <p:cNvSpPr/>
+            <p:nvPr/>
+          </p:nvSpPr>
+          <p:spPr>
+            <a:xfrm>
+              <a:off x="3556120" y="2528452"/>
+              <a:ext cx="354106" cy="104884"/>
+            </a:xfrm>
+            <a:prstGeom prst="rect">
+              <a:avLst/>
+            </a:prstGeom>
+            <a:noFill/>
+          </p:spPr>
+          <p:txBody>
+            <a:bodyPr lIns="0" rIns="0" tIns="0" bIns="0" anchorCtr="1" anchor="ctr" wrap="none"/>
+            <a:lstStyle/>
+            <a:p>
+              <a:pPr algn="l" marL="0" marR="0" indent="0">
+                <a:lnSpc>
+                  <a:spcPts val="880"/>
+                </a:lnSpc>
+                <a:spcBef>
+                  <a:spcPts val="0"/>
+                </a:spcBef>
+                <a:spcAft>
+                  <a:spcPts val="0"/>
+                </a:spcAft>
+              </a:pPr>
+              <a:r>
+                <a:rPr sz="880">
+                  <a:solidFill>
+                    <a:srgbClr val="000000">
+                      <a:alpha val="100000"/>
+                    </a:srgbClr>
+                  </a:solidFill>
+                  <a:latin typeface="Arial"/>
+                  <a:cs typeface="Arial"/>
+                </a:rPr>
+                <a:t>2 (139)</a:t>
+              </a:r>
+            </a:p>
+          </p:txBody>
+        </p:sp>
+        <p:sp>
+          <p:nvSpPr>
+            <p:cNvPr id="15" name="tx15"/>
+            <p:cNvSpPr/>
+            <p:nvPr/>
+          </p:nvSpPr>
+          <p:spPr>
+            <a:xfrm>
+              <a:off x="3556120" y="2747908"/>
+              <a:ext cx="291951" cy="104884"/>
+            </a:xfrm>
+            <a:prstGeom prst="rect">
+              <a:avLst/>
+            </a:prstGeom>
+            <a:noFill/>
+          </p:spPr>
+          <p:txBody>
+            <a:bodyPr lIns="0" rIns="0" tIns="0" bIns="0" anchorCtr="1" anchor="ctr" wrap="none"/>
+            <a:lstStyle/>
+            <a:p>
+              <a:pPr algn="l" marL="0" marR="0" indent="0">
+                <a:lnSpc>
+                  <a:spcPts val="880"/>
+                </a:lnSpc>
+                <a:spcBef>
+                  <a:spcPts val="0"/>
+                </a:spcBef>
+                <a:spcAft>
+                  <a:spcPts val="0"/>
+                </a:spcAft>
+              </a:pPr>
+              <a:r>
+                <a:rPr sz="880">
+                  <a:solidFill>
+                    <a:srgbClr val="000000">
+                      <a:alpha val="100000"/>
+                    </a:srgbClr>
+                  </a:solidFill>
+                  <a:latin typeface="Arial"/>
+                  <a:cs typeface="Arial"/>
+                </a:rPr>
+                <a:t>3 (36)</a:t>
+              </a:r>
+            </a:p>
+          </p:txBody>
+        </p:sp>
+        <p:sp>
+          <p:nvSpPr>
+            <p:cNvPr id="16" name="tx16"/>
+            <p:cNvSpPr/>
+            <p:nvPr/>
+          </p:nvSpPr>
+          <p:spPr>
+            <a:xfrm>
+              <a:off x="3556120" y="2967364"/>
+              <a:ext cx="291951" cy="104884"/>
+            </a:xfrm>
+            <a:prstGeom prst="rect">
+              <a:avLst/>
+            </a:prstGeom>
+            <a:noFill/>
+          </p:spPr>
+          <p:txBody>
+            <a:bodyPr lIns="0" rIns="0" tIns="0" bIns="0" anchorCtr="1" anchor="ctr" wrap="none"/>
+            <a:lstStyle/>
+            <a:p>
+              <a:pPr algn="l" marL="0" marR="0" indent="0">
+                <a:lnSpc>
+                  <a:spcPts val="880"/>
+                </a:lnSpc>
+                <a:spcBef>
+                  <a:spcPts val="0"/>
+                </a:spcBef>
+                <a:spcAft>
+                  <a:spcPts val="0"/>
+                </a:spcAft>
+              </a:pPr>
+              <a:r>
+                <a:rPr sz="880">
+                  <a:solidFill>
+                    <a:srgbClr val="000000">
+                      <a:alpha val="100000"/>
+                    </a:srgbClr>
+                  </a:solidFill>
+                  <a:latin typeface="Arial"/>
+                  <a:cs typeface="Arial"/>
+                </a:rPr>
+                <a:t>4 (13)</a:t>
+              </a:r>
+            </a:p>
+          </p:txBody>
+        </p:sp>
+        <p:sp>
+          <p:nvSpPr>
+            <p:cNvPr id="17" name="tx17"/>
+            <p:cNvSpPr/>
+            <p:nvPr/>
+          </p:nvSpPr>
+          <p:spPr>
+            <a:xfrm>
+              <a:off x="3556120" y="3186820"/>
+              <a:ext cx="229795" cy="104884"/>
+            </a:xfrm>
+            <a:prstGeom prst="rect">
+              <a:avLst/>
+            </a:prstGeom>
+            <a:noFill/>
+          </p:spPr>
+          <p:txBody>
+            <a:bodyPr lIns="0" rIns="0" tIns="0" bIns="0" anchorCtr="1" anchor="ctr" wrap="none"/>
+            <a:lstStyle/>
+            <a:p>
+              <a:pPr algn="l" marL="0" marR="0" indent="0">
+                <a:lnSpc>
+                  <a:spcPts val="880"/>
+                </a:lnSpc>
+                <a:spcBef>
+                  <a:spcPts val="0"/>
+                </a:spcBef>
+                <a:spcAft>
+                  <a:spcPts val="0"/>
+                </a:spcAft>
+              </a:pPr>
+              <a:r>
+                <a:rPr sz="880">
+                  <a:solidFill>
+                    <a:srgbClr val="000000">
+                      <a:alpha val="100000"/>
+                    </a:srgbClr>
+                  </a:solidFill>
+                  <a:latin typeface="Arial"/>
+                  <a:cs typeface="Arial"/>
+                </a:rPr>
+                <a:t>5 (2)</a:t>
+              </a:r>
+            </a:p>
+          </p:txBody>
+        </p:sp>
+        <p:sp>
+          <p:nvSpPr>
+            <p:cNvPr id="18" name="tx18"/>
+            <p:cNvSpPr/>
+            <p:nvPr/>
+          </p:nvSpPr>
+          <p:spPr>
+            <a:xfrm>
+              <a:off x="3556120" y="3406276"/>
+              <a:ext cx="229795" cy="104884"/>
+            </a:xfrm>
+            <a:prstGeom prst="rect">
+              <a:avLst/>
+            </a:prstGeom>
+            <a:noFill/>
+          </p:spPr>
+          <p:txBody>
+            <a:bodyPr lIns="0" rIns="0" tIns="0" bIns="0" anchorCtr="1" anchor="ctr" wrap="none"/>
+            <a:lstStyle/>
+            <a:p>
+              <a:pPr algn="l" marL="0" marR="0" indent="0">
+                <a:lnSpc>
+                  <a:spcPts val="880"/>
+                </a:lnSpc>
+                <a:spcBef>
+                  <a:spcPts val="0"/>
+                </a:spcBef>
+                <a:spcAft>
+                  <a:spcPts val="0"/>
+                </a:spcAft>
+              </a:pPr>
+              <a:r>
+                <a:rPr sz="880">
+                  <a:solidFill>
+                    <a:srgbClr val="000000">
+                      <a:alpha val="100000"/>
+                    </a:srgbClr>
+                  </a:solidFill>
+                  <a:latin typeface="Arial"/>
+                  <a:cs typeface="Arial"/>
+                </a:rPr>
+                <a:t>6 (2)</a:t>
+              </a:r>
+            </a:p>
+          </p:txBody>
+        </p:sp>
+      </p:grpSp>
+    </p:spTree>
+  </p:cSld>
+  <p:clrMapOvr>
+    <a:masterClrMapping/>
+  </p:clrMapOvr>
+</p:sld>
+</file>
+
 <file path=ppt/slides/slide2.xml><?xml version="1.0" encoding="utf-8"?>
 <p:sld xmlns:a="http://schemas.openxmlformats.org/drawingml/2006/main" xmlns:r="http://schemas.openxmlformats.org/officeDocument/2006/relationships" xmlns:p="http://schemas.openxmlformats.org/presentationml/2006/main">
   <p:cSld>

--- a/outputs/legend_nrefs_paper.pptx
+++ b/outputs/legend_nrefs_paper.pptx
@@ -4,20 +4,15 @@
   <p:sldMasterIdLst>
     <p:sldMasterId id="2147483648" r:id="rId1"/>
   </p:sldMasterIdLst>
-  <p:sldIdLst xmlns:a="http://schemas.openxmlformats.org/drawingml/2006/main" xmlns:r="http://schemas.openxmlformats.org/officeDocument/2006/relationships" xmlns:p="http://schemas.openxmlformats.org/presentationml/2006/main">
+  <p:sldIdLst>
     <p:sldId id="256" r:id="rId2"/>
     <p:sldId id="257" r:id="rId3"/>
     <p:sldId id="258" r:id="rId4"/>
     <p:sldId id="260" r:id="rId5"/>
     <p:sldId id="262" r:id="rId6"/>
     <p:sldId id="263" r:id="rId7"/>
-    <p:sldId id="264" r:id="rId12"/>
-    <p:sldId id="265" r:id="rId13"/>
-    <p:sldId id="266" r:id="rId14"/>
-    <p:sldId id="267" r:id="rId15"/>
-    <p:sldId id="268" r:id="rId16"/>
-    <p:sldId id="269" r:id="rId17"/>
-    <p:sldId id="270" r:id="rId18"/>
+    <p:sldId id="265" r:id="rId8"/>
+    <p:sldId id="271" r:id="rId9"/>
   </p:sldIdLst>
   <p:sldSz cx="7562850" cy="5330825"/>
   <p:notesSz cx="6858000" cy="9144000"/>
@@ -316,7 +311,7 @@
           <a:p>
             <a:fld id="{6BA5D40C-A8DC-479A-A5D3-E7B4936A184B}" type="datetimeFigureOut">
               <a:rPr lang="en-GB" smtClean="0"/>
-              <a:t>14/07/2020</a:t>
+              <a:t>03/09/2020</a:t>
             </a:fld>
             <a:endParaRPr lang="en-GB"/>
           </a:p>
@@ -486,7 +481,7 @@
           <a:p>
             <a:fld id="{6BA5D40C-A8DC-479A-A5D3-E7B4936A184B}" type="datetimeFigureOut">
               <a:rPr lang="en-GB" smtClean="0"/>
-              <a:t>14/07/2020</a:t>
+              <a:t>03/09/2020</a:t>
             </a:fld>
             <a:endParaRPr lang="en-GB"/>
           </a:p>
@@ -666,7 +661,7 @@
           <a:p>
             <a:fld id="{6BA5D40C-A8DC-479A-A5D3-E7B4936A184B}" type="datetimeFigureOut">
               <a:rPr lang="en-GB" smtClean="0"/>
-              <a:t>14/07/2020</a:t>
+              <a:t>03/09/2020</a:t>
             </a:fld>
             <a:endParaRPr lang="en-GB"/>
           </a:p>
@@ -836,7 +831,7 @@
           <a:p>
             <a:fld id="{6BA5D40C-A8DC-479A-A5D3-E7B4936A184B}" type="datetimeFigureOut">
               <a:rPr lang="en-GB" smtClean="0"/>
-              <a:t>14/07/2020</a:t>
+              <a:t>03/09/2020</a:t>
             </a:fld>
             <a:endParaRPr lang="en-GB"/>
           </a:p>
@@ -1082,7 +1077,7 @@
           <a:p>
             <a:fld id="{6BA5D40C-A8DC-479A-A5D3-E7B4936A184B}" type="datetimeFigureOut">
               <a:rPr lang="en-GB" smtClean="0"/>
-              <a:t>14/07/2020</a:t>
+              <a:t>03/09/2020</a:t>
             </a:fld>
             <a:endParaRPr lang="en-GB"/>
           </a:p>
@@ -1370,7 +1365,7 @@
           <a:p>
             <a:fld id="{6BA5D40C-A8DC-479A-A5D3-E7B4936A184B}" type="datetimeFigureOut">
               <a:rPr lang="en-GB" smtClean="0"/>
-              <a:t>14/07/2020</a:t>
+              <a:t>03/09/2020</a:t>
             </a:fld>
             <a:endParaRPr lang="en-GB"/>
           </a:p>
@@ -1797,7 +1792,7 @@
           <a:p>
             <a:fld id="{6BA5D40C-A8DC-479A-A5D3-E7B4936A184B}" type="datetimeFigureOut">
               <a:rPr lang="en-GB" smtClean="0"/>
-              <a:t>14/07/2020</a:t>
+              <a:t>03/09/2020</a:t>
             </a:fld>
             <a:endParaRPr lang="en-GB"/>
           </a:p>
@@ -1915,7 +1910,7 @@
           <a:p>
             <a:fld id="{6BA5D40C-A8DC-479A-A5D3-E7B4936A184B}" type="datetimeFigureOut">
               <a:rPr lang="en-GB" smtClean="0"/>
-              <a:t>14/07/2020</a:t>
+              <a:t>03/09/2020</a:t>
             </a:fld>
             <a:endParaRPr lang="en-GB"/>
           </a:p>
@@ -2010,7 +2005,7 @@
           <a:p>
             <a:fld id="{6BA5D40C-A8DC-479A-A5D3-E7B4936A184B}" type="datetimeFigureOut">
               <a:rPr lang="en-GB" smtClean="0"/>
-              <a:t>14/07/2020</a:t>
+              <a:t>03/09/2020</a:t>
             </a:fld>
             <a:endParaRPr lang="en-GB"/>
           </a:p>
@@ -2287,7 +2282,7 @@
           <a:p>
             <a:fld id="{6BA5D40C-A8DC-479A-A5D3-E7B4936A184B}" type="datetimeFigureOut">
               <a:rPr lang="en-GB" smtClean="0"/>
-              <a:t>14/07/2020</a:t>
+              <a:t>03/09/2020</a:t>
             </a:fld>
             <a:endParaRPr lang="en-GB"/>
           </a:p>
@@ -2540,7 +2535,7 @@
           <a:p>
             <a:fld id="{6BA5D40C-A8DC-479A-A5D3-E7B4936A184B}" type="datetimeFigureOut">
               <a:rPr lang="en-GB" smtClean="0"/>
-              <a:t>14/07/2020</a:t>
+              <a:t>03/09/2020</a:t>
             </a:fld>
             <a:endParaRPr lang="en-GB"/>
           </a:p>
@@ -2753,7 +2748,7 @@
           <a:p>
             <a:fld id="{6BA5D40C-A8DC-479A-A5D3-E7B4936A184B}" type="datetimeFigureOut">
               <a:rPr lang="en-GB" smtClean="0"/>
-              <a:t>14/07/2020</a:t>
+              <a:t>03/09/2020</a:t>
             </a:fld>
             <a:endParaRPr lang="en-GB"/>
           </a:p>
@@ -3990,2802 +3985,6 @@
 </p:sld>
 </file>
 
-<file path=ppt/slides/slide10.xml><?xml version="1.0" encoding="utf-8"?>
-<p:sld xmlns:a="http://schemas.openxmlformats.org/drawingml/2006/main" xmlns:r="http://schemas.openxmlformats.org/officeDocument/2006/relationships" xmlns:p="http://schemas.openxmlformats.org/presentationml/2006/main">
-  <p:cSld>
-    <p:spTree>
-      <p:nvGrpSpPr>
-        <p:cNvPr id="1" name=""/>
-        <p:cNvGrpSpPr/>
-        <p:nvPr/>
-      </p:nvGrpSpPr>
-      <p:grpSpPr>
-        <a:xfrm>
-          <a:off x="0" y="0"/>
-          <a:ext cx="0" cy="0"/>
-          <a:chOff x="0" y="0"/>
-          <a:chExt cx="0" cy="0"/>
-        </a:xfrm>
-      </p:grpSpPr>
-      <p:grpSp xmlns:a="http://schemas.openxmlformats.org/drawingml/2006/main" xmlns:r="http://schemas.openxmlformats.org/officeDocument/2006/relationships" xmlns:p="http://schemas.openxmlformats.org/presentationml/2006/main" xmlns:pic="http://schemas.openxmlformats.org/drawingml/2006/picture">
-        <p:nvGrpSpPr>
-          <p:cNvPr id="2" name=""/>
-          <p:cNvGrpSpPr/>
-          <p:nvPr/>
-        </p:nvGrpSpPr>
-        <p:grpSpPr>
-          <a:xfrm>
-            <a:off x="1190625" y="1079500"/>
-            <a:ext cx="5181600" cy="3171825"/>
-            <a:chOff x="1190625" y="1079500"/>
-            <a:chExt cx="5181600" cy="3171825"/>
-          </a:xfrm>
-        </p:grpSpPr>
-        <p:sp>
-          <p:nvSpPr>
-            <p:cNvPr id="3" name="rc3"/>
-            <p:cNvSpPr/>
-            <p:nvPr/>
-          </p:nvSpPr>
-          <p:spPr>
-            <a:xfrm>
-              <a:off x="1190625" y="1079499"/>
-              <a:ext cx="5181599" cy="3171825"/>
-            </a:xfrm>
-            <a:prstGeom prst="rect">
-              <a:avLst/>
-            </a:prstGeom>
-            <a:solidFill>
-              <a:srgbClr val="FFFFFF">
-                <a:alpha val="100000"/>
-              </a:srgbClr>
-            </a:solidFill>
-            <a:ln w="9525" cap="rnd">
-              <a:solidFill>
-                <a:srgbClr val="FFFFFF">
-                  <a:alpha val="100000"/>
-                </a:srgbClr>
-              </a:solidFill>
-              <a:prstDash val="solid"/>
-              <a:round/>
-            </a:ln>
-          </p:spPr>
-          <p:txBody>
-            <a:bodyPr/>
-            <a:lstStyle/>
-            <a:p/>
-          </p:txBody>
-        </p:sp>
-        <p:sp>
-          <p:nvSpPr>
-            <p:cNvPr id="4" name="tx4"/>
-            <p:cNvSpPr/>
-            <p:nvPr/>
-          </p:nvSpPr>
-          <p:spPr>
-            <a:xfrm>
-              <a:off x="3267075" y="1768031"/>
-              <a:ext cx="1024762" cy="103342"/>
-            </a:xfrm>
-            <a:prstGeom prst="rect">
-              <a:avLst/>
-            </a:prstGeom>
-            <a:noFill/>
-          </p:spPr>
-          <p:txBody>
-            <a:bodyPr lIns="0" rIns="0" tIns="0" bIns="0" anchorCtr="1" anchor="ctr" wrap="none"/>
-            <a:lstStyle/>
-            <a:p>
-              <a:pPr algn="l" marL="0" marR="0" indent="0">
-                <a:lnSpc>
-                  <a:spcPts val="1100"/>
-                </a:lnSpc>
-                <a:spcBef>
-                  <a:spcPts val="0"/>
-                </a:spcBef>
-                <a:spcAft>
-                  <a:spcPts val="0"/>
-                </a:spcAft>
-              </a:pPr>
-              <a:r>
-                <a:rPr sz="1100">
-                  <a:solidFill>
-                    <a:srgbClr val="000000">
-                      <a:alpha val="100000"/>
-                    </a:srgbClr>
-                  </a:solidFill>
-                  <a:latin typeface="Arial"/>
-                  <a:cs typeface="Arial"/>
-                </a:rPr>
-                <a:t>Number of times</a:t>
-              </a:r>
-            </a:p>
-          </p:txBody>
-        </p:sp>
-        <p:sp>
-          <p:nvSpPr>
-            <p:cNvPr id="5" name="tx5"/>
-            <p:cNvSpPr/>
-            <p:nvPr/>
-          </p:nvSpPr>
-          <p:spPr>
-            <a:xfrm>
-              <a:off x="3267075" y="1920612"/>
-              <a:ext cx="745362" cy="101637"/>
-            </a:xfrm>
-            <a:prstGeom prst="rect">
-              <a:avLst/>
-            </a:prstGeom>
-            <a:noFill/>
-          </p:spPr>
-          <p:txBody>
-            <a:bodyPr lIns="0" rIns="0" tIns="0" bIns="0" anchorCtr="1" anchor="ctr" wrap="none"/>
-            <a:lstStyle/>
-            <a:p>
-              <a:pPr algn="l" marL="0" marR="0" indent="0">
-                <a:lnSpc>
-                  <a:spcPts val="1100"/>
-                </a:lnSpc>
-                <a:spcBef>
-                  <a:spcPts val="0"/>
-                </a:spcBef>
-                <a:spcAft>
-                  <a:spcPts val="0"/>
-                </a:spcAft>
-              </a:pPr>
-              <a:r>
-                <a:rPr sz="1100">
-                  <a:solidFill>
-                    <a:srgbClr val="000000">
-                      <a:alpha val="100000"/>
-                    </a:srgbClr>
-                  </a:solidFill>
-                  <a:latin typeface="Arial"/>
-                  <a:cs typeface="Arial"/>
-                </a:rPr>
-                <a:t>cited across</a:t>
-              </a:r>
-            </a:p>
-          </p:txBody>
-        </p:sp>
-        <p:sp>
-          <p:nvSpPr>
-            <p:cNvPr id="6" name="tx6"/>
-            <p:cNvSpPr/>
-            <p:nvPr/>
-          </p:nvSpPr>
-          <p:spPr>
-            <a:xfrm>
-              <a:off x="3267075" y="2042020"/>
-              <a:ext cx="877490" cy="131105"/>
-            </a:xfrm>
-            <a:prstGeom prst="rect">
-              <a:avLst/>
-            </a:prstGeom>
-            <a:noFill/>
-          </p:spPr>
-          <p:txBody>
-            <a:bodyPr lIns="0" rIns="0" tIns="0" bIns="0" anchorCtr="1" anchor="ctr" wrap="none"/>
-            <a:lstStyle/>
-            <a:p>
-              <a:pPr algn="l" marL="0" marR="0" indent="0">
-                <a:lnSpc>
-                  <a:spcPts val="1100"/>
-                </a:lnSpc>
-                <a:spcBef>
-                  <a:spcPts val="0"/>
-                </a:spcBef>
-                <a:spcAft>
-                  <a:spcPts val="0"/>
-                </a:spcAft>
-              </a:pPr>
-              <a:r>
-                <a:rPr sz="1100">
-                  <a:solidFill>
-                    <a:srgbClr val="000000">
-                      <a:alpha val="100000"/>
-                    </a:srgbClr>
-                  </a:solidFill>
-                  <a:latin typeface="Arial"/>
-                  <a:cs typeface="Arial"/>
-                </a:rPr>
-                <a:t>guidelines (n):</a:t>
-              </a:r>
-            </a:p>
-          </p:txBody>
-        </p:sp>
-        <p:sp>
-          <p:nvSpPr>
-            <p:cNvPr id="7" name="pt7"/>
-            <p:cNvSpPr/>
-            <p:nvPr/>
-          </p:nvSpPr>
-          <p:spPr>
-            <a:xfrm>
-              <a:off x="3304549" y="2301627"/>
-              <a:ext cx="144506" cy="144506"/>
-            </a:xfrm>
-            <a:prstGeom prst="ellipse">
-              <a:avLst/>
-            </a:prstGeom>
-            <a:solidFill>
-              <a:srgbClr val="3288BD">
-                <a:alpha val="100000"/>
-              </a:srgbClr>
-            </a:solidFill>
-            <a:ln w="9000" cap="rnd">
-              <a:solidFill>
-                <a:srgbClr val="3288BD">
-                  <a:alpha val="100000"/>
-                </a:srgbClr>
-              </a:solidFill>
-              <a:prstDash val="solid"/>
-              <a:round/>
-            </a:ln>
-          </p:spPr>
-          <p:txBody>
-            <a:bodyPr/>
-            <a:lstStyle/>
-            <a:p/>
-          </p:txBody>
-        </p:sp>
-        <p:sp>
-          <p:nvSpPr>
-            <p:cNvPr id="8" name="pt8"/>
-            <p:cNvSpPr/>
-            <p:nvPr/>
-          </p:nvSpPr>
-          <p:spPr>
-            <a:xfrm>
-              <a:off x="3304549" y="2521083"/>
-              <a:ext cx="144506" cy="144506"/>
-            </a:xfrm>
-            <a:prstGeom prst="ellipse">
-              <a:avLst/>
-            </a:prstGeom>
-            <a:solidFill>
-              <a:srgbClr val="99D594">
-                <a:alpha val="100000"/>
-              </a:srgbClr>
-            </a:solidFill>
-            <a:ln w="9000" cap="rnd">
-              <a:solidFill>
-                <a:srgbClr val="99D594">
-                  <a:alpha val="100000"/>
-                </a:srgbClr>
-              </a:solidFill>
-              <a:prstDash val="solid"/>
-              <a:round/>
-            </a:ln>
-          </p:spPr>
-          <p:txBody>
-            <a:bodyPr/>
-            <a:lstStyle/>
-            <a:p/>
-          </p:txBody>
-        </p:sp>
-        <p:sp>
-          <p:nvSpPr>
-            <p:cNvPr id="9" name="pt9"/>
-            <p:cNvSpPr/>
-            <p:nvPr/>
-          </p:nvSpPr>
-          <p:spPr>
-            <a:xfrm>
-              <a:off x="3304549" y="2740539"/>
-              <a:ext cx="144506" cy="144506"/>
-            </a:xfrm>
-            <a:prstGeom prst="ellipse">
-              <a:avLst/>
-            </a:prstGeom>
-            <a:solidFill>
-              <a:srgbClr val="E6F598">
-                <a:alpha val="100000"/>
-              </a:srgbClr>
-            </a:solidFill>
-            <a:ln w="9000" cap="rnd">
-              <a:solidFill>
-                <a:srgbClr val="E6F598">
-                  <a:alpha val="100000"/>
-                </a:srgbClr>
-              </a:solidFill>
-              <a:prstDash val="solid"/>
-              <a:round/>
-            </a:ln>
-          </p:spPr>
-          <p:txBody>
-            <a:bodyPr/>
-            <a:lstStyle/>
-            <a:p/>
-          </p:txBody>
-        </p:sp>
-        <p:sp>
-          <p:nvSpPr>
-            <p:cNvPr id="10" name="pt10"/>
-            <p:cNvSpPr/>
-            <p:nvPr/>
-          </p:nvSpPr>
-          <p:spPr>
-            <a:xfrm>
-              <a:off x="3304549" y="2959995"/>
-              <a:ext cx="144506" cy="144506"/>
-            </a:xfrm>
-            <a:prstGeom prst="ellipse">
-              <a:avLst/>
-            </a:prstGeom>
-            <a:solidFill>
-              <a:srgbClr val="FEE08B">
-                <a:alpha val="100000"/>
-              </a:srgbClr>
-            </a:solidFill>
-            <a:ln w="9000" cap="rnd">
-              <a:solidFill>
-                <a:srgbClr val="FEE08B">
-                  <a:alpha val="100000"/>
-                </a:srgbClr>
-              </a:solidFill>
-              <a:prstDash val="solid"/>
-              <a:round/>
-            </a:ln>
-          </p:spPr>
-          <p:txBody>
-            <a:bodyPr/>
-            <a:lstStyle/>
-            <a:p/>
-          </p:txBody>
-        </p:sp>
-        <p:sp>
-          <p:nvSpPr>
-            <p:cNvPr id="11" name="pt11"/>
-            <p:cNvSpPr/>
-            <p:nvPr/>
-          </p:nvSpPr>
-          <p:spPr>
-            <a:xfrm>
-              <a:off x="3304549" y="3179451"/>
-              <a:ext cx="144506" cy="144506"/>
-            </a:xfrm>
-            <a:prstGeom prst="ellipse">
-              <a:avLst/>
-            </a:prstGeom>
-            <a:solidFill>
-              <a:srgbClr val="FC8D59">
-                <a:alpha val="100000"/>
-              </a:srgbClr>
-            </a:solidFill>
-            <a:ln w="9000" cap="rnd">
-              <a:solidFill>
-                <a:srgbClr val="FC8D59">
-                  <a:alpha val="100000"/>
-                </a:srgbClr>
-              </a:solidFill>
-              <a:prstDash val="solid"/>
-              <a:round/>
-            </a:ln>
-          </p:spPr>
-          <p:txBody>
-            <a:bodyPr/>
-            <a:lstStyle/>
-            <a:p/>
-          </p:txBody>
-        </p:sp>
-        <p:sp>
-          <p:nvSpPr>
-            <p:cNvPr id="12" name="pt12"/>
-            <p:cNvSpPr/>
-            <p:nvPr/>
-          </p:nvSpPr>
-          <p:spPr>
-            <a:xfrm>
-              <a:off x="3304549" y="3398907"/>
-              <a:ext cx="144506" cy="144506"/>
-            </a:xfrm>
-            <a:prstGeom prst="ellipse">
-              <a:avLst/>
-            </a:prstGeom>
-            <a:solidFill>
-              <a:srgbClr val="D53E4F">
-                <a:alpha val="100000"/>
-              </a:srgbClr>
-            </a:solidFill>
-            <a:ln w="9000" cap="rnd">
-              <a:solidFill>
-                <a:srgbClr val="D53E4F">
-                  <a:alpha val="100000"/>
-                </a:srgbClr>
-              </a:solidFill>
-              <a:prstDash val="solid"/>
-              <a:round/>
-            </a:ln>
-          </p:spPr>
-          <p:txBody>
-            <a:bodyPr/>
-            <a:lstStyle/>
-            <a:p/>
-          </p:txBody>
-        </p:sp>
-        <p:sp>
-          <p:nvSpPr>
-            <p:cNvPr id="13" name="tx13"/>
-            <p:cNvSpPr/>
-            <p:nvPr/>
-          </p:nvSpPr>
-          <p:spPr>
-            <a:xfrm>
-              <a:off x="3556120" y="2308996"/>
-              <a:ext cx="416262" cy="104884"/>
-            </a:xfrm>
-            <a:prstGeom prst="rect">
-              <a:avLst/>
-            </a:prstGeom>
-            <a:noFill/>
-          </p:spPr>
-          <p:txBody>
-            <a:bodyPr lIns="0" rIns="0" tIns="0" bIns="0" anchorCtr="1" anchor="ctr" wrap="none"/>
-            <a:lstStyle/>
-            <a:p>
-              <a:pPr algn="l" marL="0" marR="0" indent="0">
-                <a:lnSpc>
-                  <a:spcPts val="880"/>
-                </a:lnSpc>
-                <a:spcBef>
-                  <a:spcPts val="0"/>
-                </a:spcBef>
-                <a:spcAft>
-                  <a:spcPts val="0"/>
-                </a:spcAft>
-              </a:pPr>
-              <a:r>
-                <a:rPr sz="880">
-                  <a:solidFill>
-                    <a:srgbClr val="000000">
-                      <a:alpha val="100000"/>
-                    </a:srgbClr>
-                  </a:solidFill>
-                  <a:latin typeface="Arial"/>
-                  <a:cs typeface="Arial"/>
-                </a:rPr>
-                <a:t>1 (1508)</a:t>
-              </a:r>
-            </a:p>
-          </p:txBody>
-        </p:sp>
-        <p:sp>
-          <p:nvSpPr>
-            <p:cNvPr id="14" name="tx14"/>
-            <p:cNvSpPr/>
-            <p:nvPr/>
-          </p:nvSpPr>
-          <p:spPr>
-            <a:xfrm>
-              <a:off x="3556120" y="2528452"/>
-              <a:ext cx="354106" cy="104884"/>
-            </a:xfrm>
-            <a:prstGeom prst="rect">
-              <a:avLst/>
-            </a:prstGeom>
-            <a:noFill/>
-          </p:spPr>
-          <p:txBody>
-            <a:bodyPr lIns="0" rIns="0" tIns="0" bIns="0" anchorCtr="1" anchor="ctr" wrap="none"/>
-            <a:lstStyle/>
-            <a:p>
-              <a:pPr algn="l" marL="0" marR="0" indent="0">
-                <a:lnSpc>
-                  <a:spcPts val="880"/>
-                </a:lnSpc>
-                <a:spcBef>
-                  <a:spcPts val="0"/>
-                </a:spcBef>
-                <a:spcAft>
-                  <a:spcPts val="0"/>
-                </a:spcAft>
-              </a:pPr>
-              <a:r>
-                <a:rPr sz="880">
-                  <a:solidFill>
-                    <a:srgbClr val="000000">
-                      <a:alpha val="100000"/>
-                    </a:srgbClr>
-                  </a:solidFill>
-                  <a:latin typeface="Arial"/>
-                  <a:cs typeface="Arial"/>
-                </a:rPr>
-                <a:t>2 (139)</a:t>
-              </a:r>
-            </a:p>
-          </p:txBody>
-        </p:sp>
-        <p:sp>
-          <p:nvSpPr>
-            <p:cNvPr id="15" name="tx15"/>
-            <p:cNvSpPr/>
-            <p:nvPr/>
-          </p:nvSpPr>
-          <p:spPr>
-            <a:xfrm>
-              <a:off x="3556120" y="2747908"/>
-              <a:ext cx="291951" cy="104884"/>
-            </a:xfrm>
-            <a:prstGeom prst="rect">
-              <a:avLst/>
-            </a:prstGeom>
-            <a:noFill/>
-          </p:spPr>
-          <p:txBody>
-            <a:bodyPr lIns="0" rIns="0" tIns="0" bIns="0" anchorCtr="1" anchor="ctr" wrap="none"/>
-            <a:lstStyle/>
-            <a:p>
-              <a:pPr algn="l" marL="0" marR="0" indent="0">
-                <a:lnSpc>
-                  <a:spcPts val="880"/>
-                </a:lnSpc>
-                <a:spcBef>
-                  <a:spcPts val="0"/>
-                </a:spcBef>
-                <a:spcAft>
-                  <a:spcPts val="0"/>
-                </a:spcAft>
-              </a:pPr>
-              <a:r>
-                <a:rPr sz="880">
-                  <a:solidFill>
-                    <a:srgbClr val="000000">
-                      <a:alpha val="100000"/>
-                    </a:srgbClr>
-                  </a:solidFill>
-                  <a:latin typeface="Arial"/>
-                  <a:cs typeface="Arial"/>
-                </a:rPr>
-                <a:t>3 (36)</a:t>
-              </a:r>
-            </a:p>
-          </p:txBody>
-        </p:sp>
-        <p:sp>
-          <p:nvSpPr>
-            <p:cNvPr id="16" name="tx16"/>
-            <p:cNvSpPr/>
-            <p:nvPr/>
-          </p:nvSpPr>
-          <p:spPr>
-            <a:xfrm>
-              <a:off x="3556120" y="2967364"/>
-              <a:ext cx="291951" cy="104884"/>
-            </a:xfrm>
-            <a:prstGeom prst="rect">
-              <a:avLst/>
-            </a:prstGeom>
-            <a:noFill/>
-          </p:spPr>
-          <p:txBody>
-            <a:bodyPr lIns="0" rIns="0" tIns="0" bIns="0" anchorCtr="1" anchor="ctr" wrap="none"/>
-            <a:lstStyle/>
-            <a:p>
-              <a:pPr algn="l" marL="0" marR="0" indent="0">
-                <a:lnSpc>
-                  <a:spcPts val="880"/>
-                </a:lnSpc>
-                <a:spcBef>
-                  <a:spcPts val="0"/>
-                </a:spcBef>
-                <a:spcAft>
-                  <a:spcPts val="0"/>
-                </a:spcAft>
-              </a:pPr>
-              <a:r>
-                <a:rPr sz="880">
-                  <a:solidFill>
-                    <a:srgbClr val="000000">
-                      <a:alpha val="100000"/>
-                    </a:srgbClr>
-                  </a:solidFill>
-                  <a:latin typeface="Arial"/>
-                  <a:cs typeface="Arial"/>
-                </a:rPr>
-                <a:t>4 (13)</a:t>
-              </a:r>
-            </a:p>
-          </p:txBody>
-        </p:sp>
-        <p:sp>
-          <p:nvSpPr>
-            <p:cNvPr id="17" name="tx17"/>
-            <p:cNvSpPr/>
-            <p:nvPr/>
-          </p:nvSpPr>
-          <p:spPr>
-            <a:xfrm>
-              <a:off x="3556120" y="3186820"/>
-              <a:ext cx="229795" cy="104884"/>
-            </a:xfrm>
-            <a:prstGeom prst="rect">
-              <a:avLst/>
-            </a:prstGeom>
-            <a:noFill/>
-          </p:spPr>
-          <p:txBody>
-            <a:bodyPr lIns="0" rIns="0" tIns="0" bIns="0" anchorCtr="1" anchor="ctr" wrap="none"/>
-            <a:lstStyle/>
-            <a:p>
-              <a:pPr algn="l" marL="0" marR="0" indent="0">
-                <a:lnSpc>
-                  <a:spcPts val="880"/>
-                </a:lnSpc>
-                <a:spcBef>
-                  <a:spcPts val="0"/>
-                </a:spcBef>
-                <a:spcAft>
-                  <a:spcPts val="0"/>
-                </a:spcAft>
-              </a:pPr>
-              <a:r>
-                <a:rPr sz="880">
-                  <a:solidFill>
-                    <a:srgbClr val="000000">
-                      <a:alpha val="100000"/>
-                    </a:srgbClr>
-                  </a:solidFill>
-                  <a:latin typeface="Arial"/>
-                  <a:cs typeface="Arial"/>
-                </a:rPr>
-                <a:t>5 (2)</a:t>
-              </a:r>
-            </a:p>
-          </p:txBody>
-        </p:sp>
-        <p:sp>
-          <p:nvSpPr>
-            <p:cNvPr id="18" name="tx18"/>
-            <p:cNvSpPr/>
-            <p:nvPr/>
-          </p:nvSpPr>
-          <p:spPr>
-            <a:xfrm>
-              <a:off x="3556120" y="3406276"/>
-              <a:ext cx="229795" cy="104884"/>
-            </a:xfrm>
-            <a:prstGeom prst="rect">
-              <a:avLst/>
-            </a:prstGeom>
-            <a:noFill/>
-          </p:spPr>
-          <p:txBody>
-            <a:bodyPr lIns="0" rIns="0" tIns="0" bIns="0" anchorCtr="1" anchor="ctr" wrap="none"/>
-            <a:lstStyle/>
-            <a:p>
-              <a:pPr algn="l" marL="0" marR="0" indent="0">
-                <a:lnSpc>
-                  <a:spcPts val="880"/>
-                </a:lnSpc>
-                <a:spcBef>
-                  <a:spcPts val="0"/>
-                </a:spcBef>
-                <a:spcAft>
-                  <a:spcPts val="0"/>
-                </a:spcAft>
-              </a:pPr>
-              <a:r>
-                <a:rPr sz="880">
-                  <a:solidFill>
-                    <a:srgbClr val="000000">
-                      <a:alpha val="100000"/>
-                    </a:srgbClr>
-                  </a:solidFill>
-                  <a:latin typeface="Arial"/>
-                  <a:cs typeface="Arial"/>
-                </a:rPr>
-                <a:t>6 (2)</a:t>
-              </a:r>
-            </a:p>
-          </p:txBody>
-        </p:sp>
-      </p:grpSp>
-    </p:spTree>
-  </p:cSld>
-  <p:clrMapOvr>
-    <a:masterClrMapping/>
-  </p:clrMapOvr>
-</p:sld>
-</file>
-
-<file path=ppt/slides/slide11.xml><?xml version="1.0" encoding="utf-8"?>
-<p:sld xmlns:a="http://schemas.openxmlformats.org/drawingml/2006/main" xmlns:r="http://schemas.openxmlformats.org/officeDocument/2006/relationships" xmlns:p="http://schemas.openxmlformats.org/presentationml/2006/main">
-  <p:cSld>
-    <p:spTree>
-      <p:nvGrpSpPr>
-        <p:cNvPr id="1" name=""/>
-        <p:cNvGrpSpPr/>
-        <p:nvPr/>
-      </p:nvGrpSpPr>
-      <p:grpSpPr>
-        <a:xfrm>
-          <a:off x="0" y="0"/>
-          <a:ext cx="0" cy="0"/>
-          <a:chOff x="0" y="0"/>
-          <a:chExt cx="0" cy="0"/>
-        </a:xfrm>
-      </p:grpSpPr>
-      <p:grpSp xmlns:a="http://schemas.openxmlformats.org/drawingml/2006/main" xmlns:r="http://schemas.openxmlformats.org/officeDocument/2006/relationships" xmlns:p="http://schemas.openxmlformats.org/presentationml/2006/main" xmlns:pic="http://schemas.openxmlformats.org/drawingml/2006/picture">
-        <p:nvGrpSpPr>
-          <p:cNvPr id="2" name=""/>
-          <p:cNvGrpSpPr/>
-          <p:nvPr/>
-        </p:nvGrpSpPr>
-        <p:grpSpPr>
-          <a:xfrm>
-            <a:off x="1190625" y="1079500"/>
-            <a:ext cx="5181600" cy="3171825"/>
-            <a:chOff x="1190625" y="1079500"/>
-            <a:chExt cx="5181600" cy="3171825"/>
-          </a:xfrm>
-        </p:grpSpPr>
-        <p:sp>
-          <p:nvSpPr>
-            <p:cNvPr id="3" name="rc3"/>
-            <p:cNvSpPr/>
-            <p:nvPr/>
-          </p:nvSpPr>
-          <p:spPr>
-            <a:xfrm>
-              <a:off x="1190625" y="1079499"/>
-              <a:ext cx="5181599" cy="3171825"/>
-            </a:xfrm>
-            <a:prstGeom prst="rect">
-              <a:avLst/>
-            </a:prstGeom>
-            <a:solidFill>
-              <a:srgbClr val="FFFFFF">
-                <a:alpha val="100000"/>
-              </a:srgbClr>
-            </a:solidFill>
-            <a:ln w="9525" cap="rnd">
-              <a:solidFill>
-                <a:srgbClr val="FFFFFF">
-                  <a:alpha val="100000"/>
-                </a:srgbClr>
-              </a:solidFill>
-              <a:prstDash val="solid"/>
-              <a:round/>
-            </a:ln>
-          </p:spPr>
-          <p:txBody>
-            <a:bodyPr/>
-            <a:lstStyle/>
-            <a:p/>
-          </p:txBody>
-        </p:sp>
-        <p:sp>
-          <p:nvSpPr>
-            <p:cNvPr id="4" name="tx4"/>
-            <p:cNvSpPr/>
-            <p:nvPr/>
-          </p:nvSpPr>
-          <p:spPr>
-            <a:xfrm>
-              <a:off x="3267075" y="1768031"/>
-              <a:ext cx="1024762" cy="103342"/>
-            </a:xfrm>
-            <a:prstGeom prst="rect">
-              <a:avLst/>
-            </a:prstGeom>
-            <a:noFill/>
-          </p:spPr>
-          <p:txBody>
-            <a:bodyPr lIns="0" rIns="0" tIns="0" bIns="0" anchorCtr="1" anchor="ctr" wrap="none"/>
-            <a:lstStyle/>
-            <a:p>
-              <a:pPr algn="l" marL="0" marR="0" indent="0">
-                <a:lnSpc>
-                  <a:spcPts val="1100"/>
-                </a:lnSpc>
-                <a:spcBef>
-                  <a:spcPts val="0"/>
-                </a:spcBef>
-                <a:spcAft>
-                  <a:spcPts val="0"/>
-                </a:spcAft>
-              </a:pPr>
-              <a:r>
-                <a:rPr sz="1100">
-                  <a:solidFill>
-                    <a:srgbClr val="000000">
-                      <a:alpha val="100000"/>
-                    </a:srgbClr>
-                  </a:solidFill>
-                  <a:latin typeface="Arial"/>
-                  <a:cs typeface="Arial"/>
-                </a:rPr>
-                <a:t>Number of times</a:t>
-              </a:r>
-            </a:p>
-          </p:txBody>
-        </p:sp>
-        <p:sp>
-          <p:nvSpPr>
-            <p:cNvPr id="5" name="tx5"/>
-            <p:cNvSpPr/>
-            <p:nvPr/>
-          </p:nvSpPr>
-          <p:spPr>
-            <a:xfrm>
-              <a:off x="3267075" y="1920612"/>
-              <a:ext cx="745362" cy="101637"/>
-            </a:xfrm>
-            <a:prstGeom prst="rect">
-              <a:avLst/>
-            </a:prstGeom>
-            <a:noFill/>
-          </p:spPr>
-          <p:txBody>
-            <a:bodyPr lIns="0" rIns="0" tIns="0" bIns="0" anchorCtr="1" anchor="ctr" wrap="none"/>
-            <a:lstStyle/>
-            <a:p>
-              <a:pPr algn="l" marL="0" marR="0" indent="0">
-                <a:lnSpc>
-                  <a:spcPts val="1100"/>
-                </a:lnSpc>
-                <a:spcBef>
-                  <a:spcPts val="0"/>
-                </a:spcBef>
-                <a:spcAft>
-                  <a:spcPts val="0"/>
-                </a:spcAft>
-              </a:pPr>
-              <a:r>
-                <a:rPr sz="1100">
-                  <a:solidFill>
-                    <a:srgbClr val="000000">
-                      <a:alpha val="100000"/>
-                    </a:srgbClr>
-                  </a:solidFill>
-                  <a:latin typeface="Arial"/>
-                  <a:cs typeface="Arial"/>
-                </a:rPr>
-                <a:t>cited across</a:t>
-              </a:r>
-            </a:p>
-          </p:txBody>
-        </p:sp>
-        <p:sp>
-          <p:nvSpPr>
-            <p:cNvPr id="6" name="tx6"/>
-            <p:cNvSpPr/>
-            <p:nvPr/>
-          </p:nvSpPr>
-          <p:spPr>
-            <a:xfrm>
-              <a:off x="3267075" y="2042020"/>
-              <a:ext cx="877490" cy="131105"/>
-            </a:xfrm>
-            <a:prstGeom prst="rect">
-              <a:avLst/>
-            </a:prstGeom>
-            <a:noFill/>
-          </p:spPr>
-          <p:txBody>
-            <a:bodyPr lIns="0" rIns="0" tIns="0" bIns="0" anchorCtr="1" anchor="ctr" wrap="none"/>
-            <a:lstStyle/>
-            <a:p>
-              <a:pPr algn="l" marL="0" marR="0" indent="0">
-                <a:lnSpc>
-                  <a:spcPts val="1100"/>
-                </a:lnSpc>
-                <a:spcBef>
-                  <a:spcPts val="0"/>
-                </a:spcBef>
-                <a:spcAft>
-                  <a:spcPts val="0"/>
-                </a:spcAft>
-              </a:pPr>
-              <a:r>
-                <a:rPr sz="1100">
-                  <a:solidFill>
-                    <a:srgbClr val="000000">
-                      <a:alpha val="100000"/>
-                    </a:srgbClr>
-                  </a:solidFill>
-                  <a:latin typeface="Arial"/>
-                  <a:cs typeface="Arial"/>
-                </a:rPr>
-                <a:t>guidelines (n):</a:t>
-              </a:r>
-            </a:p>
-          </p:txBody>
-        </p:sp>
-        <p:sp>
-          <p:nvSpPr>
-            <p:cNvPr id="7" name="pt7"/>
-            <p:cNvSpPr/>
-            <p:nvPr/>
-          </p:nvSpPr>
-          <p:spPr>
-            <a:xfrm>
-              <a:off x="3304549" y="2301627"/>
-              <a:ext cx="144506" cy="144506"/>
-            </a:xfrm>
-            <a:prstGeom prst="ellipse">
-              <a:avLst/>
-            </a:prstGeom>
-            <a:solidFill>
-              <a:srgbClr val="3288BD">
-                <a:alpha val="100000"/>
-              </a:srgbClr>
-            </a:solidFill>
-            <a:ln w="9000" cap="rnd">
-              <a:solidFill>
-                <a:srgbClr val="3288BD">
-                  <a:alpha val="100000"/>
-                </a:srgbClr>
-              </a:solidFill>
-              <a:prstDash val="solid"/>
-              <a:round/>
-            </a:ln>
-          </p:spPr>
-          <p:txBody>
-            <a:bodyPr/>
-            <a:lstStyle/>
-            <a:p/>
-          </p:txBody>
-        </p:sp>
-        <p:sp>
-          <p:nvSpPr>
-            <p:cNvPr id="8" name="pt8"/>
-            <p:cNvSpPr/>
-            <p:nvPr/>
-          </p:nvSpPr>
-          <p:spPr>
-            <a:xfrm>
-              <a:off x="3304549" y="2521083"/>
-              <a:ext cx="144506" cy="144506"/>
-            </a:xfrm>
-            <a:prstGeom prst="ellipse">
-              <a:avLst/>
-            </a:prstGeom>
-            <a:solidFill>
-              <a:srgbClr val="99D594">
-                <a:alpha val="100000"/>
-              </a:srgbClr>
-            </a:solidFill>
-            <a:ln w="9000" cap="rnd">
-              <a:solidFill>
-                <a:srgbClr val="99D594">
-                  <a:alpha val="100000"/>
-                </a:srgbClr>
-              </a:solidFill>
-              <a:prstDash val="solid"/>
-              <a:round/>
-            </a:ln>
-          </p:spPr>
-          <p:txBody>
-            <a:bodyPr/>
-            <a:lstStyle/>
-            <a:p/>
-          </p:txBody>
-        </p:sp>
-        <p:sp>
-          <p:nvSpPr>
-            <p:cNvPr id="9" name="pt9"/>
-            <p:cNvSpPr/>
-            <p:nvPr/>
-          </p:nvSpPr>
-          <p:spPr>
-            <a:xfrm>
-              <a:off x="3304549" y="2740539"/>
-              <a:ext cx="144506" cy="144506"/>
-            </a:xfrm>
-            <a:prstGeom prst="ellipse">
-              <a:avLst/>
-            </a:prstGeom>
-            <a:solidFill>
-              <a:srgbClr val="E6F598">
-                <a:alpha val="100000"/>
-              </a:srgbClr>
-            </a:solidFill>
-            <a:ln w="9000" cap="rnd">
-              <a:solidFill>
-                <a:srgbClr val="E6F598">
-                  <a:alpha val="100000"/>
-                </a:srgbClr>
-              </a:solidFill>
-              <a:prstDash val="solid"/>
-              <a:round/>
-            </a:ln>
-          </p:spPr>
-          <p:txBody>
-            <a:bodyPr/>
-            <a:lstStyle/>
-            <a:p/>
-          </p:txBody>
-        </p:sp>
-        <p:sp>
-          <p:nvSpPr>
-            <p:cNvPr id="10" name="pt10"/>
-            <p:cNvSpPr/>
-            <p:nvPr/>
-          </p:nvSpPr>
-          <p:spPr>
-            <a:xfrm>
-              <a:off x="3304549" y="2959995"/>
-              <a:ext cx="144506" cy="144506"/>
-            </a:xfrm>
-            <a:prstGeom prst="ellipse">
-              <a:avLst/>
-            </a:prstGeom>
-            <a:solidFill>
-              <a:srgbClr val="FEE08B">
-                <a:alpha val="100000"/>
-              </a:srgbClr>
-            </a:solidFill>
-            <a:ln w="9000" cap="rnd">
-              <a:solidFill>
-                <a:srgbClr val="FEE08B">
-                  <a:alpha val="100000"/>
-                </a:srgbClr>
-              </a:solidFill>
-              <a:prstDash val="solid"/>
-              <a:round/>
-            </a:ln>
-          </p:spPr>
-          <p:txBody>
-            <a:bodyPr/>
-            <a:lstStyle/>
-            <a:p/>
-          </p:txBody>
-        </p:sp>
-        <p:sp>
-          <p:nvSpPr>
-            <p:cNvPr id="11" name="pt11"/>
-            <p:cNvSpPr/>
-            <p:nvPr/>
-          </p:nvSpPr>
-          <p:spPr>
-            <a:xfrm>
-              <a:off x="3304549" y="3179451"/>
-              <a:ext cx="144506" cy="144506"/>
-            </a:xfrm>
-            <a:prstGeom prst="ellipse">
-              <a:avLst/>
-            </a:prstGeom>
-            <a:solidFill>
-              <a:srgbClr val="FC8D59">
-                <a:alpha val="100000"/>
-              </a:srgbClr>
-            </a:solidFill>
-            <a:ln w="9000" cap="rnd">
-              <a:solidFill>
-                <a:srgbClr val="FC8D59">
-                  <a:alpha val="100000"/>
-                </a:srgbClr>
-              </a:solidFill>
-              <a:prstDash val="solid"/>
-              <a:round/>
-            </a:ln>
-          </p:spPr>
-          <p:txBody>
-            <a:bodyPr/>
-            <a:lstStyle/>
-            <a:p/>
-          </p:txBody>
-        </p:sp>
-        <p:sp>
-          <p:nvSpPr>
-            <p:cNvPr id="12" name="pt12"/>
-            <p:cNvSpPr/>
-            <p:nvPr/>
-          </p:nvSpPr>
-          <p:spPr>
-            <a:xfrm>
-              <a:off x="3304549" y="3398907"/>
-              <a:ext cx="144506" cy="144506"/>
-            </a:xfrm>
-            <a:prstGeom prst="ellipse">
-              <a:avLst/>
-            </a:prstGeom>
-            <a:solidFill>
-              <a:srgbClr val="D53E4F">
-                <a:alpha val="100000"/>
-              </a:srgbClr>
-            </a:solidFill>
-            <a:ln w="9000" cap="rnd">
-              <a:solidFill>
-                <a:srgbClr val="D53E4F">
-                  <a:alpha val="100000"/>
-                </a:srgbClr>
-              </a:solidFill>
-              <a:prstDash val="solid"/>
-              <a:round/>
-            </a:ln>
-          </p:spPr>
-          <p:txBody>
-            <a:bodyPr/>
-            <a:lstStyle/>
-            <a:p/>
-          </p:txBody>
-        </p:sp>
-        <p:sp>
-          <p:nvSpPr>
-            <p:cNvPr id="13" name="tx13"/>
-            <p:cNvSpPr/>
-            <p:nvPr/>
-          </p:nvSpPr>
-          <p:spPr>
-            <a:xfrm>
-              <a:off x="3556120" y="2308996"/>
-              <a:ext cx="416262" cy="104884"/>
-            </a:xfrm>
-            <a:prstGeom prst="rect">
-              <a:avLst/>
-            </a:prstGeom>
-            <a:noFill/>
-          </p:spPr>
-          <p:txBody>
-            <a:bodyPr lIns="0" rIns="0" tIns="0" bIns="0" anchorCtr="1" anchor="ctr" wrap="none"/>
-            <a:lstStyle/>
-            <a:p>
-              <a:pPr algn="l" marL="0" marR="0" indent="0">
-                <a:lnSpc>
-                  <a:spcPts val="880"/>
-                </a:lnSpc>
-                <a:spcBef>
-                  <a:spcPts val="0"/>
-                </a:spcBef>
-                <a:spcAft>
-                  <a:spcPts val="0"/>
-                </a:spcAft>
-              </a:pPr>
-              <a:r>
-                <a:rPr sz="880">
-                  <a:solidFill>
-                    <a:srgbClr val="000000">
-                      <a:alpha val="100000"/>
-                    </a:srgbClr>
-                  </a:solidFill>
-                  <a:latin typeface="Arial"/>
-                  <a:cs typeface="Arial"/>
-                </a:rPr>
-                <a:t>1 (1508)</a:t>
-              </a:r>
-            </a:p>
-          </p:txBody>
-        </p:sp>
-        <p:sp>
-          <p:nvSpPr>
-            <p:cNvPr id="14" name="tx14"/>
-            <p:cNvSpPr/>
-            <p:nvPr/>
-          </p:nvSpPr>
-          <p:spPr>
-            <a:xfrm>
-              <a:off x="3556120" y="2528452"/>
-              <a:ext cx="354106" cy="104884"/>
-            </a:xfrm>
-            <a:prstGeom prst="rect">
-              <a:avLst/>
-            </a:prstGeom>
-            <a:noFill/>
-          </p:spPr>
-          <p:txBody>
-            <a:bodyPr lIns="0" rIns="0" tIns="0" bIns="0" anchorCtr="1" anchor="ctr" wrap="none"/>
-            <a:lstStyle/>
-            <a:p>
-              <a:pPr algn="l" marL="0" marR="0" indent="0">
-                <a:lnSpc>
-                  <a:spcPts val="880"/>
-                </a:lnSpc>
-                <a:spcBef>
-                  <a:spcPts val="0"/>
-                </a:spcBef>
-                <a:spcAft>
-                  <a:spcPts val="0"/>
-                </a:spcAft>
-              </a:pPr>
-              <a:r>
-                <a:rPr sz="880">
-                  <a:solidFill>
-                    <a:srgbClr val="000000">
-                      <a:alpha val="100000"/>
-                    </a:srgbClr>
-                  </a:solidFill>
-                  <a:latin typeface="Arial"/>
-                  <a:cs typeface="Arial"/>
-                </a:rPr>
-                <a:t>2 (139)</a:t>
-              </a:r>
-            </a:p>
-          </p:txBody>
-        </p:sp>
-        <p:sp>
-          <p:nvSpPr>
-            <p:cNvPr id="15" name="tx15"/>
-            <p:cNvSpPr/>
-            <p:nvPr/>
-          </p:nvSpPr>
-          <p:spPr>
-            <a:xfrm>
-              <a:off x="3556120" y="2747908"/>
-              <a:ext cx="291951" cy="104884"/>
-            </a:xfrm>
-            <a:prstGeom prst="rect">
-              <a:avLst/>
-            </a:prstGeom>
-            <a:noFill/>
-          </p:spPr>
-          <p:txBody>
-            <a:bodyPr lIns="0" rIns="0" tIns="0" bIns="0" anchorCtr="1" anchor="ctr" wrap="none"/>
-            <a:lstStyle/>
-            <a:p>
-              <a:pPr algn="l" marL="0" marR="0" indent="0">
-                <a:lnSpc>
-                  <a:spcPts val="880"/>
-                </a:lnSpc>
-                <a:spcBef>
-                  <a:spcPts val="0"/>
-                </a:spcBef>
-                <a:spcAft>
-                  <a:spcPts val="0"/>
-                </a:spcAft>
-              </a:pPr>
-              <a:r>
-                <a:rPr sz="880">
-                  <a:solidFill>
-                    <a:srgbClr val="000000">
-                      <a:alpha val="100000"/>
-                    </a:srgbClr>
-                  </a:solidFill>
-                  <a:latin typeface="Arial"/>
-                  <a:cs typeface="Arial"/>
-                </a:rPr>
-                <a:t>3 (36)</a:t>
-              </a:r>
-            </a:p>
-          </p:txBody>
-        </p:sp>
-        <p:sp>
-          <p:nvSpPr>
-            <p:cNvPr id="16" name="tx16"/>
-            <p:cNvSpPr/>
-            <p:nvPr/>
-          </p:nvSpPr>
-          <p:spPr>
-            <a:xfrm>
-              <a:off x="3556120" y="2967364"/>
-              <a:ext cx="291951" cy="104884"/>
-            </a:xfrm>
-            <a:prstGeom prst="rect">
-              <a:avLst/>
-            </a:prstGeom>
-            <a:noFill/>
-          </p:spPr>
-          <p:txBody>
-            <a:bodyPr lIns="0" rIns="0" tIns="0" bIns="0" anchorCtr="1" anchor="ctr" wrap="none"/>
-            <a:lstStyle/>
-            <a:p>
-              <a:pPr algn="l" marL="0" marR="0" indent="0">
-                <a:lnSpc>
-                  <a:spcPts val="880"/>
-                </a:lnSpc>
-                <a:spcBef>
-                  <a:spcPts val="0"/>
-                </a:spcBef>
-                <a:spcAft>
-                  <a:spcPts val="0"/>
-                </a:spcAft>
-              </a:pPr>
-              <a:r>
-                <a:rPr sz="880">
-                  <a:solidFill>
-                    <a:srgbClr val="000000">
-                      <a:alpha val="100000"/>
-                    </a:srgbClr>
-                  </a:solidFill>
-                  <a:latin typeface="Arial"/>
-                  <a:cs typeface="Arial"/>
-                </a:rPr>
-                <a:t>4 (13)</a:t>
-              </a:r>
-            </a:p>
-          </p:txBody>
-        </p:sp>
-        <p:sp>
-          <p:nvSpPr>
-            <p:cNvPr id="17" name="tx17"/>
-            <p:cNvSpPr/>
-            <p:nvPr/>
-          </p:nvSpPr>
-          <p:spPr>
-            <a:xfrm>
-              <a:off x="3556120" y="3186820"/>
-              <a:ext cx="229795" cy="104884"/>
-            </a:xfrm>
-            <a:prstGeom prst="rect">
-              <a:avLst/>
-            </a:prstGeom>
-            <a:noFill/>
-          </p:spPr>
-          <p:txBody>
-            <a:bodyPr lIns="0" rIns="0" tIns="0" bIns="0" anchorCtr="1" anchor="ctr" wrap="none"/>
-            <a:lstStyle/>
-            <a:p>
-              <a:pPr algn="l" marL="0" marR="0" indent="0">
-                <a:lnSpc>
-                  <a:spcPts val="880"/>
-                </a:lnSpc>
-                <a:spcBef>
-                  <a:spcPts val="0"/>
-                </a:spcBef>
-                <a:spcAft>
-                  <a:spcPts val="0"/>
-                </a:spcAft>
-              </a:pPr>
-              <a:r>
-                <a:rPr sz="880">
-                  <a:solidFill>
-                    <a:srgbClr val="000000">
-                      <a:alpha val="100000"/>
-                    </a:srgbClr>
-                  </a:solidFill>
-                  <a:latin typeface="Arial"/>
-                  <a:cs typeface="Arial"/>
-                </a:rPr>
-                <a:t>5 (2)</a:t>
-              </a:r>
-            </a:p>
-          </p:txBody>
-        </p:sp>
-        <p:sp>
-          <p:nvSpPr>
-            <p:cNvPr id="18" name="tx18"/>
-            <p:cNvSpPr/>
-            <p:nvPr/>
-          </p:nvSpPr>
-          <p:spPr>
-            <a:xfrm>
-              <a:off x="3556120" y="3406276"/>
-              <a:ext cx="229795" cy="104884"/>
-            </a:xfrm>
-            <a:prstGeom prst="rect">
-              <a:avLst/>
-            </a:prstGeom>
-            <a:noFill/>
-          </p:spPr>
-          <p:txBody>
-            <a:bodyPr lIns="0" rIns="0" tIns="0" bIns="0" anchorCtr="1" anchor="ctr" wrap="none"/>
-            <a:lstStyle/>
-            <a:p>
-              <a:pPr algn="l" marL="0" marR="0" indent="0">
-                <a:lnSpc>
-                  <a:spcPts val="880"/>
-                </a:lnSpc>
-                <a:spcBef>
-                  <a:spcPts val="0"/>
-                </a:spcBef>
-                <a:spcAft>
-                  <a:spcPts val="0"/>
-                </a:spcAft>
-              </a:pPr>
-              <a:r>
-                <a:rPr sz="880">
-                  <a:solidFill>
-                    <a:srgbClr val="000000">
-                      <a:alpha val="100000"/>
-                    </a:srgbClr>
-                  </a:solidFill>
-                  <a:latin typeface="Arial"/>
-                  <a:cs typeface="Arial"/>
-                </a:rPr>
-                <a:t>6 (2)</a:t>
-              </a:r>
-            </a:p>
-          </p:txBody>
-        </p:sp>
-      </p:grpSp>
-    </p:spTree>
-  </p:cSld>
-  <p:clrMapOvr>
-    <a:masterClrMapping/>
-  </p:clrMapOvr>
-</p:sld>
-</file>
-
-<file path=ppt/slides/slide12.xml><?xml version="1.0" encoding="utf-8"?>
-<p:sld xmlns:a="http://schemas.openxmlformats.org/drawingml/2006/main" xmlns:r="http://schemas.openxmlformats.org/officeDocument/2006/relationships" xmlns:p="http://schemas.openxmlformats.org/presentationml/2006/main">
-  <p:cSld>
-    <p:spTree>
-      <p:nvGrpSpPr>
-        <p:cNvPr id="1" name=""/>
-        <p:cNvGrpSpPr/>
-        <p:nvPr/>
-      </p:nvGrpSpPr>
-      <p:grpSpPr>
-        <a:xfrm>
-          <a:off x="0" y="0"/>
-          <a:ext cx="0" cy="0"/>
-          <a:chOff x="0" y="0"/>
-          <a:chExt cx="0" cy="0"/>
-        </a:xfrm>
-      </p:grpSpPr>
-      <p:grpSp xmlns:a="http://schemas.openxmlformats.org/drawingml/2006/main" xmlns:r="http://schemas.openxmlformats.org/officeDocument/2006/relationships" xmlns:p="http://schemas.openxmlformats.org/presentationml/2006/main" xmlns:pic="http://schemas.openxmlformats.org/drawingml/2006/picture">
-        <p:nvGrpSpPr>
-          <p:cNvPr id="2" name=""/>
-          <p:cNvGrpSpPr/>
-          <p:nvPr/>
-        </p:nvGrpSpPr>
-        <p:grpSpPr>
-          <a:xfrm>
-            <a:off x="1190625" y="1079500"/>
-            <a:ext cx="5181600" cy="3171825"/>
-            <a:chOff x="1190625" y="1079500"/>
-            <a:chExt cx="5181600" cy="3171825"/>
-          </a:xfrm>
-        </p:grpSpPr>
-        <p:sp>
-          <p:nvSpPr>
-            <p:cNvPr id="3" name="rc3"/>
-            <p:cNvSpPr/>
-            <p:nvPr/>
-          </p:nvSpPr>
-          <p:spPr>
-            <a:xfrm>
-              <a:off x="1190625" y="1079499"/>
-              <a:ext cx="5181599" cy="3171825"/>
-            </a:xfrm>
-            <a:prstGeom prst="rect">
-              <a:avLst/>
-            </a:prstGeom>
-            <a:solidFill>
-              <a:srgbClr val="FFFFFF">
-                <a:alpha val="100000"/>
-              </a:srgbClr>
-            </a:solidFill>
-            <a:ln w="9525" cap="rnd">
-              <a:solidFill>
-                <a:srgbClr val="FFFFFF">
-                  <a:alpha val="100000"/>
-                </a:srgbClr>
-              </a:solidFill>
-              <a:prstDash val="solid"/>
-              <a:round/>
-            </a:ln>
-          </p:spPr>
-          <p:txBody>
-            <a:bodyPr/>
-            <a:lstStyle/>
-            <a:p/>
-          </p:txBody>
-        </p:sp>
-        <p:sp>
-          <p:nvSpPr>
-            <p:cNvPr id="4" name="tx4"/>
-            <p:cNvSpPr/>
-            <p:nvPr/>
-          </p:nvSpPr>
-          <p:spPr>
-            <a:xfrm>
-              <a:off x="3267075" y="1768031"/>
-              <a:ext cx="1024762" cy="103342"/>
-            </a:xfrm>
-            <a:prstGeom prst="rect">
-              <a:avLst/>
-            </a:prstGeom>
-            <a:noFill/>
-          </p:spPr>
-          <p:txBody>
-            <a:bodyPr lIns="0" rIns="0" tIns="0" bIns="0" anchorCtr="1" anchor="ctr" wrap="none"/>
-            <a:lstStyle/>
-            <a:p>
-              <a:pPr algn="l" marL="0" marR="0" indent="0">
-                <a:lnSpc>
-                  <a:spcPts val="1100"/>
-                </a:lnSpc>
-                <a:spcBef>
-                  <a:spcPts val="0"/>
-                </a:spcBef>
-                <a:spcAft>
-                  <a:spcPts val="0"/>
-                </a:spcAft>
-              </a:pPr>
-              <a:r>
-                <a:rPr sz="1100">
-                  <a:solidFill>
-                    <a:srgbClr val="000000">
-                      <a:alpha val="100000"/>
-                    </a:srgbClr>
-                  </a:solidFill>
-                  <a:latin typeface="Arial"/>
-                  <a:cs typeface="Arial"/>
-                </a:rPr>
-                <a:t>Number of times</a:t>
-              </a:r>
-            </a:p>
-          </p:txBody>
-        </p:sp>
-        <p:sp>
-          <p:nvSpPr>
-            <p:cNvPr id="5" name="tx5"/>
-            <p:cNvSpPr/>
-            <p:nvPr/>
-          </p:nvSpPr>
-          <p:spPr>
-            <a:xfrm>
-              <a:off x="3267075" y="1920612"/>
-              <a:ext cx="745362" cy="101637"/>
-            </a:xfrm>
-            <a:prstGeom prst="rect">
-              <a:avLst/>
-            </a:prstGeom>
-            <a:noFill/>
-          </p:spPr>
-          <p:txBody>
-            <a:bodyPr lIns="0" rIns="0" tIns="0" bIns="0" anchorCtr="1" anchor="ctr" wrap="none"/>
-            <a:lstStyle/>
-            <a:p>
-              <a:pPr algn="l" marL="0" marR="0" indent="0">
-                <a:lnSpc>
-                  <a:spcPts val="1100"/>
-                </a:lnSpc>
-                <a:spcBef>
-                  <a:spcPts val="0"/>
-                </a:spcBef>
-                <a:spcAft>
-                  <a:spcPts val="0"/>
-                </a:spcAft>
-              </a:pPr>
-              <a:r>
-                <a:rPr sz="1100">
-                  <a:solidFill>
-                    <a:srgbClr val="000000">
-                      <a:alpha val="100000"/>
-                    </a:srgbClr>
-                  </a:solidFill>
-                  <a:latin typeface="Arial"/>
-                  <a:cs typeface="Arial"/>
-                </a:rPr>
-                <a:t>cited across</a:t>
-              </a:r>
-            </a:p>
-          </p:txBody>
-        </p:sp>
-        <p:sp>
-          <p:nvSpPr>
-            <p:cNvPr id="6" name="tx6"/>
-            <p:cNvSpPr/>
-            <p:nvPr/>
-          </p:nvSpPr>
-          <p:spPr>
-            <a:xfrm>
-              <a:off x="3267075" y="2042020"/>
-              <a:ext cx="877490" cy="131105"/>
-            </a:xfrm>
-            <a:prstGeom prst="rect">
-              <a:avLst/>
-            </a:prstGeom>
-            <a:noFill/>
-          </p:spPr>
-          <p:txBody>
-            <a:bodyPr lIns="0" rIns="0" tIns="0" bIns="0" anchorCtr="1" anchor="ctr" wrap="none"/>
-            <a:lstStyle/>
-            <a:p>
-              <a:pPr algn="l" marL="0" marR="0" indent="0">
-                <a:lnSpc>
-                  <a:spcPts val="1100"/>
-                </a:lnSpc>
-                <a:spcBef>
-                  <a:spcPts val="0"/>
-                </a:spcBef>
-                <a:spcAft>
-                  <a:spcPts val="0"/>
-                </a:spcAft>
-              </a:pPr>
-              <a:r>
-                <a:rPr sz="1100">
-                  <a:solidFill>
-                    <a:srgbClr val="000000">
-                      <a:alpha val="100000"/>
-                    </a:srgbClr>
-                  </a:solidFill>
-                  <a:latin typeface="Arial"/>
-                  <a:cs typeface="Arial"/>
-                </a:rPr>
-                <a:t>guidelines (n):</a:t>
-              </a:r>
-            </a:p>
-          </p:txBody>
-        </p:sp>
-        <p:sp>
-          <p:nvSpPr>
-            <p:cNvPr id="7" name="pt7"/>
-            <p:cNvSpPr/>
-            <p:nvPr/>
-          </p:nvSpPr>
-          <p:spPr>
-            <a:xfrm>
-              <a:off x="3304549" y="2301627"/>
-              <a:ext cx="144506" cy="144506"/>
-            </a:xfrm>
-            <a:prstGeom prst="ellipse">
-              <a:avLst/>
-            </a:prstGeom>
-            <a:solidFill>
-              <a:srgbClr val="3288BD">
-                <a:alpha val="100000"/>
-              </a:srgbClr>
-            </a:solidFill>
-            <a:ln w="9000" cap="rnd">
-              <a:solidFill>
-                <a:srgbClr val="3288BD">
-                  <a:alpha val="100000"/>
-                </a:srgbClr>
-              </a:solidFill>
-              <a:prstDash val="solid"/>
-              <a:round/>
-            </a:ln>
-          </p:spPr>
-          <p:txBody>
-            <a:bodyPr/>
-            <a:lstStyle/>
-            <a:p/>
-          </p:txBody>
-        </p:sp>
-        <p:sp>
-          <p:nvSpPr>
-            <p:cNvPr id="8" name="pt8"/>
-            <p:cNvSpPr/>
-            <p:nvPr/>
-          </p:nvSpPr>
-          <p:spPr>
-            <a:xfrm>
-              <a:off x="3304549" y="2521083"/>
-              <a:ext cx="144506" cy="144506"/>
-            </a:xfrm>
-            <a:prstGeom prst="ellipse">
-              <a:avLst/>
-            </a:prstGeom>
-            <a:solidFill>
-              <a:srgbClr val="99D594">
-                <a:alpha val="100000"/>
-              </a:srgbClr>
-            </a:solidFill>
-            <a:ln w="9000" cap="rnd">
-              <a:solidFill>
-                <a:srgbClr val="99D594">
-                  <a:alpha val="100000"/>
-                </a:srgbClr>
-              </a:solidFill>
-              <a:prstDash val="solid"/>
-              <a:round/>
-            </a:ln>
-          </p:spPr>
-          <p:txBody>
-            <a:bodyPr/>
-            <a:lstStyle/>
-            <a:p/>
-          </p:txBody>
-        </p:sp>
-        <p:sp>
-          <p:nvSpPr>
-            <p:cNvPr id="9" name="pt9"/>
-            <p:cNvSpPr/>
-            <p:nvPr/>
-          </p:nvSpPr>
-          <p:spPr>
-            <a:xfrm>
-              <a:off x="3304549" y="2740539"/>
-              <a:ext cx="144506" cy="144506"/>
-            </a:xfrm>
-            <a:prstGeom prst="ellipse">
-              <a:avLst/>
-            </a:prstGeom>
-            <a:solidFill>
-              <a:srgbClr val="E6F598">
-                <a:alpha val="100000"/>
-              </a:srgbClr>
-            </a:solidFill>
-            <a:ln w="9000" cap="rnd">
-              <a:solidFill>
-                <a:srgbClr val="E6F598">
-                  <a:alpha val="100000"/>
-                </a:srgbClr>
-              </a:solidFill>
-              <a:prstDash val="solid"/>
-              <a:round/>
-            </a:ln>
-          </p:spPr>
-          <p:txBody>
-            <a:bodyPr/>
-            <a:lstStyle/>
-            <a:p/>
-          </p:txBody>
-        </p:sp>
-        <p:sp>
-          <p:nvSpPr>
-            <p:cNvPr id="10" name="pt10"/>
-            <p:cNvSpPr/>
-            <p:nvPr/>
-          </p:nvSpPr>
-          <p:spPr>
-            <a:xfrm>
-              <a:off x="3304549" y="2959995"/>
-              <a:ext cx="144506" cy="144506"/>
-            </a:xfrm>
-            <a:prstGeom prst="ellipse">
-              <a:avLst/>
-            </a:prstGeom>
-            <a:solidFill>
-              <a:srgbClr val="FEE08B">
-                <a:alpha val="100000"/>
-              </a:srgbClr>
-            </a:solidFill>
-            <a:ln w="9000" cap="rnd">
-              <a:solidFill>
-                <a:srgbClr val="FEE08B">
-                  <a:alpha val="100000"/>
-                </a:srgbClr>
-              </a:solidFill>
-              <a:prstDash val="solid"/>
-              <a:round/>
-            </a:ln>
-          </p:spPr>
-          <p:txBody>
-            <a:bodyPr/>
-            <a:lstStyle/>
-            <a:p/>
-          </p:txBody>
-        </p:sp>
-        <p:sp>
-          <p:nvSpPr>
-            <p:cNvPr id="11" name="pt11"/>
-            <p:cNvSpPr/>
-            <p:nvPr/>
-          </p:nvSpPr>
-          <p:spPr>
-            <a:xfrm>
-              <a:off x="3304549" y="3179451"/>
-              <a:ext cx="144506" cy="144506"/>
-            </a:xfrm>
-            <a:prstGeom prst="ellipse">
-              <a:avLst/>
-            </a:prstGeom>
-            <a:solidFill>
-              <a:srgbClr val="FC8D59">
-                <a:alpha val="100000"/>
-              </a:srgbClr>
-            </a:solidFill>
-            <a:ln w="9000" cap="rnd">
-              <a:solidFill>
-                <a:srgbClr val="FC8D59">
-                  <a:alpha val="100000"/>
-                </a:srgbClr>
-              </a:solidFill>
-              <a:prstDash val="solid"/>
-              <a:round/>
-            </a:ln>
-          </p:spPr>
-          <p:txBody>
-            <a:bodyPr/>
-            <a:lstStyle/>
-            <a:p/>
-          </p:txBody>
-        </p:sp>
-        <p:sp>
-          <p:nvSpPr>
-            <p:cNvPr id="12" name="pt12"/>
-            <p:cNvSpPr/>
-            <p:nvPr/>
-          </p:nvSpPr>
-          <p:spPr>
-            <a:xfrm>
-              <a:off x="3304549" y="3398907"/>
-              <a:ext cx="144506" cy="144506"/>
-            </a:xfrm>
-            <a:prstGeom prst="ellipse">
-              <a:avLst/>
-            </a:prstGeom>
-            <a:solidFill>
-              <a:srgbClr val="D53E4F">
-                <a:alpha val="100000"/>
-              </a:srgbClr>
-            </a:solidFill>
-            <a:ln w="9000" cap="rnd">
-              <a:solidFill>
-                <a:srgbClr val="D53E4F">
-                  <a:alpha val="100000"/>
-                </a:srgbClr>
-              </a:solidFill>
-              <a:prstDash val="solid"/>
-              <a:round/>
-            </a:ln>
-          </p:spPr>
-          <p:txBody>
-            <a:bodyPr/>
-            <a:lstStyle/>
-            <a:p/>
-          </p:txBody>
-        </p:sp>
-        <p:sp>
-          <p:nvSpPr>
-            <p:cNvPr id="13" name="tx13"/>
-            <p:cNvSpPr/>
-            <p:nvPr/>
-          </p:nvSpPr>
-          <p:spPr>
-            <a:xfrm>
-              <a:off x="3556120" y="2308996"/>
-              <a:ext cx="416262" cy="104884"/>
-            </a:xfrm>
-            <a:prstGeom prst="rect">
-              <a:avLst/>
-            </a:prstGeom>
-            <a:noFill/>
-          </p:spPr>
-          <p:txBody>
-            <a:bodyPr lIns="0" rIns="0" tIns="0" bIns="0" anchorCtr="1" anchor="ctr" wrap="none"/>
-            <a:lstStyle/>
-            <a:p>
-              <a:pPr algn="l" marL="0" marR="0" indent="0">
-                <a:lnSpc>
-                  <a:spcPts val="880"/>
-                </a:lnSpc>
-                <a:spcBef>
-                  <a:spcPts val="0"/>
-                </a:spcBef>
-                <a:spcAft>
-                  <a:spcPts val="0"/>
-                </a:spcAft>
-              </a:pPr>
-              <a:r>
-                <a:rPr sz="880">
-                  <a:solidFill>
-                    <a:srgbClr val="000000">
-                      <a:alpha val="100000"/>
-                    </a:srgbClr>
-                  </a:solidFill>
-                  <a:latin typeface="Arial"/>
-                  <a:cs typeface="Arial"/>
-                </a:rPr>
-                <a:t>1 (1508)</a:t>
-              </a:r>
-            </a:p>
-          </p:txBody>
-        </p:sp>
-        <p:sp>
-          <p:nvSpPr>
-            <p:cNvPr id="14" name="tx14"/>
-            <p:cNvSpPr/>
-            <p:nvPr/>
-          </p:nvSpPr>
-          <p:spPr>
-            <a:xfrm>
-              <a:off x="3556120" y="2528452"/>
-              <a:ext cx="354106" cy="104884"/>
-            </a:xfrm>
-            <a:prstGeom prst="rect">
-              <a:avLst/>
-            </a:prstGeom>
-            <a:noFill/>
-          </p:spPr>
-          <p:txBody>
-            <a:bodyPr lIns="0" rIns="0" tIns="0" bIns="0" anchorCtr="1" anchor="ctr" wrap="none"/>
-            <a:lstStyle/>
-            <a:p>
-              <a:pPr algn="l" marL="0" marR="0" indent="0">
-                <a:lnSpc>
-                  <a:spcPts val="880"/>
-                </a:lnSpc>
-                <a:spcBef>
-                  <a:spcPts val="0"/>
-                </a:spcBef>
-                <a:spcAft>
-                  <a:spcPts val="0"/>
-                </a:spcAft>
-              </a:pPr>
-              <a:r>
-                <a:rPr sz="880">
-                  <a:solidFill>
-                    <a:srgbClr val="000000">
-                      <a:alpha val="100000"/>
-                    </a:srgbClr>
-                  </a:solidFill>
-                  <a:latin typeface="Arial"/>
-                  <a:cs typeface="Arial"/>
-                </a:rPr>
-                <a:t>2 (139)</a:t>
-              </a:r>
-            </a:p>
-          </p:txBody>
-        </p:sp>
-        <p:sp>
-          <p:nvSpPr>
-            <p:cNvPr id="15" name="tx15"/>
-            <p:cNvSpPr/>
-            <p:nvPr/>
-          </p:nvSpPr>
-          <p:spPr>
-            <a:xfrm>
-              <a:off x="3556120" y="2747908"/>
-              <a:ext cx="291951" cy="104884"/>
-            </a:xfrm>
-            <a:prstGeom prst="rect">
-              <a:avLst/>
-            </a:prstGeom>
-            <a:noFill/>
-          </p:spPr>
-          <p:txBody>
-            <a:bodyPr lIns="0" rIns="0" tIns="0" bIns="0" anchorCtr="1" anchor="ctr" wrap="none"/>
-            <a:lstStyle/>
-            <a:p>
-              <a:pPr algn="l" marL="0" marR="0" indent="0">
-                <a:lnSpc>
-                  <a:spcPts val="880"/>
-                </a:lnSpc>
-                <a:spcBef>
-                  <a:spcPts val="0"/>
-                </a:spcBef>
-                <a:spcAft>
-                  <a:spcPts val="0"/>
-                </a:spcAft>
-              </a:pPr>
-              <a:r>
-                <a:rPr sz="880">
-                  <a:solidFill>
-                    <a:srgbClr val="000000">
-                      <a:alpha val="100000"/>
-                    </a:srgbClr>
-                  </a:solidFill>
-                  <a:latin typeface="Arial"/>
-                  <a:cs typeface="Arial"/>
-                </a:rPr>
-                <a:t>3 (36)</a:t>
-              </a:r>
-            </a:p>
-          </p:txBody>
-        </p:sp>
-        <p:sp>
-          <p:nvSpPr>
-            <p:cNvPr id="16" name="tx16"/>
-            <p:cNvSpPr/>
-            <p:nvPr/>
-          </p:nvSpPr>
-          <p:spPr>
-            <a:xfrm>
-              <a:off x="3556120" y="2967364"/>
-              <a:ext cx="291951" cy="104884"/>
-            </a:xfrm>
-            <a:prstGeom prst="rect">
-              <a:avLst/>
-            </a:prstGeom>
-            <a:noFill/>
-          </p:spPr>
-          <p:txBody>
-            <a:bodyPr lIns="0" rIns="0" tIns="0" bIns="0" anchorCtr="1" anchor="ctr" wrap="none"/>
-            <a:lstStyle/>
-            <a:p>
-              <a:pPr algn="l" marL="0" marR="0" indent="0">
-                <a:lnSpc>
-                  <a:spcPts val="880"/>
-                </a:lnSpc>
-                <a:spcBef>
-                  <a:spcPts val="0"/>
-                </a:spcBef>
-                <a:spcAft>
-                  <a:spcPts val="0"/>
-                </a:spcAft>
-              </a:pPr>
-              <a:r>
-                <a:rPr sz="880">
-                  <a:solidFill>
-                    <a:srgbClr val="000000">
-                      <a:alpha val="100000"/>
-                    </a:srgbClr>
-                  </a:solidFill>
-                  <a:latin typeface="Arial"/>
-                  <a:cs typeface="Arial"/>
-                </a:rPr>
-                <a:t>4 (13)</a:t>
-              </a:r>
-            </a:p>
-          </p:txBody>
-        </p:sp>
-        <p:sp>
-          <p:nvSpPr>
-            <p:cNvPr id="17" name="tx17"/>
-            <p:cNvSpPr/>
-            <p:nvPr/>
-          </p:nvSpPr>
-          <p:spPr>
-            <a:xfrm>
-              <a:off x="3556120" y="3186820"/>
-              <a:ext cx="229795" cy="104884"/>
-            </a:xfrm>
-            <a:prstGeom prst="rect">
-              <a:avLst/>
-            </a:prstGeom>
-            <a:noFill/>
-          </p:spPr>
-          <p:txBody>
-            <a:bodyPr lIns="0" rIns="0" tIns="0" bIns="0" anchorCtr="1" anchor="ctr" wrap="none"/>
-            <a:lstStyle/>
-            <a:p>
-              <a:pPr algn="l" marL="0" marR="0" indent="0">
-                <a:lnSpc>
-                  <a:spcPts val="880"/>
-                </a:lnSpc>
-                <a:spcBef>
-                  <a:spcPts val="0"/>
-                </a:spcBef>
-                <a:spcAft>
-                  <a:spcPts val="0"/>
-                </a:spcAft>
-              </a:pPr>
-              <a:r>
-                <a:rPr sz="880">
-                  <a:solidFill>
-                    <a:srgbClr val="000000">
-                      <a:alpha val="100000"/>
-                    </a:srgbClr>
-                  </a:solidFill>
-                  <a:latin typeface="Arial"/>
-                  <a:cs typeface="Arial"/>
-                </a:rPr>
-                <a:t>5 (2)</a:t>
-              </a:r>
-            </a:p>
-          </p:txBody>
-        </p:sp>
-        <p:sp>
-          <p:nvSpPr>
-            <p:cNvPr id="18" name="tx18"/>
-            <p:cNvSpPr/>
-            <p:nvPr/>
-          </p:nvSpPr>
-          <p:spPr>
-            <a:xfrm>
-              <a:off x="3556120" y="3406276"/>
-              <a:ext cx="229795" cy="104884"/>
-            </a:xfrm>
-            <a:prstGeom prst="rect">
-              <a:avLst/>
-            </a:prstGeom>
-            <a:noFill/>
-          </p:spPr>
-          <p:txBody>
-            <a:bodyPr lIns="0" rIns="0" tIns="0" bIns="0" anchorCtr="1" anchor="ctr" wrap="none"/>
-            <a:lstStyle/>
-            <a:p>
-              <a:pPr algn="l" marL="0" marR="0" indent="0">
-                <a:lnSpc>
-                  <a:spcPts val="880"/>
-                </a:lnSpc>
-                <a:spcBef>
-                  <a:spcPts val="0"/>
-                </a:spcBef>
-                <a:spcAft>
-                  <a:spcPts val="0"/>
-                </a:spcAft>
-              </a:pPr>
-              <a:r>
-                <a:rPr sz="880">
-                  <a:solidFill>
-                    <a:srgbClr val="000000">
-                      <a:alpha val="100000"/>
-                    </a:srgbClr>
-                  </a:solidFill>
-                  <a:latin typeface="Arial"/>
-                  <a:cs typeface="Arial"/>
-                </a:rPr>
-                <a:t>6 (2)</a:t>
-              </a:r>
-            </a:p>
-          </p:txBody>
-        </p:sp>
-      </p:grpSp>
-    </p:spTree>
-  </p:cSld>
-  <p:clrMapOvr>
-    <a:masterClrMapping/>
-  </p:clrMapOvr>
-</p:sld>
-</file>
-
-<file path=ppt/slides/slide13.xml><?xml version="1.0" encoding="utf-8"?>
-<p:sld xmlns:a="http://schemas.openxmlformats.org/drawingml/2006/main" xmlns:r="http://schemas.openxmlformats.org/officeDocument/2006/relationships" xmlns:p="http://schemas.openxmlformats.org/presentationml/2006/main">
-  <p:cSld>
-    <p:spTree>
-      <p:nvGrpSpPr>
-        <p:cNvPr id="1" name=""/>
-        <p:cNvGrpSpPr/>
-        <p:nvPr/>
-      </p:nvGrpSpPr>
-      <p:grpSpPr>
-        <a:xfrm>
-          <a:off x="0" y="0"/>
-          <a:ext cx="0" cy="0"/>
-          <a:chOff x="0" y="0"/>
-          <a:chExt cx="0" cy="0"/>
-        </a:xfrm>
-      </p:grpSpPr>
-      <p:grpSp xmlns:a="http://schemas.openxmlformats.org/drawingml/2006/main" xmlns:r="http://schemas.openxmlformats.org/officeDocument/2006/relationships" xmlns:p="http://schemas.openxmlformats.org/presentationml/2006/main" xmlns:pic="http://schemas.openxmlformats.org/drawingml/2006/picture">
-        <p:nvGrpSpPr>
-          <p:cNvPr id="2" name=""/>
-          <p:cNvGrpSpPr/>
-          <p:nvPr/>
-        </p:nvGrpSpPr>
-        <p:grpSpPr>
-          <a:xfrm>
-            <a:off x="1190625" y="1079500"/>
-            <a:ext cx="5181600" cy="3171825"/>
-            <a:chOff x="1190625" y="1079500"/>
-            <a:chExt cx="5181600" cy="3171825"/>
-          </a:xfrm>
-        </p:grpSpPr>
-        <p:sp>
-          <p:nvSpPr>
-            <p:cNvPr id="3" name="rc3"/>
-            <p:cNvSpPr/>
-            <p:nvPr/>
-          </p:nvSpPr>
-          <p:spPr>
-            <a:xfrm>
-              <a:off x="1190625" y="1079499"/>
-              <a:ext cx="5181599" cy="3171825"/>
-            </a:xfrm>
-            <a:prstGeom prst="rect">
-              <a:avLst/>
-            </a:prstGeom>
-            <a:solidFill>
-              <a:srgbClr val="FFFFFF">
-                <a:alpha val="100000"/>
-              </a:srgbClr>
-            </a:solidFill>
-            <a:ln w="9525" cap="rnd">
-              <a:solidFill>
-                <a:srgbClr val="FFFFFF">
-                  <a:alpha val="100000"/>
-                </a:srgbClr>
-              </a:solidFill>
-              <a:prstDash val="solid"/>
-              <a:round/>
-            </a:ln>
-          </p:spPr>
-          <p:txBody>
-            <a:bodyPr/>
-            <a:lstStyle/>
-            <a:p/>
-          </p:txBody>
-        </p:sp>
-        <p:sp>
-          <p:nvSpPr>
-            <p:cNvPr id="4" name="tx4"/>
-            <p:cNvSpPr/>
-            <p:nvPr/>
-          </p:nvSpPr>
-          <p:spPr>
-            <a:xfrm>
-              <a:off x="3267075" y="1768031"/>
-              <a:ext cx="1024762" cy="103342"/>
-            </a:xfrm>
-            <a:prstGeom prst="rect">
-              <a:avLst/>
-            </a:prstGeom>
-            <a:noFill/>
-          </p:spPr>
-          <p:txBody>
-            <a:bodyPr lIns="0" rIns="0" tIns="0" bIns="0" anchorCtr="1" anchor="ctr" wrap="none"/>
-            <a:lstStyle/>
-            <a:p>
-              <a:pPr algn="l" marL="0" marR="0" indent="0">
-                <a:lnSpc>
-                  <a:spcPts val="1100"/>
-                </a:lnSpc>
-                <a:spcBef>
-                  <a:spcPts val="0"/>
-                </a:spcBef>
-                <a:spcAft>
-                  <a:spcPts val="0"/>
-                </a:spcAft>
-              </a:pPr>
-              <a:r>
-                <a:rPr sz="1100">
-                  <a:solidFill>
-                    <a:srgbClr val="000000">
-                      <a:alpha val="100000"/>
-                    </a:srgbClr>
-                  </a:solidFill>
-                  <a:latin typeface="Arial"/>
-                  <a:cs typeface="Arial"/>
-                </a:rPr>
-                <a:t>Number of times</a:t>
-              </a:r>
-            </a:p>
-          </p:txBody>
-        </p:sp>
-        <p:sp>
-          <p:nvSpPr>
-            <p:cNvPr id="5" name="tx5"/>
-            <p:cNvSpPr/>
-            <p:nvPr/>
-          </p:nvSpPr>
-          <p:spPr>
-            <a:xfrm>
-              <a:off x="3267075" y="1920612"/>
-              <a:ext cx="745362" cy="101637"/>
-            </a:xfrm>
-            <a:prstGeom prst="rect">
-              <a:avLst/>
-            </a:prstGeom>
-            <a:noFill/>
-          </p:spPr>
-          <p:txBody>
-            <a:bodyPr lIns="0" rIns="0" tIns="0" bIns="0" anchorCtr="1" anchor="ctr" wrap="none"/>
-            <a:lstStyle/>
-            <a:p>
-              <a:pPr algn="l" marL="0" marR="0" indent="0">
-                <a:lnSpc>
-                  <a:spcPts val="1100"/>
-                </a:lnSpc>
-                <a:spcBef>
-                  <a:spcPts val="0"/>
-                </a:spcBef>
-                <a:spcAft>
-                  <a:spcPts val="0"/>
-                </a:spcAft>
-              </a:pPr>
-              <a:r>
-                <a:rPr sz="1100">
-                  <a:solidFill>
-                    <a:srgbClr val="000000">
-                      <a:alpha val="100000"/>
-                    </a:srgbClr>
-                  </a:solidFill>
-                  <a:latin typeface="Arial"/>
-                  <a:cs typeface="Arial"/>
-                </a:rPr>
-                <a:t>cited across</a:t>
-              </a:r>
-            </a:p>
-          </p:txBody>
-        </p:sp>
-        <p:sp>
-          <p:nvSpPr>
-            <p:cNvPr id="6" name="tx6"/>
-            <p:cNvSpPr/>
-            <p:nvPr/>
-          </p:nvSpPr>
-          <p:spPr>
-            <a:xfrm>
-              <a:off x="3267075" y="2042020"/>
-              <a:ext cx="877490" cy="131105"/>
-            </a:xfrm>
-            <a:prstGeom prst="rect">
-              <a:avLst/>
-            </a:prstGeom>
-            <a:noFill/>
-          </p:spPr>
-          <p:txBody>
-            <a:bodyPr lIns="0" rIns="0" tIns="0" bIns="0" anchorCtr="1" anchor="ctr" wrap="none"/>
-            <a:lstStyle/>
-            <a:p>
-              <a:pPr algn="l" marL="0" marR="0" indent="0">
-                <a:lnSpc>
-                  <a:spcPts val="1100"/>
-                </a:lnSpc>
-                <a:spcBef>
-                  <a:spcPts val="0"/>
-                </a:spcBef>
-                <a:spcAft>
-                  <a:spcPts val="0"/>
-                </a:spcAft>
-              </a:pPr>
-              <a:r>
-                <a:rPr sz="1100">
-                  <a:solidFill>
-                    <a:srgbClr val="000000">
-                      <a:alpha val="100000"/>
-                    </a:srgbClr>
-                  </a:solidFill>
-                  <a:latin typeface="Arial"/>
-                  <a:cs typeface="Arial"/>
-                </a:rPr>
-                <a:t>guidelines (n):</a:t>
-              </a:r>
-            </a:p>
-          </p:txBody>
-        </p:sp>
-        <p:sp>
-          <p:nvSpPr>
-            <p:cNvPr id="7" name="pt7"/>
-            <p:cNvSpPr/>
-            <p:nvPr/>
-          </p:nvSpPr>
-          <p:spPr>
-            <a:xfrm>
-              <a:off x="3304549" y="2301627"/>
-              <a:ext cx="144506" cy="144506"/>
-            </a:xfrm>
-            <a:prstGeom prst="ellipse">
-              <a:avLst/>
-            </a:prstGeom>
-            <a:solidFill>
-              <a:srgbClr val="3288BD">
-                <a:alpha val="100000"/>
-              </a:srgbClr>
-            </a:solidFill>
-            <a:ln w="9000" cap="rnd">
-              <a:solidFill>
-                <a:srgbClr val="3288BD">
-                  <a:alpha val="100000"/>
-                </a:srgbClr>
-              </a:solidFill>
-              <a:prstDash val="solid"/>
-              <a:round/>
-            </a:ln>
-          </p:spPr>
-          <p:txBody>
-            <a:bodyPr/>
-            <a:lstStyle/>
-            <a:p/>
-          </p:txBody>
-        </p:sp>
-        <p:sp>
-          <p:nvSpPr>
-            <p:cNvPr id="8" name="pt8"/>
-            <p:cNvSpPr/>
-            <p:nvPr/>
-          </p:nvSpPr>
-          <p:spPr>
-            <a:xfrm>
-              <a:off x="3304549" y="2521083"/>
-              <a:ext cx="144506" cy="144506"/>
-            </a:xfrm>
-            <a:prstGeom prst="ellipse">
-              <a:avLst/>
-            </a:prstGeom>
-            <a:solidFill>
-              <a:srgbClr val="99D594">
-                <a:alpha val="100000"/>
-              </a:srgbClr>
-            </a:solidFill>
-            <a:ln w="9000" cap="rnd">
-              <a:solidFill>
-                <a:srgbClr val="99D594">
-                  <a:alpha val="100000"/>
-                </a:srgbClr>
-              </a:solidFill>
-              <a:prstDash val="solid"/>
-              <a:round/>
-            </a:ln>
-          </p:spPr>
-          <p:txBody>
-            <a:bodyPr/>
-            <a:lstStyle/>
-            <a:p/>
-          </p:txBody>
-        </p:sp>
-        <p:sp>
-          <p:nvSpPr>
-            <p:cNvPr id="9" name="pt9"/>
-            <p:cNvSpPr/>
-            <p:nvPr/>
-          </p:nvSpPr>
-          <p:spPr>
-            <a:xfrm>
-              <a:off x="3304549" y="2740539"/>
-              <a:ext cx="144506" cy="144506"/>
-            </a:xfrm>
-            <a:prstGeom prst="ellipse">
-              <a:avLst/>
-            </a:prstGeom>
-            <a:solidFill>
-              <a:srgbClr val="E6F598">
-                <a:alpha val="100000"/>
-              </a:srgbClr>
-            </a:solidFill>
-            <a:ln w="9000" cap="rnd">
-              <a:solidFill>
-                <a:srgbClr val="E6F598">
-                  <a:alpha val="100000"/>
-                </a:srgbClr>
-              </a:solidFill>
-              <a:prstDash val="solid"/>
-              <a:round/>
-            </a:ln>
-          </p:spPr>
-          <p:txBody>
-            <a:bodyPr/>
-            <a:lstStyle/>
-            <a:p/>
-          </p:txBody>
-        </p:sp>
-        <p:sp>
-          <p:nvSpPr>
-            <p:cNvPr id="10" name="pt10"/>
-            <p:cNvSpPr/>
-            <p:nvPr/>
-          </p:nvSpPr>
-          <p:spPr>
-            <a:xfrm>
-              <a:off x="3304549" y="2959995"/>
-              <a:ext cx="144506" cy="144506"/>
-            </a:xfrm>
-            <a:prstGeom prst="ellipse">
-              <a:avLst/>
-            </a:prstGeom>
-            <a:solidFill>
-              <a:srgbClr val="FEE08B">
-                <a:alpha val="100000"/>
-              </a:srgbClr>
-            </a:solidFill>
-            <a:ln w="9000" cap="rnd">
-              <a:solidFill>
-                <a:srgbClr val="FEE08B">
-                  <a:alpha val="100000"/>
-                </a:srgbClr>
-              </a:solidFill>
-              <a:prstDash val="solid"/>
-              <a:round/>
-            </a:ln>
-          </p:spPr>
-          <p:txBody>
-            <a:bodyPr/>
-            <a:lstStyle/>
-            <a:p/>
-          </p:txBody>
-        </p:sp>
-        <p:sp>
-          <p:nvSpPr>
-            <p:cNvPr id="11" name="pt11"/>
-            <p:cNvSpPr/>
-            <p:nvPr/>
-          </p:nvSpPr>
-          <p:spPr>
-            <a:xfrm>
-              <a:off x="3304549" y="3179451"/>
-              <a:ext cx="144506" cy="144506"/>
-            </a:xfrm>
-            <a:prstGeom prst="ellipse">
-              <a:avLst/>
-            </a:prstGeom>
-            <a:solidFill>
-              <a:srgbClr val="FC8D59">
-                <a:alpha val="100000"/>
-              </a:srgbClr>
-            </a:solidFill>
-            <a:ln w="9000" cap="rnd">
-              <a:solidFill>
-                <a:srgbClr val="FC8D59">
-                  <a:alpha val="100000"/>
-                </a:srgbClr>
-              </a:solidFill>
-              <a:prstDash val="solid"/>
-              <a:round/>
-            </a:ln>
-          </p:spPr>
-          <p:txBody>
-            <a:bodyPr/>
-            <a:lstStyle/>
-            <a:p/>
-          </p:txBody>
-        </p:sp>
-        <p:sp>
-          <p:nvSpPr>
-            <p:cNvPr id="12" name="pt12"/>
-            <p:cNvSpPr/>
-            <p:nvPr/>
-          </p:nvSpPr>
-          <p:spPr>
-            <a:xfrm>
-              <a:off x="3304549" y="3398907"/>
-              <a:ext cx="144506" cy="144506"/>
-            </a:xfrm>
-            <a:prstGeom prst="ellipse">
-              <a:avLst/>
-            </a:prstGeom>
-            <a:solidFill>
-              <a:srgbClr val="D53E4F">
-                <a:alpha val="100000"/>
-              </a:srgbClr>
-            </a:solidFill>
-            <a:ln w="9000" cap="rnd">
-              <a:solidFill>
-                <a:srgbClr val="D53E4F">
-                  <a:alpha val="100000"/>
-                </a:srgbClr>
-              </a:solidFill>
-              <a:prstDash val="solid"/>
-              <a:round/>
-            </a:ln>
-          </p:spPr>
-          <p:txBody>
-            <a:bodyPr/>
-            <a:lstStyle/>
-            <a:p/>
-          </p:txBody>
-        </p:sp>
-        <p:sp>
-          <p:nvSpPr>
-            <p:cNvPr id="13" name="tx13"/>
-            <p:cNvSpPr/>
-            <p:nvPr/>
-          </p:nvSpPr>
-          <p:spPr>
-            <a:xfrm>
-              <a:off x="3556120" y="2308996"/>
-              <a:ext cx="416262" cy="104884"/>
-            </a:xfrm>
-            <a:prstGeom prst="rect">
-              <a:avLst/>
-            </a:prstGeom>
-            <a:noFill/>
-          </p:spPr>
-          <p:txBody>
-            <a:bodyPr lIns="0" rIns="0" tIns="0" bIns="0" anchorCtr="1" anchor="ctr" wrap="none"/>
-            <a:lstStyle/>
-            <a:p>
-              <a:pPr algn="l" marL="0" marR="0" indent="0">
-                <a:lnSpc>
-                  <a:spcPts val="880"/>
-                </a:lnSpc>
-                <a:spcBef>
-                  <a:spcPts val="0"/>
-                </a:spcBef>
-                <a:spcAft>
-                  <a:spcPts val="0"/>
-                </a:spcAft>
-              </a:pPr>
-              <a:r>
-                <a:rPr sz="880">
-                  <a:solidFill>
-                    <a:srgbClr val="000000">
-                      <a:alpha val="100000"/>
-                    </a:srgbClr>
-                  </a:solidFill>
-                  <a:latin typeface="Arial"/>
-                  <a:cs typeface="Arial"/>
-                </a:rPr>
-                <a:t>1 (1508)</a:t>
-              </a:r>
-            </a:p>
-          </p:txBody>
-        </p:sp>
-        <p:sp>
-          <p:nvSpPr>
-            <p:cNvPr id="14" name="tx14"/>
-            <p:cNvSpPr/>
-            <p:nvPr/>
-          </p:nvSpPr>
-          <p:spPr>
-            <a:xfrm>
-              <a:off x="3556120" y="2528452"/>
-              <a:ext cx="354106" cy="104884"/>
-            </a:xfrm>
-            <a:prstGeom prst="rect">
-              <a:avLst/>
-            </a:prstGeom>
-            <a:noFill/>
-          </p:spPr>
-          <p:txBody>
-            <a:bodyPr lIns="0" rIns="0" tIns="0" bIns="0" anchorCtr="1" anchor="ctr" wrap="none"/>
-            <a:lstStyle/>
-            <a:p>
-              <a:pPr algn="l" marL="0" marR="0" indent="0">
-                <a:lnSpc>
-                  <a:spcPts val="880"/>
-                </a:lnSpc>
-                <a:spcBef>
-                  <a:spcPts val="0"/>
-                </a:spcBef>
-                <a:spcAft>
-                  <a:spcPts val="0"/>
-                </a:spcAft>
-              </a:pPr>
-              <a:r>
-                <a:rPr sz="880">
-                  <a:solidFill>
-                    <a:srgbClr val="000000">
-                      <a:alpha val="100000"/>
-                    </a:srgbClr>
-                  </a:solidFill>
-                  <a:latin typeface="Arial"/>
-                  <a:cs typeface="Arial"/>
-                </a:rPr>
-                <a:t>2 (139)</a:t>
-              </a:r>
-            </a:p>
-          </p:txBody>
-        </p:sp>
-        <p:sp>
-          <p:nvSpPr>
-            <p:cNvPr id="15" name="tx15"/>
-            <p:cNvSpPr/>
-            <p:nvPr/>
-          </p:nvSpPr>
-          <p:spPr>
-            <a:xfrm>
-              <a:off x="3556120" y="2747908"/>
-              <a:ext cx="291951" cy="104884"/>
-            </a:xfrm>
-            <a:prstGeom prst="rect">
-              <a:avLst/>
-            </a:prstGeom>
-            <a:noFill/>
-          </p:spPr>
-          <p:txBody>
-            <a:bodyPr lIns="0" rIns="0" tIns="0" bIns="0" anchorCtr="1" anchor="ctr" wrap="none"/>
-            <a:lstStyle/>
-            <a:p>
-              <a:pPr algn="l" marL="0" marR="0" indent="0">
-                <a:lnSpc>
-                  <a:spcPts val="880"/>
-                </a:lnSpc>
-                <a:spcBef>
-                  <a:spcPts val="0"/>
-                </a:spcBef>
-                <a:spcAft>
-                  <a:spcPts val="0"/>
-                </a:spcAft>
-              </a:pPr>
-              <a:r>
-                <a:rPr sz="880">
-                  <a:solidFill>
-                    <a:srgbClr val="000000">
-                      <a:alpha val="100000"/>
-                    </a:srgbClr>
-                  </a:solidFill>
-                  <a:latin typeface="Arial"/>
-                  <a:cs typeface="Arial"/>
-                </a:rPr>
-                <a:t>3 (36)</a:t>
-              </a:r>
-            </a:p>
-          </p:txBody>
-        </p:sp>
-        <p:sp>
-          <p:nvSpPr>
-            <p:cNvPr id="16" name="tx16"/>
-            <p:cNvSpPr/>
-            <p:nvPr/>
-          </p:nvSpPr>
-          <p:spPr>
-            <a:xfrm>
-              <a:off x="3556120" y="2967364"/>
-              <a:ext cx="291951" cy="104884"/>
-            </a:xfrm>
-            <a:prstGeom prst="rect">
-              <a:avLst/>
-            </a:prstGeom>
-            <a:noFill/>
-          </p:spPr>
-          <p:txBody>
-            <a:bodyPr lIns="0" rIns="0" tIns="0" bIns="0" anchorCtr="1" anchor="ctr" wrap="none"/>
-            <a:lstStyle/>
-            <a:p>
-              <a:pPr algn="l" marL="0" marR="0" indent="0">
-                <a:lnSpc>
-                  <a:spcPts val="880"/>
-                </a:lnSpc>
-                <a:spcBef>
-                  <a:spcPts val="0"/>
-                </a:spcBef>
-                <a:spcAft>
-                  <a:spcPts val="0"/>
-                </a:spcAft>
-              </a:pPr>
-              <a:r>
-                <a:rPr sz="880">
-                  <a:solidFill>
-                    <a:srgbClr val="000000">
-                      <a:alpha val="100000"/>
-                    </a:srgbClr>
-                  </a:solidFill>
-                  <a:latin typeface="Arial"/>
-                  <a:cs typeface="Arial"/>
-                </a:rPr>
-                <a:t>4 (13)</a:t>
-              </a:r>
-            </a:p>
-          </p:txBody>
-        </p:sp>
-        <p:sp>
-          <p:nvSpPr>
-            <p:cNvPr id="17" name="tx17"/>
-            <p:cNvSpPr/>
-            <p:nvPr/>
-          </p:nvSpPr>
-          <p:spPr>
-            <a:xfrm>
-              <a:off x="3556120" y="3186820"/>
-              <a:ext cx="229795" cy="104884"/>
-            </a:xfrm>
-            <a:prstGeom prst="rect">
-              <a:avLst/>
-            </a:prstGeom>
-            <a:noFill/>
-          </p:spPr>
-          <p:txBody>
-            <a:bodyPr lIns="0" rIns="0" tIns="0" bIns="0" anchorCtr="1" anchor="ctr" wrap="none"/>
-            <a:lstStyle/>
-            <a:p>
-              <a:pPr algn="l" marL="0" marR="0" indent="0">
-                <a:lnSpc>
-                  <a:spcPts val="880"/>
-                </a:lnSpc>
-                <a:spcBef>
-                  <a:spcPts val="0"/>
-                </a:spcBef>
-                <a:spcAft>
-                  <a:spcPts val="0"/>
-                </a:spcAft>
-              </a:pPr>
-              <a:r>
-                <a:rPr sz="880">
-                  <a:solidFill>
-                    <a:srgbClr val="000000">
-                      <a:alpha val="100000"/>
-                    </a:srgbClr>
-                  </a:solidFill>
-                  <a:latin typeface="Arial"/>
-                  <a:cs typeface="Arial"/>
-                </a:rPr>
-                <a:t>5 (2)</a:t>
-              </a:r>
-            </a:p>
-          </p:txBody>
-        </p:sp>
-        <p:sp>
-          <p:nvSpPr>
-            <p:cNvPr id="18" name="tx18"/>
-            <p:cNvSpPr/>
-            <p:nvPr/>
-          </p:nvSpPr>
-          <p:spPr>
-            <a:xfrm>
-              <a:off x="3556120" y="3406276"/>
-              <a:ext cx="229795" cy="104884"/>
-            </a:xfrm>
-            <a:prstGeom prst="rect">
-              <a:avLst/>
-            </a:prstGeom>
-            <a:noFill/>
-          </p:spPr>
-          <p:txBody>
-            <a:bodyPr lIns="0" rIns="0" tIns="0" bIns="0" anchorCtr="1" anchor="ctr" wrap="none"/>
-            <a:lstStyle/>
-            <a:p>
-              <a:pPr algn="l" marL="0" marR="0" indent="0">
-                <a:lnSpc>
-                  <a:spcPts val="880"/>
-                </a:lnSpc>
-                <a:spcBef>
-                  <a:spcPts val="0"/>
-                </a:spcBef>
-                <a:spcAft>
-                  <a:spcPts val="0"/>
-                </a:spcAft>
-              </a:pPr>
-              <a:r>
-                <a:rPr sz="880">
-                  <a:solidFill>
-                    <a:srgbClr val="000000">
-                      <a:alpha val="100000"/>
-                    </a:srgbClr>
-                  </a:solidFill>
-                  <a:latin typeface="Arial"/>
-                  <a:cs typeface="Arial"/>
-                </a:rPr>
-                <a:t>6 (2)</a:t>
-              </a:r>
-            </a:p>
-          </p:txBody>
-        </p:sp>
-      </p:grpSp>
-    </p:spTree>
-  </p:cSld>
-  <p:clrMapOvr>
-    <a:masterClrMapping/>
-  </p:clrMapOvr>
-</p:sld>
-</file>
-
 <file path=ppt/slides/slide2.xml><?xml version="1.0" encoding="utf-8"?>
 <p:sld xmlns:a="http://schemas.openxmlformats.org/drawingml/2006/main" xmlns:r="http://schemas.openxmlformats.org/officeDocument/2006/relationships" xmlns:p="http://schemas.openxmlformats.org/presentationml/2006/main">
   <p:cSld>
@@ -8559,43 +5758,6 @@
           <a:chExt cx="0" cy="0"/>
         </a:xfrm>
       </p:grpSpPr>
-      <p:sp>
-        <p:nvSpPr>
-          <p:cNvPr id="3" name="rc3"/>
-          <p:cNvSpPr/>
-          <p:nvPr/>
-        </p:nvSpPr>
-        <p:spPr>
-          <a:xfrm>
-            <a:off x="1048927" y="676077"/>
-            <a:ext cx="5181599" cy="3105150"/>
-          </a:xfrm>
-          <a:prstGeom prst="rect">
-            <a:avLst/>
-          </a:prstGeom>
-          <a:solidFill>
-            <a:srgbClr val="FFFFFF">
-              <a:alpha val="100000"/>
-            </a:srgbClr>
-          </a:solidFill>
-          <a:ln w="9525" cap="rnd">
-            <a:solidFill>
-              <a:srgbClr val="FFFFFF">
-                <a:alpha val="100000"/>
-              </a:srgbClr>
-            </a:solidFill>
-            <a:prstDash val="solid"/>
-            <a:round/>
-          </a:ln>
-        </p:spPr>
-        <p:txBody>
-          <a:bodyPr/>
-          <a:lstStyle/>
-          <a:p>
-            <a:endParaRPr dirty="0"/>
-          </a:p>
-        </p:txBody>
-      </p:sp>
       <p:grpSp>
         <p:nvGrpSpPr>
           <p:cNvPr id="25" name="Group 24">
@@ -8611,9 +5773,9 @@
         <p:grpSpPr>
           <a:xfrm>
             <a:off x="3343275" y="1650718"/>
-            <a:ext cx="1024762" cy="1743650"/>
+            <a:ext cx="1024762" cy="1346920"/>
             <a:chOff x="3343275" y="1650718"/>
-            <a:chExt cx="1024762" cy="1743650"/>
+            <a:chExt cx="1024762" cy="1346920"/>
           </a:xfrm>
         </p:grpSpPr>
         <p:sp>
@@ -8624,7 +5786,7 @@
           </p:nvSpPr>
           <p:spPr>
             <a:xfrm>
-              <a:off x="3375118" y="3052914"/>
+              <a:off x="3375118" y="2853132"/>
               <a:ext cx="144506" cy="144506"/>
             </a:xfrm>
             <a:prstGeom prst="ellipse">
@@ -8705,9 +5867,9 @@
           <p:grpSpPr>
             <a:xfrm>
               <a:off x="3343275" y="1650718"/>
-              <a:ext cx="1024762" cy="1743650"/>
+              <a:ext cx="1024762" cy="1324049"/>
               <a:chOff x="3343275" y="1650718"/>
-              <a:chExt cx="1024762" cy="1743650"/>
+              <a:chExt cx="1024762" cy="1324049"/>
             </a:xfrm>
           </p:grpSpPr>
           <p:grpSp>
@@ -8871,50 +6033,13 @@
           </p:grpSp>
           <p:sp>
             <p:nvSpPr>
-              <p:cNvPr id="9" name="pt9"/>
-              <p:cNvSpPr/>
-              <p:nvPr/>
-            </p:nvSpPr>
-            <p:spPr>
-              <a:xfrm>
-                <a:off x="3375118" y="3249862"/>
-                <a:ext cx="144506" cy="144506"/>
-              </a:xfrm>
-              <a:prstGeom prst="ellipse">
-                <a:avLst/>
-              </a:prstGeom>
-              <a:solidFill>
-                <a:srgbClr val="ABDDA4">
-                  <a:alpha val="100000"/>
-                </a:srgbClr>
-              </a:solidFill>
-              <a:ln w="9000" cap="rnd">
-                <a:solidFill>
-                  <a:srgbClr val="ABDDA4">
-                    <a:alpha val="100000"/>
-                  </a:srgbClr>
-                </a:solidFill>
-                <a:prstDash val="solid"/>
-                <a:round/>
-              </a:ln>
-            </p:spPr>
-            <p:txBody>
-              <a:bodyPr/>
-              <a:lstStyle/>
-              <a:p>
-                <a:endParaRPr/>
-              </a:p>
-            </p:txBody>
-          </p:sp>
-          <p:sp>
-            <p:nvSpPr>
               <p:cNvPr id="11" name="pt11"/>
               <p:cNvSpPr/>
               <p:nvPr/>
             </p:nvSpPr>
             <p:spPr>
               <a:xfrm>
-                <a:off x="3375118" y="2842459"/>
+                <a:off x="3375118" y="2644972"/>
                 <a:ext cx="144506" cy="144506"/>
               </a:xfrm>
               <a:prstGeom prst="ellipse">
@@ -8951,7 +6076,7 @@
             </p:nvSpPr>
             <p:spPr>
               <a:xfrm>
-                <a:off x="3375118" y="2637616"/>
+                <a:off x="3375118" y="2436812"/>
                 <a:ext cx="144506" cy="144506"/>
               </a:xfrm>
               <a:prstGeom prst="ellipse">
@@ -8982,50 +6107,13 @@
           </p:sp>
           <p:sp>
             <p:nvSpPr>
-              <p:cNvPr id="13" name="pt13"/>
+              <p:cNvPr id="19" name="tx19"/>
               <p:cNvSpPr/>
               <p:nvPr/>
             </p:nvSpPr>
             <p:spPr>
               <a:xfrm>
-                <a:off x="3380749" y="2437538"/>
-                <a:ext cx="144506" cy="144506"/>
-              </a:xfrm>
-              <a:prstGeom prst="ellipse">
-                <a:avLst/>
-              </a:prstGeom>
-              <a:solidFill>
-                <a:srgbClr val="F46D43">
-                  <a:alpha val="100000"/>
-                </a:srgbClr>
-              </a:solidFill>
-              <a:ln w="9000" cap="rnd">
-                <a:solidFill>
-                  <a:srgbClr val="F46D43">
-                    <a:alpha val="100000"/>
-                  </a:srgbClr>
-                </a:solidFill>
-                <a:prstDash val="solid"/>
-                <a:round/>
-              </a:ln>
-            </p:spPr>
-            <p:txBody>
-              <a:bodyPr/>
-              <a:lstStyle/>
-              <a:p>
-                <a:endParaRPr/>
-              </a:p>
-            </p:txBody>
-          </p:sp>
-          <p:sp>
-            <p:nvSpPr>
-              <p:cNvPr id="17" name="tx17"/>
-              <p:cNvSpPr/>
-              <p:nvPr/>
-            </p:nvSpPr>
-            <p:spPr>
-              <a:xfrm>
-                <a:off x="3625860" y="3269673"/>
+                <a:off x="3594765" y="2869883"/>
                 <a:ext cx="291951" cy="104884"/>
               </a:xfrm>
               <a:prstGeom prst="rect">
@@ -9049,7 +6137,7 @@
                   </a:spcAft>
                 </a:pPr>
                 <a:r>
-                  <a:rPr sz="880" dirty="0">
+                  <a:rPr lang="en-GB" sz="880" dirty="0">
                     <a:solidFill>
                       <a:srgbClr val="000000">
                         <a:alpha val="100000"/>
@@ -9058,42 +6146,8 @@
                     <a:latin typeface="Arial"/>
                     <a:cs typeface="Arial"/>
                   </a:rPr>
-                  <a:t>3 (50)</a:t>
+                  <a:t>3</a:t>
                 </a:r>
-              </a:p>
-            </p:txBody>
-          </p:sp>
-          <p:sp>
-            <p:nvSpPr>
-              <p:cNvPr id="18" name="tx18"/>
-              <p:cNvSpPr/>
-              <p:nvPr/>
-            </p:nvSpPr>
-            <p:spPr>
-              <a:xfrm>
-                <a:off x="3625860" y="3072948"/>
-                <a:ext cx="291951" cy="104884"/>
-              </a:xfrm>
-              <a:prstGeom prst="rect">
-                <a:avLst/>
-              </a:prstGeom>
-              <a:noFill/>
-            </p:spPr>
-            <p:txBody>
-              <a:bodyPr wrap="none" lIns="0" tIns="0" rIns="0" bIns="0" anchor="ctr" anchorCtr="1"/>
-              <a:lstStyle/>
-              <a:p>
-                <a:pPr marL="0" marR="0" indent="0" algn="l">
-                  <a:lnSpc>
-                    <a:spcPts val="880"/>
-                  </a:lnSpc>
-                  <a:spcBef>
-                    <a:spcPts val="0"/>
-                  </a:spcBef>
-                  <a:spcAft>
-                    <a:spcPts val="0"/>
-                  </a:spcAft>
-                </a:pPr>
                 <a:r>
                   <a:rPr sz="880" dirty="0">
                     <a:solidFill>
@@ -9104,42 +6158,20 @@
                     <a:latin typeface="Arial"/>
                     <a:cs typeface="Arial"/>
                   </a:rPr>
-                  <a:t>4 (31)</a:t>
+                  <a:t> (</a:t>
                 </a:r>
-              </a:p>
-            </p:txBody>
-          </p:sp>
-          <p:sp>
-            <p:nvSpPr>
-              <p:cNvPr id="19" name="tx19"/>
-              <p:cNvSpPr/>
-              <p:nvPr/>
-            </p:nvSpPr>
-            <p:spPr>
-              <a:xfrm>
-                <a:off x="3625859" y="2864563"/>
-                <a:ext cx="291951" cy="104884"/>
-              </a:xfrm>
-              <a:prstGeom prst="rect">
-                <a:avLst/>
-              </a:prstGeom>
-              <a:noFill/>
-            </p:spPr>
-            <p:txBody>
-              <a:bodyPr wrap="none" lIns="0" tIns="0" rIns="0" bIns="0" anchor="ctr" anchorCtr="1"/>
-              <a:lstStyle/>
-              <a:p>
-                <a:pPr marL="0" marR="0" indent="0" algn="l">
-                  <a:lnSpc>
-                    <a:spcPts val="880"/>
-                  </a:lnSpc>
-                  <a:spcBef>
-                    <a:spcPts val="0"/>
-                  </a:spcBef>
-                  <a:spcAft>
-                    <a:spcPts val="0"/>
-                  </a:spcAft>
-                </a:pPr>
+                <a:r>
+                  <a:rPr lang="en-GB" sz="880" dirty="0">
+                    <a:solidFill>
+                      <a:srgbClr val="000000">
+                        <a:alpha val="100000"/>
+                      </a:srgbClr>
+                    </a:solidFill>
+                    <a:latin typeface="Arial"/>
+                    <a:cs typeface="Arial"/>
+                  </a:rPr>
+                  <a:t>36</a:t>
+                </a:r>
                 <a:r>
                   <a:rPr sz="880" dirty="0">
                     <a:solidFill>
@@ -9150,7 +6182,7 @@
                     <a:latin typeface="Arial"/>
                     <a:cs typeface="Arial"/>
                   </a:rPr>
-                  <a:t>5 (11)</a:t>
+                  <a:t>)</a:t>
                 </a:r>
               </a:p>
             </p:txBody>
@@ -9163,7 +6195,7 @@
             </p:nvSpPr>
             <p:spPr>
               <a:xfrm>
-                <a:off x="3632317" y="2656999"/>
+                <a:off x="3632320" y="2659707"/>
                 <a:ext cx="229795" cy="104884"/>
               </a:xfrm>
               <a:prstGeom prst="rect">
@@ -9187,6 +6219,18 @@
                   </a:spcAft>
                 </a:pPr>
                 <a:r>
+                  <a:rPr lang="en-GB" sz="880" dirty="0">
+                    <a:solidFill>
+                      <a:srgbClr val="000000">
+                        <a:alpha val="100000"/>
+                      </a:srgbClr>
+                    </a:solidFill>
+                    <a:latin typeface="Arial"/>
+                    <a:cs typeface="Arial"/>
+                  </a:rPr>
+                  <a:t>4</a:t>
+                </a:r>
+                <a:r>
                   <a:rPr sz="880" dirty="0">
                     <a:solidFill>
                       <a:srgbClr val="000000">
@@ -9196,7 +6240,31 @@
                     <a:latin typeface="Arial"/>
                     <a:cs typeface="Arial"/>
                   </a:rPr>
-                  <a:t>6 (6)</a:t>
+                  <a:t> (</a:t>
+                </a:r>
+                <a:r>
+                  <a:rPr lang="en-GB" sz="880" dirty="0">
+                    <a:solidFill>
+                      <a:srgbClr val="000000">
+                        <a:alpha val="100000"/>
+                      </a:srgbClr>
+                    </a:solidFill>
+                    <a:latin typeface="Arial"/>
+                    <a:cs typeface="Arial"/>
+                  </a:rPr>
+                  <a:t>13</a:t>
+                </a:r>
+                <a:r>
+                  <a:rPr sz="880" dirty="0">
+                    <a:solidFill>
+                      <a:srgbClr val="000000">
+                        <a:alpha val="100000"/>
+                      </a:srgbClr>
+                    </a:solidFill>
+                    <a:latin typeface="Arial"/>
+                    <a:cs typeface="Arial"/>
+                  </a:rPr>
+                  <a:t>)</a:t>
                 </a:r>
               </a:p>
             </p:txBody>
@@ -9209,7 +6277,7 @@
             </p:nvSpPr>
             <p:spPr>
               <a:xfrm>
-                <a:off x="3625861" y="2454423"/>
+                <a:off x="3594765" y="2453697"/>
                 <a:ext cx="229795" cy="110735"/>
               </a:xfrm>
               <a:prstGeom prst="rect">
@@ -9233,6 +6301,18 @@
                   </a:spcAft>
                 </a:pPr>
                 <a:r>
+                  <a:rPr lang="en-GB" sz="880" dirty="0">
+                    <a:solidFill>
+                      <a:srgbClr val="000000">
+                        <a:alpha val="100000"/>
+                      </a:srgbClr>
+                    </a:solidFill>
+                    <a:latin typeface="Arial"/>
+                    <a:cs typeface="Arial"/>
+                  </a:rPr>
+                  <a:t>5</a:t>
+                </a:r>
+                <a:r>
                   <a:rPr sz="880" dirty="0">
                     <a:solidFill>
                       <a:srgbClr val="000000">
@@ -9242,7 +6322,7 @@
                     <a:latin typeface="Arial"/>
                     <a:cs typeface="Arial"/>
                   </a:rPr>
-                  <a:t>7 (2)</a:t>
+                  <a:t> (2)</a:t>
                 </a:r>
               </a:p>
             </p:txBody>
@@ -9255,7 +6335,7 @@
             </p:nvSpPr>
             <p:spPr>
               <a:xfrm>
-                <a:off x="3632320" y="2248934"/>
+                <a:off x="3594765" y="2249269"/>
                 <a:ext cx="229795" cy="104884"/>
               </a:xfrm>
               <a:prstGeom prst="rect">
@@ -9279,6 +6359,18 @@
                   </a:spcAft>
                 </a:pPr>
                 <a:r>
+                  <a:rPr lang="en-GB" sz="880" dirty="0">
+                    <a:solidFill>
+                      <a:srgbClr val="000000">
+                        <a:alpha val="100000"/>
+                      </a:srgbClr>
+                    </a:solidFill>
+                    <a:latin typeface="Arial"/>
+                    <a:cs typeface="Arial"/>
+                  </a:rPr>
+                  <a:t>6</a:t>
+                </a:r>
+                <a:r>
                   <a:rPr sz="880" dirty="0">
                     <a:solidFill>
                       <a:srgbClr val="000000">
@@ -9288,7 +6380,31 @@
                     <a:latin typeface="Arial"/>
                     <a:cs typeface="Arial"/>
                   </a:rPr>
-                  <a:t>8 (1)</a:t>
+                  <a:t> (</a:t>
+                </a:r>
+                <a:r>
+                  <a:rPr lang="en-GB" sz="880" dirty="0">
+                    <a:solidFill>
+                      <a:srgbClr val="000000">
+                        <a:alpha val="100000"/>
+                      </a:srgbClr>
+                    </a:solidFill>
+                    <a:latin typeface="Arial"/>
+                    <a:cs typeface="Arial"/>
+                  </a:rPr>
+                  <a:t>2</a:t>
+                </a:r>
+                <a:r>
+                  <a:rPr sz="880" dirty="0">
+                    <a:solidFill>
+                      <a:srgbClr val="000000">
+                        <a:alpha val="100000"/>
+                      </a:srgbClr>
+                    </a:solidFill>
+                    <a:latin typeface="Arial"/>
+                    <a:cs typeface="Arial"/>
+                  </a:rPr>
+                  <a:t>)</a:t>
                 </a:r>
               </a:p>
             </p:txBody>
@@ -11083,9 +8199,9 @@
           <a:chExt cx="0" cy="0"/>
         </a:xfrm>
       </p:grpSpPr>
-      <p:grpSp xmlns:a="http://schemas.openxmlformats.org/drawingml/2006/main" xmlns:r="http://schemas.openxmlformats.org/officeDocument/2006/relationships" xmlns:p="http://schemas.openxmlformats.org/presentationml/2006/main" xmlns:pic="http://schemas.openxmlformats.org/drawingml/2006/picture">
+      <p:grpSp>
         <p:nvGrpSpPr>
-          <p:cNvPr id="2" name=""/>
+          <p:cNvPr id="2" name="Group 1"/>
           <p:cNvGrpSpPr/>
           <p:nvPr/>
         </p:nvGrpSpPr>
@@ -11129,7 +8245,9 @@
           <p:txBody>
             <a:bodyPr/>
             <a:lstStyle/>
-            <a:p/>
+            <a:p>
+              <a:endParaRPr/>
+            </a:p>
           </p:txBody>
         </p:sp>
         <p:sp>
@@ -11149,10 +8267,10 @@
             <a:noFill/>
           </p:spPr>
           <p:txBody>
-            <a:bodyPr lIns="0" rIns="0" tIns="0" bIns="0" anchorCtr="1" anchor="ctr" wrap="none"/>
-            <a:lstStyle/>
-            <a:p>
-              <a:pPr algn="l" marL="0" marR="0" indent="0">
+            <a:bodyPr wrap="none" lIns="0" tIns="0" rIns="0" bIns="0" anchor="ctr" anchorCtr="1"/>
+            <a:lstStyle/>
+            <a:p>
+              <a:pPr marL="0" marR="0" indent="0" algn="l">
                 <a:lnSpc>
                   <a:spcPts val="1100"/>
                 </a:lnSpc>
@@ -11195,10 +8313,10 @@
             <a:noFill/>
           </p:spPr>
           <p:txBody>
-            <a:bodyPr lIns="0" rIns="0" tIns="0" bIns="0" anchorCtr="1" anchor="ctr" wrap="none"/>
-            <a:lstStyle/>
-            <a:p>
-              <a:pPr algn="l" marL="0" marR="0" indent="0">
+            <a:bodyPr wrap="none" lIns="0" tIns="0" rIns="0" bIns="0" anchor="ctr" anchorCtr="1"/>
+            <a:lstStyle/>
+            <a:p>
+              <a:pPr marL="0" marR="0" indent="0" algn="l">
                 <a:lnSpc>
                   <a:spcPts val="1100"/>
                 </a:lnSpc>
@@ -11241,10 +8359,10 @@
             <a:noFill/>
           </p:spPr>
           <p:txBody>
-            <a:bodyPr lIns="0" rIns="0" tIns="0" bIns="0" anchorCtr="1" anchor="ctr" wrap="none"/>
-            <a:lstStyle/>
-            <a:p>
-              <a:pPr algn="l" marL="0" marR="0" indent="0">
+            <a:bodyPr wrap="none" lIns="0" tIns="0" rIns="0" bIns="0" anchor="ctr" anchorCtr="1"/>
+            <a:lstStyle/>
+            <a:p>
+              <a:pPr marL="0" marR="0" indent="0" algn="l">
                 <a:lnSpc>
                   <a:spcPts val="1100"/>
                 </a:lnSpc>
@@ -11302,7 +8420,9 @@
           <p:txBody>
             <a:bodyPr/>
             <a:lstStyle/>
-            <a:p/>
+            <a:p>
+              <a:endParaRPr/>
+            </a:p>
           </p:txBody>
         </p:sp>
         <p:sp>
@@ -11337,7 +8457,9 @@
           <p:txBody>
             <a:bodyPr/>
             <a:lstStyle/>
-            <a:p/>
+            <a:p>
+              <a:endParaRPr/>
+            </a:p>
           </p:txBody>
         </p:sp>
         <p:sp>
@@ -11372,7 +8494,9 @@
           <p:txBody>
             <a:bodyPr/>
             <a:lstStyle/>
-            <a:p/>
+            <a:p>
+              <a:endParaRPr/>
+            </a:p>
           </p:txBody>
         </p:sp>
         <p:sp>
@@ -11407,7 +8531,9 @@
           <p:txBody>
             <a:bodyPr/>
             <a:lstStyle/>
-            <a:p/>
+            <a:p>
+              <a:endParaRPr/>
+            </a:p>
           </p:txBody>
         </p:sp>
         <p:sp>
@@ -11442,7 +8568,9 @@
           <p:txBody>
             <a:bodyPr/>
             <a:lstStyle/>
-            <a:p/>
+            <a:p>
+              <a:endParaRPr/>
+            </a:p>
           </p:txBody>
         </p:sp>
         <p:sp>
@@ -11462,10 +8590,10 @@
             <a:noFill/>
           </p:spPr>
           <p:txBody>
-            <a:bodyPr lIns="0" rIns="0" tIns="0" bIns="0" anchorCtr="1" anchor="ctr" wrap="none"/>
-            <a:lstStyle/>
-            <a:p>
-              <a:pPr algn="l" marL="0" marR="0" indent="0">
+            <a:bodyPr wrap="none" lIns="0" tIns="0" rIns="0" bIns="0" anchor="ctr" anchorCtr="1"/>
+            <a:lstStyle/>
+            <a:p>
+              <a:pPr marL="0" marR="0" indent="0" algn="l">
                 <a:lnSpc>
                   <a:spcPts val="880"/>
                 </a:lnSpc>
@@ -11508,10 +8636,10 @@
             <a:noFill/>
           </p:spPr>
           <p:txBody>
-            <a:bodyPr lIns="0" rIns="0" tIns="0" bIns="0" anchorCtr="1" anchor="ctr" wrap="none"/>
-            <a:lstStyle/>
-            <a:p>
-              <a:pPr algn="l" marL="0" marR="0" indent="0">
+            <a:bodyPr wrap="none" lIns="0" tIns="0" rIns="0" bIns="0" anchor="ctr" anchorCtr="1"/>
+            <a:lstStyle/>
+            <a:p>
+              <a:pPr marL="0" marR="0" indent="0" algn="l">
                 <a:lnSpc>
                   <a:spcPts val="880"/>
                 </a:lnSpc>
@@ -11554,10 +8682,10 @@
             <a:noFill/>
           </p:spPr>
           <p:txBody>
-            <a:bodyPr lIns="0" rIns="0" tIns="0" bIns="0" anchorCtr="1" anchor="ctr" wrap="none"/>
-            <a:lstStyle/>
-            <a:p>
-              <a:pPr algn="l" marL="0" marR="0" indent="0">
+            <a:bodyPr wrap="none" lIns="0" tIns="0" rIns="0" bIns="0" anchor="ctr" anchorCtr="1"/>
+            <a:lstStyle/>
+            <a:p>
+              <a:pPr marL="0" marR="0" indent="0" algn="l">
                 <a:lnSpc>
                   <a:spcPts val="880"/>
                 </a:lnSpc>
@@ -11600,10 +8728,10 @@
             <a:noFill/>
           </p:spPr>
           <p:txBody>
-            <a:bodyPr lIns="0" rIns="0" tIns="0" bIns="0" anchorCtr="1" anchor="ctr" wrap="none"/>
-            <a:lstStyle/>
-            <a:p>
-              <a:pPr algn="l" marL="0" marR="0" indent="0">
+            <a:bodyPr wrap="none" lIns="0" tIns="0" rIns="0" bIns="0" anchor="ctr" anchorCtr="1"/>
+            <a:lstStyle/>
+            <a:p>
+              <a:pPr marL="0" marR="0" indent="0" algn="l">
                 <a:lnSpc>
                   <a:spcPts val="880"/>
                 </a:lnSpc>
@@ -11646,10 +8774,10 @@
             <a:noFill/>
           </p:spPr>
           <p:txBody>
-            <a:bodyPr lIns="0" rIns="0" tIns="0" bIns="0" anchorCtr="1" anchor="ctr" wrap="none"/>
-            <a:lstStyle/>
-            <a:p>
-              <a:pPr algn="l" marL="0" marR="0" indent="0">
+            <a:bodyPr wrap="none" lIns="0" tIns="0" rIns="0" bIns="0" anchor="ctr" anchorCtr="1"/>
+            <a:lstStyle/>
+            <a:p>
+              <a:pPr marL="0" marR="0" indent="0" algn="l">
                 <a:lnSpc>
                   <a:spcPts val="880"/>
                 </a:lnSpc>
@@ -11701,76 +8829,41 @@
           <a:chExt cx="0" cy="0"/>
         </a:xfrm>
       </p:grpSpPr>
-      <p:grpSp xmlns:a="http://schemas.openxmlformats.org/drawingml/2006/main" xmlns:r="http://schemas.openxmlformats.org/officeDocument/2006/relationships" xmlns:p="http://schemas.openxmlformats.org/presentationml/2006/main" xmlns:pic="http://schemas.openxmlformats.org/drawingml/2006/picture">
+      <p:grpSp>
         <p:nvGrpSpPr>
-          <p:cNvPr id="2" name=""/>
+          <p:cNvPr id="2" name="Group 1"/>
           <p:cNvGrpSpPr/>
           <p:nvPr/>
         </p:nvGrpSpPr>
         <p:grpSpPr>
           <a:xfrm>
-            <a:off x="1190625" y="1079500"/>
-            <a:ext cx="5181600" cy="3171825"/>
-            <a:chOff x="1190625" y="1079500"/>
-            <a:chExt cx="5181600" cy="3171825"/>
+            <a:off x="3267075" y="1768031"/>
+            <a:ext cx="1024762" cy="1775382"/>
+            <a:chOff x="3267075" y="1768031"/>
+            <a:chExt cx="1024762" cy="1775382"/>
           </a:xfrm>
         </p:grpSpPr>
         <p:sp>
           <p:nvSpPr>
-            <p:cNvPr id="3" name="rc3"/>
-            <p:cNvSpPr/>
-            <p:nvPr/>
-          </p:nvSpPr>
-          <p:spPr>
-            <a:xfrm>
-              <a:off x="1190625" y="1079499"/>
-              <a:ext cx="5181599" cy="3171825"/>
+            <p:cNvPr id="4" name="tx4"/>
+            <p:cNvSpPr/>
+            <p:nvPr/>
+          </p:nvSpPr>
+          <p:spPr>
+            <a:xfrm>
+              <a:off x="3267075" y="1768031"/>
+              <a:ext cx="1024762" cy="103342"/>
             </a:xfrm>
             <a:prstGeom prst="rect">
               <a:avLst/>
             </a:prstGeom>
-            <a:solidFill>
-              <a:srgbClr val="FFFFFF">
-                <a:alpha val="100000"/>
-              </a:srgbClr>
-            </a:solidFill>
-            <a:ln w="9525" cap="rnd">
-              <a:solidFill>
-                <a:srgbClr val="FFFFFF">
-                  <a:alpha val="100000"/>
-                </a:srgbClr>
-              </a:solidFill>
-              <a:prstDash val="solid"/>
-              <a:round/>
-            </a:ln>
-          </p:spPr>
-          <p:txBody>
-            <a:bodyPr/>
-            <a:lstStyle/>
-            <a:p/>
-          </p:txBody>
-        </p:sp>
-        <p:sp>
-          <p:nvSpPr>
-            <p:cNvPr id="4" name="tx4"/>
-            <p:cNvSpPr/>
-            <p:nvPr/>
-          </p:nvSpPr>
-          <p:spPr>
-            <a:xfrm>
-              <a:off x="3267075" y="1877759"/>
-              <a:ext cx="1024762" cy="103342"/>
-            </a:xfrm>
-            <a:prstGeom prst="rect">
-              <a:avLst/>
-            </a:prstGeom>
             <a:noFill/>
           </p:spPr>
           <p:txBody>
-            <a:bodyPr lIns="0" rIns="0" tIns="0" bIns="0" anchorCtr="1" anchor="ctr" wrap="none"/>
-            <a:lstStyle/>
-            <a:p>
-              <a:pPr algn="l" marL="0" marR="0" indent="0">
+            <a:bodyPr wrap="none" lIns="0" tIns="0" rIns="0" bIns="0" anchor="ctr" anchorCtr="1"/>
+            <a:lstStyle/>
+            <a:p>
+              <a:pPr marL="0" marR="0" indent="0" algn="l">
                 <a:lnSpc>
                   <a:spcPts val="1100"/>
                 </a:lnSpc>
@@ -11782,7 +8875,7 @@
                 </a:spcAft>
               </a:pPr>
               <a:r>
-                <a:rPr sz="1100">
+                <a:rPr sz="1100" dirty="0">
                   <a:solidFill>
                     <a:srgbClr val="000000">
                       <a:alpha val="100000"/>
@@ -11804,7 +8897,7 @@
           </p:nvSpPr>
           <p:spPr>
             <a:xfrm>
-              <a:off x="3267075" y="2030340"/>
+              <a:off x="3267075" y="1920612"/>
               <a:ext cx="745362" cy="101637"/>
             </a:xfrm>
             <a:prstGeom prst="rect">
@@ -11813,10 +8906,10 @@
             <a:noFill/>
           </p:spPr>
           <p:txBody>
-            <a:bodyPr lIns="0" rIns="0" tIns="0" bIns="0" anchorCtr="1" anchor="ctr" wrap="none"/>
-            <a:lstStyle/>
-            <a:p>
-              <a:pPr algn="l" marL="0" marR="0" indent="0">
+            <a:bodyPr wrap="none" lIns="0" tIns="0" rIns="0" bIns="0" anchor="ctr" anchorCtr="1"/>
+            <a:lstStyle/>
+            <a:p>
+              <a:pPr marL="0" marR="0" indent="0" algn="l">
                 <a:lnSpc>
                   <a:spcPts val="1100"/>
                 </a:lnSpc>
@@ -11850,7 +8943,7 @@
           </p:nvSpPr>
           <p:spPr>
             <a:xfrm>
-              <a:off x="3267075" y="2151748"/>
+              <a:off x="3267075" y="2042020"/>
               <a:ext cx="877490" cy="131105"/>
             </a:xfrm>
             <a:prstGeom prst="rect">
@@ -11859,10 +8952,10 @@
             <a:noFill/>
           </p:spPr>
           <p:txBody>
-            <a:bodyPr lIns="0" rIns="0" tIns="0" bIns="0" anchorCtr="1" anchor="ctr" wrap="none"/>
-            <a:lstStyle/>
-            <a:p>
-              <a:pPr algn="l" marL="0" marR="0" indent="0">
+            <a:bodyPr wrap="none" lIns="0" tIns="0" rIns="0" bIns="0" anchor="ctr" anchorCtr="1"/>
+            <a:lstStyle/>
+            <a:p>
+              <a:pPr marL="0" marR="0" indent="0" algn="l">
                 <a:lnSpc>
                   <a:spcPts val="1100"/>
                 </a:lnSpc>
@@ -11896,7 +8989,7 @@
           </p:nvSpPr>
           <p:spPr>
             <a:xfrm>
-              <a:off x="3304549" y="2411355"/>
+              <a:off x="3304549" y="2301627"/>
               <a:ext cx="144506" cy="144506"/>
             </a:xfrm>
             <a:prstGeom prst="ellipse">
@@ -11920,7 +9013,9 @@
           <p:txBody>
             <a:bodyPr/>
             <a:lstStyle/>
-            <a:p/>
+            <a:p>
+              <a:endParaRPr/>
+            </a:p>
           </p:txBody>
         </p:sp>
         <p:sp>
@@ -11931,20 +9026,20 @@
           </p:nvSpPr>
           <p:spPr>
             <a:xfrm>
-              <a:off x="3304549" y="2630811"/>
+              <a:off x="3304549" y="2521083"/>
               <a:ext cx="144506" cy="144506"/>
             </a:xfrm>
             <a:prstGeom prst="ellipse">
               <a:avLst/>
             </a:prstGeom>
             <a:solidFill>
-              <a:srgbClr val="66C2A5">
+              <a:srgbClr val="99D594">
                 <a:alpha val="100000"/>
               </a:srgbClr>
             </a:solidFill>
             <a:ln w="9000" cap="rnd">
               <a:solidFill>
-                <a:srgbClr val="66C2A5">
+                <a:srgbClr val="99D594">
                   <a:alpha val="100000"/>
                 </a:srgbClr>
               </a:solidFill>
@@ -11955,7 +9050,9 @@
           <p:txBody>
             <a:bodyPr/>
             <a:lstStyle/>
-            <a:p/>
+            <a:p>
+              <a:endParaRPr/>
+            </a:p>
           </p:txBody>
         </p:sp>
         <p:sp>
@@ -11966,42 +9063,7 @@
           </p:nvSpPr>
           <p:spPr>
             <a:xfrm>
-              <a:off x="3304549" y="2850267"/>
-              <a:ext cx="144506" cy="144506"/>
-            </a:xfrm>
-            <a:prstGeom prst="ellipse">
-              <a:avLst/>
-            </a:prstGeom>
-            <a:solidFill>
-              <a:srgbClr val="ABDDA4">
-                <a:alpha val="100000"/>
-              </a:srgbClr>
-            </a:solidFill>
-            <a:ln w="9000" cap="rnd">
-              <a:solidFill>
-                <a:srgbClr val="ABDDA4">
-                  <a:alpha val="100000"/>
-                </a:srgbClr>
-              </a:solidFill>
-              <a:prstDash val="solid"/>
-              <a:round/>
-            </a:ln>
-          </p:spPr>
-          <p:txBody>
-            <a:bodyPr/>
-            <a:lstStyle/>
-            <a:p/>
-          </p:txBody>
-        </p:sp>
-        <p:sp>
-          <p:nvSpPr>
-            <p:cNvPr id="10" name="pt10"/>
-            <p:cNvSpPr/>
-            <p:nvPr/>
-          </p:nvSpPr>
-          <p:spPr>
-            <a:xfrm>
-              <a:off x="3304549" y="3069723"/>
+              <a:off x="3304549" y="2740539"/>
               <a:ext cx="144506" cy="144506"/>
             </a:xfrm>
             <a:prstGeom prst="ellipse">
@@ -12025,18 +9087,20 @@
           <p:txBody>
             <a:bodyPr/>
             <a:lstStyle/>
-            <a:p/>
-          </p:txBody>
-        </p:sp>
-        <p:sp>
-          <p:nvSpPr>
-            <p:cNvPr id="11" name="pt11"/>
-            <p:cNvSpPr/>
-            <p:nvPr/>
-          </p:nvSpPr>
-          <p:spPr>
-            <a:xfrm>
-              <a:off x="3304549" y="3289179"/>
+            <a:p>
+              <a:endParaRPr/>
+            </a:p>
+          </p:txBody>
+        </p:sp>
+        <p:sp>
+          <p:nvSpPr>
+            <p:cNvPr id="10" name="pt10"/>
+            <p:cNvSpPr/>
+            <p:nvPr/>
+          </p:nvSpPr>
+          <p:spPr>
+            <a:xfrm>
+              <a:off x="3304549" y="2959995"/>
               <a:ext cx="144506" cy="144506"/>
             </a:xfrm>
             <a:prstGeom prst="ellipse">
@@ -12060,590 +9124,9 @@
           <p:txBody>
             <a:bodyPr/>
             <a:lstStyle/>
-            <a:p/>
-          </p:txBody>
-        </p:sp>
-        <p:sp>
-          <p:nvSpPr>
-            <p:cNvPr id="12" name="tx12"/>
-            <p:cNvSpPr/>
-            <p:nvPr/>
-          </p:nvSpPr>
-          <p:spPr>
-            <a:xfrm>
-              <a:off x="3556120" y="2418724"/>
-              <a:ext cx="416262" cy="104884"/>
-            </a:xfrm>
-            <a:prstGeom prst="rect">
-              <a:avLst/>
-            </a:prstGeom>
-            <a:noFill/>
-          </p:spPr>
-          <p:txBody>
-            <a:bodyPr lIns="0" rIns="0" tIns="0" bIns="0" anchorCtr="1" anchor="ctr" wrap="none"/>
-            <a:lstStyle/>
-            <a:p>
-              <a:pPr algn="l" marL="0" marR="0" indent="0">
-                <a:lnSpc>
-                  <a:spcPts val="880"/>
-                </a:lnSpc>
-                <a:spcBef>
-                  <a:spcPts val="0"/>
-                </a:spcBef>
-                <a:spcAft>
-                  <a:spcPts val="0"/>
-                </a:spcAft>
-              </a:pPr>
-              <a:r>
-                <a:rPr sz="880">
-                  <a:solidFill>
-                    <a:srgbClr val="000000">
-                      <a:alpha val="100000"/>
-                    </a:srgbClr>
-                  </a:solidFill>
-                  <a:latin typeface="Arial"/>
-                  <a:cs typeface="Arial"/>
-                </a:rPr>
-                <a:t>1 (1501)</a:t>
-              </a:r>
-            </a:p>
-          </p:txBody>
-        </p:sp>
-        <p:sp>
-          <p:nvSpPr>
-            <p:cNvPr id="13" name="tx13"/>
-            <p:cNvSpPr/>
-            <p:nvPr/>
-          </p:nvSpPr>
-          <p:spPr>
-            <a:xfrm>
-              <a:off x="3556120" y="2638180"/>
-              <a:ext cx="354106" cy="104884"/>
-            </a:xfrm>
-            <a:prstGeom prst="rect">
-              <a:avLst/>
-            </a:prstGeom>
-            <a:noFill/>
-          </p:spPr>
-          <p:txBody>
-            <a:bodyPr lIns="0" rIns="0" tIns="0" bIns="0" anchorCtr="1" anchor="ctr" wrap="none"/>
-            <a:lstStyle/>
-            <a:p>
-              <a:pPr algn="l" marL="0" marR="0" indent="0">
-                <a:lnSpc>
-                  <a:spcPts val="880"/>
-                </a:lnSpc>
-                <a:spcBef>
-                  <a:spcPts val="0"/>
-                </a:spcBef>
-                <a:spcAft>
-                  <a:spcPts val="0"/>
-                </a:spcAft>
-              </a:pPr>
-              <a:r>
-                <a:rPr sz="880">
-                  <a:solidFill>
-                    <a:srgbClr val="000000">
-                      <a:alpha val="100000"/>
-                    </a:srgbClr>
-                  </a:solidFill>
-                  <a:latin typeface="Arial"/>
-                  <a:cs typeface="Arial"/>
-                </a:rPr>
-                <a:t>2 (139)</a:t>
-              </a:r>
-            </a:p>
-          </p:txBody>
-        </p:sp>
-        <p:sp>
-          <p:nvSpPr>
-            <p:cNvPr id="14" name="tx14"/>
-            <p:cNvSpPr/>
-            <p:nvPr/>
-          </p:nvSpPr>
-          <p:spPr>
-            <a:xfrm>
-              <a:off x="3556120" y="2857636"/>
-              <a:ext cx="291951" cy="104884"/>
-            </a:xfrm>
-            <a:prstGeom prst="rect">
-              <a:avLst/>
-            </a:prstGeom>
-            <a:noFill/>
-          </p:spPr>
-          <p:txBody>
-            <a:bodyPr lIns="0" rIns="0" tIns="0" bIns="0" anchorCtr="1" anchor="ctr" wrap="none"/>
-            <a:lstStyle/>
-            <a:p>
-              <a:pPr algn="l" marL="0" marR="0" indent="0">
-                <a:lnSpc>
-                  <a:spcPts val="880"/>
-                </a:lnSpc>
-                <a:spcBef>
-                  <a:spcPts val="0"/>
-                </a:spcBef>
-                <a:spcAft>
-                  <a:spcPts val="0"/>
-                </a:spcAft>
-              </a:pPr>
-              <a:r>
-                <a:rPr sz="880">
-                  <a:solidFill>
-                    <a:srgbClr val="000000">
-                      <a:alpha val="100000"/>
-                    </a:srgbClr>
-                  </a:solidFill>
-                  <a:latin typeface="Arial"/>
-                  <a:cs typeface="Arial"/>
-                </a:rPr>
-                <a:t>3 (37)</a:t>
-              </a:r>
-            </a:p>
-          </p:txBody>
-        </p:sp>
-        <p:sp>
-          <p:nvSpPr>
-            <p:cNvPr id="15" name="tx15"/>
-            <p:cNvSpPr/>
-            <p:nvPr/>
-          </p:nvSpPr>
-          <p:spPr>
-            <a:xfrm>
-              <a:off x="3556120" y="3077092"/>
-              <a:ext cx="291951" cy="104884"/>
-            </a:xfrm>
-            <a:prstGeom prst="rect">
-              <a:avLst/>
-            </a:prstGeom>
-            <a:noFill/>
-          </p:spPr>
-          <p:txBody>
-            <a:bodyPr lIns="0" rIns="0" tIns="0" bIns="0" anchorCtr="1" anchor="ctr" wrap="none"/>
-            <a:lstStyle/>
-            <a:p>
-              <a:pPr algn="l" marL="0" marR="0" indent="0">
-                <a:lnSpc>
-                  <a:spcPts val="880"/>
-                </a:lnSpc>
-                <a:spcBef>
-                  <a:spcPts val="0"/>
-                </a:spcBef>
-                <a:spcAft>
-                  <a:spcPts val="0"/>
-                </a:spcAft>
-              </a:pPr>
-              <a:r>
-                <a:rPr sz="880">
-                  <a:solidFill>
-                    <a:srgbClr val="000000">
-                      <a:alpha val="100000"/>
-                    </a:srgbClr>
-                  </a:solidFill>
-                  <a:latin typeface="Arial"/>
-                  <a:cs typeface="Arial"/>
-                </a:rPr>
-                <a:t>4 (13)</a:t>
-              </a:r>
-            </a:p>
-          </p:txBody>
-        </p:sp>
-        <p:sp>
-          <p:nvSpPr>
-            <p:cNvPr id="16" name="tx16"/>
-            <p:cNvSpPr/>
-            <p:nvPr/>
-          </p:nvSpPr>
-          <p:spPr>
-            <a:xfrm>
-              <a:off x="3556120" y="3296548"/>
-              <a:ext cx="229795" cy="104884"/>
-            </a:xfrm>
-            <a:prstGeom prst="rect">
-              <a:avLst/>
-            </a:prstGeom>
-            <a:noFill/>
-          </p:spPr>
-          <p:txBody>
-            <a:bodyPr lIns="0" rIns="0" tIns="0" bIns="0" anchorCtr="1" anchor="ctr" wrap="none"/>
-            <a:lstStyle/>
-            <a:p>
-              <a:pPr algn="l" marL="0" marR="0" indent="0">
-                <a:lnSpc>
-                  <a:spcPts val="880"/>
-                </a:lnSpc>
-                <a:spcBef>
-                  <a:spcPts val="0"/>
-                </a:spcBef>
-                <a:spcAft>
-                  <a:spcPts val="0"/>
-                </a:spcAft>
-              </a:pPr>
-              <a:r>
-                <a:rPr sz="880">
-                  <a:solidFill>
-                    <a:srgbClr val="000000">
-                      <a:alpha val="100000"/>
-                    </a:srgbClr>
-                  </a:solidFill>
-                  <a:latin typeface="Arial"/>
-                  <a:cs typeface="Arial"/>
-                </a:rPr>
-                <a:t>5 (3)</a:t>
-              </a:r>
-            </a:p>
-          </p:txBody>
-        </p:sp>
-      </p:grpSp>
-    </p:spTree>
-  </p:cSld>
-  <p:clrMapOvr>
-    <a:masterClrMapping/>
-  </p:clrMapOvr>
-</p:sld>
-</file>
-
-<file path=ppt/slides/slide9.xml><?xml version="1.0" encoding="utf-8"?>
-<p:sld xmlns:a="http://schemas.openxmlformats.org/drawingml/2006/main" xmlns:r="http://schemas.openxmlformats.org/officeDocument/2006/relationships" xmlns:p="http://schemas.openxmlformats.org/presentationml/2006/main">
-  <p:cSld>
-    <p:spTree>
-      <p:nvGrpSpPr>
-        <p:cNvPr id="1" name=""/>
-        <p:cNvGrpSpPr/>
-        <p:nvPr/>
-      </p:nvGrpSpPr>
-      <p:grpSpPr>
-        <a:xfrm>
-          <a:off x="0" y="0"/>
-          <a:ext cx="0" cy="0"/>
-          <a:chOff x="0" y="0"/>
-          <a:chExt cx="0" cy="0"/>
-        </a:xfrm>
-      </p:grpSpPr>
-      <p:grpSp xmlns:a="http://schemas.openxmlformats.org/drawingml/2006/main" xmlns:r="http://schemas.openxmlformats.org/officeDocument/2006/relationships" xmlns:p="http://schemas.openxmlformats.org/presentationml/2006/main" xmlns:pic="http://schemas.openxmlformats.org/drawingml/2006/picture">
-        <p:nvGrpSpPr>
-          <p:cNvPr id="2" name=""/>
-          <p:cNvGrpSpPr/>
-          <p:nvPr/>
-        </p:nvGrpSpPr>
-        <p:grpSpPr>
-          <a:xfrm>
-            <a:off x="1190625" y="1079500"/>
-            <a:ext cx="5181600" cy="3171825"/>
-            <a:chOff x="1190625" y="1079500"/>
-            <a:chExt cx="5181600" cy="3171825"/>
-          </a:xfrm>
-        </p:grpSpPr>
-        <p:sp>
-          <p:nvSpPr>
-            <p:cNvPr id="3" name="rc3"/>
-            <p:cNvSpPr/>
-            <p:nvPr/>
-          </p:nvSpPr>
-          <p:spPr>
-            <a:xfrm>
-              <a:off x="1190625" y="1079499"/>
-              <a:ext cx="5181599" cy="3171825"/>
-            </a:xfrm>
-            <a:prstGeom prst="rect">
-              <a:avLst/>
-            </a:prstGeom>
-            <a:solidFill>
-              <a:srgbClr val="FFFFFF">
-                <a:alpha val="100000"/>
-              </a:srgbClr>
-            </a:solidFill>
-            <a:ln w="9525" cap="rnd">
-              <a:solidFill>
-                <a:srgbClr val="FFFFFF">
-                  <a:alpha val="100000"/>
-                </a:srgbClr>
-              </a:solidFill>
-              <a:prstDash val="solid"/>
-              <a:round/>
-            </a:ln>
-          </p:spPr>
-          <p:txBody>
-            <a:bodyPr/>
-            <a:lstStyle/>
-            <a:p/>
-          </p:txBody>
-        </p:sp>
-        <p:sp>
-          <p:nvSpPr>
-            <p:cNvPr id="4" name="tx4"/>
-            <p:cNvSpPr/>
-            <p:nvPr/>
-          </p:nvSpPr>
-          <p:spPr>
-            <a:xfrm>
-              <a:off x="3267075" y="1768031"/>
-              <a:ext cx="1024762" cy="103342"/>
-            </a:xfrm>
-            <a:prstGeom prst="rect">
-              <a:avLst/>
-            </a:prstGeom>
-            <a:noFill/>
-          </p:spPr>
-          <p:txBody>
-            <a:bodyPr lIns="0" rIns="0" tIns="0" bIns="0" anchorCtr="1" anchor="ctr" wrap="none"/>
-            <a:lstStyle/>
-            <a:p>
-              <a:pPr algn="l" marL="0" marR="0" indent="0">
-                <a:lnSpc>
-                  <a:spcPts val="1100"/>
-                </a:lnSpc>
-                <a:spcBef>
-                  <a:spcPts val="0"/>
-                </a:spcBef>
-                <a:spcAft>
-                  <a:spcPts val="0"/>
-                </a:spcAft>
-              </a:pPr>
-              <a:r>
-                <a:rPr sz="1100">
-                  <a:solidFill>
-                    <a:srgbClr val="000000">
-                      <a:alpha val="100000"/>
-                    </a:srgbClr>
-                  </a:solidFill>
-                  <a:latin typeface="Arial"/>
-                  <a:cs typeface="Arial"/>
-                </a:rPr>
-                <a:t>Number of times</a:t>
-              </a:r>
-            </a:p>
-          </p:txBody>
-        </p:sp>
-        <p:sp>
-          <p:nvSpPr>
-            <p:cNvPr id="5" name="tx5"/>
-            <p:cNvSpPr/>
-            <p:nvPr/>
-          </p:nvSpPr>
-          <p:spPr>
-            <a:xfrm>
-              <a:off x="3267075" y="1920612"/>
-              <a:ext cx="745362" cy="101637"/>
-            </a:xfrm>
-            <a:prstGeom prst="rect">
-              <a:avLst/>
-            </a:prstGeom>
-            <a:noFill/>
-          </p:spPr>
-          <p:txBody>
-            <a:bodyPr lIns="0" rIns="0" tIns="0" bIns="0" anchorCtr="1" anchor="ctr" wrap="none"/>
-            <a:lstStyle/>
-            <a:p>
-              <a:pPr algn="l" marL="0" marR="0" indent="0">
-                <a:lnSpc>
-                  <a:spcPts val="1100"/>
-                </a:lnSpc>
-                <a:spcBef>
-                  <a:spcPts val="0"/>
-                </a:spcBef>
-                <a:spcAft>
-                  <a:spcPts val="0"/>
-                </a:spcAft>
-              </a:pPr>
-              <a:r>
-                <a:rPr sz="1100">
-                  <a:solidFill>
-                    <a:srgbClr val="000000">
-                      <a:alpha val="100000"/>
-                    </a:srgbClr>
-                  </a:solidFill>
-                  <a:latin typeface="Arial"/>
-                  <a:cs typeface="Arial"/>
-                </a:rPr>
-                <a:t>cited across</a:t>
-              </a:r>
-            </a:p>
-          </p:txBody>
-        </p:sp>
-        <p:sp>
-          <p:nvSpPr>
-            <p:cNvPr id="6" name="tx6"/>
-            <p:cNvSpPr/>
-            <p:nvPr/>
-          </p:nvSpPr>
-          <p:spPr>
-            <a:xfrm>
-              <a:off x="3267075" y="2042020"/>
-              <a:ext cx="877490" cy="131105"/>
-            </a:xfrm>
-            <a:prstGeom prst="rect">
-              <a:avLst/>
-            </a:prstGeom>
-            <a:noFill/>
-          </p:spPr>
-          <p:txBody>
-            <a:bodyPr lIns="0" rIns="0" tIns="0" bIns="0" anchorCtr="1" anchor="ctr" wrap="none"/>
-            <a:lstStyle/>
-            <a:p>
-              <a:pPr algn="l" marL="0" marR="0" indent="0">
-                <a:lnSpc>
-                  <a:spcPts val="1100"/>
-                </a:lnSpc>
-                <a:spcBef>
-                  <a:spcPts val="0"/>
-                </a:spcBef>
-                <a:spcAft>
-                  <a:spcPts val="0"/>
-                </a:spcAft>
-              </a:pPr>
-              <a:r>
-                <a:rPr sz="1100">
-                  <a:solidFill>
-                    <a:srgbClr val="000000">
-                      <a:alpha val="100000"/>
-                    </a:srgbClr>
-                  </a:solidFill>
-                  <a:latin typeface="Arial"/>
-                  <a:cs typeface="Arial"/>
-                </a:rPr>
-                <a:t>guidelines (n):</a:t>
-              </a:r>
-            </a:p>
-          </p:txBody>
-        </p:sp>
-        <p:sp>
-          <p:nvSpPr>
-            <p:cNvPr id="7" name="pt7"/>
-            <p:cNvSpPr/>
-            <p:nvPr/>
-          </p:nvSpPr>
-          <p:spPr>
-            <a:xfrm>
-              <a:off x="3304549" y="2301627"/>
-              <a:ext cx="144506" cy="144506"/>
-            </a:xfrm>
-            <a:prstGeom prst="ellipse">
-              <a:avLst/>
-            </a:prstGeom>
-            <a:solidFill>
-              <a:srgbClr val="3288BD">
-                <a:alpha val="100000"/>
-              </a:srgbClr>
-            </a:solidFill>
-            <a:ln w="9000" cap="rnd">
-              <a:solidFill>
-                <a:srgbClr val="3288BD">
-                  <a:alpha val="100000"/>
-                </a:srgbClr>
-              </a:solidFill>
-              <a:prstDash val="solid"/>
-              <a:round/>
-            </a:ln>
-          </p:spPr>
-          <p:txBody>
-            <a:bodyPr/>
-            <a:lstStyle/>
-            <a:p/>
-          </p:txBody>
-        </p:sp>
-        <p:sp>
-          <p:nvSpPr>
-            <p:cNvPr id="8" name="pt8"/>
-            <p:cNvSpPr/>
-            <p:nvPr/>
-          </p:nvSpPr>
-          <p:spPr>
-            <a:xfrm>
-              <a:off x="3304549" y="2521083"/>
-              <a:ext cx="144506" cy="144506"/>
-            </a:xfrm>
-            <a:prstGeom prst="ellipse">
-              <a:avLst/>
-            </a:prstGeom>
-            <a:solidFill>
-              <a:srgbClr val="99D594">
-                <a:alpha val="100000"/>
-              </a:srgbClr>
-            </a:solidFill>
-            <a:ln w="9000" cap="rnd">
-              <a:solidFill>
-                <a:srgbClr val="99D594">
-                  <a:alpha val="100000"/>
-                </a:srgbClr>
-              </a:solidFill>
-              <a:prstDash val="solid"/>
-              <a:round/>
-            </a:ln>
-          </p:spPr>
-          <p:txBody>
-            <a:bodyPr/>
-            <a:lstStyle/>
-            <a:p/>
-          </p:txBody>
-        </p:sp>
-        <p:sp>
-          <p:nvSpPr>
-            <p:cNvPr id="9" name="pt9"/>
-            <p:cNvSpPr/>
-            <p:nvPr/>
-          </p:nvSpPr>
-          <p:spPr>
-            <a:xfrm>
-              <a:off x="3304549" y="2740539"/>
-              <a:ext cx="144506" cy="144506"/>
-            </a:xfrm>
-            <a:prstGeom prst="ellipse">
-              <a:avLst/>
-            </a:prstGeom>
-            <a:solidFill>
-              <a:srgbClr val="E6F598">
-                <a:alpha val="100000"/>
-              </a:srgbClr>
-            </a:solidFill>
-            <a:ln w="9000" cap="rnd">
-              <a:solidFill>
-                <a:srgbClr val="E6F598">
-                  <a:alpha val="100000"/>
-                </a:srgbClr>
-              </a:solidFill>
-              <a:prstDash val="solid"/>
-              <a:round/>
-            </a:ln>
-          </p:spPr>
-          <p:txBody>
-            <a:bodyPr/>
-            <a:lstStyle/>
-            <a:p/>
-          </p:txBody>
-        </p:sp>
-        <p:sp>
-          <p:nvSpPr>
-            <p:cNvPr id="10" name="pt10"/>
-            <p:cNvSpPr/>
-            <p:nvPr/>
-          </p:nvSpPr>
-          <p:spPr>
-            <a:xfrm>
-              <a:off x="3304549" y="2959995"/>
-              <a:ext cx="144506" cy="144506"/>
-            </a:xfrm>
-            <a:prstGeom prst="ellipse">
-              <a:avLst/>
-            </a:prstGeom>
-            <a:solidFill>
-              <a:srgbClr val="FEE08B">
-                <a:alpha val="100000"/>
-              </a:srgbClr>
-            </a:solidFill>
-            <a:ln w="9000" cap="rnd">
-              <a:solidFill>
-                <a:srgbClr val="FEE08B">
-                  <a:alpha val="100000"/>
-                </a:srgbClr>
-              </a:solidFill>
-              <a:prstDash val="solid"/>
-              <a:round/>
-            </a:ln>
-          </p:spPr>
-          <p:txBody>
-            <a:bodyPr/>
-            <a:lstStyle/>
-            <a:p/>
+            <a:p>
+              <a:endParaRPr/>
+            </a:p>
           </p:txBody>
         </p:sp>
         <p:sp>
@@ -12678,7 +9161,9 @@
           <p:txBody>
             <a:bodyPr/>
             <a:lstStyle/>
-            <a:p/>
+            <a:p>
+              <a:endParaRPr/>
+            </a:p>
           </p:txBody>
         </p:sp>
         <p:sp>
@@ -12713,7 +9198,9 @@
           <p:txBody>
             <a:bodyPr/>
             <a:lstStyle/>
-            <a:p/>
+            <a:p>
+              <a:endParaRPr/>
+            </a:p>
           </p:txBody>
         </p:sp>
         <p:sp>
@@ -12724,7 +9211,7 @@
           </p:nvSpPr>
           <p:spPr>
             <a:xfrm>
-              <a:off x="3556120" y="2308996"/>
+              <a:off x="3556119" y="2326938"/>
               <a:ext cx="416262" cy="104884"/>
             </a:xfrm>
             <a:prstGeom prst="rect">
@@ -12733,10 +9220,10 @@
             <a:noFill/>
           </p:spPr>
           <p:txBody>
-            <a:bodyPr lIns="0" rIns="0" tIns="0" bIns="0" anchorCtr="1" anchor="ctr" wrap="none"/>
-            <a:lstStyle/>
-            <a:p>
-              <a:pPr algn="l" marL="0" marR="0" indent="0">
+            <a:bodyPr wrap="none" lIns="0" tIns="0" rIns="0" bIns="0" anchor="ctr" anchorCtr="1"/>
+            <a:lstStyle/>
+            <a:p>
+              <a:pPr marL="0" marR="0" indent="0" algn="l">
                 <a:lnSpc>
                   <a:spcPts val="880"/>
                 </a:lnSpc>
@@ -12748,7 +9235,7 @@
                 </a:spcAft>
               </a:pPr>
               <a:r>
-                <a:rPr sz="880">
+                <a:rPr sz="880" dirty="0">
                   <a:solidFill>
                     <a:srgbClr val="000000">
                       <a:alpha val="100000"/>
@@ -12770,7 +9257,7 @@
           </p:nvSpPr>
           <p:spPr>
             <a:xfrm>
-              <a:off x="3556120" y="2528452"/>
+              <a:off x="3556119" y="2541124"/>
               <a:ext cx="354106" cy="104884"/>
             </a:xfrm>
             <a:prstGeom prst="rect">
@@ -12779,10 +9266,10 @@
             <a:noFill/>
           </p:spPr>
           <p:txBody>
-            <a:bodyPr lIns="0" rIns="0" tIns="0" bIns="0" anchorCtr="1" anchor="ctr" wrap="none"/>
-            <a:lstStyle/>
-            <a:p>
-              <a:pPr algn="l" marL="0" marR="0" indent="0">
+            <a:bodyPr wrap="none" lIns="0" tIns="0" rIns="0" bIns="0" anchor="ctr" anchorCtr="1"/>
+            <a:lstStyle/>
+            <a:p>
+              <a:pPr marL="0" marR="0" indent="0" algn="l">
                 <a:lnSpc>
                   <a:spcPts val="880"/>
                 </a:lnSpc>
@@ -12794,7 +9281,7 @@
                 </a:spcAft>
               </a:pPr>
               <a:r>
-                <a:rPr sz="880">
+                <a:rPr sz="880" dirty="0">
                   <a:solidFill>
                     <a:srgbClr val="000000">
                       <a:alpha val="100000"/>
@@ -12816,7 +9303,7 @@
           </p:nvSpPr>
           <p:spPr>
             <a:xfrm>
-              <a:off x="3556120" y="2747908"/>
+              <a:off x="3556119" y="2761992"/>
               <a:ext cx="291951" cy="104884"/>
             </a:xfrm>
             <a:prstGeom prst="rect">
@@ -12825,10 +9312,10 @@
             <a:noFill/>
           </p:spPr>
           <p:txBody>
-            <a:bodyPr lIns="0" rIns="0" tIns="0" bIns="0" anchorCtr="1" anchor="ctr" wrap="none"/>
-            <a:lstStyle/>
-            <a:p>
-              <a:pPr algn="l" marL="0" marR="0" indent="0">
+            <a:bodyPr wrap="none" lIns="0" tIns="0" rIns="0" bIns="0" anchor="ctr" anchorCtr="1"/>
+            <a:lstStyle/>
+            <a:p>
+              <a:pPr marL="0" marR="0" indent="0" algn="l">
                 <a:lnSpc>
                   <a:spcPts val="880"/>
                 </a:lnSpc>
@@ -12840,7 +9327,7 @@
                 </a:spcAft>
               </a:pPr>
               <a:r>
-                <a:rPr sz="880">
+                <a:rPr sz="880" dirty="0">
                   <a:solidFill>
                     <a:srgbClr val="000000">
                       <a:alpha val="100000"/>
@@ -12862,7 +9349,7 @@
           </p:nvSpPr>
           <p:spPr>
             <a:xfrm>
-              <a:off x="3556120" y="2967364"/>
+              <a:off x="3556119" y="2981448"/>
               <a:ext cx="291951" cy="104884"/>
             </a:xfrm>
             <a:prstGeom prst="rect">
@@ -12871,10 +9358,10 @@
             <a:noFill/>
           </p:spPr>
           <p:txBody>
-            <a:bodyPr lIns="0" rIns="0" tIns="0" bIns="0" anchorCtr="1" anchor="ctr" wrap="none"/>
-            <a:lstStyle/>
-            <a:p>
-              <a:pPr algn="l" marL="0" marR="0" indent="0">
+            <a:bodyPr wrap="none" lIns="0" tIns="0" rIns="0" bIns="0" anchor="ctr" anchorCtr="1"/>
+            <a:lstStyle/>
+            <a:p>
+              <a:pPr marL="0" marR="0" indent="0" algn="l">
                 <a:lnSpc>
                   <a:spcPts val="880"/>
                 </a:lnSpc>
@@ -12886,7 +9373,7 @@
                 </a:spcAft>
               </a:pPr>
               <a:r>
-                <a:rPr sz="880">
+                <a:rPr sz="880" dirty="0">
                   <a:solidFill>
                     <a:srgbClr val="000000">
                       <a:alpha val="100000"/>
@@ -12908,7 +9395,7 @@
           </p:nvSpPr>
           <p:spPr>
             <a:xfrm>
-              <a:off x="3556120" y="3186820"/>
+              <a:off x="3556120" y="3199262"/>
               <a:ext cx="229795" cy="104884"/>
             </a:xfrm>
             <a:prstGeom prst="rect">
@@ -12917,10 +9404,10 @@
             <a:noFill/>
           </p:spPr>
           <p:txBody>
-            <a:bodyPr lIns="0" rIns="0" tIns="0" bIns="0" anchorCtr="1" anchor="ctr" wrap="none"/>
-            <a:lstStyle/>
-            <a:p>
-              <a:pPr algn="l" marL="0" marR="0" indent="0">
+            <a:bodyPr wrap="none" lIns="0" tIns="0" rIns="0" bIns="0" anchor="ctr" anchorCtr="1"/>
+            <a:lstStyle/>
+            <a:p>
+              <a:pPr marL="0" marR="0" indent="0" algn="l">
                 <a:lnSpc>
                   <a:spcPts val="880"/>
                 </a:lnSpc>
@@ -12932,7 +9419,7 @@
                 </a:spcAft>
               </a:pPr>
               <a:r>
-                <a:rPr sz="880">
+                <a:rPr sz="880" dirty="0">
                   <a:solidFill>
                     <a:srgbClr val="000000">
                       <a:alpha val="100000"/>
@@ -12954,7 +9441,7 @@
           </p:nvSpPr>
           <p:spPr>
             <a:xfrm>
-              <a:off x="3556120" y="3406276"/>
+              <a:off x="3556120" y="3418718"/>
               <a:ext cx="229795" cy="104884"/>
             </a:xfrm>
             <a:prstGeom prst="rect">
@@ -12963,10 +9450,10 @@
             <a:noFill/>
           </p:spPr>
           <p:txBody>
-            <a:bodyPr lIns="0" rIns="0" tIns="0" bIns="0" anchorCtr="1" anchor="ctr" wrap="none"/>
-            <a:lstStyle/>
-            <a:p>
-              <a:pPr algn="l" marL="0" marR="0" indent="0">
+            <a:bodyPr wrap="none" lIns="0" tIns="0" rIns="0" bIns="0" anchor="ctr" anchorCtr="1"/>
+            <a:lstStyle/>
+            <a:p>
+              <a:pPr marL="0" marR="0" indent="0" algn="l">
                 <a:lnSpc>
                   <a:spcPts val="880"/>
                 </a:lnSpc>
@@ -12978,7 +9465,7 @@
                 </a:spcAft>
               </a:pPr>
               <a:r>
-                <a:rPr sz="880">
+                <a:rPr sz="880" dirty="0">
                   <a:solidFill>
                     <a:srgbClr val="000000">
                       <a:alpha val="100000"/>

--- a/outputs/legend_nrefs_paper.pptx
+++ b/outputs/legend_nrefs_paper.pptx
@@ -311,7 +311,7 @@
           <a:p>
             <a:fld id="{6BA5D40C-A8DC-479A-A5D3-E7B4936A184B}" type="datetimeFigureOut">
               <a:rPr lang="en-GB" smtClean="0"/>
-              <a:t>03/09/2020</a:t>
+              <a:t>06/10/2020</a:t>
             </a:fld>
             <a:endParaRPr lang="en-GB"/>
           </a:p>
@@ -481,7 +481,7 @@
           <a:p>
             <a:fld id="{6BA5D40C-A8DC-479A-A5D3-E7B4936A184B}" type="datetimeFigureOut">
               <a:rPr lang="en-GB" smtClean="0"/>
-              <a:t>03/09/2020</a:t>
+              <a:t>06/10/2020</a:t>
             </a:fld>
             <a:endParaRPr lang="en-GB"/>
           </a:p>
@@ -661,7 +661,7 @@
           <a:p>
             <a:fld id="{6BA5D40C-A8DC-479A-A5D3-E7B4936A184B}" type="datetimeFigureOut">
               <a:rPr lang="en-GB" smtClean="0"/>
-              <a:t>03/09/2020</a:t>
+              <a:t>06/10/2020</a:t>
             </a:fld>
             <a:endParaRPr lang="en-GB"/>
           </a:p>
@@ -831,7 +831,7 @@
           <a:p>
             <a:fld id="{6BA5D40C-A8DC-479A-A5D3-E7B4936A184B}" type="datetimeFigureOut">
               <a:rPr lang="en-GB" smtClean="0"/>
-              <a:t>03/09/2020</a:t>
+              <a:t>06/10/2020</a:t>
             </a:fld>
             <a:endParaRPr lang="en-GB"/>
           </a:p>
@@ -1077,7 +1077,7 @@
           <a:p>
             <a:fld id="{6BA5D40C-A8DC-479A-A5D3-E7B4936A184B}" type="datetimeFigureOut">
               <a:rPr lang="en-GB" smtClean="0"/>
-              <a:t>03/09/2020</a:t>
+              <a:t>06/10/2020</a:t>
             </a:fld>
             <a:endParaRPr lang="en-GB"/>
           </a:p>
@@ -1365,7 +1365,7 @@
           <a:p>
             <a:fld id="{6BA5D40C-A8DC-479A-A5D3-E7B4936A184B}" type="datetimeFigureOut">
               <a:rPr lang="en-GB" smtClean="0"/>
-              <a:t>03/09/2020</a:t>
+              <a:t>06/10/2020</a:t>
             </a:fld>
             <a:endParaRPr lang="en-GB"/>
           </a:p>
@@ -1792,7 +1792,7 @@
           <a:p>
             <a:fld id="{6BA5D40C-A8DC-479A-A5D3-E7B4936A184B}" type="datetimeFigureOut">
               <a:rPr lang="en-GB" smtClean="0"/>
-              <a:t>03/09/2020</a:t>
+              <a:t>06/10/2020</a:t>
             </a:fld>
             <a:endParaRPr lang="en-GB"/>
           </a:p>
@@ -1910,7 +1910,7 @@
           <a:p>
             <a:fld id="{6BA5D40C-A8DC-479A-A5D3-E7B4936A184B}" type="datetimeFigureOut">
               <a:rPr lang="en-GB" smtClean="0"/>
-              <a:t>03/09/2020</a:t>
+              <a:t>06/10/2020</a:t>
             </a:fld>
             <a:endParaRPr lang="en-GB"/>
           </a:p>
@@ -2005,7 +2005,7 @@
           <a:p>
             <a:fld id="{6BA5D40C-A8DC-479A-A5D3-E7B4936A184B}" type="datetimeFigureOut">
               <a:rPr lang="en-GB" smtClean="0"/>
-              <a:t>03/09/2020</a:t>
+              <a:t>06/10/2020</a:t>
             </a:fld>
             <a:endParaRPr lang="en-GB"/>
           </a:p>
@@ -2282,7 +2282,7 @@
           <a:p>
             <a:fld id="{6BA5D40C-A8DC-479A-A5D3-E7B4936A184B}" type="datetimeFigureOut">
               <a:rPr lang="en-GB" smtClean="0"/>
-              <a:t>03/09/2020</a:t>
+              <a:t>06/10/2020</a:t>
             </a:fld>
             <a:endParaRPr lang="en-GB"/>
           </a:p>
@@ -2535,7 +2535,7 @@
           <a:p>
             <a:fld id="{6BA5D40C-A8DC-479A-A5D3-E7B4936A184B}" type="datetimeFigureOut">
               <a:rPr lang="en-GB" smtClean="0"/>
-              <a:t>03/09/2020</a:t>
+              <a:t>06/10/2020</a:t>
             </a:fld>
             <a:endParaRPr lang="en-GB"/>
           </a:p>
@@ -2748,7 +2748,7 @@
           <a:p>
             <a:fld id="{6BA5D40C-A8DC-479A-A5D3-E7B4936A184B}" type="datetimeFigureOut">
               <a:rPr lang="en-GB" smtClean="0"/>
-              <a:t>03/09/2020</a:t>
+              <a:t>06/10/2020</a:t>
             </a:fld>
             <a:endParaRPr lang="en-GB"/>
           </a:p>
@@ -6411,6 +6411,725 @@
           </p:sp>
         </p:grpSp>
       </p:grpSp>
+      <p:grpSp>
+        <p:nvGrpSpPr>
+          <p:cNvPr id="16" name="Group 15">
+            <a:extLst>
+              <a:ext uri="{FF2B5EF4-FFF2-40B4-BE49-F238E27FC236}">
+                <a16:creationId xmlns:a16="http://schemas.microsoft.com/office/drawing/2014/main" id="{954CF246-4ED4-451B-A6C5-C924D976B62E}"/>
+              </a:ext>
+            </a:extLst>
+          </p:cNvPr>
+          <p:cNvGrpSpPr/>
+          <p:nvPr/>
+        </p:nvGrpSpPr>
+        <p:grpSpPr>
+          <a:xfrm>
+            <a:off x="1419225" y="1483030"/>
+            <a:ext cx="1024976" cy="1532477"/>
+            <a:chOff x="3343061" y="1650718"/>
+            <a:chExt cx="1024976" cy="1532477"/>
+          </a:xfrm>
+        </p:grpSpPr>
+        <p:sp>
+          <p:nvSpPr>
+            <p:cNvPr id="17" name="pt10">
+              <a:extLst>
+                <a:ext uri="{FF2B5EF4-FFF2-40B4-BE49-F238E27FC236}">
+                  <a16:creationId xmlns:a16="http://schemas.microsoft.com/office/drawing/2014/main" id="{1200EF15-33DD-4C85-9B09-2A5C9B716884}"/>
+                </a:ext>
+              </a:extLst>
+            </p:cNvPr>
+            <p:cNvSpPr/>
+            <p:nvPr/>
+          </p:nvSpPr>
+          <p:spPr>
+            <a:xfrm>
+              <a:off x="3391204" y="3038689"/>
+              <a:ext cx="144506" cy="144506"/>
+            </a:xfrm>
+            <a:prstGeom prst="ellipse">
+              <a:avLst/>
+            </a:prstGeom>
+            <a:solidFill>
+              <a:srgbClr val="E6F598">
+                <a:alpha val="100000"/>
+              </a:srgbClr>
+            </a:solidFill>
+            <a:ln w="9000" cap="rnd">
+              <a:solidFill>
+                <a:srgbClr val="E6F598">
+                  <a:alpha val="100000"/>
+                </a:srgbClr>
+              </a:solidFill>
+              <a:prstDash val="solid"/>
+              <a:round/>
+            </a:ln>
+          </p:spPr>
+          <p:txBody>
+            <a:bodyPr/>
+            <a:lstStyle/>
+            <a:p>
+              <a:endParaRPr/>
+            </a:p>
+          </p:txBody>
+        </p:sp>
+        <p:sp>
+          <p:nvSpPr>
+            <p:cNvPr id="18" name="pt14">
+              <a:extLst>
+                <a:ext uri="{FF2B5EF4-FFF2-40B4-BE49-F238E27FC236}">
+                  <a16:creationId xmlns:a16="http://schemas.microsoft.com/office/drawing/2014/main" id="{E062FEE2-5D75-4CEB-8F9E-D9E56A6E1FCD}"/>
+                </a:ext>
+              </a:extLst>
+            </p:cNvPr>
+            <p:cNvSpPr/>
+            <p:nvPr/>
+          </p:nvSpPr>
+          <p:spPr>
+            <a:xfrm>
+              <a:off x="3343061" y="2139970"/>
+              <a:ext cx="252000" cy="252000"/>
+            </a:xfrm>
+            <a:prstGeom prst="ellipse">
+              <a:avLst/>
+            </a:prstGeom>
+            <a:solidFill>
+              <a:srgbClr val="D53E4F">
+                <a:alpha val="100000"/>
+              </a:srgbClr>
+            </a:solidFill>
+            <a:ln w="9000" cap="rnd">
+              <a:solidFill>
+                <a:srgbClr val="D53E4F">
+                  <a:alpha val="100000"/>
+                </a:srgbClr>
+              </a:solidFill>
+              <a:prstDash val="solid"/>
+              <a:round/>
+            </a:ln>
+          </p:spPr>
+          <p:txBody>
+            <a:bodyPr/>
+            <a:lstStyle/>
+            <a:p>
+              <a:endParaRPr dirty="0"/>
+            </a:p>
+          </p:txBody>
+        </p:sp>
+        <p:grpSp>
+          <p:nvGrpSpPr>
+            <p:cNvPr id="26" name="Group 25">
+              <a:extLst>
+                <a:ext uri="{FF2B5EF4-FFF2-40B4-BE49-F238E27FC236}">
+                  <a16:creationId xmlns:a16="http://schemas.microsoft.com/office/drawing/2014/main" id="{79CD48BD-6A40-4DE2-8721-5B7D25520FA3}"/>
+                </a:ext>
+              </a:extLst>
+            </p:cNvPr>
+            <p:cNvGrpSpPr/>
+            <p:nvPr/>
+          </p:nvGrpSpPr>
+          <p:grpSpPr>
+            <a:xfrm>
+              <a:off x="3343275" y="1650718"/>
+              <a:ext cx="1024762" cy="1509755"/>
+              <a:chOff x="3343275" y="1650718"/>
+              <a:chExt cx="1024762" cy="1509755"/>
+            </a:xfrm>
+          </p:grpSpPr>
+          <p:grpSp>
+            <p:nvGrpSpPr>
+              <p:cNvPr id="27" name="Group 26">
+                <a:extLst>
+                  <a:ext uri="{FF2B5EF4-FFF2-40B4-BE49-F238E27FC236}">
+                    <a16:creationId xmlns:a16="http://schemas.microsoft.com/office/drawing/2014/main" id="{68E10FDC-58D3-4E13-83F4-471A54C867DD}"/>
+                  </a:ext>
+                </a:extLst>
+              </p:cNvPr>
+              <p:cNvGrpSpPr/>
+              <p:nvPr/>
+            </p:nvGrpSpPr>
+            <p:grpSpPr>
+              <a:xfrm>
+                <a:off x="3343275" y="1650718"/>
+                <a:ext cx="1024762" cy="405094"/>
+                <a:chOff x="3343275" y="1272350"/>
+                <a:chExt cx="1024762" cy="405094"/>
+              </a:xfrm>
+            </p:grpSpPr>
+            <p:sp>
+              <p:nvSpPr>
+                <p:cNvPr id="34" name="tx4">
+                  <a:extLst>
+                    <a:ext uri="{FF2B5EF4-FFF2-40B4-BE49-F238E27FC236}">
+                      <a16:creationId xmlns:a16="http://schemas.microsoft.com/office/drawing/2014/main" id="{B06A50C4-0D84-424E-9841-C30977231375}"/>
+                    </a:ext>
+                  </a:extLst>
+                </p:cNvPr>
+                <p:cNvSpPr/>
+                <p:nvPr/>
+              </p:nvSpPr>
+              <p:spPr>
+                <a:xfrm>
+                  <a:off x="3343275" y="1272350"/>
+                  <a:ext cx="1024762" cy="103342"/>
+                </a:xfrm>
+                <a:prstGeom prst="rect">
+                  <a:avLst/>
+                </a:prstGeom>
+                <a:noFill/>
+              </p:spPr>
+              <p:txBody>
+                <a:bodyPr wrap="none" lIns="0" tIns="0" rIns="0" bIns="0" anchor="ctr" anchorCtr="1"/>
+                <a:lstStyle/>
+                <a:p>
+                  <a:pPr marL="0" marR="0" indent="0" algn="l">
+                    <a:lnSpc>
+                      <a:spcPts val="1100"/>
+                    </a:lnSpc>
+                    <a:spcBef>
+                      <a:spcPts val="0"/>
+                    </a:spcBef>
+                    <a:spcAft>
+                      <a:spcPts val="0"/>
+                    </a:spcAft>
+                  </a:pPr>
+                  <a:r>
+                    <a:rPr sz="1100" dirty="0">
+                      <a:solidFill>
+                        <a:srgbClr val="000000">
+                          <a:alpha val="100000"/>
+                        </a:srgbClr>
+                      </a:solidFill>
+                      <a:latin typeface="Arial"/>
+                      <a:cs typeface="Arial"/>
+                    </a:rPr>
+                    <a:t>Number of times</a:t>
+                  </a:r>
+                </a:p>
+              </p:txBody>
+            </p:sp>
+            <p:sp>
+              <p:nvSpPr>
+                <p:cNvPr id="35" name="tx5">
+                  <a:extLst>
+                    <a:ext uri="{FF2B5EF4-FFF2-40B4-BE49-F238E27FC236}">
+                      <a16:creationId xmlns:a16="http://schemas.microsoft.com/office/drawing/2014/main" id="{50C476C6-B867-4288-A773-01C97840E719}"/>
+                    </a:ext>
+                  </a:extLst>
+                </p:cNvPr>
+                <p:cNvSpPr/>
+                <p:nvPr/>
+              </p:nvSpPr>
+              <p:spPr>
+                <a:xfrm>
+                  <a:off x="3343275" y="1424931"/>
+                  <a:ext cx="745362" cy="101637"/>
+                </a:xfrm>
+                <a:prstGeom prst="rect">
+                  <a:avLst/>
+                </a:prstGeom>
+                <a:noFill/>
+              </p:spPr>
+              <p:txBody>
+                <a:bodyPr wrap="none" lIns="0" tIns="0" rIns="0" bIns="0" anchor="ctr" anchorCtr="1"/>
+                <a:lstStyle/>
+                <a:p>
+                  <a:pPr marL="0" marR="0" indent="0" algn="l">
+                    <a:lnSpc>
+                      <a:spcPts val="1100"/>
+                    </a:lnSpc>
+                    <a:spcBef>
+                      <a:spcPts val="0"/>
+                    </a:spcBef>
+                    <a:spcAft>
+                      <a:spcPts val="0"/>
+                    </a:spcAft>
+                  </a:pPr>
+                  <a:r>
+                    <a:rPr sz="1100" dirty="0">
+                      <a:solidFill>
+                        <a:srgbClr val="000000">
+                          <a:alpha val="100000"/>
+                        </a:srgbClr>
+                      </a:solidFill>
+                      <a:latin typeface="Arial"/>
+                      <a:cs typeface="Arial"/>
+                    </a:rPr>
+                    <a:t>cited across</a:t>
+                  </a:r>
+                </a:p>
+              </p:txBody>
+            </p:sp>
+            <p:sp>
+              <p:nvSpPr>
+                <p:cNvPr id="36" name="tx6">
+                  <a:extLst>
+                    <a:ext uri="{FF2B5EF4-FFF2-40B4-BE49-F238E27FC236}">
+                      <a16:creationId xmlns:a16="http://schemas.microsoft.com/office/drawing/2014/main" id="{972FEE7C-DA7D-4D56-988F-8DAEF5A0D08B}"/>
+                    </a:ext>
+                  </a:extLst>
+                </p:cNvPr>
+                <p:cNvSpPr/>
+                <p:nvPr/>
+              </p:nvSpPr>
+              <p:spPr>
+                <a:xfrm>
+                  <a:off x="3343275" y="1546339"/>
+                  <a:ext cx="877490" cy="131105"/>
+                </a:xfrm>
+                <a:prstGeom prst="rect">
+                  <a:avLst/>
+                </a:prstGeom>
+                <a:noFill/>
+              </p:spPr>
+              <p:txBody>
+                <a:bodyPr wrap="none" lIns="0" tIns="0" rIns="0" bIns="0" anchor="ctr" anchorCtr="1"/>
+                <a:lstStyle/>
+                <a:p>
+                  <a:pPr marL="0" marR="0" indent="0" algn="l">
+                    <a:lnSpc>
+                      <a:spcPts val="1100"/>
+                    </a:lnSpc>
+                    <a:spcBef>
+                      <a:spcPts val="0"/>
+                    </a:spcBef>
+                    <a:spcAft>
+                      <a:spcPts val="0"/>
+                    </a:spcAft>
+                  </a:pPr>
+                  <a:r>
+                    <a:rPr sz="1100">
+                      <a:solidFill>
+                        <a:srgbClr val="000000">
+                          <a:alpha val="100000"/>
+                        </a:srgbClr>
+                      </a:solidFill>
+                      <a:latin typeface="Arial"/>
+                      <a:cs typeface="Arial"/>
+                    </a:rPr>
+                    <a:t>guidelines (n):</a:t>
+                  </a:r>
+                </a:p>
+              </p:txBody>
+            </p:sp>
+          </p:grpSp>
+          <p:sp>
+            <p:nvSpPr>
+              <p:cNvPr id="28" name="pt11">
+                <a:extLst>
+                  <a:ext uri="{FF2B5EF4-FFF2-40B4-BE49-F238E27FC236}">
+                    <a16:creationId xmlns:a16="http://schemas.microsoft.com/office/drawing/2014/main" id="{0A80790F-5AB2-4C6B-9836-881B77063EAA}"/>
+                  </a:ext>
+                </a:extLst>
+              </p:cNvPr>
+              <p:cNvSpPr/>
+              <p:nvPr/>
+            </p:nvSpPr>
+            <p:spPr>
+              <a:xfrm>
+                <a:off x="3373457" y="2775116"/>
+                <a:ext cx="180000" cy="180000"/>
+              </a:xfrm>
+              <a:prstGeom prst="ellipse">
+                <a:avLst/>
+              </a:prstGeom>
+              <a:solidFill>
+                <a:srgbClr val="FEE08B">
+                  <a:alpha val="100000"/>
+                </a:srgbClr>
+              </a:solidFill>
+              <a:ln w="9000" cap="rnd">
+                <a:solidFill>
+                  <a:srgbClr val="FEE08B">
+                    <a:alpha val="100000"/>
+                  </a:srgbClr>
+                </a:solidFill>
+                <a:prstDash val="solid"/>
+                <a:round/>
+              </a:ln>
+            </p:spPr>
+            <p:txBody>
+              <a:bodyPr/>
+              <a:lstStyle/>
+              <a:p>
+                <a:endParaRPr/>
+              </a:p>
+            </p:txBody>
+          </p:sp>
+          <p:sp>
+            <p:nvSpPr>
+              <p:cNvPr id="29" name="pt12">
+                <a:extLst>
+                  <a:ext uri="{FF2B5EF4-FFF2-40B4-BE49-F238E27FC236}">
+                    <a16:creationId xmlns:a16="http://schemas.microsoft.com/office/drawing/2014/main" id="{345CB360-DED1-4F0B-B331-C4CF0FA8729E}"/>
+                  </a:ext>
+                </a:extLst>
+              </p:cNvPr>
+              <p:cNvSpPr/>
+              <p:nvPr/>
+            </p:nvSpPr>
+            <p:spPr>
+              <a:xfrm>
+                <a:off x="3361061" y="2475543"/>
+                <a:ext cx="216000" cy="216000"/>
+              </a:xfrm>
+              <a:prstGeom prst="ellipse">
+                <a:avLst/>
+              </a:prstGeom>
+              <a:solidFill>
+                <a:srgbClr val="FDAE61">
+                  <a:alpha val="100000"/>
+                </a:srgbClr>
+              </a:solidFill>
+              <a:ln w="9000" cap="rnd">
+                <a:solidFill>
+                  <a:srgbClr val="FDAE61">
+                    <a:alpha val="100000"/>
+                  </a:srgbClr>
+                </a:solidFill>
+                <a:prstDash val="solid"/>
+                <a:round/>
+              </a:ln>
+            </p:spPr>
+            <p:txBody>
+              <a:bodyPr/>
+              <a:lstStyle/>
+              <a:p>
+                <a:endParaRPr/>
+              </a:p>
+            </p:txBody>
+          </p:sp>
+          <p:sp>
+            <p:nvSpPr>
+              <p:cNvPr id="30" name="tx19">
+                <a:extLst>
+                  <a:ext uri="{FF2B5EF4-FFF2-40B4-BE49-F238E27FC236}">
+                    <a16:creationId xmlns:a16="http://schemas.microsoft.com/office/drawing/2014/main" id="{3A956FA7-83CB-4EF1-BE7D-47A92DD00630}"/>
+                  </a:ext>
+                </a:extLst>
+              </p:cNvPr>
+              <p:cNvSpPr/>
+              <p:nvPr/>
+            </p:nvSpPr>
+            <p:spPr>
+              <a:xfrm>
+                <a:off x="3656854" y="3055589"/>
+                <a:ext cx="291951" cy="104884"/>
+              </a:xfrm>
+              <a:prstGeom prst="rect">
+                <a:avLst/>
+              </a:prstGeom>
+              <a:noFill/>
+            </p:spPr>
+            <p:txBody>
+              <a:bodyPr wrap="none" lIns="0" tIns="0" rIns="0" bIns="0" anchor="ctr" anchorCtr="1"/>
+              <a:lstStyle/>
+              <a:p>
+                <a:pPr marL="0" marR="0" indent="0" algn="l">
+                  <a:lnSpc>
+                    <a:spcPts val="880"/>
+                  </a:lnSpc>
+                  <a:spcBef>
+                    <a:spcPts val="0"/>
+                  </a:spcBef>
+                  <a:spcAft>
+                    <a:spcPts val="0"/>
+                  </a:spcAft>
+                </a:pPr>
+                <a:r>
+                  <a:rPr lang="en-GB" sz="880" dirty="0">
+                    <a:solidFill>
+                      <a:srgbClr val="000000">
+                        <a:alpha val="100000"/>
+                      </a:srgbClr>
+                    </a:solidFill>
+                    <a:latin typeface="Arial"/>
+                    <a:cs typeface="Arial"/>
+                  </a:rPr>
+                  <a:t>3</a:t>
+                </a:r>
+                <a:r>
+                  <a:rPr sz="880" dirty="0">
+                    <a:solidFill>
+                      <a:srgbClr val="000000">
+                        <a:alpha val="100000"/>
+                      </a:srgbClr>
+                    </a:solidFill>
+                    <a:latin typeface="Arial"/>
+                    <a:cs typeface="Arial"/>
+                  </a:rPr>
+                  <a:t> (</a:t>
+                </a:r>
+                <a:r>
+                  <a:rPr lang="en-GB" sz="880" dirty="0">
+                    <a:solidFill>
+                      <a:srgbClr val="000000">
+                        <a:alpha val="100000"/>
+                      </a:srgbClr>
+                    </a:solidFill>
+                    <a:latin typeface="Arial"/>
+                    <a:cs typeface="Arial"/>
+                  </a:rPr>
+                  <a:t>36</a:t>
+                </a:r>
+                <a:r>
+                  <a:rPr sz="880" dirty="0">
+                    <a:solidFill>
+                      <a:srgbClr val="000000">
+                        <a:alpha val="100000"/>
+                      </a:srgbClr>
+                    </a:solidFill>
+                    <a:latin typeface="Arial"/>
+                    <a:cs typeface="Arial"/>
+                  </a:rPr>
+                  <a:t>)</a:t>
+                </a:r>
+              </a:p>
+            </p:txBody>
+          </p:sp>
+          <p:sp>
+            <p:nvSpPr>
+              <p:cNvPr id="31" name="tx20">
+                <a:extLst>
+                  <a:ext uri="{FF2B5EF4-FFF2-40B4-BE49-F238E27FC236}">
+                    <a16:creationId xmlns:a16="http://schemas.microsoft.com/office/drawing/2014/main" id="{DBA39BF3-FB59-4659-AAE7-A1A3EFBF6B5F}"/>
+                  </a:ext>
+                </a:extLst>
+              </p:cNvPr>
+              <p:cNvSpPr/>
+              <p:nvPr/>
+            </p:nvSpPr>
+            <p:spPr>
+              <a:xfrm>
+                <a:off x="3691698" y="2812674"/>
+                <a:ext cx="229795" cy="104884"/>
+              </a:xfrm>
+              <a:prstGeom prst="rect">
+                <a:avLst/>
+              </a:prstGeom>
+              <a:noFill/>
+            </p:spPr>
+            <p:txBody>
+              <a:bodyPr wrap="none" lIns="0" tIns="0" rIns="0" bIns="0" anchor="ctr" anchorCtr="1"/>
+              <a:lstStyle/>
+              <a:p>
+                <a:pPr marL="0" marR="0" indent="0" algn="l">
+                  <a:lnSpc>
+                    <a:spcPts val="880"/>
+                  </a:lnSpc>
+                  <a:spcBef>
+                    <a:spcPts val="0"/>
+                  </a:spcBef>
+                  <a:spcAft>
+                    <a:spcPts val="0"/>
+                  </a:spcAft>
+                </a:pPr>
+                <a:r>
+                  <a:rPr lang="en-GB" sz="880" dirty="0">
+                    <a:solidFill>
+                      <a:srgbClr val="000000">
+                        <a:alpha val="100000"/>
+                      </a:srgbClr>
+                    </a:solidFill>
+                    <a:latin typeface="Arial"/>
+                    <a:cs typeface="Arial"/>
+                  </a:rPr>
+                  <a:t>4</a:t>
+                </a:r>
+                <a:r>
+                  <a:rPr sz="880" dirty="0">
+                    <a:solidFill>
+                      <a:srgbClr val="000000">
+                        <a:alpha val="100000"/>
+                      </a:srgbClr>
+                    </a:solidFill>
+                    <a:latin typeface="Arial"/>
+                    <a:cs typeface="Arial"/>
+                  </a:rPr>
+                  <a:t> (</a:t>
+                </a:r>
+                <a:r>
+                  <a:rPr lang="en-GB" sz="880" dirty="0">
+                    <a:solidFill>
+                      <a:srgbClr val="000000">
+                        <a:alpha val="100000"/>
+                      </a:srgbClr>
+                    </a:solidFill>
+                    <a:latin typeface="Arial"/>
+                    <a:cs typeface="Arial"/>
+                  </a:rPr>
+                  <a:t>13</a:t>
+                </a:r>
+                <a:r>
+                  <a:rPr sz="880" dirty="0">
+                    <a:solidFill>
+                      <a:srgbClr val="000000">
+                        <a:alpha val="100000"/>
+                      </a:srgbClr>
+                    </a:solidFill>
+                    <a:latin typeface="Arial"/>
+                    <a:cs typeface="Arial"/>
+                  </a:rPr>
+                  <a:t>)</a:t>
+                </a:r>
+              </a:p>
+            </p:txBody>
+          </p:sp>
+          <p:sp>
+            <p:nvSpPr>
+              <p:cNvPr id="32" name="tx21">
+                <a:extLst>
+                  <a:ext uri="{FF2B5EF4-FFF2-40B4-BE49-F238E27FC236}">
+                    <a16:creationId xmlns:a16="http://schemas.microsoft.com/office/drawing/2014/main" id="{AB7A7E2C-254A-4672-AE29-ABF7C92A72AE}"/>
+                  </a:ext>
+                </a:extLst>
+              </p:cNvPr>
+              <p:cNvSpPr/>
+              <p:nvPr/>
+            </p:nvSpPr>
+            <p:spPr>
+              <a:xfrm>
+                <a:off x="3687931" y="2528175"/>
+                <a:ext cx="229795" cy="110735"/>
+              </a:xfrm>
+              <a:prstGeom prst="rect">
+                <a:avLst/>
+              </a:prstGeom>
+              <a:noFill/>
+            </p:spPr>
+            <p:txBody>
+              <a:bodyPr wrap="none" lIns="0" tIns="0" rIns="0" bIns="0" anchor="ctr" anchorCtr="1"/>
+              <a:lstStyle/>
+              <a:p>
+                <a:pPr marL="0" marR="0" indent="0" algn="l">
+                  <a:lnSpc>
+                    <a:spcPts val="880"/>
+                  </a:lnSpc>
+                  <a:spcBef>
+                    <a:spcPts val="0"/>
+                  </a:spcBef>
+                  <a:spcAft>
+                    <a:spcPts val="0"/>
+                  </a:spcAft>
+                </a:pPr>
+                <a:r>
+                  <a:rPr lang="en-GB" sz="880" dirty="0">
+                    <a:solidFill>
+                      <a:srgbClr val="000000">
+                        <a:alpha val="100000"/>
+                      </a:srgbClr>
+                    </a:solidFill>
+                    <a:latin typeface="Arial"/>
+                    <a:cs typeface="Arial"/>
+                  </a:rPr>
+                  <a:t>5</a:t>
+                </a:r>
+                <a:r>
+                  <a:rPr sz="880" dirty="0">
+                    <a:solidFill>
+                      <a:srgbClr val="000000">
+                        <a:alpha val="100000"/>
+                      </a:srgbClr>
+                    </a:solidFill>
+                    <a:latin typeface="Arial"/>
+                    <a:cs typeface="Arial"/>
+                  </a:rPr>
+                  <a:t> (2)</a:t>
+                </a:r>
+              </a:p>
+            </p:txBody>
+          </p:sp>
+          <p:sp>
+            <p:nvSpPr>
+              <p:cNvPr id="33" name="tx22">
+                <a:extLst>
+                  <a:ext uri="{FF2B5EF4-FFF2-40B4-BE49-F238E27FC236}">
+                    <a16:creationId xmlns:a16="http://schemas.microsoft.com/office/drawing/2014/main" id="{CA9778BA-4359-4E82-8021-9FB585FE751C}"/>
+                  </a:ext>
+                </a:extLst>
+              </p:cNvPr>
+              <p:cNvSpPr/>
+              <p:nvPr/>
+            </p:nvSpPr>
+            <p:spPr>
+              <a:xfrm>
+                <a:off x="3687931" y="2216731"/>
+                <a:ext cx="229795" cy="104884"/>
+              </a:xfrm>
+              <a:prstGeom prst="rect">
+                <a:avLst/>
+              </a:prstGeom>
+              <a:noFill/>
+            </p:spPr>
+            <p:txBody>
+              <a:bodyPr wrap="none" lIns="0" tIns="0" rIns="0" bIns="0" anchor="ctr" anchorCtr="1"/>
+              <a:lstStyle/>
+              <a:p>
+                <a:pPr marL="0" marR="0" indent="0" algn="l">
+                  <a:lnSpc>
+                    <a:spcPts val="880"/>
+                  </a:lnSpc>
+                  <a:spcBef>
+                    <a:spcPts val="0"/>
+                  </a:spcBef>
+                  <a:spcAft>
+                    <a:spcPts val="0"/>
+                  </a:spcAft>
+                </a:pPr>
+                <a:r>
+                  <a:rPr lang="en-GB" sz="880" dirty="0">
+                    <a:solidFill>
+                      <a:srgbClr val="000000">
+                        <a:alpha val="100000"/>
+                      </a:srgbClr>
+                    </a:solidFill>
+                    <a:latin typeface="Arial"/>
+                    <a:cs typeface="Arial"/>
+                  </a:rPr>
+                  <a:t>6</a:t>
+                </a:r>
+                <a:r>
+                  <a:rPr sz="880" dirty="0">
+                    <a:solidFill>
+                      <a:srgbClr val="000000">
+                        <a:alpha val="100000"/>
+                      </a:srgbClr>
+                    </a:solidFill>
+                    <a:latin typeface="Arial"/>
+                    <a:cs typeface="Arial"/>
+                  </a:rPr>
+                  <a:t> (</a:t>
+                </a:r>
+                <a:r>
+                  <a:rPr lang="en-GB" sz="880" dirty="0">
+                    <a:solidFill>
+                      <a:srgbClr val="000000">
+                        <a:alpha val="100000"/>
+                      </a:srgbClr>
+                    </a:solidFill>
+                    <a:latin typeface="Arial"/>
+                    <a:cs typeface="Arial"/>
+                  </a:rPr>
+                  <a:t>2</a:t>
+                </a:r>
+                <a:r>
+                  <a:rPr sz="880" dirty="0">
+                    <a:solidFill>
+                      <a:srgbClr val="000000">
+                        <a:alpha val="100000"/>
+                      </a:srgbClr>
+                    </a:solidFill>
+                    <a:latin typeface="Arial"/>
+                    <a:cs typeface="Arial"/>
+                  </a:rPr>
+                  <a:t>)</a:t>
+                </a:r>
+              </a:p>
+            </p:txBody>
+          </p:sp>
+        </p:grpSp>
+      </p:grpSp>
     </p:spTree>
     <p:extLst>
       <p:ext uri="{BB962C8B-B14F-4D97-AF65-F5344CB8AC3E}">

--- a/outputs/legend_nrefs_paper.pptx
+++ b/outputs/legend_nrefs_paper.pptx
@@ -311,7 +311,7 @@
           <a:p>
             <a:fld id="{6BA5D40C-A8DC-479A-A5D3-E7B4936A184B}" type="datetimeFigureOut">
               <a:rPr lang="en-GB" smtClean="0"/>
-              <a:t>06/10/2020</a:t>
+              <a:t>30/11/2020</a:t>
             </a:fld>
             <a:endParaRPr lang="en-GB"/>
           </a:p>
@@ -481,7 +481,7 @@
           <a:p>
             <a:fld id="{6BA5D40C-A8DC-479A-A5D3-E7B4936A184B}" type="datetimeFigureOut">
               <a:rPr lang="en-GB" smtClean="0"/>
-              <a:t>06/10/2020</a:t>
+              <a:t>30/11/2020</a:t>
             </a:fld>
             <a:endParaRPr lang="en-GB"/>
           </a:p>
@@ -661,7 +661,7 @@
           <a:p>
             <a:fld id="{6BA5D40C-A8DC-479A-A5D3-E7B4936A184B}" type="datetimeFigureOut">
               <a:rPr lang="en-GB" smtClean="0"/>
-              <a:t>06/10/2020</a:t>
+              <a:t>30/11/2020</a:t>
             </a:fld>
             <a:endParaRPr lang="en-GB"/>
           </a:p>
@@ -831,7 +831,7 @@
           <a:p>
             <a:fld id="{6BA5D40C-A8DC-479A-A5D3-E7B4936A184B}" type="datetimeFigureOut">
               <a:rPr lang="en-GB" smtClean="0"/>
-              <a:t>06/10/2020</a:t>
+              <a:t>30/11/2020</a:t>
             </a:fld>
             <a:endParaRPr lang="en-GB"/>
           </a:p>
@@ -1077,7 +1077,7 @@
           <a:p>
             <a:fld id="{6BA5D40C-A8DC-479A-A5D3-E7B4936A184B}" type="datetimeFigureOut">
               <a:rPr lang="en-GB" smtClean="0"/>
-              <a:t>06/10/2020</a:t>
+              <a:t>30/11/2020</a:t>
             </a:fld>
             <a:endParaRPr lang="en-GB"/>
           </a:p>
@@ -1365,7 +1365,7 @@
           <a:p>
             <a:fld id="{6BA5D40C-A8DC-479A-A5D3-E7B4936A184B}" type="datetimeFigureOut">
               <a:rPr lang="en-GB" smtClean="0"/>
-              <a:t>06/10/2020</a:t>
+              <a:t>30/11/2020</a:t>
             </a:fld>
             <a:endParaRPr lang="en-GB"/>
           </a:p>
@@ -1792,7 +1792,7 @@
           <a:p>
             <a:fld id="{6BA5D40C-A8DC-479A-A5D3-E7B4936A184B}" type="datetimeFigureOut">
               <a:rPr lang="en-GB" smtClean="0"/>
-              <a:t>06/10/2020</a:t>
+              <a:t>30/11/2020</a:t>
             </a:fld>
             <a:endParaRPr lang="en-GB"/>
           </a:p>
@@ -1910,7 +1910,7 @@
           <a:p>
             <a:fld id="{6BA5D40C-A8DC-479A-A5D3-E7B4936A184B}" type="datetimeFigureOut">
               <a:rPr lang="en-GB" smtClean="0"/>
-              <a:t>06/10/2020</a:t>
+              <a:t>30/11/2020</a:t>
             </a:fld>
             <a:endParaRPr lang="en-GB"/>
           </a:p>
@@ -2005,7 +2005,7 @@
           <a:p>
             <a:fld id="{6BA5D40C-A8DC-479A-A5D3-E7B4936A184B}" type="datetimeFigureOut">
               <a:rPr lang="en-GB" smtClean="0"/>
-              <a:t>06/10/2020</a:t>
+              <a:t>30/11/2020</a:t>
             </a:fld>
             <a:endParaRPr lang="en-GB"/>
           </a:p>
@@ -2282,7 +2282,7 @@
           <a:p>
             <a:fld id="{6BA5D40C-A8DC-479A-A5D3-E7B4936A184B}" type="datetimeFigureOut">
               <a:rPr lang="en-GB" smtClean="0"/>
-              <a:t>06/10/2020</a:t>
+              <a:t>30/11/2020</a:t>
             </a:fld>
             <a:endParaRPr lang="en-GB"/>
           </a:p>
@@ -2535,7 +2535,7 @@
           <a:p>
             <a:fld id="{6BA5D40C-A8DC-479A-A5D3-E7B4936A184B}" type="datetimeFigureOut">
               <a:rPr lang="en-GB" smtClean="0"/>
-              <a:t>06/10/2020</a:t>
+              <a:t>30/11/2020</a:t>
             </a:fld>
             <a:endParaRPr lang="en-GB"/>
           </a:p>
@@ -2748,7 +2748,7 @@
           <a:p>
             <a:fld id="{6BA5D40C-A8DC-479A-A5D3-E7B4936A184B}" type="datetimeFigureOut">
               <a:rPr lang="en-GB" smtClean="0"/>
-              <a:t>06/10/2020</a:t>
+              <a:t>30/11/2020</a:t>
             </a:fld>
             <a:endParaRPr lang="en-GB"/>
           </a:p>
@@ -6595,14 +6595,14 @@
                     </a:spcAft>
                   </a:pPr>
                   <a:r>
-                    <a:rPr sz="1100" dirty="0">
+                    <a:rPr sz="1000" dirty="0">
                       <a:solidFill>
                         <a:srgbClr val="000000">
                           <a:alpha val="100000"/>
                         </a:srgbClr>
                       </a:solidFill>
-                      <a:latin typeface="Arial"/>
-                      <a:cs typeface="Arial"/>
+                      <a:latin typeface="Times New Roman" panose="02020603050405020304" pitchFamily="18" charset="0"/>
+                      <a:cs typeface="Times New Roman" panose="02020603050405020304" pitchFamily="18" charset="0"/>
                     </a:rPr>
                     <a:t>Number of times</a:t>
                   </a:r>
@@ -6647,14 +6647,14 @@
                     </a:spcAft>
                   </a:pPr>
                   <a:r>
-                    <a:rPr sz="1100" dirty="0">
+                    <a:rPr sz="1000" dirty="0">
                       <a:solidFill>
                         <a:srgbClr val="000000">
                           <a:alpha val="100000"/>
                         </a:srgbClr>
                       </a:solidFill>
-                      <a:latin typeface="Arial"/>
-                      <a:cs typeface="Arial"/>
+                      <a:latin typeface="Times New Roman" panose="02020603050405020304" pitchFamily="18" charset="0"/>
+                      <a:cs typeface="Times New Roman" panose="02020603050405020304" pitchFamily="18" charset="0"/>
                     </a:rPr>
                     <a:t>cited across</a:t>
                   </a:r>
@@ -6699,14 +6699,14 @@
                     </a:spcAft>
                   </a:pPr>
                   <a:r>
-                    <a:rPr sz="1100">
+                    <a:rPr sz="1000" dirty="0">
                       <a:solidFill>
                         <a:srgbClr val="000000">
                           <a:alpha val="100000"/>
                         </a:srgbClr>
                       </a:solidFill>
-                      <a:latin typeface="Arial"/>
-                      <a:cs typeface="Arial"/>
+                      <a:latin typeface="Times New Roman" panose="02020603050405020304" pitchFamily="18" charset="0"/>
+                      <a:cs typeface="Times New Roman" panose="02020603050405020304" pitchFamily="18" charset="0"/>
                     </a:rPr>
                     <a:t>guidelines (n):</a:t>
                   </a:r>
@@ -6838,50 +6838,50 @@
                   </a:spcAft>
                 </a:pPr>
                 <a:r>
-                  <a:rPr lang="en-GB" sz="880" dirty="0">
+                  <a:rPr lang="en-GB" sz="1000" dirty="0">
                     <a:solidFill>
                       <a:srgbClr val="000000">
                         <a:alpha val="100000"/>
                       </a:srgbClr>
                     </a:solidFill>
-                    <a:latin typeface="Arial"/>
-                    <a:cs typeface="Arial"/>
+                    <a:latin typeface="Times New Roman" panose="02020603050405020304" pitchFamily="18" charset="0"/>
+                    <a:cs typeface="Times New Roman" panose="02020603050405020304" pitchFamily="18" charset="0"/>
                   </a:rPr>
                   <a:t>3</a:t>
                 </a:r>
                 <a:r>
-                  <a:rPr sz="880" dirty="0">
+                  <a:rPr sz="1000" dirty="0">
                     <a:solidFill>
                       <a:srgbClr val="000000">
                         <a:alpha val="100000"/>
                       </a:srgbClr>
                     </a:solidFill>
-                    <a:latin typeface="Arial"/>
-                    <a:cs typeface="Arial"/>
+                    <a:latin typeface="Times New Roman" panose="02020603050405020304" pitchFamily="18" charset="0"/>
+                    <a:cs typeface="Times New Roman" panose="02020603050405020304" pitchFamily="18" charset="0"/>
                   </a:rPr>
                   <a:t> (</a:t>
                 </a:r>
                 <a:r>
-                  <a:rPr lang="en-GB" sz="880" dirty="0">
+                  <a:rPr lang="en-GB" sz="1000" dirty="0">
                     <a:solidFill>
                       <a:srgbClr val="000000">
                         <a:alpha val="100000"/>
                       </a:srgbClr>
                     </a:solidFill>
-                    <a:latin typeface="Arial"/>
-                    <a:cs typeface="Arial"/>
+                    <a:latin typeface="Times New Roman" panose="02020603050405020304" pitchFamily="18" charset="0"/>
+                    <a:cs typeface="Times New Roman" panose="02020603050405020304" pitchFamily="18" charset="0"/>
                   </a:rPr>
                   <a:t>36</a:t>
                 </a:r>
                 <a:r>
-                  <a:rPr sz="880" dirty="0">
+                  <a:rPr sz="1000" dirty="0">
                     <a:solidFill>
                       <a:srgbClr val="000000">
                         <a:alpha val="100000"/>
                       </a:srgbClr>
                     </a:solidFill>
-                    <a:latin typeface="Arial"/>
-                    <a:cs typeface="Arial"/>
+                    <a:latin typeface="Times New Roman" panose="02020603050405020304" pitchFamily="18" charset="0"/>
+                    <a:cs typeface="Times New Roman" panose="02020603050405020304" pitchFamily="18" charset="0"/>
                   </a:rPr>
                   <a:t>)</a:t>
                 </a:r>
@@ -6926,50 +6926,50 @@
                   </a:spcAft>
                 </a:pPr>
                 <a:r>
-                  <a:rPr lang="en-GB" sz="880" dirty="0">
+                  <a:rPr lang="en-GB" sz="1000" dirty="0">
                     <a:solidFill>
                       <a:srgbClr val="000000">
                         <a:alpha val="100000"/>
                       </a:srgbClr>
                     </a:solidFill>
-                    <a:latin typeface="Arial"/>
-                    <a:cs typeface="Arial"/>
+                    <a:latin typeface="Times New Roman" panose="02020603050405020304" pitchFamily="18" charset="0"/>
+                    <a:cs typeface="Times New Roman" panose="02020603050405020304" pitchFamily="18" charset="0"/>
                   </a:rPr>
                   <a:t>4</a:t>
                 </a:r>
                 <a:r>
-                  <a:rPr sz="880" dirty="0">
+                  <a:rPr sz="1000" dirty="0">
                     <a:solidFill>
                       <a:srgbClr val="000000">
                         <a:alpha val="100000"/>
                       </a:srgbClr>
                     </a:solidFill>
-                    <a:latin typeface="Arial"/>
-                    <a:cs typeface="Arial"/>
+                    <a:latin typeface="Times New Roman" panose="02020603050405020304" pitchFamily="18" charset="0"/>
+                    <a:cs typeface="Times New Roman" panose="02020603050405020304" pitchFamily="18" charset="0"/>
                   </a:rPr>
                   <a:t> (</a:t>
                 </a:r>
                 <a:r>
-                  <a:rPr lang="en-GB" sz="880" dirty="0">
+                  <a:rPr lang="en-GB" sz="1000" dirty="0">
                     <a:solidFill>
                       <a:srgbClr val="000000">
                         <a:alpha val="100000"/>
                       </a:srgbClr>
                     </a:solidFill>
-                    <a:latin typeface="Arial"/>
-                    <a:cs typeface="Arial"/>
+                    <a:latin typeface="Times New Roman" panose="02020603050405020304" pitchFamily="18" charset="0"/>
+                    <a:cs typeface="Times New Roman" panose="02020603050405020304" pitchFamily="18" charset="0"/>
                   </a:rPr>
                   <a:t>13</a:t>
                 </a:r>
                 <a:r>
-                  <a:rPr sz="880" dirty="0">
+                  <a:rPr sz="1000" dirty="0">
                     <a:solidFill>
                       <a:srgbClr val="000000">
                         <a:alpha val="100000"/>
                       </a:srgbClr>
                     </a:solidFill>
-                    <a:latin typeface="Arial"/>
-                    <a:cs typeface="Arial"/>
+                    <a:latin typeface="Times New Roman" panose="02020603050405020304" pitchFamily="18" charset="0"/>
+                    <a:cs typeface="Times New Roman" panose="02020603050405020304" pitchFamily="18" charset="0"/>
                   </a:rPr>
                   <a:t>)</a:t>
                 </a:r>
@@ -7014,26 +7014,26 @@
                   </a:spcAft>
                 </a:pPr>
                 <a:r>
-                  <a:rPr lang="en-GB" sz="880" dirty="0">
+                  <a:rPr lang="en-GB" sz="1000" dirty="0">
                     <a:solidFill>
                       <a:srgbClr val="000000">
                         <a:alpha val="100000"/>
                       </a:srgbClr>
                     </a:solidFill>
-                    <a:latin typeface="Arial"/>
-                    <a:cs typeface="Arial"/>
+                    <a:latin typeface="Times New Roman" panose="02020603050405020304" pitchFamily="18" charset="0"/>
+                    <a:cs typeface="Times New Roman" panose="02020603050405020304" pitchFamily="18" charset="0"/>
                   </a:rPr>
                   <a:t>5</a:t>
                 </a:r>
                 <a:r>
-                  <a:rPr sz="880" dirty="0">
+                  <a:rPr sz="1000" dirty="0">
                     <a:solidFill>
                       <a:srgbClr val="000000">
                         <a:alpha val="100000"/>
                       </a:srgbClr>
                     </a:solidFill>
-                    <a:latin typeface="Arial"/>
-                    <a:cs typeface="Arial"/>
+                    <a:latin typeface="Times New Roman" panose="02020603050405020304" pitchFamily="18" charset="0"/>
+                    <a:cs typeface="Times New Roman" panose="02020603050405020304" pitchFamily="18" charset="0"/>
                   </a:rPr>
                   <a:t> (2)</a:t>
                 </a:r>
@@ -7078,50 +7078,50 @@
                   </a:spcAft>
                 </a:pPr>
                 <a:r>
-                  <a:rPr lang="en-GB" sz="880" dirty="0">
+                  <a:rPr lang="en-GB" sz="1000" dirty="0">
                     <a:solidFill>
                       <a:srgbClr val="000000">
                         <a:alpha val="100000"/>
                       </a:srgbClr>
                     </a:solidFill>
-                    <a:latin typeface="Arial"/>
-                    <a:cs typeface="Arial"/>
+                    <a:latin typeface="Times New Roman" panose="02020603050405020304" pitchFamily="18" charset="0"/>
+                    <a:cs typeface="Times New Roman" panose="02020603050405020304" pitchFamily="18" charset="0"/>
                   </a:rPr>
                   <a:t>6</a:t>
                 </a:r>
                 <a:r>
-                  <a:rPr sz="880" dirty="0">
+                  <a:rPr sz="1000" dirty="0">
                     <a:solidFill>
                       <a:srgbClr val="000000">
                         <a:alpha val="100000"/>
                       </a:srgbClr>
                     </a:solidFill>
-                    <a:latin typeface="Arial"/>
-                    <a:cs typeface="Arial"/>
+                    <a:latin typeface="Times New Roman" panose="02020603050405020304" pitchFamily="18" charset="0"/>
+                    <a:cs typeface="Times New Roman" panose="02020603050405020304" pitchFamily="18" charset="0"/>
                   </a:rPr>
                   <a:t> (</a:t>
                 </a:r>
                 <a:r>
-                  <a:rPr lang="en-GB" sz="880" dirty="0">
+                  <a:rPr lang="en-GB" sz="1000" dirty="0">
                     <a:solidFill>
                       <a:srgbClr val="000000">
                         <a:alpha val="100000"/>
                       </a:srgbClr>
                     </a:solidFill>
-                    <a:latin typeface="Arial"/>
-                    <a:cs typeface="Arial"/>
+                    <a:latin typeface="Times New Roman" panose="02020603050405020304" pitchFamily="18" charset="0"/>
+                    <a:cs typeface="Times New Roman" panose="02020603050405020304" pitchFamily="18" charset="0"/>
                   </a:rPr>
                   <a:t>2</a:t>
                 </a:r>
                 <a:r>
-                  <a:rPr sz="880" dirty="0">
+                  <a:rPr sz="1000" dirty="0">
                     <a:solidFill>
                       <a:srgbClr val="000000">
                         <a:alpha val="100000"/>
                       </a:srgbClr>
                     </a:solidFill>
-                    <a:latin typeface="Arial"/>
-                    <a:cs typeface="Arial"/>
+                    <a:latin typeface="Times New Roman" panose="02020603050405020304" pitchFamily="18" charset="0"/>
+                    <a:cs typeface="Times New Roman" panose="02020603050405020304" pitchFamily="18" charset="0"/>
                   </a:rPr>
                   <a:t>)</a:t>
                 </a:r>
@@ -9594,14 +9594,14 @@
                 </a:spcAft>
               </a:pPr>
               <a:r>
-                <a:rPr sz="1100" dirty="0">
+                <a:rPr sz="1000" dirty="0">
                   <a:solidFill>
                     <a:srgbClr val="000000">
                       <a:alpha val="100000"/>
                     </a:srgbClr>
                   </a:solidFill>
-                  <a:latin typeface="Arial"/>
-                  <a:cs typeface="Arial"/>
+                  <a:latin typeface="Times New Roman" panose="02020603050405020304" pitchFamily="18" charset="0"/>
+                  <a:cs typeface="Times New Roman" panose="02020603050405020304" pitchFamily="18" charset="0"/>
                 </a:rPr>
                 <a:t>Number of times</a:t>
               </a:r>
@@ -9640,14 +9640,14 @@
                 </a:spcAft>
               </a:pPr>
               <a:r>
-                <a:rPr sz="1100">
+                <a:rPr sz="1000" dirty="0">
                   <a:solidFill>
                     <a:srgbClr val="000000">
                       <a:alpha val="100000"/>
                     </a:srgbClr>
                   </a:solidFill>
-                  <a:latin typeface="Arial"/>
-                  <a:cs typeface="Arial"/>
+                  <a:latin typeface="Times New Roman" panose="02020603050405020304" pitchFamily="18" charset="0"/>
+                  <a:cs typeface="Times New Roman" panose="02020603050405020304" pitchFamily="18" charset="0"/>
                 </a:rPr>
                 <a:t>cited across</a:t>
               </a:r>
@@ -9686,14 +9686,14 @@
                 </a:spcAft>
               </a:pPr>
               <a:r>
-                <a:rPr sz="1100">
+                <a:rPr sz="1000" dirty="0">
                   <a:solidFill>
                     <a:srgbClr val="000000">
                       <a:alpha val="100000"/>
                     </a:srgbClr>
                   </a:solidFill>
-                  <a:latin typeface="Arial"/>
-                  <a:cs typeface="Arial"/>
+                  <a:latin typeface="Times New Roman" panose="02020603050405020304" pitchFamily="18" charset="0"/>
+                  <a:cs typeface="Times New Roman" panose="02020603050405020304" pitchFamily="18" charset="0"/>
                 </a:rPr>
                 <a:t>guidelines (n):</a:t>
               </a:r>
@@ -9960,8 +9960,8 @@
                       <a:alpha val="100000"/>
                     </a:srgbClr>
                   </a:solidFill>
-                  <a:latin typeface="Arial"/>
-                  <a:cs typeface="Arial"/>
+                  <a:latin typeface="Times New Roman" panose="02020603050405020304" pitchFamily="18" charset="0"/>
+                  <a:cs typeface="Times New Roman" panose="02020603050405020304" pitchFamily="18" charset="0"/>
                 </a:rPr>
                 <a:t>1 (1508)</a:t>
               </a:r>
@@ -10006,8 +10006,8 @@
                       <a:alpha val="100000"/>
                     </a:srgbClr>
                   </a:solidFill>
-                  <a:latin typeface="Arial"/>
-                  <a:cs typeface="Arial"/>
+                  <a:latin typeface="Times New Roman" panose="02020603050405020304" pitchFamily="18" charset="0"/>
+                  <a:cs typeface="Times New Roman" panose="02020603050405020304" pitchFamily="18" charset="0"/>
                 </a:rPr>
                 <a:t>2 (139)</a:t>
               </a:r>
@@ -10052,8 +10052,8 @@
                       <a:alpha val="100000"/>
                     </a:srgbClr>
                   </a:solidFill>
-                  <a:latin typeface="Arial"/>
-                  <a:cs typeface="Arial"/>
+                  <a:latin typeface="Times New Roman" panose="02020603050405020304" pitchFamily="18" charset="0"/>
+                  <a:cs typeface="Times New Roman" panose="02020603050405020304" pitchFamily="18" charset="0"/>
                 </a:rPr>
                 <a:t>3 (36)</a:t>
               </a:r>
@@ -10098,8 +10098,8 @@
                       <a:alpha val="100000"/>
                     </a:srgbClr>
                   </a:solidFill>
-                  <a:latin typeface="Arial"/>
-                  <a:cs typeface="Arial"/>
+                  <a:latin typeface="Times New Roman" panose="02020603050405020304" pitchFamily="18" charset="0"/>
+                  <a:cs typeface="Times New Roman" panose="02020603050405020304" pitchFamily="18" charset="0"/>
                 </a:rPr>
                 <a:t>4 (13)</a:t>
               </a:r>
@@ -10144,8 +10144,8 @@
                       <a:alpha val="100000"/>
                     </a:srgbClr>
                   </a:solidFill>
-                  <a:latin typeface="Arial"/>
-                  <a:cs typeface="Arial"/>
+                  <a:latin typeface="Times New Roman" panose="02020603050405020304" pitchFamily="18" charset="0"/>
+                  <a:cs typeface="Times New Roman" panose="02020603050405020304" pitchFamily="18" charset="0"/>
                 </a:rPr>
                 <a:t>5 (2)</a:t>
               </a:r>
@@ -10190,8 +10190,8 @@
                       <a:alpha val="100000"/>
                     </a:srgbClr>
                   </a:solidFill>
-                  <a:latin typeface="Arial"/>
-                  <a:cs typeface="Arial"/>
+                  <a:latin typeface="Times New Roman" panose="02020603050405020304" pitchFamily="18" charset="0"/>
+                  <a:cs typeface="Times New Roman" panose="02020603050405020304" pitchFamily="18" charset="0"/>
                 </a:rPr>
                 <a:t>6 (2)</a:t>
               </a:r>
